--- a/Drug-Target Interaction Prediction.pptx
+++ b/Drug-Target Interaction Prediction.pptx
@@ -5,10 +5,10 @@
     <p:sldMasterId id="2147483887" r:id="rId4"/>
   </p:sldMasterIdLst>
   <p:notesMasterIdLst>
-    <p:notesMasterId r:id="rId23"/>
+    <p:notesMasterId r:id="rId30"/>
   </p:notesMasterIdLst>
   <p:handoutMasterIdLst>
-    <p:handoutMasterId r:id="rId24"/>
+    <p:handoutMasterId r:id="rId31"/>
   </p:handoutMasterIdLst>
   <p:sldIdLst>
     <p:sldId id="264" r:id="rId5"/>
@@ -26,9 +26,16 @@
     <p:sldId id="304" r:id="rId17"/>
     <p:sldId id="307" r:id="rId18"/>
     <p:sldId id="308" r:id="rId19"/>
-    <p:sldId id="294" r:id="rId20"/>
-    <p:sldId id="289" r:id="rId21"/>
-    <p:sldId id="292" r:id="rId22"/>
+    <p:sldId id="309" r:id="rId20"/>
+    <p:sldId id="310" r:id="rId21"/>
+    <p:sldId id="311" r:id="rId22"/>
+    <p:sldId id="312" r:id="rId23"/>
+    <p:sldId id="313" r:id="rId24"/>
+    <p:sldId id="314" r:id="rId25"/>
+    <p:sldId id="315" r:id="rId26"/>
+    <p:sldId id="294" r:id="rId27"/>
+    <p:sldId id="289" r:id="rId28"/>
+    <p:sldId id="292" r:id="rId29"/>
   </p:sldIdLst>
   <p:sldSz cx="12188825" cy="6858000"/>
   <p:notesSz cx="6858000" cy="9144000"/>
@@ -16204,6 +16211,21 @@
             <a:pPr marL="0" indent="0">
               <a:buNone/>
             </a:pPr>
+            <a:r>
+              <a:rPr lang="en-US" dirty="0">
+                <a:solidFill>
+                  <a:schemeClr val="tx1"/>
+                </a:solidFill>
+                <a:latin typeface="Calibri" panose="020F0502020204030204" pitchFamily="34" charset="0"/>
+                <a:cs typeface="Calibri" panose="020F0502020204030204" pitchFamily="34" charset="0"/>
+              </a:rPr>
+              <a:t>The accuracy of the Weighted Profile depends on the number of nearest neighbors and how good they are.</a:t>
+            </a:r>
+          </a:p>
+          <a:p>
+            <a:pPr marL="0" indent="0">
+              <a:buNone/>
+            </a:pPr>
             <a:endParaRPr lang="en-US" dirty="0">
               <a:solidFill>
                 <a:schemeClr val="tx1"/>
@@ -16211,6 +16233,48 @@
               <a:latin typeface="Calibri" panose="020F0502020204030204" pitchFamily="34" charset="0"/>
               <a:cs typeface="Calibri" panose="020F0502020204030204" pitchFamily="34" charset="0"/>
             </a:endParaRPr>
+          </a:p>
+          <a:p>
+            <a:pPr marL="0" indent="0">
+              <a:buNone/>
+            </a:pPr>
+            <a:r>
+              <a:rPr lang="en-US" dirty="0">
+                <a:solidFill>
+                  <a:schemeClr val="tx1"/>
+                </a:solidFill>
+                <a:latin typeface="Calibri" panose="020F0502020204030204" pitchFamily="34" charset="0"/>
+                <a:cs typeface="Calibri" panose="020F0502020204030204" pitchFamily="34" charset="0"/>
+              </a:rPr>
+              <a:t>It happens that a drug is very similar to another drug but it doesn’t interact with same targets which we consider a “Bad” nearest neighbor.</a:t>
+            </a:r>
+          </a:p>
+          <a:p>
+            <a:pPr marL="0" indent="0">
+              <a:buNone/>
+            </a:pPr>
+            <a:endParaRPr lang="en-US" dirty="0">
+              <a:solidFill>
+                <a:schemeClr val="tx1"/>
+              </a:solidFill>
+              <a:latin typeface="Calibri" panose="020F0502020204030204" pitchFamily="34" charset="0"/>
+              <a:cs typeface="Calibri" panose="020F0502020204030204" pitchFamily="34" charset="0"/>
+            </a:endParaRPr>
+          </a:p>
+          <a:p>
+            <a:pPr marL="0" indent="0">
+              <a:buNone/>
+            </a:pPr>
+            <a:r>
+              <a:rPr lang="en-US" dirty="0">
+                <a:solidFill>
+                  <a:schemeClr val="tx1"/>
+                </a:solidFill>
+                <a:latin typeface="Calibri" panose="020F0502020204030204" pitchFamily="34" charset="0"/>
+                <a:cs typeface="Calibri" panose="020F0502020204030204" pitchFamily="34" charset="0"/>
+              </a:rPr>
+              <a:t>Our goal in this project is to recalculate the Drug-Drug and Target-Target similarities based only on the interaction matrix. Which does make sense that two drugs are more similar when there are more common targets which both interact with (same in Target-Target similarities).       </a:t>
+            </a:r>
           </a:p>
         </p:txBody>
       </p:sp>
@@ -16537,12 +16601,7 @@
             <p:ph type="title"/>
           </p:nvPr>
         </p:nvSpPr>
-        <p:spPr>
-          <a:xfrm>
-            <a:off x="677158" y="609600"/>
-            <a:ext cx="8594429" cy="990600"/>
-          </a:xfrm>
-        </p:spPr>
+        <p:spPr/>
         <p:txBody>
           <a:bodyPr anchor="t">
             <a:normAutofit/>
@@ -16554,7 +16613,7 @@
                 <a:latin typeface="Calibri" panose="020F0502020204030204" pitchFamily="34" charset="0"/>
                 <a:cs typeface="Calibri" panose="020F0502020204030204" pitchFamily="34" charset="0"/>
               </a:rPr>
-              <a:t>References </a:t>
+              <a:t>Jaccard Similarity  </a:t>
             </a:r>
             <a:endParaRPr lang="en-US" dirty="0">
               <a:latin typeface="Calibri" panose="020F0502020204030204" pitchFamily="34" charset="0"/>
@@ -16563,36 +16622,1017 @@
           </a:p>
         </p:txBody>
       </p:sp>
-      <p:sp>
-        <p:nvSpPr>
-          <p:cNvPr id="9" name="Content Placeholder 8">
-            <a:extLst>
-              <a:ext uri="{FF2B5EF4-FFF2-40B4-BE49-F238E27FC236}">
-                <a16:creationId xmlns:a16="http://schemas.microsoft.com/office/drawing/2014/main" id="{BFD27979-805A-4B4B-946D-AB44BEAC7A32}"/>
-              </a:ext>
-            </a:extLst>
-          </p:cNvPr>
-          <p:cNvSpPr>
-            <a:spLocks noGrp="1"/>
-          </p:cNvSpPr>
-          <p:nvPr>
-            <p:ph idx="1"/>
-          </p:nvPr>
-        </p:nvSpPr>
-        <p:spPr>
-          <a:xfrm>
-            <a:off x="760412" y="1600200"/>
-            <a:ext cx="8594429" cy="3880773"/>
-          </a:xfrm>
-        </p:spPr>
-        <p:txBody>
-          <a:bodyPr/>
-          <a:lstStyle/>
-          <a:p>
-            <a:endParaRPr lang="en-US" dirty="0"/>
-          </a:p>
-        </p:txBody>
-      </p:sp>
+      <mc:AlternateContent xmlns:mc="http://schemas.openxmlformats.org/markup-compatibility/2006">
+        <mc:Choice xmlns:a14="http://schemas.microsoft.com/office/drawing/2010/main" Requires="a14">
+          <p:sp>
+            <p:nvSpPr>
+              <p:cNvPr id="9" name="Content Placeholder 8">
+                <a:extLst>
+                  <a:ext uri="{FF2B5EF4-FFF2-40B4-BE49-F238E27FC236}">
+                    <a16:creationId xmlns:a16="http://schemas.microsoft.com/office/drawing/2014/main" id="{BFD27979-805A-4B4B-946D-AB44BEAC7A32}"/>
+                  </a:ext>
+                </a:extLst>
+              </p:cNvPr>
+              <p:cNvSpPr>
+                <a:spLocks noGrp="1"/>
+              </p:cNvSpPr>
+              <p:nvPr>
+                <p:ph idx="1"/>
+              </p:nvPr>
+            </p:nvSpPr>
+            <p:spPr>
+              <a:xfrm>
+                <a:off x="760413" y="1600200"/>
+                <a:ext cx="6553199" cy="4724400"/>
+              </a:xfrm>
+            </p:spPr>
+            <p:txBody>
+              <a:bodyPr>
+                <a:normAutofit/>
+              </a:bodyPr>
+              <a:lstStyle/>
+              <a:p>
+                <a:pPr marL="0" indent="0">
+                  <a:buNone/>
+                </a:pPr>
+                <a:r>
+                  <a:rPr lang="en-US" dirty="0">
+                    <a:solidFill>
+                      <a:schemeClr val="tx1"/>
+                    </a:solidFill>
+                    <a:latin typeface="Calibri" panose="020F0502020204030204" pitchFamily="34" charset="0"/>
+                    <a:cs typeface="Calibri" panose="020F0502020204030204" pitchFamily="34" charset="0"/>
+                  </a:rPr>
+                  <a:t>To calculate the similarities based on the interaction matrix we use the Jaccard Similarity which is defined as the following :</a:t>
+                </a:r>
+              </a:p>
+              <a:p>
+                <a:pPr marL="0" indent="0">
+                  <a:buNone/>
+                </a:pPr>
+                <a:endParaRPr lang="en-US" dirty="0">
+                  <a:solidFill>
+                    <a:schemeClr val="tx1"/>
+                  </a:solidFill>
+                  <a:latin typeface="Calibri" panose="020F0502020204030204" pitchFamily="34" charset="0"/>
+                  <a:cs typeface="Calibri" panose="020F0502020204030204" pitchFamily="34" charset="0"/>
+                </a:endParaRPr>
+              </a:p>
+              <a:p>
+                <a:pPr marL="0" indent="0">
+                  <a:buNone/>
+                </a:pPr>
+                <a14:m>
+                  <m:oMath xmlns:m="http://schemas.openxmlformats.org/officeDocument/2006/math">
+                    <m:sSubSup>
+                      <m:sSubSupPr>
+                        <m:ctrlPr>
+                          <a:rPr lang="en-US" i="1">
+                            <a:solidFill>
+                              <a:schemeClr val="tx1"/>
+                            </a:solidFill>
+                            <a:latin typeface="Cambria Math" panose="02040503050406030204" pitchFamily="18" charset="0"/>
+                            <a:cs typeface="Calibri" panose="020F0502020204030204" pitchFamily="34" charset="0"/>
+                          </a:rPr>
+                        </m:ctrlPr>
+                      </m:sSubSupPr>
+                      <m:e>
+                        <m:r>
+                          <a:rPr lang="en-US" i="1">
+                            <a:solidFill>
+                              <a:schemeClr val="tx1"/>
+                            </a:solidFill>
+                            <a:latin typeface="Cambria Math" panose="02040503050406030204" pitchFamily="18" charset="0"/>
+                            <a:cs typeface="Calibri" panose="020F0502020204030204" pitchFamily="34" charset="0"/>
+                          </a:rPr>
+                          <m:t>𝑆𝐷</m:t>
+                        </m:r>
+                      </m:e>
+                      <m:sub/>
+                      <m:sup>
+                        <m:r>
+                          <a:rPr lang="en-US" i="1">
+                            <a:solidFill>
+                              <a:schemeClr val="tx1"/>
+                            </a:solidFill>
+                            <a:latin typeface="Cambria Math" panose="02040503050406030204" pitchFamily="18" charset="0"/>
+                            <a:cs typeface="Calibri" panose="020F0502020204030204" pitchFamily="34" charset="0"/>
+                          </a:rPr>
+                          <m:t>𝐽</m:t>
+                        </m:r>
+                      </m:sup>
+                    </m:sSubSup>
+                  </m:oMath>
+                </a14:m>
+                <a:r>
+                  <a:rPr lang="en-US" dirty="0">
+                    <a:solidFill>
+                      <a:schemeClr val="tx1"/>
+                    </a:solidFill>
+                    <a:latin typeface="Calibri" panose="020F0502020204030204" pitchFamily="34" charset="0"/>
+                    <a:cs typeface="Calibri" panose="020F0502020204030204" pitchFamily="34" charset="0"/>
+                  </a:rPr>
+                  <a:t>  is the Drug-Drug Jaccard similarity matrix and the element </a:t>
+                </a:r>
+                <a14:m>
+                  <m:oMath xmlns:m="http://schemas.openxmlformats.org/officeDocument/2006/math">
+                    <m:sSubSup>
+                      <m:sSubSupPr>
+                        <m:ctrlPr>
+                          <a:rPr lang="en-US" i="1">
+                            <a:solidFill>
+                              <a:schemeClr val="tx1"/>
+                            </a:solidFill>
+                            <a:latin typeface="Cambria Math" panose="02040503050406030204" pitchFamily="18" charset="0"/>
+                            <a:cs typeface="Calibri" panose="020F0502020204030204" pitchFamily="34" charset="0"/>
+                          </a:rPr>
+                        </m:ctrlPr>
+                      </m:sSubSupPr>
+                      <m:e>
+                        <m:r>
+                          <a:rPr lang="en-US" i="1">
+                            <a:solidFill>
+                              <a:schemeClr val="tx1"/>
+                            </a:solidFill>
+                            <a:latin typeface="Cambria Math" panose="02040503050406030204" pitchFamily="18" charset="0"/>
+                            <a:cs typeface="Calibri" panose="020F0502020204030204" pitchFamily="34" charset="0"/>
+                          </a:rPr>
+                          <m:t>𝑆𝐷</m:t>
+                        </m:r>
+                      </m:e>
+                      <m:sub>
+                        <m:r>
+                          <a:rPr lang="en-US" i="1">
+                            <a:solidFill>
+                              <a:schemeClr val="tx1"/>
+                            </a:solidFill>
+                            <a:latin typeface="Cambria Math" panose="02040503050406030204" pitchFamily="18" charset="0"/>
+                            <a:cs typeface="Calibri" panose="020F0502020204030204" pitchFamily="34" charset="0"/>
+                          </a:rPr>
+                          <m:t>𝑖</m:t>
+                        </m:r>
+                        <m:r>
+                          <a:rPr lang="en-US" i="1">
+                            <a:solidFill>
+                              <a:schemeClr val="tx1"/>
+                            </a:solidFill>
+                            <a:latin typeface="Cambria Math" panose="02040503050406030204" pitchFamily="18" charset="0"/>
+                            <a:cs typeface="Calibri" panose="020F0502020204030204" pitchFamily="34" charset="0"/>
+                          </a:rPr>
+                          <m:t>,</m:t>
+                        </m:r>
+                        <m:r>
+                          <a:rPr lang="en-US" i="1">
+                            <a:solidFill>
+                              <a:schemeClr val="tx1"/>
+                            </a:solidFill>
+                            <a:latin typeface="Cambria Math" panose="02040503050406030204" pitchFamily="18" charset="0"/>
+                            <a:cs typeface="Calibri" panose="020F0502020204030204" pitchFamily="34" charset="0"/>
+                          </a:rPr>
+                          <m:t>𝑗</m:t>
+                        </m:r>
+                      </m:sub>
+                      <m:sup>
+                        <m:r>
+                          <a:rPr lang="en-US" i="1">
+                            <a:solidFill>
+                              <a:schemeClr val="tx1"/>
+                            </a:solidFill>
+                            <a:latin typeface="Cambria Math" panose="02040503050406030204" pitchFamily="18" charset="0"/>
+                            <a:cs typeface="Calibri" panose="020F0502020204030204" pitchFamily="34" charset="0"/>
+                          </a:rPr>
+                          <m:t>𝐽</m:t>
+                        </m:r>
+                      </m:sup>
+                    </m:sSubSup>
+                    <m:r>
+                      <a:rPr lang="en-US" i="1">
+                        <a:solidFill>
+                          <a:schemeClr val="tx1"/>
+                        </a:solidFill>
+                        <a:latin typeface="Cambria Math" panose="02040503050406030204" pitchFamily="18" charset="0"/>
+                        <a:cs typeface="Calibri" panose="020F0502020204030204" pitchFamily="34" charset="0"/>
+                      </a:rPr>
+                      <m:t> </m:t>
+                    </m:r>
+                  </m:oMath>
+                </a14:m>
+                <a:r>
+                  <a:rPr lang="en-US" dirty="0">
+                    <a:solidFill>
+                      <a:schemeClr val="tx1"/>
+                    </a:solidFill>
+                    <a:latin typeface="Calibri" panose="020F0502020204030204" pitchFamily="34" charset="0"/>
+                    <a:cs typeface="Calibri" panose="020F0502020204030204" pitchFamily="34" charset="0"/>
+                  </a:rPr>
+                  <a:t>represents the similarity between two drugs  </a:t>
+                </a:r>
+                <a14:m>
+                  <m:oMath xmlns:m="http://schemas.openxmlformats.org/officeDocument/2006/math">
+                    <m:sSub>
+                      <m:sSubPr>
+                        <m:ctrlPr>
+                          <a:rPr lang="en-US" i="1">
+                            <a:solidFill>
+                              <a:schemeClr val="tx1"/>
+                            </a:solidFill>
+                            <a:latin typeface="Cambria Math" panose="02040503050406030204" pitchFamily="18" charset="0"/>
+                            <a:cs typeface="Calibri" panose="020F0502020204030204" pitchFamily="34" charset="0"/>
+                          </a:rPr>
+                        </m:ctrlPr>
+                      </m:sSubPr>
+                      <m:e>
+                        <m:r>
+                          <a:rPr lang="en-US" i="1">
+                            <a:solidFill>
+                              <a:schemeClr val="tx1"/>
+                            </a:solidFill>
+                            <a:latin typeface="Cambria Math" panose="02040503050406030204" pitchFamily="18" charset="0"/>
+                            <a:cs typeface="Calibri" panose="020F0502020204030204" pitchFamily="34" charset="0"/>
+                          </a:rPr>
+                          <m:t>𝑑</m:t>
+                        </m:r>
+                      </m:e>
+                      <m:sub>
+                        <m:r>
+                          <a:rPr lang="en-US" i="1">
+                            <a:solidFill>
+                              <a:schemeClr val="tx1"/>
+                            </a:solidFill>
+                            <a:latin typeface="Cambria Math" panose="02040503050406030204" pitchFamily="18" charset="0"/>
+                            <a:cs typeface="Calibri" panose="020F0502020204030204" pitchFamily="34" charset="0"/>
+                          </a:rPr>
+                          <m:t>𝑖</m:t>
+                        </m:r>
+                      </m:sub>
+                    </m:sSub>
+                  </m:oMath>
+                </a14:m>
+                <a:r>
+                  <a:rPr lang="en-US" dirty="0">
+                    <a:solidFill>
+                      <a:schemeClr val="tx1"/>
+                    </a:solidFill>
+                    <a:latin typeface="Calibri" panose="020F0502020204030204" pitchFamily="34" charset="0"/>
+                    <a:cs typeface="Calibri" panose="020F0502020204030204" pitchFamily="34" charset="0"/>
+                  </a:rPr>
+                  <a:t> and </a:t>
+                </a:r>
+                <a14:m>
+                  <m:oMath xmlns:m="http://schemas.openxmlformats.org/officeDocument/2006/math">
+                    <m:sSub>
+                      <m:sSubPr>
+                        <m:ctrlPr>
+                          <a:rPr lang="en-US" i="1">
+                            <a:solidFill>
+                              <a:schemeClr val="tx1"/>
+                            </a:solidFill>
+                            <a:latin typeface="Cambria Math" panose="02040503050406030204" pitchFamily="18" charset="0"/>
+                            <a:cs typeface="Calibri" panose="020F0502020204030204" pitchFamily="34" charset="0"/>
+                          </a:rPr>
+                        </m:ctrlPr>
+                      </m:sSubPr>
+                      <m:e>
+                        <m:r>
+                          <a:rPr lang="en-US" i="1">
+                            <a:solidFill>
+                              <a:schemeClr val="tx1"/>
+                            </a:solidFill>
+                            <a:latin typeface="Cambria Math" panose="02040503050406030204" pitchFamily="18" charset="0"/>
+                            <a:cs typeface="Calibri" panose="020F0502020204030204" pitchFamily="34" charset="0"/>
+                          </a:rPr>
+                          <m:t>𝑑</m:t>
+                        </m:r>
+                      </m:e>
+                      <m:sub>
+                        <m:r>
+                          <a:rPr lang="en-US" b="0" i="1" smtClean="0">
+                            <a:solidFill>
+                              <a:schemeClr val="tx1"/>
+                            </a:solidFill>
+                            <a:latin typeface="Cambria Math" panose="02040503050406030204" pitchFamily="18" charset="0"/>
+                            <a:cs typeface="Calibri" panose="020F0502020204030204" pitchFamily="34" charset="0"/>
+                          </a:rPr>
+                          <m:t>𝑗</m:t>
+                        </m:r>
+                      </m:sub>
+                    </m:sSub>
+                  </m:oMath>
+                </a14:m>
+                <a:r>
+                  <a:rPr lang="en-US" dirty="0">
+                    <a:solidFill>
+                      <a:schemeClr val="tx1"/>
+                    </a:solidFill>
+                    <a:latin typeface="Calibri" panose="020F0502020204030204" pitchFamily="34" charset="0"/>
+                    <a:cs typeface="Calibri" panose="020F0502020204030204" pitchFamily="34" charset="0"/>
+                  </a:rPr>
+                  <a:t>.</a:t>
+                </a:r>
+              </a:p>
+              <a:p>
+                <a:pPr marL="0" indent="0">
+                  <a:buNone/>
+                </a:pPr>
+                <a:endParaRPr lang="en-US" dirty="0">
+                  <a:solidFill>
+                    <a:schemeClr val="tx1"/>
+                  </a:solidFill>
+                  <a:latin typeface="Calibri" panose="020F0502020204030204" pitchFamily="34" charset="0"/>
+                  <a:cs typeface="Calibri" panose="020F0502020204030204" pitchFamily="34" charset="0"/>
+                </a:endParaRPr>
+              </a:p>
+              <a:p>
+                <a:pPr marL="0" indent="0">
+                  <a:buNone/>
+                </a:pPr>
+                <a14:m>
+                  <m:oMathPara xmlns:m="http://schemas.openxmlformats.org/officeDocument/2006/math">
+                    <m:oMathParaPr>
+                      <m:jc m:val="centerGroup"/>
+                    </m:oMathParaPr>
+                    <m:oMath xmlns:m="http://schemas.openxmlformats.org/officeDocument/2006/math">
+                      <m:sSubSup>
+                        <m:sSubSupPr>
+                          <m:ctrlPr>
+                            <a:rPr lang="en-US" b="0" i="1" smtClean="0">
+                              <a:solidFill>
+                                <a:schemeClr val="tx1"/>
+                              </a:solidFill>
+                              <a:latin typeface="Cambria Math" panose="02040503050406030204" pitchFamily="18" charset="0"/>
+                              <a:cs typeface="Calibri" panose="020F0502020204030204" pitchFamily="34" charset="0"/>
+                            </a:rPr>
+                          </m:ctrlPr>
+                        </m:sSubSupPr>
+                        <m:e>
+                          <m:r>
+                            <a:rPr lang="en-US" b="0" i="1" smtClean="0">
+                              <a:solidFill>
+                                <a:schemeClr val="tx1"/>
+                              </a:solidFill>
+                              <a:latin typeface="Cambria Math" panose="02040503050406030204" pitchFamily="18" charset="0"/>
+                              <a:cs typeface="Calibri" panose="020F0502020204030204" pitchFamily="34" charset="0"/>
+                            </a:rPr>
+                            <m:t>𝑆𝐷</m:t>
+                          </m:r>
+                        </m:e>
+                        <m:sub>
+                          <m:r>
+                            <a:rPr lang="en-US" b="0" i="1" smtClean="0">
+                              <a:solidFill>
+                                <a:schemeClr val="tx1"/>
+                              </a:solidFill>
+                              <a:latin typeface="Cambria Math" panose="02040503050406030204" pitchFamily="18" charset="0"/>
+                              <a:cs typeface="Calibri" panose="020F0502020204030204" pitchFamily="34" charset="0"/>
+                            </a:rPr>
+                            <m:t>𝑖</m:t>
+                          </m:r>
+                          <m:r>
+                            <a:rPr lang="en-US" b="0" i="1" smtClean="0">
+                              <a:solidFill>
+                                <a:schemeClr val="tx1"/>
+                              </a:solidFill>
+                              <a:latin typeface="Cambria Math" panose="02040503050406030204" pitchFamily="18" charset="0"/>
+                              <a:cs typeface="Calibri" panose="020F0502020204030204" pitchFamily="34" charset="0"/>
+                            </a:rPr>
+                            <m:t>,</m:t>
+                          </m:r>
+                          <m:r>
+                            <a:rPr lang="en-US" b="0" i="1" smtClean="0">
+                              <a:solidFill>
+                                <a:schemeClr val="tx1"/>
+                              </a:solidFill>
+                              <a:latin typeface="Cambria Math" panose="02040503050406030204" pitchFamily="18" charset="0"/>
+                              <a:cs typeface="Calibri" panose="020F0502020204030204" pitchFamily="34" charset="0"/>
+                            </a:rPr>
+                            <m:t>𝑗</m:t>
+                          </m:r>
+                        </m:sub>
+                        <m:sup>
+                          <m:r>
+                            <a:rPr lang="en-US" b="0" i="1" smtClean="0">
+                              <a:solidFill>
+                                <a:schemeClr val="tx1"/>
+                              </a:solidFill>
+                              <a:latin typeface="Cambria Math" panose="02040503050406030204" pitchFamily="18" charset="0"/>
+                              <a:cs typeface="Calibri" panose="020F0502020204030204" pitchFamily="34" charset="0"/>
+                            </a:rPr>
+                            <m:t>𝐽</m:t>
+                          </m:r>
+                        </m:sup>
+                      </m:sSubSup>
+                      <m:r>
+                        <a:rPr lang="en-US" b="0" i="1" smtClean="0">
+                          <a:solidFill>
+                            <a:schemeClr val="tx1"/>
+                          </a:solidFill>
+                          <a:latin typeface="Cambria Math" panose="02040503050406030204" pitchFamily="18" charset="0"/>
+                          <a:cs typeface="Calibri" panose="020F0502020204030204" pitchFamily="34" charset="0"/>
+                        </a:rPr>
+                        <m:t>= </m:t>
+                      </m:r>
+                      <m:f>
+                        <m:fPr>
+                          <m:ctrlPr>
+                            <a:rPr lang="en-US" b="0" i="1" smtClean="0">
+                              <a:solidFill>
+                                <a:schemeClr val="tx1"/>
+                              </a:solidFill>
+                              <a:latin typeface="Cambria Math" panose="02040503050406030204" pitchFamily="18" charset="0"/>
+                              <a:cs typeface="Calibri" panose="020F0502020204030204" pitchFamily="34" charset="0"/>
+                            </a:rPr>
+                          </m:ctrlPr>
+                        </m:fPr>
+                        <m:num>
+                          <m:r>
+                            <a:rPr lang="en-US" b="0" i="1" smtClean="0">
+                              <a:solidFill>
+                                <a:schemeClr val="tx1"/>
+                              </a:solidFill>
+                              <a:latin typeface="Cambria Math" panose="02040503050406030204" pitchFamily="18" charset="0"/>
+                              <a:cs typeface="Calibri" panose="020F0502020204030204" pitchFamily="34" charset="0"/>
+                            </a:rPr>
+                            <m:t>(</m:t>
+                          </m:r>
+                          <m:sSub>
+                            <m:sSubPr>
+                              <m:ctrlPr>
+                                <a:rPr lang="en-US" b="0" i="1" smtClean="0">
+                                  <a:solidFill>
+                                    <a:schemeClr val="tx1"/>
+                                  </a:solidFill>
+                                  <a:latin typeface="Cambria Math" panose="02040503050406030204" pitchFamily="18" charset="0"/>
+                                  <a:cs typeface="Calibri" panose="020F0502020204030204" pitchFamily="34" charset="0"/>
+                                </a:rPr>
+                              </m:ctrlPr>
+                            </m:sSubPr>
+                            <m:e>
+                              <m:r>
+                                <a:rPr lang="en-US" b="0" i="1" smtClean="0">
+                                  <a:solidFill>
+                                    <a:schemeClr val="tx1"/>
+                                  </a:solidFill>
+                                  <a:latin typeface="Cambria Math" panose="02040503050406030204" pitchFamily="18" charset="0"/>
+                                  <a:cs typeface="Calibri" panose="020F0502020204030204" pitchFamily="34" charset="0"/>
+                                </a:rPr>
+                                <m:t>𝑑</m:t>
+                              </m:r>
+                            </m:e>
+                            <m:sub>
+                              <m:r>
+                                <a:rPr lang="en-US" b="0" i="1" smtClean="0">
+                                  <a:solidFill>
+                                    <a:schemeClr val="tx1"/>
+                                  </a:solidFill>
+                                  <a:latin typeface="Cambria Math" panose="02040503050406030204" pitchFamily="18" charset="0"/>
+                                  <a:cs typeface="Calibri" panose="020F0502020204030204" pitchFamily="34" charset="0"/>
+                                </a:rPr>
+                                <m:t>𝑖</m:t>
+                              </m:r>
+                            </m:sub>
+                          </m:sSub>
+                          <m:r>
+                            <a:rPr lang="en-US" b="0" i="1" smtClean="0">
+                              <a:solidFill>
+                                <a:schemeClr val="tx1"/>
+                              </a:solidFill>
+                              <a:latin typeface="Cambria Math" panose="02040503050406030204" pitchFamily="18" charset="0"/>
+                              <a:ea typeface="Cambria Math" panose="02040503050406030204" pitchFamily="18" charset="0"/>
+                              <a:cs typeface="Calibri" panose="020F0502020204030204" pitchFamily="34" charset="0"/>
+                            </a:rPr>
+                            <m:t>∩ </m:t>
+                          </m:r>
+                          <m:sSub>
+                            <m:sSubPr>
+                              <m:ctrlPr>
+                                <a:rPr lang="en-US" b="0" i="1" smtClean="0">
+                                  <a:solidFill>
+                                    <a:schemeClr val="tx1"/>
+                                  </a:solidFill>
+                                  <a:latin typeface="Cambria Math" panose="02040503050406030204" pitchFamily="18" charset="0"/>
+                                  <a:ea typeface="Cambria Math" panose="02040503050406030204" pitchFamily="18" charset="0"/>
+                                  <a:cs typeface="Calibri" panose="020F0502020204030204" pitchFamily="34" charset="0"/>
+                                </a:rPr>
+                              </m:ctrlPr>
+                            </m:sSubPr>
+                            <m:e>
+                              <m:r>
+                                <a:rPr lang="en-US" b="0" i="1" smtClean="0">
+                                  <a:solidFill>
+                                    <a:schemeClr val="tx1"/>
+                                  </a:solidFill>
+                                  <a:latin typeface="Cambria Math" panose="02040503050406030204" pitchFamily="18" charset="0"/>
+                                  <a:ea typeface="Cambria Math" panose="02040503050406030204" pitchFamily="18" charset="0"/>
+                                  <a:cs typeface="Calibri" panose="020F0502020204030204" pitchFamily="34" charset="0"/>
+                                </a:rPr>
+                                <m:t>𝑑</m:t>
+                              </m:r>
+                            </m:e>
+                            <m:sub>
+                              <m:r>
+                                <a:rPr lang="en-US" b="0" i="1" smtClean="0">
+                                  <a:solidFill>
+                                    <a:schemeClr val="tx1"/>
+                                  </a:solidFill>
+                                  <a:latin typeface="Cambria Math" panose="02040503050406030204" pitchFamily="18" charset="0"/>
+                                  <a:ea typeface="Cambria Math" panose="02040503050406030204" pitchFamily="18" charset="0"/>
+                                  <a:cs typeface="Calibri" panose="020F0502020204030204" pitchFamily="34" charset="0"/>
+                                </a:rPr>
+                                <m:t>𝑗</m:t>
+                              </m:r>
+                            </m:sub>
+                          </m:sSub>
+                          <m:r>
+                            <a:rPr lang="en-US" b="0" i="1" smtClean="0">
+                              <a:solidFill>
+                                <a:schemeClr val="tx1"/>
+                              </a:solidFill>
+                              <a:latin typeface="Cambria Math" panose="02040503050406030204" pitchFamily="18" charset="0"/>
+                              <a:cs typeface="Calibri" panose="020F0502020204030204" pitchFamily="34" charset="0"/>
+                            </a:rPr>
+                            <m:t>)</m:t>
+                          </m:r>
+                        </m:num>
+                        <m:den>
+                          <m:r>
+                            <a:rPr lang="en-US" i="1">
+                              <a:solidFill>
+                                <a:schemeClr val="tx1"/>
+                              </a:solidFill>
+                              <a:latin typeface="Cambria Math" panose="02040503050406030204" pitchFamily="18" charset="0"/>
+                              <a:cs typeface="Calibri" panose="020F0502020204030204" pitchFamily="34" charset="0"/>
+                            </a:rPr>
+                            <m:t>(</m:t>
+                          </m:r>
+                          <m:sSub>
+                            <m:sSubPr>
+                              <m:ctrlPr>
+                                <a:rPr lang="en-US" i="1">
+                                  <a:solidFill>
+                                    <a:schemeClr val="tx1"/>
+                                  </a:solidFill>
+                                  <a:latin typeface="Cambria Math" panose="02040503050406030204" pitchFamily="18" charset="0"/>
+                                  <a:cs typeface="Calibri" panose="020F0502020204030204" pitchFamily="34" charset="0"/>
+                                </a:rPr>
+                              </m:ctrlPr>
+                            </m:sSubPr>
+                            <m:e>
+                              <m:r>
+                                <a:rPr lang="en-US" i="1">
+                                  <a:solidFill>
+                                    <a:schemeClr val="tx1"/>
+                                  </a:solidFill>
+                                  <a:latin typeface="Cambria Math" panose="02040503050406030204" pitchFamily="18" charset="0"/>
+                                  <a:cs typeface="Calibri" panose="020F0502020204030204" pitchFamily="34" charset="0"/>
+                                </a:rPr>
+                                <m:t>𝑑</m:t>
+                              </m:r>
+                            </m:e>
+                            <m:sub>
+                              <m:r>
+                                <a:rPr lang="en-US" i="1">
+                                  <a:solidFill>
+                                    <a:schemeClr val="tx1"/>
+                                  </a:solidFill>
+                                  <a:latin typeface="Cambria Math" panose="02040503050406030204" pitchFamily="18" charset="0"/>
+                                  <a:cs typeface="Calibri" panose="020F0502020204030204" pitchFamily="34" charset="0"/>
+                                </a:rPr>
+                                <m:t>𝑖</m:t>
+                              </m:r>
+                            </m:sub>
+                          </m:sSub>
+                          <m:r>
+                            <a:rPr lang="en-US" i="1" smtClean="0">
+                              <a:solidFill>
+                                <a:schemeClr val="tx1"/>
+                              </a:solidFill>
+                              <a:latin typeface="Cambria Math" panose="02040503050406030204" pitchFamily="18" charset="0"/>
+                              <a:ea typeface="Cambria Math" panose="02040503050406030204" pitchFamily="18" charset="0"/>
+                              <a:cs typeface="Calibri" panose="020F0502020204030204" pitchFamily="34" charset="0"/>
+                            </a:rPr>
+                            <m:t>∪</m:t>
+                          </m:r>
+                          <m:r>
+                            <a:rPr lang="en-US" i="1">
+                              <a:solidFill>
+                                <a:schemeClr val="tx1"/>
+                              </a:solidFill>
+                              <a:latin typeface="Cambria Math" panose="02040503050406030204" pitchFamily="18" charset="0"/>
+                              <a:ea typeface="Cambria Math" panose="02040503050406030204" pitchFamily="18" charset="0"/>
+                              <a:cs typeface="Calibri" panose="020F0502020204030204" pitchFamily="34" charset="0"/>
+                            </a:rPr>
+                            <m:t> </m:t>
+                          </m:r>
+                          <m:sSub>
+                            <m:sSubPr>
+                              <m:ctrlPr>
+                                <a:rPr lang="en-US" i="1">
+                                  <a:solidFill>
+                                    <a:schemeClr val="tx1"/>
+                                  </a:solidFill>
+                                  <a:latin typeface="Cambria Math" panose="02040503050406030204" pitchFamily="18" charset="0"/>
+                                  <a:ea typeface="Cambria Math" panose="02040503050406030204" pitchFamily="18" charset="0"/>
+                                  <a:cs typeface="Calibri" panose="020F0502020204030204" pitchFamily="34" charset="0"/>
+                                </a:rPr>
+                              </m:ctrlPr>
+                            </m:sSubPr>
+                            <m:e>
+                              <m:r>
+                                <a:rPr lang="en-US" i="1">
+                                  <a:solidFill>
+                                    <a:schemeClr val="tx1"/>
+                                  </a:solidFill>
+                                  <a:latin typeface="Cambria Math" panose="02040503050406030204" pitchFamily="18" charset="0"/>
+                                  <a:ea typeface="Cambria Math" panose="02040503050406030204" pitchFamily="18" charset="0"/>
+                                  <a:cs typeface="Calibri" panose="020F0502020204030204" pitchFamily="34" charset="0"/>
+                                </a:rPr>
+                                <m:t>𝑑</m:t>
+                              </m:r>
+                            </m:e>
+                            <m:sub>
+                              <m:r>
+                                <a:rPr lang="en-US" i="1">
+                                  <a:solidFill>
+                                    <a:schemeClr val="tx1"/>
+                                  </a:solidFill>
+                                  <a:latin typeface="Cambria Math" panose="02040503050406030204" pitchFamily="18" charset="0"/>
+                                  <a:ea typeface="Cambria Math" panose="02040503050406030204" pitchFamily="18" charset="0"/>
+                                  <a:cs typeface="Calibri" panose="020F0502020204030204" pitchFamily="34" charset="0"/>
+                                </a:rPr>
+                                <m:t>𝑗</m:t>
+                              </m:r>
+                            </m:sub>
+                          </m:sSub>
+                          <m:r>
+                            <a:rPr lang="en-US" i="1">
+                              <a:solidFill>
+                                <a:schemeClr val="tx1"/>
+                              </a:solidFill>
+                              <a:latin typeface="Cambria Math" panose="02040503050406030204" pitchFamily="18" charset="0"/>
+                              <a:cs typeface="Calibri" panose="020F0502020204030204" pitchFamily="34" charset="0"/>
+                            </a:rPr>
+                            <m:t>)</m:t>
+                          </m:r>
+                        </m:den>
+                      </m:f>
+                      <m:r>
+                        <a:rPr lang="en-US" b="0" i="1" smtClean="0">
+                          <a:solidFill>
+                            <a:schemeClr val="tx1"/>
+                          </a:solidFill>
+                          <a:latin typeface="Cambria Math" panose="02040503050406030204" pitchFamily="18" charset="0"/>
+                          <a:cs typeface="Calibri" panose="020F0502020204030204" pitchFamily="34" charset="0"/>
+                        </a:rPr>
+                        <m:t> </m:t>
+                      </m:r>
+                    </m:oMath>
+                  </m:oMathPara>
+                </a14:m>
+                <a:endParaRPr lang="en-US" dirty="0">
+                  <a:solidFill>
+                    <a:schemeClr val="tx1"/>
+                  </a:solidFill>
+                  <a:latin typeface="Calibri" panose="020F0502020204030204" pitchFamily="34" charset="0"/>
+                  <a:cs typeface="Calibri" panose="020F0502020204030204" pitchFamily="34" charset="0"/>
+                </a:endParaRPr>
+              </a:p>
+              <a:p>
+                <a:pPr marL="0" indent="0">
+                  <a:buNone/>
+                </a:pPr>
+                <a:endParaRPr lang="en-US" dirty="0">
+                  <a:solidFill>
+                    <a:schemeClr val="tx1"/>
+                  </a:solidFill>
+                  <a:latin typeface="Calibri" panose="020F0502020204030204" pitchFamily="34" charset="0"/>
+                  <a:cs typeface="Calibri" panose="020F0502020204030204" pitchFamily="34" charset="0"/>
+                </a:endParaRPr>
+              </a:p>
+              <a:p>
+                <a:pPr marL="0" indent="0">
+                  <a:buNone/>
+                </a:pPr>
+                <a14:m>
+                  <m:oMath xmlns:m="http://schemas.openxmlformats.org/officeDocument/2006/math">
+                    <m:r>
+                      <a:rPr lang="en-US" i="1">
+                        <a:solidFill>
+                          <a:schemeClr val="tx1"/>
+                        </a:solidFill>
+                        <a:latin typeface="Cambria Math" panose="02040503050406030204" pitchFamily="18" charset="0"/>
+                        <a:cs typeface="Calibri" panose="020F0502020204030204" pitchFamily="34" charset="0"/>
+                      </a:rPr>
+                      <m:t>(</m:t>
+                    </m:r>
+                    <m:sSub>
+                      <m:sSubPr>
+                        <m:ctrlPr>
+                          <a:rPr lang="en-US" i="1">
+                            <a:solidFill>
+                              <a:schemeClr val="tx1"/>
+                            </a:solidFill>
+                            <a:latin typeface="Cambria Math" panose="02040503050406030204" pitchFamily="18" charset="0"/>
+                            <a:cs typeface="Calibri" panose="020F0502020204030204" pitchFamily="34" charset="0"/>
+                          </a:rPr>
+                        </m:ctrlPr>
+                      </m:sSubPr>
+                      <m:e>
+                        <m:r>
+                          <a:rPr lang="en-US" i="1">
+                            <a:solidFill>
+                              <a:schemeClr val="tx1"/>
+                            </a:solidFill>
+                            <a:latin typeface="Cambria Math" panose="02040503050406030204" pitchFamily="18" charset="0"/>
+                            <a:cs typeface="Calibri" panose="020F0502020204030204" pitchFamily="34" charset="0"/>
+                          </a:rPr>
+                          <m:t>𝑑</m:t>
+                        </m:r>
+                      </m:e>
+                      <m:sub>
+                        <m:r>
+                          <a:rPr lang="en-US" i="1">
+                            <a:solidFill>
+                              <a:schemeClr val="tx1"/>
+                            </a:solidFill>
+                            <a:latin typeface="Cambria Math" panose="02040503050406030204" pitchFamily="18" charset="0"/>
+                            <a:cs typeface="Calibri" panose="020F0502020204030204" pitchFamily="34" charset="0"/>
+                          </a:rPr>
+                          <m:t>𝑖</m:t>
+                        </m:r>
+                      </m:sub>
+                    </m:sSub>
+                    <m:r>
+                      <a:rPr lang="en-US" i="1">
+                        <a:solidFill>
+                          <a:schemeClr val="tx1"/>
+                        </a:solidFill>
+                        <a:latin typeface="Cambria Math" panose="02040503050406030204" pitchFamily="18" charset="0"/>
+                        <a:ea typeface="Cambria Math" panose="02040503050406030204" pitchFamily="18" charset="0"/>
+                        <a:cs typeface="Calibri" panose="020F0502020204030204" pitchFamily="34" charset="0"/>
+                      </a:rPr>
+                      <m:t>∩ </m:t>
+                    </m:r>
+                    <m:sSub>
+                      <m:sSubPr>
+                        <m:ctrlPr>
+                          <a:rPr lang="en-US" i="1">
+                            <a:solidFill>
+                              <a:schemeClr val="tx1"/>
+                            </a:solidFill>
+                            <a:latin typeface="Cambria Math" panose="02040503050406030204" pitchFamily="18" charset="0"/>
+                            <a:ea typeface="Cambria Math" panose="02040503050406030204" pitchFamily="18" charset="0"/>
+                            <a:cs typeface="Calibri" panose="020F0502020204030204" pitchFamily="34" charset="0"/>
+                          </a:rPr>
+                        </m:ctrlPr>
+                      </m:sSubPr>
+                      <m:e>
+                        <m:r>
+                          <a:rPr lang="en-US" i="1">
+                            <a:solidFill>
+                              <a:schemeClr val="tx1"/>
+                            </a:solidFill>
+                            <a:latin typeface="Cambria Math" panose="02040503050406030204" pitchFamily="18" charset="0"/>
+                            <a:ea typeface="Cambria Math" panose="02040503050406030204" pitchFamily="18" charset="0"/>
+                            <a:cs typeface="Calibri" panose="020F0502020204030204" pitchFamily="34" charset="0"/>
+                          </a:rPr>
+                          <m:t>𝑑</m:t>
+                        </m:r>
+                      </m:e>
+                      <m:sub>
+                        <m:r>
+                          <a:rPr lang="en-US" i="1">
+                            <a:solidFill>
+                              <a:schemeClr val="tx1"/>
+                            </a:solidFill>
+                            <a:latin typeface="Cambria Math" panose="02040503050406030204" pitchFamily="18" charset="0"/>
+                            <a:ea typeface="Cambria Math" panose="02040503050406030204" pitchFamily="18" charset="0"/>
+                            <a:cs typeface="Calibri" panose="020F0502020204030204" pitchFamily="34" charset="0"/>
+                          </a:rPr>
+                          <m:t>𝑗</m:t>
+                        </m:r>
+                      </m:sub>
+                    </m:sSub>
+                    <m:r>
+                      <a:rPr lang="en-US" i="1">
+                        <a:solidFill>
+                          <a:schemeClr val="tx1"/>
+                        </a:solidFill>
+                        <a:latin typeface="Cambria Math" panose="02040503050406030204" pitchFamily="18" charset="0"/>
+                        <a:cs typeface="Calibri" panose="020F0502020204030204" pitchFamily="34" charset="0"/>
+                      </a:rPr>
+                      <m:t>)</m:t>
+                    </m:r>
+                  </m:oMath>
+                </a14:m>
+                <a:r>
+                  <a:rPr lang="en-US" dirty="0">
+                    <a:solidFill>
+                      <a:schemeClr val="tx1"/>
+                    </a:solidFill>
+                    <a:latin typeface="Calibri" panose="020F0502020204030204" pitchFamily="34" charset="0"/>
+                    <a:cs typeface="Calibri" panose="020F0502020204030204" pitchFamily="34" charset="0"/>
+                  </a:rPr>
+                  <a:t>  is the number of targets where both drugs interact with.</a:t>
+                </a:r>
+              </a:p>
+              <a:p>
+                <a:pPr marL="0" indent="0">
+                  <a:buNone/>
+                </a:pPr>
+                <a14:m>
+                  <m:oMath xmlns:m="http://schemas.openxmlformats.org/officeDocument/2006/math">
+                    <m:r>
+                      <a:rPr lang="en-US" i="1">
+                        <a:solidFill>
+                          <a:schemeClr val="tx1"/>
+                        </a:solidFill>
+                        <a:latin typeface="Cambria Math" panose="02040503050406030204" pitchFamily="18" charset="0"/>
+                        <a:cs typeface="Calibri" panose="020F0502020204030204" pitchFamily="34" charset="0"/>
+                      </a:rPr>
+                      <m:t>(</m:t>
+                    </m:r>
+                    <m:sSub>
+                      <m:sSubPr>
+                        <m:ctrlPr>
+                          <a:rPr lang="en-US" i="1">
+                            <a:solidFill>
+                              <a:schemeClr val="tx1"/>
+                            </a:solidFill>
+                            <a:latin typeface="Cambria Math" panose="02040503050406030204" pitchFamily="18" charset="0"/>
+                            <a:cs typeface="Calibri" panose="020F0502020204030204" pitchFamily="34" charset="0"/>
+                          </a:rPr>
+                        </m:ctrlPr>
+                      </m:sSubPr>
+                      <m:e>
+                        <m:r>
+                          <a:rPr lang="en-US" i="1">
+                            <a:solidFill>
+                              <a:schemeClr val="tx1"/>
+                            </a:solidFill>
+                            <a:latin typeface="Cambria Math" panose="02040503050406030204" pitchFamily="18" charset="0"/>
+                            <a:cs typeface="Calibri" panose="020F0502020204030204" pitchFamily="34" charset="0"/>
+                          </a:rPr>
+                          <m:t>𝑑</m:t>
+                        </m:r>
+                      </m:e>
+                      <m:sub>
+                        <m:r>
+                          <a:rPr lang="en-US" i="1">
+                            <a:solidFill>
+                              <a:schemeClr val="tx1"/>
+                            </a:solidFill>
+                            <a:latin typeface="Cambria Math" panose="02040503050406030204" pitchFamily="18" charset="0"/>
+                            <a:cs typeface="Calibri" panose="020F0502020204030204" pitchFamily="34" charset="0"/>
+                          </a:rPr>
+                          <m:t>𝑖</m:t>
+                        </m:r>
+                      </m:sub>
+                    </m:sSub>
+                    <m:r>
+                      <a:rPr lang="en-US" i="1">
+                        <a:solidFill>
+                          <a:schemeClr val="tx1"/>
+                        </a:solidFill>
+                        <a:latin typeface="Cambria Math" panose="02040503050406030204" pitchFamily="18" charset="0"/>
+                        <a:ea typeface="Cambria Math" panose="02040503050406030204" pitchFamily="18" charset="0"/>
+                        <a:cs typeface="Calibri" panose="020F0502020204030204" pitchFamily="34" charset="0"/>
+                      </a:rPr>
+                      <m:t>∪</m:t>
+                    </m:r>
+                    <m:r>
+                      <a:rPr lang="en-US" i="1">
+                        <a:solidFill>
+                          <a:schemeClr val="tx1"/>
+                        </a:solidFill>
+                        <a:latin typeface="Cambria Math" panose="02040503050406030204" pitchFamily="18" charset="0"/>
+                        <a:ea typeface="Cambria Math" panose="02040503050406030204" pitchFamily="18" charset="0"/>
+                        <a:cs typeface="Calibri" panose="020F0502020204030204" pitchFamily="34" charset="0"/>
+                      </a:rPr>
+                      <m:t> </m:t>
+                    </m:r>
+                    <m:sSub>
+                      <m:sSubPr>
+                        <m:ctrlPr>
+                          <a:rPr lang="en-US" i="1">
+                            <a:solidFill>
+                              <a:schemeClr val="tx1"/>
+                            </a:solidFill>
+                            <a:latin typeface="Cambria Math" panose="02040503050406030204" pitchFamily="18" charset="0"/>
+                            <a:ea typeface="Cambria Math" panose="02040503050406030204" pitchFamily="18" charset="0"/>
+                            <a:cs typeface="Calibri" panose="020F0502020204030204" pitchFamily="34" charset="0"/>
+                          </a:rPr>
+                        </m:ctrlPr>
+                      </m:sSubPr>
+                      <m:e>
+                        <m:r>
+                          <a:rPr lang="en-US" i="1">
+                            <a:solidFill>
+                              <a:schemeClr val="tx1"/>
+                            </a:solidFill>
+                            <a:latin typeface="Cambria Math" panose="02040503050406030204" pitchFamily="18" charset="0"/>
+                            <a:ea typeface="Cambria Math" panose="02040503050406030204" pitchFamily="18" charset="0"/>
+                            <a:cs typeface="Calibri" panose="020F0502020204030204" pitchFamily="34" charset="0"/>
+                          </a:rPr>
+                          <m:t>𝑑</m:t>
+                        </m:r>
+                      </m:e>
+                      <m:sub>
+                        <m:r>
+                          <a:rPr lang="en-US" i="1">
+                            <a:solidFill>
+                              <a:schemeClr val="tx1"/>
+                            </a:solidFill>
+                            <a:latin typeface="Cambria Math" panose="02040503050406030204" pitchFamily="18" charset="0"/>
+                            <a:ea typeface="Cambria Math" panose="02040503050406030204" pitchFamily="18" charset="0"/>
+                            <a:cs typeface="Calibri" panose="020F0502020204030204" pitchFamily="34" charset="0"/>
+                          </a:rPr>
+                          <m:t>𝑗</m:t>
+                        </m:r>
+                      </m:sub>
+                    </m:sSub>
+                    <m:r>
+                      <a:rPr lang="en-US" b="0" i="1" smtClean="0">
+                        <a:solidFill>
+                          <a:schemeClr val="tx1"/>
+                        </a:solidFill>
+                        <a:latin typeface="Cambria Math" panose="02040503050406030204" pitchFamily="18" charset="0"/>
+                        <a:ea typeface="Cambria Math" panose="02040503050406030204" pitchFamily="18" charset="0"/>
+                        <a:cs typeface="Calibri" panose="020F0502020204030204" pitchFamily="34" charset="0"/>
+                      </a:rPr>
+                      <m:t>)</m:t>
+                    </m:r>
+                  </m:oMath>
+                </a14:m>
+                <a:r>
+                  <a:rPr lang="en-US" dirty="0">
+                    <a:solidFill>
+                      <a:schemeClr val="tx1"/>
+                    </a:solidFill>
+                    <a:latin typeface="Calibri" panose="020F0502020204030204" pitchFamily="34" charset="0"/>
+                    <a:cs typeface="Calibri" panose="020F0502020204030204" pitchFamily="34" charset="0"/>
+                  </a:rPr>
+                  <a:t>  is the number of targets where one or both drugs interact with.</a:t>
+                </a:r>
+              </a:p>
+              <a:p>
+                <a:pPr marL="0" indent="0">
+                  <a:buNone/>
+                </a:pPr>
+                <a:endParaRPr lang="en-US" dirty="0">
+                  <a:solidFill>
+                    <a:schemeClr val="tx1"/>
+                  </a:solidFill>
+                  <a:latin typeface="Calibri" panose="020F0502020204030204" pitchFamily="34" charset="0"/>
+                  <a:cs typeface="Calibri" panose="020F0502020204030204" pitchFamily="34" charset="0"/>
+                </a:endParaRPr>
+              </a:p>
+            </p:txBody>
+          </p:sp>
+        </mc:Choice>
+        <mc:Fallback>
+          <p:sp>
+            <p:nvSpPr>
+              <p:cNvPr id="9" name="Content Placeholder 8">
+                <a:extLst>
+                  <a:ext uri="{FF2B5EF4-FFF2-40B4-BE49-F238E27FC236}">
+                    <a16:creationId xmlns:a16="http://schemas.microsoft.com/office/drawing/2014/main" id="{BFD27979-805A-4B4B-946D-AB44BEAC7A32}"/>
+                  </a:ext>
+                </a:extLst>
+              </p:cNvPr>
+              <p:cNvSpPr>
+                <a:spLocks noGrp="1" noRot="1" noChangeAspect="1" noMove="1" noResize="1" noEditPoints="1" noAdjustHandles="1" noChangeArrowheads="1" noChangeShapeType="1" noTextEdit="1"/>
+              </p:cNvSpPr>
+              <p:nvPr>
+                <p:ph idx="1"/>
+              </p:nvPr>
+            </p:nvSpPr>
+            <p:spPr>
+              <a:xfrm>
+                <a:off x="760413" y="1600200"/>
+                <a:ext cx="6553199" cy="4724400"/>
+              </a:xfrm>
+              <a:blipFill>
+                <a:blip r:embed="rId2"/>
+                <a:stretch>
+                  <a:fillRect l="-744" t="-387"/>
+                </a:stretch>
+              </a:blipFill>
+            </p:spPr>
+            <p:txBody>
+              <a:bodyPr/>
+              <a:lstStyle/>
+              <a:p>
+                <a:r>
+                  <a:rPr lang="en-US">
+                    <a:noFill/>
+                  </a:rPr>
+                  <a:t> </a:t>
+                </a:r>
+              </a:p>
+            </p:txBody>
+          </p:sp>
+        </mc:Fallback>
+      </mc:AlternateContent>
       <p:sp>
         <p:nvSpPr>
           <p:cNvPr id="6" name="Content Placeholder 2">
@@ -16859,7 +17899,7 @@
     </p:spTree>
     <p:extLst>
       <p:ext uri="{BB962C8B-B14F-4D97-AF65-F5344CB8AC3E}">
-        <p14:creationId xmlns:p14="http://schemas.microsoft.com/office/powerpoint/2010/main" val="3193752896"/>
+        <p14:creationId xmlns:p14="http://schemas.microsoft.com/office/powerpoint/2010/main" val="1572936606"/>
       </p:ext>
     </p:extLst>
   </p:cSld>
@@ -16884,6 +17924,14 @@
 <file path=ppt/slides/slide17.xml><?xml version="1.0" encoding="utf-8"?>
 <p:sld xmlns:a="http://schemas.openxmlformats.org/drawingml/2006/main" xmlns:r="http://schemas.openxmlformats.org/officeDocument/2006/relationships" xmlns:p="http://schemas.openxmlformats.org/presentationml/2006/main">
   <p:cSld>
+    <p:bg>
+      <p:bgPr>
+        <a:solidFill>
+          <a:schemeClr val="bg1"/>
+        </a:solidFill>
+        <a:effectLst/>
+      </p:bgPr>
+    </p:bg>
     <p:spTree>
       <p:nvGrpSpPr>
         <p:cNvPr id="1" name=""/>
@@ -16900,52 +17948,1306 @@
       </p:grpSpPr>
       <p:sp>
         <p:nvSpPr>
-          <p:cNvPr id="5" name="Rectangle 4">
+          <p:cNvPr id="2" name="Title 1"/>
+          <p:cNvSpPr>
+            <a:spLocks noGrp="1"/>
+          </p:cNvSpPr>
+          <p:nvPr>
+            <p:ph type="title"/>
+          </p:nvPr>
+        </p:nvSpPr>
+        <p:spPr/>
+        <p:txBody>
+          <a:bodyPr anchor="t">
+            <a:normAutofit/>
+          </a:bodyPr>
+          <a:lstStyle/>
+          <a:p>
+            <a:r>
+              <a:rPr lang="en-US" sz="3600" dirty="0">
+                <a:latin typeface="Calibri" panose="020F0502020204030204" pitchFamily="34" charset="0"/>
+                <a:cs typeface="Calibri" panose="020F0502020204030204" pitchFamily="34" charset="0"/>
+              </a:rPr>
+              <a:t>Jaccard Similarity (Cont.)  </a:t>
+            </a:r>
+            <a:endParaRPr lang="en-US" dirty="0">
+              <a:latin typeface="Calibri" panose="020F0502020204030204" pitchFamily="34" charset="0"/>
+              <a:cs typeface="Calibri" panose="020F0502020204030204" pitchFamily="34" charset="0"/>
+            </a:endParaRPr>
+          </a:p>
+        </p:txBody>
+      </p:sp>
+      <mc:AlternateContent xmlns:mc="http://schemas.openxmlformats.org/markup-compatibility/2006">
+        <mc:Choice xmlns:a14="http://schemas.microsoft.com/office/drawing/2010/main" Requires="a14">
+          <p:sp>
+            <p:nvSpPr>
+              <p:cNvPr id="9" name="Content Placeholder 8">
+                <a:extLst>
+                  <a:ext uri="{FF2B5EF4-FFF2-40B4-BE49-F238E27FC236}">
+                    <a16:creationId xmlns:a16="http://schemas.microsoft.com/office/drawing/2014/main" id="{BFD27979-805A-4B4B-946D-AB44BEAC7A32}"/>
+                  </a:ext>
+                </a:extLst>
+              </p:cNvPr>
+              <p:cNvSpPr>
+                <a:spLocks noGrp="1"/>
+              </p:cNvSpPr>
+              <p:nvPr>
+                <p:ph idx="1"/>
+              </p:nvPr>
+            </p:nvSpPr>
+            <p:spPr>
+              <a:xfrm>
+                <a:off x="760413" y="1600200"/>
+                <a:ext cx="6553199" cy="4724400"/>
+              </a:xfrm>
+            </p:spPr>
+            <p:txBody>
+              <a:bodyPr>
+                <a:normAutofit/>
+              </a:bodyPr>
+              <a:lstStyle/>
+              <a:p>
+                <a:pPr marL="0" indent="0">
+                  <a:buNone/>
+                </a:pPr>
+                <a14:m>
+                  <m:oMath xmlns:m="http://schemas.openxmlformats.org/officeDocument/2006/math">
+                    <m:sSubSup>
+                      <m:sSubSupPr>
+                        <m:ctrlPr>
+                          <a:rPr lang="en-US" i="1" smtClean="0">
+                            <a:solidFill>
+                              <a:schemeClr val="tx1"/>
+                            </a:solidFill>
+                            <a:latin typeface="Cambria Math" panose="02040503050406030204" pitchFamily="18" charset="0"/>
+                            <a:cs typeface="Calibri" panose="020F0502020204030204" pitchFamily="34" charset="0"/>
+                          </a:rPr>
+                        </m:ctrlPr>
+                      </m:sSubSupPr>
+                      <m:e>
+                        <m:r>
+                          <a:rPr lang="en-US" i="1">
+                            <a:solidFill>
+                              <a:schemeClr val="tx1"/>
+                            </a:solidFill>
+                            <a:latin typeface="Cambria Math" panose="02040503050406030204" pitchFamily="18" charset="0"/>
+                            <a:cs typeface="Calibri" panose="020F0502020204030204" pitchFamily="34" charset="0"/>
+                          </a:rPr>
+                          <m:t>𝑆</m:t>
+                        </m:r>
+                        <m:r>
+                          <a:rPr lang="en-US" b="0" i="1" smtClean="0">
+                            <a:solidFill>
+                              <a:schemeClr val="tx1"/>
+                            </a:solidFill>
+                            <a:latin typeface="Cambria Math" panose="02040503050406030204" pitchFamily="18" charset="0"/>
+                            <a:cs typeface="Calibri" panose="020F0502020204030204" pitchFamily="34" charset="0"/>
+                          </a:rPr>
+                          <m:t>𝑇</m:t>
+                        </m:r>
+                      </m:e>
+                      <m:sub/>
+                      <m:sup>
+                        <m:r>
+                          <a:rPr lang="en-US" i="1">
+                            <a:solidFill>
+                              <a:schemeClr val="tx1"/>
+                            </a:solidFill>
+                            <a:latin typeface="Cambria Math" panose="02040503050406030204" pitchFamily="18" charset="0"/>
+                            <a:cs typeface="Calibri" panose="020F0502020204030204" pitchFamily="34" charset="0"/>
+                          </a:rPr>
+                          <m:t>𝐽</m:t>
+                        </m:r>
+                      </m:sup>
+                    </m:sSubSup>
+                  </m:oMath>
+                </a14:m>
+                <a:r>
+                  <a:rPr lang="en-US" dirty="0">
+                    <a:solidFill>
+                      <a:schemeClr val="tx1"/>
+                    </a:solidFill>
+                    <a:latin typeface="Calibri" panose="020F0502020204030204" pitchFamily="34" charset="0"/>
+                    <a:cs typeface="Calibri" panose="020F0502020204030204" pitchFamily="34" charset="0"/>
+                  </a:rPr>
+                  <a:t>  is the Target-Target Jaccard similarity matrix and the element </a:t>
+                </a:r>
+                <a14:m>
+                  <m:oMath xmlns:m="http://schemas.openxmlformats.org/officeDocument/2006/math">
+                    <m:sSubSup>
+                      <m:sSubSupPr>
+                        <m:ctrlPr>
+                          <a:rPr lang="en-US" i="1">
+                            <a:solidFill>
+                              <a:schemeClr val="tx1"/>
+                            </a:solidFill>
+                            <a:latin typeface="Cambria Math" panose="02040503050406030204" pitchFamily="18" charset="0"/>
+                            <a:cs typeface="Calibri" panose="020F0502020204030204" pitchFamily="34" charset="0"/>
+                          </a:rPr>
+                        </m:ctrlPr>
+                      </m:sSubSupPr>
+                      <m:e>
+                        <m:r>
+                          <a:rPr lang="en-US" i="1">
+                            <a:solidFill>
+                              <a:schemeClr val="tx1"/>
+                            </a:solidFill>
+                            <a:latin typeface="Cambria Math" panose="02040503050406030204" pitchFamily="18" charset="0"/>
+                            <a:cs typeface="Calibri" panose="020F0502020204030204" pitchFamily="34" charset="0"/>
+                          </a:rPr>
+                          <m:t>𝑆</m:t>
+                        </m:r>
+                        <m:r>
+                          <a:rPr lang="en-US" b="0" i="1" smtClean="0">
+                            <a:solidFill>
+                              <a:schemeClr val="tx1"/>
+                            </a:solidFill>
+                            <a:latin typeface="Cambria Math" panose="02040503050406030204" pitchFamily="18" charset="0"/>
+                            <a:cs typeface="Calibri" panose="020F0502020204030204" pitchFamily="34" charset="0"/>
+                          </a:rPr>
+                          <m:t>𝑇</m:t>
+                        </m:r>
+                      </m:e>
+                      <m:sub>
+                        <m:r>
+                          <a:rPr lang="en-US" i="1">
+                            <a:solidFill>
+                              <a:schemeClr val="tx1"/>
+                            </a:solidFill>
+                            <a:latin typeface="Cambria Math" panose="02040503050406030204" pitchFamily="18" charset="0"/>
+                            <a:cs typeface="Calibri" panose="020F0502020204030204" pitchFamily="34" charset="0"/>
+                          </a:rPr>
+                          <m:t>𝑖</m:t>
+                        </m:r>
+                        <m:r>
+                          <a:rPr lang="en-US" i="1">
+                            <a:solidFill>
+                              <a:schemeClr val="tx1"/>
+                            </a:solidFill>
+                            <a:latin typeface="Cambria Math" panose="02040503050406030204" pitchFamily="18" charset="0"/>
+                            <a:cs typeface="Calibri" panose="020F0502020204030204" pitchFamily="34" charset="0"/>
+                          </a:rPr>
+                          <m:t>,</m:t>
+                        </m:r>
+                        <m:r>
+                          <a:rPr lang="en-US" i="1">
+                            <a:solidFill>
+                              <a:schemeClr val="tx1"/>
+                            </a:solidFill>
+                            <a:latin typeface="Cambria Math" panose="02040503050406030204" pitchFamily="18" charset="0"/>
+                            <a:cs typeface="Calibri" panose="020F0502020204030204" pitchFamily="34" charset="0"/>
+                          </a:rPr>
+                          <m:t>𝑗</m:t>
+                        </m:r>
+                      </m:sub>
+                      <m:sup>
+                        <m:r>
+                          <a:rPr lang="en-US" i="1">
+                            <a:solidFill>
+                              <a:schemeClr val="tx1"/>
+                            </a:solidFill>
+                            <a:latin typeface="Cambria Math" panose="02040503050406030204" pitchFamily="18" charset="0"/>
+                            <a:cs typeface="Calibri" panose="020F0502020204030204" pitchFamily="34" charset="0"/>
+                          </a:rPr>
+                          <m:t>𝐽</m:t>
+                        </m:r>
+                      </m:sup>
+                    </m:sSubSup>
+                    <m:r>
+                      <a:rPr lang="en-US" i="1">
+                        <a:solidFill>
+                          <a:schemeClr val="tx1"/>
+                        </a:solidFill>
+                        <a:latin typeface="Cambria Math" panose="02040503050406030204" pitchFamily="18" charset="0"/>
+                        <a:cs typeface="Calibri" panose="020F0502020204030204" pitchFamily="34" charset="0"/>
+                      </a:rPr>
+                      <m:t> </m:t>
+                    </m:r>
+                  </m:oMath>
+                </a14:m>
+                <a:r>
+                  <a:rPr lang="en-US" dirty="0">
+                    <a:solidFill>
+                      <a:schemeClr val="tx1"/>
+                    </a:solidFill>
+                    <a:latin typeface="Calibri" panose="020F0502020204030204" pitchFamily="34" charset="0"/>
+                    <a:cs typeface="Calibri" panose="020F0502020204030204" pitchFamily="34" charset="0"/>
+                  </a:rPr>
+                  <a:t>represents the similarity between two targets  </a:t>
+                </a:r>
+                <a14:m>
+                  <m:oMath xmlns:m="http://schemas.openxmlformats.org/officeDocument/2006/math">
+                    <m:sSub>
+                      <m:sSubPr>
+                        <m:ctrlPr>
+                          <a:rPr lang="en-US" i="1">
+                            <a:solidFill>
+                              <a:schemeClr val="tx1"/>
+                            </a:solidFill>
+                            <a:latin typeface="Cambria Math" panose="02040503050406030204" pitchFamily="18" charset="0"/>
+                            <a:cs typeface="Calibri" panose="020F0502020204030204" pitchFamily="34" charset="0"/>
+                          </a:rPr>
+                        </m:ctrlPr>
+                      </m:sSubPr>
+                      <m:e>
+                        <m:r>
+                          <a:rPr lang="en-US" b="0" i="1" smtClean="0">
+                            <a:solidFill>
+                              <a:schemeClr val="tx1"/>
+                            </a:solidFill>
+                            <a:latin typeface="Cambria Math" panose="02040503050406030204" pitchFamily="18" charset="0"/>
+                            <a:cs typeface="Calibri" panose="020F0502020204030204" pitchFamily="34" charset="0"/>
+                          </a:rPr>
+                          <m:t>𝑡</m:t>
+                        </m:r>
+                      </m:e>
+                      <m:sub>
+                        <m:r>
+                          <a:rPr lang="en-US" i="1">
+                            <a:solidFill>
+                              <a:schemeClr val="tx1"/>
+                            </a:solidFill>
+                            <a:latin typeface="Cambria Math" panose="02040503050406030204" pitchFamily="18" charset="0"/>
+                            <a:cs typeface="Calibri" panose="020F0502020204030204" pitchFamily="34" charset="0"/>
+                          </a:rPr>
+                          <m:t>𝑖</m:t>
+                        </m:r>
+                      </m:sub>
+                    </m:sSub>
+                  </m:oMath>
+                </a14:m>
+                <a:r>
+                  <a:rPr lang="en-US" dirty="0">
+                    <a:solidFill>
+                      <a:schemeClr val="tx1"/>
+                    </a:solidFill>
+                    <a:latin typeface="Calibri" panose="020F0502020204030204" pitchFamily="34" charset="0"/>
+                    <a:cs typeface="Calibri" panose="020F0502020204030204" pitchFamily="34" charset="0"/>
+                  </a:rPr>
+                  <a:t> and </a:t>
+                </a:r>
+                <a14:m>
+                  <m:oMath xmlns:m="http://schemas.openxmlformats.org/officeDocument/2006/math">
+                    <m:sSub>
+                      <m:sSubPr>
+                        <m:ctrlPr>
+                          <a:rPr lang="en-US" i="1">
+                            <a:solidFill>
+                              <a:schemeClr val="tx1"/>
+                            </a:solidFill>
+                            <a:latin typeface="Cambria Math" panose="02040503050406030204" pitchFamily="18" charset="0"/>
+                            <a:cs typeface="Calibri" panose="020F0502020204030204" pitchFamily="34" charset="0"/>
+                          </a:rPr>
+                        </m:ctrlPr>
+                      </m:sSubPr>
+                      <m:e>
+                        <m:r>
+                          <a:rPr lang="en-US" b="0" i="1" smtClean="0">
+                            <a:solidFill>
+                              <a:schemeClr val="tx1"/>
+                            </a:solidFill>
+                            <a:latin typeface="Cambria Math" panose="02040503050406030204" pitchFamily="18" charset="0"/>
+                            <a:cs typeface="Calibri" panose="020F0502020204030204" pitchFamily="34" charset="0"/>
+                          </a:rPr>
+                          <m:t>𝑡</m:t>
+                        </m:r>
+                      </m:e>
+                      <m:sub>
+                        <m:r>
+                          <a:rPr lang="en-US" b="0" i="1" smtClean="0">
+                            <a:solidFill>
+                              <a:schemeClr val="tx1"/>
+                            </a:solidFill>
+                            <a:latin typeface="Cambria Math" panose="02040503050406030204" pitchFamily="18" charset="0"/>
+                            <a:cs typeface="Calibri" panose="020F0502020204030204" pitchFamily="34" charset="0"/>
+                          </a:rPr>
+                          <m:t>𝑗</m:t>
+                        </m:r>
+                      </m:sub>
+                    </m:sSub>
+                  </m:oMath>
+                </a14:m>
+                <a:r>
+                  <a:rPr lang="en-US" dirty="0">
+                    <a:solidFill>
+                      <a:schemeClr val="tx1"/>
+                    </a:solidFill>
+                    <a:latin typeface="Calibri" panose="020F0502020204030204" pitchFamily="34" charset="0"/>
+                    <a:cs typeface="Calibri" panose="020F0502020204030204" pitchFamily="34" charset="0"/>
+                  </a:rPr>
+                  <a:t>.</a:t>
+                </a:r>
+              </a:p>
+              <a:p>
+                <a:pPr marL="0" indent="0">
+                  <a:buNone/>
+                </a:pPr>
+                <a:endParaRPr lang="en-US" dirty="0">
+                  <a:solidFill>
+                    <a:schemeClr val="tx1"/>
+                  </a:solidFill>
+                  <a:latin typeface="Calibri" panose="020F0502020204030204" pitchFamily="34" charset="0"/>
+                  <a:cs typeface="Calibri" panose="020F0502020204030204" pitchFamily="34" charset="0"/>
+                </a:endParaRPr>
+              </a:p>
+              <a:p>
+                <a:pPr marL="0" indent="0">
+                  <a:buNone/>
+                </a:pPr>
+                <a14:m>
+                  <m:oMathPara xmlns:m="http://schemas.openxmlformats.org/officeDocument/2006/math">
+                    <m:oMathParaPr>
+                      <m:jc m:val="centerGroup"/>
+                    </m:oMathParaPr>
+                    <m:oMath xmlns:m="http://schemas.openxmlformats.org/officeDocument/2006/math">
+                      <m:sSubSup>
+                        <m:sSubSupPr>
+                          <m:ctrlPr>
+                            <a:rPr lang="en-US" b="0" i="1" smtClean="0">
+                              <a:solidFill>
+                                <a:schemeClr val="tx1"/>
+                              </a:solidFill>
+                              <a:latin typeface="Cambria Math" panose="02040503050406030204" pitchFamily="18" charset="0"/>
+                              <a:cs typeface="Calibri" panose="020F0502020204030204" pitchFamily="34" charset="0"/>
+                            </a:rPr>
+                          </m:ctrlPr>
+                        </m:sSubSupPr>
+                        <m:e>
+                          <m:r>
+                            <a:rPr lang="en-US" b="0" i="1" smtClean="0">
+                              <a:solidFill>
+                                <a:schemeClr val="tx1"/>
+                              </a:solidFill>
+                              <a:latin typeface="Cambria Math" panose="02040503050406030204" pitchFamily="18" charset="0"/>
+                              <a:cs typeface="Calibri" panose="020F0502020204030204" pitchFamily="34" charset="0"/>
+                            </a:rPr>
+                            <m:t>𝑆𝑇</m:t>
+                          </m:r>
+                        </m:e>
+                        <m:sub>
+                          <m:r>
+                            <a:rPr lang="en-US" b="0" i="1" smtClean="0">
+                              <a:solidFill>
+                                <a:schemeClr val="tx1"/>
+                              </a:solidFill>
+                              <a:latin typeface="Cambria Math" panose="02040503050406030204" pitchFamily="18" charset="0"/>
+                              <a:cs typeface="Calibri" panose="020F0502020204030204" pitchFamily="34" charset="0"/>
+                            </a:rPr>
+                            <m:t>𝑖</m:t>
+                          </m:r>
+                          <m:r>
+                            <a:rPr lang="en-US" b="0" i="1" smtClean="0">
+                              <a:solidFill>
+                                <a:schemeClr val="tx1"/>
+                              </a:solidFill>
+                              <a:latin typeface="Cambria Math" panose="02040503050406030204" pitchFamily="18" charset="0"/>
+                              <a:cs typeface="Calibri" panose="020F0502020204030204" pitchFamily="34" charset="0"/>
+                            </a:rPr>
+                            <m:t>,</m:t>
+                          </m:r>
+                          <m:r>
+                            <a:rPr lang="en-US" b="0" i="1" smtClean="0">
+                              <a:solidFill>
+                                <a:schemeClr val="tx1"/>
+                              </a:solidFill>
+                              <a:latin typeface="Cambria Math" panose="02040503050406030204" pitchFamily="18" charset="0"/>
+                              <a:cs typeface="Calibri" panose="020F0502020204030204" pitchFamily="34" charset="0"/>
+                            </a:rPr>
+                            <m:t>𝑗</m:t>
+                          </m:r>
+                        </m:sub>
+                        <m:sup>
+                          <m:r>
+                            <a:rPr lang="en-US" b="0" i="1" smtClean="0">
+                              <a:solidFill>
+                                <a:schemeClr val="tx1"/>
+                              </a:solidFill>
+                              <a:latin typeface="Cambria Math" panose="02040503050406030204" pitchFamily="18" charset="0"/>
+                              <a:cs typeface="Calibri" panose="020F0502020204030204" pitchFamily="34" charset="0"/>
+                            </a:rPr>
+                            <m:t>𝐽</m:t>
+                          </m:r>
+                        </m:sup>
+                      </m:sSubSup>
+                      <m:r>
+                        <a:rPr lang="en-US" b="0" i="1" smtClean="0">
+                          <a:solidFill>
+                            <a:schemeClr val="tx1"/>
+                          </a:solidFill>
+                          <a:latin typeface="Cambria Math" panose="02040503050406030204" pitchFamily="18" charset="0"/>
+                          <a:cs typeface="Calibri" panose="020F0502020204030204" pitchFamily="34" charset="0"/>
+                        </a:rPr>
+                        <m:t>= </m:t>
+                      </m:r>
+                      <m:f>
+                        <m:fPr>
+                          <m:ctrlPr>
+                            <a:rPr lang="en-US" b="0" i="1" smtClean="0">
+                              <a:solidFill>
+                                <a:schemeClr val="tx1"/>
+                              </a:solidFill>
+                              <a:latin typeface="Cambria Math" panose="02040503050406030204" pitchFamily="18" charset="0"/>
+                              <a:cs typeface="Calibri" panose="020F0502020204030204" pitchFamily="34" charset="0"/>
+                            </a:rPr>
+                          </m:ctrlPr>
+                        </m:fPr>
+                        <m:num>
+                          <m:r>
+                            <a:rPr lang="en-US" b="0" i="1" smtClean="0">
+                              <a:solidFill>
+                                <a:schemeClr val="tx1"/>
+                              </a:solidFill>
+                              <a:latin typeface="Cambria Math" panose="02040503050406030204" pitchFamily="18" charset="0"/>
+                              <a:cs typeface="Calibri" panose="020F0502020204030204" pitchFamily="34" charset="0"/>
+                            </a:rPr>
+                            <m:t>(</m:t>
+                          </m:r>
+                          <m:sSub>
+                            <m:sSubPr>
+                              <m:ctrlPr>
+                                <a:rPr lang="en-US" b="0" i="1" smtClean="0">
+                                  <a:solidFill>
+                                    <a:schemeClr val="tx1"/>
+                                  </a:solidFill>
+                                  <a:latin typeface="Cambria Math" panose="02040503050406030204" pitchFamily="18" charset="0"/>
+                                  <a:cs typeface="Calibri" panose="020F0502020204030204" pitchFamily="34" charset="0"/>
+                                </a:rPr>
+                              </m:ctrlPr>
+                            </m:sSubPr>
+                            <m:e>
+                              <m:r>
+                                <a:rPr lang="en-US" b="0" i="1" smtClean="0">
+                                  <a:solidFill>
+                                    <a:schemeClr val="tx1"/>
+                                  </a:solidFill>
+                                  <a:latin typeface="Cambria Math" panose="02040503050406030204" pitchFamily="18" charset="0"/>
+                                  <a:cs typeface="Calibri" panose="020F0502020204030204" pitchFamily="34" charset="0"/>
+                                </a:rPr>
+                                <m:t>𝑡</m:t>
+                              </m:r>
+                            </m:e>
+                            <m:sub>
+                              <m:r>
+                                <a:rPr lang="en-US" b="0" i="1" smtClean="0">
+                                  <a:solidFill>
+                                    <a:schemeClr val="tx1"/>
+                                  </a:solidFill>
+                                  <a:latin typeface="Cambria Math" panose="02040503050406030204" pitchFamily="18" charset="0"/>
+                                  <a:cs typeface="Calibri" panose="020F0502020204030204" pitchFamily="34" charset="0"/>
+                                </a:rPr>
+                                <m:t>𝑖</m:t>
+                              </m:r>
+                            </m:sub>
+                          </m:sSub>
+                          <m:r>
+                            <a:rPr lang="en-US" b="0" i="1" smtClean="0">
+                              <a:solidFill>
+                                <a:schemeClr val="tx1"/>
+                              </a:solidFill>
+                              <a:latin typeface="Cambria Math" panose="02040503050406030204" pitchFamily="18" charset="0"/>
+                              <a:ea typeface="Cambria Math" panose="02040503050406030204" pitchFamily="18" charset="0"/>
+                              <a:cs typeface="Calibri" panose="020F0502020204030204" pitchFamily="34" charset="0"/>
+                            </a:rPr>
+                            <m:t>∩ </m:t>
+                          </m:r>
+                          <m:sSub>
+                            <m:sSubPr>
+                              <m:ctrlPr>
+                                <a:rPr lang="en-US" b="0" i="1" smtClean="0">
+                                  <a:solidFill>
+                                    <a:schemeClr val="tx1"/>
+                                  </a:solidFill>
+                                  <a:latin typeface="Cambria Math" panose="02040503050406030204" pitchFamily="18" charset="0"/>
+                                  <a:ea typeface="Cambria Math" panose="02040503050406030204" pitchFamily="18" charset="0"/>
+                                  <a:cs typeface="Calibri" panose="020F0502020204030204" pitchFamily="34" charset="0"/>
+                                </a:rPr>
+                              </m:ctrlPr>
+                            </m:sSubPr>
+                            <m:e>
+                              <m:r>
+                                <a:rPr lang="en-US" b="0" i="1" smtClean="0">
+                                  <a:solidFill>
+                                    <a:schemeClr val="tx1"/>
+                                  </a:solidFill>
+                                  <a:latin typeface="Cambria Math" panose="02040503050406030204" pitchFamily="18" charset="0"/>
+                                  <a:ea typeface="Cambria Math" panose="02040503050406030204" pitchFamily="18" charset="0"/>
+                                  <a:cs typeface="Calibri" panose="020F0502020204030204" pitchFamily="34" charset="0"/>
+                                </a:rPr>
+                                <m:t>𝑡</m:t>
+                              </m:r>
+                            </m:e>
+                            <m:sub>
+                              <m:r>
+                                <a:rPr lang="en-US" b="0" i="1" smtClean="0">
+                                  <a:solidFill>
+                                    <a:schemeClr val="tx1"/>
+                                  </a:solidFill>
+                                  <a:latin typeface="Cambria Math" panose="02040503050406030204" pitchFamily="18" charset="0"/>
+                                  <a:ea typeface="Cambria Math" panose="02040503050406030204" pitchFamily="18" charset="0"/>
+                                  <a:cs typeface="Calibri" panose="020F0502020204030204" pitchFamily="34" charset="0"/>
+                                </a:rPr>
+                                <m:t>𝑗</m:t>
+                              </m:r>
+                            </m:sub>
+                          </m:sSub>
+                          <m:r>
+                            <a:rPr lang="en-US" b="0" i="1" smtClean="0">
+                              <a:solidFill>
+                                <a:schemeClr val="tx1"/>
+                              </a:solidFill>
+                              <a:latin typeface="Cambria Math" panose="02040503050406030204" pitchFamily="18" charset="0"/>
+                              <a:cs typeface="Calibri" panose="020F0502020204030204" pitchFamily="34" charset="0"/>
+                            </a:rPr>
+                            <m:t>)</m:t>
+                          </m:r>
+                        </m:num>
+                        <m:den>
+                          <m:r>
+                            <a:rPr lang="en-US" i="1">
+                              <a:solidFill>
+                                <a:schemeClr val="tx1"/>
+                              </a:solidFill>
+                              <a:latin typeface="Cambria Math" panose="02040503050406030204" pitchFamily="18" charset="0"/>
+                              <a:cs typeface="Calibri" panose="020F0502020204030204" pitchFamily="34" charset="0"/>
+                            </a:rPr>
+                            <m:t>(</m:t>
+                          </m:r>
+                          <m:sSub>
+                            <m:sSubPr>
+                              <m:ctrlPr>
+                                <a:rPr lang="en-US" i="1">
+                                  <a:solidFill>
+                                    <a:schemeClr val="tx1"/>
+                                  </a:solidFill>
+                                  <a:latin typeface="Cambria Math" panose="02040503050406030204" pitchFamily="18" charset="0"/>
+                                  <a:cs typeface="Calibri" panose="020F0502020204030204" pitchFamily="34" charset="0"/>
+                                </a:rPr>
+                              </m:ctrlPr>
+                            </m:sSubPr>
+                            <m:e>
+                              <m:r>
+                                <a:rPr lang="en-US" b="0" i="1" smtClean="0">
+                                  <a:solidFill>
+                                    <a:schemeClr val="tx1"/>
+                                  </a:solidFill>
+                                  <a:latin typeface="Cambria Math" panose="02040503050406030204" pitchFamily="18" charset="0"/>
+                                  <a:cs typeface="Calibri" panose="020F0502020204030204" pitchFamily="34" charset="0"/>
+                                </a:rPr>
+                                <m:t>𝑡</m:t>
+                              </m:r>
+                            </m:e>
+                            <m:sub>
+                              <m:r>
+                                <a:rPr lang="en-US" i="1">
+                                  <a:solidFill>
+                                    <a:schemeClr val="tx1"/>
+                                  </a:solidFill>
+                                  <a:latin typeface="Cambria Math" panose="02040503050406030204" pitchFamily="18" charset="0"/>
+                                  <a:cs typeface="Calibri" panose="020F0502020204030204" pitchFamily="34" charset="0"/>
+                                </a:rPr>
+                                <m:t>𝑖</m:t>
+                              </m:r>
+                            </m:sub>
+                          </m:sSub>
+                          <m:r>
+                            <a:rPr lang="en-US" i="1" smtClean="0">
+                              <a:solidFill>
+                                <a:schemeClr val="tx1"/>
+                              </a:solidFill>
+                              <a:latin typeface="Cambria Math" panose="02040503050406030204" pitchFamily="18" charset="0"/>
+                              <a:ea typeface="Cambria Math" panose="02040503050406030204" pitchFamily="18" charset="0"/>
+                              <a:cs typeface="Calibri" panose="020F0502020204030204" pitchFamily="34" charset="0"/>
+                            </a:rPr>
+                            <m:t>∪</m:t>
+                          </m:r>
+                          <m:r>
+                            <a:rPr lang="en-US" i="1">
+                              <a:solidFill>
+                                <a:schemeClr val="tx1"/>
+                              </a:solidFill>
+                              <a:latin typeface="Cambria Math" panose="02040503050406030204" pitchFamily="18" charset="0"/>
+                              <a:ea typeface="Cambria Math" panose="02040503050406030204" pitchFamily="18" charset="0"/>
+                              <a:cs typeface="Calibri" panose="020F0502020204030204" pitchFamily="34" charset="0"/>
+                            </a:rPr>
+                            <m:t> </m:t>
+                          </m:r>
+                          <m:sSub>
+                            <m:sSubPr>
+                              <m:ctrlPr>
+                                <a:rPr lang="en-US" i="1" smtClean="0">
+                                  <a:solidFill>
+                                    <a:schemeClr val="tx1"/>
+                                  </a:solidFill>
+                                  <a:latin typeface="Cambria Math" panose="02040503050406030204" pitchFamily="18" charset="0"/>
+                                  <a:ea typeface="Cambria Math" panose="02040503050406030204" pitchFamily="18" charset="0"/>
+                                  <a:cs typeface="Calibri" panose="020F0502020204030204" pitchFamily="34" charset="0"/>
+                                </a:rPr>
+                              </m:ctrlPr>
+                            </m:sSubPr>
+                            <m:e>
+                              <m:r>
+                                <a:rPr lang="en-US" b="0" i="1" smtClean="0">
+                                  <a:solidFill>
+                                    <a:schemeClr val="tx1"/>
+                                  </a:solidFill>
+                                  <a:latin typeface="Cambria Math" panose="02040503050406030204" pitchFamily="18" charset="0"/>
+                                  <a:ea typeface="Cambria Math" panose="02040503050406030204" pitchFamily="18" charset="0"/>
+                                  <a:cs typeface="Calibri" panose="020F0502020204030204" pitchFamily="34" charset="0"/>
+                                </a:rPr>
+                                <m:t>𝑡</m:t>
+                              </m:r>
+                            </m:e>
+                            <m:sub>
+                              <m:r>
+                                <a:rPr lang="en-US" i="1">
+                                  <a:solidFill>
+                                    <a:schemeClr val="tx1"/>
+                                  </a:solidFill>
+                                  <a:latin typeface="Cambria Math" panose="02040503050406030204" pitchFamily="18" charset="0"/>
+                                  <a:ea typeface="Cambria Math" panose="02040503050406030204" pitchFamily="18" charset="0"/>
+                                  <a:cs typeface="Calibri" panose="020F0502020204030204" pitchFamily="34" charset="0"/>
+                                </a:rPr>
+                                <m:t>𝑗</m:t>
+                              </m:r>
+                            </m:sub>
+                          </m:sSub>
+                          <m:r>
+                            <a:rPr lang="en-US" i="1">
+                              <a:solidFill>
+                                <a:schemeClr val="tx1"/>
+                              </a:solidFill>
+                              <a:latin typeface="Cambria Math" panose="02040503050406030204" pitchFamily="18" charset="0"/>
+                              <a:cs typeface="Calibri" panose="020F0502020204030204" pitchFamily="34" charset="0"/>
+                            </a:rPr>
+                            <m:t>)</m:t>
+                          </m:r>
+                        </m:den>
+                      </m:f>
+                      <m:r>
+                        <a:rPr lang="en-US" b="0" i="1" smtClean="0">
+                          <a:solidFill>
+                            <a:schemeClr val="tx1"/>
+                          </a:solidFill>
+                          <a:latin typeface="Cambria Math" panose="02040503050406030204" pitchFamily="18" charset="0"/>
+                          <a:cs typeface="Calibri" panose="020F0502020204030204" pitchFamily="34" charset="0"/>
+                        </a:rPr>
+                        <m:t> </m:t>
+                      </m:r>
+                    </m:oMath>
+                  </m:oMathPara>
+                </a14:m>
+                <a:endParaRPr lang="en-US" dirty="0">
+                  <a:solidFill>
+                    <a:schemeClr val="tx1"/>
+                  </a:solidFill>
+                  <a:latin typeface="Calibri" panose="020F0502020204030204" pitchFamily="34" charset="0"/>
+                  <a:cs typeface="Calibri" panose="020F0502020204030204" pitchFamily="34" charset="0"/>
+                </a:endParaRPr>
+              </a:p>
+              <a:p>
+                <a:pPr marL="0" indent="0">
+                  <a:buNone/>
+                </a:pPr>
+                <a:endParaRPr lang="en-US" dirty="0">
+                  <a:solidFill>
+                    <a:schemeClr val="tx1"/>
+                  </a:solidFill>
+                  <a:latin typeface="Calibri" panose="020F0502020204030204" pitchFamily="34" charset="0"/>
+                  <a:cs typeface="Calibri" panose="020F0502020204030204" pitchFamily="34" charset="0"/>
+                </a:endParaRPr>
+              </a:p>
+              <a:p>
+                <a:pPr marL="0" indent="0">
+                  <a:buNone/>
+                </a:pPr>
+                <a14:m>
+                  <m:oMath xmlns:m="http://schemas.openxmlformats.org/officeDocument/2006/math">
+                    <m:r>
+                      <a:rPr lang="en-US" i="1">
+                        <a:solidFill>
+                          <a:schemeClr val="tx1"/>
+                        </a:solidFill>
+                        <a:latin typeface="Cambria Math" panose="02040503050406030204" pitchFamily="18" charset="0"/>
+                        <a:cs typeface="Calibri" panose="020F0502020204030204" pitchFamily="34" charset="0"/>
+                      </a:rPr>
+                      <m:t>(</m:t>
+                    </m:r>
+                    <m:sSub>
+                      <m:sSubPr>
+                        <m:ctrlPr>
+                          <a:rPr lang="en-US" i="1" smtClean="0">
+                            <a:solidFill>
+                              <a:schemeClr val="tx1"/>
+                            </a:solidFill>
+                            <a:latin typeface="Cambria Math" panose="02040503050406030204" pitchFamily="18" charset="0"/>
+                            <a:cs typeface="Calibri" panose="020F0502020204030204" pitchFamily="34" charset="0"/>
+                          </a:rPr>
+                        </m:ctrlPr>
+                      </m:sSubPr>
+                      <m:e>
+                        <m:r>
+                          <a:rPr lang="en-US" b="0" i="1" smtClean="0">
+                            <a:solidFill>
+                              <a:schemeClr val="tx1"/>
+                            </a:solidFill>
+                            <a:latin typeface="Cambria Math" panose="02040503050406030204" pitchFamily="18" charset="0"/>
+                            <a:cs typeface="Calibri" panose="020F0502020204030204" pitchFamily="34" charset="0"/>
+                          </a:rPr>
+                          <m:t>𝑡</m:t>
+                        </m:r>
+                      </m:e>
+                      <m:sub>
+                        <m:r>
+                          <a:rPr lang="en-US" i="1">
+                            <a:solidFill>
+                              <a:schemeClr val="tx1"/>
+                            </a:solidFill>
+                            <a:latin typeface="Cambria Math" panose="02040503050406030204" pitchFamily="18" charset="0"/>
+                            <a:cs typeface="Calibri" panose="020F0502020204030204" pitchFamily="34" charset="0"/>
+                          </a:rPr>
+                          <m:t>𝑖</m:t>
+                        </m:r>
+                      </m:sub>
+                    </m:sSub>
+                    <m:r>
+                      <a:rPr lang="en-US" i="1">
+                        <a:solidFill>
+                          <a:schemeClr val="tx1"/>
+                        </a:solidFill>
+                        <a:latin typeface="Cambria Math" panose="02040503050406030204" pitchFamily="18" charset="0"/>
+                        <a:ea typeface="Cambria Math" panose="02040503050406030204" pitchFamily="18" charset="0"/>
+                        <a:cs typeface="Calibri" panose="020F0502020204030204" pitchFamily="34" charset="0"/>
+                      </a:rPr>
+                      <m:t>∩ </m:t>
+                    </m:r>
+                    <m:sSub>
+                      <m:sSubPr>
+                        <m:ctrlPr>
+                          <a:rPr lang="en-US" i="1">
+                            <a:solidFill>
+                              <a:schemeClr val="tx1"/>
+                            </a:solidFill>
+                            <a:latin typeface="Cambria Math" panose="02040503050406030204" pitchFamily="18" charset="0"/>
+                            <a:ea typeface="Cambria Math" panose="02040503050406030204" pitchFamily="18" charset="0"/>
+                            <a:cs typeface="Calibri" panose="020F0502020204030204" pitchFamily="34" charset="0"/>
+                          </a:rPr>
+                        </m:ctrlPr>
+                      </m:sSubPr>
+                      <m:e>
+                        <m:r>
+                          <a:rPr lang="en-US" b="0" i="1" smtClean="0">
+                            <a:solidFill>
+                              <a:schemeClr val="tx1"/>
+                            </a:solidFill>
+                            <a:latin typeface="Cambria Math" panose="02040503050406030204" pitchFamily="18" charset="0"/>
+                            <a:ea typeface="Cambria Math" panose="02040503050406030204" pitchFamily="18" charset="0"/>
+                            <a:cs typeface="Calibri" panose="020F0502020204030204" pitchFamily="34" charset="0"/>
+                          </a:rPr>
+                          <m:t>𝑡</m:t>
+                        </m:r>
+                      </m:e>
+                      <m:sub>
+                        <m:r>
+                          <a:rPr lang="en-US" i="1">
+                            <a:solidFill>
+                              <a:schemeClr val="tx1"/>
+                            </a:solidFill>
+                            <a:latin typeface="Cambria Math" panose="02040503050406030204" pitchFamily="18" charset="0"/>
+                            <a:ea typeface="Cambria Math" panose="02040503050406030204" pitchFamily="18" charset="0"/>
+                            <a:cs typeface="Calibri" panose="020F0502020204030204" pitchFamily="34" charset="0"/>
+                          </a:rPr>
+                          <m:t>𝑗</m:t>
+                        </m:r>
+                      </m:sub>
+                    </m:sSub>
+                    <m:r>
+                      <a:rPr lang="en-US" i="1">
+                        <a:solidFill>
+                          <a:schemeClr val="tx1"/>
+                        </a:solidFill>
+                        <a:latin typeface="Cambria Math" panose="02040503050406030204" pitchFamily="18" charset="0"/>
+                        <a:cs typeface="Calibri" panose="020F0502020204030204" pitchFamily="34" charset="0"/>
+                      </a:rPr>
+                      <m:t>)</m:t>
+                    </m:r>
+                  </m:oMath>
+                </a14:m>
+                <a:r>
+                  <a:rPr lang="en-US" dirty="0">
+                    <a:solidFill>
+                      <a:schemeClr val="tx1"/>
+                    </a:solidFill>
+                    <a:latin typeface="Calibri" panose="020F0502020204030204" pitchFamily="34" charset="0"/>
+                    <a:cs typeface="Calibri" panose="020F0502020204030204" pitchFamily="34" charset="0"/>
+                  </a:rPr>
+                  <a:t>  is the number of drugs where both targets interact with.</a:t>
+                </a:r>
+              </a:p>
+              <a:p>
+                <a:pPr marL="0" indent="0">
+                  <a:buNone/>
+                </a:pPr>
+                <a14:m>
+                  <m:oMath xmlns:m="http://schemas.openxmlformats.org/officeDocument/2006/math">
+                    <m:r>
+                      <a:rPr lang="en-US" i="1">
+                        <a:solidFill>
+                          <a:schemeClr val="tx1"/>
+                        </a:solidFill>
+                        <a:latin typeface="Cambria Math" panose="02040503050406030204" pitchFamily="18" charset="0"/>
+                        <a:cs typeface="Calibri" panose="020F0502020204030204" pitchFamily="34" charset="0"/>
+                      </a:rPr>
+                      <m:t>(</m:t>
+                    </m:r>
+                    <m:sSub>
+                      <m:sSubPr>
+                        <m:ctrlPr>
+                          <a:rPr lang="en-US" i="1">
+                            <a:solidFill>
+                              <a:schemeClr val="tx1"/>
+                            </a:solidFill>
+                            <a:latin typeface="Cambria Math" panose="02040503050406030204" pitchFamily="18" charset="0"/>
+                            <a:cs typeface="Calibri" panose="020F0502020204030204" pitchFamily="34" charset="0"/>
+                          </a:rPr>
+                        </m:ctrlPr>
+                      </m:sSubPr>
+                      <m:e>
+                        <m:r>
+                          <a:rPr lang="en-US" b="0" i="1" smtClean="0">
+                            <a:solidFill>
+                              <a:schemeClr val="tx1"/>
+                            </a:solidFill>
+                            <a:latin typeface="Cambria Math" panose="02040503050406030204" pitchFamily="18" charset="0"/>
+                            <a:cs typeface="Calibri" panose="020F0502020204030204" pitchFamily="34" charset="0"/>
+                          </a:rPr>
+                          <m:t>𝑡</m:t>
+                        </m:r>
+                      </m:e>
+                      <m:sub>
+                        <m:r>
+                          <a:rPr lang="en-US" i="1">
+                            <a:solidFill>
+                              <a:schemeClr val="tx1"/>
+                            </a:solidFill>
+                            <a:latin typeface="Cambria Math" panose="02040503050406030204" pitchFamily="18" charset="0"/>
+                            <a:cs typeface="Calibri" panose="020F0502020204030204" pitchFamily="34" charset="0"/>
+                          </a:rPr>
+                          <m:t>𝑖</m:t>
+                        </m:r>
+                      </m:sub>
+                    </m:sSub>
+                    <m:r>
+                      <a:rPr lang="en-US" i="1">
+                        <a:solidFill>
+                          <a:schemeClr val="tx1"/>
+                        </a:solidFill>
+                        <a:latin typeface="Cambria Math" panose="02040503050406030204" pitchFamily="18" charset="0"/>
+                        <a:ea typeface="Cambria Math" panose="02040503050406030204" pitchFamily="18" charset="0"/>
+                        <a:cs typeface="Calibri" panose="020F0502020204030204" pitchFamily="34" charset="0"/>
+                      </a:rPr>
+                      <m:t>∪</m:t>
+                    </m:r>
+                    <m:r>
+                      <a:rPr lang="en-US" i="1">
+                        <a:solidFill>
+                          <a:schemeClr val="tx1"/>
+                        </a:solidFill>
+                        <a:latin typeface="Cambria Math" panose="02040503050406030204" pitchFamily="18" charset="0"/>
+                        <a:ea typeface="Cambria Math" panose="02040503050406030204" pitchFamily="18" charset="0"/>
+                        <a:cs typeface="Calibri" panose="020F0502020204030204" pitchFamily="34" charset="0"/>
+                      </a:rPr>
+                      <m:t> </m:t>
+                    </m:r>
+                    <m:sSub>
+                      <m:sSubPr>
+                        <m:ctrlPr>
+                          <a:rPr lang="en-US" i="1">
+                            <a:solidFill>
+                              <a:schemeClr val="tx1"/>
+                            </a:solidFill>
+                            <a:latin typeface="Cambria Math" panose="02040503050406030204" pitchFamily="18" charset="0"/>
+                            <a:ea typeface="Cambria Math" panose="02040503050406030204" pitchFamily="18" charset="0"/>
+                            <a:cs typeface="Calibri" panose="020F0502020204030204" pitchFamily="34" charset="0"/>
+                          </a:rPr>
+                        </m:ctrlPr>
+                      </m:sSubPr>
+                      <m:e>
+                        <m:r>
+                          <a:rPr lang="en-US" b="0" i="1" smtClean="0">
+                            <a:solidFill>
+                              <a:schemeClr val="tx1"/>
+                            </a:solidFill>
+                            <a:latin typeface="Cambria Math" panose="02040503050406030204" pitchFamily="18" charset="0"/>
+                            <a:ea typeface="Cambria Math" panose="02040503050406030204" pitchFamily="18" charset="0"/>
+                            <a:cs typeface="Calibri" panose="020F0502020204030204" pitchFamily="34" charset="0"/>
+                          </a:rPr>
+                          <m:t>𝑡</m:t>
+                        </m:r>
+                      </m:e>
+                      <m:sub>
+                        <m:r>
+                          <a:rPr lang="en-US" i="1">
+                            <a:solidFill>
+                              <a:schemeClr val="tx1"/>
+                            </a:solidFill>
+                            <a:latin typeface="Cambria Math" panose="02040503050406030204" pitchFamily="18" charset="0"/>
+                            <a:ea typeface="Cambria Math" panose="02040503050406030204" pitchFamily="18" charset="0"/>
+                            <a:cs typeface="Calibri" panose="020F0502020204030204" pitchFamily="34" charset="0"/>
+                          </a:rPr>
+                          <m:t>𝑗</m:t>
+                        </m:r>
+                      </m:sub>
+                    </m:sSub>
+                    <m:r>
+                      <a:rPr lang="en-US" b="0" i="1" smtClean="0">
+                        <a:solidFill>
+                          <a:schemeClr val="tx1"/>
+                        </a:solidFill>
+                        <a:latin typeface="Cambria Math" panose="02040503050406030204" pitchFamily="18" charset="0"/>
+                        <a:ea typeface="Cambria Math" panose="02040503050406030204" pitchFamily="18" charset="0"/>
+                        <a:cs typeface="Calibri" panose="020F0502020204030204" pitchFamily="34" charset="0"/>
+                      </a:rPr>
+                      <m:t>)</m:t>
+                    </m:r>
+                  </m:oMath>
+                </a14:m>
+                <a:r>
+                  <a:rPr lang="en-US" dirty="0">
+                    <a:solidFill>
+                      <a:schemeClr val="tx1"/>
+                    </a:solidFill>
+                    <a:latin typeface="Calibri" panose="020F0502020204030204" pitchFamily="34" charset="0"/>
+                    <a:cs typeface="Calibri" panose="020F0502020204030204" pitchFamily="34" charset="0"/>
+                  </a:rPr>
+                  <a:t>  is the number of drugs where one or both targets interact with.</a:t>
+                </a:r>
+              </a:p>
+              <a:p>
+                <a:pPr marL="0" indent="0">
+                  <a:buNone/>
+                </a:pPr>
+                <a:endParaRPr lang="en-US" dirty="0">
+                  <a:solidFill>
+                    <a:schemeClr val="tx1"/>
+                  </a:solidFill>
+                  <a:latin typeface="Calibri" panose="020F0502020204030204" pitchFamily="34" charset="0"/>
+                  <a:cs typeface="Calibri" panose="020F0502020204030204" pitchFamily="34" charset="0"/>
+                </a:endParaRPr>
+              </a:p>
+            </p:txBody>
+          </p:sp>
+        </mc:Choice>
+        <mc:Fallback>
+          <p:sp>
+            <p:nvSpPr>
+              <p:cNvPr id="9" name="Content Placeholder 8">
+                <a:extLst>
+                  <a:ext uri="{FF2B5EF4-FFF2-40B4-BE49-F238E27FC236}">
+                    <a16:creationId xmlns:a16="http://schemas.microsoft.com/office/drawing/2014/main" id="{BFD27979-805A-4B4B-946D-AB44BEAC7A32}"/>
+                  </a:ext>
+                </a:extLst>
+              </p:cNvPr>
+              <p:cNvSpPr>
+                <a:spLocks noGrp="1" noRot="1" noChangeAspect="1" noMove="1" noResize="1" noEditPoints="1" noAdjustHandles="1" noChangeArrowheads="1" noChangeShapeType="1" noTextEdit="1"/>
+              </p:cNvSpPr>
+              <p:nvPr>
+                <p:ph idx="1"/>
+              </p:nvPr>
+            </p:nvSpPr>
+            <p:spPr>
+              <a:xfrm>
+                <a:off x="760413" y="1600200"/>
+                <a:ext cx="6553199" cy="4724400"/>
+              </a:xfrm>
+              <a:blipFill>
+                <a:blip r:embed="rId2"/>
+                <a:stretch>
+                  <a:fillRect l="-744" r="-186"/>
+                </a:stretch>
+              </a:blipFill>
+            </p:spPr>
+            <p:txBody>
+              <a:bodyPr/>
+              <a:lstStyle/>
+              <a:p>
+                <a:r>
+                  <a:rPr lang="en-US">
+                    <a:noFill/>
+                  </a:rPr>
+                  <a:t> </a:t>
+                </a:r>
+              </a:p>
+            </p:txBody>
+          </p:sp>
+        </mc:Fallback>
+      </mc:AlternateContent>
+      <p:sp>
+        <p:nvSpPr>
+          <p:cNvPr id="6" name="Content Placeholder 2">
             <a:extLst>
               <a:ext uri="{FF2B5EF4-FFF2-40B4-BE49-F238E27FC236}">
-                <a16:creationId xmlns:a16="http://schemas.microsoft.com/office/drawing/2014/main" id="{86F37EA8-E346-44D3-9BCA-9003A76D1BAA}"/>
+                <a16:creationId xmlns:a16="http://schemas.microsoft.com/office/drawing/2014/main" id="{109EE1EC-0CF3-44EA-8406-9B48EE9C5C3D}"/>
               </a:ext>
             </a:extLst>
           </p:cNvPr>
-          <p:cNvSpPr/>
+          <p:cNvSpPr txBox="1">
+            <a:spLocks/>
+          </p:cNvSpPr>
           <p:nvPr/>
         </p:nvSpPr>
         <p:spPr>
           <a:xfrm>
-            <a:off x="2208212" y="2644170"/>
-            <a:ext cx="7558498" cy="1569660"/>
+            <a:off x="677158" y="1676400"/>
+            <a:ext cx="9227254" cy="4343400"/>
           </a:xfrm>
           <a:prstGeom prst="rect">
             <a:avLst/>
           </a:prstGeom>
         </p:spPr>
         <p:txBody>
-          <a:bodyPr wrap="square">
-            <a:spAutoFit/>
+          <a:bodyPr vert="horz" lIns="91440" tIns="45720" rIns="91440" bIns="45720" rtlCol="0">
+            <a:normAutofit/>
           </a:bodyPr>
-          <a:lstStyle/>
+          <a:lstStyle>
+            <a:lvl1pPr marL="342797" indent="-342797" algn="l" defTabSz="457063" rtl="0" eaLnBrk="1" latinLnBrk="0" hangingPunct="1">
+              <a:spcBef>
+                <a:spcPts val="1000"/>
+              </a:spcBef>
+              <a:spcAft>
+                <a:spcPts val="0"/>
+              </a:spcAft>
+              <a:buClr>
+                <a:schemeClr val="accent1"/>
+              </a:buClr>
+              <a:buSzPct val="80000"/>
+              <a:buFont typeface="Wingdings 3" charset="2"/>
+              <a:buChar char=""/>
+              <a:defRPr sz="1799" kern="1200">
+                <a:solidFill>
+                  <a:schemeClr val="tx1">
+                    <a:lumMod val="75000"/>
+                    <a:lumOff val="25000"/>
+                  </a:schemeClr>
+                </a:solidFill>
+                <a:latin typeface="+mn-lt"/>
+                <a:ea typeface="+mn-ea"/>
+                <a:cs typeface="+mn-cs"/>
+              </a:defRPr>
+            </a:lvl1pPr>
+            <a:lvl2pPr marL="742727" indent="-285664" algn="l" defTabSz="457063" rtl="0" eaLnBrk="1" latinLnBrk="0" hangingPunct="1">
+              <a:spcBef>
+                <a:spcPts val="1000"/>
+              </a:spcBef>
+              <a:spcAft>
+                <a:spcPts val="0"/>
+              </a:spcAft>
+              <a:buClr>
+                <a:schemeClr val="accent1"/>
+              </a:buClr>
+              <a:buSzPct val="80000"/>
+              <a:buFont typeface="Wingdings 3" charset="2"/>
+              <a:buChar char=""/>
+              <a:defRPr sz="1600" kern="1200">
+                <a:solidFill>
+                  <a:schemeClr val="tx1">
+                    <a:lumMod val="75000"/>
+                    <a:lumOff val="25000"/>
+                  </a:schemeClr>
+                </a:solidFill>
+                <a:latin typeface="+mn-lt"/>
+                <a:ea typeface="+mn-ea"/>
+                <a:cs typeface="+mn-cs"/>
+              </a:defRPr>
+            </a:lvl2pPr>
+            <a:lvl3pPr marL="1142657" indent="-228531" algn="l" defTabSz="457063" rtl="0" eaLnBrk="1" latinLnBrk="0" hangingPunct="1">
+              <a:spcBef>
+                <a:spcPts val="1000"/>
+              </a:spcBef>
+              <a:spcAft>
+                <a:spcPts val="0"/>
+              </a:spcAft>
+              <a:buClr>
+                <a:schemeClr val="accent1"/>
+              </a:buClr>
+              <a:buSzPct val="80000"/>
+              <a:buFont typeface="Wingdings 3" charset="2"/>
+              <a:buChar char=""/>
+              <a:defRPr sz="1400" kern="1200">
+                <a:solidFill>
+                  <a:schemeClr val="tx1">
+                    <a:lumMod val="75000"/>
+                    <a:lumOff val="25000"/>
+                  </a:schemeClr>
+                </a:solidFill>
+                <a:latin typeface="+mn-lt"/>
+                <a:ea typeface="+mn-ea"/>
+                <a:cs typeface="+mn-cs"/>
+              </a:defRPr>
+            </a:lvl3pPr>
+            <a:lvl4pPr marL="1599720" indent="-228531" algn="l" defTabSz="457063" rtl="0" eaLnBrk="1" latinLnBrk="0" hangingPunct="1">
+              <a:spcBef>
+                <a:spcPts val="1000"/>
+              </a:spcBef>
+              <a:spcAft>
+                <a:spcPts val="0"/>
+              </a:spcAft>
+              <a:buClr>
+                <a:schemeClr val="accent1"/>
+              </a:buClr>
+              <a:buSzPct val="80000"/>
+              <a:buFont typeface="Wingdings 3" charset="2"/>
+              <a:buChar char=""/>
+              <a:defRPr sz="1200" kern="1200">
+                <a:solidFill>
+                  <a:schemeClr val="tx1">
+                    <a:lumMod val="75000"/>
+                    <a:lumOff val="25000"/>
+                  </a:schemeClr>
+                </a:solidFill>
+                <a:latin typeface="+mn-lt"/>
+                <a:ea typeface="+mn-ea"/>
+                <a:cs typeface="+mn-cs"/>
+              </a:defRPr>
+            </a:lvl4pPr>
+            <a:lvl5pPr marL="2056783" indent="-228531" algn="l" defTabSz="457063" rtl="0" eaLnBrk="1" latinLnBrk="0" hangingPunct="1">
+              <a:spcBef>
+                <a:spcPts val="1000"/>
+              </a:spcBef>
+              <a:spcAft>
+                <a:spcPts val="0"/>
+              </a:spcAft>
+              <a:buClr>
+                <a:schemeClr val="accent1"/>
+              </a:buClr>
+              <a:buSzPct val="80000"/>
+              <a:buFont typeface="Wingdings 3" charset="2"/>
+              <a:buChar char=""/>
+              <a:defRPr sz="1200" kern="1200">
+                <a:solidFill>
+                  <a:schemeClr val="tx1">
+                    <a:lumMod val="75000"/>
+                    <a:lumOff val="25000"/>
+                  </a:schemeClr>
+                </a:solidFill>
+                <a:latin typeface="+mn-lt"/>
+                <a:ea typeface="+mn-ea"/>
+                <a:cs typeface="+mn-cs"/>
+              </a:defRPr>
+            </a:lvl5pPr>
+            <a:lvl6pPr marL="2513846" indent="-228531" algn="l" defTabSz="457063" rtl="0" eaLnBrk="1" latinLnBrk="0" hangingPunct="1">
+              <a:spcBef>
+                <a:spcPts val="1000"/>
+              </a:spcBef>
+              <a:spcAft>
+                <a:spcPts val="0"/>
+              </a:spcAft>
+              <a:buClr>
+                <a:schemeClr val="accent1"/>
+              </a:buClr>
+              <a:buSzPct val="80000"/>
+              <a:buFont typeface="Wingdings 3" charset="2"/>
+              <a:buChar char=""/>
+              <a:defRPr sz="1200" kern="1200">
+                <a:solidFill>
+                  <a:schemeClr val="tx1">
+                    <a:lumMod val="75000"/>
+                    <a:lumOff val="25000"/>
+                  </a:schemeClr>
+                </a:solidFill>
+                <a:latin typeface="+mn-lt"/>
+                <a:ea typeface="+mn-ea"/>
+                <a:cs typeface="+mn-cs"/>
+              </a:defRPr>
+            </a:lvl6pPr>
+            <a:lvl7pPr marL="2970908" indent="-228531" algn="l" defTabSz="457063" rtl="0" eaLnBrk="1" latinLnBrk="0" hangingPunct="1">
+              <a:spcBef>
+                <a:spcPts val="1000"/>
+              </a:spcBef>
+              <a:spcAft>
+                <a:spcPts val="0"/>
+              </a:spcAft>
+              <a:buClr>
+                <a:schemeClr val="accent1"/>
+              </a:buClr>
+              <a:buSzPct val="80000"/>
+              <a:buFont typeface="Wingdings 3" charset="2"/>
+              <a:buChar char=""/>
+              <a:defRPr sz="1200" kern="1200">
+                <a:solidFill>
+                  <a:schemeClr val="tx1">
+                    <a:lumMod val="75000"/>
+                    <a:lumOff val="25000"/>
+                  </a:schemeClr>
+                </a:solidFill>
+                <a:latin typeface="+mn-lt"/>
+                <a:ea typeface="+mn-ea"/>
+                <a:cs typeface="+mn-cs"/>
+              </a:defRPr>
+            </a:lvl7pPr>
+            <a:lvl8pPr marL="3427971" indent="-228531" algn="l" defTabSz="457063" rtl="0" eaLnBrk="1" latinLnBrk="0" hangingPunct="1">
+              <a:spcBef>
+                <a:spcPts val="1000"/>
+              </a:spcBef>
+              <a:spcAft>
+                <a:spcPts val="0"/>
+              </a:spcAft>
+              <a:buClr>
+                <a:schemeClr val="accent1"/>
+              </a:buClr>
+              <a:buSzPct val="80000"/>
+              <a:buFont typeface="Wingdings 3" charset="2"/>
+              <a:buChar char=""/>
+              <a:defRPr sz="1200" kern="1200">
+                <a:solidFill>
+                  <a:schemeClr val="tx1">
+                    <a:lumMod val="75000"/>
+                    <a:lumOff val="25000"/>
+                  </a:schemeClr>
+                </a:solidFill>
+                <a:latin typeface="+mn-lt"/>
+                <a:ea typeface="+mn-ea"/>
+                <a:cs typeface="+mn-cs"/>
+              </a:defRPr>
+            </a:lvl8pPr>
+            <a:lvl9pPr marL="3885034" indent="-228531" algn="l" defTabSz="457063" rtl="0" eaLnBrk="1" latinLnBrk="0" hangingPunct="1">
+              <a:spcBef>
+                <a:spcPts val="1000"/>
+              </a:spcBef>
+              <a:spcAft>
+                <a:spcPts val="0"/>
+              </a:spcAft>
+              <a:buClr>
+                <a:schemeClr val="accent1"/>
+              </a:buClr>
+              <a:buSzPct val="80000"/>
+              <a:buFont typeface="Wingdings 3" charset="2"/>
+              <a:buChar char=""/>
+              <a:defRPr sz="1200" kern="1200">
+                <a:solidFill>
+                  <a:schemeClr val="tx1">
+                    <a:lumMod val="75000"/>
+                    <a:lumOff val="25000"/>
+                  </a:schemeClr>
+                </a:solidFill>
+                <a:latin typeface="+mn-lt"/>
+                <a:ea typeface="+mn-ea"/>
+                <a:cs typeface="+mn-cs"/>
+              </a:defRPr>
+            </a:lvl9pPr>
+          </a:lstStyle>
           <a:p>
-            <a:r>
-              <a:rPr lang="en-US" sz="9600" dirty="0">
-                <a:solidFill>
-                  <a:schemeClr val="accent1"/>
-                </a:solidFill>
-                <a:latin typeface="Blackadder ITC" panose="04020505051007020D02" pitchFamily="82" charset="0"/>
-              </a:rPr>
-              <a:t>Questions ?</a:t>
-            </a:r>
-            <a:endParaRPr lang="en-US" sz="9600" dirty="0">
-              <a:solidFill>
-                <a:schemeClr val="accent1"/>
-              </a:solidFill>
-            </a:endParaRPr>
+            <a:pPr marL="457063" lvl="1" indent="0">
+              <a:buFont typeface="Wingdings 3" charset="2"/>
+              <a:buNone/>
+            </a:pPr>
+            <a:endParaRPr lang="en-US" dirty="0"/>
           </a:p>
         </p:txBody>
       </p:sp>
     </p:spTree>
     <p:extLst>
       <p:ext uri="{BB962C8B-B14F-4D97-AF65-F5344CB8AC3E}">
-        <p14:creationId xmlns:p14="http://schemas.microsoft.com/office/powerpoint/2010/main" val="1748486661"/>
+        <p14:creationId xmlns:p14="http://schemas.microsoft.com/office/powerpoint/2010/main" val="1704826681"/>
       </p:ext>
     </p:extLst>
   </p:cSld>
@@ -16968,6 +19270,1138 @@
 </file>
 
 <file path=ppt/slides/slide18.xml><?xml version="1.0" encoding="utf-8"?>
+<p:sld xmlns:a="http://schemas.openxmlformats.org/drawingml/2006/main" xmlns:r="http://schemas.openxmlformats.org/officeDocument/2006/relationships" xmlns:p="http://schemas.openxmlformats.org/presentationml/2006/main" showMasterSp="0">
+  <p:cSld>
+    <p:bg>
+      <p:bgPr>
+        <a:solidFill>
+          <a:schemeClr val="bg1"/>
+        </a:solidFill>
+        <a:effectLst/>
+      </p:bgPr>
+    </p:bg>
+    <p:spTree>
+      <p:nvGrpSpPr>
+        <p:cNvPr id="1" name=""/>
+        <p:cNvGrpSpPr/>
+        <p:nvPr/>
+      </p:nvGrpSpPr>
+      <p:grpSpPr>
+        <a:xfrm>
+          <a:off x="0" y="0"/>
+          <a:ext cx="0" cy="0"/>
+          <a:chOff x="0" y="0"/>
+          <a:chExt cx="0" cy="0"/>
+        </a:xfrm>
+      </p:grpSpPr>
+      <p:sp>
+        <p:nvSpPr>
+          <p:cNvPr id="2" name="Title 1"/>
+          <p:cNvSpPr>
+            <a:spLocks noGrp="1"/>
+          </p:cNvSpPr>
+          <p:nvPr>
+            <p:ph type="title"/>
+          </p:nvPr>
+        </p:nvSpPr>
+        <p:spPr/>
+        <p:txBody>
+          <a:bodyPr anchor="t">
+            <a:normAutofit/>
+          </a:bodyPr>
+          <a:lstStyle/>
+          <a:p>
+            <a:r>
+              <a:rPr lang="en-US" sz="3600" dirty="0">
+                <a:latin typeface="Calibri" panose="020F0502020204030204" pitchFamily="34" charset="0"/>
+                <a:cs typeface="Calibri" panose="020F0502020204030204" pitchFamily="34" charset="0"/>
+              </a:rPr>
+              <a:t>Jaccard Similarity (Cont.)  </a:t>
+            </a:r>
+            <a:endParaRPr lang="en-US" dirty="0">
+              <a:latin typeface="Calibri" panose="020F0502020204030204" pitchFamily="34" charset="0"/>
+              <a:cs typeface="Calibri" panose="020F0502020204030204" pitchFamily="34" charset="0"/>
+            </a:endParaRPr>
+          </a:p>
+        </p:txBody>
+      </p:sp>
+      <mc:AlternateContent xmlns:mc="http://schemas.openxmlformats.org/markup-compatibility/2006">
+        <mc:Choice xmlns:a14="http://schemas.microsoft.com/office/drawing/2010/main" Requires="a14">
+          <p:sp>
+            <p:nvSpPr>
+              <p:cNvPr id="9" name="Content Placeholder 8">
+                <a:extLst>
+                  <a:ext uri="{FF2B5EF4-FFF2-40B4-BE49-F238E27FC236}">
+                    <a16:creationId xmlns:a16="http://schemas.microsoft.com/office/drawing/2014/main" id="{BFD27979-805A-4B4B-946D-AB44BEAC7A32}"/>
+                  </a:ext>
+                </a:extLst>
+              </p:cNvPr>
+              <p:cNvSpPr>
+                <a:spLocks noGrp="1"/>
+              </p:cNvSpPr>
+              <p:nvPr>
+                <p:ph idx="1"/>
+              </p:nvPr>
+            </p:nvSpPr>
+            <p:spPr>
+              <a:xfrm>
+                <a:off x="760413" y="1600200"/>
+                <a:ext cx="6553199" cy="4724400"/>
+              </a:xfrm>
+            </p:spPr>
+            <p:txBody>
+              <a:bodyPr>
+                <a:normAutofit/>
+              </a:bodyPr>
+              <a:lstStyle/>
+              <a:p>
+                <a:pPr marL="0" indent="0">
+                  <a:buNone/>
+                </a:pPr>
+                <a:r>
+                  <a:rPr lang="en-US" b="1" dirty="0">
+                    <a:solidFill>
+                      <a:schemeClr val="tx1"/>
+                    </a:solidFill>
+                    <a:latin typeface="Calibri" panose="020F0502020204030204" pitchFamily="34" charset="0"/>
+                    <a:cs typeface="Calibri" panose="020F0502020204030204" pitchFamily="34" charset="0"/>
+                  </a:rPr>
+                  <a:t>Example :</a:t>
+                </a:r>
+              </a:p>
+              <a:p>
+                <a:pPr marL="0" indent="0" algn="ctr">
+                  <a:buNone/>
+                </a:pPr>
+                <a:endParaRPr lang="en-US" b="1" dirty="0">
+                  <a:solidFill>
+                    <a:schemeClr val="tx1"/>
+                  </a:solidFill>
+                  <a:latin typeface="Calibri" panose="020F0502020204030204" pitchFamily="34" charset="0"/>
+                  <a:cs typeface="Calibri" panose="020F0502020204030204" pitchFamily="34" charset="0"/>
+                </a:endParaRPr>
+              </a:p>
+              <a:p>
+                <a:pPr marL="0" indent="0">
+                  <a:buNone/>
+                </a:pPr>
+                <a14:m>
+                  <m:oMathPara xmlns:m="http://schemas.openxmlformats.org/officeDocument/2006/math">
+                    <m:oMathParaPr>
+                      <m:jc m:val="centerGroup"/>
+                    </m:oMathParaPr>
+                    <m:oMath xmlns:m="http://schemas.openxmlformats.org/officeDocument/2006/math">
+                      <m:sSubSup>
+                        <m:sSubSupPr>
+                          <m:ctrlPr>
+                            <a:rPr lang="en-US" i="1">
+                              <a:solidFill>
+                                <a:schemeClr val="tx1"/>
+                              </a:solidFill>
+                              <a:latin typeface="Cambria Math" panose="02040503050406030204" pitchFamily="18" charset="0"/>
+                              <a:cs typeface="Calibri" panose="020F0502020204030204" pitchFamily="34" charset="0"/>
+                            </a:rPr>
+                          </m:ctrlPr>
+                        </m:sSubSupPr>
+                        <m:e>
+                          <m:r>
+                            <a:rPr lang="en-US" i="1">
+                              <a:solidFill>
+                                <a:schemeClr val="tx1"/>
+                              </a:solidFill>
+                              <a:latin typeface="Cambria Math" panose="02040503050406030204" pitchFamily="18" charset="0"/>
+                              <a:cs typeface="Calibri" panose="020F0502020204030204" pitchFamily="34" charset="0"/>
+                            </a:rPr>
+                            <m:t>𝑆</m:t>
+                          </m:r>
+                          <m:r>
+                            <a:rPr lang="en-US" b="0" i="1" smtClean="0">
+                              <a:solidFill>
+                                <a:schemeClr val="tx1"/>
+                              </a:solidFill>
+                              <a:latin typeface="Cambria Math" panose="02040503050406030204" pitchFamily="18" charset="0"/>
+                              <a:cs typeface="Calibri" panose="020F0502020204030204" pitchFamily="34" charset="0"/>
+                            </a:rPr>
+                            <m:t>𝐷</m:t>
+                          </m:r>
+                        </m:e>
+                        <m:sub>
+                          <m:r>
+                            <a:rPr lang="en-US" b="0" i="1" smtClean="0">
+                              <a:solidFill>
+                                <a:schemeClr val="tx1"/>
+                              </a:solidFill>
+                              <a:latin typeface="Cambria Math" panose="02040503050406030204" pitchFamily="18" charset="0"/>
+                              <a:cs typeface="Calibri" panose="020F0502020204030204" pitchFamily="34" charset="0"/>
+                            </a:rPr>
+                            <m:t>1</m:t>
+                          </m:r>
+                          <m:r>
+                            <a:rPr lang="en-US" i="1">
+                              <a:solidFill>
+                                <a:schemeClr val="tx1"/>
+                              </a:solidFill>
+                              <a:latin typeface="Cambria Math" panose="02040503050406030204" pitchFamily="18" charset="0"/>
+                              <a:cs typeface="Calibri" panose="020F0502020204030204" pitchFamily="34" charset="0"/>
+                            </a:rPr>
+                            <m:t>,</m:t>
+                          </m:r>
+                          <m:r>
+                            <a:rPr lang="en-US" b="0" i="1" smtClean="0">
+                              <a:solidFill>
+                                <a:schemeClr val="tx1"/>
+                              </a:solidFill>
+                              <a:latin typeface="Cambria Math" panose="02040503050406030204" pitchFamily="18" charset="0"/>
+                              <a:cs typeface="Calibri" panose="020F0502020204030204" pitchFamily="34" charset="0"/>
+                            </a:rPr>
+                            <m:t>2</m:t>
+                          </m:r>
+                        </m:sub>
+                        <m:sup>
+                          <m:r>
+                            <a:rPr lang="en-US" i="1">
+                              <a:solidFill>
+                                <a:schemeClr val="tx1"/>
+                              </a:solidFill>
+                              <a:latin typeface="Cambria Math" panose="02040503050406030204" pitchFamily="18" charset="0"/>
+                              <a:cs typeface="Calibri" panose="020F0502020204030204" pitchFamily="34" charset="0"/>
+                            </a:rPr>
+                            <m:t>𝐽</m:t>
+                          </m:r>
+                        </m:sup>
+                      </m:sSubSup>
+                      <m:r>
+                        <a:rPr lang="en-US" i="1">
+                          <a:solidFill>
+                            <a:schemeClr val="tx1"/>
+                          </a:solidFill>
+                          <a:latin typeface="Cambria Math" panose="02040503050406030204" pitchFamily="18" charset="0"/>
+                          <a:cs typeface="Calibri" panose="020F0502020204030204" pitchFamily="34" charset="0"/>
+                        </a:rPr>
+                        <m:t>= </m:t>
+                      </m:r>
+                      <m:f>
+                        <m:fPr>
+                          <m:ctrlPr>
+                            <a:rPr lang="en-US" i="1">
+                              <a:solidFill>
+                                <a:schemeClr val="tx1"/>
+                              </a:solidFill>
+                              <a:latin typeface="Cambria Math" panose="02040503050406030204" pitchFamily="18" charset="0"/>
+                              <a:cs typeface="Calibri" panose="020F0502020204030204" pitchFamily="34" charset="0"/>
+                            </a:rPr>
+                          </m:ctrlPr>
+                        </m:fPr>
+                        <m:num>
+                          <m:r>
+                            <a:rPr lang="en-US" b="0" i="1" smtClean="0">
+                              <a:solidFill>
+                                <a:schemeClr val="tx1"/>
+                              </a:solidFill>
+                              <a:latin typeface="Cambria Math" panose="02040503050406030204" pitchFamily="18" charset="0"/>
+                              <a:cs typeface="Calibri" panose="020F0502020204030204" pitchFamily="34" charset="0"/>
+                            </a:rPr>
+                            <m:t>1</m:t>
+                          </m:r>
+                        </m:num>
+                        <m:den>
+                          <m:r>
+                            <a:rPr lang="en-US" b="0" i="1" smtClean="0">
+                              <a:solidFill>
+                                <a:schemeClr val="tx1"/>
+                              </a:solidFill>
+                              <a:latin typeface="Cambria Math" panose="02040503050406030204" pitchFamily="18" charset="0"/>
+                              <a:cs typeface="Calibri" panose="020F0502020204030204" pitchFamily="34" charset="0"/>
+                            </a:rPr>
+                            <m:t>3</m:t>
+                          </m:r>
+                        </m:den>
+                      </m:f>
+                      <m:r>
+                        <a:rPr lang="en-US" b="0" i="1" smtClean="0">
+                          <a:solidFill>
+                            <a:schemeClr val="tx1"/>
+                          </a:solidFill>
+                          <a:latin typeface="Cambria Math" panose="02040503050406030204" pitchFamily="18" charset="0"/>
+                          <a:cs typeface="Calibri" panose="020F0502020204030204" pitchFamily="34" charset="0"/>
+                        </a:rPr>
+                        <m:t>=0.33</m:t>
+                      </m:r>
+                    </m:oMath>
+                  </m:oMathPara>
+                </a14:m>
+                <a:endParaRPr lang="en-US" dirty="0">
+                  <a:solidFill>
+                    <a:schemeClr val="tx1"/>
+                  </a:solidFill>
+                  <a:latin typeface="Calibri" panose="020F0502020204030204" pitchFamily="34" charset="0"/>
+                  <a:cs typeface="Calibri" panose="020F0502020204030204" pitchFamily="34" charset="0"/>
+                </a:endParaRPr>
+              </a:p>
+              <a:p>
+                <a:pPr marL="0" indent="0">
+                  <a:buNone/>
+                </a:pPr>
+                <a:endParaRPr lang="en-US" dirty="0">
+                  <a:solidFill>
+                    <a:schemeClr val="tx1"/>
+                  </a:solidFill>
+                  <a:latin typeface="Calibri" panose="020F0502020204030204" pitchFamily="34" charset="0"/>
+                  <a:cs typeface="Calibri" panose="020F0502020204030204" pitchFamily="34" charset="0"/>
+                </a:endParaRPr>
+              </a:p>
+              <a:p>
+                <a:pPr marL="0" indent="0">
+                  <a:buNone/>
+                </a:pPr>
+                <a:endParaRPr lang="en-US" i="1" dirty="0">
+                  <a:solidFill>
+                    <a:schemeClr val="tx1"/>
+                  </a:solidFill>
+                  <a:latin typeface="Cambria Math" panose="02040503050406030204" pitchFamily="18" charset="0"/>
+                  <a:cs typeface="Calibri" panose="020F0502020204030204" pitchFamily="34" charset="0"/>
+                </a:endParaRPr>
+              </a:p>
+              <a:p>
+                <a:pPr marL="0" indent="0">
+                  <a:buNone/>
+                </a:pPr>
+                <a14:m>
+                  <m:oMathPara xmlns:m="http://schemas.openxmlformats.org/officeDocument/2006/math">
+                    <m:oMathParaPr>
+                      <m:jc m:val="center"/>
+                    </m:oMathParaPr>
+                    <m:oMath xmlns:m="http://schemas.openxmlformats.org/officeDocument/2006/math">
+                      <m:sSubSup>
+                        <m:sSubSupPr>
+                          <m:ctrlPr>
+                            <a:rPr lang="en-US" i="1">
+                              <a:solidFill>
+                                <a:schemeClr val="tx1"/>
+                              </a:solidFill>
+                              <a:latin typeface="Cambria Math" panose="02040503050406030204" pitchFamily="18" charset="0"/>
+                              <a:cs typeface="Calibri" panose="020F0502020204030204" pitchFamily="34" charset="0"/>
+                            </a:rPr>
+                          </m:ctrlPr>
+                        </m:sSubSupPr>
+                        <m:e>
+                          <m:r>
+                            <a:rPr lang="en-US" i="1">
+                              <a:solidFill>
+                                <a:schemeClr val="tx1"/>
+                              </a:solidFill>
+                              <a:latin typeface="Cambria Math" panose="02040503050406030204" pitchFamily="18" charset="0"/>
+                              <a:cs typeface="Calibri" panose="020F0502020204030204" pitchFamily="34" charset="0"/>
+                            </a:rPr>
+                            <m:t>𝑆</m:t>
+                          </m:r>
+                          <m:r>
+                            <a:rPr lang="en-US" b="0" i="1" smtClean="0">
+                              <a:solidFill>
+                                <a:schemeClr val="tx1"/>
+                              </a:solidFill>
+                              <a:latin typeface="Cambria Math" panose="02040503050406030204" pitchFamily="18" charset="0"/>
+                              <a:cs typeface="Calibri" panose="020F0502020204030204" pitchFamily="34" charset="0"/>
+                            </a:rPr>
+                            <m:t>𝑇</m:t>
+                          </m:r>
+                        </m:e>
+                        <m:sub>
+                          <m:r>
+                            <a:rPr lang="en-US" i="1">
+                              <a:solidFill>
+                                <a:schemeClr val="tx1"/>
+                              </a:solidFill>
+                              <a:latin typeface="Cambria Math" panose="02040503050406030204" pitchFamily="18" charset="0"/>
+                              <a:cs typeface="Calibri" panose="020F0502020204030204" pitchFamily="34" charset="0"/>
+                            </a:rPr>
+                            <m:t>1</m:t>
+                          </m:r>
+                          <m:r>
+                            <a:rPr lang="en-US" i="1">
+                              <a:solidFill>
+                                <a:schemeClr val="tx1"/>
+                              </a:solidFill>
+                              <a:latin typeface="Cambria Math" panose="02040503050406030204" pitchFamily="18" charset="0"/>
+                              <a:cs typeface="Calibri" panose="020F0502020204030204" pitchFamily="34" charset="0"/>
+                            </a:rPr>
+                            <m:t>,</m:t>
+                          </m:r>
+                          <m:r>
+                            <a:rPr lang="en-US" b="0" i="1" smtClean="0">
+                              <a:solidFill>
+                                <a:schemeClr val="tx1"/>
+                              </a:solidFill>
+                              <a:latin typeface="Cambria Math" panose="02040503050406030204" pitchFamily="18" charset="0"/>
+                              <a:cs typeface="Calibri" panose="020F0502020204030204" pitchFamily="34" charset="0"/>
+                            </a:rPr>
+                            <m:t>3</m:t>
+                          </m:r>
+                        </m:sub>
+                        <m:sup>
+                          <m:r>
+                            <a:rPr lang="en-US" i="1">
+                              <a:solidFill>
+                                <a:schemeClr val="tx1"/>
+                              </a:solidFill>
+                              <a:latin typeface="Cambria Math" panose="02040503050406030204" pitchFamily="18" charset="0"/>
+                              <a:cs typeface="Calibri" panose="020F0502020204030204" pitchFamily="34" charset="0"/>
+                            </a:rPr>
+                            <m:t>𝐽</m:t>
+                          </m:r>
+                        </m:sup>
+                      </m:sSubSup>
+                      <m:r>
+                        <a:rPr lang="en-US" i="1">
+                          <a:solidFill>
+                            <a:schemeClr val="tx1"/>
+                          </a:solidFill>
+                          <a:latin typeface="Cambria Math" panose="02040503050406030204" pitchFamily="18" charset="0"/>
+                          <a:cs typeface="Calibri" panose="020F0502020204030204" pitchFamily="34" charset="0"/>
+                        </a:rPr>
+                        <m:t>= </m:t>
+                      </m:r>
+                      <m:f>
+                        <m:fPr>
+                          <m:ctrlPr>
+                            <a:rPr lang="en-US" i="1">
+                              <a:solidFill>
+                                <a:schemeClr val="tx1"/>
+                              </a:solidFill>
+                              <a:latin typeface="Cambria Math" panose="02040503050406030204" pitchFamily="18" charset="0"/>
+                              <a:cs typeface="Calibri" panose="020F0502020204030204" pitchFamily="34" charset="0"/>
+                            </a:rPr>
+                          </m:ctrlPr>
+                        </m:fPr>
+                        <m:num>
+                          <m:r>
+                            <a:rPr lang="en-US" b="0" i="1" smtClean="0">
+                              <a:solidFill>
+                                <a:schemeClr val="tx1"/>
+                              </a:solidFill>
+                              <a:latin typeface="Cambria Math" panose="02040503050406030204" pitchFamily="18" charset="0"/>
+                              <a:cs typeface="Calibri" panose="020F0502020204030204" pitchFamily="34" charset="0"/>
+                            </a:rPr>
+                            <m:t>1</m:t>
+                          </m:r>
+                        </m:num>
+                        <m:den>
+                          <m:r>
+                            <a:rPr lang="en-US" b="0" i="1" smtClean="0">
+                              <a:solidFill>
+                                <a:schemeClr val="tx1"/>
+                              </a:solidFill>
+                              <a:latin typeface="Cambria Math" panose="02040503050406030204" pitchFamily="18" charset="0"/>
+                              <a:cs typeface="Calibri" panose="020F0502020204030204" pitchFamily="34" charset="0"/>
+                            </a:rPr>
+                            <m:t>2</m:t>
+                          </m:r>
+                        </m:den>
+                      </m:f>
+                      <m:r>
+                        <a:rPr lang="en-US" i="1">
+                          <a:solidFill>
+                            <a:schemeClr val="tx1"/>
+                          </a:solidFill>
+                          <a:latin typeface="Cambria Math" panose="02040503050406030204" pitchFamily="18" charset="0"/>
+                          <a:cs typeface="Calibri" panose="020F0502020204030204" pitchFamily="34" charset="0"/>
+                        </a:rPr>
+                        <m:t>=</m:t>
+                      </m:r>
+                      <m:r>
+                        <a:rPr lang="en-US" b="0" i="1" smtClean="0">
+                          <a:solidFill>
+                            <a:schemeClr val="tx1"/>
+                          </a:solidFill>
+                          <a:latin typeface="Cambria Math" panose="02040503050406030204" pitchFamily="18" charset="0"/>
+                          <a:cs typeface="Calibri" panose="020F0502020204030204" pitchFamily="34" charset="0"/>
+                        </a:rPr>
+                        <m:t>0.5</m:t>
+                      </m:r>
+                    </m:oMath>
+                  </m:oMathPara>
+                </a14:m>
+                <a:endParaRPr lang="en-US" dirty="0">
+                  <a:solidFill>
+                    <a:schemeClr val="tx1"/>
+                  </a:solidFill>
+                  <a:latin typeface="Calibri" panose="020F0502020204030204" pitchFamily="34" charset="0"/>
+                  <a:cs typeface="Calibri" panose="020F0502020204030204" pitchFamily="34" charset="0"/>
+                </a:endParaRPr>
+              </a:p>
+              <a:p>
+                <a:pPr marL="0" indent="0">
+                  <a:buNone/>
+                </a:pPr>
+                <a:endParaRPr lang="en-US" dirty="0">
+                  <a:solidFill>
+                    <a:schemeClr val="tx1"/>
+                  </a:solidFill>
+                  <a:latin typeface="Calibri" panose="020F0502020204030204" pitchFamily="34" charset="0"/>
+                  <a:cs typeface="Calibri" panose="020F0502020204030204" pitchFamily="34" charset="0"/>
+                </a:endParaRPr>
+              </a:p>
+              <a:p>
+                <a:pPr marL="0" indent="0">
+                  <a:buNone/>
+                </a:pPr>
+                <a:endParaRPr lang="en-US" dirty="0">
+                  <a:solidFill>
+                    <a:schemeClr val="tx1"/>
+                  </a:solidFill>
+                  <a:latin typeface="Calibri" panose="020F0502020204030204" pitchFamily="34" charset="0"/>
+                  <a:cs typeface="Calibri" panose="020F0502020204030204" pitchFamily="34" charset="0"/>
+                </a:endParaRPr>
+              </a:p>
+            </p:txBody>
+          </p:sp>
+        </mc:Choice>
+        <mc:Fallback>
+          <p:sp>
+            <p:nvSpPr>
+              <p:cNvPr id="9" name="Content Placeholder 8">
+                <a:extLst>
+                  <a:ext uri="{FF2B5EF4-FFF2-40B4-BE49-F238E27FC236}">
+                    <a16:creationId xmlns:a16="http://schemas.microsoft.com/office/drawing/2014/main" id="{BFD27979-805A-4B4B-946D-AB44BEAC7A32}"/>
+                  </a:ext>
+                </a:extLst>
+              </p:cNvPr>
+              <p:cNvSpPr>
+                <a:spLocks noGrp="1" noRot="1" noChangeAspect="1" noMove="1" noResize="1" noEditPoints="1" noAdjustHandles="1" noChangeArrowheads="1" noChangeShapeType="1" noTextEdit="1"/>
+              </p:cNvSpPr>
+              <p:nvPr>
+                <p:ph idx="1"/>
+              </p:nvPr>
+            </p:nvSpPr>
+            <p:spPr>
+              <a:xfrm>
+                <a:off x="760413" y="1600200"/>
+                <a:ext cx="6553199" cy="4724400"/>
+              </a:xfrm>
+              <a:blipFill>
+                <a:blip r:embed="rId2"/>
+                <a:stretch>
+                  <a:fillRect l="-744" t="-387"/>
+                </a:stretch>
+              </a:blipFill>
+            </p:spPr>
+            <p:txBody>
+              <a:bodyPr/>
+              <a:lstStyle/>
+              <a:p>
+                <a:r>
+                  <a:rPr lang="en-US">
+                    <a:noFill/>
+                  </a:rPr>
+                  <a:t> </a:t>
+                </a:r>
+              </a:p>
+            </p:txBody>
+          </p:sp>
+        </mc:Fallback>
+      </mc:AlternateContent>
+      <p:sp>
+        <p:nvSpPr>
+          <p:cNvPr id="6" name="Content Placeholder 2">
+            <a:extLst>
+              <a:ext uri="{FF2B5EF4-FFF2-40B4-BE49-F238E27FC236}">
+                <a16:creationId xmlns:a16="http://schemas.microsoft.com/office/drawing/2014/main" id="{109EE1EC-0CF3-44EA-8406-9B48EE9C5C3D}"/>
+              </a:ext>
+            </a:extLst>
+          </p:cNvPr>
+          <p:cNvSpPr txBox="1">
+            <a:spLocks/>
+          </p:cNvSpPr>
+          <p:nvPr/>
+        </p:nvSpPr>
+        <p:spPr>
+          <a:xfrm>
+            <a:off x="677158" y="1676400"/>
+            <a:ext cx="9227254" cy="4343400"/>
+          </a:xfrm>
+          <a:prstGeom prst="rect">
+            <a:avLst/>
+          </a:prstGeom>
+        </p:spPr>
+        <p:txBody>
+          <a:bodyPr vert="horz" lIns="91440" tIns="45720" rIns="91440" bIns="45720" rtlCol="0">
+            <a:normAutofit/>
+          </a:bodyPr>
+          <a:lstStyle>
+            <a:lvl1pPr marL="342797" indent="-342797" algn="l" defTabSz="457063" rtl="0" eaLnBrk="1" latinLnBrk="0" hangingPunct="1">
+              <a:spcBef>
+                <a:spcPts val="1000"/>
+              </a:spcBef>
+              <a:spcAft>
+                <a:spcPts val="0"/>
+              </a:spcAft>
+              <a:buClr>
+                <a:schemeClr val="accent1"/>
+              </a:buClr>
+              <a:buSzPct val="80000"/>
+              <a:buFont typeface="Wingdings 3" charset="2"/>
+              <a:buChar char=""/>
+              <a:defRPr sz="1799" kern="1200">
+                <a:solidFill>
+                  <a:schemeClr val="tx1">
+                    <a:lumMod val="75000"/>
+                    <a:lumOff val="25000"/>
+                  </a:schemeClr>
+                </a:solidFill>
+                <a:latin typeface="+mn-lt"/>
+                <a:ea typeface="+mn-ea"/>
+                <a:cs typeface="+mn-cs"/>
+              </a:defRPr>
+            </a:lvl1pPr>
+            <a:lvl2pPr marL="742727" indent="-285664" algn="l" defTabSz="457063" rtl="0" eaLnBrk="1" latinLnBrk="0" hangingPunct="1">
+              <a:spcBef>
+                <a:spcPts val="1000"/>
+              </a:spcBef>
+              <a:spcAft>
+                <a:spcPts val="0"/>
+              </a:spcAft>
+              <a:buClr>
+                <a:schemeClr val="accent1"/>
+              </a:buClr>
+              <a:buSzPct val="80000"/>
+              <a:buFont typeface="Wingdings 3" charset="2"/>
+              <a:buChar char=""/>
+              <a:defRPr sz="1600" kern="1200">
+                <a:solidFill>
+                  <a:schemeClr val="tx1">
+                    <a:lumMod val="75000"/>
+                    <a:lumOff val="25000"/>
+                  </a:schemeClr>
+                </a:solidFill>
+                <a:latin typeface="+mn-lt"/>
+                <a:ea typeface="+mn-ea"/>
+                <a:cs typeface="+mn-cs"/>
+              </a:defRPr>
+            </a:lvl2pPr>
+            <a:lvl3pPr marL="1142657" indent="-228531" algn="l" defTabSz="457063" rtl="0" eaLnBrk="1" latinLnBrk="0" hangingPunct="1">
+              <a:spcBef>
+                <a:spcPts val="1000"/>
+              </a:spcBef>
+              <a:spcAft>
+                <a:spcPts val="0"/>
+              </a:spcAft>
+              <a:buClr>
+                <a:schemeClr val="accent1"/>
+              </a:buClr>
+              <a:buSzPct val="80000"/>
+              <a:buFont typeface="Wingdings 3" charset="2"/>
+              <a:buChar char=""/>
+              <a:defRPr sz="1400" kern="1200">
+                <a:solidFill>
+                  <a:schemeClr val="tx1">
+                    <a:lumMod val="75000"/>
+                    <a:lumOff val="25000"/>
+                  </a:schemeClr>
+                </a:solidFill>
+                <a:latin typeface="+mn-lt"/>
+                <a:ea typeface="+mn-ea"/>
+                <a:cs typeface="+mn-cs"/>
+              </a:defRPr>
+            </a:lvl3pPr>
+            <a:lvl4pPr marL="1599720" indent="-228531" algn="l" defTabSz="457063" rtl="0" eaLnBrk="1" latinLnBrk="0" hangingPunct="1">
+              <a:spcBef>
+                <a:spcPts val="1000"/>
+              </a:spcBef>
+              <a:spcAft>
+                <a:spcPts val="0"/>
+              </a:spcAft>
+              <a:buClr>
+                <a:schemeClr val="accent1"/>
+              </a:buClr>
+              <a:buSzPct val="80000"/>
+              <a:buFont typeface="Wingdings 3" charset="2"/>
+              <a:buChar char=""/>
+              <a:defRPr sz="1200" kern="1200">
+                <a:solidFill>
+                  <a:schemeClr val="tx1">
+                    <a:lumMod val="75000"/>
+                    <a:lumOff val="25000"/>
+                  </a:schemeClr>
+                </a:solidFill>
+                <a:latin typeface="+mn-lt"/>
+                <a:ea typeface="+mn-ea"/>
+                <a:cs typeface="+mn-cs"/>
+              </a:defRPr>
+            </a:lvl4pPr>
+            <a:lvl5pPr marL="2056783" indent="-228531" algn="l" defTabSz="457063" rtl="0" eaLnBrk="1" latinLnBrk="0" hangingPunct="1">
+              <a:spcBef>
+                <a:spcPts val="1000"/>
+              </a:spcBef>
+              <a:spcAft>
+                <a:spcPts val="0"/>
+              </a:spcAft>
+              <a:buClr>
+                <a:schemeClr val="accent1"/>
+              </a:buClr>
+              <a:buSzPct val="80000"/>
+              <a:buFont typeface="Wingdings 3" charset="2"/>
+              <a:buChar char=""/>
+              <a:defRPr sz="1200" kern="1200">
+                <a:solidFill>
+                  <a:schemeClr val="tx1">
+                    <a:lumMod val="75000"/>
+                    <a:lumOff val="25000"/>
+                  </a:schemeClr>
+                </a:solidFill>
+                <a:latin typeface="+mn-lt"/>
+                <a:ea typeface="+mn-ea"/>
+                <a:cs typeface="+mn-cs"/>
+              </a:defRPr>
+            </a:lvl5pPr>
+            <a:lvl6pPr marL="2513846" indent="-228531" algn="l" defTabSz="457063" rtl="0" eaLnBrk="1" latinLnBrk="0" hangingPunct="1">
+              <a:spcBef>
+                <a:spcPts val="1000"/>
+              </a:spcBef>
+              <a:spcAft>
+                <a:spcPts val="0"/>
+              </a:spcAft>
+              <a:buClr>
+                <a:schemeClr val="accent1"/>
+              </a:buClr>
+              <a:buSzPct val="80000"/>
+              <a:buFont typeface="Wingdings 3" charset="2"/>
+              <a:buChar char=""/>
+              <a:defRPr sz="1200" kern="1200">
+                <a:solidFill>
+                  <a:schemeClr val="tx1">
+                    <a:lumMod val="75000"/>
+                    <a:lumOff val="25000"/>
+                  </a:schemeClr>
+                </a:solidFill>
+                <a:latin typeface="+mn-lt"/>
+                <a:ea typeface="+mn-ea"/>
+                <a:cs typeface="+mn-cs"/>
+              </a:defRPr>
+            </a:lvl6pPr>
+            <a:lvl7pPr marL="2970908" indent="-228531" algn="l" defTabSz="457063" rtl="0" eaLnBrk="1" latinLnBrk="0" hangingPunct="1">
+              <a:spcBef>
+                <a:spcPts val="1000"/>
+              </a:spcBef>
+              <a:spcAft>
+                <a:spcPts val="0"/>
+              </a:spcAft>
+              <a:buClr>
+                <a:schemeClr val="accent1"/>
+              </a:buClr>
+              <a:buSzPct val="80000"/>
+              <a:buFont typeface="Wingdings 3" charset="2"/>
+              <a:buChar char=""/>
+              <a:defRPr sz="1200" kern="1200">
+                <a:solidFill>
+                  <a:schemeClr val="tx1">
+                    <a:lumMod val="75000"/>
+                    <a:lumOff val="25000"/>
+                  </a:schemeClr>
+                </a:solidFill>
+                <a:latin typeface="+mn-lt"/>
+                <a:ea typeface="+mn-ea"/>
+                <a:cs typeface="+mn-cs"/>
+              </a:defRPr>
+            </a:lvl7pPr>
+            <a:lvl8pPr marL="3427971" indent="-228531" algn="l" defTabSz="457063" rtl="0" eaLnBrk="1" latinLnBrk="0" hangingPunct="1">
+              <a:spcBef>
+                <a:spcPts val="1000"/>
+              </a:spcBef>
+              <a:spcAft>
+                <a:spcPts val="0"/>
+              </a:spcAft>
+              <a:buClr>
+                <a:schemeClr val="accent1"/>
+              </a:buClr>
+              <a:buSzPct val="80000"/>
+              <a:buFont typeface="Wingdings 3" charset="2"/>
+              <a:buChar char=""/>
+              <a:defRPr sz="1200" kern="1200">
+                <a:solidFill>
+                  <a:schemeClr val="tx1">
+                    <a:lumMod val="75000"/>
+                    <a:lumOff val="25000"/>
+                  </a:schemeClr>
+                </a:solidFill>
+                <a:latin typeface="+mn-lt"/>
+                <a:ea typeface="+mn-ea"/>
+                <a:cs typeface="+mn-cs"/>
+              </a:defRPr>
+            </a:lvl8pPr>
+            <a:lvl9pPr marL="3885034" indent="-228531" algn="l" defTabSz="457063" rtl="0" eaLnBrk="1" latinLnBrk="0" hangingPunct="1">
+              <a:spcBef>
+                <a:spcPts val="1000"/>
+              </a:spcBef>
+              <a:spcAft>
+                <a:spcPts val="0"/>
+              </a:spcAft>
+              <a:buClr>
+                <a:schemeClr val="accent1"/>
+              </a:buClr>
+              <a:buSzPct val="80000"/>
+              <a:buFont typeface="Wingdings 3" charset="2"/>
+              <a:buChar char=""/>
+              <a:defRPr sz="1200" kern="1200">
+                <a:solidFill>
+                  <a:schemeClr val="tx1">
+                    <a:lumMod val="75000"/>
+                    <a:lumOff val="25000"/>
+                  </a:schemeClr>
+                </a:solidFill>
+                <a:latin typeface="+mn-lt"/>
+                <a:ea typeface="+mn-ea"/>
+                <a:cs typeface="+mn-cs"/>
+              </a:defRPr>
+            </a:lvl9pPr>
+          </a:lstStyle>
+          <a:p>
+            <a:pPr marL="457063" lvl="1" indent="0">
+              <a:buFont typeface="Wingdings 3" charset="2"/>
+              <a:buNone/>
+            </a:pPr>
+            <a:endParaRPr lang="en-US" dirty="0"/>
+          </a:p>
+        </p:txBody>
+      </p:sp>
+      <p:graphicFrame>
+        <p:nvGraphicFramePr>
+          <p:cNvPr id="5" name="Table 4">
+            <a:extLst>
+              <a:ext uri="{FF2B5EF4-FFF2-40B4-BE49-F238E27FC236}">
+                <a16:creationId xmlns:a16="http://schemas.microsoft.com/office/drawing/2014/main" id="{78169636-63D3-4739-AC8B-D59D55620E32}"/>
+              </a:ext>
+            </a:extLst>
+          </p:cNvPr>
+          <p:cNvGraphicFramePr>
+            <a:graphicFrameLocks noGrp="1"/>
+          </p:cNvGraphicFramePr>
+          <p:nvPr>
+            <p:extLst>
+              <p:ext uri="{D42A27DB-BD31-4B8C-83A1-F6EECF244321}">
+                <p14:modId xmlns:p14="http://schemas.microsoft.com/office/powerpoint/2010/main" val="1910150948"/>
+              </p:ext>
+            </p:extLst>
+          </p:nvPr>
+        </p:nvGraphicFramePr>
+        <p:xfrm>
+          <a:off x="7466012" y="599813"/>
+          <a:ext cx="3834344" cy="1483360"/>
+        </p:xfrm>
+        <a:graphic>
+          <a:graphicData uri="http://schemas.openxmlformats.org/drawingml/2006/table">
+            <a:tbl>
+              <a:tblPr firstRow="1" bandRow="1">
+                <a:tableStyleId>{E8B1032C-EA38-4F05-BA0D-38AFFFC7BED3}</a:tableStyleId>
+              </a:tblPr>
+              <a:tblGrid>
+                <a:gridCol w="958586">
+                  <a:extLst>
+                    <a:ext uri="{9D8B030D-6E8A-4147-A177-3AD203B41FA5}">
+                      <a16:colId xmlns:a16="http://schemas.microsoft.com/office/drawing/2014/main" val="2975467101"/>
+                    </a:ext>
+                  </a:extLst>
+                </a:gridCol>
+                <a:gridCol w="958586">
+                  <a:extLst>
+                    <a:ext uri="{9D8B030D-6E8A-4147-A177-3AD203B41FA5}">
+                      <a16:colId xmlns:a16="http://schemas.microsoft.com/office/drawing/2014/main" val="1256914312"/>
+                    </a:ext>
+                  </a:extLst>
+                </a:gridCol>
+                <a:gridCol w="958586">
+                  <a:extLst>
+                    <a:ext uri="{9D8B030D-6E8A-4147-A177-3AD203B41FA5}">
+                      <a16:colId xmlns:a16="http://schemas.microsoft.com/office/drawing/2014/main" val="2642142898"/>
+                    </a:ext>
+                  </a:extLst>
+                </a:gridCol>
+                <a:gridCol w="958586">
+                  <a:extLst>
+                    <a:ext uri="{9D8B030D-6E8A-4147-A177-3AD203B41FA5}">
+                      <a16:colId xmlns:a16="http://schemas.microsoft.com/office/drawing/2014/main" val="267025949"/>
+                    </a:ext>
+                  </a:extLst>
+                </a:gridCol>
+              </a:tblGrid>
+              <a:tr h="370840">
+                <a:tc>
+                  <a:txBody>
+                    <a:bodyPr/>
+                    <a:lstStyle/>
+                    <a:p>
+                      <a:pPr algn="ctr"/>
+                      <a:endParaRPr lang="en-US" dirty="0"/>
+                    </a:p>
+                  </a:txBody>
+                  <a:tcPr/>
+                </a:tc>
+                <a:tc>
+                  <a:txBody>
+                    <a:bodyPr/>
+                    <a:lstStyle/>
+                    <a:p>
+                      <a:pPr algn="ctr"/>
+                      <a:r>
+                        <a:rPr lang="en-US" dirty="0"/>
+                        <a:t>T1</a:t>
+                      </a:r>
+                    </a:p>
+                  </a:txBody>
+                  <a:tcPr/>
+                </a:tc>
+                <a:tc>
+                  <a:txBody>
+                    <a:bodyPr/>
+                    <a:lstStyle/>
+                    <a:p>
+                      <a:pPr algn="ctr"/>
+                      <a:r>
+                        <a:rPr lang="en-US" dirty="0"/>
+                        <a:t>T2</a:t>
+                      </a:r>
+                    </a:p>
+                  </a:txBody>
+                  <a:tcPr/>
+                </a:tc>
+                <a:tc>
+                  <a:txBody>
+                    <a:bodyPr/>
+                    <a:lstStyle/>
+                    <a:p>
+                      <a:pPr algn="ctr"/>
+                      <a:r>
+                        <a:rPr lang="en-US" dirty="0"/>
+                        <a:t>T3</a:t>
+                      </a:r>
+                    </a:p>
+                  </a:txBody>
+                  <a:tcPr/>
+                </a:tc>
+                <a:extLst>
+                  <a:ext uri="{0D108BD9-81ED-4DB2-BD59-A6C34878D82A}">
+                    <a16:rowId xmlns:a16="http://schemas.microsoft.com/office/drawing/2014/main" val="1409194240"/>
+                  </a:ext>
+                </a:extLst>
+              </a:tr>
+              <a:tr h="370840">
+                <a:tc>
+                  <a:txBody>
+                    <a:bodyPr/>
+                    <a:lstStyle/>
+                    <a:p>
+                      <a:pPr algn="ctr"/>
+                      <a:r>
+                        <a:rPr lang="en-US" dirty="0"/>
+                        <a:t>D1</a:t>
+                      </a:r>
+                    </a:p>
+                  </a:txBody>
+                  <a:tcPr/>
+                </a:tc>
+                <a:tc>
+                  <a:txBody>
+                    <a:bodyPr/>
+                    <a:lstStyle/>
+                    <a:p>
+                      <a:pPr algn="ctr"/>
+                      <a:r>
+                        <a:rPr lang="en-US" dirty="0"/>
+                        <a:t>1</a:t>
+                      </a:r>
+                    </a:p>
+                  </a:txBody>
+                  <a:tcPr/>
+                </a:tc>
+                <a:tc>
+                  <a:txBody>
+                    <a:bodyPr/>
+                    <a:lstStyle/>
+                    <a:p>
+                      <a:pPr algn="ctr"/>
+                      <a:r>
+                        <a:rPr lang="en-US" dirty="0"/>
+                        <a:t>0</a:t>
+                      </a:r>
+                    </a:p>
+                  </a:txBody>
+                  <a:tcPr/>
+                </a:tc>
+                <a:tc>
+                  <a:txBody>
+                    <a:bodyPr/>
+                    <a:lstStyle/>
+                    <a:p>
+                      <a:pPr algn="ctr"/>
+                      <a:r>
+                        <a:rPr lang="en-US" dirty="0"/>
+                        <a:t>1</a:t>
+                      </a:r>
+                    </a:p>
+                  </a:txBody>
+                  <a:tcPr/>
+                </a:tc>
+                <a:extLst>
+                  <a:ext uri="{0D108BD9-81ED-4DB2-BD59-A6C34878D82A}">
+                    <a16:rowId xmlns:a16="http://schemas.microsoft.com/office/drawing/2014/main" val="1732074981"/>
+                  </a:ext>
+                </a:extLst>
+              </a:tr>
+              <a:tr h="370840">
+                <a:tc>
+                  <a:txBody>
+                    <a:bodyPr/>
+                    <a:lstStyle/>
+                    <a:p>
+                      <a:pPr algn="ctr"/>
+                      <a:r>
+                        <a:rPr lang="en-US" dirty="0"/>
+                        <a:t>D2</a:t>
+                      </a:r>
+                    </a:p>
+                  </a:txBody>
+                  <a:tcPr/>
+                </a:tc>
+                <a:tc>
+                  <a:txBody>
+                    <a:bodyPr/>
+                    <a:lstStyle/>
+                    <a:p>
+                      <a:pPr algn="ctr"/>
+                      <a:r>
+                        <a:rPr lang="en-US" dirty="0"/>
+                        <a:t>1</a:t>
+                      </a:r>
+                    </a:p>
+                  </a:txBody>
+                  <a:tcPr/>
+                </a:tc>
+                <a:tc>
+                  <a:txBody>
+                    <a:bodyPr/>
+                    <a:lstStyle/>
+                    <a:p>
+                      <a:pPr algn="ctr"/>
+                      <a:r>
+                        <a:rPr lang="en-US" dirty="0"/>
+                        <a:t>1</a:t>
+                      </a:r>
+                    </a:p>
+                  </a:txBody>
+                  <a:tcPr/>
+                </a:tc>
+                <a:tc>
+                  <a:txBody>
+                    <a:bodyPr/>
+                    <a:lstStyle/>
+                    <a:p>
+                      <a:pPr algn="ctr"/>
+                      <a:r>
+                        <a:rPr lang="en-US" dirty="0"/>
+                        <a:t>0</a:t>
+                      </a:r>
+                    </a:p>
+                  </a:txBody>
+                  <a:tcPr/>
+                </a:tc>
+                <a:extLst>
+                  <a:ext uri="{0D108BD9-81ED-4DB2-BD59-A6C34878D82A}">
+                    <a16:rowId xmlns:a16="http://schemas.microsoft.com/office/drawing/2014/main" val="3807245811"/>
+                  </a:ext>
+                </a:extLst>
+              </a:tr>
+              <a:tr h="370840">
+                <a:tc>
+                  <a:txBody>
+                    <a:bodyPr/>
+                    <a:lstStyle/>
+                    <a:p>
+                      <a:pPr algn="ctr"/>
+                      <a:r>
+                        <a:rPr lang="en-US" dirty="0"/>
+                        <a:t>D3</a:t>
+                      </a:r>
+                    </a:p>
+                  </a:txBody>
+                  <a:tcPr/>
+                </a:tc>
+                <a:tc>
+                  <a:txBody>
+                    <a:bodyPr/>
+                    <a:lstStyle/>
+                    <a:p>
+                      <a:pPr algn="ctr"/>
+                      <a:r>
+                        <a:rPr lang="en-US" dirty="0"/>
+                        <a:t>0</a:t>
+                      </a:r>
+                    </a:p>
+                  </a:txBody>
+                  <a:tcPr/>
+                </a:tc>
+                <a:tc>
+                  <a:txBody>
+                    <a:bodyPr/>
+                    <a:lstStyle/>
+                    <a:p>
+                      <a:pPr algn="ctr"/>
+                      <a:r>
+                        <a:rPr lang="en-US" dirty="0"/>
+                        <a:t>1</a:t>
+                      </a:r>
+                    </a:p>
+                  </a:txBody>
+                  <a:tcPr/>
+                </a:tc>
+                <a:tc>
+                  <a:txBody>
+                    <a:bodyPr/>
+                    <a:lstStyle/>
+                    <a:p>
+                      <a:pPr algn="ctr"/>
+                      <a:r>
+                        <a:rPr lang="en-US" dirty="0"/>
+                        <a:t>0</a:t>
+                      </a:r>
+                    </a:p>
+                  </a:txBody>
+                  <a:tcPr/>
+                </a:tc>
+                <a:extLst>
+                  <a:ext uri="{0D108BD9-81ED-4DB2-BD59-A6C34878D82A}">
+                    <a16:rowId xmlns:a16="http://schemas.microsoft.com/office/drawing/2014/main" val="3861277465"/>
+                  </a:ext>
+                </a:extLst>
+              </a:tr>
+            </a:tbl>
+          </a:graphicData>
+        </a:graphic>
+      </p:graphicFrame>
+    </p:spTree>
+    <p:extLst>
+      <p:ext uri="{BB962C8B-B14F-4D97-AF65-F5344CB8AC3E}">
+        <p14:creationId xmlns:p14="http://schemas.microsoft.com/office/powerpoint/2010/main" val="3815052911"/>
+      </p:ext>
+    </p:extLst>
+  </p:cSld>
+  <p:clrMapOvr>
+    <a:masterClrMapping/>
+  </p:clrMapOvr>
+  <mc:AlternateContent xmlns:mc="http://schemas.openxmlformats.org/markup-compatibility/2006" xmlns:p14="http://schemas.microsoft.com/office/powerpoint/2010/main">
+    <mc:Choice Requires="p14">
+      <p:transition spd="med" p14:dur="700">
+        <p:fade/>
+      </p:transition>
+    </mc:Choice>
+    <mc:Fallback xmlns="">
+      <p:transition spd="med">
+        <p:fade/>
+      </p:transition>
+    </mc:Fallback>
+  </mc:AlternateContent>
+</p:sld>
+</file>
+
+<file path=ppt/slides/slide19.xml><?xml version="1.0" encoding="utf-8"?>
 <p:sld xmlns:a="http://schemas.openxmlformats.org/drawingml/2006/main" xmlns:r="http://schemas.openxmlformats.org/officeDocument/2006/relationships" xmlns:p="http://schemas.openxmlformats.org/presentationml/2006/main">
   <p:cSld>
     <p:spTree>
@@ -16986,62 +20420,1068 @@
       </p:grpSpPr>
       <p:sp>
         <p:nvSpPr>
-          <p:cNvPr id="5" name="Rectangle 4">
+          <p:cNvPr id="2" name="Title 1"/>
+          <p:cNvSpPr>
+            <a:spLocks noGrp="1"/>
+          </p:cNvSpPr>
+          <p:nvPr>
+            <p:ph type="title"/>
+          </p:nvPr>
+        </p:nvSpPr>
+        <p:spPr/>
+        <p:txBody>
+          <a:bodyPr anchor="t">
+            <a:normAutofit/>
+          </a:bodyPr>
+          <a:lstStyle/>
+          <a:p>
+            <a:r>
+              <a:rPr lang="en-US" sz="3600" dirty="0">
+                <a:latin typeface="Calibri" panose="020F0502020204030204" pitchFamily="34" charset="0"/>
+                <a:cs typeface="Calibri" panose="020F0502020204030204" pitchFamily="34" charset="0"/>
+              </a:rPr>
+              <a:t>Improved Weighted Profile</a:t>
+            </a:r>
+            <a:endParaRPr lang="en-US" dirty="0">
+              <a:latin typeface="Calibri" panose="020F0502020204030204" pitchFamily="34" charset="0"/>
+              <a:cs typeface="Calibri" panose="020F0502020204030204" pitchFamily="34" charset="0"/>
+            </a:endParaRPr>
+          </a:p>
+        </p:txBody>
+      </p:sp>
+      <mc:AlternateContent xmlns:mc="http://schemas.openxmlformats.org/markup-compatibility/2006">
+        <mc:Choice xmlns:a14="http://schemas.microsoft.com/office/drawing/2010/main" Requires="a14">
+          <p:sp>
+            <p:nvSpPr>
+              <p:cNvPr id="9" name="Content Placeholder 8">
+                <a:extLst>
+                  <a:ext uri="{FF2B5EF4-FFF2-40B4-BE49-F238E27FC236}">
+                    <a16:creationId xmlns:a16="http://schemas.microsoft.com/office/drawing/2014/main" id="{BFD27979-805A-4B4B-946D-AB44BEAC7A32}"/>
+                  </a:ext>
+                </a:extLst>
+              </p:cNvPr>
+              <p:cNvSpPr>
+                <a:spLocks noGrp="1"/>
+              </p:cNvSpPr>
+              <p:nvPr>
+                <p:ph idx="1"/>
+              </p:nvPr>
+            </p:nvSpPr>
+            <p:spPr>
+              <a:xfrm>
+                <a:off x="760413" y="1600200"/>
+                <a:ext cx="6553199" cy="4724400"/>
+              </a:xfrm>
+            </p:spPr>
+            <p:txBody>
+              <a:bodyPr>
+                <a:normAutofit/>
+              </a:bodyPr>
+              <a:lstStyle/>
+              <a:p>
+                <a:pPr marL="0" indent="0">
+                  <a:buNone/>
+                </a:pPr>
+                <a:r>
+                  <a:rPr lang="en-US" dirty="0">
+                    <a:solidFill>
+                      <a:schemeClr val="tx1"/>
+                    </a:solidFill>
+                    <a:latin typeface="Calibri" panose="020F0502020204030204" pitchFamily="34" charset="0"/>
+                    <a:cs typeface="Calibri" panose="020F0502020204030204" pitchFamily="34" charset="0"/>
+                  </a:rPr>
+                  <a:t>Function </a:t>
+                </a:r>
+                <a:r>
+                  <a:rPr lang="en-US" dirty="0" err="1">
+                    <a:solidFill>
+                      <a:schemeClr val="tx1"/>
+                    </a:solidFill>
+                    <a:latin typeface="Calibri" panose="020F0502020204030204" pitchFamily="34" charset="0"/>
+                    <a:cs typeface="Calibri" panose="020F0502020204030204" pitchFamily="34" charset="0"/>
+                  </a:rPr>
+                  <a:t>ImprovedWeightedProfile</a:t>
+                </a:r>
+                <a:r>
+                  <a:rPr lang="en-US" dirty="0">
+                    <a:solidFill>
+                      <a:schemeClr val="tx1"/>
+                    </a:solidFill>
+                    <a:latin typeface="Calibri" panose="020F0502020204030204" pitchFamily="34" charset="0"/>
+                    <a:cs typeface="Calibri" panose="020F0502020204030204" pitchFamily="34" charset="0"/>
+                  </a:rPr>
+                  <a:t>(</a:t>
+                </a:r>
+                <a14:m>
+                  <m:oMath xmlns:m="http://schemas.openxmlformats.org/officeDocument/2006/math">
+                    <m:r>
+                      <a:rPr lang="en-US" i="1" smtClean="0">
+                        <a:solidFill>
+                          <a:schemeClr val="tx1"/>
+                        </a:solidFill>
+                        <a:latin typeface="Cambria Math" panose="02040503050406030204" pitchFamily="18" charset="0"/>
+                        <a:cs typeface="Calibri" panose="020F0502020204030204" pitchFamily="34" charset="0"/>
+                      </a:rPr>
+                      <m:t> </m:t>
+                    </m:r>
+                    <m:r>
+                      <a:rPr lang="en-US" b="0" i="1" smtClean="0">
+                        <a:solidFill>
+                          <a:schemeClr val="tx1"/>
+                        </a:solidFill>
+                        <a:latin typeface="Cambria Math" panose="02040503050406030204" pitchFamily="18" charset="0"/>
+                        <a:cs typeface="Calibri" panose="020F0502020204030204" pitchFamily="34" charset="0"/>
+                      </a:rPr>
+                      <m:t>𝑀</m:t>
+                    </m:r>
+                    <m:r>
+                      <a:rPr lang="en-US" b="0" i="1" smtClean="0">
+                        <a:solidFill>
+                          <a:schemeClr val="tx1"/>
+                        </a:solidFill>
+                        <a:latin typeface="Cambria Math" panose="02040503050406030204" pitchFamily="18" charset="0"/>
+                        <a:cs typeface="Calibri" panose="020F0502020204030204" pitchFamily="34" charset="0"/>
+                      </a:rPr>
+                      <m:t>,</m:t>
+                    </m:r>
+                    <m:r>
+                      <a:rPr lang="en-US" b="0" i="1" smtClean="0">
+                        <a:solidFill>
+                          <a:schemeClr val="tx1"/>
+                        </a:solidFill>
+                        <a:latin typeface="Cambria Math" panose="02040503050406030204" pitchFamily="18" charset="0"/>
+                        <a:cs typeface="Calibri" panose="020F0502020204030204" pitchFamily="34" charset="0"/>
+                      </a:rPr>
+                      <m:t>𝑘</m:t>
+                    </m:r>
+                  </m:oMath>
+                </a14:m>
+                <a:r>
+                  <a:rPr lang="en-US" dirty="0">
+                    <a:solidFill>
+                      <a:schemeClr val="tx1"/>
+                    </a:solidFill>
+                    <a:latin typeface="Calibri" panose="020F0502020204030204" pitchFamily="34" charset="0"/>
+                    <a:cs typeface="Calibri" panose="020F0502020204030204" pitchFamily="34" charset="0"/>
+                  </a:rPr>
+                  <a:t>)</a:t>
+                </a:r>
+              </a:p>
+              <a:p>
+                <a:pPr marL="0" indent="0">
+                  <a:buNone/>
+                </a:pPr>
+                <a:endParaRPr lang="en-US" dirty="0">
+                  <a:solidFill>
+                    <a:schemeClr val="tx1"/>
+                  </a:solidFill>
+                  <a:latin typeface="Calibri" panose="020F0502020204030204" pitchFamily="34" charset="0"/>
+                  <a:cs typeface="Calibri" panose="020F0502020204030204" pitchFamily="34" charset="0"/>
+                </a:endParaRPr>
+              </a:p>
+              <a:p>
+                <a:pPr marL="0" indent="0">
+                  <a:buNone/>
+                </a:pPr>
+                <a:r>
+                  <a:rPr lang="en-US" dirty="0">
+                    <a:solidFill>
+                      <a:schemeClr val="tx1"/>
+                    </a:solidFill>
+                    <a:latin typeface="Calibri" panose="020F0502020204030204" pitchFamily="34" charset="0"/>
+                    <a:cs typeface="Calibri" panose="020F0502020204030204" pitchFamily="34" charset="0"/>
+                  </a:rPr>
+                  <a:t>         </a:t>
+                </a:r>
+                <a14:m>
+                  <m:oMath xmlns:m="http://schemas.openxmlformats.org/officeDocument/2006/math">
+                    <m:sSubSup>
+                      <m:sSubSupPr>
+                        <m:ctrlPr>
+                          <a:rPr lang="en-US" i="1">
+                            <a:solidFill>
+                              <a:schemeClr val="tx1"/>
+                            </a:solidFill>
+                            <a:latin typeface="Cambria Math" panose="02040503050406030204" pitchFamily="18" charset="0"/>
+                            <a:cs typeface="Calibri" panose="020F0502020204030204" pitchFamily="34" charset="0"/>
+                          </a:rPr>
+                        </m:ctrlPr>
+                      </m:sSubSupPr>
+                      <m:e>
+                        <m:r>
+                          <a:rPr lang="en-US" i="1">
+                            <a:solidFill>
+                              <a:schemeClr val="tx1"/>
+                            </a:solidFill>
+                            <a:latin typeface="Cambria Math" panose="02040503050406030204" pitchFamily="18" charset="0"/>
+                            <a:cs typeface="Calibri" panose="020F0502020204030204" pitchFamily="34" charset="0"/>
+                          </a:rPr>
+                          <m:t>𝑆𝐷</m:t>
+                        </m:r>
+                      </m:e>
+                      <m:sub/>
+                      <m:sup>
+                        <m:r>
+                          <a:rPr lang="en-US" i="1">
+                            <a:solidFill>
+                              <a:schemeClr val="tx1"/>
+                            </a:solidFill>
+                            <a:latin typeface="Cambria Math" panose="02040503050406030204" pitchFamily="18" charset="0"/>
+                            <a:cs typeface="Calibri" panose="020F0502020204030204" pitchFamily="34" charset="0"/>
+                          </a:rPr>
+                          <m:t>𝐽</m:t>
+                        </m:r>
+                      </m:sup>
+                    </m:sSubSup>
+                  </m:oMath>
+                </a14:m>
+                <a:r>
+                  <a:rPr lang="en-US" dirty="0">
+                    <a:solidFill>
+                      <a:schemeClr val="tx1"/>
+                    </a:solidFill>
+                    <a:latin typeface="Calibri" panose="020F0502020204030204" pitchFamily="34" charset="0"/>
+                    <a:cs typeface="Calibri" panose="020F0502020204030204" pitchFamily="34" charset="0"/>
+                  </a:rPr>
+                  <a:t> := </a:t>
+                </a:r>
+                <a:r>
+                  <a:rPr lang="en-US" dirty="0" err="1">
+                    <a:solidFill>
+                      <a:schemeClr val="tx1"/>
+                    </a:solidFill>
+                    <a:latin typeface="Calibri" panose="020F0502020204030204" pitchFamily="34" charset="0"/>
+                    <a:cs typeface="Calibri" panose="020F0502020204030204" pitchFamily="34" charset="0"/>
+                  </a:rPr>
+                  <a:t>DrugDrugJaccardSimilarity</a:t>
+                </a:r>
+                <a:r>
+                  <a:rPr lang="en-US" dirty="0">
+                    <a:solidFill>
+                      <a:schemeClr val="tx1"/>
+                    </a:solidFill>
+                    <a:latin typeface="Calibri" panose="020F0502020204030204" pitchFamily="34" charset="0"/>
+                    <a:cs typeface="Calibri" panose="020F0502020204030204" pitchFamily="34" charset="0"/>
+                  </a:rPr>
+                  <a:t>(</a:t>
+                </a:r>
+                <a14:m>
+                  <m:oMath xmlns:m="http://schemas.openxmlformats.org/officeDocument/2006/math">
+                    <m:r>
+                      <a:rPr lang="en-US" i="1">
+                        <a:solidFill>
+                          <a:schemeClr val="tx1"/>
+                        </a:solidFill>
+                        <a:latin typeface="Cambria Math" panose="02040503050406030204" pitchFamily="18" charset="0"/>
+                        <a:cs typeface="Calibri" panose="020F0502020204030204" pitchFamily="34" charset="0"/>
+                      </a:rPr>
+                      <m:t>𝑀</m:t>
+                    </m:r>
+                  </m:oMath>
+                </a14:m>
+                <a:r>
+                  <a:rPr lang="en-US" dirty="0">
+                    <a:solidFill>
+                      <a:schemeClr val="tx1"/>
+                    </a:solidFill>
+                    <a:latin typeface="Calibri" panose="020F0502020204030204" pitchFamily="34" charset="0"/>
+                    <a:cs typeface="Calibri" panose="020F0502020204030204" pitchFamily="34" charset="0"/>
+                  </a:rPr>
+                  <a:t>) </a:t>
+                </a:r>
+              </a:p>
+              <a:p>
+                <a:pPr marL="0" indent="0">
+                  <a:buNone/>
+                </a:pPr>
+                <a:r>
+                  <a:rPr lang="en-US" dirty="0">
+                    <a:solidFill>
+                      <a:schemeClr val="tx1"/>
+                    </a:solidFill>
+                    <a:latin typeface="Calibri" panose="020F0502020204030204" pitchFamily="34" charset="0"/>
+                    <a:cs typeface="Calibri" panose="020F0502020204030204" pitchFamily="34" charset="0"/>
+                  </a:rPr>
+                  <a:t>        </a:t>
+                </a:r>
+                <a14:m>
+                  <m:oMath xmlns:m="http://schemas.openxmlformats.org/officeDocument/2006/math">
+                    <m:sSubSup>
+                      <m:sSubSupPr>
+                        <m:ctrlPr>
+                          <a:rPr lang="en-US" i="1">
+                            <a:solidFill>
+                              <a:schemeClr val="tx1"/>
+                            </a:solidFill>
+                            <a:latin typeface="Cambria Math" panose="02040503050406030204" pitchFamily="18" charset="0"/>
+                            <a:cs typeface="Calibri" panose="020F0502020204030204" pitchFamily="34" charset="0"/>
+                          </a:rPr>
+                        </m:ctrlPr>
+                      </m:sSubSupPr>
+                      <m:e>
+                        <m:r>
+                          <a:rPr lang="en-US" b="0" i="1" smtClean="0">
+                            <a:solidFill>
+                              <a:schemeClr val="tx1"/>
+                            </a:solidFill>
+                            <a:latin typeface="Cambria Math" panose="02040503050406030204" pitchFamily="18" charset="0"/>
+                            <a:cs typeface="Calibri" panose="020F0502020204030204" pitchFamily="34" charset="0"/>
+                          </a:rPr>
+                          <m:t> </m:t>
+                        </m:r>
+                        <m:r>
+                          <a:rPr lang="en-US" i="1">
+                            <a:solidFill>
+                              <a:schemeClr val="tx1"/>
+                            </a:solidFill>
+                            <a:latin typeface="Cambria Math" panose="02040503050406030204" pitchFamily="18" charset="0"/>
+                            <a:cs typeface="Calibri" panose="020F0502020204030204" pitchFamily="34" charset="0"/>
+                          </a:rPr>
+                          <m:t>𝑆</m:t>
+                        </m:r>
+                        <m:r>
+                          <a:rPr lang="en-US" b="0" i="1" smtClean="0">
+                            <a:solidFill>
+                              <a:schemeClr val="tx1"/>
+                            </a:solidFill>
+                            <a:latin typeface="Cambria Math" panose="02040503050406030204" pitchFamily="18" charset="0"/>
+                            <a:cs typeface="Calibri" panose="020F0502020204030204" pitchFamily="34" charset="0"/>
+                          </a:rPr>
+                          <m:t>𝑇</m:t>
+                        </m:r>
+                      </m:e>
+                      <m:sub/>
+                      <m:sup>
+                        <m:r>
+                          <a:rPr lang="en-US" i="1">
+                            <a:solidFill>
+                              <a:schemeClr val="tx1"/>
+                            </a:solidFill>
+                            <a:latin typeface="Cambria Math" panose="02040503050406030204" pitchFamily="18" charset="0"/>
+                            <a:cs typeface="Calibri" panose="020F0502020204030204" pitchFamily="34" charset="0"/>
+                          </a:rPr>
+                          <m:t>𝐽</m:t>
+                        </m:r>
+                      </m:sup>
+                    </m:sSubSup>
+                  </m:oMath>
+                </a14:m>
+                <a:r>
+                  <a:rPr lang="en-US" dirty="0">
+                    <a:solidFill>
+                      <a:schemeClr val="tx1"/>
+                    </a:solidFill>
+                    <a:latin typeface="Calibri" panose="020F0502020204030204" pitchFamily="34" charset="0"/>
+                    <a:cs typeface="Calibri" panose="020F0502020204030204" pitchFamily="34" charset="0"/>
+                  </a:rPr>
+                  <a:t>  :=  </a:t>
+                </a:r>
+                <a:r>
+                  <a:rPr lang="en-US" dirty="0" err="1">
+                    <a:solidFill>
+                      <a:schemeClr val="tx1"/>
+                    </a:solidFill>
+                    <a:latin typeface="Calibri" panose="020F0502020204030204" pitchFamily="34" charset="0"/>
+                    <a:cs typeface="Calibri" panose="020F0502020204030204" pitchFamily="34" charset="0"/>
+                  </a:rPr>
+                  <a:t>TargetTargetJaccardSimilarity</a:t>
+                </a:r>
+                <a:r>
+                  <a:rPr lang="en-US" dirty="0">
+                    <a:solidFill>
+                      <a:schemeClr val="tx1"/>
+                    </a:solidFill>
+                    <a:latin typeface="Calibri" panose="020F0502020204030204" pitchFamily="34" charset="0"/>
+                    <a:cs typeface="Calibri" panose="020F0502020204030204" pitchFamily="34" charset="0"/>
+                  </a:rPr>
+                  <a:t>(</a:t>
+                </a:r>
+                <a14:m>
+                  <m:oMath xmlns:m="http://schemas.openxmlformats.org/officeDocument/2006/math">
+                    <m:r>
+                      <a:rPr lang="en-US" i="1">
+                        <a:solidFill>
+                          <a:schemeClr val="tx1"/>
+                        </a:solidFill>
+                        <a:latin typeface="Cambria Math" panose="02040503050406030204" pitchFamily="18" charset="0"/>
+                        <a:cs typeface="Calibri" panose="020F0502020204030204" pitchFamily="34" charset="0"/>
+                      </a:rPr>
+                      <m:t>𝑀</m:t>
+                    </m:r>
+                  </m:oMath>
+                </a14:m>
+                <a:r>
+                  <a:rPr lang="en-US" dirty="0">
+                    <a:solidFill>
+                      <a:schemeClr val="tx1"/>
+                    </a:solidFill>
+                    <a:latin typeface="Calibri" panose="020F0502020204030204" pitchFamily="34" charset="0"/>
+                    <a:cs typeface="Calibri" panose="020F0502020204030204" pitchFamily="34" charset="0"/>
+                  </a:rPr>
+                  <a:t>)</a:t>
+                </a:r>
+              </a:p>
+              <a:p>
+                <a:pPr marL="0" indent="0">
+                  <a:buNone/>
+                </a:pPr>
+                <a:r>
+                  <a:rPr lang="en-US" dirty="0">
+                    <a:solidFill>
+                      <a:schemeClr val="tx1"/>
+                    </a:solidFill>
+                    <a:cs typeface="Calibri" panose="020F0502020204030204" pitchFamily="34" charset="0"/>
+                  </a:rPr>
+                  <a:t>       </a:t>
+                </a:r>
+                <a14:m>
+                  <m:oMath xmlns:m="http://schemas.openxmlformats.org/officeDocument/2006/math">
+                    <m:acc>
+                      <m:accPr>
+                        <m:chr m:val="̂"/>
+                        <m:ctrlPr>
+                          <a:rPr lang="en-US" i="1">
+                            <a:solidFill>
+                              <a:schemeClr val="tx1"/>
+                            </a:solidFill>
+                            <a:latin typeface="Cambria Math" panose="02040503050406030204" pitchFamily="18" charset="0"/>
+                            <a:cs typeface="Calibri" panose="020F0502020204030204" pitchFamily="34" charset="0"/>
+                          </a:rPr>
+                        </m:ctrlPr>
+                      </m:accPr>
+                      <m:e>
+                        <m:r>
+                          <a:rPr lang="en-US" i="1">
+                            <a:solidFill>
+                              <a:schemeClr val="tx1"/>
+                            </a:solidFill>
+                            <a:latin typeface="Cambria Math" panose="02040503050406030204" pitchFamily="18" charset="0"/>
+                            <a:cs typeface="Calibri" panose="020F0502020204030204" pitchFamily="34" charset="0"/>
+                          </a:rPr>
+                          <m:t>𝑀</m:t>
+                        </m:r>
+                      </m:e>
+                    </m:acc>
+                  </m:oMath>
+                </a14:m>
+                <a:r>
+                  <a:rPr lang="en-US" dirty="0">
+                    <a:solidFill>
+                      <a:schemeClr val="tx1"/>
+                    </a:solidFill>
+                    <a:latin typeface="Calibri" panose="020F0502020204030204" pitchFamily="34" charset="0"/>
+                    <a:cs typeface="Calibri" panose="020F0502020204030204" pitchFamily="34" charset="0"/>
+                  </a:rPr>
+                  <a:t> := WeightedProfile(</a:t>
+                </a:r>
+                <a14:m>
+                  <m:oMath xmlns:m="http://schemas.openxmlformats.org/officeDocument/2006/math">
+                    <m:r>
+                      <a:rPr lang="en-US" i="1">
+                        <a:solidFill>
+                          <a:schemeClr val="tx1"/>
+                        </a:solidFill>
+                        <a:latin typeface="Cambria Math" panose="02040503050406030204" pitchFamily="18" charset="0"/>
+                        <a:cs typeface="Calibri" panose="020F0502020204030204" pitchFamily="34" charset="0"/>
+                      </a:rPr>
+                      <m:t> </m:t>
+                    </m:r>
+                    <m:r>
+                      <a:rPr lang="en-US" i="1">
+                        <a:solidFill>
+                          <a:schemeClr val="tx1"/>
+                        </a:solidFill>
+                        <a:latin typeface="Cambria Math" panose="02040503050406030204" pitchFamily="18" charset="0"/>
+                        <a:cs typeface="Calibri" panose="020F0502020204030204" pitchFamily="34" charset="0"/>
+                      </a:rPr>
+                      <m:t>𝑀</m:t>
+                    </m:r>
+                    <m:r>
+                      <a:rPr lang="en-US" i="1">
+                        <a:solidFill>
+                          <a:schemeClr val="tx1"/>
+                        </a:solidFill>
+                        <a:latin typeface="Cambria Math" panose="02040503050406030204" pitchFamily="18" charset="0"/>
+                        <a:cs typeface="Calibri" panose="020F0502020204030204" pitchFamily="34" charset="0"/>
+                      </a:rPr>
+                      <m:t>,</m:t>
+                    </m:r>
+                    <m:sSubSup>
+                      <m:sSubSupPr>
+                        <m:ctrlPr>
+                          <a:rPr lang="en-US" i="1">
+                            <a:solidFill>
+                              <a:schemeClr val="tx1"/>
+                            </a:solidFill>
+                            <a:latin typeface="Cambria Math" panose="02040503050406030204" pitchFamily="18" charset="0"/>
+                            <a:cs typeface="Calibri" panose="020F0502020204030204" pitchFamily="34" charset="0"/>
+                          </a:rPr>
+                        </m:ctrlPr>
+                      </m:sSubSupPr>
+                      <m:e>
+                        <m:r>
+                          <a:rPr lang="en-US" i="1">
+                            <a:solidFill>
+                              <a:schemeClr val="tx1"/>
+                            </a:solidFill>
+                            <a:latin typeface="Cambria Math" panose="02040503050406030204" pitchFamily="18" charset="0"/>
+                            <a:cs typeface="Calibri" panose="020F0502020204030204" pitchFamily="34" charset="0"/>
+                          </a:rPr>
+                          <m:t>𝑆𝐷</m:t>
+                        </m:r>
+                      </m:e>
+                      <m:sub/>
+                      <m:sup>
+                        <m:r>
+                          <a:rPr lang="en-US" i="1">
+                            <a:solidFill>
+                              <a:schemeClr val="tx1"/>
+                            </a:solidFill>
+                            <a:latin typeface="Cambria Math" panose="02040503050406030204" pitchFamily="18" charset="0"/>
+                            <a:cs typeface="Calibri" panose="020F0502020204030204" pitchFamily="34" charset="0"/>
+                          </a:rPr>
+                          <m:t>𝐽</m:t>
+                        </m:r>
+                      </m:sup>
+                    </m:sSubSup>
+                    <m:r>
+                      <a:rPr lang="en-US" i="1">
+                        <a:solidFill>
+                          <a:schemeClr val="tx1"/>
+                        </a:solidFill>
+                        <a:latin typeface="Cambria Math" panose="02040503050406030204" pitchFamily="18" charset="0"/>
+                        <a:cs typeface="Calibri" panose="020F0502020204030204" pitchFamily="34" charset="0"/>
+                      </a:rPr>
+                      <m:t>,</m:t>
+                    </m:r>
+                    <m:sSubSup>
+                      <m:sSubSupPr>
+                        <m:ctrlPr>
+                          <a:rPr lang="en-US" i="1">
+                            <a:solidFill>
+                              <a:schemeClr val="tx1"/>
+                            </a:solidFill>
+                            <a:latin typeface="Cambria Math" panose="02040503050406030204" pitchFamily="18" charset="0"/>
+                            <a:cs typeface="Calibri" panose="020F0502020204030204" pitchFamily="34" charset="0"/>
+                          </a:rPr>
+                        </m:ctrlPr>
+                      </m:sSubSupPr>
+                      <m:e>
+                        <m:r>
+                          <a:rPr lang="en-US" i="1">
+                            <a:solidFill>
+                              <a:schemeClr val="tx1"/>
+                            </a:solidFill>
+                            <a:latin typeface="Cambria Math" panose="02040503050406030204" pitchFamily="18" charset="0"/>
+                            <a:cs typeface="Calibri" panose="020F0502020204030204" pitchFamily="34" charset="0"/>
+                          </a:rPr>
+                          <m:t> </m:t>
+                        </m:r>
+                        <m:r>
+                          <a:rPr lang="en-US" i="1">
+                            <a:solidFill>
+                              <a:schemeClr val="tx1"/>
+                            </a:solidFill>
+                            <a:latin typeface="Cambria Math" panose="02040503050406030204" pitchFamily="18" charset="0"/>
+                            <a:cs typeface="Calibri" panose="020F0502020204030204" pitchFamily="34" charset="0"/>
+                          </a:rPr>
+                          <m:t>𝑆</m:t>
+                        </m:r>
+                        <m:r>
+                          <a:rPr lang="en-US" i="1">
+                            <a:solidFill>
+                              <a:schemeClr val="tx1"/>
+                            </a:solidFill>
+                            <a:latin typeface="Cambria Math" panose="02040503050406030204" pitchFamily="18" charset="0"/>
+                            <a:cs typeface="Calibri" panose="020F0502020204030204" pitchFamily="34" charset="0"/>
+                          </a:rPr>
+                          <m:t>𝑇</m:t>
+                        </m:r>
+                      </m:e>
+                      <m:sub/>
+                      <m:sup>
+                        <m:r>
+                          <a:rPr lang="en-US" i="1">
+                            <a:solidFill>
+                              <a:schemeClr val="tx1"/>
+                            </a:solidFill>
+                            <a:latin typeface="Cambria Math" panose="02040503050406030204" pitchFamily="18" charset="0"/>
+                            <a:cs typeface="Calibri" panose="020F0502020204030204" pitchFamily="34" charset="0"/>
+                          </a:rPr>
+                          <m:t>𝐽</m:t>
+                        </m:r>
+                      </m:sup>
+                    </m:sSubSup>
+                    <m:r>
+                      <a:rPr lang="en-US" i="1">
+                        <a:solidFill>
+                          <a:schemeClr val="tx1"/>
+                        </a:solidFill>
+                        <a:latin typeface="Cambria Math" panose="02040503050406030204" pitchFamily="18" charset="0"/>
+                        <a:cs typeface="Calibri" panose="020F0502020204030204" pitchFamily="34" charset="0"/>
+                      </a:rPr>
+                      <m:t>,</m:t>
+                    </m:r>
+                    <m:r>
+                      <a:rPr lang="en-US" i="1">
+                        <a:solidFill>
+                          <a:schemeClr val="tx1"/>
+                        </a:solidFill>
+                        <a:latin typeface="Cambria Math" panose="02040503050406030204" pitchFamily="18" charset="0"/>
+                        <a:cs typeface="Calibri" panose="020F0502020204030204" pitchFamily="34" charset="0"/>
+                      </a:rPr>
+                      <m:t>𝑘</m:t>
+                    </m:r>
+                  </m:oMath>
+                </a14:m>
+                <a:r>
+                  <a:rPr lang="en-US" dirty="0">
+                    <a:solidFill>
+                      <a:schemeClr val="tx1"/>
+                    </a:solidFill>
+                    <a:latin typeface="Calibri" panose="020F0502020204030204" pitchFamily="34" charset="0"/>
+                    <a:cs typeface="Calibri" panose="020F0502020204030204" pitchFamily="34" charset="0"/>
+                  </a:rPr>
+                  <a:t>)</a:t>
+                </a:r>
+              </a:p>
+              <a:p>
+                <a:pPr marL="0" indent="0">
+                  <a:buNone/>
+                </a:pPr>
+                <a:r>
+                  <a:rPr lang="en-US" dirty="0">
+                    <a:solidFill>
+                      <a:schemeClr val="tx1"/>
+                    </a:solidFill>
+                    <a:latin typeface="Calibri" panose="020F0502020204030204" pitchFamily="34" charset="0"/>
+                    <a:cs typeface="Calibri" panose="020F0502020204030204" pitchFamily="34" charset="0"/>
+                  </a:rPr>
+                  <a:t>         return </a:t>
+                </a:r>
+                <a14:m>
+                  <m:oMath xmlns:m="http://schemas.openxmlformats.org/officeDocument/2006/math">
+                    <m:acc>
+                      <m:accPr>
+                        <m:chr m:val="̂"/>
+                        <m:ctrlPr>
+                          <a:rPr lang="en-US" i="1">
+                            <a:solidFill>
+                              <a:schemeClr val="tx1"/>
+                            </a:solidFill>
+                            <a:latin typeface="Cambria Math" panose="02040503050406030204" pitchFamily="18" charset="0"/>
+                            <a:cs typeface="Calibri" panose="020F0502020204030204" pitchFamily="34" charset="0"/>
+                          </a:rPr>
+                        </m:ctrlPr>
+                      </m:accPr>
+                      <m:e>
+                        <m:r>
+                          <a:rPr lang="en-US" b="0" i="1" smtClean="0">
+                            <a:solidFill>
+                              <a:schemeClr val="tx1"/>
+                            </a:solidFill>
+                            <a:latin typeface="Cambria Math" panose="02040503050406030204" pitchFamily="18" charset="0"/>
+                            <a:cs typeface="Calibri" panose="020F0502020204030204" pitchFamily="34" charset="0"/>
+                          </a:rPr>
+                          <m:t>𝑀</m:t>
+                        </m:r>
+                      </m:e>
+                    </m:acc>
+                  </m:oMath>
+                </a14:m>
+                <a:endParaRPr lang="en-US" dirty="0">
+                  <a:solidFill>
+                    <a:schemeClr val="tx1"/>
+                  </a:solidFill>
+                  <a:latin typeface="Calibri" panose="020F0502020204030204" pitchFamily="34" charset="0"/>
+                  <a:cs typeface="Calibri" panose="020F0502020204030204" pitchFamily="34" charset="0"/>
+                </a:endParaRPr>
+              </a:p>
+              <a:p>
+                <a:pPr marL="0" indent="0">
+                  <a:buNone/>
+                </a:pPr>
+                <a:endParaRPr lang="en-US" dirty="0">
+                  <a:solidFill>
+                    <a:schemeClr val="tx1"/>
+                  </a:solidFill>
+                  <a:latin typeface="Calibri" panose="020F0502020204030204" pitchFamily="34" charset="0"/>
+                  <a:cs typeface="Calibri" panose="020F0502020204030204" pitchFamily="34" charset="0"/>
+                </a:endParaRPr>
+              </a:p>
+              <a:p>
+                <a:pPr marL="0" indent="0">
+                  <a:buNone/>
+                </a:pPr>
+                <a:r>
+                  <a:rPr lang="en-US" dirty="0">
+                    <a:solidFill>
+                      <a:schemeClr val="tx1"/>
+                    </a:solidFill>
+                    <a:latin typeface="Calibri" panose="020F0502020204030204" pitchFamily="34" charset="0"/>
+                    <a:cs typeface="Calibri" panose="020F0502020204030204" pitchFamily="34" charset="0"/>
+                  </a:rPr>
+                  <a:t>End </a:t>
+                </a:r>
+                <a:r>
+                  <a:rPr lang="en-US" dirty="0" err="1">
+                    <a:solidFill>
+                      <a:schemeClr val="tx1"/>
+                    </a:solidFill>
+                    <a:latin typeface="Calibri" panose="020F0502020204030204" pitchFamily="34" charset="0"/>
+                    <a:cs typeface="Calibri" panose="020F0502020204030204" pitchFamily="34" charset="0"/>
+                  </a:rPr>
+                  <a:t>ImprovedWeightedProfile</a:t>
+                </a:r>
+                <a:endParaRPr lang="en-US" dirty="0">
+                  <a:solidFill>
+                    <a:schemeClr val="tx1"/>
+                  </a:solidFill>
+                  <a:latin typeface="Calibri" panose="020F0502020204030204" pitchFamily="34" charset="0"/>
+                  <a:cs typeface="Calibri" panose="020F0502020204030204" pitchFamily="34" charset="0"/>
+                </a:endParaRPr>
+              </a:p>
+              <a:p>
+                <a:pPr marL="0" indent="0">
+                  <a:buNone/>
+                </a:pPr>
+                <a:r>
+                  <a:rPr lang="en-US" dirty="0">
+                    <a:solidFill>
+                      <a:schemeClr val="tx1"/>
+                    </a:solidFill>
+                    <a:latin typeface="Calibri" panose="020F0502020204030204" pitchFamily="34" charset="0"/>
+                    <a:cs typeface="Calibri" panose="020F0502020204030204" pitchFamily="34" charset="0"/>
+                  </a:rPr>
+                  <a:t>                 </a:t>
+                </a:r>
+              </a:p>
+              <a:p>
+                <a:pPr marL="0" indent="0">
+                  <a:buNone/>
+                </a:pPr>
+                <a:endParaRPr lang="en-US" dirty="0">
+                  <a:solidFill>
+                    <a:schemeClr val="tx1"/>
+                  </a:solidFill>
+                  <a:latin typeface="Calibri" panose="020F0502020204030204" pitchFamily="34" charset="0"/>
+                  <a:cs typeface="Calibri" panose="020F0502020204030204" pitchFamily="34" charset="0"/>
+                </a:endParaRPr>
+              </a:p>
+            </p:txBody>
+          </p:sp>
+        </mc:Choice>
+        <mc:Fallback>
+          <p:sp>
+            <p:nvSpPr>
+              <p:cNvPr id="9" name="Content Placeholder 8">
+                <a:extLst>
+                  <a:ext uri="{FF2B5EF4-FFF2-40B4-BE49-F238E27FC236}">
+                    <a16:creationId xmlns:a16="http://schemas.microsoft.com/office/drawing/2014/main" id="{BFD27979-805A-4B4B-946D-AB44BEAC7A32}"/>
+                  </a:ext>
+                </a:extLst>
+              </p:cNvPr>
+              <p:cNvSpPr>
+                <a:spLocks noGrp="1" noRot="1" noChangeAspect="1" noMove="1" noResize="1" noEditPoints="1" noAdjustHandles="1" noChangeArrowheads="1" noChangeShapeType="1" noTextEdit="1"/>
+              </p:cNvSpPr>
+              <p:nvPr>
+                <p:ph idx="1"/>
+              </p:nvPr>
+            </p:nvSpPr>
+            <p:spPr>
+              <a:xfrm>
+                <a:off x="760413" y="1600200"/>
+                <a:ext cx="6553199" cy="4724400"/>
+              </a:xfrm>
+              <a:blipFill>
+                <a:blip r:embed="rId2"/>
+                <a:stretch>
+                  <a:fillRect l="-744" t="-387"/>
+                </a:stretch>
+              </a:blipFill>
+            </p:spPr>
+            <p:txBody>
+              <a:bodyPr/>
+              <a:lstStyle/>
+              <a:p>
+                <a:r>
+                  <a:rPr lang="en-US">
+                    <a:noFill/>
+                  </a:rPr>
+                  <a:t> </a:t>
+                </a:r>
+              </a:p>
+            </p:txBody>
+          </p:sp>
+        </mc:Fallback>
+      </mc:AlternateContent>
+      <p:sp>
+        <p:nvSpPr>
+          <p:cNvPr id="6" name="Content Placeholder 2">
             <a:extLst>
               <a:ext uri="{FF2B5EF4-FFF2-40B4-BE49-F238E27FC236}">
-                <a16:creationId xmlns:a16="http://schemas.microsoft.com/office/drawing/2014/main" id="{86F37EA8-E346-44D3-9BCA-9003A76D1BAA}"/>
+                <a16:creationId xmlns:a16="http://schemas.microsoft.com/office/drawing/2014/main" id="{109EE1EC-0CF3-44EA-8406-9B48EE9C5C3D}"/>
               </a:ext>
             </a:extLst>
           </p:cNvPr>
-          <p:cNvSpPr/>
+          <p:cNvSpPr txBox="1">
+            <a:spLocks/>
+          </p:cNvSpPr>
           <p:nvPr/>
         </p:nvSpPr>
         <p:spPr>
           <a:xfrm>
-            <a:off x="2208212" y="2644170"/>
-            <a:ext cx="7558498" cy="1569660"/>
+            <a:off x="677158" y="1676400"/>
+            <a:ext cx="9227254" cy="4343400"/>
           </a:xfrm>
           <a:prstGeom prst="rect">
             <a:avLst/>
           </a:prstGeom>
         </p:spPr>
         <p:txBody>
-          <a:bodyPr wrap="square">
-            <a:spAutoFit/>
+          <a:bodyPr vert="horz" lIns="91440" tIns="45720" rIns="91440" bIns="45720" rtlCol="0">
+            <a:normAutofit/>
           </a:bodyPr>
-          <a:lstStyle/>
+          <a:lstStyle>
+            <a:lvl1pPr marL="342797" indent="-342797" algn="l" defTabSz="457063" rtl="0" eaLnBrk="1" latinLnBrk="0" hangingPunct="1">
+              <a:spcBef>
+                <a:spcPts val="1000"/>
+              </a:spcBef>
+              <a:spcAft>
+                <a:spcPts val="0"/>
+              </a:spcAft>
+              <a:buClr>
+                <a:schemeClr val="accent1"/>
+              </a:buClr>
+              <a:buSzPct val="80000"/>
+              <a:buFont typeface="Wingdings 3" charset="2"/>
+              <a:buChar char=""/>
+              <a:defRPr sz="1799" kern="1200">
+                <a:solidFill>
+                  <a:schemeClr val="tx1">
+                    <a:lumMod val="75000"/>
+                    <a:lumOff val="25000"/>
+                  </a:schemeClr>
+                </a:solidFill>
+                <a:latin typeface="+mn-lt"/>
+                <a:ea typeface="+mn-ea"/>
+                <a:cs typeface="+mn-cs"/>
+              </a:defRPr>
+            </a:lvl1pPr>
+            <a:lvl2pPr marL="742727" indent="-285664" algn="l" defTabSz="457063" rtl="0" eaLnBrk="1" latinLnBrk="0" hangingPunct="1">
+              <a:spcBef>
+                <a:spcPts val="1000"/>
+              </a:spcBef>
+              <a:spcAft>
+                <a:spcPts val="0"/>
+              </a:spcAft>
+              <a:buClr>
+                <a:schemeClr val="accent1"/>
+              </a:buClr>
+              <a:buSzPct val="80000"/>
+              <a:buFont typeface="Wingdings 3" charset="2"/>
+              <a:buChar char=""/>
+              <a:defRPr sz="1600" kern="1200">
+                <a:solidFill>
+                  <a:schemeClr val="tx1">
+                    <a:lumMod val="75000"/>
+                    <a:lumOff val="25000"/>
+                  </a:schemeClr>
+                </a:solidFill>
+                <a:latin typeface="+mn-lt"/>
+                <a:ea typeface="+mn-ea"/>
+                <a:cs typeface="+mn-cs"/>
+              </a:defRPr>
+            </a:lvl2pPr>
+            <a:lvl3pPr marL="1142657" indent="-228531" algn="l" defTabSz="457063" rtl="0" eaLnBrk="1" latinLnBrk="0" hangingPunct="1">
+              <a:spcBef>
+                <a:spcPts val="1000"/>
+              </a:spcBef>
+              <a:spcAft>
+                <a:spcPts val="0"/>
+              </a:spcAft>
+              <a:buClr>
+                <a:schemeClr val="accent1"/>
+              </a:buClr>
+              <a:buSzPct val="80000"/>
+              <a:buFont typeface="Wingdings 3" charset="2"/>
+              <a:buChar char=""/>
+              <a:defRPr sz="1400" kern="1200">
+                <a:solidFill>
+                  <a:schemeClr val="tx1">
+                    <a:lumMod val="75000"/>
+                    <a:lumOff val="25000"/>
+                  </a:schemeClr>
+                </a:solidFill>
+                <a:latin typeface="+mn-lt"/>
+                <a:ea typeface="+mn-ea"/>
+                <a:cs typeface="+mn-cs"/>
+              </a:defRPr>
+            </a:lvl3pPr>
+            <a:lvl4pPr marL="1599720" indent="-228531" algn="l" defTabSz="457063" rtl="0" eaLnBrk="1" latinLnBrk="0" hangingPunct="1">
+              <a:spcBef>
+                <a:spcPts val="1000"/>
+              </a:spcBef>
+              <a:spcAft>
+                <a:spcPts val="0"/>
+              </a:spcAft>
+              <a:buClr>
+                <a:schemeClr val="accent1"/>
+              </a:buClr>
+              <a:buSzPct val="80000"/>
+              <a:buFont typeface="Wingdings 3" charset="2"/>
+              <a:buChar char=""/>
+              <a:defRPr sz="1200" kern="1200">
+                <a:solidFill>
+                  <a:schemeClr val="tx1">
+                    <a:lumMod val="75000"/>
+                    <a:lumOff val="25000"/>
+                  </a:schemeClr>
+                </a:solidFill>
+                <a:latin typeface="+mn-lt"/>
+                <a:ea typeface="+mn-ea"/>
+                <a:cs typeface="+mn-cs"/>
+              </a:defRPr>
+            </a:lvl4pPr>
+            <a:lvl5pPr marL="2056783" indent="-228531" algn="l" defTabSz="457063" rtl="0" eaLnBrk="1" latinLnBrk="0" hangingPunct="1">
+              <a:spcBef>
+                <a:spcPts val="1000"/>
+              </a:spcBef>
+              <a:spcAft>
+                <a:spcPts val="0"/>
+              </a:spcAft>
+              <a:buClr>
+                <a:schemeClr val="accent1"/>
+              </a:buClr>
+              <a:buSzPct val="80000"/>
+              <a:buFont typeface="Wingdings 3" charset="2"/>
+              <a:buChar char=""/>
+              <a:defRPr sz="1200" kern="1200">
+                <a:solidFill>
+                  <a:schemeClr val="tx1">
+                    <a:lumMod val="75000"/>
+                    <a:lumOff val="25000"/>
+                  </a:schemeClr>
+                </a:solidFill>
+                <a:latin typeface="+mn-lt"/>
+                <a:ea typeface="+mn-ea"/>
+                <a:cs typeface="+mn-cs"/>
+              </a:defRPr>
+            </a:lvl5pPr>
+            <a:lvl6pPr marL="2513846" indent="-228531" algn="l" defTabSz="457063" rtl="0" eaLnBrk="1" latinLnBrk="0" hangingPunct="1">
+              <a:spcBef>
+                <a:spcPts val="1000"/>
+              </a:spcBef>
+              <a:spcAft>
+                <a:spcPts val="0"/>
+              </a:spcAft>
+              <a:buClr>
+                <a:schemeClr val="accent1"/>
+              </a:buClr>
+              <a:buSzPct val="80000"/>
+              <a:buFont typeface="Wingdings 3" charset="2"/>
+              <a:buChar char=""/>
+              <a:defRPr sz="1200" kern="1200">
+                <a:solidFill>
+                  <a:schemeClr val="tx1">
+                    <a:lumMod val="75000"/>
+                    <a:lumOff val="25000"/>
+                  </a:schemeClr>
+                </a:solidFill>
+                <a:latin typeface="+mn-lt"/>
+                <a:ea typeface="+mn-ea"/>
+                <a:cs typeface="+mn-cs"/>
+              </a:defRPr>
+            </a:lvl6pPr>
+            <a:lvl7pPr marL="2970908" indent="-228531" algn="l" defTabSz="457063" rtl="0" eaLnBrk="1" latinLnBrk="0" hangingPunct="1">
+              <a:spcBef>
+                <a:spcPts val="1000"/>
+              </a:spcBef>
+              <a:spcAft>
+                <a:spcPts val="0"/>
+              </a:spcAft>
+              <a:buClr>
+                <a:schemeClr val="accent1"/>
+              </a:buClr>
+              <a:buSzPct val="80000"/>
+              <a:buFont typeface="Wingdings 3" charset="2"/>
+              <a:buChar char=""/>
+              <a:defRPr sz="1200" kern="1200">
+                <a:solidFill>
+                  <a:schemeClr val="tx1">
+                    <a:lumMod val="75000"/>
+                    <a:lumOff val="25000"/>
+                  </a:schemeClr>
+                </a:solidFill>
+                <a:latin typeface="+mn-lt"/>
+                <a:ea typeface="+mn-ea"/>
+                <a:cs typeface="+mn-cs"/>
+              </a:defRPr>
+            </a:lvl7pPr>
+            <a:lvl8pPr marL="3427971" indent="-228531" algn="l" defTabSz="457063" rtl="0" eaLnBrk="1" latinLnBrk="0" hangingPunct="1">
+              <a:spcBef>
+                <a:spcPts val="1000"/>
+              </a:spcBef>
+              <a:spcAft>
+                <a:spcPts val="0"/>
+              </a:spcAft>
+              <a:buClr>
+                <a:schemeClr val="accent1"/>
+              </a:buClr>
+              <a:buSzPct val="80000"/>
+              <a:buFont typeface="Wingdings 3" charset="2"/>
+              <a:buChar char=""/>
+              <a:defRPr sz="1200" kern="1200">
+                <a:solidFill>
+                  <a:schemeClr val="tx1">
+                    <a:lumMod val="75000"/>
+                    <a:lumOff val="25000"/>
+                  </a:schemeClr>
+                </a:solidFill>
+                <a:latin typeface="+mn-lt"/>
+                <a:ea typeface="+mn-ea"/>
+                <a:cs typeface="+mn-cs"/>
+              </a:defRPr>
+            </a:lvl8pPr>
+            <a:lvl9pPr marL="3885034" indent="-228531" algn="l" defTabSz="457063" rtl="0" eaLnBrk="1" latinLnBrk="0" hangingPunct="1">
+              <a:spcBef>
+                <a:spcPts val="1000"/>
+              </a:spcBef>
+              <a:spcAft>
+                <a:spcPts val="0"/>
+              </a:spcAft>
+              <a:buClr>
+                <a:schemeClr val="accent1"/>
+              </a:buClr>
+              <a:buSzPct val="80000"/>
+              <a:buFont typeface="Wingdings 3" charset="2"/>
+              <a:buChar char=""/>
+              <a:defRPr sz="1200" kern="1200">
+                <a:solidFill>
+                  <a:schemeClr val="tx1">
+                    <a:lumMod val="75000"/>
+                    <a:lumOff val="25000"/>
+                  </a:schemeClr>
+                </a:solidFill>
+                <a:latin typeface="+mn-lt"/>
+                <a:ea typeface="+mn-ea"/>
+                <a:cs typeface="+mn-cs"/>
+              </a:defRPr>
+            </a:lvl9pPr>
+          </a:lstStyle>
           <a:p>
-            <a:r>
-              <a:rPr lang="en-US" sz="9600" dirty="0">
-                <a:solidFill>
-                  <a:schemeClr val="accent1"/>
-                </a:solidFill>
-                <a:latin typeface="Blackadder ITC" panose="04020505051007020D02" pitchFamily="82" charset="0"/>
-              </a:rPr>
-              <a:t>Thank You </a:t>
-            </a:r>
-            <a:r>
-              <a:rPr lang="en-US" sz="9600" dirty="0">
-                <a:solidFill>
-                  <a:schemeClr val="accent1"/>
-                </a:solidFill>
-                <a:latin typeface="Blackadder ITC" panose="04020505051007020D02" pitchFamily="82" charset="0"/>
-                <a:sym typeface="Wingdings" panose="05000000000000000000" pitchFamily="2" charset="2"/>
-              </a:rPr>
-              <a:t></a:t>
-            </a:r>
-            <a:endParaRPr lang="en-US" sz="9600" dirty="0">
-              <a:solidFill>
-                <a:schemeClr val="accent1"/>
-              </a:solidFill>
-            </a:endParaRPr>
+            <a:pPr marL="457063" lvl="1" indent="0">
+              <a:buFont typeface="Wingdings 3" charset="2"/>
+              <a:buNone/>
+            </a:pPr>
+            <a:endParaRPr lang="en-US" dirty="0"/>
           </a:p>
         </p:txBody>
       </p:sp>
     </p:spTree>
     <p:extLst>
       <p:ext uri="{BB962C8B-B14F-4D97-AF65-F5344CB8AC3E}">
-        <p14:creationId xmlns:p14="http://schemas.microsoft.com/office/powerpoint/2010/main" val="3239199777"/>
+        <p14:creationId xmlns:p14="http://schemas.microsoft.com/office/powerpoint/2010/main" val="3419191711"/>
       </p:ext>
     </p:extLst>
   </p:cSld>
@@ -17674,6 +22114,4983 @@
     <p:extLst>
       <p:ext uri="{BB962C8B-B14F-4D97-AF65-F5344CB8AC3E}">
         <p14:creationId xmlns:p14="http://schemas.microsoft.com/office/powerpoint/2010/main" val="3347619229"/>
+      </p:ext>
+    </p:extLst>
+  </p:cSld>
+  <p:clrMapOvr>
+    <a:masterClrMapping/>
+  </p:clrMapOvr>
+  <mc:AlternateContent xmlns:mc="http://schemas.openxmlformats.org/markup-compatibility/2006" xmlns:p14="http://schemas.microsoft.com/office/powerpoint/2010/main">
+    <mc:Choice Requires="p14">
+      <p:transition spd="med" p14:dur="700">
+        <p:fade/>
+      </p:transition>
+    </mc:Choice>
+    <mc:Fallback xmlns="">
+      <p:transition spd="med">
+        <p:fade/>
+      </p:transition>
+    </mc:Fallback>
+  </mc:AlternateContent>
+</p:sld>
+</file>
+
+<file path=ppt/slides/slide20.xml><?xml version="1.0" encoding="utf-8"?>
+<p:sld xmlns:a="http://schemas.openxmlformats.org/drawingml/2006/main" xmlns:r="http://schemas.openxmlformats.org/officeDocument/2006/relationships" xmlns:p="http://schemas.openxmlformats.org/presentationml/2006/main">
+  <p:cSld>
+    <p:spTree>
+      <p:nvGrpSpPr>
+        <p:cNvPr id="1" name=""/>
+        <p:cNvGrpSpPr/>
+        <p:nvPr/>
+      </p:nvGrpSpPr>
+      <p:grpSpPr>
+        <a:xfrm>
+          <a:off x="0" y="0"/>
+          <a:ext cx="0" cy="0"/>
+          <a:chOff x="0" y="0"/>
+          <a:chExt cx="0" cy="0"/>
+        </a:xfrm>
+      </p:grpSpPr>
+      <p:sp>
+        <p:nvSpPr>
+          <p:cNvPr id="2" name="Title 1"/>
+          <p:cNvSpPr>
+            <a:spLocks noGrp="1"/>
+          </p:cNvSpPr>
+          <p:nvPr>
+            <p:ph type="title"/>
+          </p:nvPr>
+        </p:nvSpPr>
+        <p:spPr/>
+        <p:txBody>
+          <a:bodyPr anchor="t">
+            <a:normAutofit/>
+          </a:bodyPr>
+          <a:lstStyle/>
+          <a:p>
+            <a:r>
+              <a:rPr lang="en-US" sz="3600" dirty="0">
+                <a:latin typeface="Calibri" panose="020F0502020204030204" pitchFamily="34" charset="0"/>
+                <a:cs typeface="Calibri" panose="020F0502020204030204" pitchFamily="34" charset="0"/>
+              </a:rPr>
+              <a:t>Improved Weighted Profile (Cont.)</a:t>
+            </a:r>
+            <a:endParaRPr lang="en-US" dirty="0">
+              <a:latin typeface="Calibri" panose="020F0502020204030204" pitchFamily="34" charset="0"/>
+              <a:cs typeface="Calibri" panose="020F0502020204030204" pitchFamily="34" charset="0"/>
+            </a:endParaRPr>
+          </a:p>
+        </p:txBody>
+      </p:sp>
+      <mc:AlternateContent xmlns:mc="http://schemas.openxmlformats.org/markup-compatibility/2006">
+        <mc:Choice xmlns:a14="http://schemas.microsoft.com/office/drawing/2010/main" Requires="a14">
+          <p:sp>
+            <p:nvSpPr>
+              <p:cNvPr id="9" name="Content Placeholder 8">
+                <a:extLst>
+                  <a:ext uri="{FF2B5EF4-FFF2-40B4-BE49-F238E27FC236}">
+                    <a16:creationId xmlns:a16="http://schemas.microsoft.com/office/drawing/2014/main" id="{BFD27979-805A-4B4B-946D-AB44BEAC7A32}"/>
+                  </a:ext>
+                </a:extLst>
+              </p:cNvPr>
+              <p:cNvSpPr>
+                <a:spLocks noGrp="1"/>
+              </p:cNvSpPr>
+              <p:nvPr>
+                <p:ph idx="1"/>
+              </p:nvPr>
+            </p:nvSpPr>
+            <p:spPr>
+              <a:xfrm>
+                <a:off x="760413" y="1219200"/>
+                <a:ext cx="6553199" cy="5486400"/>
+              </a:xfrm>
+            </p:spPr>
+            <p:txBody>
+              <a:bodyPr>
+                <a:normAutofit fontScale="92500" lnSpcReduction="20000"/>
+              </a:bodyPr>
+              <a:lstStyle/>
+              <a:p>
+                <a:pPr marL="0" indent="0">
+                  <a:buNone/>
+                </a:pPr>
+                <a:endParaRPr lang="en-US" dirty="0">
+                  <a:solidFill>
+                    <a:schemeClr val="tx1"/>
+                  </a:solidFill>
+                  <a:latin typeface="Calibri" panose="020F0502020204030204" pitchFamily="34" charset="0"/>
+                  <a:cs typeface="Calibri" panose="020F0502020204030204" pitchFamily="34" charset="0"/>
+                </a:endParaRPr>
+              </a:p>
+              <a:p>
+                <a:pPr marL="0" indent="0">
+                  <a:buNone/>
+                </a:pPr>
+                <a:r>
+                  <a:rPr lang="en-US" dirty="0">
+                    <a:solidFill>
+                      <a:schemeClr val="tx1"/>
+                    </a:solidFill>
+                    <a:latin typeface="Calibri" panose="020F0502020204030204" pitchFamily="34" charset="0"/>
+                    <a:cs typeface="Calibri" panose="020F0502020204030204" pitchFamily="34" charset="0"/>
+                  </a:rPr>
+                  <a:t>Function DrugDrugJaccardSimilarity(</a:t>
+                </a:r>
+                <a14:m>
+                  <m:oMath xmlns:m="http://schemas.openxmlformats.org/officeDocument/2006/math">
+                    <m:r>
+                      <a:rPr lang="en-US" i="1" smtClean="0">
+                        <a:solidFill>
+                          <a:schemeClr val="tx1"/>
+                        </a:solidFill>
+                        <a:latin typeface="Cambria Math" panose="02040503050406030204" pitchFamily="18" charset="0"/>
+                        <a:cs typeface="Calibri" panose="020F0502020204030204" pitchFamily="34" charset="0"/>
+                      </a:rPr>
+                      <m:t> </m:t>
+                    </m:r>
+                    <m:r>
+                      <a:rPr lang="en-US" b="0" i="1" smtClean="0">
+                        <a:solidFill>
+                          <a:schemeClr val="tx1"/>
+                        </a:solidFill>
+                        <a:latin typeface="Cambria Math" panose="02040503050406030204" pitchFamily="18" charset="0"/>
+                        <a:cs typeface="Calibri" panose="020F0502020204030204" pitchFamily="34" charset="0"/>
+                      </a:rPr>
+                      <m:t>𝑀</m:t>
+                    </m:r>
+                  </m:oMath>
+                </a14:m>
+                <a:r>
+                  <a:rPr lang="en-US" dirty="0">
+                    <a:solidFill>
+                      <a:schemeClr val="tx1"/>
+                    </a:solidFill>
+                    <a:latin typeface="Calibri" panose="020F0502020204030204" pitchFamily="34" charset="0"/>
+                    <a:cs typeface="Calibri" panose="020F0502020204030204" pitchFamily="34" charset="0"/>
+                  </a:rPr>
+                  <a:t>)</a:t>
+                </a:r>
+              </a:p>
+              <a:p>
+                <a:pPr marL="0" indent="0">
+                  <a:buNone/>
+                </a:pPr>
+                <a:r>
+                  <a:rPr lang="en-US" dirty="0">
+                    <a:solidFill>
+                      <a:schemeClr val="tx1"/>
+                    </a:solidFill>
+                    <a:latin typeface="Calibri" panose="020F0502020204030204" pitchFamily="34" charset="0"/>
+                    <a:cs typeface="Calibri" panose="020F0502020204030204" pitchFamily="34" charset="0"/>
+                  </a:rPr>
+                  <a:t>          </a:t>
+                </a:r>
+                <a14:m>
+                  <m:oMath xmlns:m="http://schemas.openxmlformats.org/officeDocument/2006/math">
+                    <m:r>
+                      <a:rPr lang="en-US" i="1">
+                        <a:solidFill>
+                          <a:schemeClr val="tx1"/>
+                        </a:solidFill>
+                        <a:latin typeface="Cambria Math" panose="02040503050406030204" pitchFamily="18" charset="0"/>
+                        <a:cs typeface="Calibri" panose="020F0502020204030204" pitchFamily="34" charset="0"/>
+                      </a:rPr>
+                      <m:t>𝑛</m:t>
+                    </m:r>
+                  </m:oMath>
+                </a14:m>
+                <a:r>
+                  <a:rPr lang="en-US" dirty="0">
+                    <a:solidFill>
+                      <a:schemeClr val="tx1"/>
+                    </a:solidFill>
+                    <a:latin typeface="Calibri" panose="020F0502020204030204" pitchFamily="34" charset="0"/>
+                    <a:cs typeface="Calibri" panose="020F0502020204030204" pitchFamily="34" charset="0"/>
+                  </a:rPr>
+                  <a:t> := Number of drugs</a:t>
+                </a:r>
+              </a:p>
+              <a:p>
+                <a:pPr marL="0" indent="0">
+                  <a:buNone/>
+                </a:pPr>
+                <a:r>
+                  <a:rPr lang="en-US" dirty="0">
+                    <a:solidFill>
+                      <a:schemeClr val="tx1"/>
+                    </a:solidFill>
+                    <a:cs typeface="Calibri" panose="020F0502020204030204" pitchFamily="34" charset="0"/>
+                  </a:rPr>
+                  <a:t>        </a:t>
+                </a:r>
+                <a14:m>
+                  <m:oMath xmlns:m="http://schemas.openxmlformats.org/officeDocument/2006/math">
+                    <m:sSubSup>
+                      <m:sSubSupPr>
+                        <m:ctrlPr>
+                          <a:rPr lang="en-US" i="1">
+                            <a:solidFill>
+                              <a:schemeClr val="tx1"/>
+                            </a:solidFill>
+                            <a:latin typeface="Cambria Math" panose="02040503050406030204" pitchFamily="18" charset="0"/>
+                            <a:cs typeface="Calibri" panose="020F0502020204030204" pitchFamily="34" charset="0"/>
+                          </a:rPr>
+                        </m:ctrlPr>
+                      </m:sSubSupPr>
+                      <m:e>
+                        <m:r>
+                          <a:rPr lang="en-US" i="1">
+                            <a:solidFill>
+                              <a:schemeClr val="tx1"/>
+                            </a:solidFill>
+                            <a:latin typeface="Cambria Math" panose="02040503050406030204" pitchFamily="18" charset="0"/>
+                            <a:cs typeface="Calibri" panose="020F0502020204030204" pitchFamily="34" charset="0"/>
+                          </a:rPr>
+                          <m:t>𝑆</m:t>
+                        </m:r>
+                        <m:r>
+                          <a:rPr lang="en-US" i="1">
+                            <a:solidFill>
+                              <a:schemeClr val="tx1"/>
+                            </a:solidFill>
+                            <a:latin typeface="Cambria Math" panose="02040503050406030204" pitchFamily="18" charset="0"/>
+                            <a:cs typeface="Calibri" panose="020F0502020204030204" pitchFamily="34" charset="0"/>
+                          </a:rPr>
+                          <m:t>𝐷</m:t>
+                        </m:r>
+                      </m:e>
+                      <m:sub/>
+                      <m:sup>
+                        <m:r>
+                          <a:rPr lang="en-US" i="1">
+                            <a:solidFill>
+                              <a:schemeClr val="tx1"/>
+                            </a:solidFill>
+                            <a:latin typeface="Cambria Math" panose="02040503050406030204" pitchFamily="18" charset="0"/>
+                            <a:cs typeface="Calibri" panose="020F0502020204030204" pitchFamily="34" charset="0"/>
+                          </a:rPr>
+                          <m:t>𝐽</m:t>
+                        </m:r>
+                      </m:sup>
+                    </m:sSubSup>
+                    <m:r>
+                      <a:rPr lang="en-US" i="1">
+                        <a:solidFill>
+                          <a:schemeClr val="tx1"/>
+                        </a:solidFill>
+                        <a:latin typeface="Cambria Math" panose="02040503050406030204" pitchFamily="18" charset="0"/>
+                        <a:cs typeface="Calibri" panose="020F0502020204030204" pitchFamily="34" charset="0"/>
+                      </a:rPr>
+                      <m:t> </m:t>
+                    </m:r>
+                  </m:oMath>
+                </a14:m>
+                <a:r>
+                  <a:rPr lang="en-US" dirty="0">
+                    <a:solidFill>
+                      <a:schemeClr val="tx1"/>
+                    </a:solidFill>
+                    <a:latin typeface="Calibri" panose="020F0502020204030204" pitchFamily="34" charset="0"/>
+                    <a:cs typeface="Calibri" panose="020F0502020204030204" pitchFamily="34" charset="0"/>
+                  </a:rPr>
+                  <a:t>is a new </a:t>
+                </a:r>
+                <a14:m>
+                  <m:oMath xmlns:m="http://schemas.openxmlformats.org/officeDocument/2006/math">
+                    <m:r>
+                      <a:rPr lang="en-US" i="1">
+                        <a:solidFill>
+                          <a:schemeClr val="tx1"/>
+                        </a:solidFill>
+                        <a:latin typeface="Cambria Math" panose="02040503050406030204" pitchFamily="18" charset="0"/>
+                        <a:cs typeface="Calibri" panose="020F0502020204030204" pitchFamily="34" charset="0"/>
+                      </a:rPr>
+                      <m:t>𝑛</m:t>
+                    </m:r>
+                  </m:oMath>
+                </a14:m>
+                <a:r>
+                  <a:rPr lang="en-US" dirty="0">
+                    <a:solidFill>
+                      <a:schemeClr val="tx1"/>
+                    </a:solidFill>
+                    <a:latin typeface="Calibri" panose="020F0502020204030204" pitchFamily="34" charset="0"/>
+                    <a:cs typeface="Calibri" panose="020F0502020204030204" pitchFamily="34" charset="0"/>
+                  </a:rPr>
+                  <a:t> by </a:t>
+                </a:r>
+                <a14:m>
+                  <m:oMath xmlns:m="http://schemas.openxmlformats.org/officeDocument/2006/math">
+                    <m:r>
+                      <a:rPr lang="en-US" b="0" i="1" smtClean="0">
+                        <a:solidFill>
+                          <a:schemeClr val="tx1"/>
+                        </a:solidFill>
+                        <a:latin typeface="Cambria Math" panose="02040503050406030204" pitchFamily="18" charset="0"/>
+                        <a:cs typeface="Calibri" panose="020F0502020204030204" pitchFamily="34" charset="0"/>
+                      </a:rPr>
+                      <m:t>𝑛</m:t>
+                    </m:r>
+                  </m:oMath>
+                </a14:m>
+                <a:r>
+                  <a:rPr lang="en-US" dirty="0">
+                    <a:solidFill>
+                      <a:schemeClr val="tx1"/>
+                    </a:solidFill>
+                    <a:latin typeface="Calibri" panose="020F0502020204030204" pitchFamily="34" charset="0"/>
+                    <a:cs typeface="Calibri" panose="020F0502020204030204" pitchFamily="34" charset="0"/>
+                  </a:rPr>
+                  <a:t> matrix</a:t>
+                </a:r>
+              </a:p>
+              <a:p>
+                <a:pPr marL="0" indent="0">
+                  <a:buNone/>
+                </a:pPr>
+                <a:r>
+                  <a:rPr lang="en-US" dirty="0">
+                    <a:solidFill>
+                      <a:schemeClr val="tx1"/>
+                    </a:solidFill>
+                    <a:latin typeface="Calibri" panose="020F0502020204030204" pitchFamily="34" charset="0"/>
+                    <a:cs typeface="Calibri" panose="020F0502020204030204" pitchFamily="34" charset="0"/>
+                  </a:rPr>
+                  <a:t>          for </a:t>
+                </a:r>
+                <a14:m>
+                  <m:oMath xmlns:m="http://schemas.openxmlformats.org/officeDocument/2006/math">
+                    <m:r>
+                      <a:rPr lang="en-US" i="1">
+                        <a:solidFill>
+                          <a:schemeClr val="tx1"/>
+                        </a:solidFill>
+                        <a:latin typeface="Cambria Math" panose="02040503050406030204" pitchFamily="18" charset="0"/>
+                        <a:cs typeface="Calibri" panose="020F0502020204030204" pitchFamily="34" charset="0"/>
+                      </a:rPr>
+                      <m:t>𝑖</m:t>
+                    </m:r>
+                    <m:r>
+                      <a:rPr lang="en-US" i="1">
+                        <a:solidFill>
+                          <a:schemeClr val="tx1"/>
+                        </a:solidFill>
+                        <a:latin typeface="Cambria Math" panose="02040503050406030204" pitchFamily="18" charset="0"/>
+                        <a:cs typeface="Calibri" panose="020F0502020204030204" pitchFamily="34" charset="0"/>
+                      </a:rPr>
+                      <m:t> :=1 </m:t>
+                    </m:r>
+                  </m:oMath>
+                </a14:m>
+                <a:r>
+                  <a:rPr lang="en-US" dirty="0">
+                    <a:solidFill>
+                      <a:schemeClr val="tx1"/>
+                    </a:solidFill>
+                    <a:latin typeface="Calibri" panose="020F0502020204030204" pitchFamily="34" charset="0"/>
+                    <a:cs typeface="Calibri" panose="020F0502020204030204" pitchFamily="34" charset="0"/>
+                  </a:rPr>
+                  <a:t>to </a:t>
+                </a:r>
+                <a14:m>
+                  <m:oMath xmlns:m="http://schemas.openxmlformats.org/officeDocument/2006/math">
+                    <m:r>
+                      <a:rPr lang="en-US" i="1">
+                        <a:solidFill>
+                          <a:schemeClr val="tx1"/>
+                        </a:solidFill>
+                        <a:latin typeface="Cambria Math" panose="02040503050406030204" pitchFamily="18" charset="0"/>
+                        <a:cs typeface="Calibri" panose="020F0502020204030204" pitchFamily="34" charset="0"/>
+                      </a:rPr>
+                      <m:t>𝑛</m:t>
+                    </m:r>
+                  </m:oMath>
+                </a14:m>
+                <a:r>
+                  <a:rPr lang="en-US" dirty="0">
+                    <a:solidFill>
+                      <a:schemeClr val="tx1"/>
+                    </a:solidFill>
+                    <a:latin typeface="Calibri" panose="020F0502020204030204" pitchFamily="34" charset="0"/>
+                    <a:cs typeface="Calibri" panose="020F0502020204030204" pitchFamily="34" charset="0"/>
+                  </a:rPr>
+                  <a:t> do</a:t>
+                </a:r>
+              </a:p>
+              <a:p>
+                <a:pPr marL="0" indent="0">
+                  <a:buNone/>
+                </a:pPr>
+                <a:r>
+                  <a:rPr lang="en-US" dirty="0">
+                    <a:solidFill>
+                      <a:schemeClr val="tx1"/>
+                    </a:solidFill>
+                    <a:latin typeface="Calibri" panose="020F0502020204030204" pitchFamily="34" charset="0"/>
+                    <a:cs typeface="Calibri" panose="020F0502020204030204" pitchFamily="34" charset="0"/>
+                  </a:rPr>
+                  <a:t>              for </a:t>
+                </a:r>
+                <a14:m>
+                  <m:oMath xmlns:m="http://schemas.openxmlformats.org/officeDocument/2006/math">
+                    <m:r>
+                      <a:rPr lang="en-US" b="0" i="1" smtClean="0">
+                        <a:solidFill>
+                          <a:schemeClr val="tx1"/>
+                        </a:solidFill>
+                        <a:latin typeface="Cambria Math" panose="02040503050406030204" pitchFamily="18" charset="0"/>
+                        <a:cs typeface="Calibri" panose="020F0502020204030204" pitchFamily="34" charset="0"/>
+                      </a:rPr>
+                      <m:t>𝑗</m:t>
+                    </m:r>
+                    <m:r>
+                      <a:rPr lang="en-US" i="1" smtClean="0">
+                        <a:solidFill>
+                          <a:schemeClr val="tx1"/>
+                        </a:solidFill>
+                        <a:latin typeface="Cambria Math" panose="02040503050406030204" pitchFamily="18" charset="0"/>
+                        <a:cs typeface="Calibri" panose="020F0502020204030204" pitchFamily="34" charset="0"/>
+                      </a:rPr>
+                      <m:t> </m:t>
+                    </m:r>
+                    <m:r>
+                      <a:rPr lang="en-US" i="1">
+                        <a:solidFill>
+                          <a:schemeClr val="tx1"/>
+                        </a:solidFill>
+                        <a:latin typeface="Cambria Math" panose="02040503050406030204" pitchFamily="18" charset="0"/>
+                        <a:cs typeface="Calibri" panose="020F0502020204030204" pitchFamily="34" charset="0"/>
+                      </a:rPr>
+                      <m:t>:=1 </m:t>
+                    </m:r>
+                  </m:oMath>
+                </a14:m>
+                <a:r>
+                  <a:rPr lang="en-US" dirty="0">
+                    <a:solidFill>
+                      <a:schemeClr val="tx1"/>
+                    </a:solidFill>
+                    <a:latin typeface="Calibri" panose="020F0502020204030204" pitchFamily="34" charset="0"/>
+                    <a:cs typeface="Calibri" panose="020F0502020204030204" pitchFamily="34" charset="0"/>
+                  </a:rPr>
+                  <a:t>to </a:t>
+                </a:r>
+                <a14:m>
+                  <m:oMath xmlns:m="http://schemas.openxmlformats.org/officeDocument/2006/math">
+                    <m:r>
+                      <a:rPr lang="en-US" i="1">
+                        <a:solidFill>
+                          <a:schemeClr val="tx1"/>
+                        </a:solidFill>
+                        <a:latin typeface="Cambria Math" panose="02040503050406030204" pitchFamily="18" charset="0"/>
+                        <a:cs typeface="Calibri" panose="020F0502020204030204" pitchFamily="34" charset="0"/>
+                      </a:rPr>
+                      <m:t>𝑛</m:t>
+                    </m:r>
+                  </m:oMath>
+                </a14:m>
+                <a:r>
+                  <a:rPr lang="en-US" dirty="0">
+                    <a:solidFill>
+                      <a:schemeClr val="tx1"/>
+                    </a:solidFill>
+                    <a:latin typeface="Calibri" panose="020F0502020204030204" pitchFamily="34" charset="0"/>
+                    <a:cs typeface="Calibri" panose="020F0502020204030204" pitchFamily="34" charset="0"/>
+                  </a:rPr>
+                  <a:t> do</a:t>
+                </a:r>
+              </a:p>
+              <a:p>
+                <a:pPr marL="0" indent="0">
+                  <a:buNone/>
+                </a:pPr>
+                <a:r>
+                  <a:rPr lang="en-US" dirty="0">
+                    <a:solidFill>
+                      <a:schemeClr val="tx1"/>
+                    </a:solidFill>
+                    <a:latin typeface="Calibri" panose="020F0502020204030204" pitchFamily="34" charset="0"/>
+                    <a:cs typeface="Calibri" panose="020F0502020204030204" pitchFamily="34" charset="0"/>
+                  </a:rPr>
+                  <a:t>                     if </a:t>
+                </a:r>
+                <a14:m>
+                  <m:oMath xmlns:m="http://schemas.openxmlformats.org/officeDocument/2006/math">
+                    <m:r>
+                      <a:rPr lang="en-US" b="0" i="1" smtClean="0">
+                        <a:solidFill>
+                          <a:schemeClr val="tx1"/>
+                        </a:solidFill>
+                        <a:latin typeface="Cambria Math" panose="02040503050406030204" pitchFamily="18" charset="0"/>
+                        <a:cs typeface="Calibri" panose="020F0502020204030204" pitchFamily="34" charset="0"/>
+                      </a:rPr>
+                      <m:t>𝑖</m:t>
+                    </m:r>
+                    <m:r>
+                      <a:rPr lang="en-US" b="0" i="1" smtClean="0">
+                        <a:solidFill>
+                          <a:schemeClr val="tx1"/>
+                        </a:solidFill>
+                        <a:latin typeface="Cambria Math" panose="02040503050406030204" pitchFamily="18" charset="0"/>
+                        <a:cs typeface="Calibri" panose="020F0502020204030204" pitchFamily="34" charset="0"/>
+                      </a:rPr>
+                      <m:t>==</m:t>
+                    </m:r>
+                    <m:r>
+                      <a:rPr lang="en-US" b="0" i="1" smtClean="0">
+                        <a:solidFill>
+                          <a:schemeClr val="tx1"/>
+                        </a:solidFill>
+                        <a:latin typeface="Cambria Math" panose="02040503050406030204" pitchFamily="18" charset="0"/>
+                        <a:cs typeface="Calibri" panose="020F0502020204030204" pitchFamily="34" charset="0"/>
+                      </a:rPr>
+                      <m:t>𝑗</m:t>
+                    </m:r>
+                  </m:oMath>
+                </a14:m>
+                <a:r>
+                  <a:rPr lang="en-US" dirty="0">
+                    <a:solidFill>
+                      <a:schemeClr val="tx1"/>
+                    </a:solidFill>
+                    <a:latin typeface="Calibri" panose="020F0502020204030204" pitchFamily="34" charset="0"/>
+                    <a:cs typeface="Calibri" panose="020F0502020204030204" pitchFamily="34" charset="0"/>
+                  </a:rPr>
+                  <a:t> then</a:t>
+                </a:r>
+              </a:p>
+              <a:p>
+                <a:pPr marL="0" indent="0">
+                  <a:buNone/>
+                </a:pPr>
+                <a:r>
+                  <a:rPr lang="en-US" dirty="0">
+                    <a:solidFill>
+                      <a:schemeClr val="tx1"/>
+                    </a:solidFill>
+                    <a:latin typeface="Calibri" panose="020F0502020204030204" pitchFamily="34" charset="0"/>
+                    <a:cs typeface="Calibri" panose="020F0502020204030204" pitchFamily="34" charset="0"/>
+                  </a:rPr>
+                  <a:t>                             </a:t>
+                </a:r>
+                <a14:m>
+                  <m:oMath xmlns:m="http://schemas.openxmlformats.org/officeDocument/2006/math">
+                    <m:sSubSup>
+                      <m:sSubSupPr>
+                        <m:ctrlPr>
+                          <a:rPr lang="en-US" i="1">
+                            <a:solidFill>
+                              <a:schemeClr val="tx1"/>
+                            </a:solidFill>
+                            <a:latin typeface="Cambria Math" panose="02040503050406030204" pitchFamily="18" charset="0"/>
+                            <a:cs typeface="Calibri" panose="020F0502020204030204" pitchFamily="34" charset="0"/>
+                          </a:rPr>
+                        </m:ctrlPr>
+                      </m:sSubSupPr>
+                      <m:e>
+                        <m:r>
+                          <a:rPr lang="en-US" i="1">
+                            <a:solidFill>
+                              <a:schemeClr val="tx1"/>
+                            </a:solidFill>
+                            <a:latin typeface="Cambria Math" panose="02040503050406030204" pitchFamily="18" charset="0"/>
+                            <a:cs typeface="Calibri" panose="020F0502020204030204" pitchFamily="34" charset="0"/>
+                          </a:rPr>
+                          <m:t>𝑆</m:t>
+                        </m:r>
+                        <m:r>
+                          <a:rPr lang="en-US" b="0" i="1" smtClean="0">
+                            <a:solidFill>
+                              <a:schemeClr val="tx1"/>
+                            </a:solidFill>
+                            <a:latin typeface="Cambria Math" panose="02040503050406030204" pitchFamily="18" charset="0"/>
+                            <a:cs typeface="Calibri" panose="020F0502020204030204" pitchFamily="34" charset="0"/>
+                          </a:rPr>
+                          <m:t>𝐷</m:t>
+                        </m:r>
+                      </m:e>
+                      <m:sub>
+                        <m:r>
+                          <a:rPr lang="en-US" i="1">
+                            <a:solidFill>
+                              <a:schemeClr val="tx1"/>
+                            </a:solidFill>
+                            <a:latin typeface="Cambria Math" panose="02040503050406030204" pitchFamily="18" charset="0"/>
+                            <a:cs typeface="Calibri" panose="020F0502020204030204" pitchFamily="34" charset="0"/>
+                          </a:rPr>
+                          <m:t>𝑖</m:t>
+                        </m:r>
+                        <m:r>
+                          <a:rPr lang="en-US" i="1">
+                            <a:solidFill>
+                              <a:schemeClr val="tx1"/>
+                            </a:solidFill>
+                            <a:latin typeface="Cambria Math" panose="02040503050406030204" pitchFamily="18" charset="0"/>
+                            <a:cs typeface="Calibri" panose="020F0502020204030204" pitchFamily="34" charset="0"/>
+                          </a:rPr>
+                          <m:t>,</m:t>
+                        </m:r>
+                        <m:r>
+                          <a:rPr lang="en-US" i="1">
+                            <a:solidFill>
+                              <a:schemeClr val="tx1"/>
+                            </a:solidFill>
+                            <a:latin typeface="Cambria Math" panose="02040503050406030204" pitchFamily="18" charset="0"/>
+                            <a:cs typeface="Calibri" panose="020F0502020204030204" pitchFamily="34" charset="0"/>
+                          </a:rPr>
+                          <m:t>𝑗</m:t>
+                        </m:r>
+                      </m:sub>
+                      <m:sup>
+                        <m:r>
+                          <a:rPr lang="en-US" i="1">
+                            <a:solidFill>
+                              <a:schemeClr val="tx1"/>
+                            </a:solidFill>
+                            <a:latin typeface="Cambria Math" panose="02040503050406030204" pitchFamily="18" charset="0"/>
+                            <a:cs typeface="Calibri" panose="020F0502020204030204" pitchFamily="34" charset="0"/>
+                          </a:rPr>
+                          <m:t>𝐽</m:t>
+                        </m:r>
+                      </m:sup>
+                    </m:sSubSup>
+                    <m:r>
+                      <a:rPr lang="en-US" b="0" i="1" smtClean="0">
+                        <a:solidFill>
+                          <a:schemeClr val="tx1"/>
+                        </a:solidFill>
+                        <a:latin typeface="Cambria Math" panose="02040503050406030204" pitchFamily="18" charset="0"/>
+                        <a:cs typeface="Calibri" panose="020F0502020204030204" pitchFamily="34" charset="0"/>
+                      </a:rPr>
+                      <m:t> ≔1</m:t>
+                    </m:r>
+                  </m:oMath>
+                </a14:m>
+                <a:endParaRPr lang="en-US" dirty="0">
+                  <a:solidFill>
+                    <a:schemeClr val="tx1"/>
+                  </a:solidFill>
+                  <a:latin typeface="Calibri" panose="020F0502020204030204" pitchFamily="34" charset="0"/>
+                  <a:cs typeface="Calibri" panose="020F0502020204030204" pitchFamily="34" charset="0"/>
+                </a:endParaRPr>
+              </a:p>
+              <a:p>
+                <a:pPr marL="0" indent="0">
+                  <a:buNone/>
+                </a:pPr>
+                <a:r>
+                  <a:rPr lang="en-US" dirty="0">
+                    <a:solidFill>
+                      <a:schemeClr val="tx1"/>
+                    </a:solidFill>
+                    <a:latin typeface="Calibri" panose="020F0502020204030204" pitchFamily="34" charset="0"/>
+                    <a:cs typeface="Calibri" panose="020F0502020204030204" pitchFamily="34" charset="0"/>
+                  </a:rPr>
+                  <a:t>                      else</a:t>
+                </a:r>
+              </a:p>
+              <a:p>
+                <a:pPr marL="0" indent="0">
+                  <a:buNone/>
+                </a:pPr>
+                <a:r>
+                  <a:rPr lang="en-US" dirty="0">
+                    <a:solidFill>
+                      <a:schemeClr val="tx1"/>
+                    </a:solidFill>
+                    <a:latin typeface="Calibri" panose="020F0502020204030204" pitchFamily="34" charset="0"/>
+                    <a:cs typeface="Calibri" panose="020F0502020204030204" pitchFamily="34" charset="0"/>
+                  </a:rPr>
+                  <a:t>                             </a:t>
+                </a:r>
+                <a14:m>
+                  <m:oMath xmlns:m="http://schemas.openxmlformats.org/officeDocument/2006/math">
+                    <m:sSubSup>
+                      <m:sSubSupPr>
+                        <m:ctrlPr>
+                          <a:rPr lang="en-US" i="1">
+                            <a:solidFill>
+                              <a:schemeClr val="tx1"/>
+                            </a:solidFill>
+                            <a:latin typeface="Cambria Math" panose="02040503050406030204" pitchFamily="18" charset="0"/>
+                            <a:cs typeface="Calibri" panose="020F0502020204030204" pitchFamily="34" charset="0"/>
+                          </a:rPr>
+                        </m:ctrlPr>
+                      </m:sSubSupPr>
+                      <m:e>
+                        <m:r>
+                          <a:rPr lang="en-US" b="0" i="1" smtClean="0">
+                            <a:solidFill>
+                              <a:schemeClr val="tx1"/>
+                            </a:solidFill>
+                            <a:latin typeface="Cambria Math" panose="02040503050406030204" pitchFamily="18" charset="0"/>
+                            <a:cs typeface="Calibri" panose="020F0502020204030204" pitchFamily="34" charset="0"/>
+                          </a:rPr>
+                          <m:t>𝑆𝑖𝑚</m:t>
+                        </m:r>
+                      </m:e>
+                      <m:sub/>
+                      <m:sup/>
+                    </m:sSubSup>
+                    <m:r>
+                      <a:rPr lang="en-US" b="0" i="1" smtClean="0">
+                        <a:solidFill>
+                          <a:schemeClr val="tx1"/>
+                        </a:solidFill>
+                        <a:latin typeface="Cambria Math" panose="02040503050406030204" pitchFamily="18" charset="0"/>
+                        <a:cs typeface="Calibri" panose="020F0502020204030204" pitchFamily="34" charset="0"/>
+                      </a:rPr>
+                      <m:t>:</m:t>
+                    </m:r>
+                    <m:r>
+                      <a:rPr lang="en-US" i="1">
+                        <a:solidFill>
+                          <a:schemeClr val="tx1"/>
+                        </a:solidFill>
+                        <a:latin typeface="Cambria Math" panose="02040503050406030204" pitchFamily="18" charset="0"/>
+                        <a:cs typeface="Calibri" panose="020F0502020204030204" pitchFamily="34" charset="0"/>
+                      </a:rPr>
+                      <m:t>= </m:t>
+                    </m:r>
+                    <m:f>
+                      <m:fPr>
+                        <m:ctrlPr>
+                          <a:rPr lang="en-US" i="1">
+                            <a:solidFill>
+                              <a:schemeClr val="tx1"/>
+                            </a:solidFill>
+                            <a:latin typeface="Cambria Math" panose="02040503050406030204" pitchFamily="18" charset="0"/>
+                            <a:cs typeface="Calibri" panose="020F0502020204030204" pitchFamily="34" charset="0"/>
+                          </a:rPr>
+                        </m:ctrlPr>
+                      </m:fPr>
+                      <m:num>
+                        <m:r>
+                          <a:rPr lang="en-US" i="1">
+                            <a:solidFill>
+                              <a:schemeClr val="tx1"/>
+                            </a:solidFill>
+                            <a:latin typeface="Cambria Math" panose="02040503050406030204" pitchFamily="18" charset="0"/>
+                            <a:cs typeface="Calibri" panose="020F0502020204030204" pitchFamily="34" charset="0"/>
+                          </a:rPr>
+                          <m:t>(</m:t>
+                        </m:r>
+                        <m:sSub>
+                          <m:sSubPr>
+                            <m:ctrlPr>
+                              <a:rPr lang="en-US" i="1">
+                                <a:solidFill>
+                                  <a:schemeClr val="tx1"/>
+                                </a:solidFill>
+                                <a:latin typeface="Cambria Math" panose="02040503050406030204" pitchFamily="18" charset="0"/>
+                                <a:cs typeface="Calibri" panose="020F0502020204030204" pitchFamily="34" charset="0"/>
+                              </a:rPr>
+                            </m:ctrlPr>
+                          </m:sSubPr>
+                          <m:e>
+                            <m:r>
+                              <a:rPr lang="en-US" i="1">
+                                <a:solidFill>
+                                  <a:schemeClr val="tx1"/>
+                                </a:solidFill>
+                                <a:latin typeface="Cambria Math" panose="02040503050406030204" pitchFamily="18" charset="0"/>
+                                <a:cs typeface="Calibri" panose="020F0502020204030204" pitchFamily="34" charset="0"/>
+                              </a:rPr>
+                              <m:t>𝑑</m:t>
+                            </m:r>
+                          </m:e>
+                          <m:sub>
+                            <m:r>
+                              <a:rPr lang="en-US" i="1">
+                                <a:solidFill>
+                                  <a:schemeClr val="tx1"/>
+                                </a:solidFill>
+                                <a:latin typeface="Cambria Math" panose="02040503050406030204" pitchFamily="18" charset="0"/>
+                                <a:cs typeface="Calibri" panose="020F0502020204030204" pitchFamily="34" charset="0"/>
+                              </a:rPr>
+                              <m:t>𝑖</m:t>
+                            </m:r>
+                          </m:sub>
+                        </m:sSub>
+                        <m:r>
+                          <a:rPr lang="en-US" i="1">
+                            <a:solidFill>
+                              <a:schemeClr val="tx1"/>
+                            </a:solidFill>
+                            <a:latin typeface="Cambria Math" panose="02040503050406030204" pitchFamily="18" charset="0"/>
+                            <a:ea typeface="Cambria Math" panose="02040503050406030204" pitchFamily="18" charset="0"/>
+                            <a:cs typeface="Calibri" panose="020F0502020204030204" pitchFamily="34" charset="0"/>
+                          </a:rPr>
+                          <m:t>∩ </m:t>
+                        </m:r>
+                        <m:sSub>
+                          <m:sSubPr>
+                            <m:ctrlPr>
+                              <a:rPr lang="en-US" i="1">
+                                <a:solidFill>
+                                  <a:schemeClr val="tx1"/>
+                                </a:solidFill>
+                                <a:latin typeface="Cambria Math" panose="02040503050406030204" pitchFamily="18" charset="0"/>
+                                <a:ea typeface="Cambria Math" panose="02040503050406030204" pitchFamily="18" charset="0"/>
+                                <a:cs typeface="Calibri" panose="020F0502020204030204" pitchFamily="34" charset="0"/>
+                              </a:rPr>
+                            </m:ctrlPr>
+                          </m:sSubPr>
+                          <m:e>
+                            <m:r>
+                              <a:rPr lang="en-US" i="1">
+                                <a:solidFill>
+                                  <a:schemeClr val="tx1"/>
+                                </a:solidFill>
+                                <a:latin typeface="Cambria Math" panose="02040503050406030204" pitchFamily="18" charset="0"/>
+                                <a:ea typeface="Cambria Math" panose="02040503050406030204" pitchFamily="18" charset="0"/>
+                                <a:cs typeface="Calibri" panose="020F0502020204030204" pitchFamily="34" charset="0"/>
+                              </a:rPr>
+                              <m:t>𝑑</m:t>
+                            </m:r>
+                          </m:e>
+                          <m:sub>
+                            <m:r>
+                              <a:rPr lang="en-US" i="1">
+                                <a:solidFill>
+                                  <a:schemeClr val="tx1"/>
+                                </a:solidFill>
+                                <a:latin typeface="Cambria Math" panose="02040503050406030204" pitchFamily="18" charset="0"/>
+                                <a:ea typeface="Cambria Math" panose="02040503050406030204" pitchFamily="18" charset="0"/>
+                                <a:cs typeface="Calibri" panose="020F0502020204030204" pitchFamily="34" charset="0"/>
+                              </a:rPr>
+                              <m:t>𝑗</m:t>
+                            </m:r>
+                          </m:sub>
+                        </m:sSub>
+                        <m:r>
+                          <a:rPr lang="en-US" i="1">
+                            <a:solidFill>
+                              <a:schemeClr val="tx1"/>
+                            </a:solidFill>
+                            <a:latin typeface="Cambria Math" panose="02040503050406030204" pitchFamily="18" charset="0"/>
+                            <a:cs typeface="Calibri" panose="020F0502020204030204" pitchFamily="34" charset="0"/>
+                          </a:rPr>
+                          <m:t>)</m:t>
+                        </m:r>
+                      </m:num>
+                      <m:den>
+                        <m:r>
+                          <a:rPr lang="en-US" i="1">
+                            <a:solidFill>
+                              <a:schemeClr val="tx1"/>
+                            </a:solidFill>
+                            <a:latin typeface="Cambria Math" panose="02040503050406030204" pitchFamily="18" charset="0"/>
+                            <a:cs typeface="Calibri" panose="020F0502020204030204" pitchFamily="34" charset="0"/>
+                          </a:rPr>
+                          <m:t>(</m:t>
+                        </m:r>
+                        <m:sSub>
+                          <m:sSubPr>
+                            <m:ctrlPr>
+                              <a:rPr lang="en-US" i="1">
+                                <a:solidFill>
+                                  <a:schemeClr val="tx1"/>
+                                </a:solidFill>
+                                <a:latin typeface="Cambria Math" panose="02040503050406030204" pitchFamily="18" charset="0"/>
+                                <a:cs typeface="Calibri" panose="020F0502020204030204" pitchFamily="34" charset="0"/>
+                              </a:rPr>
+                            </m:ctrlPr>
+                          </m:sSubPr>
+                          <m:e>
+                            <m:r>
+                              <a:rPr lang="en-US" i="1">
+                                <a:solidFill>
+                                  <a:schemeClr val="tx1"/>
+                                </a:solidFill>
+                                <a:latin typeface="Cambria Math" panose="02040503050406030204" pitchFamily="18" charset="0"/>
+                                <a:cs typeface="Calibri" panose="020F0502020204030204" pitchFamily="34" charset="0"/>
+                              </a:rPr>
+                              <m:t>𝑑</m:t>
+                            </m:r>
+                          </m:e>
+                          <m:sub>
+                            <m:r>
+                              <a:rPr lang="en-US" i="1">
+                                <a:solidFill>
+                                  <a:schemeClr val="tx1"/>
+                                </a:solidFill>
+                                <a:latin typeface="Cambria Math" panose="02040503050406030204" pitchFamily="18" charset="0"/>
+                                <a:cs typeface="Calibri" panose="020F0502020204030204" pitchFamily="34" charset="0"/>
+                              </a:rPr>
+                              <m:t>𝑖</m:t>
+                            </m:r>
+                          </m:sub>
+                        </m:sSub>
+                        <m:r>
+                          <a:rPr lang="en-US" i="1">
+                            <a:solidFill>
+                              <a:schemeClr val="tx1"/>
+                            </a:solidFill>
+                            <a:latin typeface="Cambria Math" panose="02040503050406030204" pitchFamily="18" charset="0"/>
+                            <a:ea typeface="Cambria Math" panose="02040503050406030204" pitchFamily="18" charset="0"/>
+                            <a:cs typeface="Calibri" panose="020F0502020204030204" pitchFamily="34" charset="0"/>
+                          </a:rPr>
+                          <m:t>∪</m:t>
+                        </m:r>
+                        <m:r>
+                          <a:rPr lang="en-US" i="1">
+                            <a:solidFill>
+                              <a:schemeClr val="tx1"/>
+                            </a:solidFill>
+                            <a:latin typeface="Cambria Math" panose="02040503050406030204" pitchFamily="18" charset="0"/>
+                            <a:ea typeface="Cambria Math" panose="02040503050406030204" pitchFamily="18" charset="0"/>
+                            <a:cs typeface="Calibri" panose="020F0502020204030204" pitchFamily="34" charset="0"/>
+                          </a:rPr>
+                          <m:t> </m:t>
+                        </m:r>
+                        <m:sSub>
+                          <m:sSubPr>
+                            <m:ctrlPr>
+                              <a:rPr lang="en-US" i="1">
+                                <a:solidFill>
+                                  <a:schemeClr val="tx1"/>
+                                </a:solidFill>
+                                <a:latin typeface="Cambria Math" panose="02040503050406030204" pitchFamily="18" charset="0"/>
+                                <a:ea typeface="Cambria Math" panose="02040503050406030204" pitchFamily="18" charset="0"/>
+                                <a:cs typeface="Calibri" panose="020F0502020204030204" pitchFamily="34" charset="0"/>
+                              </a:rPr>
+                            </m:ctrlPr>
+                          </m:sSubPr>
+                          <m:e>
+                            <m:r>
+                              <a:rPr lang="en-US" i="1">
+                                <a:solidFill>
+                                  <a:schemeClr val="tx1"/>
+                                </a:solidFill>
+                                <a:latin typeface="Cambria Math" panose="02040503050406030204" pitchFamily="18" charset="0"/>
+                                <a:ea typeface="Cambria Math" panose="02040503050406030204" pitchFamily="18" charset="0"/>
+                                <a:cs typeface="Calibri" panose="020F0502020204030204" pitchFamily="34" charset="0"/>
+                              </a:rPr>
+                              <m:t>𝑑</m:t>
+                            </m:r>
+                          </m:e>
+                          <m:sub>
+                            <m:r>
+                              <a:rPr lang="en-US" i="1">
+                                <a:solidFill>
+                                  <a:schemeClr val="tx1"/>
+                                </a:solidFill>
+                                <a:latin typeface="Cambria Math" panose="02040503050406030204" pitchFamily="18" charset="0"/>
+                                <a:ea typeface="Cambria Math" panose="02040503050406030204" pitchFamily="18" charset="0"/>
+                                <a:cs typeface="Calibri" panose="020F0502020204030204" pitchFamily="34" charset="0"/>
+                              </a:rPr>
+                              <m:t>𝑗</m:t>
+                            </m:r>
+                          </m:sub>
+                        </m:sSub>
+                        <m:r>
+                          <a:rPr lang="en-US" i="1">
+                            <a:solidFill>
+                              <a:schemeClr val="tx1"/>
+                            </a:solidFill>
+                            <a:latin typeface="Cambria Math" panose="02040503050406030204" pitchFamily="18" charset="0"/>
+                            <a:cs typeface="Calibri" panose="020F0502020204030204" pitchFamily="34" charset="0"/>
+                          </a:rPr>
+                          <m:t>)</m:t>
+                        </m:r>
+                      </m:den>
+                    </m:f>
+                    <m:r>
+                      <a:rPr lang="en-US" i="1">
+                        <a:solidFill>
+                          <a:schemeClr val="tx1"/>
+                        </a:solidFill>
+                        <a:latin typeface="Cambria Math" panose="02040503050406030204" pitchFamily="18" charset="0"/>
+                        <a:cs typeface="Calibri" panose="020F0502020204030204" pitchFamily="34" charset="0"/>
+                      </a:rPr>
+                      <m:t> </m:t>
+                    </m:r>
+                  </m:oMath>
+                </a14:m>
+                <a:endParaRPr lang="en-US" dirty="0">
+                  <a:solidFill>
+                    <a:schemeClr val="tx1"/>
+                  </a:solidFill>
+                  <a:latin typeface="Calibri" panose="020F0502020204030204" pitchFamily="34" charset="0"/>
+                  <a:cs typeface="Calibri" panose="020F0502020204030204" pitchFamily="34" charset="0"/>
+                </a:endParaRPr>
+              </a:p>
+              <a:p>
+                <a:pPr marL="0" indent="0">
+                  <a:buNone/>
+                </a:pPr>
+                <a:r>
+                  <a:rPr lang="en-US" dirty="0">
+                    <a:solidFill>
+                      <a:schemeClr val="tx1"/>
+                    </a:solidFill>
+                    <a:latin typeface="Calibri" panose="020F0502020204030204" pitchFamily="34" charset="0"/>
+                    <a:cs typeface="Calibri" panose="020F0502020204030204" pitchFamily="34" charset="0"/>
+                  </a:rPr>
+                  <a:t>                             </a:t>
+                </a:r>
+                <a14:m>
+                  <m:oMath xmlns:m="http://schemas.openxmlformats.org/officeDocument/2006/math">
+                    <m:sSubSup>
+                      <m:sSubSupPr>
+                        <m:ctrlPr>
+                          <a:rPr lang="en-US" i="1">
+                            <a:solidFill>
+                              <a:schemeClr val="tx1"/>
+                            </a:solidFill>
+                            <a:latin typeface="Cambria Math" panose="02040503050406030204" pitchFamily="18" charset="0"/>
+                            <a:cs typeface="Calibri" panose="020F0502020204030204" pitchFamily="34" charset="0"/>
+                          </a:rPr>
+                        </m:ctrlPr>
+                      </m:sSubSupPr>
+                      <m:e>
+                        <m:r>
+                          <a:rPr lang="en-US" i="1">
+                            <a:solidFill>
+                              <a:schemeClr val="tx1"/>
+                            </a:solidFill>
+                            <a:latin typeface="Cambria Math" panose="02040503050406030204" pitchFamily="18" charset="0"/>
+                            <a:cs typeface="Calibri" panose="020F0502020204030204" pitchFamily="34" charset="0"/>
+                          </a:rPr>
+                          <m:t>𝑆𝐷</m:t>
+                        </m:r>
+                      </m:e>
+                      <m:sub>
+                        <m:r>
+                          <a:rPr lang="en-US" i="1">
+                            <a:solidFill>
+                              <a:schemeClr val="tx1"/>
+                            </a:solidFill>
+                            <a:latin typeface="Cambria Math" panose="02040503050406030204" pitchFamily="18" charset="0"/>
+                            <a:cs typeface="Calibri" panose="020F0502020204030204" pitchFamily="34" charset="0"/>
+                          </a:rPr>
+                          <m:t>𝑖</m:t>
+                        </m:r>
+                        <m:r>
+                          <a:rPr lang="en-US" i="1">
+                            <a:solidFill>
+                              <a:schemeClr val="tx1"/>
+                            </a:solidFill>
+                            <a:latin typeface="Cambria Math" panose="02040503050406030204" pitchFamily="18" charset="0"/>
+                            <a:cs typeface="Calibri" panose="020F0502020204030204" pitchFamily="34" charset="0"/>
+                          </a:rPr>
+                          <m:t>,</m:t>
+                        </m:r>
+                        <m:r>
+                          <a:rPr lang="en-US" i="1">
+                            <a:solidFill>
+                              <a:schemeClr val="tx1"/>
+                            </a:solidFill>
+                            <a:latin typeface="Cambria Math" panose="02040503050406030204" pitchFamily="18" charset="0"/>
+                            <a:cs typeface="Calibri" panose="020F0502020204030204" pitchFamily="34" charset="0"/>
+                          </a:rPr>
+                          <m:t>𝑗</m:t>
+                        </m:r>
+                      </m:sub>
+                      <m:sup>
+                        <m:r>
+                          <a:rPr lang="en-US" i="1">
+                            <a:solidFill>
+                              <a:schemeClr val="tx1"/>
+                            </a:solidFill>
+                            <a:latin typeface="Cambria Math" panose="02040503050406030204" pitchFamily="18" charset="0"/>
+                            <a:cs typeface="Calibri" panose="020F0502020204030204" pitchFamily="34" charset="0"/>
+                          </a:rPr>
+                          <m:t>𝐽</m:t>
+                        </m:r>
+                      </m:sup>
+                    </m:sSubSup>
+                    <m:r>
+                      <a:rPr lang="en-US" b="0" i="1" smtClean="0">
+                        <a:solidFill>
+                          <a:schemeClr val="tx1"/>
+                        </a:solidFill>
+                        <a:latin typeface="Cambria Math" panose="02040503050406030204" pitchFamily="18" charset="0"/>
+                        <a:cs typeface="Calibri" panose="020F0502020204030204" pitchFamily="34" charset="0"/>
+                      </a:rPr>
+                      <m:t>≔</m:t>
+                    </m:r>
+                    <m:r>
+                      <a:rPr lang="en-US" b="0" i="1" smtClean="0">
+                        <a:solidFill>
+                          <a:schemeClr val="tx1"/>
+                        </a:solidFill>
+                        <a:latin typeface="Cambria Math" panose="02040503050406030204" pitchFamily="18" charset="0"/>
+                        <a:cs typeface="Calibri" panose="020F0502020204030204" pitchFamily="34" charset="0"/>
+                      </a:rPr>
+                      <m:t>𝑆𝑖𝑚</m:t>
+                    </m:r>
+                  </m:oMath>
+                </a14:m>
+                <a:endParaRPr lang="en-US" b="0" i="1" dirty="0">
+                  <a:solidFill>
+                    <a:schemeClr val="tx1"/>
+                  </a:solidFill>
+                  <a:latin typeface="Cambria Math" panose="02040503050406030204" pitchFamily="18" charset="0"/>
+                  <a:cs typeface="Calibri" panose="020F0502020204030204" pitchFamily="34" charset="0"/>
+                </a:endParaRPr>
+              </a:p>
+              <a:p>
+                <a:pPr marL="0" indent="0">
+                  <a:buNone/>
+                </a:pPr>
+                <a:r>
+                  <a:rPr lang="en-US" dirty="0">
+                    <a:solidFill>
+                      <a:schemeClr val="tx1"/>
+                    </a:solidFill>
+                    <a:cs typeface="Calibri" panose="020F0502020204030204" pitchFamily="34" charset="0"/>
+                  </a:rPr>
+                  <a:t>                      </a:t>
+                </a:r>
+                <a14:m>
+                  <m:oMath xmlns:m="http://schemas.openxmlformats.org/officeDocument/2006/math">
+                    <m:sSubSup>
+                      <m:sSubSupPr>
+                        <m:ctrlPr>
+                          <a:rPr lang="en-US" i="1">
+                            <a:solidFill>
+                              <a:schemeClr val="tx1"/>
+                            </a:solidFill>
+                            <a:latin typeface="Cambria Math" panose="02040503050406030204" pitchFamily="18" charset="0"/>
+                            <a:cs typeface="Calibri" panose="020F0502020204030204" pitchFamily="34" charset="0"/>
+                          </a:rPr>
+                        </m:ctrlPr>
+                      </m:sSubSupPr>
+                      <m:e>
+                        <m:r>
+                          <a:rPr lang="en-US" i="1">
+                            <a:solidFill>
+                              <a:schemeClr val="tx1"/>
+                            </a:solidFill>
+                            <a:latin typeface="Cambria Math" panose="02040503050406030204" pitchFamily="18" charset="0"/>
+                            <a:cs typeface="Calibri" panose="020F0502020204030204" pitchFamily="34" charset="0"/>
+                          </a:rPr>
+                          <m:t>𝑆𝐷</m:t>
+                        </m:r>
+                      </m:e>
+                      <m:sub>
+                        <m:r>
+                          <a:rPr lang="en-US" b="0" i="1" smtClean="0">
+                            <a:solidFill>
+                              <a:schemeClr val="tx1"/>
+                            </a:solidFill>
+                            <a:latin typeface="Cambria Math" panose="02040503050406030204" pitchFamily="18" charset="0"/>
+                            <a:cs typeface="Calibri" panose="020F0502020204030204" pitchFamily="34" charset="0"/>
+                          </a:rPr>
+                          <m:t>𝑗</m:t>
+                        </m:r>
+                        <m:r>
+                          <a:rPr lang="en-US" i="1">
+                            <a:solidFill>
+                              <a:schemeClr val="tx1"/>
+                            </a:solidFill>
+                            <a:latin typeface="Cambria Math" panose="02040503050406030204" pitchFamily="18" charset="0"/>
+                            <a:cs typeface="Calibri" panose="020F0502020204030204" pitchFamily="34" charset="0"/>
+                          </a:rPr>
+                          <m:t>,</m:t>
+                        </m:r>
+                        <m:r>
+                          <a:rPr lang="en-US" b="0" i="1" smtClean="0">
+                            <a:solidFill>
+                              <a:schemeClr val="tx1"/>
+                            </a:solidFill>
+                            <a:latin typeface="Cambria Math" panose="02040503050406030204" pitchFamily="18" charset="0"/>
+                            <a:cs typeface="Calibri" panose="020F0502020204030204" pitchFamily="34" charset="0"/>
+                          </a:rPr>
+                          <m:t>𝑖</m:t>
+                        </m:r>
+                      </m:sub>
+                      <m:sup>
+                        <m:r>
+                          <a:rPr lang="en-US" i="1">
+                            <a:solidFill>
+                              <a:schemeClr val="tx1"/>
+                            </a:solidFill>
+                            <a:latin typeface="Cambria Math" panose="02040503050406030204" pitchFamily="18" charset="0"/>
+                            <a:cs typeface="Calibri" panose="020F0502020204030204" pitchFamily="34" charset="0"/>
+                          </a:rPr>
+                          <m:t>𝐽</m:t>
+                        </m:r>
+                        <m:r>
+                          <a:rPr lang="en-US" b="0" i="1" smtClean="0">
+                            <a:solidFill>
+                              <a:schemeClr val="tx1"/>
+                            </a:solidFill>
+                            <a:latin typeface="Cambria Math" panose="02040503050406030204" pitchFamily="18" charset="0"/>
+                            <a:cs typeface="Calibri" panose="020F0502020204030204" pitchFamily="34" charset="0"/>
+                          </a:rPr>
+                          <m:t> </m:t>
+                        </m:r>
+                      </m:sup>
+                    </m:sSubSup>
+                    <m:r>
+                      <a:rPr lang="en-US" b="0" i="1" smtClean="0">
+                        <a:solidFill>
+                          <a:schemeClr val="tx1"/>
+                        </a:solidFill>
+                        <a:latin typeface="Cambria Math" panose="02040503050406030204" pitchFamily="18" charset="0"/>
+                        <a:cs typeface="Calibri" panose="020F0502020204030204" pitchFamily="34" charset="0"/>
+                      </a:rPr>
+                      <m:t> :</m:t>
+                    </m:r>
+                    <m:r>
+                      <a:rPr lang="en-US" i="1">
+                        <a:solidFill>
+                          <a:schemeClr val="tx1"/>
+                        </a:solidFill>
+                        <a:latin typeface="Cambria Math" panose="02040503050406030204" pitchFamily="18" charset="0"/>
+                        <a:cs typeface="Calibri" panose="020F0502020204030204" pitchFamily="34" charset="0"/>
+                      </a:rPr>
+                      <m:t>=</m:t>
+                    </m:r>
+                    <m:r>
+                      <a:rPr lang="en-US" b="0" i="1" smtClean="0">
+                        <a:solidFill>
+                          <a:schemeClr val="tx1"/>
+                        </a:solidFill>
+                        <a:latin typeface="Cambria Math" panose="02040503050406030204" pitchFamily="18" charset="0"/>
+                        <a:cs typeface="Calibri" panose="020F0502020204030204" pitchFamily="34" charset="0"/>
+                      </a:rPr>
+                      <m:t>𝑆𝑖𝑚</m:t>
+                    </m:r>
+                  </m:oMath>
+                </a14:m>
+                <a:endParaRPr lang="en-US" dirty="0">
+                  <a:solidFill>
+                    <a:schemeClr val="tx1"/>
+                  </a:solidFill>
+                  <a:latin typeface="Calibri" panose="020F0502020204030204" pitchFamily="34" charset="0"/>
+                  <a:cs typeface="Calibri" panose="020F0502020204030204" pitchFamily="34" charset="0"/>
+                </a:endParaRPr>
+              </a:p>
+              <a:p>
+                <a:pPr marL="0" indent="0">
+                  <a:buNone/>
+                </a:pPr>
+                <a:endParaRPr lang="en-US" dirty="0">
+                  <a:solidFill>
+                    <a:schemeClr val="tx1"/>
+                  </a:solidFill>
+                  <a:latin typeface="Calibri" panose="020F0502020204030204" pitchFamily="34" charset="0"/>
+                  <a:cs typeface="Calibri" panose="020F0502020204030204" pitchFamily="34" charset="0"/>
+                </a:endParaRPr>
+              </a:p>
+              <a:p>
+                <a:pPr marL="0" indent="0">
+                  <a:buNone/>
+                </a:pPr>
+                <a:r>
+                  <a:rPr lang="en-US" dirty="0">
+                    <a:solidFill>
+                      <a:schemeClr val="tx1"/>
+                    </a:solidFill>
+                    <a:cs typeface="Calibri" panose="020F0502020204030204" pitchFamily="34" charset="0"/>
+                  </a:rPr>
+                  <a:t>          return  </a:t>
+                </a:r>
+                <a14:m>
+                  <m:oMath xmlns:m="http://schemas.openxmlformats.org/officeDocument/2006/math">
+                    <m:sSubSup>
+                      <m:sSubSupPr>
+                        <m:ctrlPr>
+                          <a:rPr lang="en-US" i="1">
+                            <a:solidFill>
+                              <a:schemeClr val="tx1"/>
+                            </a:solidFill>
+                            <a:latin typeface="Cambria Math" panose="02040503050406030204" pitchFamily="18" charset="0"/>
+                            <a:cs typeface="Calibri" panose="020F0502020204030204" pitchFamily="34" charset="0"/>
+                          </a:rPr>
+                        </m:ctrlPr>
+                      </m:sSubSupPr>
+                      <m:e>
+                        <m:r>
+                          <a:rPr lang="en-US" i="1">
+                            <a:solidFill>
+                              <a:schemeClr val="tx1"/>
+                            </a:solidFill>
+                            <a:latin typeface="Cambria Math" panose="02040503050406030204" pitchFamily="18" charset="0"/>
+                            <a:cs typeface="Calibri" panose="020F0502020204030204" pitchFamily="34" charset="0"/>
+                          </a:rPr>
+                          <m:t>𝑆𝐷</m:t>
+                        </m:r>
+                      </m:e>
+                      <m:sub/>
+                      <m:sup>
+                        <m:r>
+                          <a:rPr lang="en-US" i="1">
+                            <a:solidFill>
+                              <a:schemeClr val="tx1"/>
+                            </a:solidFill>
+                            <a:latin typeface="Cambria Math" panose="02040503050406030204" pitchFamily="18" charset="0"/>
+                            <a:cs typeface="Calibri" panose="020F0502020204030204" pitchFamily="34" charset="0"/>
+                          </a:rPr>
+                          <m:t>𝐽</m:t>
+                        </m:r>
+                      </m:sup>
+                    </m:sSubSup>
+                  </m:oMath>
+                </a14:m>
+                <a:endParaRPr lang="en-US" dirty="0">
+                  <a:solidFill>
+                    <a:schemeClr val="tx1"/>
+                  </a:solidFill>
+                  <a:latin typeface="Calibri" panose="020F0502020204030204" pitchFamily="34" charset="0"/>
+                  <a:cs typeface="Calibri" panose="020F0502020204030204" pitchFamily="34" charset="0"/>
+                </a:endParaRPr>
+              </a:p>
+              <a:p>
+                <a:pPr marL="0" indent="0">
+                  <a:buNone/>
+                </a:pPr>
+                <a:r>
+                  <a:rPr lang="en-US" dirty="0">
+                    <a:solidFill>
+                      <a:schemeClr val="tx1"/>
+                    </a:solidFill>
+                    <a:latin typeface="Calibri" panose="020F0502020204030204" pitchFamily="34" charset="0"/>
+                    <a:cs typeface="Calibri" panose="020F0502020204030204" pitchFamily="34" charset="0"/>
+                  </a:rPr>
+                  <a:t>End </a:t>
+                </a:r>
+                <a:r>
+                  <a:rPr lang="en-US" dirty="0" err="1">
+                    <a:solidFill>
+                      <a:schemeClr val="tx1"/>
+                    </a:solidFill>
+                    <a:latin typeface="Calibri" panose="020F0502020204030204" pitchFamily="34" charset="0"/>
+                    <a:cs typeface="Calibri" panose="020F0502020204030204" pitchFamily="34" charset="0"/>
+                  </a:rPr>
+                  <a:t>DrugDrugJaccardSimilarity</a:t>
+                </a:r>
+                <a:endParaRPr lang="en-US" dirty="0">
+                  <a:solidFill>
+                    <a:schemeClr val="tx1"/>
+                  </a:solidFill>
+                  <a:latin typeface="Calibri" panose="020F0502020204030204" pitchFamily="34" charset="0"/>
+                  <a:cs typeface="Calibri" panose="020F0502020204030204" pitchFamily="34" charset="0"/>
+                </a:endParaRPr>
+              </a:p>
+              <a:p>
+                <a:pPr marL="0" indent="0">
+                  <a:buNone/>
+                </a:pPr>
+                <a:endParaRPr lang="en-US" dirty="0">
+                  <a:solidFill>
+                    <a:schemeClr val="tx1"/>
+                  </a:solidFill>
+                  <a:latin typeface="Calibri" panose="020F0502020204030204" pitchFamily="34" charset="0"/>
+                  <a:cs typeface="Calibri" panose="020F0502020204030204" pitchFamily="34" charset="0"/>
+                </a:endParaRPr>
+              </a:p>
+            </p:txBody>
+          </p:sp>
+        </mc:Choice>
+        <mc:Fallback>
+          <p:sp>
+            <p:nvSpPr>
+              <p:cNvPr id="9" name="Content Placeholder 8">
+                <a:extLst>
+                  <a:ext uri="{FF2B5EF4-FFF2-40B4-BE49-F238E27FC236}">
+                    <a16:creationId xmlns:a16="http://schemas.microsoft.com/office/drawing/2014/main" id="{BFD27979-805A-4B4B-946D-AB44BEAC7A32}"/>
+                  </a:ext>
+                </a:extLst>
+              </p:cNvPr>
+              <p:cNvSpPr>
+                <a:spLocks noGrp="1" noRot="1" noChangeAspect="1" noMove="1" noResize="1" noEditPoints="1" noAdjustHandles="1" noChangeArrowheads="1" noChangeShapeType="1" noTextEdit="1"/>
+              </p:cNvSpPr>
+              <p:nvPr>
+                <p:ph idx="1"/>
+              </p:nvPr>
+            </p:nvSpPr>
+            <p:spPr>
+              <a:xfrm>
+                <a:off x="760413" y="1219200"/>
+                <a:ext cx="6553199" cy="5486400"/>
+              </a:xfrm>
+              <a:blipFill>
+                <a:blip r:embed="rId2"/>
+                <a:stretch>
+                  <a:fillRect l="-651" b="-222"/>
+                </a:stretch>
+              </a:blipFill>
+            </p:spPr>
+            <p:txBody>
+              <a:bodyPr/>
+              <a:lstStyle/>
+              <a:p>
+                <a:r>
+                  <a:rPr lang="en-US">
+                    <a:noFill/>
+                  </a:rPr>
+                  <a:t> </a:t>
+                </a:r>
+              </a:p>
+            </p:txBody>
+          </p:sp>
+        </mc:Fallback>
+      </mc:AlternateContent>
+      <p:sp>
+        <p:nvSpPr>
+          <p:cNvPr id="6" name="Content Placeholder 2">
+            <a:extLst>
+              <a:ext uri="{FF2B5EF4-FFF2-40B4-BE49-F238E27FC236}">
+                <a16:creationId xmlns:a16="http://schemas.microsoft.com/office/drawing/2014/main" id="{109EE1EC-0CF3-44EA-8406-9B48EE9C5C3D}"/>
+              </a:ext>
+            </a:extLst>
+          </p:cNvPr>
+          <p:cNvSpPr txBox="1">
+            <a:spLocks/>
+          </p:cNvSpPr>
+          <p:nvPr/>
+        </p:nvSpPr>
+        <p:spPr>
+          <a:xfrm>
+            <a:off x="677158" y="1676400"/>
+            <a:ext cx="9227254" cy="4343400"/>
+          </a:xfrm>
+          <a:prstGeom prst="rect">
+            <a:avLst/>
+          </a:prstGeom>
+        </p:spPr>
+        <p:txBody>
+          <a:bodyPr vert="horz" lIns="91440" tIns="45720" rIns="91440" bIns="45720" rtlCol="0">
+            <a:normAutofit/>
+          </a:bodyPr>
+          <a:lstStyle>
+            <a:lvl1pPr marL="342797" indent="-342797" algn="l" defTabSz="457063" rtl="0" eaLnBrk="1" latinLnBrk="0" hangingPunct="1">
+              <a:spcBef>
+                <a:spcPts val="1000"/>
+              </a:spcBef>
+              <a:spcAft>
+                <a:spcPts val="0"/>
+              </a:spcAft>
+              <a:buClr>
+                <a:schemeClr val="accent1"/>
+              </a:buClr>
+              <a:buSzPct val="80000"/>
+              <a:buFont typeface="Wingdings 3" charset="2"/>
+              <a:buChar char=""/>
+              <a:defRPr sz="1799" kern="1200">
+                <a:solidFill>
+                  <a:schemeClr val="tx1">
+                    <a:lumMod val="75000"/>
+                    <a:lumOff val="25000"/>
+                  </a:schemeClr>
+                </a:solidFill>
+                <a:latin typeface="+mn-lt"/>
+                <a:ea typeface="+mn-ea"/>
+                <a:cs typeface="+mn-cs"/>
+              </a:defRPr>
+            </a:lvl1pPr>
+            <a:lvl2pPr marL="742727" indent="-285664" algn="l" defTabSz="457063" rtl="0" eaLnBrk="1" latinLnBrk="0" hangingPunct="1">
+              <a:spcBef>
+                <a:spcPts val="1000"/>
+              </a:spcBef>
+              <a:spcAft>
+                <a:spcPts val="0"/>
+              </a:spcAft>
+              <a:buClr>
+                <a:schemeClr val="accent1"/>
+              </a:buClr>
+              <a:buSzPct val="80000"/>
+              <a:buFont typeface="Wingdings 3" charset="2"/>
+              <a:buChar char=""/>
+              <a:defRPr sz="1600" kern="1200">
+                <a:solidFill>
+                  <a:schemeClr val="tx1">
+                    <a:lumMod val="75000"/>
+                    <a:lumOff val="25000"/>
+                  </a:schemeClr>
+                </a:solidFill>
+                <a:latin typeface="+mn-lt"/>
+                <a:ea typeface="+mn-ea"/>
+                <a:cs typeface="+mn-cs"/>
+              </a:defRPr>
+            </a:lvl2pPr>
+            <a:lvl3pPr marL="1142657" indent="-228531" algn="l" defTabSz="457063" rtl="0" eaLnBrk="1" latinLnBrk="0" hangingPunct="1">
+              <a:spcBef>
+                <a:spcPts val="1000"/>
+              </a:spcBef>
+              <a:spcAft>
+                <a:spcPts val="0"/>
+              </a:spcAft>
+              <a:buClr>
+                <a:schemeClr val="accent1"/>
+              </a:buClr>
+              <a:buSzPct val="80000"/>
+              <a:buFont typeface="Wingdings 3" charset="2"/>
+              <a:buChar char=""/>
+              <a:defRPr sz="1400" kern="1200">
+                <a:solidFill>
+                  <a:schemeClr val="tx1">
+                    <a:lumMod val="75000"/>
+                    <a:lumOff val="25000"/>
+                  </a:schemeClr>
+                </a:solidFill>
+                <a:latin typeface="+mn-lt"/>
+                <a:ea typeface="+mn-ea"/>
+                <a:cs typeface="+mn-cs"/>
+              </a:defRPr>
+            </a:lvl3pPr>
+            <a:lvl4pPr marL="1599720" indent="-228531" algn="l" defTabSz="457063" rtl="0" eaLnBrk="1" latinLnBrk="0" hangingPunct="1">
+              <a:spcBef>
+                <a:spcPts val="1000"/>
+              </a:spcBef>
+              <a:spcAft>
+                <a:spcPts val="0"/>
+              </a:spcAft>
+              <a:buClr>
+                <a:schemeClr val="accent1"/>
+              </a:buClr>
+              <a:buSzPct val="80000"/>
+              <a:buFont typeface="Wingdings 3" charset="2"/>
+              <a:buChar char=""/>
+              <a:defRPr sz="1200" kern="1200">
+                <a:solidFill>
+                  <a:schemeClr val="tx1">
+                    <a:lumMod val="75000"/>
+                    <a:lumOff val="25000"/>
+                  </a:schemeClr>
+                </a:solidFill>
+                <a:latin typeface="+mn-lt"/>
+                <a:ea typeface="+mn-ea"/>
+                <a:cs typeface="+mn-cs"/>
+              </a:defRPr>
+            </a:lvl4pPr>
+            <a:lvl5pPr marL="2056783" indent="-228531" algn="l" defTabSz="457063" rtl="0" eaLnBrk="1" latinLnBrk="0" hangingPunct="1">
+              <a:spcBef>
+                <a:spcPts val="1000"/>
+              </a:spcBef>
+              <a:spcAft>
+                <a:spcPts val="0"/>
+              </a:spcAft>
+              <a:buClr>
+                <a:schemeClr val="accent1"/>
+              </a:buClr>
+              <a:buSzPct val="80000"/>
+              <a:buFont typeface="Wingdings 3" charset="2"/>
+              <a:buChar char=""/>
+              <a:defRPr sz="1200" kern="1200">
+                <a:solidFill>
+                  <a:schemeClr val="tx1">
+                    <a:lumMod val="75000"/>
+                    <a:lumOff val="25000"/>
+                  </a:schemeClr>
+                </a:solidFill>
+                <a:latin typeface="+mn-lt"/>
+                <a:ea typeface="+mn-ea"/>
+                <a:cs typeface="+mn-cs"/>
+              </a:defRPr>
+            </a:lvl5pPr>
+            <a:lvl6pPr marL="2513846" indent="-228531" algn="l" defTabSz="457063" rtl="0" eaLnBrk="1" latinLnBrk="0" hangingPunct="1">
+              <a:spcBef>
+                <a:spcPts val="1000"/>
+              </a:spcBef>
+              <a:spcAft>
+                <a:spcPts val="0"/>
+              </a:spcAft>
+              <a:buClr>
+                <a:schemeClr val="accent1"/>
+              </a:buClr>
+              <a:buSzPct val="80000"/>
+              <a:buFont typeface="Wingdings 3" charset="2"/>
+              <a:buChar char=""/>
+              <a:defRPr sz="1200" kern="1200">
+                <a:solidFill>
+                  <a:schemeClr val="tx1">
+                    <a:lumMod val="75000"/>
+                    <a:lumOff val="25000"/>
+                  </a:schemeClr>
+                </a:solidFill>
+                <a:latin typeface="+mn-lt"/>
+                <a:ea typeface="+mn-ea"/>
+                <a:cs typeface="+mn-cs"/>
+              </a:defRPr>
+            </a:lvl6pPr>
+            <a:lvl7pPr marL="2970908" indent="-228531" algn="l" defTabSz="457063" rtl="0" eaLnBrk="1" latinLnBrk="0" hangingPunct="1">
+              <a:spcBef>
+                <a:spcPts val="1000"/>
+              </a:spcBef>
+              <a:spcAft>
+                <a:spcPts val="0"/>
+              </a:spcAft>
+              <a:buClr>
+                <a:schemeClr val="accent1"/>
+              </a:buClr>
+              <a:buSzPct val="80000"/>
+              <a:buFont typeface="Wingdings 3" charset="2"/>
+              <a:buChar char=""/>
+              <a:defRPr sz="1200" kern="1200">
+                <a:solidFill>
+                  <a:schemeClr val="tx1">
+                    <a:lumMod val="75000"/>
+                    <a:lumOff val="25000"/>
+                  </a:schemeClr>
+                </a:solidFill>
+                <a:latin typeface="+mn-lt"/>
+                <a:ea typeface="+mn-ea"/>
+                <a:cs typeface="+mn-cs"/>
+              </a:defRPr>
+            </a:lvl7pPr>
+            <a:lvl8pPr marL="3427971" indent="-228531" algn="l" defTabSz="457063" rtl="0" eaLnBrk="1" latinLnBrk="0" hangingPunct="1">
+              <a:spcBef>
+                <a:spcPts val="1000"/>
+              </a:spcBef>
+              <a:spcAft>
+                <a:spcPts val="0"/>
+              </a:spcAft>
+              <a:buClr>
+                <a:schemeClr val="accent1"/>
+              </a:buClr>
+              <a:buSzPct val="80000"/>
+              <a:buFont typeface="Wingdings 3" charset="2"/>
+              <a:buChar char=""/>
+              <a:defRPr sz="1200" kern="1200">
+                <a:solidFill>
+                  <a:schemeClr val="tx1">
+                    <a:lumMod val="75000"/>
+                    <a:lumOff val="25000"/>
+                  </a:schemeClr>
+                </a:solidFill>
+                <a:latin typeface="+mn-lt"/>
+                <a:ea typeface="+mn-ea"/>
+                <a:cs typeface="+mn-cs"/>
+              </a:defRPr>
+            </a:lvl8pPr>
+            <a:lvl9pPr marL="3885034" indent="-228531" algn="l" defTabSz="457063" rtl="0" eaLnBrk="1" latinLnBrk="0" hangingPunct="1">
+              <a:spcBef>
+                <a:spcPts val="1000"/>
+              </a:spcBef>
+              <a:spcAft>
+                <a:spcPts val="0"/>
+              </a:spcAft>
+              <a:buClr>
+                <a:schemeClr val="accent1"/>
+              </a:buClr>
+              <a:buSzPct val="80000"/>
+              <a:buFont typeface="Wingdings 3" charset="2"/>
+              <a:buChar char=""/>
+              <a:defRPr sz="1200" kern="1200">
+                <a:solidFill>
+                  <a:schemeClr val="tx1">
+                    <a:lumMod val="75000"/>
+                    <a:lumOff val="25000"/>
+                  </a:schemeClr>
+                </a:solidFill>
+                <a:latin typeface="+mn-lt"/>
+                <a:ea typeface="+mn-ea"/>
+                <a:cs typeface="+mn-cs"/>
+              </a:defRPr>
+            </a:lvl9pPr>
+          </a:lstStyle>
+          <a:p>
+            <a:pPr marL="457063" lvl="1" indent="0">
+              <a:buFont typeface="Wingdings 3" charset="2"/>
+              <a:buNone/>
+            </a:pPr>
+            <a:endParaRPr lang="en-US" dirty="0"/>
+          </a:p>
+        </p:txBody>
+      </p:sp>
+    </p:spTree>
+    <p:extLst>
+      <p:ext uri="{BB962C8B-B14F-4D97-AF65-F5344CB8AC3E}">
+        <p14:creationId xmlns:p14="http://schemas.microsoft.com/office/powerpoint/2010/main" val="3826849208"/>
+      </p:ext>
+    </p:extLst>
+  </p:cSld>
+  <p:clrMapOvr>
+    <a:masterClrMapping/>
+  </p:clrMapOvr>
+  <mc:AlternateContent xmlns:mc="http://schemas.openxmlformats.org/markup-compatibility/2006" xmlns:p14="http://schemas.microsoft.com/office/powerpoint/2010/main">
+    <mc:Choice Requires="p14">
+      <p:transition spd="med" p14:dur="700">
+        <p:fade/>
+      </p:transition>
+    </mc:Choice>
+    <mc:Fallback xmlns="">
+      <p:transition spd="med">
+        <p:fade/>
+      </p:transition>
+    </mc:Fallback>
+  </mc:AlternateContent>
+</p:sld>
+</file>
+
+<file path=ppt/slides/slide21.xml><?xml version="1.0" encoding="utf-8"?>
+<p:sld xmlns:a="http://schemas.openxmlformats.org/drawingml/2006/main" xmlns:r="http://schemas.openxmlformats.org/officeDocument/2006/relationships" xmlns:p="http://schemas.openxmlformats.org/presentationml/2006/main">
+  <p:cSld>
+    <p:spTree>
+      <p:nvGrpSpPr>
+        <p:cNvPr id="1" name=""/>
+        <p:cNvGrpSpPr/>
+        <p:nvPr/>
+      </p:nvGrpSpPr>
+      <p:grpSpPr>
+        <a:xfrm>
+          <a:off x="0" y="0"/>
+          <a:ext cx="0" cy="0"/>
+          <a:chOff x="0" y="0"/>
+          <a:chExt cx="0" cy="0"/>
+        </a:xfrm>
+      </p:grpSpPr>
+      <p:sp>
+        <p:nvSpPr>
+          <p:cNvPr id="2" name="Title 1"/>
+          <p:cNvSpPr>
+            <a:spLocks noGrp="1"/>
+          </p:cNvSpPr>
+          <p:nvPr>
+            <p:ph type="title"/>
+          </p:nvPr>
+        </p:nvSpPr>
+        <p:spPr/>
+        <p:txBody>
+          <a:bodyPr anchor="t">
+            <a:normAutofit/>
+          </a:bodyPr>
+          <a:lstStyle/>
+          <a:p>
+            <a:r>
+              <a:rPr lang="en-US" sz="3600" dirty="0">
+                <a:latin typeface="Calibri" panose="020F0502020204030204" pitchFamily="34" charset="0"/>
+                <a:cs typeface="Calibri" panose="020F0502020204030204" pitchFamily="34" charset="0"/>
+              </a:rPr>
+              <a:t>Improved Weighted Profile (Cont.)</a:t>
+            </a:r>
+            <a:endParaRPr lang="en-US" dirty="0">
+              <a:latin typeface="Calibri" panose="020F0502020204030204" pitchFamily="34" charset="0"/>
+              <a:cs typeface="Calibri" panose="020F0502020204030204" pitchFamily="34" charset="0"/>
+            </a:endParaRPr>
+          </a:p>
+        </p:txBody>
+      </p:sp>
+      <mc:AlternateContent xmlns:mc="http://schemas.openxmlformats.org/markup-compatibility/2006">
+        <mc:Choice xmlns:a14="http://schemas.microsoft.com/office/drawing/2010/main" Requires="a14">
+          <p:sp>
+            <p:nvSpPr>
+              <p:cNvPr id="9" name="Content Placeholder 8">
+                <a:extLst>
+                  <a:ext uri="{FF2B5EF4-FFF2-40B4-BE49-F238E27FC236}">
+                    <a16:creationId xmlns:a16="http://schemas.microsoft.com/office/drawing/2014/main" id="{BFD27979-805A-4B4B-946D-AB44BEAC7A32}"/>
+                  </a:ext>
+                </a:extLst>
+              </p:cNvPr>
+              <p:cNvSpPr>
+                <a:spLocks noGrp="1"/>
+              </p:cNvSpPr>
+              <p:nvPr>
+                <p:ph idx="1"/>
+              </p:nvPr>
+            </p:nvSpPr>
+            <p:spPr>
+              <a:xfrm>
+                <a:off x="760413" y="1219200"/>
+                <a:ext cx="6553199" cy="5486400"/>
+              </a:xfrm>
+            </p:spPr>
+            <p:txBody>
+              <a:bodyPr>
+                <a:normAutofit fontScale="92500" lnSpcReduction="20000"/>
+              </a:bodyPr>
+              <a:lstStyle/>
+              <a:p>
+                <a:pPr marL="0" indent="0">
+                  <a:buNone/>
+                </a:pPr>
+                <a:endParaRPr lang="en-US" dirty="0">
+                  <a:solidFill>
+                    <a:schemeClr val="tx1"/>
+                  </a:solidFill>
+                  <a:latin typeface="Calibri" panose="020F0502020204030204" pitchFamily="34" charset="0"/>
+                  <a:cs typeface="Calibri" panose="020F0502020204030204" pitchFamily="34" charset="0"/>
+                </a:endParaRPr>
+              </a:p>
+              <a:p>
+                <a:pPr marL="0" indent="0">
+                  <a:buNone/>
+                </a:pPr>
+                <a:r>
+                  <a:rPr lang="en-US" dirty="0">
+                    <a:solidFill>
+                      <a:schemeClr val="tx1"/>
+                    </a:solidFill>
+                    <a:latin typeface="Calibri" panose="020F0502020204030204" pitchFamily="34" charset="0"/>
+                    <a:cs typeface="Calibri" panose="020F0502020204030204" pitchFamily="34" charset="0"/>
+                  </a:rPr>
+                  <a:t>Function </a:t>
+                </a:r>
+                <a:r>
+                  <a:rPr lang="en-US" dirty="0" err="1">
+                    <a:solidFill>
+                      <a:schemeClr val="tx1"/>
+                    </a:solidFill>
+                    <a:latin typeface="Calibri" panose="020F0502020204030204" pitchFamily="34" charset="0"/>
+                    <a:cs typeface="Calibri" panose="020F0502020204030204" pitchFamily="34" charset="0"/>
+                  </a:rPr>
+                  <a:t>TargetTargetJaccardSimilarity</a:t>
+                </a:r>
+                <a:r>
+                  <a:rPr lang="en-US" dirty="0">
+                    <a:solidFill>
+                      <a:schemeClr val="tx1"/>
+                    </a:solidFill>
+                    <a:latin typeface="Calibri" panose="020F0502020204030204" pitchFamily="34" charset="0"/>
+                    <a:cs typeface="Calibri" panose="020F0502020204030204" pitchFamily="34" charset="0"/>
+                  </a:rPr>
+                  <a:t>(</a:t>
+                </a:r>
+                <a14:m>
+                  <m:oMath xmlns:m="http://schemas.openxmlformats.org/officeDocument/2006/math">
+                    <m:r>
+                      <a:rPr lang="en-US" i="1" smtClean="0">
+                        <a:solidFill>
+                          <a:schemeClr val="tx1"/>
+                        </a:solidFill>
+                        <a:latin typeface="Cambria Math" panose="02040503050406030204" pitchFamily="18" charset="0"/>
+                        <a:cs typeface="Calibri" panose="020F0502020204030204" pitchFamily="34" charset="0"/>
+                      </a:rPr>
+                      <m:t> </m:t>
+                    </m:r>
+                    <m:r>
+                      <a:rPr lang="en-US" b="0" i="1" smtClean="0">
+                        <a:solidFill>
+                          <a:schemeClr val="tx1"/>
+                        </a:solidFill>
+                        <a:latin typeface="Cambria Math" panose="02040503050406030204" pitchFamily="18" charset="0"/>
+                        <a:cs typeface="Calibri" panose="020F0502020204030204" pitchFamily="34" charset="0"/>
+                      </a:rPr>
+                      <m:t>𝑀</m:t>
+                    </m:r>
+                  </m:oMath>
+                </a14:m>
+                <a:r>
+                  <a:rPr lang="en-US" dirty="0">
+                    <a:solidFill>
+                      <a:schemeClr val="tx1"/>
+                    </a:solidFill>
+                    <a:latin typeface="Calibri" panose="020F0502020204030204" pitchFamily="34" charset="0"/>
+                    <a:cs typeface="Calibri" panose="020F0502020204030204" pitchFamily="34" charset="0"/>
+                  </a:rPr>
+                  <a:t>)</a:t>
+                </a:r>
+              </a:p>
+              <a:p>
+                <a:pPr marL="0" indent="0">
+                  <a:buNone/>
+                </a:pPr>
+                <a:r>
+                  <a:rPr lang="en-US" dirty="0">
+                    <a:solidFill>
+                      <a:schemeClr val="tx1"/>
+                    </a:solidFill>
+                    <a:latin typeface="Calibri" panose="020F0502020204030204" pitchFamily="34" charset="0"/>
+                    <a:cs typeface="Calibri" panose="020F0502020204030204" pitchFamily="34" charset="0"/>
+                  </a:rPr>
+                  <a:t>          </a:t>
+                </a:r>
+                <a14:m>
+                  <m:oMath xmlns:m="http://schemas.openxmlformats.org/officeDocument/2006/math">
+                    <m:r>
+                      <a:rPr lang="en-US" b="0" i="1" smtClean="0">
+                        <a:solidFill>
+                          <a:schemeClr val="tx1"/>
+                        </a:solidFill>
+                        <a:latin typeface="Cambria Math" panose="02040503050406030204" pitchFamily="18" charset="0"/>
+                        <a:cs typeface="Calibri" panose="020F0502020204030204" pitchFamily="34" charset="0"/>
+                      </a:rPr>
+                      <m:t>𝑚</m:t>
+                    </m:r>
+                  </m:oMath>
+                </a14:m>
+                <a:r>
+                  <a:rPr lang="en-US" dirty="0">
+                    <a:solidFill>
+                      <a:schemeClr val="tx1"/>
+                    </a:solidFill>
+                    <a:latin typeface="Calibri" panose="020F0502020204030204" pitchFamily="34" charset="0"/>
+                    <a:cs typeface="Calibri" panose="020F0502020204030204" pitchFamily="34" charset="0"/>
+                  </a:rPr>
+                  <a:t> := Number of targets</a:t>
+                </a:r>
+              </a:p>
+              <a:p>
+                <a:pPr marL="0" indent="0">
+                  <a:buNone/>
+                </a:pPr>
+                <a:r>
+                  <a:rPr lang="en-US" dirty="0">
+                    <a:solidFill>
+                      <a:schemeClr val="tx1"/>
+                    </a:solidFill>
+                    <a:cs typeface="Calibri" panose="020F0502020204030204" pitchFamily="34" charset="0"/>
+                  </a:rPr>
+                  <a:t>        </a:t>
+                </a:r>
+                <a14:m>
+                  <m:oMath xmlns:m="http://schemas.openxmlformats.org/officeDocument/2006/math">
+                    <m:sSubSup>
+                      <m:sSubSupPr>
+                        <m:ctrlPr>
+                          <a:rPr lang="en-US" i="1">
+                            <a:solidFill>
+                              <a:schemeClr val="tx1"/>
+                            </a:solidFill>
+                            <a:latin typeface="Cambria Math" panose="02040503050406030204" pitchFamily="18" charset="0"/>
+                            <a:cs typeface="Calibri" panose="020F0502020204030204" pitchFamily="34" charset="0"/>
+                          </a:rPr>
+                        </m:ctrlPr>
+                      </m:sSubSupPr>
+                      <m:e>
+                        <m:r>
+                          <a:rPr lang="en-US" i="1">
+                            <a:solidFill>
+                              <a:schemeClr val="tx1"/>
+                            </a:solidFill>
+                            <a:latin typeface="Cambria Math" panose="02040503050406030204" pitchFamily="18" charset="0"/>
+                            <a:cs typeface="Calibri" panose="020F0502020204030204" pitchFamily="34" charset="0"/>
+                          </a:rPr>
+                          <m:t>𝑆</m:t>
+                        </m:r>
+                        <m:r>
+                          <a:rPr lang="en-US" b="0" i="1" smtClean="0">
+                            <a:solidFill>
+                              <a:schemeClr val="tx1"/>
+                            </a:solidFill>
+                            <a:latin typeface="Cambria Math" panose="02040503050406030204" pitchFamily="18" charset="0"/>
+                            <a:cs typeface="Calibri" panose="020F0502020204030204" pitchFamily="34" charset="0"/>
+                          </a:rPr>
+                          <m:t>𝑇</m:t>
+                        </m:r>
+                      </m:e>
+                      <m:sub/>
+                      <m:sup>
+                        <m:r>
+                          <a:rPr lang="en-US" i="1">
+                            <a:solidFill>
+                              <a:schemeClr val="tx1"/>
+                            </a:solidFill>
+                            <a:latin typeface="Cambria Math" panose="02040503050406030204" pitchFamily="18" charset="0"/>
+                            <a:cs typeface="Calibri" panose="020F0502020204030204" pitchFamily="34" charset="0"/>
+                          </a:rPr>
+                          <m:t>𝐽</m:t>
+                        </m:r>
+                      </m:sup>
+                    </m:sSubSup>
+                    <m:r>
+                      <a:rPr lang="en-US" i="1">
+                        <a:solidFill>
+                          <a:schemeClr val="tx1"/>
+                        </a:solidFill>
+                        <a:latin typeface="Cambria Math" panose="02040503050406030204" pitchFamily="18" charset="0"/>
+                        <a:cs typeface="Calibri" panose="020F0502020204030204" pitchFamily="34" charset="0"/>
+                      </a:rPr>
+                      <m:t> </m:t>
+                    </m:r>
+                  </m:oMath>
+                </a14:m>
+                <a:r>
+                  <a:rPr lang="en-US" dirty="0">
+                    <a:solidFill>
+                      <a:schemeClr val="tx1"/>
+                    </a:solidFill>
+                    <a:latin typeface="Calibri" panose="020F0502020204030204" pitchFamily="34" charset="0"/>
+                    <a:cs typeface="Calibri" panose="020F0502020204030204" pitchFamily="34" charset="0"/>
+                  </a:rPr>
+                  <a:t>is a new </a:t>
+                </a:r>
+                <a14:m>
+                  <m:oMath xmlns:m="http://schemas.openxmlformats.org/officeDocument/2006/math">
+                    <m:r>
+                      <a:rPr lang="en-US" b="0" i="1" smtClean="0">
+                        <a:solidFill>
+                          <a:schemeClr val="tx1"/>
+                        </a:solidFill>
+                        <a:latin typeface="Cambria Math" panose="02040503050406030204" pitchFamily="18" charset="0"/>
+                        <a:cs typeface="Calibri" panose="020F0502020204030204" pitchFamily="34" charset="0"/>
+                      </a:rPr>
+                      <m:t>𝑚</m:t>
+                    </m:r>
+                  </m:oMath>
+                </a14:m>
+                <a:r>
+                  <a:rPr lang="en-US" dirty="0">
+                    <a:solidFill>
+                      <a:schemeClr val="tx1"/>
+                    </a:solidFill>
+                    <a:latin typeface="Calibri" panose="020F0502020204030204" pitchFamily="34" charset="0"/>
+                    <a:cs typeface="Calibri" panose="020F0502020204030204" pitchFamily="34" charset="0"/>
+                  </a:rPr>
+                  <a:t> by </a:t>
+                </a:r>
+                <a14:m>
+                  <m:oMath xmlns:m="http://schemas.openxmlformats.org/officeDocument/2006/math">
+                    <m:r>
+                      <a:rPr lang="en-US" b="0" i="1" smtClean="0">
+                        <a:solidFill>
+                          <a:schemeClr val="tx1"/>
+                        </a:solidFill>
+                        <a:latin typeface="Cambria Math" panose="02040503050406030204" pitchFamily="18" charset="0"/>
+                        <a:cs typeface="Calibri" panose="020F0502020204030204" pitchFamily="34" charset="0"/>
+                      </a:rPr>
+                      <m:t>𝑚</m:t>
+                    </m:r>
+                  </m:oMath>
+                </a14:m>
+                <a:r>
+                  <a:rPr lang="en-US" dirty="0">
+                    <a:solidFill>
+                      <a:schemeClr val="tx1"/>
+                    </a:solidFill>
+                    <a:latin typeface="Calibri" panose="020F0502020204030204" pitchFamily="34" charset="0"/>
+                    <a:cs typeface="Calibri" panose="020F0502020204030204" pitchFamily="34" charset="0"/>
+                  </a:rPr>
+                  <a:t> matrix</a:t>
+                </a:r>
+              </a:p>
+              <a:p>
+                <a:pPr marL="0" indent="0">
+                  <a:buNone/>
+                </a:pPr>
+                <a:r>
+                  <a:rPr lang="en-US" dirty="0">
+                    <a:solidFill>
+                      <a:schemeClr val="tx1"/>
+                    </a:solidFill>
+                    <a:latin typeface="Calibri" panose="020F0502020204030204" pitchFamily="34" charset="0"/>
+                    <a:cs typeface="Calibri" panose="020F0502020204030204" pitchFamily="34" charset="0"/>
+                  </a:rPr>
+                  <a:t>          for </a:t>
+                </a:r>
+                <a14:m>
+                  <m:oMath xmlns:m="http://schemas.openxmlformats.org/officeDocument/2006/math">
+                    <m:r>
+                      <a:rPr lang="en-US" i="1">
+                        <a:solidFill>
+                          <a:schemeClr val="tx1"/>
+                        </a:solidFill>
+                        <a:latin typeface="Cambria Math" panose="02040503050406030204" pitchFamily="18" charset="0"/>
+                        <a:cs typeface="Calibri" panose="020F0502020204030204" pitchFamily="34" charset="0"/>
+                      </a:rPr>
+                      <m:t>𝑖</m:t>
+                    </m:r>
+                    <m:r>
+                      <a:rPr lang="en-US" i="1">
+                        <a:solidFill>
+                          <a:schemeClr val="tx1"/>
+                        </a:solidFill>
+                        <a:latin typeface="Cambria Math" panose="02040503050406030204" pitchFamily="18" charset="0"/>
+                        <a:cs typeface="Calibri" panose="020F0502020204030204" pitchFamily="34" charset="0"/>
+                      </a:rPr>
+                      <m:t> :=1 </m:t>
+                    </m:r>
+                  </m:oMath>
+                </a14:m>
+                <a:r>
+                  <a:rPr lang="en-US" dirty="0">
+                    <a:solidFill>
+                      <a:schemeClr val="tx1"/>
+                    </a:solidFill>
+                    <a:latin typeface="Calibri" panose="020F0502020204030204" pitchFamily="34" charset="0"/>
+                    <a:cs typeface="Calibri" panose="020F0502020204030204" pitchFamily="34" charset="0"/>
+                  </a:rPr>
+                  <a:t>to </a:t>
+                </a:r>
+                <a14:m>
+                  <m:oMath xmlns:m="http://schemas.openxmlformats.org/officeDocument/2006/math">
+                    <m:r>
+                      <a:rPr lang="en-US" b="0" i="1" smtClean="0">
+                        <a:solidFill>
+                          <a:schemeClr val="tx1"/>
+                        </a:solidFill>
+                        <a:latin typeface="Cambria Math" panose="02040503050406030204" pitchFamily="18" charset="0"/>
+                        <a:cs typeface="Calibri" panose="020F0502020204030204" pitchFamily="34" charset="0"/>
+                      </a:rPr>
+                      <m:t>𝑚</m:t>
+                    </m:r>
+                  </m:oMath>
+                </a14:m>
+                <a:r>
+                  <a:rPr lang="en-US" dirty="0">
+                    <a:solidFill>
+                      <a:schemeClr val="tx1"/>
+                    </a:solidFill>
+                    <a:latin typeface="Calibri" panose="020F0502020204030204" pitchFamily="34" charset="0"/>
+                    <a:cs typeface="Calibri" panose="020F0502020204030204" pitchFamily="34" charset="0"/>
+                  </a:rPr>
+                  <a:t> do</a:t>
+                </a:r>
+              </a:p>
+              <a:p>
+                <a:pPr marL="0" indent="0">
+                  <a:buNone/>
+                </a:pPr>
+                <a:r>
+                  <a:rPr lang="en-US" dirty="0">
+                    <a:solidFill>
+                      <a:schemeClr val="tx1"/>
+                    </a:solidFill>
+                    <a:latin typeface="Calibri" panose="020F0502020204030204" pitchFamily="34" charset="0"/>
+                    <a:cs typeface="Calibri" panose="020F0502020204030204" pitchFamily="34" charset="0"/>
+                  </a:rPr>
+                  <a:t>              for </a:t>
+                </a:r>
+                <a14:m>
+                  <m:oMath xmlns:m="http://schemas.openxmlformats.org/officeDocument/2006/math">
+                    <m:r>
+                      <a:rPr lang="en-US" b="0" i="1" smtClean="0">
+                        <a:solidFill>
+                          <a:schemeClr val="tx1"/>
+                        </a:solidFill>
+                        <a:latin typeface="Cambria Math" panose="02040503050406030204" pitchFamily="18" charset="0"/>
+                        <a:cs typeface="Calibri" panose="020F0502020204030204" pitchFamily="34" charset="0"/>
+                      </a:rPr>
+                      <m:t>𝑗</m:t>
+                    </m:r>
+                    <m:r>
+                      <a:rPr lang="en-US" i="1" smtClean="0">
+                        <a:solidFill>
+                          <a:schemeClr val="tx1"/>
+                        </a:solidFill>
+                        <a:latin typeface="Cambria Math" panose="02040503050406030204" pitchFamily="18" charset="0"/>
+                        <a:cs typeface="Calibri" panose="020F0502020204030204" pitchFamily="34" charset="0"/>
+                      </a:rPr>
+                      <m:t> </m:t>
+                    </m:r>
+                    <m:r>
+                      <a:rPr lang="en-US" i="1">
+                        <a:solidFill>
+                          <a:schemeClr val="tx1"/>
+                        </a:solidFill>
+                        <a:latin typeface="Cambria Math" panose="02040503050406030204" pitchFamily="18" charset="0"/>
+                        <a:cs typeface="Calibri" panose="020F0502020204030204" pitchFamily="34" charset="0"/>
+                      </a:rPr>
+                      <m:t>:=1 </m:t>
+                    </m:r>
+                  </m:oMath>
+                </a14:m>
+                <a:r>
+                  <a:rPr lang="en-US" dirty="0">
+                    <a:solidFill>
+                      <a:schemeClr val="tx1"/>
+                    </a:solidFill>
+                    <a:latin typeface="Calibri" panose="020F0502020204030204" pitchFamily="34" charset="0"/>
+                    <a:cs typeface="Calibri" panose="020F0502020204030204" pitchFamily="34" charset="0"/>
+                  </a:rPr>
+                  <a:t>to </a:t>
+                </a:r>
+                <a14:m>
+                  <m:oMath xmlns:m="http://schemas.openxmlformats.org/officeDocument/2006/math">
+                    <m:r>
+                      <a:rPr lang="en-US" b="0" i="1" smtClean="0">
+                        <a:solidFill>
+                          <a:schemeClr val="tx1"/>
+                        </a:solidFill>
+                        <a:latin typeface="Cambria Math" panose="02040503050406030204" pitchFamily="18" charset="0"/>
+                        <a:cs typeface="Calibri" panose="020F0502020204030204" pitchFamily="34" charset="0"/>
+                      </a:rPr>
+                      <m:t>𝑚</m:t>
+                    </m:r>
+                  </m:oMath>
+                </a14:m>
+                <a:r>
+                  <a:rPr lang="en-US" dirty="0">
+                    <a:solidFill>
+                      <a:schemeClr val="tx1"/>
+                    </a:solidFill>
+                    <a:latin typeface="Calibri" panose="020F0502020204030204" pitchFamily="34" charset="0"/>
+                    <a:cs typeface="Calibri" panose="020F0502020204030204" pitchFamily="34" charset="0"/>
+                  </a:rPr>
+                  <a:t> do</a:t>
+                </a:r>
+              </a:p>
+              <a:p>
+                <a:pPr marL="0" indent="0">
+                  <a:buNone/>
+                </a:pPr>
+                <a:r>
+                  <a:rPr lang="en-US" dirty="0">
+                    <a:solidFill>
+                      <a:schemeClr val="tx1"/>
+                    </a:solidFill>
+                    <a:latin typeface="Calibri" panose="020F0502020204030204" pitchFamily="34" charset="0"/>
+                    <a:cs typeface="Calibri" panose="020F0502020204030204" pitchFamily="34" charset="0"/>
+                  </a:rPr>
+                  <a:t>                     if </a:t>
+                </a:r>
+                <a14:m>
+                  <m:oMath xmlns:m="http://schemas.openxmlformats.org/officeDocument/2006/math">
+                    <m:r>
+                      <a:rPr lang="en-US" b="0" i="1" smtClean="0">
+                        <a:solidFill>
+                          <a:schemeClr val="tx1"/>
+                        </a:solidFill>
+                        <a:latin typeface="Cambria Math" panose="02040503050406030204" pitchFamily="18" charset="0"/>
+                        <a:cs typeface="Calibri" panose="020F0502020204030204" pitchFamily="34" charset="0"/>
+                      </a:rPr>
+                      <m:t>𝑖</m:t>
+                    </m:r>
+                    <m:r>
+                      <a:rPr lang="en-US" b="0" i="1" smtClean="0">
+                        <a:solidFill>
+                          <a:schemeClr val="tx1"/>
+                        </a:solidFill>
+                        <a:latin typeface="Cambria Math" panose="02040503050406030204" pitchFamily="18" charset="0"/>
+                        <a:cs typeface="Calibri" panose="020F0502020204030204" pitchFamily="34" charset="0"/>
+                      </a:rPr>
+                      <m:t>==</m:t>
+                    </m:r>
+                    <m:r>
+                      <a:rPr lang="en-US" b="0" i="1" smtClean="0">
+                        <a:solidFill>
+                          <a:schemeClr val="tx1"/>
+                        </a:solidFill>
+                        <a:latin typeface="Cambria Math" panose="02040503050406030204" pitchFamily="18" charset="0"/>
+                        <a:cs typeface="Calibri" panose="020F0502020204030204" pitchFamily="34" charset="0"/>
+                      </a:rPr>
+                      <m:t>𝑗</m:t>
+                    </m:r>
+                  </m:oMath>
+                </a14:m>
+                <a:r>
+                  <a:rPr lang="en-US" dirty="0">
+                    <a:solidFill>
+                      <a:schemeClr val="tx1"/>
+                    </a:solidFill>
+                    <a:latin typeface="Calibri" panose="020F0502020204030204" pitchFamily="34" charset="0"/>
+                    <a:cs typeface="Calibri" panose="020F0502020204030204" pitchFamily="34" charset="0"/>
+                  </a:rPr>
+                  <a:t> then</a:t>
+                </a:r>
+              </a:p>
+              <a:p>
+                <a:pPr marL="0" indent="0">
+                  <a:buNone/>
+                </a:pPr>
+                <a:r>
+                  <a:rPr lang="en-US" dirty="0">
+                    <a:solidFill>
+                      <a:schemeClr val="tx1"/>
+                    </a:solidFill>
+                    <a:latin typeface="Calibri" panose="020F0502020204030204" pitchFamily="34" charset="0"/>
+                    <a:cs typeface="Calibri" panose="020F0502020204030204" pitchFamily="34" charset="0"/>
+                  </a:rPr>
+                  <a:t>                             </a:t>
+                </a:r>
+                <a14:m>
+                  <m:oMath xmlns:m="http://schemas.openxmlformats.org/officeDocument/2006/math">
+                    <m:sSubSup>
+                      <m:sSubSupPr>
+                        <m:ctrlPr>
+                          <a:rPr lang="en-US" i="1">
+                            <a:solidFill>
+                              <a:schemeClr val="tx1"/>
+                            </a:solidFill>
+                            <a:latin typeface="Cambria Math" panose="02040503050406030204" pitchFamily="18" charset="0"/>
+                            <a:cs typeface="Calibri" panose="020F0502020204030204" pitchFamily="34" charset="0"/>
+                          </a:rPr>
+                        </m:ctrlPr>
+                      </m:sSubSupPr>
+                      <m:e>
+                        <m:r>
+                          <a:rPr lang="en-US" i="1">
+                            <a:solidFill>
+                              <a:schemeClr val="tx1"/>
+                            </a:solidFill>
+                            <a:latin typeface="Cambria Math" panose="02040503050406030204" pitchFamily="18" charset="0"/>
+                            <a:cs typeface="Calibri" panose="020F0502020204030204" pitchFamily="34" charset="0"/>
+                          </a:rPr>
+                          <m:t>𝑆</m:t>
+                        </m:r>
+                        <m:r>
+                          <a:rPr lang="en-US" b="0" i="1" smtClean="0">
+                            <a:solidFill>
+                              <a:schemeClr val="tx1"/>
+                            </a:solidFill>
+                            <a:latin typeface="Cambria Math" panose="02040503050406030204" pitchFamily="18" charset="0"/>
+                            <a:cs typeface="Calibri" panose="020F0502020204030204" pitchFamily="34" charset="0"/>
+                          </a:rPr>
+                          <m:t>𝑇</m:t>
+                        </m:r>
+                      </m:e>
+                      <m:sub>
+                        <m:r>
+                          <a:rPr lang="en-US" i="1">
+                            <a:solidFill>
+                              <a:schemeClr val="tx1"/>
+                            </a:solidFill>
+                            <a:latin typeface="Cambria Math" panose="02040503050406030204" pitchFamily="18" charset="0"/>
+                            <a:cs typeface="Calibri" panose="020F0502020204030204" pitchFamily="34" charset="0"/>
+                          </a:rPr>
+                          <m:t>𝑖</m:t>
+                        </m:r>
+                        <m:r>
+                          <a:rPr lang="en-US" i="1">
+                            <a:solidFill>
+                              <a:schemeClr val="tx1"/>
+                            </a:solidFill>
+                            <a:latin typeface="Cambria Math" panose="02040503050406030204" pitchFamily="18" charset="0"/>
+                            <a:cs typeface="Calibri" panose="020F0502020204030204" pitchFamily="34" charset="0"/>
+                          </a:rPr>
+                          <m:t>,</m:t>
+                        </m:r>
+                        <m:r>
+                          <a:rPr lang="en-US" i="1">
+                            <a:solidFill>
+                              <a:schemeClr val="tx1"/>
+                            </a:solidFill>
+                            <a:latin typeface="Cambria Math" panose="02040503050406030204" pitchFamily="18" charset="0"/>
+                            <a:cs typeface="Calibri" panose="020F0502020204030204" pitchFamily="34" charset="0"/>
+                          </a:rPr>
+                          <m:t>𝑗</m:t>
+                        </m:r>
+                      </m:sub>
+                      <m:sup>
+                        <m:r>
+                          <a:rPr lang="en-US" i="1">
+                            <a:solidFill>
+                              <a:schemeClr val="tx1"/>
+                            </a:solidFill>
+                            <a:latin typeface="Cambria Math" panose="02040503050406030204" pitchFamily="18" charset="0"/>
+                            <a:cs typeface="Calibri" panose="020F0502020204030204" pitchFamily="34" charset="0"/>
+                          </a:rPr>
+                          <m:t>𝐽</m:t>
+                        </m:r>
+                      </m:sup>
+                    </m:sSubSup>
+                    <m:r>
+                      <a:rPr lang="en-US" b="0" i="1" smtClean="0">
+                        <a:solidFill>
+                          <a:schemeClr val="tx1"/>
+                        </a:solidFill>
+                        <a:latin typeface="Cambria Math" panose="02040503050406030204" pitchFamily="18" charset="0"/>
+                        <a:cs typeface="Calibri" panose="020F0502020204030204" pitchFamily="34" charset="0"/>
+                      </a:rPr>
+                      <m:t> ≔1</m:t>
+                    </m:r>
+                  </m:oMath>
+                </a14:m>
+                <a:endParaRPr lang="en-US" dirty="0">
+                  <a:solidFill>
+                    <a:schemeClr val="tx1"/>
+                  </a:solidFill>
+                  <a:latin typeface="Calibri" panose="020F0502020204030204" pitchFamily="34" charset="0"/>
+                  <a:cs typeface="Calibri" panose="020F0502020204030204" pitchFamily="34" charset="0"/>
+                </a:endParaRPr>
+              </a:p>
+              <a:p>
+                <a:pPr marL="0" indent="0">
+                  <a:buNone/>
+                </a:pPr>
+                <a:r>
+                  <a:rPr lang="en-US" dirty="0">
+                    <a:solidFill>
+                      <a:schemeClr val="tx1"/>
+                    </a:solidFill>
+                    <a:latin typeface="Calibri" panose="020F0502020204030204" pitchFamily="34" charset="0"/>
+                    <a:cs typeface="Calibri" panose="020F0502020204030204" pitchFamily="34" charset="0"/>
+                  </a:rPr>
+                  <a:t>                      else</a:t>
+                </a:r>
+              </a:p>
+              <a:p>
+                <a:pPr marL="0" indent="0">
+                  <a:buNone/>
+                </a:pPr>
+                <a:r>
+                  <a:rPr lang="en-US" dirty="0">
+                    <a:solidFill>
+                      <a:schemeClr val="tx1"/>
+                    </a:solidFill>
+                    <a:latin typeface="Calibri" panose="020F0502020204030204" pitchFamily="34" charset="0"/>
+                    <a:cs typeface="Calibri" panose="020F0502020204030204" pitchFamily="34" charset="0"/>
+                  </a:rPr>
+                  <a:t>                             </a:t>
+                </a:r>
+                <a14:m>
+                  <m:oMath xmlns:m="http://schemas.openxmlformats.org/officeDocument/2006/math">
+                    <m:sSubSup>
+                      <m:sSubSupPr>
+                        <m:ctrlPr>
+                          <a:rPr lang="en-US" i="1">
+                            <a:solidFill>
+                              <a:schemeClr val="tx1"/>
+                            </a:solidFill>
+                            <a:latin typeface="Cambria Math" panose="02040503050406030204" pitchFamily="18" charset="0"/>
+                            <a:cs typeface="Calibri" panose="020F0502020204030204" pitchFamily="34" charset="0"/>
+                          </a:rPr>
+                        </m:ctrlPr>
+                      </m:sSubSupPr>
+                      <m:e>
+                        <m:r>
+                          <a:rPr lang="en-US" b="0" i="1" smtClean="0">
+                            <a:solidFill>
+                              <a:schemeClr val="tx1"/>
+                            </a:solidFill>
+                            <a:latin typeface="Cambria Math" panose="02040503050406030204" pitchFamily="18" charset="0"/>
+                            <a:cs typeface="Calibri" panose="020F0502020204030204" pitchFamily="34" charset="0"/>
+                          </a:rPr>
+                          <m:t>𝑆𝑖𝑚</m:t>
+                        </m:r>
+                      </m:e>
+                      <m:sub/>
+                      <m:sup/>
+                    </m:sSubSup>
+                    <m:r>
+                      <a:rPr lang="en-US" b="0" i="1" smtClean="0">
+                        <a:solidFill>
+                          <a:schemeClr val="tx1"/>
+                        </a:solidFill>
+                        <a:latin typeface="Cambria Math" panose="02040503050406030204" pitchFamily="18" charset="0"/>
+                        <a:cs typeface="Calibri" panose="020F0502020204030204" pitchFamily="34" charset="0"/>
+                      </a:rPr>
+                      <m:t>:</m:t>
+                    </m:r>
+                    <m:r>
+                      <a:rPr lang="en-US" i="1">
+                        <a:solidFill>
+                          <a:schemeClr val="tx1"/>
+                        </a:solidFill>
+                        <a:latin typeface="Cambria Math" panose="02040503050406030204" pitchFamily="18" charset="0"/>
+                        <a:cs typeface="Calibri" panose="020F0502020204030204" pitchFamily="34" charset="0"/>
+                      </a:rPr>
+                      <m:t>= </m:t>
+                    </m:r>
+                    <m:f>
+                      <m:fPr>
+                        <m:ctrlPr>
+                          <a:rPr lang="en-US" i="1">
+                            <a:solidFill>
+                              <a:schemeClr val="tx1"/>
+                            </a:solidFill>
+                            <a:latin typeface="Cambria Math" panose="02040503050406030204" pitchFamily="18" charset="0"/>
+                            <a:cs typeface="Calibri" panose="020F0502020204030204" pitchFamily="34" charset="0"/>
+                          </a:rPr>
+                        </m:ctrlPr>
+                      </m:fPr>
+                      <m:num>
+                        <m:r>
+                          <a:rPr lang="en-US" i="1">
+                            <a:solidFill>
+                              <a:schemeClr val="tx1"/>
+                            </a:solidFill>
+                            <a:latin typeface="Cambria Math" panose="02040503050406030204" pitchFamily="18" charset="0"/>
+                            <a:cs typeface="Calibri" panose="020F0502020204030204" pitchFamily="34" charset="0"/>
+                          </a:rPr>
+                          <m:t>(</m:t>
+                        </m:r>
+                        <m:sSub>
+                          <m:sSubPr>
+                            <m:ctrlPr>
+                              <a:rPr lang="en-US" i="1">
+                                <a:solidFill>
+                                  <a:schemeClr val="tx1"/>
+                                </a:solidFill>
+                                <a:latin typeface="Cambria Math" panose="02040503050406030204" pitchFamily="18" charset="0"/>
+                                <a:cs typeface="Calibri" panose="020F0502020204030204" pitchFamily="34" charset="0"/>
+                              </a:rPr>
+                            </m:ctrlPr>
+                          </m:sSubPr>
+                          <m:e>
+                            <m:r>
+                              <a:rPr lang="en-US" b="0" i="1" smtClean="0">
+                                <a:solidFill>
+                                  <a:schemeClr val="tx1"/>
+                                </a:solidFill>
+                                <a:latin typeface="Cambria Math" panose="02040503050406030204" pitchFamily="18" charset="0"/>
+                                <a:cs typeface="Calibri" panose="020F0502020204030204" pitchFamily="34" charset="0"/>
+                              </a:rPr>
+                              <m:t>𝑡</m:t>
+                            </m:r>
+                          </m:e>
+                          <m:sub>
+                            <m:r>
+                              <a:rPr lang="en-US" i="1">
+                                <a:solidFill>
+                                  <a:schemeClr val="tx1"/>
+                                </a:solidFill>
+                                <a:latin typeface="Cambria Math" panose="02040503050406030204" pitchFamily="18" charset="0"/>
+                                <a:cs typeface="Calibri" panose="020F0502020204030204" pitchFamily="34" charset="0"/>
+                              </a:rPr>
+                              <m:t>𝑖</m:t>
+                            </m:r>
+                          </m:sub>
+                        </m:sSub>
+                        <m:r>
+                          <a:rPr lang="en-US" i="1">
+                            <a:solidFill>
+                              <a:schemeClr val="tx1"/>
+                            </a:solidFill>
+                            <a:latin typeface="Cambria Math" panose="02040503050406030204" pitchFamily="18" charset="0"/>
+                            <a:ea typeface="Cambria Math" panose="02040503050406030204" pitchFamily="18" charset="0"/>
+                            <a:cs typeface="Calibri" panose="020F0502020204030204" pitchFamily="34" charset="0"/>
+                          </a:rPr>
+                          <m:t>∩ </m:t>
+                        </m:r>
+                        <m:sSub>
+                          <m:sSubPr>
+                            <m:ctrlPr>
+                              <a:rPr lang="en-US" i="1">
+                                <a:solidFill>
+                                  <a:schemeClr val="tx1"/>
+                                </a:solidFill>
+                                <a:latin typeface="Cambria Math" panose="02040503050406030204" pitchFamily="18" charset="0"/>
+                                <a:ea typeface="Cambria Math" panose="02040503050406030204" pitchFamily="18" charset="0"/>
+                                <a:cs typeface="Calibri" panose="020F0502020204030204" pitchFamily="34" charset="0"/>
+                              </a:rPr>
+                            </m:ctrlPr>
+                          </m:sSubPr>
+                          <m:e>
+                            <m:r>
+                              <a:rPr lang="en-US" b="0" i="1" smtClean="0">
+                                <a:solidFill>
+                                  <a:schemeClr val="tx1"/>
+                                </a:solidFill>
+                                <a:latin typeface="Cambria Math" panose="02040503050406030204" pitchFamily="18" charset="0"/>
+                                <a:ea typeface="Cambria Math" panose="02040503050406030204" pitchFamily="18" charset="0"/>
+                                <a:cs typeface="Calibri" panose="020F0502020204030204" pitchFamily="34" charset="0"/>
+                              </a:rPr>
+                              <m:t>𝑡</m:t>
+                            </m:r>
+                          </m:e>
+                          <m:sub>
+                            <m:r>
+                              <a:rPr lang="en-US" i="1">
+                                <a:solidFill>
+                                  <a:schemeClr val="tx1"/>
+                                </a:solidFill>
+                                <a:latin typeface="Cambria Math" panose="02040503050406030204" pitchFamily="18" charset="0"/>
+                                <a:ea typeface="Cambria Math" panose="02040503050406030204" pitchFamily="18" charset="0"/>
+                                <a:cs typeface="Calibri" panose="020F0502020204030204" pitchFamily="34" charset="0"/>
+                              </a:rPr>
+                              <m:t>𝑗</m:t>
+                            </m:r>
+                          </m:sub>
+                        </m:sSub>
+                        <m:r>
+                          <a:rPr lang="en-US" i="1">
+                            <a:solidFill>
+                              <a:schemeClr val="tx1"/>
+                            </a:solidFill>
+                            <a:latin typeface="Cambria Math" panose="02040503050406030204" pitchFamily="18" charset="0"/>
+                            <a:cs typeface="Calibri" panose="020F0502020204030204" pitchFamily="34" charset="0"/>
+                          </a:rPr>
+                          <m:t>)</m:t>
+                        </m:r>
+                      </m:num>
+                      <m:den>
+                        <m:r>
+                          <a:rPr lang="en-US" i="1">
+                            <a:solidFill>
+                              <a:schemeClr val="tx1"/>
+                            </a:solidFill>
+                            <a:latin typeface="Cambria Math" panose="02040503050406030204" pitchFamily="18" charset="0"/>
+                            <a:cs typeface="Calibri" panose="020F0502020204030204" pitchFamily="34" charset="0"/>
+                          </a:rPr>
+                          <m:t>(</m:t>
+                        </m:r>
+                        <m:sSub>
+                          <m:sSubPr>
+                            <m:ctrlPr>
+                              <a:rPr lang="en-US" i="1">
+                                <a:solidFill>
+                                  <a:schemeClr val="tx1"/>
+                                </a:solidFill>
+                                <a:latin typeface="Cambria Math" panose="02040503050406030204" pitchFamily="18" charset="0"/>
+                                <a:cs typeface="Calibri" panose="020F0502020204030204" pitchFamily="34" charset="0"/>
+                              </a:rPr>
+                            </m:ctrlPr>
+                          </m:sSubPr>
+                          <m:e>
+                            <m:r>
+                              <a:rPr lang="en-US" b="0" i="1" smtClean="0">
+                                <a:solidFill>
+                                  <a:schemeClr val="tx1"/>
+                                </a:solidFill>
+                                <a:latin typeface="Cambria Math" panose="02040503050406030204" pitchFamily="18" charset="0"/>
+                                <a:cs typeface="Calibri" panose="020F0502020204030204" pitchFamily="34" charset="0"/>
+                              </a:rPr>
+                              <m:t>𝑡</m:t>
+                            </m:r>
+                          </m:e>
+                          <m:sub>
+                            <m:r>
+                              <a:rPr lang="en-US" i="1">
+                                <a:solidFill>
+                                  <a:schemeClr val="tx1"/>
+                                </a:solidFill>
+                                <a:latin typeface="Cambria Math" panose="02040503050406030204" pitchFamily="18" charset="0"/>
+                                <a:cs typeface="Calibri" panose="020F0502020204030204" pitchFamily="34" charset="0"/>
+                              </a:rPr>
+                              <m:t>𝑖</m:t>
+                            </m:r>
+                          </m:sub>
+                        </m:sSub>
+                        <m:r>
+                          <a:rPr lang="en-US" i="1">
+                            <a:solidFill>
+                              <a:schemeClr val="tx1"/>
+                            </a:solidFill>
+                            <a:latin typeface="Cambria Math" panose="02040503050406030204" pitchFamily="18" charset="0"/>
+                            <a:ea typeface="Cambria Math" panose="02040503050406030204" pitchFamily="18" charset="0"/>
+                            <a:cs typeface="Calibri" panose="020F0502020204030204" pitchFamily="34" charset="0"/>
+                          </a:rPr>
+                          <m:t>∪</m:t>
+                        </m:r>
+                        <m:r>
+                          <a:rPr lang="en-US" i="1">
+                            <a:solidFill>
+                              <a:schemeClr val="tx1"/>
+                            </a:solidFill>
+                            <a:latin typeface="Cambria Math" panose="02040503050406030204" pitchFamily="18" charset="0"/>
+                            <a:ea typeface="Cambria Math" panose="02040503050406030204" pitchFamily="18" charset="0"/>
+                            <a:cs typeface="Calibri" panose="020F0502020204030204" pitchFamily="34" charset="0"/>
+                          </a:rPr>
+                          <m:t> </m:t>
+                        </m:r>
+                        <m:sSub>
+                          <m:sSubPr>
+                            <m:ctrlPr>
+                              <a:rPr lang="en-US" i="1">
+                                <a:solidFill>
+                                  <a:schemeClr val="tx1"/>
+                                </a:solidFill>
+                                <a:latin typeface="Cambria Math" panose="02040503050406030204" pitchFamily="18" charset="0"/>
+                                <a:ea typeface="Cambria Math" panose="02040503050406030204" pitchFamily="18" charset="0"/>
+                                <a:cs typeface="Calibri" panose="020F0502020204030204" pitchFamily="34" charset="0"/>
+                              </a:rPr>
+                            </m:ctrlPr>
+                          </m:sSubPr>
+                          <m:e>
+                            <m:r>
+                              <a:rPr lang="en-US" b="0" i="1" smtClean="0">
+                                <a:solidFill>
+                                  <a:schemeClr val="tx1"/>
+                                </a:solidFill>
+                                <a:latin typeface="Cambria Math" panose="02040503050406030204" pitchFamily="18" charset="0"/>
+                                <a:ea typeface="Cambria Math" panose="02040503050406030204" pitchFamily="18" charset="0"/>
+                                <a:cs typeface="Calibri" panose="020F0502020204030204" pitchFamily="34" charset="0"/>
+                              </a:rPr>
+                              <m:t>𝑡</m:t>
+                            </m:r>
+                          </m:e>
+                          <m:sub>
+                            <m:r>
+                              <a:rPr lang="en-US" i="1">
+                                <a:solidFill>
+                                  <a:schemeClr val="tx1"/>
+                                </a:solidFill>
+                                <a:latin typeface="Cambria Math" panose="02040503050406030204" pitchFamily="18" charset="0"/>
+                                <a:ea typeface="Cambria Math" panose="02040503050406030204" pitchFamily="18" charset="0"/>
+                                <a:cs typeface="Calibri" panose="020F0502020204030204" pitchFamily="34" charset="0"/>
+                              </a:rPr>
+                              <m:t>𝑗</m:t>
+                            </m:r>
+                          </m:sub>
+                        </m:sSub>
+                        <m:r>
+                          <a:rPr lang="en-US" i="1">
+                            <a:solidFill>
+                              <a:schemeClr val="tx1"/>
+                            </a:solidFill>
+                            <a:latin typeface="Cambria Math" panose="02040503050406030204" pitchFamily="18" charset="0"/>
+                            <a:cs typeface="Calibri" panose="020F0502020204030204" pitchFamily="34" charset="0"/>
+                          </a:rPr>
+                          <m:t>)</m:t>
+                        </m:r>
+                      </m:den>
+                    </m:f>
+                    <m:r>
+                      <a:rPr lang="en-US" i="1">
+                        <a:solidFill>
+                          <a:schemeClr val="tx1"/>
+                        </a:solidFill>
+                        <a:latin typeface="Cambria Math" panose="02040503050406030204" pitchFamily="18" charset="0"/>
+                        <a:cs typeface="Calibri" panose="020F0502020204030204" pitchFamily="34" charset="0"/>
+                      </a:rPr>
+                      <m:t> </m:t>
+                    </m:r>
+                  </m:oMath>
+                </a14:m>
+                <a:endParaRPr lang="en-US" dirty="0">
+                  <a:solidFill>
+                    <a:schemeClr val="tx1"/>
+                  </a:solidFill>
+                  <a:latin typeface="Calibri" panose="020F0502020204030204" pitchFamily="34" charset="0"/>
+                  <a:cs typeface="Calibri" panose="020F0502020204030204" pitchFamily="34" charset="0"/>
+                </a:endParaRPr>
+              </a:p>
+              <a:p>
+                <a:pPr marL="0" indent="0">
+                  <a:buNone/>
+                </a:pPr>
+                <a:r>
+                  <a:rPr lang="en-US" dirty="0">
+                    <a:solidFill>
+                      <a:schemeClr val="tx1"/>
+                    </a:solidFill>
+                    <a:latin typeface="Calibri" panose="020F0502020204030204" pitchFamily="34" charset="0"/>
+                    <a:cs typeface="Calibri" panose="020F0502020204030204" pitchFamily="34" charset="0"/>
+                  </a:rPr>
+                  <a:t>                             </a:t>
+                </a:r>
+                <a14:m>
+                  <m:oMath xmlns:m="http://schemas.openxmlformats.org/officeDocument/2006/math">
+                    <m:sSubSup>
+                      <m:sSubSupPr>
+                        <m:ctrlPr>
+                          <a:rPr lang="en-US" i="1">
+                            <a:solidFill>
+                              <a:schemeClr val="tx1"/>
+                            </a:solidFill>
+                            <a:latin typeface="Cambria Math" panose="02040503050406030204" pitchFamily="18" charset="0"/>
+                            <a:cs typeface="Calibri" panose="020F0502020204030204" pitchFamily="34" charset="0"/>
+                          </a:rPr>
+                        </m:ctrlPr>
+                      </m:sSubSupPr>
+                      <m:e>
+                        <m:r>
+                          <a:rPr lang="en-US" i="1">
+                            <a:solidFill>
+                              <a:schemeClr val="tx1"/>
+                            </a:solidFill>
+                            <a:latin typeface="Cambria Math" panose="02040503050406030204" pitchFamily="18" charset="0"/>
+                            <a:cs typeface="Calibri" panose="020F0502020204030204" pitchFamily="34" charset="0"/>
+                          </a:rPr>
+                          <m:t>𝑆</m:t>
+                        </m:r>
+                        <m:r>
+                          <a:rPr lang="en-US" b="0" i="1" smtClean="0">
+                            <a:solidFill>
+                              <a:schemeClr val="tx1"/>
+                            </a:solidFill>
+                            <a:latin typeface="Cambria Math" panose="02040503050406030204" pitchFamily="18" charset="0"/>
+                            <a:cs typeface="Calibri" panose="020F0502020204030204" pitchFamily="34" charset="0"/>
+                          </a:rPr>
+                          <m:t>𝑇</m:t>
+                        </m:r>
+                      </m:e>
+                      <m:sub>
+                        <m:r>
+                          <a:rPr lang="en-US" i="1">
+                            <a:solidFill>
+                              <a:schemeClr val="tx1"/>
+                            </a:solidFill>
+                            <a:latin typeface="Cambria Math" panose="02040503050406030204" pitchFamily="18" charset="0"/>
+                            <a:cs typeface="Calibri" panose="020F0502020204030204" pitchFamily="34" charset="0"/>
+                          </a:rPr>
+                          <m:t>𝑖</m:t>
+                        </m:r>
+                        <m:r>
+                          <a:rPr lang="en-US" i="1">
+                            <a:solidFill>
+                              <a:schemeClr val="tx1"/>
+                            </a:solidFill>
+                            <a:latin typeface="Cambria Math" panose="02040503050406030204" pitchFamily="18" charset="0"/>
+                            <a:cs typeface="Calibri" panose="020F0502020204030204" pitchFamily="34" charset="0"/>
+                          </a:rPr>
+                          <m:t>,</m:t>
+                        </m:r>
+                        <m:r>
+                          <a:rPr lang="en-US" i="1">
+                            <a:solidFill>
+                              <a:schemeClr val="tx1"/>
+                            </a:solidFill>
+                            <a:latin typeface="Cambria Math" panose="02040503050406030204" pitchFamily="18" charset="0"/>
+                            <a:cs typeface="Calibri" panose="020F0502020204030204" pitchFamily="34" charset="0"/>
+                          </a:rPr>
+                          <m:t>𝑗</m:t>
+                        </m:r>
+                      </m:sub>
+                      <m:sup>
+                        <m:r>
+                          <a:rPr lang="en-US" i="1">
+                            <a:solidFill>
+                              <a:schemeClr val="tx1"/>
+                            </a:solidFill>
+                            <a:latin typeface="Cambria Math" panose="02040503050406030204" pitchFamily="18" charset="0"/>
+                            <a:cs typeface="Calibri" panose="020F0502020204030204" pitchFamily="34" charset="0"/>
+                          </a:rPr>
+                          <m:t>𝐽</m:t>
+                        </m:r>
+                      </m:sup>
+                    </m:sSubSup>
+                    <m:r>
+                      <a:rPr lang="en-US" b="0" i="1" smtClean="0">
+                        <a:solidFill>
+                          <a:schemeClr val="tx1"/>
+                        </a:solidFill>
+                        <a:latin typeface="Cambria Math" panose="02040503050406030204" pitchFamily="18" charset="0"/>
+                        <a:cs typeface="Calibri" panose="020F0502020204030204" pitchFamily="34" charset="0"/>
+                      </a:rPr>
+                      <m:t>≔</m:t>
+                    </m:r>
+                    <m:r>
+                      <a:rPr lang="en-US" b="0" i="1" smtClean="0">
+                        <a:solidFill>
+                          <a:schemeClr val="tx1"/>
+                        </a:solidFill>
+                        <a:latin typeface="Cambria Math" panose="02040503050406030204" pitchFamily="18" charset="0"/>
+                        <a:cs typeface="Calibri" panose="020F0502020204030204" pitchFamily="34" charset="0"/>
+                      </a:rPr>
+                      <m:t>𝑆𝑖𝑚</m:t>
+                    </m:r>
+                  </m:oMath>
+                </a14:m>
+                <a:endParaRPr lang="en-US" b="0" i="1" dirty="0">
+                  <a:solidFill>
+                    <a:schemeClr val="tx1"/>
+                  </a:solidFill>
+                  <a:latin typeface="Cambria Math" panose="02040503050406030204" pitchFamily="18" charset="0"/>
+                  <a:cs typeface="Calibri" panose="020F0502020204030204" pitchFamily="34" charset="0"/>
+                </a:endParaRPr>
+              </a:p>
+              <a:p>
+                <a:pPr marL="0" indent="0">
+                  <a:buNone/>
+                </a:pPr>
+                <a:r>
+                  <a:rPr lang="en-US" dirty="0">
+                    <a:solidFill>
+                      <a:schemeClr val="tx1"/>
+                    </a:solidFill>
+                    <a:cs typeface="Calibri" panose="020F0502020204030204" pitchFamily="34" charset="0"/>
+                  </a:rPr>
+                  <a:t>                      </a:t>
+                </a:r>
+                <a14:m>
+                  <m:oMath xmlns:m="http://schemas.openxmlformats.org/officeDocument/2006/math">
+                    <m:sSubSup>
+                      <m:sSubSupPr>
+                        <m:ctrlPr>
+                          <a:rPr lang="en-US" i="1">
+                            <a:solidFill>
+                              <a:schemeClr val="tx1"/>
+                            </a:solidFill>
+                            <a:latin typeface="Cambria Math" panose="02040503050406030204" pitchFamily="18" charset="0"/>
+                            <a:cs typeface="Calibri" panose="020F0502020204030204" pitchFamily="34" charset="0"/>
+                          </a:rPr>
+                        </m:ctrlPr>
+                      </m:sSubSupPr>
+                      <m:e>
+                        <m:r>
+                          <a:rPr lang="en-US" i="1">
+                            <a:solidFill>
+                              <a:schemeClr val="tx1"/>
+                            </a:solidFill>
+                            <a:latin typeface="Cambria Math" panose="02040503050406030204" pitchFamily="18" charset="0"/>
+                            <a:cs typeface="Calibri" panose="020F0502020204030204" pitchFamily="34" charset="0"/>
+                          </a:rPr>
+                          <m:t>𝑆</m:t>
+                        </m:r>
+                        <m:r>
+                          <a:rPr lang="en-US" b="0" i="1" smtClean="0">
+                            <a:solidFill>
+                              <a:schemeClr val="tx1"/>
+                            </a:solidFill>
+                            <a:latin typeface="Cambria Math" panose="02040503050406030204" pitchFamily="18" charset="0"/>
+                            <a:cs typeface="Calibri" panose="020F0502020204030204" pitchFamily="34" charset="0"/>
+                          </a:rPr>
+                          <m:t>𝑇</m:t>
+                        </m:r>
+                      </m:e>
+                      <m:sub>
+                        <m:r>
+                          <a:rPr lang="en-US" b="0" i="1" smtClean="0">
+                            <a:solidFill>
+                              <a:schemeClr val="tx1"/>
+                            </a:solidFill>
+                            <a:latin typeface="Cambria Math" panose="02040503050406030204" pitchFamily="18" charset="0"/>
+                            <a:cs typeface="Calibri" panose="020F0502020204030204" pitchFamily="34" charset="0"/>
+                          </a:rPr>
+                          <m:t>𝑗</m:t>
+                        </m:r>
+                        <m:r>
+                          <a:rPr lang="en-US" i="1">
+                            <a:solidFill>
+                              <a:schemeClr val="tx1"/>
+                            </a:solidFill>
+                            <a:latin typeface="Cambria Math" panose="02040503050406030204" pitchFamily="18" charset="0"/>
+                            <a:cs typeface="Calibri" panose="020F0502020204030204" pitchFamily="34" charset="0"/>
+                          </a:rPr>
+                          <m:t>,</m:t>
+                        </m:r>
+                        <m:r>
+                          <a:rPr lang="en-US" b="0" i="1" smtClean="0">
+                            <a:solidFill>
+                              <a:schemeClr val="tx1"/>
+                            </a:solidFill>
+                            <a:latin typeface="Cambria Math" panose="02040503050406030204" pitchFamily="18" charset="0"/>
+                            <a:cs typeface="Calibri" panose="020F0502020204030204" pitchFamily="34" charset="0"/>
+                          </a:rPr>
+                          <m:t>𝑖</m:t>
+                        </m:r>
+                      </m:sub>
+                      <m:sup>
+                        <m:r>
+                          <a:rPr lang="en-US" i="1">
+                            <a:solidFill>
+                              <a:schemeClr val="tx1"/>
+                            </a:solidFill>
+                            <a:latin typeface="Cambria Math" panose="02040503050406030204" pitchFamily="18" charset="0"/>
+                            <a:cs typeface="Calibri" panose="020F0502020204030204" pitchFamily="34" charset="0"/>
+                          </a:rPr>
+                          <m:t>𝐽</m:t>
+                        </m:r>
+                        <m:r>
+                          <a:rPr lang="en-US" b="0" i="1" smtClean="0">
+                            <a:solidFill>
+                              <a:schemeClr val="tx1"/>
+                            </a:solidFill>
+                            <a:latin typeface="Cambria Math" panose="02040503050406030204" pitchFamily="18" charset="0"/>
+                            <a:cs typeface="Calibri" panose="020F0502020204030204" pitchFamily="34" charset="0"/>
+                          </a:rPr>
+                          <m:t> </m:t>
+                        </m:r>
+                      </m:sup>
+                    </m:sSubSup>
+                    <m:r>
+                      <a:rPr lang="en-US" b="0" i="1" smtClean="0">
+                        <a:solidFill>
+                          <a:schemeClr val="tx1"/>
+                        </a:solidFill>
+                        <a:latin typeface="Cambria Math" panose="02040503050406030204" pitchFamily="18" charset="0"/>
+                        <a:cs typeface="Calibri" panose="020F0502020204030204" pitchFamily="34" charset="0"/>
+                      </a:rPr>
+                      <m:t> :</m:t>
+                    </m:r>
+                    <m:r>
+                      <a:rPr lang="en-US" i="1">
+                        <a:solidFill>
+                          <a:schemeClr val="tx1"/>
+                        </a:solidFill>
+                        <a:latin typeface="Cambria Math" panose="02040503050406030204" pitchFamily="18" charset="0"/>
+                        <a:cs typeface="Calibri" panose="020F0502020204030204" pitchFamily="34" charset="0"/>
+                      </a:rPr>
+                      <m:t>=</m:t>
+                    </m:r>
+                    <m:r>
+                      <a:rPr lang="en-US" b="0" i="1" smtClean="0">
+                        <a:solidFill>
+                          <a:schemeClr val="tx1"/>
+                        </a:solidFill>
+                        <a:latin typeface="Cambria Math" panose="02040503050406030204" pitchFamily="18" charset="0"/>
+                        <a:cs typeface="Calibri" panose="020F0502020204030204" pitchFamily="34" charset="0"/>
+                      </a:rPr>
+                      <m:t>𝑆𝑖𝑚</m:t>
+                    </m:r>
+                  </m:oMath>
+                </a14:m>
+                <a:endParaRPr lang="en-US" dirty="0">
+                  <a:solidFill>
+                    <a:schemeClr val="tx1"/>
+                  </a:solidFill>
+                  <a:latin typeface="Calibri" panose="020F0502020204030204" pitchFamily="34" charset="0"/>
+                  <a:cs typeface="Calibri" panose="020F0502020204030204" pitchFamily="34" charset="0"/>
+                </a:endParaRPr>
+              </a:p>
+              <a:p>
+                <a:pPr marL="0" indent="0">
+                  <a:buNone/>
+                </a:pPr>
+                <a:endParaRPr lang="en-US" dirty="0">
+                  <a:solidFill>
+                    <a:schemeClr val="tx1"/>
+                  </a:solidFill>
+                  <a:latin typeface="Calibri" panose="020F0502020204030204" pitchFamily="34" charset="0"/>
+                  <a:cs typeface="Calibri" panose="020F0502020204030204" pitchFamily="34" charset="0"/>
+                </a:endParaRPr>
+              </a:p>
+              <a:p>
+                <a:pPr marL="0" indent="0">
+                  <a:buNone/>
+                </a:pPr>
+                <a:r>
+                  <a:rPr lang="en-US" dirty="0">
+                    <a:solidFill>
+                      <a:schemeClr val="tx1"/>
+                    </a:solidFill>
+                    <a:cs typeface="Calibri" panose="020F0502020204030204" pitchFamily="34" charset="0"/>
+                  </a:rPr>
+                  <a:t>          return  </a:t>
+                </a:r>
+                <a14:m>
+                  <m:oMath xmlns:m="http://schemas.openxmlformats.org/officeDocument/2006/math">
+                    <m:sSubSup>
+                      <m:sSubSupPr>
+                        <m:ctrlPr>
+                          <a:rPr lang="en-US" i="1">
+                            <a:solidFill>
+                              <a:schemeClr val="tx1"/>
+                            </a:solidFill>
+                            <a:latin typeface="Cambria Math" panose="02040503050406030204" pitchFamily="18" charset="0"/>
+                            <a:cs typeface="Calibri" panose="020F0502020204030204" pitchFamily="34" charset="0"/>
+                          </a:rPr>
+                        </m:ctrlPr>
+                      </m:sSubSupPr>
+                      <m:e>
+                        <m:r>
+                          <a:rPr lang="en-US" i="1">
+                            <a:solidFill>
+                              <a:schemeClr val="tx1"/>
+                            </a:solidFill>
+                            <a:latin typeface="Cambria Math" panose="02040503050406030204" pitchFamily="18" charset="0"/>
+                            <a:cs typeface="Calibri" panose="020F0502020204030204" pitchFamily="34" charset="0"/>
+                          </a:rPr>
+                          <m:t>𝑆</m:t>
+                        </m:r>
+                        <m:r>
+                          <a:rPr lang="en-US" b="0" i="1" smtClean="0">
+                            <a:solidFill>
+                              <a:schemeClr val="tx1"/>
+                            </a:solidFill>
+                            <a:latin typeface="Cambria Math" panose="02040503050406030204" pitchFamily="18" charset="0"/>
+                            <a:cs typeface="Calibri" panose="020F0502020204030204" pitchFamily="34" charset="0"/>
+                          </a:rPr>
+                          <m:t>𝑇</m:t>
+                        </m:r>
+                      </m:e>
+                      <m:sub/>
+                      <m:sup>
+                        <m:r>
+                          <a:rPr lang="en-US" i="1">
+                            <a:solidFill>
+                              <a:schemeClr val="tx1"/>
+                            </a:solidFill>
+                            <a:latin typeface="Cambria Math" panose="02040503050406030204" pitchFamily="18" charset="0"/>
+                            <a:cs typeface="Calibri" panose="020F0502020204030204" pitchFamily="34" charset="0"/>
+                          </a:rPr>
+                          <m:t>𝐽</m:t>
+                        </m:r>
+                      </m:sup>
+                    </m:sSubSup>
+                  </m:oMath>
+                </a14:m>
+                <a:endParaRPr lang="en-US" dirty="0">
+                  <a:solidFill>
+                    <a:schemeClr val="tx1"/>
+                  </a:solidFill>
+                  <a:latin typeface="Calibri" panose="020F0502020204030204" pitchFamily="34" charset="0"/>
+                  <a:cs typeface="Calibri" panose="020F0502020204030204" pitchFamily="34" charset="0"/>
+                </a:endParaRPr>
+              </a:p>
+              <a:p>
+                <a:pPr marL="0" indent="0">
+                  <a:buNone/>
+                </a:pPr>
+                <a:r>
+                  <a:rPr lang="en-US" dirty="0">
+                    <a:solidFill>
+                      <a:schemeClr val="tx1"/>
+                    </a:solidFill>
+                    <a:latin typeface="Calibri" panose="020F0502020204030204" pitchFamily="34" charset="0"/>
+                    <a:cs typeface="Calibri" panose="020F0502020204030204" pitchFamily="34" charset="0"/>
+                  </a:rPr>
+                  <a:t>End </a:t>
+                </a:r>
+                <a:r>
+                  <a:rPr lang="en-US" dirty="0" err="1">
+                    <a:solidFill>
+                      <a:schemeClr val="tx1"/>
+                    </a:solidFill>
+                    <a:latin typeface="Calibri" panose="020F0502020204030204" pitchFamily="34" charset="0"/>
+                    <a:cs typeface="Calibri" panose="020F0502020204030204" pitchFamily="34" charset="0"/>
+                  </a:rPr>
+                  <a:t>TargetTargetJaccardSimilarity</a:t>
+                </a:r>
+                <a:endParaRPr lang="en-US" dirty="0">
+                  <a:solidFill>
+                    <a:schemeClr val="tx1"/>
+                  </a:solidFill>
+                  <a:latin typeface="Calibri" panose="020F0502020204030204" pitchFamily="34" charset="0"/>
+                  <a:cs typeface="Calibri" panose="020F0502020204030204" pitchFamily="34" charset="0"/>
+                </a:endParaRPr>
+              </a:p>
+              <a:p>
+                <a:pPr marL="0" indent="0">
+                  <a:buNone/>
+                </a:pPr>
+                <a:endParaRPr lang="en-US" dirty="0">
+                  <a:solidFill>
+                    <a:schemeClr val="tx1"/>
+                  </a:solidFill>
+                  <a:latin typeface="Calibri" panose="020F0502020204030204" pitchFamily="34" charset="0"/>
+                  <a:cs typeface="Calibri" panose="020F0502020204030204" pitchFamily="34" charset="0"/>
+                </a:endParaRPr>
+              </a:p>
+            </p:txBody>
+          </p:sp>
+        </mc:Choice>
+        <mc:Fallback>
+          <p:sp>
+            <p:nvSpPr>
+              <p:cNvPr id="9" name="Content Placeholder 8">
+                <a:extLst>
+                  <a:ext uri="{FF2B5EF4-FFF2-40B4-BE49-F238E27FC236}">
+                    <a16:creationId xmlns:a16="http://schemas.microsoft.com/office/drawing/2014/main" id="{BFD27979-805A-4B4B-946D-AB44BEAC7A32}"/>
+                  </a:ext>
+                </a:extLst>
+              </p:cNvPr>
+              <p:cNvSpPr>
+                <a:spLocks noGrp="1" noRot="1" noChangeAspect="1" noMove="1" noResize="1" noEditPoints="1" noAdjustHandles="1" noChangeArrowheads="1" noChangeShapeType="1" noTextEdit="1"/>
+              </p:cNvSpPr>
+              <p:nvPr>
+                <p:ph idx="1"/>
+              </p:nvPr>
+            </p:nvSpPr>
+            <p:spPr>
+              <a:xfrm>
+                <a:off x="760413" y="1219200"/>
+                <a:ext cx="6553199" cy="5486400"/>
+              </a:xfrm>
+              <a:blipFill>
+                <a:blip r:embed="rId2"/>
+                <a:stretch>
+                  <a:fillRect l="-651" b="-222"/>
+                </a:stretch>
+              </a:blipFill>
+            </p:spPr>
+            <p:txBody>
+              <a:bodyPr/>
+              <a:lstStyle/>
+              <a:p>
+                <a:r>
+                  <a:rPr lang="en-US">
+                    <a:noFill/>
+                  </a:rPr>
+                  <a:t> </a:t>
+                </a:r>
+              </a:p>
+            </p:txBody>
+          </p:sp>
+        </mc:Fallback>
+      </mc:AlternateContent>
+      <p:sp>
+        <p:nvSpPr>
+          <p:cNvPr id="6" name="Content Placeholder 2">
+            <a:extLst>
+              <a:ext uri="{FF2B5EF4-FFF2-40B4-BE49-F238E27FC236}">
+                <a16:creationId xmlns:a16="http://schemas.microsoft.com/office/drawing/2014/main" id="{109EE1EC-0CF3-44EA-8406-9B48EE9C5C3D}"/>
+              </a:ext>
+            </a:extLst>
+          </p:cNvPr>
+          <p:cNvSpPr txBox="1">
+            <a:spLocks/>
+          </p:cNvSpPr>
+          <p:nvPr/>
+        </p:nvSpPr>
+        <p:spPr>
+          <a:xfrm>
+            <a:off x="677158" y="1676400"/>
+            <a:ext cx="9227254" cy="4343400"/>
+          </a:xfrm>
+          <a:prstGeom prst="rect">
+            <a:avLst/>
+          </a:prstGeom>
+        </p:spPr>
+        <p:txBody>
+          <a:bodyPr vert="horz" lIns="91440" tIns="45720" rIns="91440" bIns="45720" rtlCol="0">
+            <a:normAutofit/>
+          </a:bodyPr>
+          <a:lstStyle>
+            <a:lvl1pPr marL="342797" indent="-342797" algn="l" defTabSz="457063" rtl="0" eaLnBrk="1" latinLnBrk="0" hangingPunct="1">
+              <a:spcBef>
+                <a:spcPts val="1000"/>
+              </a:spcBef>
+              <a:spcAft>
+                <a:spcPts val="0"/>
+              </a:spcAft>
+              <a:buClr>
+                <a:schemeClr val="accent1"/>
+              </a:buClr>
+              <a:buSzPct val="80000"/>
+              <a:buFont typeface="Wingdings 3" charset="2"/>
+              <a:buChar char=""/>
+              <a:defRPr sz="1799" kern="1200">
+                <a:solidFill>
+                  <a:schemeClr val="tx1">
+                    <a:lumMod val="75000"/>
+                    <a:lumOff val="25000"/>
+                  </a:schemeClr>
+                </a:solidFill>
+                <a:latin typeface="+mn-lt"/>
+                <a:ea typeface="+mn-ea"/>
+                <a:cs typeface="+mn-cs"/>
+              </a:defRPr>
+            </a:lvl1pPr>
+            <a:lvl2pPr marL="742727" indent="-285664" algn="l" defTabSz="457063" rtl="0" eaLnBrk="1" latinLnBrk="0" hangingPunct="1">
+              <a:spcBef>
+                <a:spcPts val="1000"/>
+              </a:spcBef>
+              <a:spcAft>
+                <a:spcPts val="0"/>
+              </a:spcAft>
+              <a:buClr>
+                <a:schemeClr val="accent1"/>
+              </a:buClr>
+              <a:buSzPct val="80000"/>
+              <a:buFont typeface="Wingdings 3" charset="2"/>
+              <a:buChar char=""/>
+              <a:defRPr sz="1600" kern="1200">
+                <a:solidFill>
+                  <a:schemeClr val="tx1">
+                    <a:lumMod val="75000"/>
+                    <a:lumOff val="25000"/>
+                  </a:schemeClr>
+                </a:solidFill>
+                <a:latin typeface="+mn-lt"/>
+                <a:ea typeface="+mn-ea"/>
+                <a:cs typeface="+mn-cs"/>
+              </a:defRPr>
+            </a:lvl2pPr>
+            <a:lvl3pPr marL="1142657" indent="-228531" algn="l" defTabSz="457063" rtl="0" eaLnBrk="1" latinLnBrk="0" hangingPunct="1">
+              <a:spcBef>
+                <a:spcPts val="1000"/>
+              </a:spcBef>
+              <a:spcAft>
+                <a:spcPts val="0"/>
+              </a:spcAft>
+              <a:buClr>
+                <a:schemeClr val="accent1"/>
+              </a:buClr>
+              <a:buSzPct val="80000"/>
+              <a:buFont typeface="Wingdings 3" charset="2"/>
+              <a:buChar char=""/>
+              <a:defRPr sz="1400" kern="1200">
+                <a:solidFill>
+                  <a:schemeClr val="tx1">
+                    <a:lumMod val="75000"/>
+                    <a:lumOff val="25000"/>
+                  </a:schemeClr>
+                </a:solidFill>
+                <a:latin typeface="+mn-lt"/>
+                <a:ea typeface="+mn-ea"/>
+                <a:cs typeface="+mn-cs"/>
+              </a:defRPr>
+            </a:lvl3pPr>
+            <a:lvl4pPr marL="1599720" indent="-228531" algn="l" defTabSz="457063" rtl="0" eaLnBrk="1" latinLnBrk="0" hangingPunct="1">
+              <a:spcBef>
+                <a:spcPts val="1000"/>
+              </a:spcBef>
+              <a:spcAft>
+                <a:spcPts val="0"/>
+              </a:spcAft>
+              <a:buClr>
+                <a:schemeClr val="accent1"/>
+              </a:buClr>
+              <a:buSzPct val="80000"/>
+              <a:buFont typeface="Wingdings 3" charset="2"/>
+              <a:buChar char=""/>
+              <a:defRPr sz="1200" kern="1200">
+                <a:solidFill>
+                  <a:schemeClr val="tx1">
+                    <a:lumMod val="75000"/>
+                    <a:lumOff val="25000"/>
+                  </a:schemeClr>
+                </a:solidFill>
+                <a:latin typeface="+mn-lt"/>
+                <a:ea typeface="+mn-ea"/>
+                <a:cs typeface="+mn-cs"/>
+              </a:defRPr>
+            </a:lvl4pPr>
+            <a:lvl5pPr marL="2056783" indent="-228531" algn="l" defTabSz="457063" rtl="0" eaLnBrk="1" latinLnBrk="0" hangingPunct="1">
+              <a:spcBef>
+                <a:spcPts val="1000"/>
+              </a:spcBef>
+              <a:spcAft>
+                <a:spcPts val="0"/>
+              </a:spcAft>
+              <a:buClr>
+                <a:schemeClr val="accent1"/>
+              </a:buClr>
+              <a:buSzPct val="80000"/>
+              <a:buFont typeface="Wingdings 3" charset="2"/>
+              <a:buChar char=""/>
+              <a:defRPr sz="1200" kern="1200">
+                <a:solidFill>
+                  <a:schemeClr val="tx1">
+                    <a:lumMod val="75000"/>
+                    <a:lumOff val="25000"/>
+                  </a:schemeClr>
+                </a:solidFill>
+                <a:latin typeface="+mn-lt"/>
+                <a:ea typeface="+mn-ea"/>
+                <a:cs typeface="+mn-cs"/>
+              </a:defRPr>
+            </a:lvl5pPr>
+            <a:lvl6pPr marL="2513846" indent="-228531" algn="l" defTabSz="457063" rtl="0" eaLnBrk="1" latinLnBrk="0" hangingPunct="1">
+              <a:spcBef>
+                <a:spcPts val="1000"/>
+              </a:spcBef>
+              <a:spcAft>
+                <a:spcPts val="0"/>
+              </a:spcAft>
+              <a:buClr>
+                <a:schemeClr val="accent1"/>
+              </a:buClr>
+              <a:buSzPct val="80000"/>
+              <a:buFont typeface="Wingdings 3" charset="2"/>
+              <a:buChar char=""/>
+              <a:defRPr sz="1200" kern="1200">
+                <a:solidFill>
+                  <a:schemeClr val="tx1">
+                    <a:lumMod val="75000"/>
+                    <a:lumOff val="25000"/>
+                  </a:schemeClr>
+                </a:solidFill>
+                <a:latin typeface="+mn-lt"/>
+                <a:ea typeface="+mn-ea"/>
+                <a:cs typeface="+mn-cs"/>
+              </a:defRPr>
+            </a:lvl6pPr>
+            <a:lvl7pPr marL="2970908" indent="-228531" algn="l" defTabSz="457063" rtl="0" eaLnBrk="1" latinLnBrk="0" hangingPunct="1">
+              <a:spcBef>
+                <a:spcPts val="1000"/>
+              </a:spcBef>
+              <a:spcAft>
+                <a:spcPts val="0"/>
+              </a:spcAft>
+              <a:buClr>
+                <a:schemeClr val="accent1"/>
+              </a:buClr>
+              <a:buSzPct val="80000"/>
+              <a:buFont typeface="Wingdings 3" charset="2"/>
+              <a:buChar char=""/>
+              <a:defRPr sz="1200" kern="1200">
+                <a:solidFill>
+                  <a:schemeClr val="tx1">
+                    <a:lumMod val="75000"/>
+                    <a:lumOff val="25000"/>
+                  </a:schemeClr>
+                </a:solidFill>
+                <a:latin typeface="+mn-lt"/>
+                <a:ea typeface="+mn-ea"/>
+                <a:cs typeface="+mn-cs"/>
+              </a:defRPr>
+            </a:lvl7pPr>
+            <a:lvl8pPr marL="3427971" indent="-228531" algn="l" defTabSz="457063" rtl="0" eaLnBrk="1" latinLnBrk="0" hangingPunct="1">
+              <a:spcBef>
+                <a:spcPts val="1000"/>
+              </a:spcBef>
+              <a:spcAft>
+                <a:spcPts val="0"/>
+              </a:spcAft>
+              <a:buClr>
+                <a:schemeClr val="accent1"/>
+              </a:buClr>
+              <a:buSzPct val="80000"/>
+              <a:buFont typeface="Wingdings 3" charset="2"/>
+              <a:buChar char=""/>
+              <a:defRPr sz="1200" kern="1200">
+                <a:solidFill>
+                  <a:schemeClr val="tx1">
+                    <a:lumMod val="75000"/>
+                    <a:lumOff val="25000"/>
+                  </a:schemeClr>
+                </a:solidFill>
+                <a:latin typeface="+mn-lt"/>
+                <a:ea typeface="+mn-ea"/>
+                <a:cs typeface="+mn-cs"/>
+              </a:defRPr>
+            </a:lvl8pPr>
+            <a:lvl9pPr marL="3885034" indent="-228531" algn="l" defTabSz="457063" rtl="0" eaLnBrk="1" latinLnBrk="0" hangingPunct="1">
+              <a:spcBef>
+                <a:spcPts val="1000"/>
+              </a:spcBef>
+              <a:spcAft>
+                <a:spcPts val="0"/>
+              </a:spcAft>
+              <a:buClr>
+                <a:schemeClr val="accent1"/>
+              </a:buClr>
+              <a:buSzPct val="80000"/>
+              <a:buFont typeface="Wingdings 3" charset="2"/>
+              <a:buChar char=""/>
+              <a:defRPr sz="1200" kern="1200">
+                <a:solidFill>
+                  <a:schemeClr val="tx1">
+                    <a:lumMod val="75000"/>
+                    <a:lumOff val="25000"/>
+                  </a:schemeClr>
+                </a:solidFill>
+                <a:latin typeface="+mn-lt"/>
+                <a:ea typeface="+mn-ea"/>
+                <a:cs typeface="+mn-cs"/>
+              </a:defRPr>
+            </a:lvl9pPr>
+          </a:lstStyle>
+          <a:p>
+            <a:pPr marL="457063" lvl="1" indent="0">
+              <a:buFont typeface="Wingdings 3" charset="2"/>
+              <a:buNone/>
+            </a:pPr>
+            <a:endParaRPr lang="en-US" dirty="0"/>
+          </a:p>
+        </p:txBody>
+      </p:sp>
+    </p:spTree>
+    <p:extLst>
+      <p:ext uri="{BB962C8B-B14F-4D97-AF65-F5344CB8AC3E}">
+        <p14:creationId xmlns:p14="http://schemas.microsoft.com/office/powerpoint/2010/main" val="434869794"/>
+      </p:ext>
+    </p:extLst>
+  </p:cSld>
+  <p:clrMapOvr>
+    <a:masterClrMapping/>
+  </p:clrMapOvr>
+  <mc:AlternateContent xmlns:mc="http://schemas.openxmlformats.org/markup-compatibility/2006" xmlns:p14="http://schemas.microsoft.com/office/powerpoint/2010/main">
+    <mc:Choice Requires="p14">
+      <p:transition spd="med" p14:dur="700">
+        <p:fade/>
+      </p:transition>
+    </mc:Choice>
+    <mc:Fallback xmlns="">
+      <p:transition spd="med">
+        <p:fade/>
+      </p:transition>
+    </mc:Fallback>
+  </mc:AlternateContent>
+</p:sld>
+</file>
+
+<file path=ppt/slides/slide22.xml><?xml version="1.0" encoding="utf-8"?>
+<p:sld xmlns:a="http://schemas.openxmlformats.org/drawingml/2006/main" xmlns:r="http://schemas.openxmlformats.org/officeDocument/2006/relationships" xmlns:p="http://schemas.openxmlformats.org/presentationml/2006/main">
+  <p:cSld>
+    <p:spTree>
+      <p:nvGrpSpPr>
+        <p:cNvPr id="1" name=""/>
+        <p:cNvGrpSpPr/>
+        <p:nvPr/>
+      </p:nvGrpSpPr>
+      <p:grpSpPr>
+        <a:xfrm>
+          <a:off x="0" y="0"/>
+          <a:ext cx="0" cy="0"/>
+          <a:chOff x="0" y="0"/>
+          <a:chExt cx="0" cy="0"/>
+        </a:xfrm>
+      </p:grpSpPr>
+      <p:sp>
+        <p:nvSpPr>
+          <p:cNvPr id="2" name="Title 1"/>
+          <p:cNvSpPr>
+            <a:spLocks noGrp="1"/>
+          </p:cNvSpPr>
+          <p:nvPr>
+            <p:ph type="title"/>
+          </p:nvPr>
+        </p:nvSpPr>
+        <p:spPr/>
+        <p:txBody>
+          <a:bodyPr anchor="t">
+            <a:normAutofit/>
+          </a:bodyPr>
+          <a:lstStyle/>
+          <a:p>
+            <a:r>
+              <a:rPr lang="en-US" sz="3600" dirty="0">
+                <a:latin typeface="Calibri" panose="020F0502020204030204" pitchFamily="34" charset="0"/>
+                <a:cs typeface="Calibri" panose="020F0502020204030204" pitchFamily="34" charset="0"/>
+              </a:rPr>
+              <a:t>Experiment Sitting</a:t>
+            </a:r>
+            <a:endParaRPr lang="en-US" dirty="0">
+              <a:latin typeface="Calibri" panose="020F0502020204030204" pitchFamily="34" charset="0"/>
+              <a:cs typeface="Calibri" panose="020F0502020204030204" pitchFamily="34" charset="0"/>
+            </a:endParaRPr>
+          </a:p>
+        </p:txBody>
+      </p:sp>
+      <p:sp>
+        <p:nvSpPr>
+          <p:cNvPr id="9" name="Content Placeholder 8">
+            <a:extLst>
+              <a:ext uri="{FF2B5EF4-FFF2-40B4-BE49-F238E27FC236}">
+                <a16:creationId xmlns:a16="http://schemas.microsoft.com/office/drawing/2014/main" id="{BFD27979-805A-4B4B-946D-AB44BEAC7A32}"/>
+              </a:ext>
+            </a:extLst>
+          </p:cNvPr>
+          <p:cNvSpPr>
+            <a:spLocks noGrp="1"/>
+          </p:cNvSpPr>
+          <p:nvPr>
+            <p:ph idx="1"/>
+          </p:nvPr>
+        </p:nvSpPr>
+        <p:spPr>
+          <a:xfrm>
+            <a:off x="760413" y="1600200"/>
+            <a:ext cx="6553199" cy="4724400"/>
+          </a:xfrm>
+        </p:spPr>
+        <p:txBody>
+          <a:bodyPr>
+            <a:normAutofit/>
+          </a:bodyPr>
+          <a:lstStyle/>
+          <a:p>
+            <a:pPr marL="0" indent="0">
+              <a:buNone/>
+            </a:pPr>
+            <a:r>
+              <a:rPr lang="en-US" b="1" dirty="0">
+                <a:solidFill>
+                  <a:schemeClr val="tx1"/>
+                </a:solidFill>
+                <a:latin typeface="Calibri" panose="020F0502020204030204" pitchFamily="34" charset="0"/>
+                <a:cs typeface="Calibri" panose="020F0502020204030204" pitchFamily="34" charset="0"/>
+              </a:rPr>
+              <a:t>Datasets :                 </a:t>
+            </a:r>
+          </a:p>
+          <a:p>
+            <a:pPr marL="0" indent="0">
+              <a:buNone/>
+            </a:pPr>
+            <a:endParaRPr lang="en-US" dirty="0">
+              <a:solidFill>
+                <a:schemeClr val="tx1"/>
+              </a:solidFill>
+              <a:latin typeface="Calibri" panose="020F0502020204030204" pitchFamily="34" charset="0"/>
+              <a:cs typeface="Calibri" panose="020F0502020204030204" pitchFamily="34" charset="0"/>
+            </a:endParaRPr>
+          </a:p>
+        </p:txBody>
+      </p:sp>
+      <p:sp>
+        <p:nvSpPr>
+          <p:cNvPr id="6" name="Content Placeholder 2">
+            <a:extLst>
+              <a:ext uri="{FF2B5EF4-FFF2-40B4-BE49-F238E27FC236}">
+                <a16:creationId xmlns:a16="http://schemas.microsoft.com/office/drawing/2014/main" id="{109EE1EC-0CF3-44EA-8406-9B48EE9C5C3D}"/>
+              </a:ext>
+            </a:extLst>
+          </p:cNvPr>
+          <p:cNvSpPr txBox="1">
+            <a:spLocks/>
+          </p:cNvSpPr>
+          <p:nvPr/>
+        </p:nvSpPr>
+        <p:spPr>
+          <a:xfrm>
+            <a:off x="677158" y="1676400"/>
+            <a:ext cx="9227254" cy="4343400"/>
+          </a:xfrm>
+          <a:prstGeom prst="rect">
+            <a:avLst/>
+          </a:prstGeom>
+        </p:spPr>
+        <p:txBody>
+          <a:bodyPr vert="horz" lIns="91440" tIns="45720" rIns="91440" bIns="45720" rtlCol="0">
+            <a:normAutofit/>
+          </a:bodyPr>
+          <a:lstStyle>
+            <a:lvl1pPr marL="342797" indent="-342797" algn="l" defTabSz="457063" rtl="0" eaLnBrk="1" latinLnBrk="0" hangingPunct="1">
+              <a:spcBef>
+                <a:spcPts val="1000"/>
+              </a:spcBef>
+              <a:spcAft>
+                <a:spcPts val="0"/>
+              </a:spcAft>
+              <a:buClr>
+                <a:schemeClr val="accent1"/>
+              </a:buClr>
+              <a:buSzPct val="80000"/>
+              <a:buFont typeface="Wingdings 3" charset="2"/>
+              <a:buChar char=""/>
+              <a:defRPr sz="1799" kern="1200">
+                <a:solidFill>
+                  <a:schemeClr val="tx1">
+                    <a:lumMod val="75000"/>
+                    <a:lumOff val="25000"/>
+                  </a:schemeClr>
+                </a:solidFill>
+                <a:latin typeface="+mn-lt"/>
+                <a:ea typeface="+mn-ea"/>
+                <a:cs typeface="+mn-cs"/>
+              </a:defRPr>
+            </a:lvl1pPr>
+            <a:lvl2pPr marL="742727" indent="-285664" algn="l" defTabSz="457063" rtl="0" eaLnBrk="1" latinLnBrk="0" hangingPunct="1">
+              <a:spcBef>
+                <a:spcPts val="1000"/>
+              </a:spcBef>
+              <a:spcAft>
+                <a:spcPts val="0"/>
+              </a:spcAft>
+              <a:buClr>
+                <a:schemeClr val="accent1"/>
+              </a:buClr>
+              <a:buSzPct val="80000"/>
+              <a:buFont typeface="Wingdings 3" charset="2"/>
+              <a:buChar char=""/>
+              <a:defRPr sz="1600" kern="1200">
+                <a:solidFill>
+                  <a:schemeClr val="tx1">
+                    <a:lumMod val="75000"/>
+                    <a:lumOff val="25000"/>
+                  </a:schemeClr>
+                </a:solidFill>
+                <a:latin typeface="+mn-lt"/>
+                <a:ea typeface="+mn-ea"/>
+                <a:cs typeface="+mn-cs"/>
+              </a:defRPr>
+            </a:lvl2pPr>
+            <a:lvl3pPr marL="1142657" indent="-228531" algn="l" defTabSz="457063" rtl="0" eaLnBrk="1" latinLnBrk="0" hangingPunct="1">
+              <a:spcBef>
+                <a:spcPts val="1000"/>
+              </a:spcBef>
+              <a:spcAft>
+                <a:spcPts val="0"/>
+              </a:spcAft>
+              <a:buClr>
+                <a:schemeClr val="accent1"/>
+              </a:buClr>
+              <a:buSzPct val="80000"/>
+              <a:buFont typeface="Wingdings 3" charset="2"/>
+              <a:buChar char=""/>
+              <a:defRPr sz="1400" kern="1200">
+                <a:solidFill>
+                  <a:schemeClr val="tx1">
+                    <a:lumMod val="75000"/>
+                    <a:lumOff val="25000"/>
+                  </a:schemeClr>
+                </a:solidFill>
+                <a:latin typeface="+mn-lt"/>
+                <a:ea typeface="+mn-ea"/>
+                <a:cs typeface="+mn-cs"/>
+              </a:defRPr>
+            </a:lvl3pPr>
+            <a:lvl4pPr marL="1599720" indent="-228531" algn="l" defTabSz="457063" rtl="0" eaLnBrk="1" latinLnBrk="0" hangingPunct="1">
+              <a:spcBef>
+                <a:spcPts val="1000"/>
+              </a:spcBef>
+              <a:spcAft>
+                <a:spcPts val="0"/>
+              </a:spcAft>
+              <a:buClr>
+                <a:schemeClr val="accent1"/>
+              </a:buClr>
+              <a:buSzPct val="80000"/>
+              <a:buFont typeface="Wingdings 3" charset="2"/>
+              <a:buChar char=""/>
+              <a:defRPr sz="1200" kern="1200">
+                <a:solidFill>
+                  <a:schemeClr val="tx1">
+                    <a:lumMod val="75000"/>
+                    <a:lumOff val="25000"/>
+                  </a:schemeClr>
+                </a:solidFill>
+                <a:latin typeface="+mn-lt"/>
+                <a:ea typeface="+mn-ea"/>
+                <a:cs typeface="+mn-cs"/>
+              </a:defRPr>
+            </a:lvl4pPr>
+            <a:lvl5pPr marL="2056783" indent="-228531" algn="l" defTabSz="457063" rtl="0" eaLnBrk="1" latinLnBrk="0" hangingPunct="1">
+              <a:spcBef>
+                <a:spcPts val="1000"/>
+              </a:spcBef>
+              <a:spcAft>
+                <a:spcPts val="0"/>
+              </a:spcAft>
+              <a:buClr>
+                <a:schemeClr val="accent1"/>
+              </a:buClr>
+              <a:buSzPct val="80000"/>
+              <a:buFont typeface="Wingdings 3" charset="2"/>
+              <a:buChar char=""/>
+              <a:defRPr sz="1200" kern="1200">
+                <a:solidFill>
+                  <a:schemeClr val="tx1">
+                    <a:lumMod val="75000"/>
+                    <a:lumOff val="25000"/>
+                  </a:schemeClr>
+                </a:solidFill>
+                <a:latin typeface="+mn-lt"/>
+                <a:ea typeface="+mn-ea"/>
+                <a:cs typeface="+mn-cs"/>
+              </a:defRPr>
+            </a:lvl5pPr>
+            <a:lvl6pPr marL="2513846" indent="-228531" algn="l" defTabSz="457063" rtl="0" eaLnBrk="1" latinLnBrk="0" hangingPunct="1">
+              <a:spcBef>
+                <a:spcPts val="1000"/>
+              </a:spcBef>
+              <a:spcAft>
+                <a:spcPts val="0"/>
+              </a:spcAft>
+              <a:buClr>
+                <a:schemeClr val="accent1"/>
+              </a:buClr>
+              <a:buSzPct val="80000"/>
+              <a:buFont typeface="Wingdings 3" charset="2"/>
+              <a:buChar char=""/>
+              <a:defRPr sz="1200" kern="1200">
+                <a:solidFill>
+                  <a:schemeClr val="tx1">
+                    <a:lumMod val="75000"/>
+                    <a:lumOff val="25000"/>
+                  </a:schemeClr>
+                </a:solidFill>
+                <a:latin typeface="+mn-lt"/>
+                <a:ea typeface="+mn-ea"/>
+                <a:cs typeface="+mn-cs"/>
+              </a:defRPr>
+            </a:lvl6pPr>
+            <a:lvl7pPr marL="2970908" indent="-228531" algn="l" defTabSz="457063" rtl="0" eaLnBrk="1" latinLnBrk="0" hangingPunct="1">
+              <a:spcBef>
+                <a:spcPts val="1000"/>
+              </a:spcBef>
+              <a:spcAft>
+                <a:spcPts val="0"/>
+              </a:spcAft>
+              <a:buClr>
+                <a:schemeClr val="accent1"/>
+              </a:buClr>
+              <a:buSzPct val="80000"/>
+              <a:buFont typeface="Wingdings 3" charset="2"/>
+              <a:buChar char=""/>
+              <a:defRPr sz="1200" kern="1200">
+                <a:solidFill>
+                  <a:schemeClr val="tx1">
+                    <a:lumMod val="75000"/>
+                    <a:lumOff val="25000"/>
+                  </a:schemeClr>
+                </a:solidFill>
+                <a:latin typeface="+mn-lt"/>
+                <a:ea typeface="+mn-ea"/>
+                <a:cs typeface="+mn-cs"/>
+              </a:defRPr>
+            </a:lvl7pPr>
+            <a:lvl8pPr marL="3427971" indent="-228531" algn="l" defTabSz="457063" rtl="0" eaLnBrk="1" latinLnBrk="0" hangingPunct="1">
+              <a:spcBef>
+                <a:spcPts val="1000"/>
+              </a:spcBef>
+              <a:spcAft>
+                <a:spcPts val="0"/>
+              </a:spcAft>
+              <a:buClr>
+                <a:schemeClr val="accent1"/>
+              </a:buClr>
+              <a:buSzPct val="80000"/>
+              <a:buFont typeface="Wingdings 3" charset="2"/>
+              <a:buChar char=""/>
+              <a:defRPr sz="1200" kern="1200">
+                <a:solidFill>
+                  <a:schemeClr val="tx1">
+                    <a:lumMod val="75000"/>
+                    <a:lumOff val="25000"/>
+                  </a:schemeClr>
+                </a:solidFill>
+                <a:latin typeface="+mn-lt"/>
+                <a:ea typeface="+mn-ea"/>
+                <a:cs typeface="+mn-cs"/>
+              </a:defRPr>
+            </a:lvl8pPr>
+            <a:lvl9pPr marL="3885034" indent="-228531" algn="l" defTabSz="457063" rtl="0" eaLnBrk="1" latinLnBrk="0" hangingPunct="1">
+              <a:spcBef>
+                <a:spcPts val="1000"/>
+              </a:spcBef>
+              <a:spcAft>
+                <a:spcPts val="0"/>
+              </a:spcAft>
+              <a:buClr>
+                <a:schemeClr val="accent1"/>
+              </a:buClr>
+              <a:buSzPct val="80000"/>
+              <a:buFont typeface="Wingdings 3" charset="2"/>
+              <a:buChar char=""/>
+              <a:defRPr sz="1200" kern="1200">
+                <a:solidFill>
+                  <a:schemeClr val="tx1">
+                    <a:lumMod val="75000"/>
+                    <a:lumOff val="25000"/>
+                  </a:schemeClr>
+                </a:solidFill>
+                <a:latin typeface="+mn-lt"/>
+                <a:ea typeface="+mn-ea"/>
+                <a:cs typeface="+mn-cs"/>
+              </a:defRPr>
+            </a:lvl9pPr>
+          </a:lstStyle>
+          <a:p>
+            <a:pPr marL="457063" lvl="1" indent="0">
+              <a:buFont typeface="Wingdings 3" charset="2"/>
+              <a:buNone/>
+            </a:pPr>
+            <a:endParaRPr lang="en-US" dirty="0"/>
+          </a:p>
+        </p:txBody>
+      </p:sp>
+      <p:graphicFrame>
+        <p:nvGraphicFramePr>
+          <p:cNvPr id="5" name="Table 4">
+            <a:extLst>
+              <a:ext uri="{FF2B5EF4-FFF2-40B4-BE49-F238E27FC236}">
+                <a16:creationId xmlns:a16="http://schemas.microsoft.com/office/drawing/2014/main" id="{3656CD19-3C34-46C5-9A79-C6CD36DE6D77}"/>
+              </a:ext>
+            </a:extLst>
+          </p:cNvPr>
+          <p:cNvGraphicFramePr>
+            <a:graphicFrameLocks noGrp="1"/>
+          </p:cNvGraphicFramePr>
+          <p:nvPr>
+            <p:extLst>
+              <p:ext uri="{D42A27DB-BD31-4B8C-83A1-F6EECF244321}">
+                <p14:modId xmlns:p14="http://schemas.microsoft.com/office/powerpoint/2010/main" val="3488751820"/>
+              </p:ext>
+            </p:extLst>
+          </p:nvPr>
+        </p:nvGraphicFramePr>
+        <p:xfrm>
+          <a:off x="993571" y="2227494"/>
+          <a:ext cx="8594428" cy="3241211"/>
+        </p:xfrm>
+        <a:graphic>
+          <a:graphicData uri="http://schemas.openxmlformats.org/drawingml/2006/table">
+            <a:tbl>
+              <a:tblPr firstRow="1" bandRow="1">
+                <a:tableStyleId>{E8B1032C-EA38-4F05-BA0D-38AFFFC7BED3}</a:tableStyleId>
+              </a:tblPr>
+              <a:tblGrid>
+                <a:gridCol w="4091574">
+                  <a:extLst>
+                    <a:ext uri="{9D8B030D-6E8A-4147-A177-3AD203B41FA5}">
+                      <a16:colId xmlns:a16="http://schemas.microsoft.com/office/drawing/2014/main" val="2975467101"/>
+                    </a:ext>
+                  </a:extLst>
+                </a:gridCol>
+                <a:gridCol w="1371600">
+                  <a:extLst>
+                    <a:ext uri="{9D8B030D-6E8A-4147-A177-3AD203B41FA5}">
+                      <a16:colId xmlns:a16="http://schemas.microsoft.com/office/drawing/2014/main" val="1256914312"/>
+                    </a:ext>
+                  </a:extLst>
+                </a:gridCol>
+                <a:gridCol w="1600200">
+                  <a:extLst>
+                    <a:ext uri="{9D8B030D-6E8A-4147-A177-3AD203B41FA5}">
+                      <a16:colId xmlns:a16="http://schemas.microsoft.com/office/drawing/2014/main" val="2642142898"/>
+                    </a:ext>
+                  </a:extLst>
+                </a:gridCol>
+                <a:gridCol w="1531054">
+                  <a:extLst>
+                    <a:ext uri="{9D8B030D-6E8A-4147-A177-3AD203B41FA5}">
+                      <a16:colId xmlns:a16="http://schemas.microsoft.com/office/drawing/2014/main" val="267025949"/>
+                    </a:ext>
+                  </a:extLst>
+                </a:gridCol>
+              </a:tblGrid>
+              <a:tr h="520277">
+                <a:tc>
+                  <a:txBody>
+                    <a:bodyPr/>
+                    <a:lstStyle/>
+                    <a:p>
+                      <a:pPr algn="ctr"/>
+                      <a:r>
+                        <a:rPr lang="en-US" dirty="0"/>
+                        <a:t>Dataset Name</a:t>
+                      </a:r>
+                    </a:p>
+                  </a:txBody>
+                  <a:tcPr/>
+                </a:tc>
+                <a:tc>
+                  <a:txBody>
+                    <a:bodyPr/>
+                    <a:lstStyle/>
+                    <a:p>
+                      <a:pPr algn="ctr"/>
+                      <a:r>
+                        <a:rPr lang="en-US" dirty="0"/>
+                        <a:t>Num. of Targets </a:t>
+                      </a:r>
+                    </a:p>
+                  </a:txBody>
+                  <a:tcPr/>
+                </a:tc>
+                <a:tc>
+                  <a:txBody>
+                    <a:bodyPr/>
+                    <a:lstStyle/>
+                    <a:p>
+                      <a:pPr algn="ctr"/>
+                      <a:r>
+                        <a:rPr lang="en-US" dirty="0"/>
+                        <a:t>Num. of  Drugs</a:t>
+                      </a:r>
+                    </a:p>
+                  </a:txBody>
+                  <a:tcPr/>
+                </a:tc>
+                <a:tc>
+                  <a:txBody>
+                    <a:bodyPr/>
+                    <a:lstStyle/>
+                    <a:p>
+                      <a:pPr algn="ctr"/>
+                      <a:r>
+                        <a:rPr lang="en-US" dirty="0"/>
+                        <a:t>Num. of Interactions</a:t>
+                      </a:r>
+                    </a:p>
+                  </a:txBody>
+                  <a:tcPr/>
+                </a:tc>
+                <a:extLst>
+                  <a:ext uri="{0D108BD9-81ED-4DB2-BD59-A6C34878D82A}">
+                    <a16:rowId xmlns:a16="http://schemas.microsoft.com/office/drawing/2014/main" val="1409194240"/>
+                  </a:ext>
+                </a:extLst>
+              </a:tr>
+              <a:tr h="520277">
+                <a:tc>
+                  <a:txBody>
+                    <a:bodyPr/>
+                    <a:lstStyle/>
+                    <a:p>
+                      <a:pPr algn="ctr"/>
+                      <a:r>
+                        <a:rPr lang="en-US" sz="1799" b="0" i="0" u="none" strike="noStrike" kern="1200" baseline="0" dirty="0">
+                          <a:solidFill>
+                            <a:schemeClr val="tx1"/>
+                          </a:solidFill>
+                          <a:latin typeface="+mn-lt"/>
+                          <a:ea typeface="+mn-ea"/>
+                          <a:cs typeface="+mn-cs"/>
+                        </a:rPr>
+                        <a:t>Enzyme</a:t>
+                      </a:r>
+                      <a:endParaRPr lang="en-US" dirty="0"/>
+                    </a:p>
+                  </a:txBody>
+                  <a:tcPr/>
+                </a:tc>
+                <a:tc>
+                  <a:txBody>
+                    <a:bodyPr/>
+                    <a:lstStyle/>
+                    <a:p>
+                      <a:pPr algn="ctr"/>
+                      <a:r>
+                        <a:rPr lang="en-US" sz="1799" b="0" i="0" u="none" strike="noStrike" kern="1200" baseline="0" dirty="0">
+                          <a:solidFill>
+                            <a:schemeClr val="tx1"/>
+                          </a:solidFill>
+                          <a:latin typeface="+mn-lt"/>
+                          <a:ea typeface="+mn-ea"/>
+                          <a:cs typeface="+mn-cs"/>
+                        </a:rPr>
+                        <a:t>664</a:t>
+                      </a:r>
+                      <a:endParaRPr lang="en-US" dirty="0"/>
+                    </a:p>
+                  </a:txBody>
+                  <a:tcPr/>
+                </a:tc>
+                <a:tc>
+                  <a:txBody>
+                    <a:bodyPr/>
+                    <a:lstStyle/>
+                    <a:p>
+                      <a:pPr algn="ctr"/>
+                      <a:r>
+                        <a:rPr lang="en-US" sz="1799" b="0" i="0" u="none" strike="noStrike" kern="1200" baseline="0" dirty="0">
+                          <a:solidFill>
+                            <a:schemeClr val="tx1"/>
+                          </a:solidFill>
+                          <a:latin typeface="+mn-lt"/>
+                          <a:ea typeface="+mn-ea"/>
+                          <a:cs typeface="+mn-cs"/>
+                        </a:rPr>
+                        <a:t>445</a:t>
+                      </a:r>
+                      <a:endParaRPr lang="en-US" dirty="0"/>
+                    </a:p>
+                  </a:txBody>
+                  <a:tcPr/>
+                </a:tc>
+                <a:tc>
+                  <a:txBody>
+                    <a:bodyPr/>
+                    <a:lstStyle/>
+                    <a:p>
+                      <a:pPr algn="ctr"/>
+                      <a:r>
+                        <a:rPr lang="en-US" sz="1799" b="0" i="0" u="none" strike="noStrike" kern="1200" baseline="0" dirty="0">
+                          <a:solidFill>
+                            <a:schemeClr val="tx1"/>
+                          </a:solidFill>
+                          <a:latin typeface="+mn-lt"/>
+                          <a:ea typeface="+mn-ea"/>
+                          <a:cs typeface="+mn-cs"/>
+                        </a:rPr>
+                        <a:t>2926</a:t>
+                      </a:r>
+                      <a:endParaRPr lang="en-US" dirty="0"/>
+                    </a:p>
+                  </a:txBody>
+                  <a:tcPr/>
+                </a:tc>
+                <a:extLst>
+                  <a:ext uri="{0D108BD9-81ED-4DB2-BD59-A6C34878D82A}">
+                    <a16:rowId xmlns:a16="http://schemas.microsoft.com/office/drawing/2014/main" val="1732074981"/>
+                  </a:ext>
+                </a:extLst>
+              </a:tr>
+              <a:tr h="520277">
+                <a:tc>
+                  <a:txBody>
+                    <a:bodyPr/>
+                    <a:lstStyle/>
+                    <a:p>
+                      <a:pPr algn="ctr"/>
+                      <a:r>
+                        <a:rPr lang="en-US" sz="1799" b="0" i="0" u="none" strike="noStrike" kern="1200" baseline="0" dirty="0">
+                          <a:solidFill>
+                            <a:schemeClr val="tx1"/>
+                          </a:solidFill>
+                          <a:latin typeface="+mn-lt"/>
+                          <a:ea typeface="+mn-ea"/>
+                          <a:cs typeface="+mn-cs"/>
+                        </a:rPr>
+                        <a:t>Ion Channels</a:t>
+                      </a:r>
+                      <a:endParaRPr lang="en-US" dirty="0"/>
+                    </a:p>
+                  </a:txBody>
+                  <a:tcPr/>
+                </a:tc>
+                <a:tc>
+                  <a:txBody>
+                    <a:bodyPr/>
+                    <a:lstStyle/>
+                    <a:p>
+                      <a:pPr algn="ctr"/>
+                      <a:r>
+                        <a:rPr lang="en-US" sz="1799" b="0" i="0" u="none" strike="noStrike" kern="1200" baseline="0" dirty="0">
+                          <a:solidFill>
+                            <a:schemeClr val="tx1"/>
+                          </a:solidFill>
+                          <a:latin typeface="+mn-lt"/>
+                          <a:ea typeface="+mn-ea"/>
+                          <a:cs typeface="+mn-cs"/>
+                        </a:rPr>
+                        <a:t>204</a:t>
+                      </a:r>
+                      <a:endParaRPr lang="en-US" dirty="0"/>
+                    </a:p>
+                  </a:txBody>
+                  <a:tcPr/>
+                </a:tc>
+                <a:tc>
+                  <a:txBody>
+                    <a:bodyPr/>
+                    <a:lstStyle/>
+                    <a:p>
+                      <a:pPr algn="ctr"/>
+                      <a:r>
+                        <a:rPr lang="en-US" sz="1799" b="0" i="0" u="none" strike="noStrike" kern="1200" baseline="0" dirty="0">
+                          <a:solidFill>
+                            <a:schemeClr val="tx1"/>
+                          </a:solidFill>
+                          <a:latin typeface="+mn-lt"/>
+                          <a:ea typeface="+mn-ea"/>
+                          <a:cs typeface="+mn-cs"/>
+                        </a:rPr>
+                        <a:t>210</a:t>
+                      </a:r>
+                      <a:endParaRPr lang="en-US" dirty="0"/>
+                    </a:p>
+                  </a:txBody>
+                  <a:tcPr/>
+                </a:tc>
+                <a:tc>
+                  <a:txBody>
+                    <a:bodyPr/>
+                    <a:lstStyle/>
+                    <a:p>
+                      <a:pPr algn="ctr"/>
+                      <a:r>
+                        <a:rPr lang="en-US" sz="1799" b="0" i="0" u="none" strike="noStrike" kern="1200" baseline="0" dirty="0">
+                          <a:solidFill>
+                            <a:schemeClr val="tx1"/>
+                          </a:solidFill>
+                          <a:latin typeface="+mn-lt"/>
+                          <a:ea typeface="+mn-ea"/>
+                          <a:cs typeface="+mn-cs"/>
+                        </a:rPr>
+                        <a:t>1476</a:t>
+                      </a:r>
+                      <a:endParaRPr lang="en-US" dirty="0"/>
+                    </a:p>
+                  </a:txBody>
+                  <a:tcPr/>
+                </a:tc>
+                <a:extLst>
+                  <a:ext uri="{0D108BD9-81ED-4DB2-BD59-A6C34878D82A}">
+                    <a16:rowId xmlns:a16="http://schemas.microsoft.com/office/drawing/2014/main" val="2158644233"/>
+                  </a:ext>
+                </a:extLst>
+              </a:tr>
+              <a:tr h="520277">
+                <a:tc>
+                  <a:txBody>
+                    <a:bodyPr/>
+                    <a:lstStyle/>
+                    <a:p>
+                      <a:pPr algn="ctr"/>
+                      <a:r>
+                        <a:rPr lang="en-US" sz="1799" b="0" i="0" u="none" strike="noStrike" kern="1200" baseline="0" dirty="0">
+                          <a:solidFill>
+                            <a:schemeClr val="tx1"/>
+                          </a:solidFill>
+                          <a:latin typeface="+mn-lt"/>
+                          <a:ea typeface="+mn-ea"/>
+                          <a:cs typeface="+mn-cs"/>
+                        </a:rPr>
+                        <a:t>G-protein coupled receptors (GPCR)</a:t>
+                      </a:r>
+                      <a:endParaRPr lang="en-US" dirty="0"/>
+                    </a:p>
+                  </a:txBody>
+                  <a:tcPr/>
+                </a:tc>
+                <a:tc>
+                  <a:txBody>
+                    <a:bodyPr/>
+                    <a:lstStyle/>
+                    <a:p>
+                      <a:pPr algn="ctr"/>
+                      <a:r>
+                        <a:rPr lang="en-US" sz="1799" b="0" i="0" u="none" strike="noStrike" kern="1200" baseline="0" dirty="0">
+                          <a:solidFill>
+                            <a:schemeClr val="tx1"/>
+                          </a:solidFill>
+                          <a:latin typeface="+mn-lt"/>
+                          <a:ea typeface="+mn-ea"/>
+                          <a:cs typeface="+mn-cs"/>
+                        </a:rPr>
+                        <a:t>95</a:t>
+                      </a:r>
+                      <a:endParaRPr lang="en-US" dirty="0"/>
+                    </a:p>
+                  </a:txBody>
+                  <a:tcPr/>
+                </a:tc>
+                <a:tc>
+                  <a:txBody>
+                    <a:bodyPr/>
+                    <a:lstStyle/>
+                    <a:p>
+                      <a:pPr algn="ctr"/>
+                      <a:r>
+                        <a:rPr lang="en-US" sz="1799" b="0" i="0" u="none" strike="noStrike" kern="1200" baseline="0" dirty="0">
+                          <a:solidFill>
+                            <a:schemeClr val="tx1"/>
+                          </a:solidFill>
+                          <a:latin typeface="+mn-lt"/>
+                          <a:ea typeface="+mn-ea"/>
+                          <a:cs typeface="+mn-cs"/>
+                        </a:rPr>
+                        <a:t>223</a:t>
+                      </a:r>
+                      <a:endParaRPr lang="en-US" dirty="0"/>
+                    </a:p>
+                  </a:txBody>
+                  <a:tcPr/>
+                </a:tc>
+                <a:tc>
+                  <a:txBody>
+                    <a:bodyPr/>
+                    <a:lstStyle/>
+                    <a:p>
+                      <a:pPr algn="ctr"/>
+                      <a:r>
+                        <a:rPr lang="en-US" sz="1799" b="0" i="0" u="none" strike="noStrike" kern="1200" baseline="0" dirty="0">
+                          <a:solidFill>
+                            <a:schemeClr val="tx1"/>
+                          </a:solidFill>
+                          <a:latin typeface="+mn-lt"/>
+                          <a:ea typeface="+mn-ea"/>
+                          <a:cs typeface="+mn-cs"/>
+                        </a:rPr>
+                        <a:t>635</a:t>
+                      </a:r>
+                      <a:endParaRPr lang="en-US" dirty="0"/>
+                    </a:p>
+                  </a:txBody>
+                  <a:tcPr/>
+                </a:tc>
+                <a:extLst>
+                  <a:ext uri="{0D108BD9-81ED-4DB2-BD59-A6C34878D82A}">
+                    <a16:rowId xmlns:a16="http://schemas.microsoft.com/office/drawing/2014/main" val="1315729617"/>
+                  </a:ext>
+                </a:extLst>
+              </a:tr>
+              <a:tr h="520277">
+                <a:tc>
+                  <a:txBody>
+                    <a:bodyPr/>
+                    <a:lstStyle/>
+                    <a:p>
+                      <a:pPr algn="ctr"/>
+                      <a:r>
+                        <a:rPr lang="en-US" sz="1799" b="0" i="0" u="none" strike="noStrike" kern="1200" baseline="0" dirty="0">
+                          <a:solidFill>
+                            <a:schemeClr val="tx1"/>
+                          </a:solidFill>
+                          <a:latin typeface="+mn-lt"/>
+                          <a:ea typeface="+mn-ea"/>
+                          <a:cs typeface="+mn-cs"/>
+                        </a:rPr>
+                        <a:t>Nuclear Receptors (NR)</a:t>
+                      </a:r>
+                      <a:endParaRPr lang="en-US" dirty="0"/>
+                    </a:p>
+                  </a:txBody>
+                  <a:tcPr/>
+                </a:tc>
+                <a:tc>
+                  <a:txBody>
+                    <a:bodyPr/>
+                    <a:lstStyle/>
+                    <a:p>
+                      <a:pPr algn="ctr"/>
+                      <a:r>
+                        <a:rPr lang="en-US" sz="1799" b="0" i="0" u="none" strike="noStrike" kern="1200" baseline="0" dirty="0">
+                          <a:solidFill>
+                            <a:schemeClr val="tx1"/>
+                          </a:solidFill>
+                          <a:latin typeface="+mn-lt"/>
+                          <a:ea typeface="+mn-ea"/>
+                          <a:cs typeface="+mn-cs"/>
+                        </a:rPr>
+                        <a:t>26</a:t>
+                      </a:r>
+                      <a:endParaRPr lang="en-US" dirty="0"/>
+                    </a:p>
+                  </a:txBody>
+                  <a:tcPr/>
+                </a:tc>
+                <a:tc>
+                  <a:txBody>
+                    <a:bodyPr/>
+                    <a:lstStyle/>
+                    <a:p>
+                      <a:pPr algn="ctr"/>
+                      <a:r>
+                        <a:rPr lang="en-US" sz="1799" b="0" i="0" u="none" strike="noStrike" kern="1200" baseline="0" dirty="0">
+                          <a:solidFill>
+                            <a:schemeClr val="tx1"/>
+                          </a:solidFill>
+                          <a:latin typeface="+mn-lt"/>
+                          <a:ea typeface="+mn-ea"/>
+                          <a:cs typeface="+mn-cs"/>
+                        </a:rPr>
+                        <a:t>54</a:t>
+                      </a:r>
+                      <a:endParaRPr lang="en-US" dirty="0"/>
+                    </a:p>
+                  </a:txBody>
+                  <a:tcPr/>
+                </a:tc>
+                <a:tc>
+                  <a:txBody>
+                    <a:bodyPr/>
+                    <a:lstStyle/>
+                    <a:p>
+                      <a:pPr algn="ctr"/>
+                      <a:r>
+                        <a:rPr lang="en-US" sz="1799" b="0" i="0" u="none" strike="noStrike" kern="1200" baseline="0" dirty="0">
+                          <a:solidFill>
+                            <a:schemeClr val="tx1"/>
+                          </a:solidFill>
+                          <a:latin typeface="+mn-lt"/>
+                          <a:ea typeface="+mn-ea"/>
+                          <a:cs typeface="+mn-cs"/>
+                        </a:rPr>
+                        <a:t>90</a:t>
+                      </a:r>
+                      <a:endParaRPr lang="en-US" dirty="0"/>
+                    </a:p>
+                  </a:txBody>
+                  <a:tcPr/>
+                </a:tc>
+                <a:extLst>
+                  <a:ext uri="{0D108BD9-81ED-4DB2-BD59-A6C34878D82A}">
+                    <a16:rowId xmlns:a16="http://schemas.microsoft.com/office/drawing/2014/main" val="3807245811"/>
+                  </a:ext>
+                </a:extLst>
+              </a:tr>
+              <a:tr h="520277">
+                <a:tc>
+                  <a:txBody>
+                    <a:bodyPr/>
+                    <a:lstStyle/>
+                    <a:p>
+                      <a:pPr algn="ctr"/>
+                      <a:r>
+                        <a:rPr lang="en-US" sz="1799" b="0" i="0" u="none" strike="noStrike" kern="1200" baseline="0" dirty="0">
+                          <a:solidFill>
+                            <a:schemeClr val="tx1"/>
+                          </a:solidFill>
+                          <a:latin typeface="+mn-lt"/>
+                          <a:ea typeface="+mn-ea"/>
+                          <a:cs typeface="+mn-cs"/>
+                        </a:rPr>
+                        <a:t>Kinase</a:t>
+                      </a:r>
+                      <a:endParaRPr lang="en-US" dirty="0"/>
+                    </a:p>
+                  </a:txBody>
+                  <a:tcPr/>
+                </a:tc>
+                <a:tc>
+                  <a:txBody>
+                    <a:bodyPr/>
+                    <a:lstStyle/>
+                    <a:p>
+                      <a:pPr algn="ctr"/>
+                      <a:r>
+                        <a:rPr lang="en-US" sz="1799" b="0" i="0" u="none" strike="noStrike" kern="1200" baseline="0" dirty="0">
+                          <a:solidFill>
+                            <a:schemeClr val="tx1"/>
+                          </a:solidFill>
+                          <a:latin typeface="+mn-lt"/>
+                          <a:ea typeface="+mn-ea"/>
+                          <a:cs typeface="+mn-cs"/>
+                        </a:rPr>
+                        <a:t>442</a:t>
+                      </a:r>
+                      <a:endParaRPr lang="en-US" dirty="0"/>
+                    </a:p>
+                  </a:txBody>
+                  <a:tcPr/>
+                </a:tc>
+                <a:tc>
+                  <a:txBody>
+                    <a:bodyPr/>
+                    <a:lstStyle/>
+                    <a:p>
+                      <a:pPr algn="ctr"/>
+                      <a:r>
+                        <a:rPr lang="en-US" sz="1799" b="0" i="0" u="none" strike="noStrike" kern="1200" baseline="0" dirty="0">
+                          <a:solidFill>
+                            <a:schemeClr val="tx1"/>
+                          </a:solidFill>
+                          <a:latin typeface="+mn-lt"/>
+                          <a:ea typeface="+mn-ea"/>
+                          <a:cs typeface="+mn-cs"/>
+                        </a:rPr>
+                        <a:t>68</a:t>
+                      </a:r>
+                      <a:endParaRPr lang="en-US" dirty="0"/>
+                    </a:p>
+                  </a:txBody>
+                  <a:tcPr/>
+                </a:tc>
+                <a:tc>
+                  <a:txBody>
+                    <a:bodyPr/>
+                    <a:lstStyle/>
+                    <a:p>
+                      <a:pPr algn="ctr"/>
+                      <a:r>
+                        <a:rPr lang="en-US" sz="1799" b="0" i="0" u="none" strike="noStrike" kern="1200" baseline="0" dirty="0">
+                          <a:solidFill>
+                            <a:schemeClr val="tx1"/>
+                          </a:solidFill>
+                          <a:latin typeface="+mn-lt"/>
+                          <a:ea typeface="+mn-ea"/>
+                          <a:cs typeface="+mn-cs"/>
+                        </a:rPr>
+                        <a:t>1527</a:t>
+                      </a:r>
+                      <a:endParaRPr lang="en-US" dirty="0"/>
+                    </a:p>
+                  </a:txBody>
+                  <a:tcPr/>
+                </a:tc>
+                <a:extLst>
+                  <a:ext uri="{0D108BD9-81ED-4DB2-BD59-A6C34878D82A}">
+                    <a16:rowId xmlns:a16="http://schemas.microsoft.com/office/drawing/2014/main" val="3861277465"/>
+                  </a:ext>
+                </a:extLst>
+              </a:tr>
+            </a:tbl>
+          </a:graphicData>
+        </a:graphic>
+      </p:graphicFrame>
+    </p:spTree>
+    <p:extLst>
+      <p:ext uri="{BB962C8B-B14F-4D97-AF65-F5344CB8AC3E}">
+        <p14:creationId xmlns:p14="http://schemas.microsoft.com/office/powerpoint/2010/main" val="1795205467"/>
+      </p:ext>
+    </p:extLst>
+  </p:cSld>
+  <p:clrMapOvr>
+    <a:masterClrMapping/>
+  </p:clrMapOvr>
+  <mc:AlternateContent xmlns:mc="http://schemas.openxmlformats.org/markup-compatibility/2006" xmlns:p14="http://schemas.microsoft.com/office/powerpoint/2010/main">
+    <mc:Choice Requires="p14">
+      <p:transition spd="med" p14:dur="700">
+        <p:fade/>
+      </p:transition>
+    </mc:Choice>
+    <mc:Fallback xmlns="">
+      <p:transition spd="med">
+        <p:fade/>
+      </p:transition>
+    </mc:Fallback>
+  </mc:AlternateContent>
+</p:sld>
+</file>
+
+<file path=ppt/slides/slide23.xml><?xml version="1.0" encoding="utf-8"?>
+<p:sld xmlns:a="http://schemas.openxmlformats.org/drawingml/2006/main" xmlns:r="http://schemas.openxmlformats.org/officeDocument/2006/relationships" xmlns:p="http://schemas.openxmlformats.org/presentationml/2006/main">
+  <p:cSld>
+    <p:bg>
+      <p:bgPr>
+        <a:solidFill>
+          <a:schemeClr val="bg1"/>
+        </a:solidFill>
+        <a:effectLst/>
+      </p:bgPr>
+    </p:bg>
+    <p:spTree>
+      <p:nvGrpSpPr>
+        <p:cNvPr id="1" name=""/>
+        <p:cNvGrpSpPr/>
+        <p:nvPr/>
+      </p:nvGrpSpPr>
+      <p:grpSpPr>
+        <a:xfrm>
+          <a:off x="0" y="0"/>
+          <a:ext cx="0" cy="0"/>
+          <a:chOff x="0" y="0"/>
+          <a:chExt cx="0" cy="0"/>
+        </a:xfrm>
+      </p:grpSpPr>
+      <p:sp>
+        <p:nvSpPr>
+          <p:cNvPr id="2" name="Title 1"/>
+          <p:cNvSpPr>
+            <a:spLocks noGrp="1"/>
+          </p:cNvSpPr>
+          <p:nvPr>
+            <p:ph type="title"/>
+          </p:nvPr>
+        </p:nvSpPr>
+        <p:spPr>
+          <a:xfrm>
+            <a:off x="677158" y="609600"/>
+            <a:ext cx="8594429" cy="990600"/>
+          </a:xfrm>
+        </p:spPr>
+        <p:txBody>
+          <a:bodyPr anchor="t">
+            <a:normAutofit/>
+          </a:bodyPr>
+          <a:lstStyle/>
+          <a:p>
+            <a:r>
+              <a:rPr lang="en-US" sz="3600" dirty="0">
+                <a:latin typeface="Calibri" panose="020F0502020204030204" pitchFamily="34" charset="0"/>
+                <a:cs typeface="Calibri" panose="020F0502020204030204" pitchFamily="34" charset="0"/>
+              </a:rPr>
+              <a:t>References </a:t>
+            </a:r>
+            <a:endParaRPr lang="en-US" dirty="0">
+              <a:latin typeface="Calibri" panose="020F0502020204030204" pitchFamily="34" charset="0"/>
+              <a:cs typeface="Calibri" panose="020F0502020204030204" pitchFamily="34" charset="0"/>
+            </a:endParaRPr>
+          </a:p>
+        </p:txBody>
+      </p:sp>
+      <p:sp>
+        <p:nvSpPr>
+          <p:cNvPr id="9" name="Content Placeholder 8">
+            <a:extLst>
+              <a:ext uri="{FF2B5EF4-FFF2-40B4-BE49-F238E27FC236}">
+                <a16:creationId xmlns:a16="http://schemas.microsoft.com/office/drawing/2014/main" id="{BFD27979-805A-4B4B-946D-AB44BEAC7A32}"/>
+              </a:ext>
+            </a:extLst>
+          </p:cNvPr>
+          <p:cNvSpPr>
+            <a:spLocks noGrp="1"/>
+          </p:cNvSpPr>
+          <p:nvPr>
+            <p:ph idx="1"/>
+          </p:nvPr>
+        </p:nvSpPr>
+        <p:spPr>
+          <a:xfrm>
+            <a:off x="760412" y="1600200"/>
+            <a:ext cx="8594429" cy="3880773"/>
+          </a:xfrm>
+        </p:spPr>
+        <p:txBody>
+          <a:bodyPr/>
+          <a:lstStyle/>
+          <a:p>
+            <a:endParaRPr lang="en-US" dirty="0"/>
+          </a:p>
+        </p:txBody>
+      </p:sp>
+      <p:sp>
+        <p:nvSpPr>
+          <p:cNvPr id="6" name="Content Placeholder 2">
+            <a:extLst>
+              <a:ext uri="{FF2B5EF4-FFF2-40B4-BE49-F238E27FC236}">
+                <a16:creationId xmlns:a16="http://schemas.microsoft.com/office/drawing/2014/main" id="{109EE1EC-0CF3-44EA-8406-9B48EE9C5C3D}"/>
+              </a:ext>
+            </a:extLst>
+          </p:cNvPr>
+          <p:cNvSpPr txBox="1">
+            <a:spLocks/>
+          </p:cNvSpPr>
+          <p:nvPr/>
+        </p:nvSpPr>
+        <p:spPr>
+          <a:xfrm>
+            <a:off x="677158" y="1676400"/>
+            <a:ext cx="9227254" cy="4343400"/>
+          </a:xfrm>
+          <a:prstGeom prst="rect">
+            <a:avLst/>
+          </a:prstGeom>
+        </p:spPr>
+        <p:txBody>
+          <a:bodyPr vert="horz" lIns="91440" tIns="45720" rIns="91440" bIns="45720" rtlCol="0">
+            <a:normAutofit/>
+          </a:bodyPr>
+          <a:lstStyle>
+            <a:lvl1pPr marL="342797" indent="-342797" algn="l" defTabSz="457063" rtl="0" eaLnBrk="1" latinLnBrk="0" hangingPunct="1">
+              <a:spcBef>
+                <a:spcPts val="1000"/>
+              </a:spcBef>
+              <a:spcAft>
+                <a:spcPts val="0"/>
+              </a:spcAft>
+              <a:buClr>
+                <a:schemeClr val="accent1"/>
+              </a:buClr>
+              <a:buSzPct val="80000"/>
+              <a:buFont typeface="Wingdings 3" charset="2"/>
+              <a:buChar char=""/>
+              <a:defRPr sz="1799" kern="1200">
+                <a:solidFill>
+                  <a:schemeClr val="tx1">
+                    <a:lumMod val="75000"/>
+                    <a:lumOff val="25000"/>
+                  </a:schemeClr>
+                </a:solidFill>
+                <a:latin typeface="+mn-lt"/>
+                <a:ea typeface="+mn-ea"/>
+                <a:cs typeface="+mn-cs"/>
+              </a:defRPr>
+            </a:lvl1pPr>
+            <a:lvl2pPr marL="742727" indent="-285664" algn="l" defTabSz="457063" rtl="0" eaLnBrk="1" latinLnBrk="0" hangingPunct="1">
+              <a:spcBef>
+                <a:spcPts val="1000"/>
+              </a:spcBef>
+              <a:spcAft>
+                <a:spcPts val="0"/>
+              </a:spcAft>
+              <a:buClr>
+                <a:schemeClr val="accent1"/>
+              </a:buClr>
+              <a:buSzPct val="80000"/>
+              <a:buFont typeface="Wingdings 3" charset="2"/>
+              <a:buChar char=""/>
+              <a:defRPr sz="1600" kern="1200">
+                <a:solidFill>
+                  <a:schemeClr val="tx1">
+                    <a:lumMod val="75000"/>
+                    <a:lumOff val="25000"/>
+                  </a:schemeClr>
+                </a:solidFill>
+                <a:latin typeface="+mn-lt"/>
+                <a:ea typeface="+mn-ea"/>
+                <a:cs typeface="+mn-cs"/>
+              </a:defRPr>
+            </a:lvl2pPr>
+            <a:lvl3pPr marL="1142657" indent="-228531" algn="l" defTabSz="457063" rtl="0" eaLnBrk="1" latinLnBrk="0" hangingPunct="1">
+              <a:spcBef>
+                <a:spcPts val="1000"/>
+              </a:spcBef>
+              <a:spcAft>
+                <a:spcPts val="0"/>
+              </a:spcAft>
+              <a:buClr>
+                <a:schemeClr val="accent1"/>
+              </a:buClr>
+              <a:buSzPct val="80000"/>
+              <a:buFont typeface="Wingdings 3" charset="2"/>
+              <a:buChar char=""/>
+              <a:defRPr sz="1400" kern="1200">
+                <a:solidFill>
+                  <a:schemeClr val="tx1">
+                    <a:lumMod val="75000"/>
+                    <a:lumOff val="25000"/>
+                  </a:schemeClr>
+                </a:solidFill>
+                <a:latin typeface="+mn-lt"/>
+                <a:ea typeface="+mn-ea"/>
+                <a:cs typeface="+mn-cs"/>
+              </a:defRPr>
+            </a:lvl3pPr>
+            <a:lvl4pPr marL="1599720" indent="-228531" algn="l" defTabSz="457063" rtl="0" eaLnBrk="1" latinLnBrk="0" hangingPunct="1">
+              <a:spcBef>
+                <a:spcPts val="1000"/>
+              </a:spcBef>
+              <a:spcAft>
+                <a:spcPts val="0"/>
+              </a:spcAft>
+              <a:buClr>
+                <a:schemeClr val="accent1"/>
+              </a:buClr>
+              <a:buSzPct val="80000"/>
+              <a:buFont typeface="Wingdings 3" charset="2"/>
+              <a:buChar char=""/>
+              <a:defRPr sz="1200" kern="1200">
+                <a:solidFill>
+                  <a:schemeClr val="tx1">
+                    <a:lumMod val="75000"/>
+                    <a:lumOff val="25000"/>
+                  </a:schemeClr>
+                </a:solidFill>
+                <a:latin typeface="+mn-lt"/>
+                <a:ea typeface="+mn-ea"/>
+                <a:cs typeface="+mn-cs"/>
+              </a:defRPr>
+            </a:lvl4pPr>
+            <a:lvl5pPr marL="2056783" indent="-228531" algn="l" defTabSz="457063" rtl="0" eaLnBrk="1" latinLnBrk="0" hangingPunct="1">
+              <a:spcBef>
+                <a:spcPts val="1000"/>
+              </a:spcBef>
+              <a:spcAft>
+                <a:spcPts val="0"/>
+              </a:spcAft>
+              <a:buClr>
+                <a:schemeClr val="accent1"/>
+              </a:buClr>
+              <a:buSzPct val="80000"/>
+              <a:buFont typeface="Wingdings 3" charset="2"/>
+              <a:buChar char=""/>
+              <a:defRPr sz="1200" kern="1200">
+                <a:solidFill>
+                  <a:schemeClr val="tx1">
+                    <a:lumMod val="75000"/>
+                    <a:lumOff val="25000"/>
+                  </a:schemeClr>
+                </a:solidFill>
+                <a:latin typeface="+mn-lt"/>
+                <a:ea typeface="+mn-ea"/>
+                <a:cs typeface="+mn-cs"/>
+              </a:defRPr>
+            </a:lvl5pPr>
+            <a:lvl6pPr marL="2513846" indent="-228531" algn="l" defTabSz="457063" rtl="0" eaLnBrk="1" latinLnBrk="0" hangingPunct="1">
+              <a:spcBef>
+                <a:spcPts val="1000"/>
+              </a:spcBef>
+              <a:spcAft>
+                <a:spcPts val="0"/>
+              </a:spcAft>
+              <a:buClr>
+                <a:schemeClr val="accent1"/>
+              </a:buClr>
+              <a:buSzPct val="80000"/>
+              <a:buFont typeface="Wingdings 3" charset="2"/>
+              <a:buChar char=""/>
+              <a:defRPr sz="1200" kern="1200">
+                <a:solidFill>
+                  <a:schemeClr val="tx1">
+                    <a:lumMod val="75000"/>
+                    <a:lumOff val="25000"/>
+                  </a:schemeClr>
+                </a:solidFill>
+                <a:latin typeface="+mn-lt"/>
+                <a:ea typeface="+mn-ea"/>
+                <a:cs typeface="+mn-cs"/>
+              </a:defRPr>
+            </a:lvl6pPr>
+            <a:lvl7pPr marL="2970908" indent="-228531" algn="l" defTabSz="457063" rtl="0" eaLnBrk="1" latinLnBrk="0" hangingPunct="1">
+              <a:spcBef>
+                <a:spcPts val="1000"/>
+              </a:spcBef>
+              <a:spcAft>
+                <a:spcPts val="0"/>
+              </a:spcAft>
+              <a:buClr>
+                <a:schemeClr val="accent1"/>
+              </a:buClr>
+              <a:buSzPct val="80000"/>
+              <a:buFont typeface="Wingdings 3" charset="2"/>
+              <a:buChar char=""/>
+              <a:defRPr sz="1200" kern="1200">
+                <a:solidFill>
+                  <a:schemeClr val="tx1">
+                    <a:lumMod val="75000"/>
+                    <a:lumOff val="25000"/>
+                  </a:schemeClr>
+                </a:solidFill>
+                <a:latin typeface="+mn-lt"/>
+                <a:ea typeface="+mn-ea"/>
+                <a:cs typeface="+mn-cs"/>
+              </a:defRPr>
+            </a:lvl7pPr>
+            <a:lvl8pPr marL="3427971" indent="-228531" algn="l" defTabSz="457063" rtl="0" eaLnBrk="1" latinLnBrk="0" hangingPunct="1">
+              <a:spcBef>
+                <a:spcPts val="1000"/>
+              </a:spcBef>
+              <a:spcAft>
+                <a:spcPts val="0"/>
+              </a:spcAft>
+              <a:buClr>
+                <a:schemeClr val="accent1"/>
+              </a:buClr>
+              <a:buSzPct val="80000"/>
+              <a:buFont typeface="Wingdings 3" charset="2"/>
+              <a:buChar char=""/>
+              <a:defRPr sz="1200" kern="1200">
+                <a:solidFill>
+                  <a:schemeClr val="tx1">
+                    <a:lumMod val="75000"/>
+                    <a:lumOff val="25000"/>
+                  </a:schemeClr>
+                </a:solidFill>
+                <a:latin typeface="+mn-lt"/>
+                <a:ea typeface="+mn-ea"/>
+                <a:cs typeface="+mn-cs"/>
+              </a:defRPr>
+            </a:lvl8pPr>
+            <a:lvl9pPr marL="3885034" indent="-228531" algn="l" defTabSz="457063" rtl="0" eaLnBrk="1" latinLnBrk="0" hangingPunct="1">
+              <a:spcBef>
+                <a:spcPts val="1000"/>
+              </a:spcBef>
+              <a:spcAft>
+                <a:spcPts val="0"/>
+              </a:spcAft>
+              <a:buClr>
+                <a:schemeClr val="accent1"/>
+              </a:buClr>
+              <a:buSzPct val="80000"/>
+              <a:buFont typeface="Wingdings 3" charset="2"/>
+              <a:buChar char=""/>
+              <a:defRPr sz="1200" kern="1200">
+                <a:solidFill>
+                  <a:schemeClr val="tx1">
+                    <a:lumMod val="75000"/>
+                    <a:lumOff val="25000"/>
+                  </a:schemeClr>
+                </a:solidFill>
+                <a:latin typeface="+mn-lt"/>
+                <a:ea typeface="+mn-ea"/>
+                <a:cs typeface="+mn-cs"/>
+              </a:defRPr>
+            </a:lvl9pPr>
+          </a:lstStyle>
+          <a:p>
+            <a:pPr marL="457063" lvl="1" indent="0">
+              <a:buFont typeface="Wingdings 3" charset="2"/>
+              <a:buNone/>
+            </a:pPr>
+            <a:endParaRPr lang="en-US" dirty="0"/>
+          </a:p>
+        </p:txBody>
+      </p:sp>
+    </p:spTree>
+    <p:extLst>
+      <p:ext uri="{BB962C8B-B14F-4D97-AF65-F5344CB8AC3E}">
+        <p14:creationId xmlns:p14="http://schemas.microsoft.com/office/powerpoint/2010/main" val="3193752896"/>
+      </p:ext>
+    </p:extLst>
+  </p:cSld>
+  <p:clrMapOvr>
+    <a:masterClrMapping/>
+  </p:clrMapOvr>
+  <mc:AlternateContent xmlns:mc="http://schemas.openxmlformats.org/markup-compatibility/2006" xmlns:p14="http://schemas.microsoft.com/office/powerpoint/2010/main">
+    <mc:Choice Requires="p14">
+      <p:transition spd="med" p14:dur="700">
+        <p:fade/>
+      </p:transition>
+    </mc:Choice>
+    <mc:Fallback xmlns="">
+      <p:transition spd="med">
+        <p:fade/>
+      </p:transition>
+    </mc:Fallback>
+  </mc:AlternateContent>
+</p:sld>
+</file>
+
+<file path=ppt/slides/slide24.xml><?xml version="1.0" encoding="utf-8"?>
+<p:sld xmlns:a="http://schemas.openxmlformats.org/drawingml/2006/main" xmlns:r="http://schemas.openxmlformats.org/officeDocument/2006/relationships" xmlns:p="http://schemas.openxmlformats.org/presentationml/2006/main">
+  <p:cSld>
+    <p:spTree>
+      <p:nvGrpSpPr>
+        <p:cNvPr id="1" name=""/>
+        <p:cNvGrpSpPr/>
+        <p:nvPr/>
+      </p:nvGrpSpPr>
+      <p:grpSpPr>
+        <a:xfrm>
+          <a:off x="0" y="0"/>
+          <a:ext cx="0" cy="0"/>
+          <a:chOff x="0" y="0"/>
+          <a:chExt cx="0" cy="0"/>
+        </a:xfrm>
+      </p:grpSpPr>
+      <p:sp>
+        <p:nvSpPr>
+          <p:cNvPr id="5" name="Rectangle 4">
+            <a:extLst>
+              <a:ext uri="{FF2B5EF4-FFF2-40B4-BE49-F238E27FC236}">
+                <a16:creationId xmlns:a16="http://schemas.microsoft.com/office/drawing/2014/main" id="{86F37EA8-E346-44D3-9BCA-9003A76D1BAA}"/>
+              </a:ext>
+            </a:extLst>
+          </p:cNvPr>
+          <p:cNvSpPr/>
+          <p:nvPr/>
+        </p:nvSpPr>
+        <p:spPr>
+          <a:xfrm>
+            <a:off x="2208212" y="2644170"/>
+            <a:ext cx="7558498" cy="1569660"/>
+          </a:xfrm>
+          <a:prstGeom prst="rect">
+            <a:avLst/>
+          </a:prstGeom>
+        </p:spPr>
+        <p:txBody>
+          <a:bodyPr wrap="square">
+            <a:spAutoFit/>
+          </a:bodyPr>
+          <a:lstStyle/>
+          <a:p>
+            <a:r>
+              <a:rPr lang="en-US" sz="9600" dirty="0">
+                <a:solidFill>
+                  <a:schemeClr val="accent1"/>
+                </a:solidFill>
+                <a:latin typeface="Blackadder ITC" panose="04020505051007020D02" pitchFamily="82" charset="0"/>
+              </a:rPr>
+              <a:t>Questions ?</a:t>
+            </a:r>
+            <a:endParaRPr lang="en-US" sz="9600" dirty="0">
+              <a:solidFill>
+                <a:schemeClr val="accent1"/>
+              </a:solidFill>
+            </a:endParaRPr>
+          </a:p>
+        </p:txBody>
+      </p:sp>
+    </p:spTree>
+    <p:extLst>
+      <p:ext uri="{BB962C8B-B14F-4D97-AF65-F5344CB8AC3E}">
+        <p14:creationId xmlns:p14="http://schemas.microsoft.com/office/powerpoint/2010/main" val="1748486661"/>
+      </p:ext>
+    </p:extLst>
+  </p:cSld>
+  <p:clrMapOvr>
+    <a:masterClrMapping/>
+  </p:clrMapOvr>
+  <mc:AlternateContent xmlns:mc="http://schemas.openxmlformats.org/markup-compatibility/2006" xmlns:p14="http://schemas.microsoft.com/office/powerpoint/2010/main">
+    <mc:Choice Requires="p14">
+      <p:transition spd="med" p14:dur="700">
+        <p:fade/>
+      </p:transition>
+    </mc:Choice>
+    <mc:Fallback xmlns="">
+      <p:transition spd="med">
+        <p:fade/>
+      </p:transition>
+    </mc:Fallback>
+  </mc:AlternateContent>
+</p:sld>
+</file>
+
+<file path=ppt/slides/slide25.xml><?xml version="1.0" encoding="utf-8"?>
+<p:sld xmlns:a="http://schemas.openxmlformats.org/drawingml/2006/main" xmlns:r="http://schemas.openxmlformats.org/officeDocument/2006/relationships" xmlns:p="http://schemas.openxmlformats.org/presentationml/2006/main">
+  <p:cSld>
+    <p:spTree>
+      <p:nvGrpSpPr>
+        <p:cNvPr id="1" name=""/>
+        <p:cNvGrpSpPr/>
+        <p:nvPr/>
+      </p:nvGrpSpPr>
+      <p:grpSpPr>
+        <a:xfrm>
+          <a:off x="0" y="0"/>
+          <a:ext cx="0" cy="0"/>
+          <a:chOff x="0" y="0"/>
+          <a:chExt cx="0" cy="0"/>
+        </a:xfrm>
+      </p:grpSpPr>
+      <p:sp>
+        <p:nvSpPr>
+          <p:cNvPr id="5" name="Rectangle 4">
+            <a:extLst>
+              <a:ext uri="{FF2B5EF4-FFF2-40B4-BE49-F238E27FC236}">
+                <a16:creationId xmlns:a16="http://schemas.microsoft.com/office/drawing/2014/main" id="{86F37EA8-E346-44D3-9BCA-9003A76D1BAA}"/>
+              </a:ext>
+            </a:extLst>
+          </p:cNvPr>
+          <p:cNvSpPr/>
+          <p:nvPr/>
+        </p:nvSpPr>
+        <p:spPr>
+          <a:xfrm>
+            <a:off x="2208212" y="2644170"/>
+            <a:ext cx="7558498" cy="1569660"/>
+          </a:xfrm>
+          <a:prstGeom prst="rect">
+            <a:avLst/>
+          </a:prstGeom>
+        </p:spPr>
+        <p:txBody>
+          <a:bodyPr wrap="square">
+            <a:spAutoFit/>
+          </a:bodyPr>
+          <a:lstStyle/>
+          <a:p>
+            <a:r>
+              <a:rPr lang="en-US" sz="9600" dirty="0">
+                <a:solidFill>
+                  <a:schemeClr val="accent1"/>
+                </a:solidFill>
+                <a:latin typeface="Blackadder ITC" panose="04020505051007020D02" pitchFamily="82" charset="0"/>
+              </a:rPr>
+              <a:t>Thank You </a:t>
+            </a:r>
+            <a:r>
+              <a:rPr lang="en-US" sz="9600" dirty="0">
+                <a:solidFill>
+                  <a:schemeClr val="accent1"/>
+                </a:solidFill>
+                <a:latin typeface="Blackadder ITC" panose="04020505051007020D02" pitchFamily="82" charset="0"/>
+                <a:sym typeface="Wingdings" panose="05000000000000000000" pitchFamily="2" charset="2"/>
+              </a:rPr>
+              <a:t></a:t>
+            </a:r>
+            <a:endParaRPr lang="en-US" sz="9600" dirty="0">
+              <a:solidFill>
+                <a:schemeClr val="accent1"/>
+              </a:solidFill>
+            </a:endParaRPr>
+          </a:p>
+        </p:txBody>
+      </p:sp>
+    </p:spTree>
+    <p:extLst>
+      <p:ext uri="{BB962C8B-B14F-4D97-AF65-F5344CB8AC3E}">
+        <p14:creationId xmlns:p14="http://schemas.microsoft.com/office/powerpoint/2010/main" val="3239199777"/>
       </p:ext>
     </p:extLst>
   </p:cSld>

--- a/Drug-Target Interaction Prediction.pptx
+++ b/Drug-Target Interaction Prediction.pptx
@@ -5,10 +5,10 @@
     <p:sldMasterId id="2147483887" r:id="rId4"/>
   </p:sldMasterIdLst>
   <p:notesMasterIdLst>
-    <p:notesMasterId r:id="rId30"/>
+    <p:notesMasterId r:id="rId32"/>
   </p:notesMasterIdLst>
   <p:handoutMasterIdLst>
-    <p:handoutMasterId r:id="rId31"/>
+    <p:handoutMasterId r:id="rId33"/>
   </p:handoutMasterIdLst>
   <p:sldIdLst>
     <p:sldId id="264" r:id="rId5"/>
@@ -33,9 +33,11 @@
     <p:sldId id="313" r:id="rId24"/>
     <p:sldId id="314" r:id="rId25"/>
     <p:sldId id="315" r:id="rId26"/>
-    <p:sldId id="294" r:id="rId27"/>
-    <p:sldId id="289" r:id="rId28"/>
-    <p:sldId id="292" r:id="rId29"/>
+    <p:sldId id="316" r:id="rId27"/>
+    <p:sldId id="317" r:id="rId28"/>
+    <p:sldId id="294" r:id="rId29"/>
+    <p:sldId id="289" r:id="rId30"/>
+    <p:sldId id="292" r:id="rId31"/>
   </p:sldIdLst>
   <p:sldSz cx="12188825" cy="6858000"/>
   <p:notesSz cx="6858000" cy="9144000"/>
@@ -26554,6 +26556,1824 @@
 <file path=ppt/slides/slide23.xml><?xml version="1.0" encoding="utf-8"?>
 <p:sld xmlns:a="http://schemas.openxmlformats.org/drawingml/2006/main" xmlns:r="http://schemas.openxmlformats.org/officeDocument/2006/relationships" xmlns:p="http://schemas.openxmlformats.org/presentationml/2006/main">
   <p:cSld>
+    <p:spTree>
+      <p:nvGrpSpPr>
+        <p:cNvPr id="1" name=""/>
+        <p:cNvGrpSpPr/>
+        <p:nvPr/>
+      </p:nvGrpSpPr>
+      <p:grpSpPr>
+        <a:xfrm>
+          <a:off x="0" y="0"/>
+          <a:ext cx="0" cy="0"/>
+          <a:chOff x="0" y="0"/>
+          <a:chExt cx="0" cy="0"/>
+        </a:xfrm>
+      </p:grpSpPr>
+      <p:sp>
+        <p:nvSpPr>
+          <p:cNvPr id="2" name="Title 1"/>
+          <p:cNvSpPr>
+            <a:spLocks noGrp="1"/>
+          </p:cNvSpPr>
+          <p:nvPr>
+            <p:ph type="title"/>
+          </p:nvPr>
+        </p:nvSpPr>
+        <p:spPr/>
+        <p:txBody>
+          <a:bodyPr anchor="t">
+            <a:normAutofit/>
+          </a:bodyPr>
+          <a:lstStyle/>
+          <a:p>
+            <a:r>
+              <a:rPr lang="en-US" sz="3600" dirty="0">
+                <a:latin typeface="Calibri" panose="020F0502020204030204" pitchFamily="34" charset="0"/>
+                <a:cs typeface="Calibri" panose="020F0502020204030204" pitchFamily="34" charset="0"/>
+              </a:rPr>
+              <a:t>Experiment Sitting (Cont.)</a:t>
+            </a:r>
+            <a:endParaRPr lang="en-US" dirty="0">
+              <a:latin typeface="Calibri" panose="020F0502020204030204" pitchFamily="34" charset="0"/>
+              <a:cs typeface="Calibri" panose="020F0502020204030204" pitchFamily="34" charset="0"/>
+            </a:endParaRPr>
+          </a:p>
+        </p:txBody>
+      </p:sp>
+      <p:sp>
+        <p:nvSpPr>
+          <p:cNvPr id="9" name="Content Placeholder 8">
+            <a:extLst>
+              <a:ext uri="{FF2B5EF4-FFF2-40B4-BE49-F238E27FC236}">
+                <a16:creationId xmlns:a16="http://schemas.microsoft.com/office/drawing/2014/main" id="{BFD27979-805A-4B4B-946D-AB44BEAC7A32}"/>
+              </a:ext>
+            </a:extLst>
+          </p:cNvPr>
+          <p:cNvSpPr>
+            <a:spLocks noGrp="1"/>
+          </p:cNvSpPr>
+          <p:nvPr>
+            <p:ph idx="1"/>
+          </p:nvPr>
+        </p:nvSpPr>
+        <p:spPr>
+          <a:xfrm>
+            <a:off x="760413" y="1600200"/>
+            <a:ext cx="6553199" cy="4724400"/>
+          </a:xfrm>
+        </p:spPr>
+        <p:txBody>
+          <a:bodyPr>
+            <a:normAutofit/>
+          </a:bodyPr>
+          <a:lstStyle/>
+          <a:p>
+            <a:pPr marL="0" indent="0">
+              <a:buNone/>
+            </a:pPr>
+            <a:r>
+              <a:rPr lang="en-US" b="1" dirty="0">
+                <a:solidFill>
+                  <a:schemeClr val="tx1"/>
+                </a:solidFill>
+                <a:latin typeface="Calibri" panose="020F0502020204030204" pitchFamily="34" charset="0"/>
+                <a:cs typeface="Calibri" panose="020F0502020204030204" pitchFamily="34" charset="0"/>
+              </a:rPr>
+              <a:t>Evaluation :  </a:t>
+            </a:r>
+            <a:r>
+              <a:rPr lang="en-US" dirty="0">
+                <a:solidFill>
+                  <a:schemeClr val="tx1"/>
+                </a:solidFill>
+                <a:latin typeface="Calibri" panose="020F0502020204030204" pitchFamily="34" charset="0"/>
+                <a:cs typeface="Calibri" panose="020F0502020204030204" pitchFamily="34" charset="0"/>
+              </a:rPr>
+              <a:t>in our experiments we used leave-one-out cross-validation, i.e., in each round we leave exactly one interaction and try to predict it. </a:t>
+            </a:r>
+          </a:p>
+          <a:p>
+            <a:pPr marL="0" indent="0">
+              <a:buNone/>
+            </a:pPr>
+            <a:r>
+              <a:rPr lang="en-US" b="1" dirty="0">
+                <a:solidFill>
+                  <a:schemeClr val="tx1"/>
+                </a:solidFill>
+                <a:latin typeface="Calibri" panose="020F0502020204030204" pitchFamily="34" charset="0"/>
+                <a:cs typeface="Calibri" panose="020F0502020204030204" pitchFamily="34" charset="0"/>
+              </a:rPr>
+              <a:t>Metrics :</a:t>
+            </a:r>
+            <a:r>
+              <a:rPr lang="en-US" dirty="0">
+                <a:solidFill>
+                  <a:schemeClr val="tx1"/>
+                </a:solidFill>
+                <a:latin typeface="Calibri" panose="020F0502020204030204" pitchFamily="34" charset="0"/>
+                <a:cs typeface="Calibri" panose="020F0502020204030204" pitchFamily="34" charset="0"/>
+              </a:rPr>
+              <a:t>  we used Area Under Receiver Operator Characteristic Curve (AUC) and Area Under Precision-Recall Curve (AUPR).</a:t>
+            </a:r>
+            <a:endParaRPr lang="en-US" b="1" dirty="0">
+              <a:solidFill>
+                <a:schemeClr val="tx1"/>
+              </a:solidFill>
+              <a:latin typeface="Calibri" panose="020F0502020204030204" pitchFamily="34" charset="0"/>
+              <a:cs typeface="Calibri" panose="020F0502020204030204" pitchFamily="34" charset="0"/>
+            </a:endParaRPr>
+          </a:p>
+          <a:p>
+            <a:pPr marL="0" indent="0">
+              <a:buNone/>
+            </a:pPr>
+            <a:r>
+              <a:rPr lang="en-US" b="1" dirty="0">
+                <a:solidFill>
+                  <a:schemeClr val="tx1"/>
+                </a:solidFill>
+                <a:latin typeface="Calibri" panose="020F0502020204030204" pitchFamily="34" charset="0"/>
+                <a:cs typeface="Calibri" panose="020F0502020204030204" pitchFamily="34" charset="0"/>
+              </a:rPr>
+              <a:t>               </a:t>
+            </a:r>
+          </a:p>
+          <a:p>
+            <a:pPr marL="0" indent="0">
+              <a:buNone/>
+            </a:pPr>
+            <a:endParaRPr lang="en-US" dirty="0">
+              <a:solidFill>
+                <a:schemeClr val="tx1"/>
+              </a:solidFill>
+              <a:latin typeface="Calibri" panose="020F0502020204030204" pitchFamily="34" charset="0"/>
+              <a:cs typeface="Calibri" panose="020F0502020204030204" pitchFamily="34" charset="0"/>
+            </a:endParaRPr>
+          </a:p>
+        </p:txBody>
+      </p:sp>
+      <p:sp>
+        <p:nvSpPr>
+          <p:cNvPr id="6" name="Content Placeholder 2">
+            <a:extLst>
+              <a:ext uri="{FF2B5EF4-FFF2-40B4-BE49-F238E27FC236}">
+                <a16:creationId xmlns:a16="http://schemas.microsoft.com/office/drawing/2014/main" id="{109EE1EC-0CF3-44EA-8406-9B48EE9C5C3D}"/>
+              </a:ext>
+            </a:extLst>
+          </p:cNvPr>
+          <p:cNvSpPr txBox="1">
+            <a:spLocks/>
+          </p:cNvSpPr>
+          <p:nvPr/>
+        </p:nvSpPr>
+        <p:spPr>
+          <a:xfrm>
+            <a:off x="677158" y="1676400"/>
+            <a:ext cx="9227254" cy="4343400"/>
+          </a:xfrm>
+          <a:prstGeom prst="rect">
+            <a:avLst/>
+          </a:prstGeom>
+        </p:spPr>
+        <p:txBody>
+          <a:bodyPr vert="horz" lIns="91440" tIns="45720" rIns="91440" bIns="45720" rtlCol="0">
+            <a:normAutofit/>
+          </a:bodyPr>
+          <a:lstStyle>
+            <a:lvl1pPr marL="342797" indent="-342797" algn="l" defTabSz="457063" rtl="0" eaLnBrk="1" latinLnBrk="0" hangingPunct="1">
+              <a:spcBef>
+                <a:spcPts val="1000"/>
+              </a:spcBef>
+              <a:spcAft>
+                <a:spcPts val="0"/>
+              </a:spcAft>
+              <a:buClr>
+                <a:schemeClr val="accent1"/>
+              </a:buClr>
+              <a:buSzPct val="80000"/>
+              <a:buFont typeface="Wingdings 3" charset="2"/>
+              <a:buChar char=""/>
+              <a:defRPr sz="1799" kern="1200">
+                <a:solidFill>
+                  <a:schemeClr val="tx1">
+                    <a:lumMod val="75000"/>
+                    <a:lumOff val="25000"/>
+                  </a:schemeClr>
+                </a:solidFill>
+                <a:latin typeface="+mn-lt"/>
+                <a:ea typeface="+mn-ea"/>
+                <a:cs typeface="+mn-cs"/>
+              </a:defRPr>
+            </a:lvl1pPr>
+            <a:lvl2pPr marL="742727" indent="-285664" algn="l" defTabSz="457063" rtl="0" eaLnBrk="1" latinLnBrk="0" hangingPunct="1">
+              <a:spcBef>
+                <a:spcPts val="1000"/>
+              </a:spcBef>
+              <a:spcAft>
+                <a:spcPts val="0"/>
+              </a:spcAft>
+              <a:buClr>
+                <a:schemeClr val="accent1"/>
+              </a:buClr>
+              <a:buSzPct val="80000"/>
+              <a:buFont typeface="Wingdings 3" charset="2"/>
+              <a:buChar char=""/>
+              <a:defRPr sz="1600" kern="1200">
+                <a:solidFill>
+                  <a:schemeClr val="tx1">
+                    <a:lumMod val="75000"/>
+                    <a:lumOff val="25000"/>
+                  </a:schemeClr>
+                </a:solidFill>
+                <a:latin typeface="+mn-lt"/>
+                <a:ea typeface="+mn-ea"/>
+                <a:cs typeface="+mn-cs"/>
+              </a:defRPr>
+            </a:lvl2pPr>
+            <a:lvl3pPr marL="1142657" indent="-228531" algn="l" defTabSz="457063" rtl="0" eaLnBrk="1" latinLnBrk="0" hangingPunct="1">
+              <a:spcBef>
+                <a:spcPts val="1000"/>
+              </a:spcBef>
+              <a:spcAft>
+                <a:spcPts val="0"/>
+              </a:spcAft>
+              <a:buClr>
+                <a:schemeClr val="accent1"/>
+              </a:buClr>
+              <a:buSzPct val="80000"/>
+              <a:buFont typeface="Wingdings 3" charset="2"/>
+              <a:buChar char=""/>
+              <a:defRPr sz="1400" kern="1200">
+                <a:solidFill>
+                  <a:schemeClr val="tx1">
+                    <a:lumMod val="75000"/>
+                    <a:lumOff val="25000"/>
+                  </a:schemeClr>
+                </a:solidFill>
+                <a:latin typeface="+mn-lt"/>
+                <a:ea typeface="+mn-ea"/>
+                <a:cs typeface="+mn-cs"/>
+              </a:defRPr>
+            </a:lvl3pPr>
+            <a:lvl4pPr marL="1599720" indent="-228531" algn="l" defTabSz="457063" rtl="0" eaLnBrk="1" latinLnBrk="0" hangingPunct="1">
+              <a:spcBef>
+                <a:spcPts val="1000"/>
+              </a:spcBef>
+              <a:spcAft>
+                <a:spcPts val="0"/>
+              </a:spcAft>
+              <a:buClr>
+                <a:schemeClr val="accent1"/>
+              </a:buClr>
+              <a:buSzPct val="80000"/>
+              <a:buFont typeface="Wingdings 3" charset="2"/>
+              <a:buChar char=""/>
+              <a:defRPr sz="1200" kern="1200">
+                <a:solidFill>
+                  <a:schemeClr val="tx1">
+                    <a:lumMod val="75000"/>
+                    <a:lumOff val="25000"/>
+                  </a:schemeClr>
+                </a:solidFill>
+                <a:latin typeface="+mn-lt"/>
+                <a:ea typeface="+mn-ea"/>
+                <a:cs typeface="+mn-cs"/>
+              </a:defRPr>
+            </a:lvl4pPr>
+            <a:lvl5pPr marL="2056783" indent="-228531" algn="l" defTabSz="457063" rtl="0" eaLnBrk="1" latinLnBrk="0" hangingPunct="1">
+              <a:spcBef>
+                <a:spcPts val="1000"/>
+              </a:spcBef>
+              <a:spcAft>
+                <a:spcPts val="0"/>
+              </a:spcAft>
+              <a:buClr>
+                <a:schemeClr val="accent1"/>
+              </a:buClr>
+              <a:buSzPct val="80000"/>
+              <a:buFont typeface="Wingdings 3" charset="2"/>
+              <a:buChar char=""/>
+              <a:defRPr sz="1200" kern="1200">
+                <a:solidFill>
+                  <a:schemeClr val="tx1">
+                    <a:lumMod val="75000"/>
+                    <a:lumOff val="25000"/>
+                  </a:schemeClr>
+                </a:solidFill>
+                <a:latin typeface="+mn-lt"/>
+                <a:ea typeface="+mn-ea"/>
+                <a:cs typeface="+mn-cs"/>
+              </a:defRPr>
+            </a:lvl5pPr>
+            <a:lvl6pPr marL="2513846" indent="-228531" algn="l" defTabSz="457063" rtl="0" eaLnBrk="1" latinLnBrk="0" hangingPunct="1">
+              <a:spcBef>
+                <a:spcPts val="1000"/>
+              </a:spcBef>
+              <a:spcAft>
+                <a:spcPts val="0"/>
+              </a:spcAft>
+              <a:buClr>
+                <a:schemeClr val="accent1"/>
+              </a:buClr>
+              <a:buSzPct val="80000"/>
+              <a:buFont typeface="Wingdings 3" charset="2"/>
+              <a:buChar char=""/>
+              <a:defRPr sz="1200" kern="1200">
+                <a:solidFill>
+                  <a:schemeClr val="tx1">
+                    <a:lumMod val="75000"/>
+                    <a:lumOff val="25000"/>
+                  </a:schemeClr>
+                </a:solidFill>
+                <a:latin typeface="+mn-lt"/>
+                <a:ea typeface="+mn-ea"/>
+                <a:cs typeface="+mn-cs"/>
+              </a:defRPr>
+            </a:lvl6pPr>
+            <a:lvl7pPr marL="2970908" indent="-228531" algn="l" defTabSz="457063" rtl="0" eaLnBrk="1" latinLnBrk="0" hangingPunct="1">
+              <a:spcBef>
+                <a:spcPts val="1000"/>
+              </a:spcBef>
+              <a:spcAft>
+                <a:spcPts val="0"/>
+              </a:spcAft>
+              <a:buClr>
+                <a:schemeClr val="accent1"/>
+              </a:buClr>
+              <a:buSzPct val="80000"/>
+              <a:buFont typeface="Wingdings 3" charset="2"/>
+              <a:buChar char=""/>
+              <a:defRPr sz="1200" kern="1200">
+                <a:solidFill>
+                  <a:schemeClr val="tx1">
+                    <a:lumMod val="75000"/>
+                    <a:lumOff val="25000"/>
+                  </a:schemeClr>
+                </a:solidFill>
+                <a:latin typeface="+mn-lt"/>
+                <a:ea typeface="+mn-ea"/>
+                <a:cs typeface="+mn-cs"/>
+              </a:defRPr>
+            </a:lvl7pPr>
+            <a:lvl8pPr marL="3427971" indent="-228531" algn="l" defTabSz="457063" rtl="0" eaLnBrk="1" latinLnBrk="0" hangingPunct="1">
+              <a:spcBef>
+                <a:spcPts val="1000"/>
+              </a:spcBef>
+              <a:spcAft>
+                <a:spcPts val="0"/>
+              </a:spcAft>
+              <a:buClr>
+                <a:schemeClr val="accent1"/>
+              </a:buClr>
+              <a:buSzPct val="80000"/>
+              <a:buFont typeface="Wingdings 3" charset="2"/>
+              <a:buChar char=""/>
+              <a:defRPr sz="1200" kern="1200">
+                <a:solidFill>
+                  <a:schemeClr val="tx1">
+                    <a:lumMod val="75000"/>
+                    <a:lumOff val="25000"/>
+                  </a:schemeClr>
+                </a:solidFill>
+                <a:latin typeface="+mn-lt"/>
+                <a:ea typeface="+mn-ea"/>
+                <a:cs typeface="+mn-cs"/>
+              </a:defRPr>
+            </a:lvl8pPr>
+            <a:lvl9pPr marL="3885034" indent="-228531" algn="l" defTabSz="457063" rtl="0" eaLnBrk="1" latinLnBrk="0" hangingPunct="1">
+              <a:spcBef>
+                <a:spcPts val="1000"/>
+              </a:spcBef>
+              <a:spcAft>
+                <a:spcPts val="0"/>
+              </a:spcAft>
+              <a:buClr>
+                <a:schemeClr val="accent1"/>
+              </a:buClr>
+              <a:buSzPct val="80000"/>
+              <a:buFont typeface="Wingdings 3" charset="2"/>
+              <a:buChar char=""/>
+              <a:defRPr sz="1200" kern="1200">
+                <a:solidFill>
+                  <a:schemeClr val="tx1">
+                    <a:lumMod val="75000"/>
+                    <a:lumOff val="25000"/>
+                  </a:schemeClr>
+                </a:solidFill>
+                <a:latin typeface="+mn-lt"/>
+                <a:ea typeface="+mn-ea"/>
+                <a:cs typeface="+mn-cs"/>
+              </a:defRPr>
+            </a:lvl9pPr>
+          </a:lstStyle>
+          <a:p>
+            <a:pPr marL="457063" lvl="1" indent="0">
+              <a:buFont typeface="Wingdings 3" charset="2"/>
+              <a:buNone/>
+            </a:pPr>
+            <a:endParaRPr lang="en-US" dirty="0"/>
+          </a:p>
+        </p:txBody>
+      </p:sp>
+    </p:spTree>
+    <p:extLst>
+      <p:ext uri="{BB962C8B-B14F-4D97-AF65-F5344CB8AC3E}">
+        <p14:creationId xmlns:p14="http://schemas.microsoft.com/office/powerpoint/2010/main" val="2146905834"/>
+      </p:ext>
+    </p:extLst>
+  </p:cSld>
+  <p:clrMapOvr>
+    <a:masterClrMapping/>
+  </p:clrMapOvr>
+  <mc:AlternateContent xmlns:mc="http://schemas.openxmlformats.org/markup-compatibility/2006" xmlns:p14="http://schemas.microsoft.com/office/powerpoint/2010/main">
+    <mc:Choice Requires="p14">
+      <p:transition spd="med" p14:dur="700">
+        <p:fade/>
+      </p:transition>
+    </mc:Choice>
+    <mc:Fallback xmlns="">
+      <p:transition spd="med">
+        <p:fade/>
+      </p:transition>
+    </mc:Fallback>
+  </mc:AlternateContent>
+</p:sld>
+</file>
+
+<file path=ppt/slides/slide24.xml><?xml version="1.0" encoding="utf-8"?>
+<p:sld xmlns:a="http://schemas.openxmlformats.org/drawingml/2006/main" xmlns:r="http://schemas.openxmlformats.org/officeDocument/2006/relationships" xmlns:p="http://schemas.openxmlformats.org/presentationml/2006/main">
+  <p:cSld>
+    <p:spTree>
+      <p:nvGrpSpPr>
+        <p:cNvPr id="1" name=""/>
+        <p:cNvGrpSpPr/>
+        <p:nvPr/>
+      </p:nvGrpSpPr>
+      <p:grpSpPr>
+        <a:xfrm>
+          <a:off x="0" y="0"/>
+          <a:ext cx="0" cy="0"/>
+          <a:chOff x="0" y="0"/>
+          <a:chExt cx="0" cy="0"/>
+        </a:xfrm>
+      </p:grpSpPr>
+      <p:sp>
+        <p:nvSpPr>
+          <p:cNvPr id="2" name="Title 1"/>
+          <p:cNvSpPr>
+            <a:spLocks noGrp="1"/>
+          </p:cNvSpPr>
+          <p:nvPr>
+            <p:ph type="title"/>
+          </p:nvPr>
+        </p:nvSpPr>
+        <p:spPr/>
+        <p:txBody>
+          <a:bodyPr anchor="t">
+            <a:normAutofit/>
+          </a:bodyPr>
+          <a:lstStyle/>
+          <a:p>
+            <a:r>
+              <a:rPr lang="en-US" sz="3600" dirty="0">
+                <a:latin typeface="Calibri" panose="020F0502020204030204" pitchFamily="34" charset="0"/>
+                <a:cs typeface="Calibri" panose="020F0502020204030204" pitchFamily="34" charset="0"/>
+              </a:rPr>
+              <a:t>Experiment Results </a:t>
+            </a:r>
+            <a:endParaRPr lang="en-US" dirty="0">
+              <a:latin typeface="Calibri" panose="020F0502020204030204" pitchFamily="34" charset="0"/>
+              <a:cs typeface="Calibri" panose="020F0502020204030204" pitchFamily="34" charset="0"/>
+            </a:endParaRPr>
+          </a:p>
+        </p:txBody>
+      </p:sp>
+      <p:sp>
+        <p:nvSpPr>
+          <p:cNvPr id="9" name="Content Placeholder 8">
+            <a:extLst>
+              <a:ext uri="{FF2B5EF4-FFF2-40B4-BE49-F238E27FC236}">
+                <a16:creationId xmlns:a16="http://schemas.microsoft.com/office/drawing/2014/main" id="{BFD27979-805A-4B4B-946D-AB44BEAC7A32}"/>
+              </a:ext>
+            </a:extLst>
+          </p:cNvPr>
+          <p:cNvSpPr>
+            <a:spLocks noGrp="1"/>
+          </p:cNvSpPr>
+          <p:nvPr>
+            <p:ph idx="1"/>
+          </p:nvPr>
+        </p:nvSpPr>
+        <p:spPr>
+          <a:xfrm>
+            <a:off x="760413" y="1600200"/>
+            <a:ext cx="6553199" cy="4724400"/>
+          </a:xfrm>
+        </p:spPr>
+        <p:txBody>
+          <a:bodyPr>
+            <a:normAutofit/>
+          </a:bodyPr>
+          <a:lstStyle/>
+          <a:p>
+            <a:pPr marL="0" indent="0">
+              <a:buNone/>
+            </a:pPr>
+            <a:r>
+              <a:rPr lang="en-US" b="1" dirty="0">
+                <a:solidFill>
+                  <a:schemeClr val="tx1"/>
+                </a:solidFill>
+                <a:latin typeface="Calibri" panose="020F0502020204030204" pitchFamily="34" charset="0"/>
+                <a:cs typeface="Calibri" panose="020F0502020204030204" pitchFamily="34" charset="0"/>
+              </a:rPr>
+              <a:t>               </a:t>
+            </a:r>
+          </a:p>
+          <a:p>
+            <a:pPr marL="0" indent="0">
+              <a:buNone/>
+            </a:pPr>
+            <a:endParaRPr lang="en-US" dirty="0">
+              <a:solidFill>
+                <a:schemeClr val="tx1"/>
+              </a:solidFill>
+              <a:latin typeface="Calibri" panose="020F0502020204030204" pitchFamily="34" charset="0"/>
+              <a:cs typeface="Calibri" panose="020F0502020204030204" pitchFamily="34" charset="0"/>
+            </a:endParaRPr>
+          </a:p>
+        </p:txBody>
+      </p:sp>
+      <p:sp>
+        <p:nvSpPr>
+          <p:cNvPr id="6" name="Content Placeholder 2">
+            <a:extLst>
+              <a:ext uri="{FF2B5EF4-FFF2-40B4-BE49-F238E27FC236}">
+                <a16:creationId xmlns:a16="http://schemas.microsoft.com/office/drawing/2014/main" id="{109EE1EC-0CF3-44EA-8406-9B48EE9C5C3D}"/>
+              </a:ext>
+            </a:extLst>
+          </p:cNvPr>
+          <p:cNvSpPr txBox="1">
+            <a:spLocks/>
+          </p:cNvSpPr>
+          <p:nvPr/>
+        </p:nvSpPr>
+        <p:spPr>
+          <a:xfrm>
+            <a:off x="677158" y="1676400"/>
+            <a:ext cx="9227254" cy="4343400"/>
+          </a:xfrm>
+          <a:prstGeom prst="rect">
+            <a:avLst/>
+          </a:prstGeom>
+        </p:spPr>
+        <p:txBody>
+          <a:bodyPr vert="horz" lIns="91440" tIns="45720" rIns="91440" bIns="45720" rtlCol="0">
+            <a:normAutofit/>
+          </a:bodyPr>
+          <a:lstStyle>
+            <a:lvl1pPr marL="342797" indent="-342797" algn="l" defTabSz="457063" rtl="0" eaLnBrk="1" latinLnBrk="0" hangingPunct="1">
+              <a:spcBef>
+                <a:spcPts val="1000"/>
+              </a:spcBef>
+              <a:spcAft>
+                <a:spcPts val="0"/>
+              </a:spcAft>
+              <a:buClr>
+                <a:schemeClr val="accent1"/>
+              </a:buClr>
+              <a:buSzPct val="80000"/>
+              <a:buFont typeface="Wingdings 3" charset="2"/>
+              <a:buChar char=""/>
+              <a:defRPr sz="1799" kern="1200">
+                <a:solidFill>
+                  <a:schemeClr val="tx1">
+                    <a:lumMod val="75000"/>
+                    <a:lumOff val="25000"/>
+                  </a:schemeClr>
+                </a:solidFill>
+                <a:latin typeface="+mn-lt"/>
+                <a:ea typeface="+mn-ea"/>
+                <a:cs typeface="+mn-cs"/>
+              </a:defRPr>
+            </a:lvl1pPr>
+            <a:lvl2pPr marL="742727" indent="-285664" algn="l" defTabSz="457063" rtl="0" eaLnBrk="1" latinLnBrk="0" hangingPunct="1">
+              <a:spcBef>
+                <a:spcPts val="1000"/>
+              </a:spcBef>
+              <a:spcAft>
+                <a:spcPts val="0"/>
+              </a:spcAft>
+              <a:buClr>
+                <a:schemeClr val="accent1"/>
+              </a:buClr>
+              <a:buSzPct val="80000"/>
+              <a:buFont typeface="Wingdings 3" charset="2"/>
+              <a:buChar char=""/>
+              <a:defRPr sz="1600" kern="1200">
+                <a:solidFill>
+                  <a:schemeClr val="tx1">
+                    <a:lumMod val="75000"/>
+                    <a:lumOff val="25000"/>
+                  </a:schemeClr>
+                </a:solidFill>
+                <a:latin typeface="+mn-lt"/>
+                <a:ea typeface="+mn-ea"/>
+                <a:cs typeface="+mn-cs"/>
+              </a:defRPr>
+            </a:lvl2pPr>
+            <a:lvl3pPr marL="1142657" indent="-228531" algn="l" defTabSz="457063" rtl="0" eaLnBrk="1" latinLnBrk="0" hangingPunct="1">
+              <a:spcBef>
+                <a:spcPts val="1000"/>
+              </a:spcBef>
+              <a:spcAft>
+                <a:spcPts val="0"/>
+              </a:spcAft>
+              <a:buClr>
+                <a:schemeClr val="accent1"/>
+              </a:buClr>
+              <a:buSzPct val="80000"/>
+              <a:buFont typeface="Wingdings 3" charset="2"/>
+              <a:buChar char=""/>
+              <a:defRPr sz="1400" kern="1200">
+                <a:solidFill>
+                  <a:schemeClr val="tx1">
+                    <a:lumMod val="75000"/>
+                    <a:lumOff val="25000"/>
+                  </a:schemeClr>
+                </a:solidFill>
+                <a:latin typeface="+mn-lt"/>
+                <a:ea typeface="+mn-ea"/>
+                <a:cs typeface="+mn-cs"/>
+              </a:defRPr>
+            </a:lvl3pPr>
+            <a:lvl4pPr marL="1599720" indent="-228531" algn="l" defTabSz="457063" rtl="0" eaLnBrk="1" latinLnBrk="0" hangingPunct="1">
+              <a:spcBef>
+                <a:spcPts val="1000"/>
+              </a:spcBef>
+              <a:spcAft>
+                <a:spcPts val="0"/>
+              </a:spcAft>
+              <a:buClr>
+                <a:schemeClr val="accent1"/>
+              </a:buClr>
+              <a:buSzPct val="80000"/>
+              <a:buFont typeface="Wingdings 3" charset="2"/>
+              <a:buChar char=""/>
+              <a:defRPr sz="1200" kern="1200">
+                <a:solidFill>
+                  <a:schemeClr val="tx1">
+                    <a:lumMod val="75000"/>
+                    <a:lumOff val="25000"/>
+                  </a:schemeClr>
+                </a:solidFill>
+                <a:latin typeface="+mn-lt"/>
+                <a:ea typeface="+mn-ea"/>
+                <a:cs typeface="+mn-cs"/>
+              </a:defRPr>
+            </a:lvl4pPr>
+            <a:lvl5pPr marL="2056783" indent="-228531" algn="l" defTabSz="457063" rtl="0" eaLnBrk="1" latinLnBrk="0" hangingPunct="1">
+              <a:spcBef>
+                <a:spcPts val="1000"/>
+              </a:spcBef>
+              <a:spcAft>
+                <a:spcPts val="0"/>
+              </a:spcAft>
+              <a:buClr>
+                <a:schemeClr val="accent1"/>
+              </a:buClr>
+              <a:buSzPct val="80000"/>
+              <a:buFont typeface="Wingdings 3" charset="2"/>
+              <a:buChar char=""/>
+              <a:defRPr sz="1200" kern="1200">
+                <a:solidFill>
+                  <a:schemeClr val="tx1">
+                    <a:lumMod val="75000"/>
+                    <a:lumOff val="25000"/>
+                  </a:schemeClr>
+                </a:solidFill>
+                <a:latin typeface="+mn-lt"/>
+                <a:ea typeface="+mn-ea"/>
+                <a:cs typeface="+mn-cs"/>
+              </a:defRPr>
+            </a:lvl5pPr>
+            <a:lvl6pPr marL="2513846" indent="-228531" algn="l" defTabSz="457063" rtl="0" eaLnBrk="1" latinLnBrk="0" hangingPunct="1">
+              <a:spcBef>
+                <a:spcPts val="1000"/>
+              </a:spcBef>
+              <a:spcAft>
+                <a:spcPts val="0"/>
+              </a:spcAft>
+              <a:buClr>
+                <a:schemeClr val="accent1"/>
+              </a:buClr>
+              <a:buSzPct val="80000"/>
+              <a:buFont typeface="Wingdings 3" charset="2"/>
+              <a:buChar char=""/>
+              <a:defRPr sz="1200" kern="1200">
+                <a:solidFill>
+                  <a:schemeClr val="tx1">
+                    <a:lumMod val="75000"/>
+                    <a:lumOff val="25000"/>
+                  </a:schemeClr>
+                </a:solidFill>
+                <a:latin typeface="+mn-lt"/>
+                <a:ea typeface="+mn-ea"/>
+                <a:cs typeface="+mn-cs"/>
+              </a:defRPr>
+            </a:lvl6pPr>
+            <a:lvl7pPr marL="2970908" indent="-228531" algn="l" defTabSz="457063" rtl="0" eaLnBrk="1" latinLnBrk="0" hangingPunct="1">
+              <a:spcBef>
+                <a:spcPts val="1000"/>
+              </a:spcBef>
+              <a:spcAft>
+                <a:spcPts val="0"/>
+              </a:spcAft>
+              <a:buClr>
+                <a:schemeClr val="accent1"/>
+              </a:buClr>
+              <a:buSzPct val="80000"/>
+              <a:buFont typeface="Wingdings 3" charset="2"/>
+              <a:buChar char=""/>
+              <a:defRPr sz="1200" kern="1200">
+                <a:solidFill>
+                  <a:schemeClr val="tx1">
+                    <a:lumMod val="75000"/>
+                    <a:lumOff val="25000"/>
+                  </a:schemeClr>
+                </a:solidFill>
+                <a:latin typeface="+mn-lt"/>
+                <a:ea typeface="+mn-ea"/>
+                <a:cs typeface="+mn-cs"/>
+              </a:defRPr>
+            </a:lvl7pPr>
+            <a:lvl8pPr marL="3427971" indent="-228531" algn="l" defTabSz="457063" rtl="0" eaLnBrk="1" latinLnBrk="0" hangingPunct="1">
+              <a:spcBef>
+                <a:spcPts val="1000"/>
+              </a:spcBef>
+              <a:spcAft>
+                <a:spcPts val="0"/>
+              </a:spcAft>
+              <a:buClr>
+                <a:schemeClr val="accent1"/>
+              </a:buClr>
+              <a:buSzPct val="80000"/>
+              <a:buFont typeface="Wingdings 3" charset="2"/>
+              <a:buChar char=""/>
+              <a:defRPr sz="1200" kern="1200">
+                <a:solidFill>
+                  <a:schemeClr val="tx1">
+                    <a:lumMod val="75000"/>
+                    <a:lumOff val="25000"/>
+                  </a:schemeClr>
+                </a:solidFill>
+                <a:latin typeface="+mn-lt"/>
+                <a:ea typeface="+mn-ea"/>
+                <a:cs typeface="+mn-cs"/>
+              </a:defRPr>
+            </a:lvl8pPr>
+            <a:lvl9pPr marL="3885034" indent="-228531" algn="l" defTabSz="457063" rtl="0" eaLnBrk="1" latinLnBrk="0" hangingPunct="1">
+              <a:spcBef>
+                <a:spcPts val="1000"/>
+              </a:spcBef>
+              <a:spcAft>
+                <a:spcPts val="0"/>
+              </a:spcAft>
+              <a:buClr>
+                <a:schemeClr val="accent1"/>
+              </a:buClr>
+              <a:buSzPct val="80000"/>
+              <a:buFont typeface="Wingdings 3" charset="2"/>
+              <a:buChar char=""/>
+              <a:defRPr sz="1200" kern="1200">
+                <a:solidFill>
+                  <a:schemeClr val="tx1">
+                    <a:lumMod val="75000"/>
+                    <a:lumOff val="25000"/>
+                  </a:schemeClr>
+                </a:solidFill>
+                <a:latin typeface="+mn-lt"/>
+                <a:ea typeface="+mn-ea"/>
+                <a:cs typeface="+mn-cs"/>
+              </a:defRPr>
+            </a:lvl9pPr>
+          </a:lstStyle>
+          <a:p>
+            <a:pPr marL="457063" lvl="1" indent="0">
+              <a:buFont typeface="Wingdings 3" charset="2"/>
+              <a:buNone/>
+            </a:pPr>
+            <a:endParaRPr lang="en-US" dirty="0"/>
+          </a:p>
+        </p:txBody>
+      </p:sp>
+      <p:graphicFrame>
+        <p:nvGraphicFramePr>
+          <p:cNvPr id="5" name="Table 4">
+            <a:extLst>
+              <a:ext uri="{FF2B5EF4-FFF2-40B4-BE49-F238E27FC236}">
+                <a16:creationId xmlns:a16="http://schemas.microsoft.com/office/drawing/2014/main" id="{C98F83E0-B955-42B2-B093-FA3A3627C0AC}"/>
+              </a:ext>
+            </a:extLst>
+          </p:cNvPr>
+          <p:cNvGraphicFramePr>
+            <a:graphicFrameLocks noGrp="1"/>
+          </p:cNvGraphicFramePr>
+          <p:nvPr>
+            <p:extLst>
+              <p:ext uri="{D42A27DB-BD31-4B8C-83A1-F6EECF244321}">
+                <p14:modId xmlns:p14="http://schemas.microsoft.com/office/powerpoint/2010/main" val="1956012466"/>
+              </p:ext>
+            </p:extLst>
+          </p:nvPr>
+        </p:nvGraphicFramePr>
+        <p:xfrm>
+          <a:off x="1598612" y="1600200"/>
+          <a:ext cx="8594429" cy="4612557"/>
+        </p:xfrm>
+        <a:graphic>
+          <a:graphicData uri="http://schemas.openxmlformats.org/drawingml/2006/table">
+            <a:tbl>
+              <a:tblPr firstRow="1" bandRow="1">
+                <a:tableStyleId>{E8B1032C-EA38-4F05-BA0D-38AFFFC7BED3}</a:tableStyleId>
+              </a:tblPr>
+              <a:tblGrid>
+                <a:gridCol w="552065">
+                  <a:extLst>
+                    <a:ext uri="{9D8B030D-6E8A-4147-A177-3AD203B41FA5}">
+                      <a16:colId xmlns:a16="http://schemas.microsoft.com/office/drawing/2014/main" val="2975467101"/>
+                    </a:ext>
+                  </a:extLst>
+                </a:gridCol>
+                <a:gridCol w="1019368">
+                  <a:extLst>
+                    <a:ext uri="{9D8B030D-6E8A-4147-A177-3AD203B41FA5}">
+                      <a16:colId xmlns:a16="http://schemas.microsoft.com/office/drawing/2014/main" val="1256914312"/>
+                    </a:ext>
+                  </a:extLst>
+                </a:gridCol>
+                <a:gridCol w="1019368">
+                  <a:extLst>
+                    <a:ext uri="{9D8B030D-6E8A-4147-A177-3AD203B41FA5}">
+                      <a16:colId xmlns:a16="http://schemas.microsoft.com/office/drawing/2014/main" val="333415022"/>
+                    </a:ext>
+                  </a:extLst>
+                </a:gridCol>
+                <a:gridCol w="1066800">
+                  <a:extLst>
+                    <a:ext uri="{9D8B030D-6E8A-4147-A177-3AD203B41FA5}">
+                      <a16:colId xmlns:a16="http://schemas.microsoft.com/office/drawing/2014/main" val="2642142898"/>
+                    </a:ext>
+                  </a:extLst>
+                </a:gridCol>
+                <a:gridCol w="1066800">
+                  <a:extLst>
+                    <a:ext uri="{9D8B030D-6E8A-4147-A177-3AD203B41FA5}">
+                      <a16:colId xmlns:a16="http://schemas.microsoft.com/office/drawing/2014/main" val="1311354813"/>
+                    </a:ext>
+                  </a:extLst>
+                </a:gridCol>
+                <a:gridCol w="914400">
+                  <a:extLst>
+                    <a:ext uri="{9D8B030D-6E8A-4147-A177-3AD203B41FA5}">
+                      <a16:colId xmlns:a16="http://schemas.microsoft.com/office/drawing/2014/main" val="267025949"/>
+                    </a:ext>
+                  </a:extLst>
+                </a:gridCol>
+                <a:gridCol w="914400">
+                  <a:extLst>
+                    <a:ext uri="{9D8B030D-6E8A-4147-A177-3AD203B41FA5}">
+                      <a16:colId xmlns:a16="http://schemas.microsoft.com/office/drawing/2014/main" val="531061255"/>
+                    </a:ext>
+                  </a:extLst>
+                </a:gridCol>
+                <a:gridCol w="1020614">
+                  <a:extLst>
+                    <a:ext uri="{9D8B030D-6E8A-4147-A177-3AD203B41FA5}">
+                      <a16:colId xmlns:a16="http://schemas.microsoft.com/office/drawing/2014/main" val="819021370"/>
+                    </a:ext>
+                  </a:extLst>
+                </a:gridCol>
+                <a:gridCol w="1020614">
+                  <a:extLst>
+                    <a:ext uri="{9D8B030D-6E8A-4147-A177-3AD203B41FA5}">
+                      <a16:colId xmlns:a16="http://schemas.microsoft.com/office/drawing/2014/main" val="1891545078"/>
+                    </a:ext>
+                  </a:extLst>
+                </a:gridCol>
+              </a:tblGrid>
+              <a:tr h="520277">
+                <a:tc gridSpan="9">
+                  <a:txBody>
+                    <a:bodyPr/>
+                    <a:lstStyle/>
+                    <a:p>
+                      <a:pPr algn="ctr"/>
+                      <a:r>
+                        <a:rPr lang="en-US" sz="2400" dirty="0"/>
+                        <a:t>Kinas</a:t>
+                      </a:r>
+                    </a:p>
+                    <a:p>
+                      <a:pPr algn="ctr"/>
+                      <a:endParaRPr lang="en-US" sz="2400" dirty="0"/>
+                    </a:p>
+                  </a:txBody>
+                  <a:tcPr/>
+                </a:tc>
+                <a:tc hMerge="1">
+                  <a:txBody>
+                    <a:bodyPr/>
+                    <a:lstStyle/>
+                    <a:p>
+                      <a:pPr algn="ctr"/>
+                      <a:endParaRPr lang="en-US" dirty="0"/>
+                    </a:p>
+                  </a:txBody>
+                  <a:tcPr/>
+                </a:tc>
+                <a:tc hMerge="1">
+                  <a:txBody>
+                    <a:bodyPr/>
+                    <a:lstStyle/>
+                    <a:p>
+                      <a:endParaRPr lang="en-US"/>
+                    </a:p>
+                  </a:txBody>
+                  <a:tcPr/>
+                </a:tc>
+                <a:tc hMerge="1">
+                  <a:txBody>
+                    <a:bodyPr/>
+                    <a:lstStyle/>
+                    <a:p>
+                      <a:pPr algn="ctr"/>
+                      <a:endParaRPr lang="en-US" dirty="0"/>
+                    </a:p>
+                  </a:txBody>
+                  <a:tcPr/>
+                </a:tc>
+                <a:tc hMerge="1">
+                  <a:txBody>
+                    <a:bodyPr/>
+                    <a:lstStyle/>
+                    <a:p>
+                      <a:endParaRPr lang="en-US"/>
+                    </a:p>
+                  </a:txBody>
+                  <a:tcPr/>
+                </a:tc>
+                <a:tc hMerge="1">
+                  <a:txBody>
+                    <a:bodyPr/>
+                    <a:lstStyle/>
+                    <a:p>
+                      <a:pPr algn="ctr"/>
+                      <a:endParaRPr lang="en-US" dirty="0"/>
+                    </a:p>
+                  </a:txBody>
+                  <a:tcPr/>
+                </a:tc>
+                <a:tc hMerge="1">
+                  <a:txBody>
+                    <a:bodyPr/>
+                    <a:lstStyle/>
+                    <a:p>
+                      <a:endParaRPr lang="en-US"/>
+                    </a:p>
+                  </a:txBody>
+                  <a:tcPr/>
+                </a:tc>
+                <a:tc hMerge="1">
+                  <a:txBody>
+                    <a:bodyPr/>
+                    <a:lstStyle/>
+                    <a:p>
+                      <a:pPr algn="ctr"/>
+                      <a:endParaRPr lang="en-US" sz="2400" dirty="0"/>
+                    </a:p>
+                  </a:txBody>
+                  <a:tcPr/>
+                </a:tc>
+                <a:tc hMerge="1">
+                  <a:txBody>
+                    <a:bodyPr/>
+                    <a:lstStyle/>
+                    <a:p>
+                      <a:endParaRPr lang="en-US"/>
+                    </a:p>
+                  </a:txBody>
+                  <a:tcPr/>
+                </a:tc>
+                <a:extLst>
+                  <a:ext uri="{0D108BD9-81ED-4DB2-BD59-A6C34878D82A}">
+                    <a16:rowId xmlns:a16="http://schemas.microsoft.com/office/drawing/2014/main" val="1409194240"/>
+                  </a:ext>
+                </a:extLst>
+              </a:tr>
+              <a:tr h="520277">
+                <a:tc>
+                  <a:txBody>
+                    <a:bodyPr/>
+                    <a:lstStyle/>
+                    <a:p>
+                      <a:pPr algn="ctr"/>
+                      <a:r>
+                        <a:rPr lang="en-US" sz="1799" b="0" i="0" u="none" strike="noStrike" kern="1200" baseline="0" dirty="0">
+                          <a:solidFill>
+                            <a:schemeClr val="tx1"/>
+                          </a:solidFill>
+                          <a:latin typeface="+mn-lt"/>
+                          <a:ea typeface="+mn-ea"/>
+                          <a:cs typeface="+mn-cs"/>
+                        </a:rPr>
+                        <a:t>K</a:t>
+                      </a:r>
+                      <a:endParaRPr lang="en-US" dirty="0"/>
+                    </a:p>
+                  </a:txBody>
+                  <a:tcPr/>
+                </a:tc>
+                <a:tc gridSpan="2">
+                  <a:txBody>
+                    <a:bodyPr/>
+                    <a:lstStyle/>
+                    <a:p>
+                      <a:pPr algn="ctr"/>
+                      <a:r>
+                        <a:rPr lang="en-US" sz="1799" b="0" i="0" u="none" strike="noStrike" kern="1200" baseline="0" dirty="0">
+                          <a:solidFill>
+                            <a:schemeClr val="tx1"/>
+                          </a:solidFill>
+                          <a:latin typeface="+mn-lt"/>
+                          <a:ea typeface="+mn-ea"/>
+                          <a:cs typeface="+mn-cs"/>
+                        </a:rPr>
+                        <a:t>Simple WP</a:t>
+                      </a:r>
+                      <a:endParaRPr lang="en-US" dirty="0"/>
+                    </a:p>
+                  </a:txBody>
+                  <a:tcPr/>
+                </a:tc>
+                <a:tc hMerge="1">
+                  <a:txBody>
+                    <a:bodyPr/>
+                    <a:lstStyle/>
+                    <a:p>
+                      <a:endParaRPr lang="en-US"/>
+                    </a:p>
+                  </a:txBody>
+                  <a:tcPr/>
+                </a:tc>
+                <a:tc gridSpan="2">
+                  <a:txBody>
+                    <a:bodyPr/>
+                    <a:lstStyle/>
+                    <a:p>
+                      <a:pPr algn="ctr"/>
+                      <a:r>
+                        <a:rPr lang="en-US" dirty="0"/>
+                        <a:t>Hubness – aware</a:t>
+                      </a:r>
+                    </a:p>
+                  </a:txBody>
+                  <a:tcPr/>
+                </a:tc>
+                <a:tc hMerge="1">
+                  <a:txBody>
+                    <a:bodyPr/>
+                    <a:lstStyle/>
+                    <a:p>
+                      <a:endParaRPr lang="en-US"/>
+                    </a:p>
+                  </a:txBody>
+                  <a:tcPr/>
+                </a:tc>
+                <a:tc gridSpan="2">
+                  <a:txBody>
+                    <a:bodyPr/>
+                    <a:lstStyle/>
+                    <a:p>
+                      <a:pPr algn="ctr"/>
+                      <a:r>
+                        <a:rPr lang="en-US" sz="1799" b="0" i="0" u="none" strike="noStrike" kern="1200" baseline="0" dirty="0">
+                          <a:solidFill>
+                            <a:schemeClr val="tx1"/>
+                          </a:solidFill>
+                          <a:latin typeface="+mn-lt"/>
+                          <a:ea typeface="+mn-ea"/>
+                          <a:cs typeface="+mn-cs"/>
+                        </a:rPr>
+                        <a:t>Using Jaccard Similarity </a:t>
+                      </a:r>
+                      <a:endParaRPr lang="en-US" dirty="0"/>
+                    </a:p>
+                  </a:txBody>
+                  <a:tcPr/>
+                </a:tc>
+                <a:tc hMerge="1">
+                  <a:txBody>
+                    <a:bodyPr/>
+                    <a:lstStyle/>
+                    <a:p>
+                      <a:endParaRPr lang="en-US"/>
+                    </a:p>
+                  </a:txBody>
+                  <a:tcPr/>
+                </a:tc>
+                <a:tc gridSpan="2">
+                  <a:txBody>
+                    <a:bodyPr/>
+                    <a:lstStyle/>
+                    <a:p>
+                      <a:pPr marL="0" marR="0" lvl="0" indent="0" algn="ctr" defTabSz="457063" rtl="0" eaLnBrk="1" fontAlgn="auto" latinLnBrk="0" hangingPunct="1">
+                        <a:lnSpc>
+                          <a:spcPct val="100000"/>
+                        </a:lnSpc>
+                        <a:spcBef>
+                          <a:spcPts val="0"/>
+                        </a:spcBef>
+                        <a:spcAft>
+                          <a:spcPts val="0"/>
+                        </a:spcAft>
+                        <a:buClrTx/>
+                        <a:buSzTx/>
+                        <a:buFontTx/>
+                        <a:buNone/>
+                        <a:tabLst/>
+                        <a:defRPr/>
+                      </a:pPr>
+                      <a:r>
+                        <a:rPr lang="en-US" sz="1799" b="0" i="0" u="none" strike="noStrike" kern="1200" baseline="0" dirty="0">
+                          <a:solidFill>
+                            <a:schemeClr val="tx1"/>
+                          </a:solidFill>
+                          <a:latin typeface="+mn-lt"/>
+                          <a:ea typeface="+mn-ea"/>
+                          <a:cs typeface="+mn-cs"/>
+                        </a:rPr>
+                        <a:t>Jaccard Similarity/ recalculating </a:t>
+                      </a:r>
+                      <a:endParaRPr lang="en-US" dirty="0"/>
+                    </a:p>
+                    <a:p>
+                      <a:pPr algn="ctr"/>
+                      <a:endParaRPr lang="en-US" dirty="0"/>
+                    </a:p>
+                  </a:txBody>
+                  <a:tcPr/>
+                </a:tc>
+                <a:tc hMerge="1">
+                  <a:txBody>
+                    <a:bodyPr/>
+                    <a:lstStyle/>
+                    <a:p>
+                      <a:endParaRPr lang="en-US"/>
+                    </a:p>
+                  </a:txBody>
+                  <a:tcPr/>
+                </a:tc>
+                <a:extLst>
+                  <a:ext uri="{0D108BD9-81ED-4DB2-BD59-A6C34878D82A}">
+                    <a16:rowId xmlns:a16="http://schemas.microsoft.com/office/drawing/2014/main" val="1732074981"/>
+                  </a:ext>
+                </a:extLst>
+              </a:tr>
+              <a:tr h="520277">
+                <a:tc>
+                  <a:txBody>
+                    <a:bodyPr/>
+                    <a:lstStyle/>
+                    <a:p>
+                      <a:pPr algn="ctr"/>
+                      <a:r>
+                        <a:rPr lang="en-US" dirty="0"/>
+                        <a:t>1</a:t>
+                      </a:r>
+                    </a:p>
+                  </a:txBody>
+                  <a:tcPr/>
+                </a:tc>
+                <a:tc>
+                  <a:txBody>
+                    <a:bodyPr/>
+                    <a:lstStyle/>
+                    <a:p>
+                      <a:pPr algn="ctr"/>
+                      <a:r>
+                        <a:rPr lang="en-US" dirty="0"/>
+                        <a:t>0.84159</a:t>
+                      </a:r>
+                    </a:p>
+                  </a:txBody>
+                  <a:tcPr/>
+                </a:tc>
+                <a:tc>
+                  <a:txBody>
+                    <a:bodyPr/>
+                    <a:lstStyle/>
+                    <a:p>
+                      <a:pPr algn="ctr"/>
+                      <a:r>
+                        <a:rPr lang="en-US" dirty="0"/>
+                        <a:t>0.51517</a:t>
+                      </a:r>
+                    </a:p>
+                  </a:txBody>
+                  <a:tcPr/>
+                </a:tc>
+                <a:tc>
+                  <a:txBody>
+                    <a:bodyPr/>
+                    <a:lstStyle/>
+                    <a:p>
+                      <a:pPr algn="ctr"/>
+                      <a:endParaRPr lang="en-US" dirty="0"/>
+                    </a:p>
+                  </a:txBody>
+                  <a:tcPr/>
+                </a:tc>
+                <a:tc>
+                  <a:txBody>
+                    <a:bodyPr/>
+                    <a:lstStyle/>
+                    <a:p>
+                      <a:pPr algn="ctr"/>
+                      <a:endParaRPr lang="en-US" dirty="0"/>
+                    </a:p>
+                  </a:txBody>
+                  <a:tcPr/>
+                </a:tc>
+                <a:tc>
+                  <a:txBody>
+                    <a:bodyPr/>
+                    <a:lstStyle/>
+                    <a:p>
+                      <a:pPr algn="ctr"/>
+                      <a:endParaRPr lang="en-US" dirty="0"/>
+                    </a:p>
+                  </a:txBody>
+                  <a:tcPr/>
+                </a:tc>
+                <a:tc>
+                  <a:txBody>
+                    <a:bodyPr/>
+                    <a:lstStyle/>
+                    <a:p>
+                      <a:pPr algn="ctr"/>
+                      <a:endParaRPr lang="en-US" dirty="0"/>
+                    </a:p>
+                  </a:txBody>
+                  <a:tcPr/>
+                </a:tc>
+                <a:tc>
+                  <a:txBody>
+                    <a:bodyPr/>
+                    <a:lstStyle/>
+                    <a:p>
+                      <a:pPr algn="ctr"/>
+                      <a:endParaRPr lang="en-US" dirty="0"/>
+                    </a:p>
+                  </a:txBody>
+                  <a:tcPr/>
+                </a:tc>
+                <a:tc>
+                  <a:txBody>
+                    <a:bodyPr/>
+                    <a:lstStyle/>
+                    <a:p>
+                      <a:pPr algn="ctr"/>
+                      <a:endParaRPr lang="en-US" dirty="0"/>
+                    </a:p>
+                  </a:txBody>
+                  <a:tcPr/>
+                </a:tc>
+                <a:extLst>
+                  <a:ext uri="{0D108BD9-81ED-4DB2-BD59-A6C34878D82A}">
+                    <a16:rowId xmlns:a16="http://schemas.microsoft.com/office/drawing/2014/main" val="2158644233"/>
+                  </a:ext>
+                </a:extLst>
+              </a:tr>
+              <a:tr h="520277">
+                <a:tc>
+                  <a:txBody>
+                    <a:bodyPr/>
+                    <a:lstStyle/>
+                    <a:p>
+                      <a:pPr algn="ctr"/>
+                      <a:r>
+                        <a:rPr lang="en-US" sz="1799" b="0" i="0" u="none" strike="noStrike" kern="1200" baseline="0" dirty="0">
+                          <a:solidFill>
+                            <a:schemeClr val="tx1"/>
+                          </a:solidFill>
+                          <a:latin typeface="+mn-lt"/>
+                          <a:ea typeface="+mn-ea"/>
+                          <a:cs typeface="+mn-cs"/>
+                        </a:rPr>
+                        <a:t>2</a:t>
+                      </a:r>
+                      <a:endParaRPr lang="en-US" dirty="0"/>
+                    </a:p>
+                  </a:txBody>
+                  <a:tcPr/>
+                </a:tc>
+                <a:tc>
+                  <a:txBody>
+                    <a:bodyPr/>
+                    <a:lstStyle/>
+                    <a:p>
+                      <a:pPr algn="ctr"/>
+                      <a:r>
+                        <a:rPr lang="en-US" dirty="0"/>
+                        <a:t>0.8958</a:t>
+                      </a:r>
+                    </a:p>
+                  </a:txBody>
+                  <a:tcPr/>
+                </a:tc>
+                <a:tc>
+                  <a:txBody>
+                    <a:bodyPr/>
+                    <a:lstStyle/>
+                    <a:p>
+                      <a:pPr algn="ctr"/>
+                      <a:r>
+                        <a:rPr lang="en-US" dirty="0"/>
+                        <a:t>0.71723</a:t>
+                      </a:r>
+                    </a:p>
+                  </a:txBody>
+                  <a:tcPr/>
+                </a:tc>
+                <a:tc>
+                  <a:txBody>
+                    <a:bodyPr/>
+                    <a:lstStyle/>
+                    <a:p>
+                      <a:pPr algn="ctr"/>
+                      <a:endParaRPr lang="en-US" dirty="0"/>
+                    </a:p>
+                  </a:txBody>
+                  <a:tcPr/>
+                </a:tc>
+                <a:tc>
+                  <a:txBody>
+                    <a:bodyPr/>
+                    <a:lstStyle/>
+                    <a:p>
+                      <a:pPr algn="ctr"/>
+                      <a:endParaRPr lang="en-US" dirty="0"/>
+                    </a:p>
+                  </a:txBody>
+                  <a:tcPr/>
+                </a:tc>
+                <a:tc>
+                  <a:txBody>
+                    <a:bodyPr/>
+                    <a:lstStyle/>
+                    <a:p>
+                      <a:pPr algn="ctr"/>
+                      <a:endParaRPr lang="en-US" dirty="0"/>
+                    </a:p>
+                  </a:txBody>
+                  <a:tcPr/>
+                </a:tc>
+                <a:tc>
+                  <a:txBody>
+                    <a:bodyPr/>
+                    <a:lstStyle/>
+                    <a:p>
+                      <a:pPr algn="ctr"/>
+                      <a:endParaRPr lang="en-US" dirty="0"/>
+                    </a:p>
+                  </a:txBody>
+                  <a:tcPr/>
+                </a:tc>
+                <a:tc>
+                  <a:txBody>
+                    <a:bodyPr/>
+                    <a:lstStyle/>
+                    <a:p>
+                      <a:pPr algn="ctr"/>
+                      <a:endParaRPr lang="en-US" dirty="0"/>
+                    </a:p>
+                  </a:txBody>
+                  <a:tcPr/>
+                </a:tc>
+                <a:tc>
+                  <a:txBody>
+                    <a:bodyPr/>
+                    <a:lstStyle/>
+                    <a:p>
+                      <a:pPr algn="ctr"/>
+                      <a:endParaRPr lang="en-US" dirty="0"/>
+                    </a:p>
+                  </a:txBody>
+                  <a:tcPr/>
+                </a:tc>
+                <a:extLst>
+                  <a:ext uri="{0D108BD9-81ED-4DB2-BD59-A6C34878D82A}">
+                    <a16:rowId xmlns:a16="http://schemas.microsoft.com/office/drawing/2014/main" val="1315729617"/>
+                  </a:ext>
+                </a:extLst>
+              </a:tr>
+              <a:tr h="520277">
+                <a:tc>
+                  <a:txBody>
+                    <a:bodyPr/>
+                    <a:lstStyle/>
+                    <a:p>
+                      <a:pPr algn="ctr"/>
+                      <a:r>
+                        <a:rPr lang="en-US" sz="1799" b="0" i="0" u="none" strike="noStrike" kern="1200" baseline="0" dirty="0">
+                          <a:solidFill>
+                            <a:schemeClr val="tx1"/>
+                          </a:solidFill>
+                          <a:latin typeface="+mn-lt"/>
+                          <a:ea typeface="+mn-ea"/>
+                          <a:cs typeface="+mn-cs"/>
+                        </a:rPr>
+                        <a:t>3</a:t>
+                      </a:r>
+                      <a:endParaRPr lang="en-US" dirty="0"/>
+                    </a:p>
+                  </a:txBody>
+                  <a:tcPr/>
+                </a:tc>
+                <a:tc>
+                  <a:txBody>
+                    <a:bodyPr/>
+                    <a:lstStyle/>
+                    <a:p>
+                      <a:pPr algn="ctr"/>
+                      <a:r>
+                        <a:rPr lang="en-US" dirty="0"/>
+                        <a:t>0.8958</a:t>
+                      </a:r>
+                    </a:p>
+                  </a:txBody>
+                  <a:tcPr/>
+                </a:tc>
+                <a:tc>
+                  <a:txBody>
+                    <a:bodyPr/>
+                    <a:lstStyle/>
+                    <a:p>
+                      <a:pPr algn="ctr"/>
+                      <a:r>
+                        <a:rPr lang="en-US" dirty="0"/>
+                        <a:t>0.65672</a:t>
+                      </a:r>
+                    </a:p>
+                  </a:txBody>
+                  <a:tcPr/>
+                </a:tc>
+                <a:tc>
+                  <a:txBody>
+                    <a:bodyPr/>
+                    <a:lstStyle/>
+                    <a:p>
+                      <a:pPr algn="ctr"/>
+                      <a:endParaRPr lang="en-US" dirty="0"/>
+                    </a:p>
+                  </a:txBody>
+                  <a:tcPr/>
+                </a:tc>
+                <a:tc>
+                  <a:txBody>
+                    <a:bodyPr/>
+                    <a:lstStyle/>
+                    <a:p>
+                      <a:pPr algn="ctr"/>
+                      <a:endParaRPr lang="en-US" dirty="0"/>
+                    </a:p>
+                  </a:txBody>
+                  <a:tcPr/>
+                </a:tc>
+                <a:tc>
+                  <a:txBody>
+                    <a:bodyPr/>
+                    <a:lstStyle/>
+                    <a:p>
+                      <a:pPr algn="ctr"/>
+                      <a:endParaRPr lang="en-US" dirty="0"/>
+                    </a:p>
+                  </a:txBody>
+                  <a:tcPr/>
+                </a:tc>
+                <a:tc>
+                  <a:txBody>
+                    <a:bodyPr/>
+                    <a:lstStyle/>
+                    <a:p>
+                      <a:pPr algn="ctr"/>
+                      <a:endParaRPr lang="en-US" dirty="0"/>
+                    </a:p>
+                  </a:txBody>
+                  <a:tcPr/>
+                </a:tc>
+                <a:tc>
+                  <a:txBody>
+                    <a:bodyPr/>
+                    <a:lstStyle/>
+                    <a:p>
+                      <a:pPr algn="ctr"/>
+                      <a:endParaRPr lang="en-US" dirty="0"/>
+                    </a:p>
+                  </a:txBody>
+                  <a:tcPr/>
+                </a:tc>
+                <a:tc>
+                  <a:txBody>
+                    <a:bodyPr/>
+                    <a:lstStyle/>
+                    <a:p>
+                      <a:pPr algn="ctr"/>
+                      <a:endParaRPr lang="en-US" dirty="0"/>
+                    </a:p>
+                  </a:txBody>
+                  <a:tcPr/>
+                </a:tc>
+                <a:extLst>
+                  <a:ext uri="{0D108BD9-81ED-4DB2-BD59-A6C34878D82A}">
+                    <a16:rowId xmlns:a16="http://schemas.microsoft.com/office/drawing/2014/main" val="3807245811"/>
+                  </a:ext>
+                </a:extLst>
+              </a:tr>
+              <a:tr h="520277">
+                <a:tc>
+                  <a:txBody>
+                    <a:bodyPr/>
+                    <a:lstStyle/>
+                    <a:p>
+                      <a:pPr algn="ctr"/>
+                      <a:r>
+                        <a:rPr lang="en-US" sz="1799" b="0" i="0" u="none" strike="noStrike" kern="1200" baseline="0" dirty="0">
+                          <a:solidFill>
+                            <a:schemeClr val="tx1"/>
+                          </a:solidFill>
+                          <a:latin typeface="+mn-lt"/>
+                          <a:ea typeface="+mn-ea"/>
+                          <a:cs typeface="+mn-cs"/>
+                        </a:rPr>
+                        <a:t>4</a:t>
+                      </a:r>
+                      <a:endParaRPr lang="en-US" dirty="0"/>
+                    </a:p>
+                  </a:txBody>
+                  <a:tcPr/>
+                </a:tc>
+                <a:tc>
+                  <a:txBody>
+                    <a:bodyPr/>
+                    <a:lstStyle/>
+                    <a:p>
+                      <a:pPr algn="ctr"/>
+                      <a:r>
+                        <a:rPr lang="en-US" dirty="0"/>
+                        <a:t>0.89242</a:t>
+                      </a:r>
+                    </a:p>
+                  </a:txBody>
+                  <a:tcPr/>
+                </a:tc>
+                <a:tc>
+                  <a:txBody>
+                    <a:bodyPr/>
+                    <a:lstStyle/>
+                    <a:p>
+                      <a:pPr algn="ctr"/>
+                      <a:r>
+                        <a:rPr lang="en-US" dirty="0"/>
+                        <a:t>0.66938</a:t>
+                      </a:r>
+                    </a:p>
+                  </a:txBody>
+                  <a:tcPr/>
+                </a:tc>
+                <a:tc>
+                  <a:txBody>
+                    <a:bodyPr/>
+                    <a:lstStyle/>
+                    <a:p>
+                      <a:pPr algn="ctr"/>
+                      <a:endParaRPr lang="en-US" dirty="0"/>
+                    </a:p>
+                  </a:txBody>
+                  <a:tcPr/>
+                </a:tc>
+                <a:tc>
+                  <a:txBody>
+                    <a:bodyPr/>
+                    <a:lstStyle/>
+                    <a:p>
+                      <a:pPr algn="ctr"/>
+                      <a:endParaRPr lang="en-US" dirty="0"/>
+                    </a:p>
+                  </a:txBody>
+                  <a:tcPr/>
+                </a:tc>
+                <a:tc>
+                  <a:txBody>
+                    <a:bodyPr/>
+                    <a:lstStyle/>
+                    <a:p>
+                      <a:pPr algn="ctr"/>
+                      <a:endParaRPr lang="en-US" dirty="0"/>
+                    </a:p>
+                  </a:txBody>
+                  <a:tcPr/>
+                </a:tc>
+                <a:tc>
+                  <a:txBody>
+                    <a:bodyPr/>
+                    <a:lstStyle/>
+                    <a:p>
+                      <a:pPr algn="ctr"/>
+                      <a:endParaRPr lang="en-US" dirty="0"/>
+                    </a:p>
+                  </a:txBody>
+                  <a:tcPr/>
+                </a:tc>
+                <a:tc>
+                  <a:txBody>
+                    <a:bodyPr/>
+                    <a:lstStyle/>
+                    <a:p>
+                      <a:pPr algn="ctr"/>
+                      <a:endParaRPr lang="en-US" dirty="0"/>
+                    </a:p>
+                  </a:txBody>
+                  <a:tcPr/>
+                </a:tc>
+                <a:tc>
+                  <a:txBody>
+                    <a:bodyPr/>
+                    <a:lstStyle/>
+                    <a:p>
+                      <a:pPr algn="ctr"/>
+                      <a:endParaRPr lang="en-US" dirty="0"/>
+                    </a:p>
+                  </a:txBody>
+                  <a:tcPr/>
+                </a:tc>
+                <a:extLst>
+                  <a:ext uri="{0D108BD9-81ED-4DB2-BD59-A6C34878D82A}">
+                    <a16:rowId xmlns:a16="http://schemas.microsoft.com/office/drawing/2014/main" val="3861277465"/>
+                  </a:ext>
+                </a:extLst>
+              </a:tr>
+              <a:tr h="520277">
+                <a:tc>
+                  <a:txBody>
+                    <a:bodyPr/>
+                    <a:lstStyle/>
+                    <a:p>
+                      <a:pPr algn="ctr"/>
+                      <a:r>
+                        <a:rPr lang="en-US" dirty="0"/>
+                        <a:t>5</a:t>
+                      </a:r>
+                    </a:p>
+                  </a:txBody>
+                  <a:tcPr/>
+                </a:tc>
+                <a:tc>
+                  <a:txBody>
+                    <a:bodyPr/>
+                    <a:lstStyle/>
+                    <a:p>
+                      <a:pPr algn="ctr"/>
+                      <a:r>
+                        <a:rPr lang="en-US" dirty="0"/>
+                        <a:t>0.87892</a:t>
+                      </a:r>
+                    </a:p>
+                  </a:txBody>
+                  <a:tcPr/>
+                </a:tc>
+                <a:tc>
+                  <a:txBody>
+                    <a:bodyPr/>
+                    <a:lstStyle/>
+                    <a:p>
+                      <a:pPr algn="ctr"/>
+                      <a:r>
+                        <a:rPr lang="en-US"/>
+                        <a:t>0.39681</a:t>
+                      </a:r>
+                      <a:endParaRPr lang="en-US" dirty="0"/>
+                    </a:p>
+                  </a:txBody>
+                  <a:tcPr/>
+                </a:tc>
+                <a:tc>
+                  <a:txBody>
+                    <a:bodyPr/>
+                    <a:lstStyle/>
+                    <a:p>
+                      <a:pPr algn="ctr"/>
+                      <a:endParaRPr lang="en-US" dirty="0"/>
+                    </a:p>
+                  </a:txBody>
+                  <a:tcPr/>
+                </a:tc>
+                <a:tc>
+                  <a:txBody>
+                    <a:bodyPr/>
+                    <a:lstStyle/>
+                    <a:p>
+                      <a:pPr algn="ctr"/>
+                      <a:endParaRPr lang="en-US" dirty="0"/>
+                    </a:p>
+                  </a:txBody>
+                  <a:tcPr/>
+                </a:tc>
+                <a:tc>
+                  <a:txBody>
+                    <a:bodyPr/>
+                    <a:lstStyle/>
+                    <a:p>
+                      <a:pPr algn="ctr"/>
+                      <a:endParaRPr lang="en-US" dirty="0"/>
+                    </a:p>
+                  </a:txBody>
+                  <a:tcPr/>
+                </a:tc>
+                <a:tc>
+                  <a:txBody>
+                    <a:bodyPr/>
+                    <a:lstStyle/>
+                    <a:p>
+                      <a:pPr algn="ctr"/>
+                      <a:endParaRPr lang="en-US" dirty="0"/>
+                    </a:p>
+                  </a:txBody>
+                  <a:tcPr/>
+                </a:tc>
+                <a:tc>
+                  <a:txBody>
+                    <a:bodyPr/>
+                    <a:lstStyle/>
+                    <a:p>
+                      <a:pPr algn="ctr"/>
+                      <a:endParaRPr lang="en-US" dirty="0"/>
+                    </a:p>
+                  </a:txBody>
+                  <a:tcPr/>
+                </a:tc>
+                <a:tc>
+                  <a:txBody>
+                    <a:bodyPr/>
+                    <a:lstStyle/>
+                    <a:p>
+                      <a:pPr algn="ctr"/>
+                      <a:endParaRPr lang="en-US" dirty="0"/>
+                    </a:p>
+                  </a:txBody>
+                  <a:tcPr/>
+                </a:tc>
+                <a:extLst>
+                  <a:ext uri="{0D108BD9-81ED-4DB2-BD59-A6C34878D82A}">
+                    <a16:rowId xmlns:a16="http://schemas.microsoft.com/office/drawing/2014/main" val="1731143259"/>
+                  </a:ext>
+                </a:extLst>
+              </a:tr>
+            </a:tbl>
+          </a:graphicData>
+        </a:graphic>
+      </p:graphicFrame>
+    </p:spTree>
+    <p:extLst>
+      <p:ext uri="{BB962C8B-B14F-4D97-AF65-F5344CB8AC3E}">
+        <p14:creationId xmlns:p14="http://schemas.microsoft.com/office/powerpoint/2010/main" val="2524319588"/>
+      </p:ext>
+    </p:extLst>
+  </p:cSld>
+  <p:clrMapOvr>
+    <a:masterClrMapping/>
+  </p:clrMapOvr>
+  <mc:AlternateContent xmlns:mc="http://schemas.openxmlformats.org/markup-compatibility/2006" xmlns:p14="http://schemas.microsoft.com/office/powerpoint/2010/main">
+    <mc:Choice Requires="p14">
+      <p:transition spd="med" p14:dur="700">
+        <p:fade/>
+      </p:transition>
+    </mc:Choice>
+    <mc:Fallback xmlns="">
+      <p:transition spd="med">
+        <p:fade/>
+      </p:transition>
+    </mc:Fallback>
+  </mc:AlternateContent>
+</p:sld>
+</file>
+
+<file path=ppt/slides/slide25.xml><?xml version="1.0" encoding="utf-8"?>
+<p:sld xmlns:a="http://schemas.openxmlformats.org/drawingml/2006/main" xmlns:r="http://schemas.openxmlformats.org/officeDocument/2006/relationships" xmlns:p="http://schemas.openxmlformats.org/presentationml/2006/main">
+  <p:cSld>
     <p:bg>
       <p:bgPr>
         <a:solidFill>
@@ -26930,7 +28750,7 @@
 </p:sld>
 </file>
 
-<file path=ppt/slides/slide24.xml><?xml version="1.0" encoding="utf-8"?>
+<file path=ppt/slides/slide26.xml><?xml version="1.0" encoding="utf-8"?>
 <p:sld xmlns:a="http://schemas.openxmlformats.org/drawingml/2006/main" xmlns:r="http://schemas.openxmlformats.org/officeDocument/2006/relationships" xmlns:p="http://schemas.openxmlformats.org/presentationml/2006/main">
   <p:cSld>
     <p:spTree>
@@ -27016,7 +28836,7 @@
 </p:sld>
 </file>
 
-<file path=ppt/slides/slide25.xml><?xml version="1.0" encoding="utf-8"?>
+<file path=ppt/slides/slide27.xml><?xml version="1.0" encoding="utf-8"?>
 <p:sld xmlns:a="http://schemas.openxmlformats.org/drawingml/2006/main" xmlns:r="http://schemas.openxmlformats.org/officeDocument/2006/relationships" xmlns:p="http://schemas.openxmlformats.org/presentationml/2006/main">
   <p:cSld>
     <p:spTree>

--- a/Drug-Target Interaction Prediction.pptx
+++ b/Drug-Target Interaction Prediction.pptx
@@ -27384,7 +27384,7 @@
           <p:nvPr>
             <p:extLst>
               <p:ext uri="{D42A27DB-BD31-4B8C-83A1-F6EECF244321}">
-                <p14:modId xmlns:p14="http://schemas.microsoft.com/office/powerpoint/2010/main" val="1956012466"/>
+                <p14:modId xmlns:p14="http://schemas.microsoft.com/office/powerpoint/2010/main" val="3159608161"/>
               </p:ext>
             </p:extLst>
           </p:nvPr>
@@ -27435,21 +27435,21 @@
                     </a:ext>
                   </a:extLst>
                 </a:gridCol>
-                <a:gridCol w="914400">
+                <a:gridCol w="1066799">
                   <a:extLst>
                     <a:ext uri="{9D8B030D-6E8A-4147-A177-3AD203B41FA5}">
                       <a16:colId xmlns:a16="http://schemas.microsoft.com/office/drawing/2014/main" val="267025949"/>
                     </a:ext>
                   </a:extLst>
                 </a:gridCol>
-                <a:gridCol w="914400">
+                <a:gridCol w="1143000">
                   <a:extLst>
                     <a:ext uri="{9D8B030D-6E8A-4147-A177-3AD203B41FA5}">
                       <a16:colId xmlns:a16="http://schemas.microsoft.com/office/drawing/2014/main" val="531061255"/>
                     </a:ext>
                   </a:extLst>
                 </a:gridCol>
-                <a:gridCol w="1020614">
+                <a:gridCol w="639615">
                   <a:extLst>
                     <a:ext uri="{9D8B030D-6E8A-4147-A177-3AD203B41FA5}">
                       <a16:colId xmlns:a16="http://schemas.microsoft.com/office/drawing/2014/main" val="819021370"/>
@@ -27791,7 +27791,10 @@
                     <a:lstStyle/>
                     <a:p>
                       <a:pPr algn="ctr"/>
-                      <a:endParaRPr lang="en-US" dirty="0"/>
+                      <a:r>
+                        <a:rPr lang="en-US" dirty="0"/>
+                        <a:t>0.84159</a:t>
+                      </a:r>
                     </a:p>
                   </a:txBody>
                   <a:tcPr/>
@@ -27802,7 +27805,10 @@
                     <a:lstStyle/>
                     <a:p>
                       <a:pPr algn="ctr"/>
-                      <a:endParaRPr lang="en-US" dirty="0"/>
+                      <a:r>
+                        <a:rPr lang="en-US" dirty="0"/>
+                        <a:t>0.51517</a:t>
+                      </a:r>
                     </a:p>
                   </a:txBody>
                   <a:tcPr/>
@@ -27813,7 +27819,10 @@
                     <a:lstStyle/>
                     <a:p>
                       <a:pPr algn="ctr"/>
-                      <a:endParaRPr lang="en-US" dirty="0"/>
+                      <a:r>
+                        <a:rPr lang="en-US" dirty="0"/>
+                        <a:t>0.9074</a:t>
+                      </a:r>
                     </a:p>
                   </a:txBody>
                   <a:tcPr/>
@@ -27824,7 +27833,10 @@
                     <a:lstStyle/>
                     <a:p>
                       <a:pPr algn="ctr"/>
-                      <a:endParaRPr lang="en-US" dirty="0"/>
+                      <a:r>
+                        <a:rPr lang="en-US" dirty="0"/>
+                        <a:t>0.84523</a:t>
+                      </a:r>
                     </a:p>
                   </a:txBody>
                   <a:tcPr/>
@@ -27914,7 +27926,10 @@
                     <a:lstStyle/>
                     <a:p>
                       <a:pPr algn="ctr"/>
-                      <a:endParaRPr lang="en-US" dirty="0"/>
+                      <a:r>
+                        <a:rPr lang="en-US" dirty="0"/>
+                        <a:t>0.89284</a:t>
+                      </a:r>
                     </a:p>
                   </a:txBody>
                   <a:tcPr/>
@@ -27925,7 +27940,10 @@
                     <a:lstStyle/>
                     <a:p>
                       <a:pPr algn="ctr"/>
-                      <a:endParaRPr lang="en-US" dirty="0"/>
+                      <a:r>
+                        <a:rPr lang="en-US" dirty="0"/>
+                        <a:t>0.70593</a:t>
+                      </a:r>
                     </a:p>
                   </a:txBody>
                   <a:tcPr/>
@@ -27936,7 +27954,10 @@
                     <a:lstStyle/>
                     <a:p>
                       <a:pPr algn="ctr"/>
-                      <a:endParaRPr lang="en-US" dirty="0"/>
+                      <a:r>
+                        <a:rPr lang="en-US" dirty="0"/>
+                        <a:t>0.95285</a:t>
+                      </a:r>
                     </a:p>
                   </a:txBody>
                   <a:tcPr/>
@@ -27947,7 +27968,10 @@
                     <a:lstStyle/>
                     <a:p>
                       <a:pPr algn="ctr"/>
-                      <a:endParaRPr lang="en-US" dirty="0"/>
+                      <a:r>
+                        <a:rPr lang="en-US" dirty="0"/>
+                        <a:t>0.915</a:t>
+                      </a:r>
                     </a:p>
                   </a:txBody>
                   <a:tcPr/>
@@ -28037,7 +28061,10 @@
                     <a:lstStyle/>
                     <a:p>
                       <a:pPr algn="ctr"/>
-                      <a:endParaRPr lang="en-US" dirty="0"/>
+                      <a:r>
+                        <a:rPr lang="en-US" dirty="0"/>
+                        <a:t>0.88124</a:t>
+                      </a:r>
                     </a:p>
                   </a:txBody>
                   <a:tcPr/>
@@ -28048,7 +28075,10 @@
                     <a:lstStyle/>
                     <a:p>
                       <a:pPr algn="ctr"/>
-                      <a:endParaRPr lang="en-US" dirty="0"/>
+                      <a:r>
+                        <a:rPr lang="en-US" dirty="0"/>
+                        <a:t>0.48684</a:t>
+                      </a:r>
                     </a:p>
                   </a:txBody>
                   <a:tcPr/>
@@ -28059,7 +28089,10 @@
                     <a:lstStyle/>
                     <a:p>
                       <a:pPr algn="ctr"/>
-                      <a:endParaRPr lang="en-US" dirty="0"/>
+                      <a:r>
+                        <a:rPr lang="en-US" dirty="0"/>
+                        <a:t>0.9955</a:t>
+                      </a:r>
                     </a:p>
                   </a:txBody>
                   <a:tcPr/>
@@ -28070,7 +28103,10 @@
                     <a:lstStyle/>
                     <a:p>
                       <a:pPr algn="ctr"/>
-                      <a:endParaRPr lang="en-US" dirty="0"/>
+                      <a:r>
+                        <a:rPr lang="en-US" dirty="0"/>
+                        <a:t>0.8909</a:t>
+                      </a:r>
                     </a:p>
                   </a:txBody>
                   <a:tcPr/>
@@ -28160,7 +28196,10 @@
                     <a:lstStyle/>
                     <a:p>
                       <a:pPr algn="ctr"/>
-                      <a:endParaRPr lang="en-US" dirty="0"/>
+                      <a:r>
+                        <a:rPr lang="en-US" dirty="0"/>
+                        <a:t>0.86606</a:t>
+                      </a:r>
                     </a:p>
                   </a:txBody>
                   <a:tcPr/>
@@ -28171,7 +28210,10 @@
                     <a:lstStyle/>
                     <a:p>
                       <a:pPr algn="ctr"/>
-                      <a:endParaRPr lang="en-US" dirty="0"/>
+                      <a:r>
+                        <a:rPr lang="en-US" dirty="0"/>
+                        <a:t>0.47067</a:t>
+                      </a:r>
                     </a:p>
                   </a:txBody>
                   <a:tcPr/>
@@ -28182,7 +28224,10 @@
                     <a:lstStyle/>
                     <a:p>
                       <a:pPr algn="ctr"/>
-                      <a:endParaRPr lang="en-US" dirty="0"/>
+                      <a:r>
+                        <a:rPr lang="en-US" dirty="0"/>
+                        <a:t>0.99810</a:t>
+                      </a:r>
                     </a:p>
                   </a:txBody>
                   <a:tcPr/>
@@ -28193,7 +28238,10 @@
                     <a:lstStyle/>
                     <a:p>
                       <a:pPr algn="ctr"/>
-                      <a:endParaRPr lang="en-US" dirty="0"/>
+                      <a:r>
+                        <a:rPr lang="en-US" dirty="0"/>
+                        <a:t>0.94367</a:t>
+                      </a:r>
                     </a:p>
                   </a:txBody>
                   <a:tcPr/>
@@ -28262,10 +28310,9 @@
                     <a:p>
                       <a:pPr algn="ctr"/>
                       <a:r>
-                        <a:rPr lang="en-US"/>
+                        <a:rPr lang="en-US" dirty="0"/>
                         <a:t>0.39681</a:t>
                       </a:r>
-                      <a:endParaRPr lang="en-US" dirty="0"/>
                     </a:p>
                   </a:txBody>
                   <a:tcPr/>
@@ -28276,7 +28323,10 @@
                     <a:lstStyle/>
                     <a:p>
                       <a:pPr algn="ctr"/>
-                      <a:endParaRPr lang="en-US" dirty="0"/>
+                      <a:r>
+                        <a:rPr lang="en-US" dirty="0"/>
+                        <a:t>0.85467</a:t>
+                      </a:r>
                     </a:p>
                   </a:txBody>
                   <a:tcPr/>
@@ -28287,7 +28337,10 @@
                     <a:lstStyle/>
                     <a:p>
                       <a:pPr algn="ctr"/>
-                      <a:endParaRPr lang="en-US" dirty="0"/>
+                      <a:r>
+                        <a:rPr lang="en-US" dirty="0"/>
+                        <a:t>0.44456</a:t>
+                      </a:r>
                     </a:p>
                   </a:txBody>
                   <a:tcPr/>
@@ -28298,7 +28351,10 @@
                     <a:lstStyle/>
                     <a:p>
                       <a:pPr algn="ctr"/>
-                      <a:endParaRPr lang="en-US" dirty="0"/>
+                      <a:r>
+                        <a:rPr lang="en-US" dirty="0"/>
+                        <a:t>0.99683</a:t>
+                      </a:r>
                     </a:p>
                   </a:txBody>
                   <a:tcPr/>
@@ -28309,6 +28365,10 @@
                     <a:lstStyle/>
                     <a:p>
                       <a:pPr algn="ctr"/>
+                      <a:r>
+                        <a:rPr lang="en-US"/>
+                        <a:t>0.9296</a:t>
+                      </a:r>
                       <a:endParaRPr lang="en-US" dirty="0"/>
                     </a:p>
                   </a:txBody>

--- a/Drug-Target Interaction Prediction.pptx
+++ b/Drug-Target Interaction Prediction.pptx
@@ -5,10 +5,10 @@
     <p:sldMasterId id="2147483887" r:id="rId4"/>
   </p:sldMasterIdLst>
   <p:notesMasterIdLst>
-    <p:notesMasterId r:id="rId32"/>
+    <p:notesMasterId r:id="rId33"/>
   </p:notesMasterIdLst>
   <p:handoutMasterIdLst>
-    <p:handoutMasterId r:id="rId33"/>
+    <p:handoutMasterId r:id="rId34"/>
   </p:handoutMasterIdLst>
   <p:sldIdLst>
     <p:sldId id="264" r:id="rId5"/>
@@ -35,9 +35,10 @@
     <p:sldId id="315" r:id="rId26"/>
     <p:sldId id="316" r:id="rId27"/>
     <p:sldId id="317" r:id="rId28"/>
-    <p:sldId id="294" r:id="rId29"/>
-    <p:sldId id="289" r:id="rId30"/>
-    <p:sldId id="292" r:id="rId31"/>
+    <p:sldId id="318" r:id="rId29"/>
+    <p:sldId id="294" r:id="rId30"/>
+    <p:sldId id="289" r:id="rId31"/>
+    <p:sldId id="292" r:id="rId32"/>
   </p:sldIdLst>
   <p:sldSz cx="12188825" cy="6858000"/>
   <p:notesSz cx="6858000" cy="9144000"/>
@@ -27384,14 +27385,14 @@
           <p:nvPr>
             <p:extLst>
               <p:ext uri="{D42A27DB-BD31-4B8C-83A1-F6EECF244321}">
-                <p14:modId xmlns:p14="http://schemas.microsoft.com/office/powerpoint/2010/main" val="3159608161"/>
+                <p14:modId xmlns:p14="http://schemas.microsoft.com/office/powerpoint/2010/main" val="3783073064"/>
               </p:ext>
             </p:extLst>
           </p:nvPr>
         </p:nvGraphicFramePr>
         <p:xfrm>
           <a:off x="1598612" y="1600200"/>
-          <a:ext cx="8594429" cy="4612557"/>
+          <a:ext cx="9372600" cy="4338364"/>
         </p:xfrm>
         <a:graphic>
           <a:graphicData uri="http://schemas.openxmlformats.org/drawingml/2006/table">
@@ -27449,14 +27450,14 @@
                     </a:ext>
                   </a:extLst>
                 </a:gridCol>
-                <a:gridCol w="639615">
+                <a:gridCol w="1143000">
                   <a:extLst>
                     <a:ext uri="{9D8B030D-6E8A-4147-A177-3AD203B41FA5}">
                       <a16:colId xmlns:a16="http://schemas.microsoft.com/office/drawing/2014/main" val="819021370"/>
                     </a:ext>
                   </a:extLst>
                 </a:gridCol>
-                <a:gridCol w="1020614">
+                <a:gridCol w="1295400">
                   <a:extLst>
                     <a:ext uri="{9D8B030D-6E8A-4147-A177-3AD203B41FA5}">
                       <a16:colId xmlns:a16="http://schemas.microsoft.com/office/drawing/2014/main" val="1891545078"/>
@@ -27847,7 +27848,10 @@
                     <a:lstStyle/>
                     <a:p>
                       <a:pPr algn="ctr"/>
-                      <a:endParaRPr lang="en-US" dirty="0"/>
+                      <a:r>
+                        <a:rPr lang="en-US" dirty="0"/>
+                        <a:t>0.5887</a:t>
+                      </a:r>
                     </a:p>
                   </a:txBody>
                   <a:tcPr/>
@@ -27858,7 +27862,10 @@
                     <a:lstStyle/>
                     <a:p>
                       <a:pPr algn="ctr"/>
-                      <a:endParaRPr lang="en-US" dirty="0"/>
+                      <a:r>
+                        <a:rPr lang="en-US" dirty="0"/>
+                        <a:t>0.37381</a:t>
+                      </a:r>
                     </a:p>
                   </a:txBody>
                   <a:tcPr/>
@@ -27982,7 +27989,10 @@
                     <a:lstStyle/>
                     <a:p>
                       <a:pPr algn="ctr"/>
-                      <a:endParaRPr lang="en-US" dirty="0"/>
+                      <a:r>
+                        <a:rPr lang="en-US" dirty="0"/>
+                        <a:t>0.62539</a:t>
+                      </a:r>
                     </a:p>
                   </a:txBody>
                   <a:tcPr/>
@@ -27993,7 +28003,10 @@
                     <a:lstStyle/>
                     <a:p>
                       <a:pPr algn="ctr"/>
-                      <a:endParaRPr lang="en-US" dirty="0"/>
+                      <a:r>
+                        <a:rPr lang="en-US" dirty="0"/>
+                        <a:t>0.26056</a:t>
+                      </a:r>
                     </a:p>
                   </a:txBody>
                   <a:tcPr/>
@@ -28117,7 +28130,10 @@
                     <a:lstStyle/>
                     <a:p>
                       <a:pPr algn="ctr"/>
-                      <a:endParaRPr lang="en-US" dirty="0"/>
+                      <a:r>
+                        <a:rPr lang="en-US" dirty="0"/>
+                        <a:t>0.71145</a:t>
+                      </a:r>
                     </a:p>
                   </a:txBody>
                   <a:tcPr/>
@@ -28128,7 +28144,10 @@
                     <a:lstStyle/>
                     <a:p>
                       <a:pPr algn="ctr"/>
-                      <a:endParaRPr lang="en-US" dirty="0"/>
+                      <a:r>
+                        <a:rPr lang="en-US" dirty="0"/>
+                        <a:t>0.38557</a:t>
+                      </a:r>
                     </a:p>
                   </a:txBody>
                   <a:tcPr/>
@@ -28252,7 +28271,10 @@
                     <a:lstStyle/>
                     <a:p>
                       <a:pPr algn="ctr"/>
-                      <a:endParaRPr lang="en-US" dirty="0"/>
+                      <a:r>
+                        <a:rPr lang="en-US" dirty="0"/>
+                        <a:t>0.6802</a:t>
+                      </a:r>
                     </a:p>
                   </a:txBody>
                   <a:tcPr/>
@@ -28263,7 +28285,10 @@
                     <a:lstStyle/>
                     <a:p>
                       <a:pPr algn="ctr"/>
-                      <a:endParaRPr lang="en-US" dirty="0"/>
+                      <a:r>
+                        <a:rPr lang="en-US" dirty="0"/>
+                        <a:t>0.3338</a:t>
+                      </a:r>
                     </a:p>
                   </a:txBody>
                   <a:tcPr/>
@@ -28366,10 +28391,9 @@
                     <a:p>
                       <a:pPr algn="ctr"/>
                       <a:r>
-                        <a:rPr lang="en-US"/>
+                        <a:rPr lang="en-US" dirty="0"/>
                         <a:t>0.9296</a:t>
                       </a:r>
-                      <a:endParaRPr lang="en-US" dirty="0"/>
                     </a:p>
                   </a:txBody>
                   <a:tcPr/>
@@ -28380,7 +28404,10 @@
                     <a:lstStyle/>
                     <a:p>
                       <a:pPr algn="ctr"/>
-                      <a:endParaRPr lang="en-US" dirty="0"/>
+                      <a:r>
+                        <a:rPr lang="en-US" dirty="0"/>
+                        <a:t>0.64986</a:t>
+                      </a:r>
                     </a:p>
                   </a:txBody>
                   <a:tcPr/>
@@ -28391,7 +28418,10 @@
                     <a:lstStyle/>
                     <a:p>
                       <a:pPr algn="ctr"/>
-                      <a:endParaRPr lang="en-US" dirty="0"/>
+                      <a:r>
+                        <a:rPr lang="en-US" dirty="0"/>
+                        <a:t>0.32351</a:t>
+                      </a:r>
                     </a:p>
                   </a:txBody>
                   <a:tcPr/>
@@ -28432,6 +28462,1458 @@
 </file>
 
 <file path=ppt/slides/slide25.xml><?xml version="1.0" encoding="utf-8"?>
+<p:sld xmlns:a="http://schemas.openxmlformats.org/drawingml/2006/main" xmlns:r="http://schemas.openxmlformats.org/officeDocument/2006/relationships" xmlns:p="http://schemas.openxmlformats.org/presentationml/2006/main">
+  <p:cSld>
+    <p:spTree>
+      <p:nvGrpSpPr>
+        <p:cNvPr id="1" name=""/>
+        <p:cNvGrpSpPr/>
+        <p:nvPr/>
+      </p:nvGrpSpPr>
+      <p:grpSpPr>
+        <a:xfrm>
+          <a:off x="0" y="0"/>
+          <a:ext cx="0" cy="0"/>
+          <a:chOff x="0" y="0"/>
+          <a:chExt cx="0" cy="0"/>
+        </a:xfrm>
+      </p:grpSpPr>
+      <p:sp>
+        <p:nvSpPr>
+          <p:cNvPr id="2" name="Title 1"/>
+          <p:cNvSpPr>
+            <a:spLocks noGrp="1"/>
+          </p:cNvSpPr>
+          <p:nvPr>
+            <p:ph type="title"/>
+          </p:nvPr>
+        </p:nvSpPr>
+        <p:spPr/>
+        <p:txBody>
+          <a:bodyPr anchor="t">
+            <a:normAutofit/>
+          </a:bodyPr>
+          <a:lstStyle/>
+          <a:p>
+            <a:r>
+              <a:rPr lang="en-US" sz="3600" dirty="0">
+                <a:latin typeface="Calibri" panose="020F0502020204030204" pitchFamily="34" charset="0"/>
+                <a:cs typeface="Calibri" panose="020F0502020204030204" pitchFamily="34" charset="0"/>
+              </a:rPr>
+              <a:t>Experiment Results (Cont.) </a:t>
+            </a:r>
+            <a:endParaRPr lang="en-US" dirty="0">
+              <a:latin typeface="Calibri" panose="020F0502020204030204" pitchFamily="34" charset="0"/>
+              <a:cs typeface="Calibri" panose="020F0502020204030204" pitchFamily="34" charset="0"/>
+            </a:endParaRPr>
+          </a:p>
+        </p:txBody>
+      </p:sp>
+      <p:sp>
+        <p:nvSpPr>
+          <p:cNvPr id="9" name="Content Placeholder 8">
+            <a:extLst>
+              <a:ext uri="{FF2B5EF4-FFF2-40B4-BE49-F238E27FC236}">
+                <a16:creationId xmlns:a16="http://schemas.microsoft.com/office/drawing/2014/main" id="{BFD27979-805A-4B4B-946D-AB44BEAC7A32}"/>
+              </a:ext>
+            </a:extLst>
+          </p:cNvPr>
+          <p:cNvSpPr>
+            <a:spLocks noGrp="1"/>
+          </p:cNvSpPr>
+          <p:nvPr>
+            <p:ph idx="1"/>
+          </p:nvPr>
+        </p:nvSpPr>
+        <p:spPr>
+          <a:xfrm>
+            <a:off x="760413" y="1600200"/>
+            <a:ext cx="6553199" cy="4724400"/>
+          </a:xfrm>
+        </p:spPr>
+        <p:txBody>
+          <a:bodyPr>
+            <a:normAutofit/>
+          </a:bodyPr>
+          <a:lstStyle/>
+          <a:p>
+            <a:pPr marL="0" indent="0">
+              <a:buNone/>
+            </a:pPr>
+            <a:r>
+              <a:rPr lang="en-US" b="1" dirty="0">
+                <a:solidFill>
+                  <a:schemeClr val="tx1"/>
+                </a:solidFill>
+                <a:latin typeface="Calibri" panose="020F0502020204030204" pitchFamily="34" charset="0"/>
+                <a:cs typeface="Calibri" panose="020F0502020204030204" pitchFamily="34" charset="0"/>
+              </a:rPr>
+              <a:t>               </a:t>
+            </a:r>
+          </a:p>
+          <a:p>
+            <a:pPr marL="0" indent="0">
+              <a:buNone/>
+            </a:pPr>
+            <a:endParaRPr lang="en-US" dirty="0">
+              <a:solidFill>
+                <a:schemeClr val="tx1"/>
+              </a:solidFill>
+              <a:latin typeface="Calibri" panose="020F0502020204030204" pitchFamily="34" charset="0"/>
+              <a:cs typeface="Calibri" panose="020F0502020204030204" pitchFamily="34" charset="0"/>
+            </a:endParaRPr>
+          </a:p>
+        </p:txBody>
+      </p:sp>
+      <p:sp>
+        <p:nvSpPr>
+          <p:cNvPr id="6" name="Content Placeholder 2">
+            <a:extLst>
+              <a:ext uri="{FF2B5EF4-FFF2-40B4-BE49-F238E27FC236}">
+                <a16:creationId xmlns:a16="http://schemas.microsoft.com/office/drawing/2014/main" id="{109EE1EC-0CF3-44EA-8406-9B48EE9C5C3D}"/>
+              </a:ext>
+            </a:extLst>
+          </p:cNvPr>
+          <p:cNvSpPr txBox="1">
+            <a:spLocks/>
+          </p:cNvSpPr>
+          <p:nvPr/>
+        </p:nvSpPr>
+        <p:spPr>
+          <a:xfrm>
+            <a:off x="677158" y="1676400"/>
+            <a:ext cx="9227254" cy="4343400"/>
+          </a:xfrm>
+          <a:prstGeom prst="rect">
+            <a:avLst/>
+          </a:prstGeom>
+        </p:spPr>
+        <p:txBody>
+          <a:bodyPr vert="horz" lIns="91440" tIns="45720" rIns="91440" bIns="45720" rtlCol="0">
+            <a:normAutofit/>
+          </a:bodyPr>
+          <a:lstStyle>
+            <a:lvl1pPr marL="342797" indent="-342797" algn="l" defTabSz="457063" rtl="0" eaLnBrk="1" latinLnBrk="0" hangingPunct="1">
+              <a:spcBef>
+                <a:spcPts val="1000"/>
+              </a:spcBef>
+              <a:spcAft>
+                <a:spcPts val="0"/>
+              </a:spcAft>
+              <a:buClr>
+                <a:schemeClr val="accent1"/>
+              </a:buClr>
+              <a:buSzPct val="80000"/>
+              <a:buFont typeface="Wingdings 3" charset="2"/>
+              <a:buChar char=""/>
+              <a:defRPr sz="1799" kern="1200">
+                <a:solidFill>
+                  <a:schemeClr val="tx1">
+                    <a:lumMod val="75000"/>
+                    <a:lumOff val="25000"/>
+                  </a:schemeClr>
+                </a:solidFill>
+                <a:latin typeface="+mn-lt"/>
+                <a:ea typeface="+mn-ea"/>
+                <a:cs typeface="+mn-cs"/>
+              </a:defRPr>
+            </a:lvl1pPr>
+            <a:lvl2pPr marL="742727" indent="-285664" algn="l" defTabSz="457063" rtl="0" eaLnBrk="1" latinLnBrk="0" hangingPunct="1">
+              <a:spcBef>
+                <a:spcPts val="1000"/>
+              </a:spcBef>
+              <a:spcAft>
+                <a:spcPts val="0"/>
+              </a:spcAft>
+              <a:buClr>
+                <a:schemeClr val="accent1"/>
+              </a:buClr>
+              <a:buSzPct val="80000"/>
+              <a:buFont typeface="Wingdings 3" charset="2"/>
+              <a:buChar char=""/>
+              <a:defRPr sz="1600" kern="1200">
+                <a:solidFill>
+                  <a:schemeClr val="tx1">
+                    <a:lumMod val="75000"/>
+                    <a:lumOff val="25000"/>
+                  </a:schemeClr>
+                </a:solidFill>
+                <a:latin typeface="+mn-lt"/>
+                <a:ea typeface="+mn-ea"/>
+                <a:cs typeface="+mn-cs"/>
+              </a:defRPr>
+            </a:lvl2pPr>
+            <a:lvl3pPr marL="1142657" indent="-228531" algn="l" defTabSz="457063" rtl="0" eaLnBrk="1" latinLnBrk="0" hangingPunct="1">
+              <a:spcBef>
+                <a:spcPts val="1000"/>
+              </a:spcBef>
+              <a:spcAft>
+                <a:spcPts val="0"/>
+              </a:spcAft>
+              <a:buClr>
+                <a:schemeClr val="accent1"/>
+              </a:buClr>
+              <a:buSzPct val="80000"/>
+              <a:buFont typeface="Wingdings 3" charset="2"/>
+              <a:buChar char=""/>
+              <a:defRPr sz="1400" kern="1200">
+                <a:solidFill>
+                  <a:schemeClr val="tx1">
+                    <a:lumMod val="75000"/>
+                    <a:lumOff val="25000"/>
+                  </a:schemeClr>
+                </a:solidFill>
+                <a:latin typeface="+mn-lt"/>
+                <a:ea typeface="+mn-ea"/>
+                <a:cs typeface="+mn-cs"/>
+              </a:defRPr>
+            </a:lvl3pPr>
+            <a:lvl4pPr marL="1599720" indent="-228531" algn="l" defTabSz="457063" rtl="0" eaLnBrk="1" latinLnBrk="0" hangingPunct="1">
+              <a:spcBef>
+                <a:spcPts val="1000"/>
+              </a:spcBef>
+              <a:spcAft>
+                <a:spcPts val="0"/>
+              </a:spcAft>
+              <a:buClr>
+                <a:schemeClr val="accent1"/>
+              </a:buClr>
+              <a:buSzPct val="80000"/>
+              <a:buFont typeface="Wingdings 3" charset="2"/>
+              <a:buChar char=""/>
+              <a:defRPr sz="1200" kern="1200">
+                <a:solidFill>
+                  <a:schemeClr val="tx1">
+                    <a:lumMod val="75000"/>
+                    <a:lumOff val="25000"/>
+                  </a:schemeClr>
+                </a:solidFill>
+                <a:latin typeface="+mn-lt"/>
+                <a:ea typeface="+mn-ea"/>
+                <a:cs typeface="+mn-cs"/>
+              </a:defRPr>
+            </a:lvl4pPr>
+            <a:lvl5pPr marL="2056783" indent="-228531" algn="l" defTabSz="457063" rtl="0" eaLnBrk="1" latinLnBrk="0" hangingPunct="1">
+              <a:spcBef>
+                <a:spcPts val="1000"/>
+              </a:spcBef>
+              <a:spcAft>
+                <a:spcPts val="0"/>
+              </a:spcAft>
+              <a:buClr>
+                <a:schemeClr val="accent1"/>
+              </a:buClr>
+              <a:buSzPct val="80000"/>
+              <a:buFont typeface="Wingdings 3" charset="2"/>
+              <a:buChar char=""/>
+              <a:defRPr sz="1200" kern="1200">
+                <a:solidFill>
+                  <a:schemeClr val="tx1">
+                    <a:lumMod val="75000"/>
+                    <a:lumOff val="25000"/>
+                  </a:schemeClr>
+                </a:solidFill>
+                <a:latin typeface="+mn-lt"/>
+                <a:ea typeface="+mn-ea"/>
+                <a:cs typeface="+mn-cs"/>
+              </a:defRPr>
+            </a:lvl5pPr>
+            <a:lvl6pPr marL="2513846" indent="-228531" algn="l" defTabSz="457063" rtl="0" eaLnBrk="1" latinLnBrk="0" hangingPunct="1">
+              <a:spcBef>
+                <a:spcPts val="1000"/>
+              </a:spcBef>
+              <a:spcAft>
+                <a:spcPts val="0"/>
+              </a:spcAft>
+              <a:buClr>
+                <a:schemeClr val="accent1"/>
+              </a:buClr>
+              <a:buSzPct val="80000"/>
+              <a:buFont typeface="Wingdings 3" charset="2"/>
+              <a:buChar char=""/>
+              <a:defRPr sz="1200" kern="1200">
+                <a:solidFill>
+                  <a:schemeClr val="tx1">
+                    <a:lumMod val="75000"/>
+                    <a:lumOff val="25000"/>
+                  </a:schemeClr>
+                </a:solidFill>
+                <a:latin typeface="+mn-lt"/>
+                <a:ea typeface="+mn-ea"/>
+                <a:cs typeface="+mn-cs"/>
+              </a:defRPr>
+            </a:lvl6pPr>
+            <a:lvl7pPr marL="2970908" indent="-228531" algn="l" defTabSz="457063" rtl="0" eaLnBrk="1" latinLnBrk="0" hangingPunct="1">
+              <a:spcBef>
+                <a:spcPts val="1000"/>
+              </a:spcBef>
+              <a:spcAft>
+                <a:spcPts val="0"/>
+              </a:spcAft>
+              <a:buClr>
+                <a:schemeClr val="accent1"/>
+              </a:buClr>
+              <a:buSzPct val="80000"/>
+              <a:buFont typeface="Wingdings 3" charset="2"/>
+              <a:buChar char=""/>
+              <a:defRPr sz="1200" kern="1200">
+                <a:solidFill>
+                  <a:schemeClr val="tx1">
+                    <a:lumMod val="75000"/>
+                    <a:lumOff val="25000"/>
+                  </a:schemeClr>
+                </a:solidFill>
+                <a:latin typeface="+mn-lt"/>
+                <a:ea typeface="+mn-ea"/>
+                <a:cs typeface="+mn-cs"/>
+              </a:defRPr>
+            </a:lvl7pPr>
+            <a:lvl8pPr marL="3427971" indent="-228531" algn="l" defTabSz="457063" rtl="0" eaLnBrk="1" latinLnBrk="0" hangingPunct="1">
+              <a:spcBef>
+                <a:spcPts val="1000"/>
+              </a:spcBef>
+              <a:spcAft>
+                <a:spcPts val="0"/>
+              </a:spcAft>
+              <a:buClr>
+                <a:schemeClr val="accent1"/>
+              </a:buClr>
+              <a:buSzPct val="80000"/>
+              <a:buFont typeface="Wingdings 3" charset="2"/>
+              <a:buChar char=""/>
+              <a:defRPr sz="1200" kern="1200">
+                <a:solidFill>
+                  <a:schemeClr val="tx1">
+                    <a:lumMod val="75000"/>
+                    <a:lumOff val="25000"/>
+                  </a:schemeClr>
+                </a:solidFill>
+                <a:latin typeface="+mn-lt"/>
+                <a:ea typeface="+mn-ea"/>
+                <a:cs typeface="+mn-cs"/>
+              </a:defRPr>
+            </a:lvl8pPr>
+            <a:lvl9pPr marL="3885034" indent="-228531" algn="l" defTabSz="457063" rtl="0" eaLnBrk="1" latinLnBrk="0" hangingPunct="1">
+              <a:spcBef>
+                <a:spcPts val="1000"/>
+              </a:spcBef>
+              <a:spcAft>
+                <a:spcPts val="0"/>
+              </a:spcAft>
+              <a:buClr>
+                <a:schemeClr val="accent1"/>
+              </a:buClr>
+              <a:buSzPct val="80000"/>
+              <a:buFont typeface="Wingdings 3" charset="2"/>
+              <a:buChar char=""/>
+              <a:defRPr sz="1200" kern="1200">
+                <a:solidFill>
+                  <a:schemeClr val="tx1">
+                    <a:lumMod val="75000"/>
+                    <a:lumOff val="25000"/>
+                  </a:schemeClr>
+                </a:solidFill>
+                <a:latin typeface="+mn-lt"/>
+                <a:ea typeface="+mn-ea"/>
+                <a:cs typeface="+mn-cs"/>
+              </a:defRPr>
+            </a:lvl9pPr>
+          </a:lstStyle>
+          <a:p>
+            <a:pPr marL="457063" lvl="1" indent="0">
+              <a:buFont typeface="Wingdings 3" charset="2"/>
+              <a:buNone/>
+            </a:pPr>
+            <a:endParaRPr lang="en-US" dirty="0"/>
+          </a:p>
+        </p:txBody>
+      </p:sp>
+      <p:graphicFrame>
+        <p:nvGraphicFramePr>
+          <p:cNvPr id="5" name="Table 4">
+            <a:extLst>
+              <a:ext uri="{FF2B5EF4-FFF2-40B4-BE49-F238E27FC236}">
+                <a16:creationId xmlns:a16="http://schemas.microsoft.com/office/drawing/2014/main" id="{C98F83E0-B955-42B2-B093-FA3A3627C0AC}"/>
+              </a:ext>
+            </a:extLst>
+          </p:cNvPr>
+          <p:cNvGraphicFramePr>
+            <a:graphicFrameLocks noGrp="1"/>
+          </p:cNvGraphicFramePr>
+          <p:nvPr/>
+        </p:nvGraphicFramePr>
+        <p:xfrm>
+          <a:off x="1598612" y="1600200"/>
+          <a:ext cx="9372600" cy="4338364"/>
+        </p:xfrm>
+        <a:graphic>
+          <a:graphicData uri="http://schemas.openxmlformats.org/drawingml/2006/table">
+            <a:tbl>
+              <a:tblPr firstRow="1" bandRow="1">
+                <a:tableStyleId>{E8B1032C-EA38-4F05-BA0D-38AFFFC7BED3}</a:tableStyleId>
+              </a:tblPr>
+              <a:tblGrid>
+                <a:gridCol w="552065">
+                  <a:extLst>
+                    <a:ext uri="{9D8B030D-6E8A-4147-A177-3AD203B41FA5}">
+                      <a16:colId xmlns:a16="http://schemas.microsoft.com/office/drawing/2014/main" val="2975467101"/>
+                    </a:ext>
+                  </a:extLst>
+                </a:gridCol>
+                <a:gridCol w="1019368">
+                  <a:extLst>
+                    <a:ext uri="{9D8B030D-6E8A-4147-A177-3AD203B41FA5}">
+                      <a16:colId xmlns:a16="http://schemas.microsoft.com/office/drawing/2014/main" val="1256914312"/>
+                    </a:ext>
+                  </a:extLst>
+                </a:gridCol>
+                <a:gridCol w="1019368">
+                  <a:extLst>
+                    <a:ext uri="{9D8B030D-6E8A-4147-A177-3AD203B41FA5}">
+                      <a16:colId xmlns:a16="http://schemas.microsoft.com/office/drawing/2014/main" val="333415022"/>
+                    </a:ext>
+                  </a:extLst>
+                </a:gridCol>
+                <a:gridCol w="1066800">
+                  <a:extLst>
+                    <a:ext uri="{9D8B030D-6E8A-4147-A177-3AD203B41FA5}">
+                      <a16:colId xmlns:a16="http://schemas.microsoft.com/office/drawing/2014/main" val="2642142898"/>
+                    </a:ext>
+                  </a:extLst>
+                </a:gridCol>
+                <a:gridCol w="1066800">
+                  <a:extLst>
+                    <a:ext uri="{9D8B030D-6E8A-4147-A177-3AD203B41FA5}">
+                      <a16:colId xmlns:a16="http://schemas.microsoft.com/office/drawing/2014/main" val="1311354813"/>
+                    </a:ext>
+                  </a:extLst>
+                </a:gridCol>
+                <a:gridCol w="1066799">
+                  <a:extLst>
+                    <a:ext uri="{9D8B030D-6E8A-4147-A177-3AD203B41FA5}">
+                      <a16:colId xmlns:a16="http://schemas.microsoft.com/office/drawing/2014/main" val="267025949"/>
+                    </a:ext>
+                  </a:extLst>
+                </a:gridCol>
+                <a:gridCol w="1143000">
+                  <a:extLst>
+                    <a:ext uri="{9D8B030D-6E8A-4147-A177-3AD203B41FA5}">
+                      <a16:colId xmlns:a16="http://schemas.microsoft.com/office/drawing/2014/main" val="531061255"/>
+                    </a:ext>
+                  </a:extLst>
+                </a:gridCol>
+                <a:gridCol w="1143000">
+                  <a:extLst>
+                    <a:ext uri="{9D8B030D-6E8A-4147-A177-3AD203B41FA5}">
+                      <a16:colId xmlns:a16="http://schemas.microsoft.com/office/drawing/2014/main" val="819021370"/>
+                    </a:ext>
+                  </a:extLst>
+                </a:gridCol>
+                <a:gridCol w="1295400">
+                  <a:extLst>
+                    <a:ext uri="{9D8B030D-6E8A-4147-A177-3AD203B41FA5}">
+                      <a16:colId xmlns:a16="http://schemas.microsoft.com/office/drawing/2014/main" val="1891545078"/>
+                    </a:ext>
+                  </a:extLst>
+                </a:gridCol>
+              </a:tblGrid>
+              <a:tr h="520277">
+                <a:tc gridSpan="9">
+                  <a:txBody>
+                    <a:bodyPr/>
+                    <a:lstStyle/>
+                    <a:p>
+                      <a:pPr algn="ctr"/>
+                      <a:r>
+                        <a:rPr lang="en-US" sz="2400" dirty="0"/>
+                        <a:t>Kinas</a:t>
+                      </a:r>
+                    </a:p>
+                    <a:p>
+                      <a:pPr algn="ctr"/>
+                      <a:endParaRPr lang="en-US" sz="2400" dirty="0"/>
+                    </a:p>
+                  </a:txBody>
+                  <a:tcPr/>
+                </a:tc>
+                <a:tc hMerge="1">
+                  <a:txBody>
+                    <a:bodyPr/>
+                    <a:lstStyle/>
+                    <a:p>
+                      <a:pPr algn="ctr"/>
+                      <a:endParaRPr lang="en-US" dirty="0"/>
+                    </a:p>
+                  </a:txBody>
+                  <a:tcPr/>
+                </a:tc>
+                <a:tc hMerge="1">
+                  <a:txBody>
+                    <a:bodyPr/>
+                    <a:lstStyle/>
+                    <a:p>
+                      <a:endParaRPr lang="en-US"/>
+                    </a:p>
+                  </a:txBody>
+                  <a:tcPr/>
+                </a:tc>
+                <a:tc hMerge="1">
+                  <a:txBody>
+                    <a:bodyPr/>
+                    <a:lstStyle/>
+                    <a:p>
+                      <a:pPr algn="ctr"/>
+                      <a:endParaRPr lang="en-US" dirty="0"/>
+                    </a:p>
+                  </a:txBody>
+                  <a:tcPr/>
+                </a:tc>
+                <a:tc hMerge="1">
+                  <a:txBody>
+                    <a:bodyPr/>
+                    <a:lstStyle/>
+                    <a:p>
+                      <a:endParaRPr lang="en-US"/>
+                    </a:p>
+                  </a:txBody>
+                  <a:tcPr/>
+                </a:tc>
+                <a:tc hMerge="1">
+                  <a:txBody>
+                    <a:bodyPr/>
+                    <a:lstStyle/>
+                    <a:p>
+                      <a:pPr algn="ctr"/>
+                      <a:endParaRPr lang="en-US" dirty="0"/>
+                    </a:p>
+                  </a:txBody>
+                  <a:tcPr/>
+                </a:tc>
+                <a:tc hMerge="1">
+                  <a:txBody>
+                    <a:bodyPr/>
+                    <a:lstStyle/>
+                    <a:p>
+                      <a:endParaRPr lang="en-US"/>
+                    </a:p>
+                  </a:txBody>
+                  <a:tcPr/>
+                </a:tc>
+                <a:tc hMerge="1">
+                  <a:txBody>
+                    <a:bodyPr/>
+                    <a:lstStyle/>
+                    <a:p>
+                      <a:pPr algn="ctr"/>
+                      <a:endParaRPr lang="en-US" sz="2400" dirty="0"/>
+                    </a:p>
+                  </a:txBody>
+                  <a:tcPr/>
+                </a:tc>
+                <a:tc hMerge="1">
+                  <a:txBody>
+                    <a:bodyPr/>
+                    <a:lstStyle/>
+                    <a:p>
+                      <a:endParaRPr lang="en-US"/>
+                    </a:p>
+                  </a:txBody>
+                  <a:tcPr/>
+                </a:tc>
+                <a:extLst>
+                  <a:ext uri="{0D108BD9-81ED-4DB2-BD59-A6C34878D82A}">
+                    <a16:rowId xmlns:a16="http://schemas.microsoft.com/office/drawing/2014/main" val="1409194240"/>
+                  </a:ext>
+                </a:extLst>
+              </a:tr>
+              <a:tr h="520277">
+                <a:tc>
+                  <a:txBody>
+                    <a:bodyPr/>
+                    <a:lstStyle/>
+                    <a:p>
+                      <a:pPr algn="ctr"/>
+                      <a:r>
+                        <a:rPr lang="en-US" sz="1799" b="0" i="0" u="none" strike="noStrike" kern="1200" baseline="0" dirty="0">
+                          <a:solidFill>
+                            <a:schemeClr val="tx1"/>
+                          </a:solidFill>
+                          <a:latin typeface="+mn-lt"/>
+                          <a:ea typeface="+mn-ea"/>
+                          <a:cs typeface="+mn-cs"/>
+                        </a:rPr>
+                        <a:t>K</a:t>
+                      </a:r>
+                      <a:endParaRPr lang="en-US" dirty="0"/>
+                    </a:p>
+                  </a:txBody>
+                  <a:tcPr/>
+                </a:tc>
+                <a:tc gridSpan="2">
+                  <a:txBody>
+                    <a:bodyPr/>
+                    <a:lstStyle/>
+                    <a:p>
+                      <a:pPr algn="ctr"/>
+                      <a:r>
+                        <a:rPr lang="en-US" sz="1799" b="0" i="0" u="none" strike="noStrike" kern="1200" baseline="0" dirty="0">
+                          <a:solidFill>
+                            <a:schemeClr val="tx1"/>
+                          </a:solidFill>
+                          <a:latin typeface="+mn-lt"/>
+                          <a:ea typeface="+mn-ea"/>
+                          <a:cs typeface="+mn-cs"/>
+                        </a:rPr>
+                        <a:t>Simple WP</a:t>
+                      </a:r>
+                      <a:endParaRPr lang="en-US" dirty="0"/>
+                    </a:p>
+                  </a:txBody>
+                  <a:tcPr/>
+                </a:tc>
+                <a:tc hMerge="1">
+                  <a:txBody>
+                    <a:bodyPr/>
+                    <a:lstStyle/>
+                    <a:p>
+                      <a:endParaRPr lang="en-US"/>
+                    </a:p>
+                  </a:txBody>
+                  <a:tcPr/>
+                </a:tc>
+                <a:tc gridSpan="2">
+                  <a:txBody>
+                    <a:bodyPr/>
+                    <a:lstStyle/>
+                    <a:p>
+                      <a:pPr algn="ctr"/>
+                      <a:r>
+                        <a:rPr lang="en-US" dirty="0"/>
+                        <a:t>Hubness – aware</a:t>
+                      </a:r>
+                    </a:p>
+                  </a:txBody>
+                  <a:tcPr/>
+                </a:tc>
+                <a:tc hMerge="1">
+                  <a:txBody>
+                    <a:bodyPr/>
+                    <a:lstStyle/>
+                    <a:p>
+                      <a:endParaRPr lang="en-US"/>
+                    </a:p>
+                  </a:txBody>
+                  <a:tcPr/>
+                </a:tc>
+                <a:tc gridSpan="2">
+                  <a:txBody>
+                    <a:bodyPr/>
+                    <a:lstStyle/>
+                    <a:p>
+                      <a:pPr algn="ctr"/>
+                      <a:r>
+                        <a:rPr lang="en-US" sz="1799" b="0" i="0" u="none" strike="noStrike" kern="1200" baseline="0" dirty="0">
+                          <a:solidFill>
+                            <a:schemeClr val="tx1"/>
+                          </a:solidFill>
+                          <a:latin typeface="+mn-lt"/>
+                          <a:ea typeface="+mn-ea"/>
+                          <a:cs typeface="+mn-cs"/>
+                        </a:rPr>
+                        <a:t>Using Jaccard Similarity </a:t>
+                      </a:r>
+                      <a:endParaRPr lang="en-US" dirty="0"/>
+                    </a:p>
+                  </a:txBody>
+                  <a:tcPr/>
+                </a:tc>
+                <a:tc hMerge="1">
+                  <a:txBody>
+                    <a:bodyPr/>
+                    <a:lstStyle/>
+                    <a:p>
+                      <a:endParaRPr lang="en-US"/>
+                    </a:p>
+                  </a:txBody>
+                  <a:tcPr/>
+                </a:tc>
+                <a:tc gridSpan="2">
+                  <a:txBody>
+                    <a:bodyPr/>
+                    <a:lstStyle/>
+                    <a:p>
+                      <a:pPr marL="0" marR="0" lvl="0" indent="0" algn="ctr" defTabSz="457063" rtl="0" eaLnBrk="1" fontAlgn="auto" latinLnBrk="0" hangingPunct="1">
+                        <a:lnSpc>
+                          <a:spcPct val="100000"/>
+                        </a:lnSpc>
+                        <a:spcBef>
+                          <a:spcPts val="0"/>
+                        </a:spcBef>
+                        <a:spcAft>
+                          <a:spcPts val="0"/>
+                        </a:spcAft>
+                        <a:buClrTx/>
+                        <a:buSzTx/>
+                        <a:buFontTx/>
+                        <a:buNone/>
+                        <a:tabLst/>
+                        <a:defRPr/>
+                      </a:pPr>
+                      <a:r>
+                        <a:rPr lang="en-US" sz="1799" b="0" i="0" u="none" strike="noStrike" kern="1200" baseline="0" dirty="0">
+                          <a:solidFill>
+                            <a:schemeClr val="tx1"/>
+                          </a:solidFill>
+                          <a:latin typeface="+mn-lt"/>
+                          <a:ea typeface="+mn-ea"/>
+                          <a:cs typeface="+mn-cs"/>
+                        </a:rPr>
+                        <a:t>Jaccard Similarity/ recalculating </a:t>
+                      </a:r>
+                      <a:endParaRPr lang="en-US" dirty="0"/>
+                    </a:p>
+                    <a:p>
+                      <a:pPr algn="ctr"/>
+                      <a:endParaRPr lang="en-US" dirty="0"/>
+                    </a:p>
+                  </a:txBody>
+                  <a:tcPr/>
+                </a:tc>
+                <a:tc hMerge="1">
+                  <a:txBody>
+                    <a:bodyPr/>
+                    <a:lstStyle/>
+                    <a:p>
+                      <a:endParaRPr lang="en-US"/>
+                    </a:p>
+                  </a:txBody>
+                  <a:tcPr/>
+                </a:tc>
+                <a:extLst>
+                  <a:ext uri="{0D108BD9-81ED-4DB2-BD59-A6C34878D82A}">
+                    <a16:rowId xmlns:a16="http://schemas.microsoft.com/office/drawing/2014/main" val="1732074981"/>
+                  </a:ext>
+                </a:extLst>
+              </a:tr>
+              <a:tr h="520277">
+                <a:tc>
+                  <a:txBody>
+                    <a:bodyPr/>
+                    <a:lstStyle/>
+                    <a:p>
+                      <a:pPr algn="ctr"/>
+                      <a:r>
+                        <a:rPr lang="en-US" dirty="0"/>
+                        <a:t>1</a:t>
+                      </a:r>
+                    </a:p>
+                  </a:txBody>
+                  <a:tcPr/>
+                </a:tc>
+                <a:tc>
+                  <a:txBody>
+                    <a:bodyPr/>
+                    <a:lstStyle/>
+                    <a:p>
+                      <a:pPr algn="ctr"/>
+                      <a:r>
+                        <a:rPr lang="en-US" dirty="0"/>
+                        <a:t>0.84159</a:t>
+                      </a:r>
+                    </a:p>
+                  </a:txBody>
+                  <a:tcPr/>
+                </a:tc>
+                <a:tc>
+                  <a:txBody>
+                    <a:bodyPr/>
+                    <a:lstStyle/>
+                    <a:p>
+                      <a:pPr algn="ctr"/>
+                      <a:r>
+                        <a:rPr lang="en-US" dirty="0"/>
+                        <a:t>0.51517</a:t>
+                      </a:r>
+                    </a:p>
+                  </a:txBody>
+                  <a:tcPr/>
+                </a:tc>
+                <a:tc>
+                  <a:txBody>
+                    <a:bodyPr/>
+                    <a:lstStyle/>
+                    <a:p>
+                      <a:pPr algn="ctr"/>
+                      <a:r>
+                        <a:rPr lang="en-US" dirty="0"/>
+                        <a:t>0.84159</a:t>
+                      </a:r>
+                    </a:p>
+                  </a:txBody>
+                  <a:tcPr/>
+                </a:tc>
+                <a:tc>
+                  <a:txBody>
+                    <a:bodyPr/>
+                    <a:lstStyle/>
+                    <a:p>
+                      <a:pPr algn="ctr"/>
+                      <a:r>
+                        <a:rPr lang="en-US" dirty="0"/>
+                        <a:t>0.51517</a:t>
+                      </a:r>
+                    </a:p>
+                  </a:txBody>
+                  <a:tcPr/>
+                </a:tc>
+                <a:tc>
+                  <a:txBody>
+                    <a:bodyPr/>
+                    <a:lstStyle/>
+                    <a:p>
+                      <a:pPr algn="ctr"/>
+                      <a:r>
+                        <a:rPr lang="en-US" dirty="0"/>
+                        <a:t>0.9074</a:t>
+                      </a:r>
+                    </a:p>
+                  </a:txBody>
+                  <a:tcPr/>
+                </a:tc>
+                <a:tc>
+                  <a:txBody>
+                    <a:bodyPr/>
+                    <a:lstStyle/>
+                    <a:p>
+                      <a:pPr algn="ctr"/>
+                      <a:r>
+                        <a:rPr lang="en-US" dirty="0"/>
+                        <a:t>0.84523</a:t>
+                      </a:r>
+                    </a:p>
+                  </a:txBody>
+                  <a:tcPr/>
+                </a:tc>
+                <a:tc>
+                  <a:txBody>
+                    <a:bodyPr/>
+                    <a:lstStyle/>
+                    <a:p>
+                      <a:pPr algn="ctr"/>
+                      <a:r>
+                        <a:rPr lang="en-US" dirty="0"/>
+                        <a:t>0.5887</a:t>
+                      </a:r>
+                    </a:p>
+                  </a:txBody>
+                  <a:tcPr/>
+                </a:tc>
+                <a:tc>
+                  <a:txBody>
+                    <a:bodyPr/>
+                    <a:lstStyle/>
+                    <a:p>
+                      <a:pPr algn="ctr"/>
+                      <a:r>
+                        <a:rPr lang="en-US" dirty="0"/>
+                        <a:t>0.37381</a:t>
+                      </a:r>
+                    </a:p>
+                  </a:txBody>
+                  <a:tcPr/>
+                </a:tc>
+                <a:extLst>
+                  <a:ext uri="{0D108BD9-81ED-4DB2-BD59-A6C34878D82A}">
+                    <a16:rowId xmlns:a16="http://schemas.microsoft.com/office/drawing/2014/main" val="2158644233"/>
+                  </a:ext>
+                </a:extLst>
+              </a:tr>
+              <a:tr h="520277">
+                <a:tc>
+                  <a:txBody>
+                    <a:bodyPr/>
+                    <a:lstStyle/>
+                    <a:p>
+                      <a:pPr algn="ctr"/>
+                      <a:r>
+                        <a:rPr lang="en-US" sz="1799" b="0" i="0" u="none" strike="noStrike" kern="1200" baseline="0" dirty="0">
+                          <a:solidFill>
+                            <a:schemeClr val="tx1"/>
+                          </a:solidFill>
+                          <a:latin typeface="+mn-lt"/>
+                          <a:ea typeface="+mn-ea"/>
+                          <a:cs typeface="+mn-cs"/>
+                        </a:rPr>
+                        <a:t>2</a:t>
+                      </a:r>
+                      <a:endParaRPr lang="en-US" dirty="0"/>
+                    </a:p>
+                  </a:txBody>
+                  <a:tcPr/>
+                </a:tc>
+                <a:tc>
+                  <a:txBody>
+                    <a:bodyPr/>
+                    <a:lstStyle/>
+                    <a:p>
+                      <a:pPr algn="ctr"/>
+                      <a:r>
+                        <a:rPr lang="en-US" dirty="0"/>
+                        <a:t>0.8958</a:t>
+                      </a:r>
+                    </a:p>
+                  </a:txBody>
+                  <a:tcPr/>
+                </a:tc>
+                <a:tc>
+                  <a:txBody>
+                    <a:bodyPr/>
+                    <a:lstStyle/>
+                    <a:p>
+                      <a:pPr algn="ctr"/>
+                      <a:r>
+                        <a:rPr lang="en-US" dirty="0"/>
+                        <a:t>0.71723</a:t>
+                      </a:r>
+                    </a:p>
+                  </a:txBody>
+                  <a:tcPr/>
+                </a:tc>
+                <a:tc>
+                  <a:txBody>
+                    <a:bodyPr/>
+                    <a:lstStyle/>
+                    <a:p>
+                      <a:pPr algn="ctr"/>
+                      <a:r>
+                        <a:rPr lang="en-US" dirty="0"/>
+                        <a:t>0.89284</a:t>
+                      </a:r>
+                    </a:p>
+                  </a:txBody>
+                  <a:tcPr/>
+                </a:tc>
+                <a:tc>
+                  <a:txBody>
+                    <a:bodyPr/>
+                    <a:lstStyle/>
+                    <a:p>
+                      <a:pPr algn="ctr"/>
+                      <a:r>
+                        <a:rPr lang="en-US" dirty="0"/>
+                        <a:t>0.70593</a:t>
+                      </a:r>
+                    </a:p>
+                  </a:txBody>
+                  <a:tcPr/>
+                </a:tc>
+                <a:tc>
+                  <a:txBody>
+                    <a:bodyPr/>
+                    <a:lstStyle/>
+                    <a:p>
+                      <a:pPr algn="ctr"/>
+                      <a:r>
+                        <a:rPr lang="en-US" dirty="0"/>
+                        <a:t>0.95285</a:t>
+                      </a:r>
+                    </a:p>
+                  </a:txBody>
+                  <a:tcPr/>
+                </a:tc>
+                <a:tc>
+                  <a:txBody>
+                    <a:bodyPr/>
+                    <a:lstStyle/>
+                    <a:p>
+                      <a:pPr algn="ctr"/>
+                      <a:r>
+                        <a:rPr lang="en-US" dirty="0"/>
+                        <a:t>0.915</a:t>
+                      </a:r>
+                    </a:p>
+                  </a:txBody>
+                  <a:tcPr/>
+                </a:tc>
+                <a:tc>
+                  <a:txBody>
+                    <a:bodyPr/>
+                    <a:lstStyle/>
+                    <a:p>
+                      <a:pPr algn="ctr"/>
+                      <a:r>
+                        <a:rPr lang="en-US" dirty="0"/>
+                        <a:t>0.62539</a:t>
+                      </a:r>
+                    </a:p>
+                  </a:txBody>
+                  <a:tcPr/>
+                </a:tc>
+                <a:tc>
+                  <a:txBody>
+                    <a:bodyPr/>
+                    <a:lstStyle/>
+                    <a:p>
+                      <a:pPr algn="ctr"/>
+                      <a:r>
+                        <a:rPr lang="en-US" dirty="0"/>
+                        <a:t>0.26056</a:t>
+                      </a:r>
+                    </a:p>
+                  </a:txBody>
+                  <a:tcPr/>
+                </a:tc>
+                <a:extLst>
+                  <a:ext uri="{0D108BD9-81ED-4DB2-BD59-A6C34878D82A}">
+                    <a16:rowId xmlns:a16="http://schemas.microsoft.com/office/drawing/2014/main" val="1315729617"/>
+                  </a:ext>
+                </a:extLst>
+              </a:tr>
+              <a:tr h="520277">
+                <a:tc>
+                  <a:txBody>
+                    <a:bodyPr/>
+                    <a:lstStyle/>
+                    <a:p>
+                      <a:pPr algn="ctr"/>
+                      <a:r>
+                        <a:rPr lang="en-US" sz="1799" b="0" i="0" u="none" strike="noStrike" kern="1200" baseline="0" dirty="0">
+                          <a:solidFill>
+                            <a:schemeClr val="tx1"/>
+                          </a:solidFill>
+                          <a:latin typeface="+mn-lt"/>
+                          <a:ea typeface="+mn-ea"/>
+                          <a:cs typeface="+mn-cs"/>
+                        </a:rPr>
+                        <a:t>3</a:t>
+                      </a:r>
+                      <a:endParaRPr lang="en-US" dirty="0"/>
+                    </a:p>
+                  </a:txBody>
+                  <a:tcPr/>
+                </a:tc>
+                <a:tc>
+                  <a:txBody>
+                    <a:bodyPr/>
+                    <a:lstStyle/>
+                    <a:p>
+                      <a:pPr algn="ctr"/>
+                      <a:r>
+                        <a:rPr lang="en-US" dirty="0"/>
+                        <a:t>0.8958</a:t>
+                      </a:r>
+                    </a:p>
+                  </a:txBody>
+                  <a:tcPr/>
+                </a:tc>
+                <a:tc>
+                  <a:txBody>
+                    <a:bodyPr/>
+                    <a:lstStyle/>
+                    <a:p>
+                      <a:pPr algn="ctr"/>
+                      <a:r>
+                        <a:rPr lang="en-US" dirty="0"/>
+                        <a:t>0.65672</a:t>
+                      </a:r>
+                    </a:p>
+                  </a:txBody>
+                  <a:tcPr/>
+                </a:tc>
+                <a:tc>
+                  <a:txBody>
+                    <a:bodyPr/>
+                    <a:lstStyle/>
+                    <a:p>
+                      <a:pPr algn="ctr"/>
+                      <a:r>
+                        <a:rPr lang="en-US" dirty="0"/>
+                        <a:t>0.88124</a:t>
+                      </a:r>
+                    </a:p>
+                  </a:txBody>
+                  <a:tcPr/>
+                </a:tc>
+                <a:tc>
+                  <a:txBody>
+                    <a:bodyPr/>
+                    <a:lstStyle/>
+                    <a:p>
+                      <a:pPr algn="ctr"/>
+                      <a:r>
+                        <a:rPr lang="en-US" dirty="0"/>
+                        <a:t>0.48684</a:t>
+                      </a:r>
+                    </a:p>
+                  </a:txBody>
+                  <a:tcPr/>
+                </a:tc>
+                <a:tc>
+                  <a:txBody>
+                    <a:bodyPr/>
+                    <a:lstStyle/>
+                    <a:p>
+                      <a:pPr algn="ctr"/>
+                      <a:r>
+                        <a:rPr lang="en-US" dirty="0"/>
+                        <a:t>0.9955</a:t>
+                      </a:r>
+                    </a:p>
+                  </a:txBody>
+                  <a:tcPr/>
+                </a:tc>
+                <a:tc>
+                  <a:txBody>
+                    <a:bodyPr/>
+                    <a:lstStyle/>
+                    <a:p>
+                      <a:pPr algn="ctr"/>
+                      <a:r>
+                        <a:rPr lang="en-US" dirty="0"/>
+                        <a:t>0.8909</a:t>
+                      </a:r>
+                    </a:p>
+                  </a:txBody>
+                  <a:tcPr/>
+                </a:tc>
+                <a:tc>
+                  <a:txBody>
+                    <a:bodyPr/>
+                    <a:lstStyle/>
+                    <a:p>
+                      <a:pPr algn="ctr"/>
+                      <a:r>
+                        <a:rPr lang="en-US" dirty="0"/>
+                        <a:t>0.71145</a:t>
+                      </a:r>
+                    </a:p>
+                  </a:txBody>
+                  <a:tcPr/>
+                </a:tc>
+                <a:tc>
+                  <a:txBody>
+                    <a:bodyPr/>
+                    <a:lstStyle/>
+                    <a:p>
+                      <a:pPr algn="ctr"/>
+                      <a:r>
+                        <a:rPr lang="en-US" dirty="0"/>
+                        <a:t>0.38557</a:t>
+                      </a:r>
+                    </a:p>
+                  </a:txBody>
+                  <a:tcPr/>
+                </a:tc>
+                <a:extLst>
+                  <a:ext uri="{0D108BD9-81ED-4DB2-BD59-A6C34878D82A}">
+                    <a16:rowId xmlns:a16="http://schemas.microsoft.com/office/drawing/2014/main" val="3807245811"/>
+                  </a:ext>
+                </a:extLst>
+              </a:tr>
+              <a:tr h="520277">
+                <a:tc>
+                  <a:txBody>
+                    <a:bodyPr/>
+                    <a:lstStyle/>
+                    <a:p>
+                      <a:pPr algn="ctr"/>
+                      <a:r>
+                        <a:rPr lang="en-US" sz="1799" b="0" i="0" u="none" strike="noStrike" kern="1200" baseline="0" dirty="0">
+                          <a:solidFill>
+                            <a:schemeClr val="tx1"/>
+                          </a:solidFill>
+                          <a:latin typeface="+mn-lt"/>
+                          <a:ea typeface="+mn-ea"/>
+                          <a:cs typeface="+mn-cs"/>
+                        </a:rPr>
+                        <a:t>4</a:t>
+                      </a:r>
+                      <a:endParaRPr lang="en-US" dirty="0"/>
+                    </a:p>
+                  </a:txBody>
+                  <a:tcPr/>
+                </a:tc>
+                <a:tc>
+                  <a:txBody>
+                    <a:bodyPr/>
+                    <a:lstStyle/>
+                    <a:p>
+                      <a:pPr algn="ctr"/>
+                      <a:r>
+                        <a:rPr lang="en-US" dirty="0"/>
+                        <a:t>0.89242</a:t>
+                      </a:r>
+                    </a:p>
+                  </a:txBody>
+                  <a:tcPr/>
+                </a:tc>
+                <a:tc>
+                  <a:txBody>
+                    <a:bodyPr/>
+                    <a:lstStyle/>
+                    <a:p>
+                      <a:pPr algn="ctr"/>
+                      <a:r>
+                        <a:rPr lang="en-US" dirty="0"/>
+                        <a:t>0.66938</a:t>
+                      </a:r>
+                    </a:p>
+                  </a:txBody>
+                  <a:tcPr/>
+                </a:tc>
+                <a:tc>
+                  <a:txBody>
+                    <a:bodyPr/>
+                    <a:lstStyle/>
+                    <a:p>
+                      <a:pPr algn="ctr"/>
+                      <a:r>
+                        <a:rPr lang="en-US" dirty="0"/>
+                        <a:t>0.86606</a:t>
+                      </a:r>
+                    </a:p>
+                  </a:txBody>
+                  <a:tcPr/>
+                </a:tc>
+                <a:tc>
+                  <a:txBody>
+                    <a:bodyPr/>
+                    <a:lstStyle/>
+                    <a:p>
+                      <a:pPr algn="ctr"/>
+                      <a:r>
+                        <a:rPr lang="en-US" dirty="0"/>
+                        <a:t>0.47067</a:t>
+                      </a:r>
+                    </a:p>
+                  </a:txBody>
+                  <a:tcPr/>
+                </a:tc>
+                <a:tc>
+                  <a:txBody>
+                    <a:bodyPr/>
+                    <a:lstStyle/>
+                    <a:p>
+                      <a:pPr algn="ctr"/>
+                      <a:r>
+                        <a:rPr lang="en-US" dirty="0"/>
+                        <a:t>0.99810</a:t>
+                      </a:r>
+                    </a:p>
+                  </a:txBody>
+                  <a:tcPr/>
+                </a:tc>
+                <a:tc>
+                  <a:txBody>
+                    <a:bodyPr/>
+                    <a:lstStyle/>
+                    <a:p>
+                      <a:pPr algn="ctr"/>
+                      <a:r>
+                        <a:rPr lang="en-US" dirty="0"/>
+                        <a:t>0.94367</a:t>
+                      </a:r>
+                    </a:p>
+                  </a:txBody>
+                  <a:tcPr/>
+                </a:tc>
+                <a:tc>
+                  <a:txBody>
+                    <a:bodyPr/>
+                    <a:lstStyle/>
+                    <a:p>
+                      <a:pPr algn="ctr"/>
+                      <a:r>
+                        <a:rPr lang="en-US" dirty="0"/>
+                        <a:t>0.6802</a:t>
+                      </a:r>
+                    </a:p>
+                  </a:txBody>
+                  <a:tcPr/>
+                </a:tc>
+                <a:tc>
+                  <a:txBody>
+                    <a:bodyPr/>
+                    <a:lstStyle/>
+                    <a:p>
+                      <a:pPr algn="ctr"/>
+                      <a:r>
+                        <a:rPr lang="en-US" dirty="0"/>
+                        <a:t>0.3338</a:t>
+                      </a:r>
+                    </a:p>
+                  </a:txBody>
+                  <a:tcPr/>
+                </a:tc>
+                <a:extLst>
+                  <a:ext uri="{0D108BD9-81ED-4DB2-BD59-A6C34878D82A}">
+                    <a16:rowId xmlns:a16="http://schemas.microsoft.com/office/drawing/2014/main" val="3861277465"/>
+                  </a:ext>
+                </a:extLst>
+              </a:tr>
+              <a:tr h="520277">
+                <a:tc>
+                  <a:txBody>
+                    <a:bodyPr/>
+                    <a:lstStyle/>
+                    <a:p>
+                      <a:pPr algn="ctr"/>
+                      <a:r>
+                        <a:rPr lang="en-US" dirty="0"/>
+                        <a:t>5</a:t>
+                      </a:r>
+                    </a:p>
+                  </a:txBody>
+                  <a:tcPr/>
+                </a:tc>
+                <a:tc>
+                  <a:txBody>
+                    <a:bodyPr/>
+                    <a:lstStyle/>
+                    <a:p>
+                      <a:pPr algn="ctr"/>
+                      <a:r>
+                        <a:rPr lang="en-US" dirty="0"/>
+                        <a:t>0.87892</a:t>
+                      </a:r>
+                    </a:p>
+                  </a:txBody>
+                  <a:tcPr/>
+                </a:tc>
+                <a:tc>
+                  <a:txBody>
+                    <a:bodyPr/>
+                    <a:lstStyle/>
+                    <a:p>
+                      <a:pPr algn="ctr"/>
+                      <a:r>
+                        <a:rPr lang="en-US" dirty="0"/>
+                        <a:t>0.39681</a:t>
+                      </a:r>
+                    </a:p>
+                  </a:txBody>
+                  <a:tcPr/>
+                </a:tc>
+                <a:tc>
+                  <a:txBody>
+                    <a:bodyPr/>
+                    <a:lstStyle/>
+                    <a:p>
+                      <a:pPr algn="ctr"/>
+                      <a:r>
+                        <a:rPr lang="en-US" dirty="0"/>
+                        <a:t>0.85467</a:t>
+                      </a:r>
+                    </a:p>
+                  </a:txBody>
+                  <a:tcPr/>
+                </a:tc>
+                <a:tc>
+                  <a:txBody>
+                    <a:bodyPr/>
+                    <a:lstStyle/>
+                    <a:p>
+                      <a:pPr algn="ctr"/>
+                      <a:r>
+                        <a:rPr lang="en-US" dirty="0"/>
+                        <a:t>0.44456</a:t>
+                      </a:r>
+                    </a:p>
+                  </a:txBody>
+                  <a:tcPr/>
+                </a:tc>
+                <a:tc>
+                  <a:txBody>
+                    <a:bodyPr/>
+                    <a:lstStyle/>
+                    <a:p>
+                      <a:pPr algn="ctr"/>
+                      <a:r>
+                        <a:rPr lang="en-US" dirty="0"/>
+                        <a:t>0.99683</a:t>
+                      </a:r>
+                    </a:p>
+                  </a:txBody>
+                  <a:tcPr/>
+                </a:tc>
+                <a:tc>
+                  <a:txBody>
+                    <a:bodyPr/>
+                    <a:lstStyle/>
+                    <a:p>
+                      <a:pPr algn="ctr"/>
+                      <a:r>
+                        <a:rPr lang="en-US" dirty="0"/>
+                        <a:t>0.9296</a:t>
+                      </a:r>
+                    </a:p>
+                  </a:txBody>
+                  <a:tcPr/>
+                </a:tc>
+                <a:tc>
+                  <a:txBody>
+                    <a:bodyPr/>
+                    <a:lstStyle/>
+                    <a:p>
+                      <a:pPr algn="ctr"/>
+                      <a:r>
+                        <a:rPr lang="en-US" dirty="0"/>
+                        <a:t>0.64986</a:t>
+                      </a:r>
+                    </a:p>
+                  </a:txBody>
+                  <a:tcPr/>
+                </a:tc>
+                <a:tc>
+                  <a:txBody>
+                    <a:bodyPr/>
+                    <a:lstStyle/>
+                    <a:p>
+                      <a:pPr algn="ctr"/>
+                      <a:r>
+                        <a:rPr lang="en-US" dirty="0"/>
+                        <a:t>0.32351</a:t>
+                      </a:r>
+                    </a:p>
+                  </a:txBody>
+                  <a:tcPr/>
+                </a:tc>
+                <a:extLst>
+                  <a:ext uri="{0D108BD9-81ED-4DB2-BD59-A6C34878D82A}">
+                    <a16:rowId xmlns:a16="http://schemas.microsoft.com/office/drawing/2014/main" val="1731143259"/>
+                  </a:ext>
+                </a:extLst>
+              </a:tr>
+            </a:tbl>
+          </a:graphicData>
+        </a:graphic>
+      </p:graphicFrame>
+    </p:spTree>
+    <p:extLst>
+      <p:ext uri="{BB962C8B-B14F-4D97-AF65-F5344CB8AC3E}">
+        <p14:creationId xmlns:p14="http://schemas.microsoft.com/office/powerpoint/2010/main" val="1770740247"/>
+      </p:ext>
+    </p:extLst>
+  </p:cSld>
+  <p:clrMapOvr>
+    <a:masterClrMapping/>
+  </p:clrMapOvr>
+  <mc:AlternateContent xmlns:mc="http://schemas.openxmlformats.org/markup-compatibility/2006" xmlns:p14="http://schemas.microsoft.com/office/powerpoint/2010/main">
+    <mc:Choice Requires="p14">
+      <p:transition spd="med" p14:dur="700">
+        <p:fade/>
+      </p:transition>
+    </mc:Choice>
+    <mc:Fallback xmlns="">
+      <p:transition spd="med">
+        <p:fade/>
+      </p:transition>
+    </mc:Fallback>
+  </mc:AlternateContent>
+</p:sld>
+</file>
+
+<file path=ppt/slides/slide26.xml><?xml version="1.0" encoding="utf-8"?>
 <p:sld xmlns:a="http://schemas.openxmlformats.org/drawingml/2006/main" xmlns:r="http://schemas.openxmlformats.org/officeDocument/2006/relationships" xmlns:p="http://schemas.openxmlformats.org/presentationml/2006/main">
   <p:cSld>
     <p:bg>
@@ -28810,7 +30292,7 @@
 </p:sld>
 </file>
 
-<file path=ppt/slides/slide26.xml><?xml version="1.0" encoding="utf-8"?>
+<file path=ppt/slides/slide27.xml><?xml version="1.0" encoding="utf-8"?>
 <p:sld xmlns:a="http://schemas.openxmlformats.org/drawingml/2006/main" xmlns:r="http://schemas.openxmlformats.org/officeDocument/2006/relationships" xmlns:p="http://schemas.openxmlformats.org/presentationml/2006/main">
   <p:cSld>
     <p:spTree>
@@ -28896,7 +30378,7 @@
 </p:sld>
 </file>
 
-<file path=ppt/slides/slide27.xml><?xml version="1.0" encoding="utf-8"?>
+<file path=ppt/slides/slide28.xml><?xml version="1.0" encoding="utf-8"?>
 <p:sld xmlns:a="http://schemas.openxmlformats.org/drawingml/2006/main" xmlns:r="http://schemas.openxmlformats.org/officeDocument/2006/relationships" xmlns:p="http://schemas.openxmlformats.org/presentationml/2006/main">
   <p:cSld>
     <p:spTree>

--- a/Drug-Target Interaction Prediction.pptx
+++ b/Drug-Target Interaction Prediction.pptx
@@ -28840,7 +28840,13 @@
           <p:cNvGraphicFramePr>
             <a:graphicFrameLocks noGrp="1"/>
           </p:cNvGraphicFramePr>
-          <p:nvPr/>
+          <p:nvPr>
+            <p:extLst>
+              <p:ext uri="{D42A27DB-BD31-4B8C-83A1-F6EECF244321}">
+                <p14:modId xmlns:p14="http://schemas.microsoft.com/office/powerpoint/2010/main" val="3667081840"/>
+              </p:ext>
+            </p:extLst>
+          </p:nvPr>
         </p:nvGraphicFramePr>
         <p:xfrm>
           <a:off x="1598612" y="1600200"/>
@@ -28926,7 +28932,7 @@
                       <a:pPr algn="ctr"/>
                       <a:r>
                         <a:rPr lang="en-US" sz="2400" dirty="0"/>
-                        <a:t>Kinas</a:t>
+                        <a:t>Nuclear Receptors (NR)</a:t>
                       </a:r>
                     </a:p>
                     <a:p>
@@ -29218,7 +29224,7 @@
                       <a:pPr algn="ctr"/>
                       <a:r>
                         <a:rPr lang="en-US" dirty="0"/>
-                        <a:t>0.84159</a:t>
+                        <a:t>0.46</a:t>
                       </a:r>
                     </a:p>
                   </a:txBody>
@@ -29232,7 +29238,7 @@
                       <a:pPr algn="ctr"/>
                       <a:r>
                         <a:rPr lang="en-US" dirty="0"/>
-                        <a:t>0.51517</a:t>
+                        <a:t>0.01923</a:t>
                       </a:r>
                     </a:p>
                   </a:txBody>
@@ -29246,7 +29252,7 @@
                       <a:pPr algn="ctr"/>
                       <a:r>
                         <a:rPr lang="en-US" dirty="0"/>
-                        <a:t>0.84159</a:t>
+                        <a:t>0.46</a:t>
                       </a:r>
                     </a:p>
                   </a:txBody>
@@ -29260,7 +29266,7 @@
                       <a:pPr algn="ctr"/>
                       <a:r>
                         <a:rPr lang="en-US" dirty="0"/>
-                        <a:t>0.51517</a:t>
+                        <a:t>0.01923</a:t>
                       </a:r>
                     </a:p>
                   </a:txBody>
@@ -29272,10 +29278,7 @@
                     <a:lstStyle/>
                     <a:p>
                       <a:pPr algn="ctr"/>
-                      <a:r>
-                        <a:rPr lang="en-US" dirty="0"/>
-                        <a:t>0.9074</a:t>
-                      </a:r>
+                      <a:endParaRPr lang="en-US" dirty="0"/>
                     </a:p>
                   </a:txBody>
                   <a:tcPr/>
@@ -29286,10 +29289,7 @@
                     <a:lstStyle/>
                     <a:p>
                       <a:pPr algn="ctr"/>
-                      <a:r>
-                        <a:rPr lang="en-US" dirty="0"/>
-                        <a:t>0.84523</a:t>
-                      </a:r>
+                      <a:endParaRPr lang="en-US" dirty="0"/>
                     </a:p>
                   </a:txBody>
                   <a:tcPr/>
@@ -29300,10 +29300,7 @@
                     <a:lstStyle/>
                     <a:p>
                       <a:pPr algn="ctr"/>
-                      <a:r>
-                        <a:rPr lang="en-US" dirty="0"/>
-                        <a:t>0.5887</a:t>
-                      </a:r>
+                      <a:endParaRPr lang="en-US" dirty="0"/>
                     </a:p>
                   </a:txBody>
                   <a:tcPr/>
@@ -29314,10 +29311,7 @@
                     <a:lstStyle/>
                     <a:p>
                       <a:pPr algn="ctr"/>
-                      <a:r>
-                        <a:rPr lang="en-US" dirty="0"/>
-                        <a:t>0.37381</a:t>
-                      </a:r>
+                      <a:endParaRPr lang="en-US" dirty="0"/>
                     </a:p>
                   </a:txBody>
                   <a:tcPr/>
@@ -29359,7 +29353,7 @@
                       <a:pPr algn="ctr"/>
                       <a:r>
                         <a:rPr lang="en-US" dirty="0"/>
-                        <a:t>0.8958</a:t>
+                        <a:t>0.42</a:t>
                       </a:r>
                     </a:p>
                   </a:txBody>
@@ -29373,7 +29367,7 @@
                       <a:pPr algn="ctr"/>
                       <a:r>
                         <a:rPr lang="en-US" dirty="0"/>
-                        <a:t>0.71723</a:t>
+                        <a:t>0.01923</a:t>
                       </a:r>
                     </a:p>
                   </a:txBody>
@@ -29387,7 +29381,7 @@
                       <a:pPr algn="ctr"/>
                       <a:r>
                         <a:rPr lang="en-US" dirty="0"/>
-                        <a:t>0.89284</a:t>
+                        <a:t>0.42</a:t>
                       </a:r>
                     </a:p>
                   </a:txBody>
@@ -29401,7 +29395,7 @@
                       <a:pPr algn="ctr"/>
                       <a:r>
                         <a:rPr lang="en-US" dirty="0"/>
-                        <a:t>0.70593</a:t>
+                        <a:t>0.01923</a:t>
                       </a:r>
                     </a:p>
                   </a:txBody>
@@ -29413,10 +29407,7 @@
                     <a:lstStyle/>
                     <a:p>
                       <a:pPr algn="ctr"/>
-                      <a:r>
-                        <a:rPr lang="en-US" dirty="0"/>
-                        <a:t>0.95285</a:t>
-                      </a:r>
+                      <a:endParaRPr lang="en-US" dirty="0"/>
                     </a:p>
                   </a:txBody>
                   <a:tcPr/>
@@ -29427,10 +29418,7 @@
                     <a:lstStyle/>
                     <a:p>
                       <a:pPr algn="ctr"/>
-                      <a:r>
-                        <a:rPr lang="en-US" dirty="0"/>
-                        <a:t>0.915</a:t>
-                      </a:r>
+                      <a:endParaRPr lang="en-US" dirty="0"/>
                     </a:p>
                   </a:txBody>
                   <a:tcPr/>
@@ -29441,10 +29429,7 @@
                     <a:lstStyle/>
                     <a:p>
                       <a:pPr algn="ctr"/>
-                      <a:r>
-                        <a:rPr lang="en-US" dirty="0"/>
-                        <a:t>0.62539</a:t>
-                      </a:r>
+                      <a:endParaRPr lang="en-US" dirty="0"/>
                     </a:p>
                   </a:txBody>
                   <a:tcPr/>
@@ -29455,10 +29440,7 @@
                     <a:lstStyle/>
                     <a:p>
                       <a:pPr algn="ctr"/>
-                      <a:r>
-                        <a:rPr lang="en-US" dirty="0"/>
-                        <a:t>0.26056</a:t>
-                      </a:r>
+                      <a:endParaRPr lang="en-US" dirty="0"/>
                     </a:p>
                   </a:txBody>
                   <a:tcPr/>
@@ -29500,7 +29482,7 @@
                       <a:pPr algn="ctr"/>
                       <a:r>
                         <a:rPr lang="en-US" dirty="0"/>
-                        <a:t>0.8958</a:t>
+                        <a:t>0.4</a:t>
                       </a:r>
                     </a:p>
                   </a:txBody>
@@ -29514,7 +29496,7 @@
                       <a:pPr algn="ctr"/>
                       <a:r>
                         <a:rPr lang="en-US" dirty="0"/>
-                        <a:t>0.65672</a:t>
+                        <a:t>0.0192</a:t>
                       </a:r>
                     </a:p>
                   </a:txBody>
@@ -29528,7 +29510,7 @@
                       <a:pPr algn="ctr"/>
                       <a:r>
                         <a:rPr lang="en-US" dirty="0"/>
-                        <a:t>0.88124</a:t>
+                        <a:t>0.4</a:t>
                       </a:r>
                     </a:p>
                   </a:txBody>
@@ -29542,7 +29524,7 @@
                       <a:pPr algn="ctr"/>
                       <a:r>
                         <a:rPr lang="en-US" dirty="0"/>
-                        <a:t>0.48684</a:t>
+                        <a:t>0.01923</a:t>
                       </a:r>
                     </a:p>
                   </a:txBody>
@@ -29554,10 +29536,7 @@
                     <a:lstStyle/>
                     <a:p>
                       <a:pPr algn="ctr"/>
-                      <a:r>
-                        <a:rPr lang="en-US" dirty="0"/>
-                        <a:t>0.9955</a:t>
-                      </a:r>
+                      <a:endParaRPr lang="en-US" dirty="0"/>
                     </a:p>
                   </a:txBody>
                   <a:tcPr/>
@@ -29568,10 +29547,7 @@
                     <a:lstStyle/>
                     <a:p>
                       <a:pPr algn="ctr"/>
-                      <a:r>
-                        <a:rPr lang="en-US" dirty="0"/>
-                        <a:t>0.8909</a:t>
-                      </a:r>
+                      <a:endParaRPr lang="en-US" dirty="0"/>
                     </a:p>
                   </a:txBody>
                   <a:tcPr/>
@@ -29582,10 +29558,7 @@
                     <a:lstStyle/>
                     <a:p>
                       <a:pPr algn="ctr"/>
-                      <a:r>
-                        <a:rPr lang="en-US" dirty="0"/>
-                        <a:t>0.71145</a:t>
-                      </a:r>
+                      <a:endParaRPr lang="en-US" dirty="0"/>
                     </a:p>
                   </a:txBody>
                   <a:tcPr/>
@@ -29596,10 +29569,7 @@
                     <a:lstStyle/>
                     <a:p>
                       <a:pPr algn="ctr"/>
-                      <a:r>
-                        <a:rPr lang="en-US" dirty="0"/>
-                        <a:t>0.38557</a:t>
-                      </a:r>
+                      <a:endParaRPr lang="en-US" dirty="0"/>
                     </a:p>
                   </a:txBody>
                   <a:tcPr/>
@@ -29641,7 +29611,7 @@
                       <a:pPr algn="ctr"/>
                       <a:r>
                         <a:rPr lang="en-US" dirty="0"/>
-                        <a:t>0.89242</a:t>
+                        <a:t>0.36</a:t>
                       </a:r>
                     </a:p>
                   </a:txBody>
@@ -29655,7 +29625,7 @@
                       <a:pPr algn="ctr"/>
                       <a:r>
                         <a:rPr lang="en-US" dirty="0"/>
-                        <a:t>0.66938</a:t>
+                        <a:t>0.01923</a:t>
                       </a:r>
                     </a:p>
                   </a:txBody>
@@ -29669,7 +29639,7 @@
                       <a:pPr algn="ctr"/>
                       <a:r>
                         <a:rPr lang="en-US" dirty="0"/>
-                        <a:t>0.86606</a:t>
+                        <a:t>0.36</a:t>
                       </a:r>
                     </a:p>
                   </a:txBody>
@@ -29683,7 +29653,7 @@
                       <a:pPr algn="ctr"/>
                       <a:r>
                         <a:rPr lang="en-US" dirty="0"/>
-                        <a:t>0.47067</a:t>
+                        <a:t>0.01923</a:t>
                       </a:r>
                     </a:p>
                   </a:txBody>
@@ -29695,10 +29665,7 @@
                     <a:lstStyle/>
                     <a:p>
                       <a:pPr algn="ctr"/>
-                      <a:r>
-                        <a:rPr lang="en-US" dirty="0"/>
-                        <a:t>0.99810</a:t>
-                      </a:r>
+                      <a:endParaRPr lang="en-US" dirty="0"/>
                     </a:p>
                   </a:txBody>
                   <a:tcPr/>
@@ -29709,10 +29676,7 @@
                     <a:lstStyle/>
                     <a:p>
                       <a:pPr algn="ctr"/>
-                      <a:r>
-                        <a:rPr lang="en-US" dirty="0"/>
-                        <a:t>0.94367</a:t>
-                      </a:r>
+                      <a:endParaRPr lang="en-US" dirty="0"/>
                     </a:p>
                   </a:txBody>
                   <a:tcPr/>
@@ -29723,10 +29687,7 @@
                     <a:lstStyle/>
                     <a:p>
                       <a:pPr algn="ctr"/>
-                      <a:r>
-                        <a:rPr lang="en-US" dirty="0"/>
-                        <a:t>0.6802</a:t>
-                      </a:r>
+                      <a:endParaRPr lang="en-US" dirty="0"/>
                     </a:p>
                   </a:txBody>
                   <a:tcPr/>
@@ -29737,10 +29698,7 @@
                     <a:lstStyle/>
                     <a:p>
                       <a:pPr algn="ctr"/>
-                      <a:r>
-                        <a:rPr lang="en-US" dirty="0"/>
-                        <a:t>0.3338</a:t>
-                      </a:r>
+                      <a:endParaRPr lang="en-US" dirty="0"/>
                     </a:p>
                   </a:txBody>
                   <a:tcPr/>
@@ -29774,7 +29732,7 @@
                       <a:pPr algn="ctr"/>
                       <a:r>
                         <a:rPr lang="en-US" dirty="0"/>
-                        <a:t>0.87892</a:t>
+                        <a:t>0.36</a:t>
                       </a:r>
                     </a:p>
                   </a:txBody>
@@ -29788,7 +29746,7 @@
                       <a:pPr algn="ctr"/>
                       <a:r>
                         <a:rPr lang="en-US" dirty="0"/>
-                        <a:t>0.39681</a:t>
+                        <a:t>0.01923</a:t>
                       </a:r>
                     </a:p>
                   </a:txBody>
@@ -29802,7 +29760,7 @@
                       <a:pPr algn="ctr"/>
                       <a:r>
                         <a:rPr lang="en-US" dirty="0"/>
-                        <a:t>0.85467</a:t>
+                        <a:t>0.36</a:t>
                       </a:r>
                     </a:p>
                   </a:txBody>
@@ -29815,9 +29773,10 @@
                     <a:p>
                       <a:pPr algn="ctr"/>
                       <a:r>
-                        <a:rPr lang="en-US" dirty="0"/>
-                        <a:t>0.44456</a:t>
+                        <a:rPr lang="en-US"/>
+                        <a:t>0.01923</a:t>
                       </a:r>
+                      <a:endParaRPr lang="en-US" dirty="0"/>
                     </a:p>
                   </a:txBody>
                   <a:tcPr/>
@@ -29828,10 +29787,7 @@
                     <a:lstStyle/>
                     <a:p>
                       <a:pPr algn="ctr"/>
-                      <a:r>
-                        <a:rPr lang="en-US" dirty="0"/>
-                        <a:t>0.99683</a:t>
-                      </a:r>
+                      <a:endParaRPr lang="en-US" dirty="0"/>
                     </a:p>
                   </a:txBody>
                   <a:tcPr/>
@@ -29842,10 +29798,7 @@
                     <a:lstStyle/>
                     <a:p>
                       <a:pPr algn="ctr"/>
-                      <a:r>
-                        <a:rPr lang="en-US" dirty="0"/>
-                        <a:t>0.9296</a:t>
-                      </a:r>
+                      <a:endParaRPr lang="en-US" dirty="0"/>
                     </a:p>
                   </a:txBody>
                   <a:tcPr/>
@@ -29856,10 +29809,7 @@
                     <a:lstStyle/>
                     <a:p>
                       <a:pPr algn="ctr"/>
-                      <a:r>
-                        <a:rPr lang="en-US" dirty="0"/>
-                        <a:t>0.64986</a:t>
-                      </a:r>
+                      <a:endParaRPr lang="en-US" dirty="0"/>
                     </a:p>
                   </a:txBody>
                   <a:tcPr/>
@@ -29870,10 +29820,7 @@
                     <a:lstStyle/>
                     <a:p>
                       <a:pPr algn="ctr"/>
-                      <a:r>
-                        <a:rPr lang="en-US" dirty="0"/>
-                        <a:t>0.32351</a:t>
-                      </a:r>
+                      <a:endParaRPr lang="en-US" dirty="0"/>
                     </a:p>
                   </a:txBody>
                   <a:tcPr/>

--- a/Drug-Target Interaction Prediction.pptx
+++ b/Drug-Target Interaction Prediction.pptx
@@ -28843,7 +28843,7 @@
           <p:nvPr>
             <p:extLst>
               <p:ext uri="{D42A27DB-BD31-4B8C-83A1-F6EECF244321}">
-                <p14:modId xmlns:p14="http://schemas.microsoft.com/office/powerpoint/2010/main" val="3667081840"/>
+                <p14:modId xmlns:p14="http://schemas.microsoft.com/office/powerpoint/2010/main" val="2533840065"/>
               </p:ext>
             </p:extLst>
           </p:nvPr>
@@ -29278,7 +29278,10 @@
                     <a:lstStyle/>
                     <a:p>
                       <a:pPr algn="ctr"/>
-                      <a:endParaRPr lang="en-US" dirty="0"/>
+                      <a:r>
+                        <a:rPr lang="en-US" dirty="0"/>
+                        <a:t>0.5</a:t>
+                      </a:r>
                     </a:p>
                   </a:txBody>
                   <a:tcPr/>
@@ -29289,6 +29292,10 @@
                     <a:lstStyle/>
                     <a:p>
                       <a:pPr algn="ctr"/>
+                      <a:r>
+                        <a:rPr lang="en-US"/>
+                        <a:t>0.519</a:t>
+                      </a:r>
                       <a:endParaRPr lang="en-US" dirty="0"/>
                     </a:p>
                   </a:txBody>
@@ -29773,10 +29780,9 @@
                     <a:p>
                       <a:pPr algn="ctr"/>
                       <a:r>
-                        <a:rPr lang="en-US"/>
+                        <a:rPr lang="en-US" dirty="0"/>
                         <a:t>0.01923</a:t>
                       </a:r>
-                      <a:endParaRPr lang="en-US" dirty="0"/>
                     </a:p>
                   </a:txBody>
                   <a:tcPr/>

--- a/Drug-Target Interaction Prediction.pptx
+++ b/Drug-Target Interaction Prediction.pptx
@@ -28843,7 +28843,7 @@
           <p:nvPr>
             <p:extLst>
               <p:ext uri="{D42A27DB-BD31-4B8C-83A1-F6EECF244321}">
-                <p14:modId xmlns:p14="http://schemas.microsoft.com/office/powerpoint/2010/main" val="2533840065"/>
+                <p14:modId xmlns:p14="http://schemas.microsoft.com/office/powerpoint/2010/main" val="977580403"/>
               </p:ext>
             </p:extLst>
           </p:nvPr>
@@ -29280,7 +29280,7 @@
                       <a:pPr algn="ctr"/>
                       <a:r>
                         <a:rPr lang="en-US" dirty="0"/>
-                        <a:t>0.5</a:t>
+                        <a:t>1</a:t>
                       </a:r>
                     </a:p>
                   </a:txBody>
@@ -29293,10 +29293,9 @@
                     <a:p>
                       <a:pPr algn="ctr"/>
                       <a:r>
-                        <a:rPr lang="en-US"/>
-                        <a:t>0.519</a:t>
+                        <a:rPr lang="en-US" dirty="0"/>
+                        <a:t>1</a:t>
                       </a:r>
-                      <a:endParaRPr lang="en-US" dirty="0"/>
                     </a:p>
                   </a:txBody>
                   <a:tcPr/>
@@ -29307,7 +29306,10 @@
                     <a:lstStyle/>
                     <a:p>
                       <a:pPr algn="ctr"/>
-                      <a:endParaRPr lang="en-US" dirty="0"/>
+                      <a:r>
+                        <a:rPr lang="en-US" dirty="0"/>
+                        <a:t> 0.5</a:t>
+                      </a:r>
                     </a:p>
                   </a:txBody>
                   <a:tcPr/>
@@ -29318,7 +29320,10 @@
                     <a:lstStyle/>
                     <a:p>
                       <a:pPr algn="ctr"/>
-                      <a:endParaRPr lang="en-US" dirty="0"/>
+                      <a:r>
+                        <a:rPr lang="en-US" dirty="0"/>
+                        <a:t>0.51923</a:t>
+                      </a:r>
                     </a:p>
                   </a:txBody>
                   <a:tcPr/>
@@ -29414,7 +29419,10 @@
                     <a:lstStyle/>
                     <a:p>
                       <a:pPr algn="ctr"/>
-                      <a:endParaRPr lang="en-US" dirty="0"/>
+                      <a:r>
+                        <a:rPr lang="en-US" dirty="0"/>
+                        <a:t>1</a:t>
+                      </a:r>
                     </a:p>
                   </a:txBody>
                   <a:tcPr/>
@@ -29425,7 +29433,10 @@
                     <a:lstStyle/>
                     <a:p>
                       <a:pPr algn="ctr"/>
-                      <a:endParaRPr lang="en-US" dirty="0"/>
+                      <a:r>
+                        <a:rPr lang="en-US" dirty="0"/>
+                        <a:t>1</a:t>
+                      </a:r>
                     </a:p>
                   </a:txBody>
                   <a:tcPr/>
@@ -29436,7 +29447,10 @@
                     <a:lstStyle/>
                     <a:p>
                       <a:pPr algn="ctr"/>
-                      <a:endParaRPr lang="en-US" dirty="0"/>
+                      <a:r>
+                        <a:rPr lang="en-US" dirty="0"/>
+                        <a:t>0.5</a:t>
+                      </a:r>
                     </a:p>
                   </a:txBody>
                   <a:tcPr/>
@@ -29447,7 +29461,10 @@
                     <a:lstStyle/>
                     <a:p>
                       <a:pPr algn="ctr"/>
-                      <a:endParaRPr lang="en-US" dirty="0"/>
+                      <a:r>
+                        <a:rPr lang="en-US" dirty="0"/>
+                        <a:t>0.51923</a:t>
+                      </a:r>
                     </a:p>
                   </a:txBody>
                   <a:tcPr/>
@@ -29543,7 +29560,10 @@
                     <a:lstStyle/>
                     <a:p>
                       <a:pPr algn="ctr"/>
-                      <a:endParaRPr lang="en-US" dirty="0"/>
+                      <a:r>
+                        <a:rPr lang="en-US" dirty="0"/>
+                        <a:t>1</a:t>
+                      </a:r>
                     </a:p>
                   </a:txBody>
                   <a:tcPr/>
@@ -29554,7 +29574,10 @@
                     <a:lstStyle/>
                     <a:p>
                       <a:pPr algn="ctr"/>
-                      <a:endParaRPr lang="en-US" dirty="0"/>
+                      <a:r>
+                        <a:rPr lang="en-US" dirty="0"/>
+                        <a:t>1</a:t>
+                      </a:r>
                     </a:p>
                   </a:txBody>
                   <a:tcPr/>
@@ -29565,7 +29588,10 @@
                     <a:lstStyle/>
                     <a:p>
                       <a:pPr algn="ctr"/>
-                      <a:endParaRPr lang="en-US" dirty="0"/>
+                      <a:r>
+                        <a:rPr lang="en-US" dirty="0"/>
+                        <a:t>0.5</a:t>
+                      </a:r>
                     </a:p>
                   </a:txBody>
                   <a:tcPr/>
@@ -29575,8 +29601,27 @@
                     <a:bodyPr/>
                     <a:lstStyle/>
                     <a:p>
-                      <a:pPr algn="ctr"/>
-                      <a:endParaRPr lang="en-US" dirty="0"/>
+                      <a:pPr marL="0" marR="0" lvl="0" indent="0" algn="ctr" defTabSz="457063" rtl="0" eaLnBrk="1" fontAlgn="auto" latinLnBrk="0" hangingPunct="1">
+                        <a:lnSpc>
+                          <a:spcPct val="100000"/>
+                        </a:lnSpc>
+                        <a:spcBef>
+                          <a:spcPts val="0"/>
+                        </a:spcBef>
+                        <a:spcAft>
+                          <a:spcPts val="0"/>
+                        </a:spcAft>
+                        <a:buClrTx/>
+                        <a:buSzTx/>
+                        <a:buFontTx/>
+                        <a:buNone/>
+                        <a:tabLst/>
+                        <a:defRPr/>
+                      </a:pPr>
+                      <a:r>
+                        <a:rPr lang="en-US" dirty="0"/>
+                        <a:t>0.51923</a:t>
+                      </a:r>
                     </a:p>
                   </a:txBody>
                   <a:tcPr/>
@@ -29672,7 +29717,10 @@
                     <a:lstStyle/>
                     <a:p>
                       <a:pPr algn="ctr"/>
-                      <a:endParaRPr lang="en-US" dirty="0"/>
+                      <a:r>
+                        <a:rPr lang="en-US" dirty="0"/>
+                        <a:t>1</a:t>
+                      </a:r>
                     </a:p>
                   </a:txBody>
                   <a:tcPr/>
@@ -29683,7 +29731,10 @@
                     <a:lstStyle/>
                     <a:p>
                       <a:pPr algn="ctr"/>
-                      <a:endParaRPr lang="en-US" dirty="0"/>
+                      <a:r>
+                        <a:rPr lang="en-US" dirty="0"/>
+                        <a:t>1</a:t>
+                      </a:r>
                     </a:p>
                   </a:txBody>
                   <a:tcPr/>
@@ -29693,8 +29744,27 @@
                     <a:bodyPr/>
                     <a:lstStyle/>
                     <a:p>
-                      <a:pPr algn="ctr"/>
-                      <a:endParaRPr lang="en-US" dirty="0"/>
+                      <a:pPr marL="0" marR="0" lvl="0" indent="0" algn="ctr" defTabSz="457063" rtl="0" eaLnBrk="1" fontAlgn="auto" latinLnBrk="0" hangingPunct="1">
+                        <a:lnSpc>
+                          <a:spcPct val="100000"/>
+                        </a:lnSpc>
+                        <a:spcBef>
+                          <a:spcPts val="0"/>
+                        </a:spcBef>
+                        <a:spcAft>
+                          <a:spcPts val="0"/>
+                        </a:spcAft>
+                        <a:buClrTx/>
+                        <a:buSzTx/>
+                        <a:buFontTx/>
+                        <a:buNone/>
+                        <a:tabLst/>
+                        <a:defRPr/>
+                      </a:pPr>
+                      <a:r>
+                        <a:rPr lang="en-US" dirty="0"/>
+                        <a:t>0.5</a:t>
+                      </a:r>
                     </a:p>
                   </a:txBody>
                   <a:tcPr/>
@@ -29704,8 +29774,27 @@
                     <a:bodyPr/>
                     <a:lstStyle/>
                     <a:p>
-                      <a:pPr algn="ctr"/>
-                      <a:endParaRPr lang="en-US" dirty="0"/>
+                      <a:pPr marL="0" marR="0" lvl="0" indent="0" algn="ctr" defTabSz="457063" rtl="0" eaLnBrk="1" fontAlgn="auto" latinLnBrk="0" hangingPunct="1">
+                        <a:lnSpc>
+                          <a:spcPct val="100000"/>
+                        </a:lnSpc>
+                        <a:spcBef>
+                          <a:spcPts val="0"/>
+                        </a:spcBef>
+                        <a:spcAft>
+                          <a:spcPts val="0"/>
+                        </a:spcAft>
+                        <a:buClrTx/>
+                        <a:buSzTx/>
+                        <a:buFontTx/>
+                        <a:buNone/>
+                        <a:tabLst/>
+                        <a:defRPr/>
+                      </a:pPr>
+                      <a:r>
+                        <a:rPr lang="en-US" dirty="0"/>
+                        <a:t>0.51923</a:t>
+                      </a:r>
                     </a:p>
                   </a:txBody>
                   <a:tcPr/>
@@ -29793,7 +29882,10 @@
                     <a:lstStyle/>
                     <a:p>
                       <a:pPr algn="ctr"/>
-                      <a:endParaRPr lang="en-US" dirty="0"/>
+                      <a:r>
+                        <a:rPr lang="en-US" dirty="0"/>
+                        <a:t>1</a:t>
+                      </a:r>
                     </a:p>
                   </a:txBody>
                   <a:tcPr/>
@@ -29804,7 +29896,10 @@
                     <a:lstStyle/>
                     <a:p>
                       <a:pPr algn="ctr"/>
-                      <a:endParaRPr lang="en-US" dirty="0"/>
+                      <a:r>
+                        <a:rPr lang="en-US" dirty="0"/>
+                        <a:t>1</a:t>
+                      </a:r>
                     </a:p>
                   </a:txBody>
                   <a:tcPr/>
@@ -29814,8 +29909,27 @@
                     <a:bodyPr/>
                     <a:lstStyle/>
                     <a:p>
-                      <a:pPr algn="ctr"/>
-                      <a:endParaRPr lang="en-US" dirty="0"/>
+                      <a:pPr marL="0" marR="0" lvl="0" indent="0" algn="ctr" defTabSz="457063" rtl="0" eaLnBrk="1" fontAlgn="auto" latinLnBrk="0" hangingPunct="1">
+                        <a:lnSpc>
+                          <a:spcPct val="100000"/>
+                        </a:lnSpc>
+                        <a:spcBef>
+                          <a:spcPts val="0"/>
+                        </a:spcBef>
+                        <a:spcAft>
+                          <a:spcPts val="0"/>
+                        </a:spcAft>
+                        <a:buClrTx/>
+                        <a:buSzTx/>
+                        <a:buFontTx/>
+                        <a:buNone/>
+                        <a:tabLst/>
+                        <a:defRPr/>
+                      </a:pPr>
+                      <a:r>
+                        <a:rPr lang="en-US" dirty="0"/>
+                        <a:t>0.5</a:t>
+                      </a:r>
                     </a:p>
                   </a:txBody>
                   <a:tcPr/>
@@ -29825,8 +29939,27 @@
                     <a:bodyPr/>
                     <a:lstStyle/>
                     <a:p>
-                      <a:pPr algn="ctr"/>
-                      <a:endParaRPr lang="en-US" dirty="0"/>
+                      <a:pPr marL="0" marR="0" lvl="0" indent="0" algn="ctr" defTabSz="457063" rtl="0" eaLnBrk="1" fontAlgn="auto" latinLnBrk="0" hangingPunct="1">
+                        <a:lnSpc>
+                          <a:spcPct val="100000"/>
+                        </a:lnSpc>
+                        <a:spcBef>
+                          <a:spcPts val="0"/>
+                        </a:spcBef>
+                        <a:spcAft>
+                          <a:spcPts val="0"/>
+                        </a:spcAft>
+                        <a:buClrTx/>
+                        <a:buSzTx/>
+                        <a:buFontTx/>
+                        <a:buNone/>
+                        <a:tabLst/>
+                        <a:defRPr/>
+                      </a:pPr>
+                      <a:r>
+                        <a:rPr lang="en-US" dirty="0"/>
+                        <a:t>0.51923</a:t>
+                      </a:r>
                     </a:p>
                   </a:txBody>
                   <a:tcPr/>

--- a/Drug-Target Interaction Prediction.pptx
+++ b/Drug-Target Interaction Prediction.pptx
@@ -5,10 +5,10 @@
     <p:sldMasterId id="2147483887" r:id="rId4"/>
   </p:sldMasterIdLst>
   <p:notesMasterIdLst>
-    <p:notesMasterId r:id="rId33"/>
+    <p:notesMasterId r:id="rId34"/>
   </p:notesMasterIdLst>
   <p:handoutMasterIdLst>
-    <p:handoutMasterId r:id="rId34"/>
+    <p:handoutMasterId r:id="rId35"/>
   </p:handoutMasterIdLst>
   <p:sldIdLst>
     <p:sldId id="264" r:id="rId5"/>
@@ -36,9 +36,10 @@
     <p:sldId id="316" r:id="rId27"/>
     <p:sldId id="317" r:id="rId28"/>
     <p:sldId id="318" r:id="rId29"/>
-    <p:sldId id="294" r:id="rId30"/>
-    <p:sldId id="289" r:id="rId31"/>
-    <p:sldId id="292" r:id="rId32"/>
+    <p:sldId id="319" r:id="rId30"/>
+    <p:sldId id="294" r:id="rId31"/>
+    <p:sldId id="289" r:id="rId32"/>
+    <p:sldId id="292" r:id="rId33"/>
   </p:sldIdLst>
   <p:sldSz cx="12188825" cy="6858000"/>
   <p:notesSz cx="6858000" cy="9144000"/>
@@ -30002,6 +30003,1484 @@
 <file path=ppt/slides/slide26.xml><?xml version="1.0" encoding="utf-8"?>
 <p:sld xmlns:a="http://schemas.openxmlformats.org/drawingml/2006/main" xmlns:r="http://schemas.openxmlformats.org/officeDocument/2006/relationships" xmlns:p="http://schemas.openxmlformats.org/presentationml/2006/main">
   <p:cSld>
+    <p:spTree>
+      <p:nvGrpSpPr>
+        <p:cNvPr id="1" name=""/>
+        <p:cNvGrpSpPr/>
+        <p:nvPr/>
+      </p:nvGrpSpPr>
+      <p:grpSpPr>
+        <a:xfrm>
+          <a:off x="0" y="0"/>
+          <a:ext cx="0" cy="0"/>
+          <a:chOff x="0" y="0"/>
+          <a:chExt cx="0" cy="0"/>
+        </a:xfrm>
+      </p:grpSpPr>
+      <p:sp>
+        <p:nvSpPr>
+          <p:cNvPr id="2" name="Title 1"/>
+          <p:cNvSpPr>
+            <a:spLocks noGrp="1"/>
+          </p:cNvSpPr>
+          <p:nvPr>
+            <p:ph type="title"/>
+          </p:nvPr>
+        </p:nvSpPr>
+        <p:spPr/>
+        <p:txBody>
+          <a:bodyPr anchor="t">
+            <a:normAutofit/>
+          </a:bodyPr>
+          <a:lstStyle/>
+          <a:p>
+            <a:r>
+              <a:rPr lang="en-US" sz="3600" dirty="0">
+                <a:latin typeface="Calibri" panose="020F0502020204030204" pitchFamily="34" charset="0"/>
+                <a:cs typeface="Calibri" panose="020F0502020204030204" pitchFamily="34" charset="0"/>
+              </a:rPr>
+              <a:t>Experiment Results (Cont.) </a:t>
+            </a:r>
+            <a:endParaRPr lang="en-US" dirty="0">
+              <a:latin typeface="Calibri" panose="020F0502020204030204" pitchFamily="34" charset="0"/>
+              <a:cs typeface="Calibri" panose="020F0502020204030204" pitchFamily="34" charset="0"/>
+            </a:endParaRPr>
+          </a:p>
+        </p:txBody>
+      </p:sp>
+      <p:sp>
+        <p:nvSpPr>
+          <p:cNvPr id="9" name="Content Placeholder 8">
+            <a:extLst>
+              <a:ext uri="{FF2B5EF4-FFF2-40B4-BE49-F238E27FC236}">
+                <a16:creationId xmlns:a16="http://schemas.microsoft.com/office/drawing/2014/main" id="{BFD27979-805A-4B4B-946D-AB44BEAC7A32}"/>
+              </a:ext>
+            </a:extLst>
+          </p:cNvPr>
+          <p:cNvSpPr>
+            <a:spLocks noGrp="1"/>
+          </p:cNvSpPr>
+          <p:nvPr>
+            <p:ph idx="1"/>
+          </p:nvPr>
+        </p:nvSpPr>
+        <p:spPr>
+          <a:xfrm>
+            <a:off x="760413" y="1600200"/>
+            <a:ext cx="6553199" cy="4724400"/>
+          </a:xfrm>
+        </p:spPr>
+        <p:txBody>
+          <a:bodyPr>
+            <a:normAutofit/>
+          </a:bodyPr>
+          <a:lstStyle/>
+          <a:p>
+            <a:pPr marL="0" indent="0">
+              <a:buNone/>
+            </a:pPr>
+            <a:r>
+              <a:rPr lang="en-US" b="1" dirty="0">
+                <a:solidFill>
+                  <a:schemeClr val="tx1"/>
+                </a:solidFill>
+                <a:latin typeface="Calibri" panose="020F0502020204030204" pitchFamily="34" charset="0"/>
+                <a:cs typeface="Calibri" panose="020F0502020204030204" pitchFamily="34" charset="0"/>
+              </a:rPr>
+              <a:t>               </a:t>
+            </a:r>
+          </a:p>
+          <a:p>
+            <a:pPr marL="0" indent="0">
+              <a:buNone/>
+            </a:pPr>
+            <a:endParaRPr lang="en-US" dirty="0">
+              <a:solidFill>
+                <a:schemeClr val="tx1"/>
+              </a:solidFill>
+              <a:latin typeface="Calibri" panose="020F0502020204030204" pitchFamily="34" charset="0"/>
+              <a:cs typeface="Calibri" panose="020F0502020204030204" pitchFamily="34" charset="0"/>
+            </a:endParaRPr>
+          </a:p>
+        </p:txBody>
+      </p:sp>
+      <p:sp>
+        <p:nvSpPr>
+          <p:cNvPr id="6" name="Content Placeholder 2">
+            <a:extLst>
+              <a:ext uri="{FF2B5EF4-FFF2-40B4-BE49-F238E27FC236}">
+                <a16:creationId xmlns:a16="http://schemas.microsoft.com/office/drawing/2014/main" id="{109EE1EC-0CF3-44EA-8406-9B48EE9C5C3D}"/>
+              </a:ext>
+            </a:extLst>
+          </p:cNvPr>
+          <p:cNvSpPr txBox="1">
+            <a:spLocks/>
+          </p:cNvSpPr>
+          <p:nvPr/>
+        </p:nvSpPr>
+        <p:spPr>
+          <a:xfrm>
+            <a:off x="677158" y="1676400"/>
+            <a:ext cx="9227254" cy="4343400"/>
+          </a:xfrm>
+          <a:prstGeom prst="rect">
+            <a:avLst/>
+          </a:prstGeom>
+        </p:spPr>
+        <p:txBody>
+          <a:bodyPr vert="horz" lIns="91440" tIns="45720" rIns="91440" bIns="45720" rtlCol="0">
+            <a:normAutofit/>
+          </a:bodyPr>
+          <a:lstStyle>
+            <a:lvl1pPr marL="342797" indent="-342797" algn="l" defTabSz="457063" rtl="0" eaLnBrk="1" latinLnBrk="0" hangingPunct="1">
+              <a:spcBef>
+                <a:spcPts val="1000"/>
+              </a:spcBef>
+              <a:spcAft>
+                <a:spcPts val="0"/>
+              </a:spcAft>
+              <a:buClr>
+                <a:schemeClr val="accent1"/>
+              </a:buClr>
+              <a:buSzPct val="80000"/>
+              <a:buFont typeface="Wingdings 3" charset="2"/>
+              <a:buChar char=""/>
+              <a:defRPr sz="1799" kern="1200">
+                <a:solidFill>
+                  <a:schemeClr val="tx1">
+                    <a:lumMod val="75000"/>
+                    <a:lumOff val="25000"/>
+                  </a:schemeClr>
+                </a:solidFill>
+                <a:latin typeface="+mn-lt"/>
+                <a:ea typeface="+mn-ea"/>
+                <a:cs typeface="+mn-cs"/>
+              </a:defRPr>
+            </a:lvl1pPr>
+            <a:lvl2pPr marL="742727" indent="-285664" algn="l" defTabSz="457063" rtl="0" eaLnBrk="1" latinLnBrk="0" hangingPunct="1">
+              <a:spcBef>
+                <a:spcPts val="1000"/>
+              </a:spcBef>
+              <a:spcAft>
+                <a:spcPts val="0"/>
+              </a:spcAft>
+              <a:buClr>
+                <a:schemeClr val="accent1"/>
+              </a:buClr>
+              <a:buSzPct val="80000"/>
+              <a:buFont typeface="Wingdings 3" charset="2"/>
+              <a:buChar char=""/>
+              <a:defRPr sz="1600" kern="1200">
+                <a:solidFill>
+                  <a:schemeClr val="tx1">
+                    <a:lumMod val="75000"/>
+                    <a:lumOff val="25000"/>
+                  </a:schemeClr>
+                </a:solidFill>
+                <a:latin typeface="+mn-lt"/>
+                <a:ea typeface="+mn-ea"/>
+                <a:cs typeface="+mn-cs"/>
+              </a:defRPr>
+            </a:lvl2pPr>
+            <a:lvl3pPr marL="1142657" indent="-228531" algn="l" defTabSz="457063" rtl="0" eaLnBrk="1" latinLnBrk="0" hangingPunct="1">
+              <a:spcBef>
+                <a:spcPts val="1000"/>
+              </a:spcBef>
+              <a:spcAft>
+                <a:spcPts val="0"/>
+              </a:spcAft>
+              <a:buClr>
+                <a:schemeClr val="accent1"/>
+              </a:buClr>
+              <a:buSzPct val="80000"/>
+              <a:buFont typeface="Wingdings 3" charset="2"/>
+              <a:buChar char=""/>
+              <a:defRPr sz="1400" kern="1200">
+                <a:solidFill>
+                  <a:schemeClr val="tx1">
+                    <a:lumMod val="75000"/>
+                    <a:lumOff val="25000"/>
+                  </a:schemeClr>
+                </a:solidFill>
+                <a:latin typeface="+mn-lt"/>
+                <a:ea typeface="+mn-ea"/>
+                <a:cs typeface="+mn-cs"/>
+              </a:defRPr>
+            </a:lvl3pPr>
+            <a:lvl4pPr marL="1599720" indent="-228531" algn="l" defTabSz="457063" rtl="0" eaLnBrk="1" latinLnBrk="0" hangingPunct="1">
+              <a:spcBef>
+                <a:spcPts val="1000"/>
+              </a:spcBef>
+              <a:spcAft>
+                <a:spcPts val="0"/>
+              </a:spcAft>
+              <a:buClr>
+                <a:schemeClr val="accent1"/>
+              </a:buClr>
+              <a:buSzPct val="80000"/>
+              <a:buFont typeface="Wingdings 3" charset="2"/>
+              <a:buChar char=""/>
+              <a:defRPr sz="1200" kern="1200">
+                <a:solidFill>
+                  <a:schemeClr val="tx1">
+                    <a:lumMod val="75000"/>
+                    <a:lumOff val="25000"/>
+                  </a:schemeClr>
+                </a:solidFill>
+                <a:latin typeface="+mn-lt"/>
+                <a:ea typeface="+mn-ea"/>
+                <a:cs typeface="+mn-cs"/>
+              </a:defRPr>
+            </a:lvl4pPr>
+            <a:lvl5pPr marL="2056783" indent="-228531" algn="l" defTabSz="457063" rtl="0" eaLnBrk="1" latinLnBrk="0" hangingPunct="1">
+              <a:spcBef>
+                <a:spcPts val="1000"/>
+              </a:spcBef>
+              <a:spcAft>
+                <a:spcPts val="0"/>
+              </a:spcAft>
+              <a:buClr>
+                <a:schemeClr val="accent1"/>
+              </a:buClr>
+              <a:buSzPct val="80000"/>
+              <a:buFont typeface="Wingdings 3" charset="2"/>
+              <a:buChar char=""/>
+              <a:defRPr sz="1200" kern="1200">
+                <a:solidFill>
+                  <a:schemeClr val="tx1">
+                    <a:lumMod val="75000"/>
+                    <a:lumOff val="25000"/>
+                  </a:schemeClr>
+                </a:solidFill>
+                <a:latin typeface="+mn-lt"/>
+                <a:ea typeface="+mn-ea"/>
+                <a:cs typeface="+mn-cs"/>
+              </a:defRPr>
+            </a:lvl5pPr>
+            <a:lvl6pPr marL="2513846" indent="-228531" algn="l" defTabSz="457063" rtl="0" eaLnBrk="1" latinLnBrk="0" hangingPunct="1">
+              <a:spcBef>
+                <a:spcPts val="1000"/>
+              </a:spcBef>
+              <a:spcAft>
+                <a:spcPts val="0"/>
+              </a:spcAft>
+              <a:buClr>
+                <a:schemeClr val="accent1"/>
+              </a:buClr>
+              <a:buSzPct val="80000"/>
+              <a:buFont typeface="Wingdings 3" charset="2"/>
+              <a:buChar char=""/>
+              <a:defRPr sz="1200" kern="1200">
+                <a:solidFill>
+                  <a:schemeClr val="tx1">
+                    <a:lumMod val="75000"/>
+                    <a:lumOff val="25000"/>
+                  </a:schemeClr>
+                </a:solidFill>
+                <a:latin typeface="+mn-lt"/>
+                <a:ea typeface="+mn-ea"/>
+                <a:cs typeface="+mn-cs"/>
+              </a:defRPr>
+            </a:lvl6pPr>
+            <a:lvl7pPr marL="2970908" indent="-228531" algn="l" defTabSz="457063" rtl="0" eaLnBrk="1" latinLnBrk="0" hangingPunct="1">
+              <a:spcBef>
+                <a:spcPts val="1000"/>
+              </a:spcBef>
+              <a:spcAft>
+                <a:spcPts val="0"/>
+              </a:spcAft>
+              <a:buClr>
+                <a:schemeClr val="accent1"/>
+              </a:buClr>
+              <a:buSzPct val="80000"/>
+              <a:buFont typeface="Wingdings 3" charset="2"/>
+              <a:buChar char=""/>
+              <a:defRPr sz="1200" kern="1200">
+                <a:solidFill>
+                  <a:schemeClr val="tx1">
+                    <a:lumMod val="75000"/>
+                    <a:lumOff val="25000"/>
+                  </a:schemeClr>
+                </a:solidFill>
+                <a:latin typeface="+mn-lt"/>
+                <a:ea typeface="+mn-ea"/>
+                <a:cs typeface="+mn-cs"/>
+              </a:defRPr>
+            </a:lvl7pPr>
+            <a:lvl8pPr marL="3427971" indent="-228531" algn="l" defTabSz="457063" rtl="0" eaLnBrk="1" latinLnBrk="0" hangingPunct="1">
+              <a:spcBef>
+                <a:spcPts val="1000"/>
+              </a:spcBef>
+              <a:spcAft>
+                <a:spcPts val="0"/>
+              </a:spcAft>
+              <a:buClr>
+                <a:schemeClr val="accent1"/>
+              </a:buClr>
+              <a:buSzPct val="80000"/>
+              <a:buFont typeface="Wingdings 3" charset="2"/>
+              <a:buChar char=""/>
+              <a:defRPr sz="1200" kern="1200">
+                <a:solidFill>
+                  <a:schemeClr val="tx1">
+                    <a:lumMod val="75000"/>
+                    <a:lumOff val="25000"/>
+                  </a:schemeClr>
+                </a:solidFill>
+                <a:latin typeface="+mn-lt"/>
+                <a:ea typeface="+mn-ea"/>
+                <a:cs typeface="+mn-cs"/>
+              </a:defRPr>
+            </a:lvl8pPr>
+            <a:lvl9pPr marL="3885034" indent="-228531" algn="l" defTabSz="457063" rtl="0" eaLnBrk="1" latinLnBrk="0" hangingPunct="1">
+              <a:spcBef>
+                <a:spcPts val="1000"/>
+              </a:spcBef>
+              <a:spcAft>
+                <a:spcPts val="0"/>
+              </a:spcAft>
+              <a:buClr>
+                <a:schemeClr val="accent1"/>
+              </a:buClr>
+              <a:buSzPct val="80000"/>
+              <a:buFont typeface="Wingdings 3" charset="2"/>
+              <a:buChar char=""/>
+              <a:defRPr sz="1200" kern="1200">
+                <a:solidFill>
+                  <a:schemeClr val="tx1">
+                    <a:lumMod val="75000"/>
+                    <a:lumOff val="25000"/>
+                  </a:schemeClr>
+                </a:solidFill>
+                <a:latin typeface="+mn-lt"/>
+                <a:ea typeface="+mn-ea"/>
+                <a:cs typeface="+mn-cs"/>
+              </a:defRPr>
+            </a:lvl9pPr>
+          </a:lstStyle>
+          <a:p>
+            <a:pPr marL="457063" lvl="1" indent="0">
+              <a:buFont typeface="Wingdings 3" charset="2"/>
+              <a:buNone/>
+            </a:pPr>
+            <a:endParaRPr lang="en-US" dirty="0"/>
+          </a:p>
+        </p:txBody>
+      </p:sp>
+      <p:graphicFrame>
+        <p:nvGraphicFramePr>
+          <p:cNvPr id="5" name="Table 4">
+            <a:extLst>
+              <a:ext uri="{FF2B5EF4-FFF2-40B4-BE49-F238E27FC236}">
+                <a16:creationId xmlns:a16="http://schemas.microsoft.com/office/drawing/2014/main" id="{C98F83E0-B955-42B2-B093-FA3A3627C0AC}"/>
+              </a:ext>
+            </a:extLst>
+          </p:cNvPr>
+          <p:cNvGraphicFramePr>
+            <a:graphicFrameLocks noGrp="1"/>
+          </p:cNvGraphicFramePr>
+          <p:nvPr>
+            <p:extLst>
+              <p:ext uri="{D42A27DB-BD31-4B8C-83A1-F6EECF244321}">
+                <p14:modId xmlns:p14="http://schemas.microsoft.com/office/powerpoint/2010/main" val="1566306023"/>
+              </p:ext>
+            </p:extLst>
+          </p:nvPr>
+        </p:nvGraphicFramePr>
+        <p:xfrm>
+          <a:off x="1598612" y="1600200"/>
+          <a:ext cx="9372600" cy="4338364"/>
+        </p:xfrm>
+        <a:graphic>
+          <a:graphicData uri="http://schemas.openxmlformats.org/drawingml/2006/table">
+            <a:tbl>
+              <a:tblPr firstRow="1" bandRow="1">
+                <a:tableStyleId>{E8B1032C-EA38-4F05-BA0D-38AFFFC7BED3}</a:tableStyleId>
+              </a:tblPr>
+              <a:tblGrid>
+                <a:gridCol w="552065">
+                  <a:extLst>
+                    <a:ext uri="{9D8B030D-6E8A-4147-A177-3AD203B41FA5}">
+                      <a16:colId xmlns:a16="http://schemas.microsoft.com/office/drawing/2014/main" val="2975467101"/>
+                    </a:ext>
+                  </a:extLst>
+                </a:gridCol>
+                <a:gridCol w="1019368">
+                  <a:extLst>
+                    <a:ext uri="{9D8B030D-6E8A-4147-A177-3AD203B41FA5}">
+                      <a16:colId xmlns:a16="http://schemas.microsoft.com/office/drawing/2014/main" val="1256914312"/>
+                    </a:ext>
+                  </a:extLst>
+                </a:gridCol>
+                <a:gridCol w="1019368">
+                  <a:extLst>
+                    <a:ext uri="{9D8B030D-6E8A-4147-A177-3AD203B41FA5}">
+                      <a16:colId xmlns:a16="http://schemas.microsoft.com/office/drawing/2014/main" val="333415022"/>
+                    </a:ext>
+                  </a:extLst>
+                </a:gridCol>
+                <a:gridCol w="1066800">
+                  <a:extLst>
+                    <a:ext uri="{9D8B030D-6E8A-4147-A177-3AD203B41FA5}">
+                      <a16:colId xmlns:a16="http://schemas.microsoft.com/office/drawing/2014/main" val="2642142898"/>
+                    </a:ext>
+                  </a:extLst>
+                </a:gridCol>
+                <a:gridCol w="1066800">
+                  <a:extLst>
+                    <a:ext uri="{9D8B030D-6E8A-4147-A177-3AD203B41FA5}">
+                      <a16:colId xmlns:a16="http://schemas.microsoft.com/office/drawing/2014/main" val="1311354813"/>
+                    </a:ext>
+                  </a:extLst>
+                </a:gridCol>
+                <a:gridCol w="1066799">
+                  <a:extLst>
+                    <a:ext uri="{9D8B030D-6E8A-4147-A177-3AD203B41FA5}">
+                      <a16:colId xmlns:a16="http://schemas.microsoft.com/office/drawing/2014/main" val="267025949"/>
+                    </a:ext>
+                  </a:extLst>
+                </a:gridCol>
+                <a:gridCol w="1143000">
+                  <a:extLst>
+                    <a:ext uri="{9D8B030D-6E8A-4147-A177-3AD203B41FA5}">
+                      <a16:colId xmlns:a16="http://schemas.microsoft.com/office/drawing/2014/main" val="531061255"/>
+                    </a:ext>
+                  </a:extLst>
+                </a:gridCol>
+                <a:gridCol w="1143000">
+                  <a:extLst>
+                    <a:ext uri="{9D8B030D-6E8A-4147-A177-3AD203B41FA5}">
+                      <a16:colId xmlns:a16="http://schemas.microsoft.com/office/drawing/2014/main" val="819021370"/>
+                    </a:ext>
+                  </a:extLst>
+                </a:gridCol>
+                <a:gridCol w="1295400">
+                  <a:extLst>
+                    <a:ext uri="{9D8B030D-6E8A-4147-A177-3AD203B41FA5}">
+                      <a16:colId xmlns:a16="http://schemas.microsoft.com/office/drawing/2014/main" val="1891545078"/>
+                    </a:ext>
+                  </a:extLst>
+                </a:gridCol>
+              </a:tblGrid>
+              <a:tr h="520277">
+                <a:tc gridSpan="9">
+                  <a:txBody>
+                    <a:bodyPr/>
+                    <a:lstStyle/>
+                    <a:p>
+                      <a:pPr algn="ctr"/>
+                      <a:r>
+                        <a:rPr lang="en-US" sz="2400" dirty="0"/>
+                        <a:t>G-protein coupled receptors (GPCR)</a:t>
+                      </a:r>
+                    </a:p>
+                    <a:p>
+                      <a:pPr algn="ctr"/>
+                      <a:endParaRPr lang="en-US" sz="2400" dirty="0"/>
+                    </a:p>
+                  </a:txBody>
+                  <a:tcPr/>
+                </a:tc>
+                <a:tc hMerge="1">
+                  <a:txBody>
+                    <a:bodyPr/>
+                    <a:lstStyle/>
+                    <a:p>
+                      <a:pPr algn="ctr"/>
+                      <a:endParaRPr lang="en-US" dirty="0"/>
+                    </a:p>
+                  </a:txBody>
+                  <a:tcPr/>
+                </a:tc>
+                <a:tc hMerge="1">
+                  <a:txBody>
+                    <a:bodyPr/>
+                    <a:lstStyle/>
+                    <a:p>
+                      <a:endParaRPr lang="en-US"/>
+                    </a:p>
+                  </a:txBody>
+                  <a:tcPr/>
+                </a:tc>
+                <a:tc hMerge="1">
+                  <a:txBody>
+                    <a:bodyPr/>
+                    <a:lstStyle/>
+                    <a:p>
+                      <a:pPr algn="ctr"/>
+                      <a:endParaRPr lang="en-US" dirty="0"/>
+                    </a:p>
+                  </a:txBody>
+                  <a:tcPr/>
+                </a:tc>
+                <a:tc hMerge="1">
+                  <a:txBody>
+                    <a:bodyPr/>
+                    <a:lstStyle/>
+                    <a:p>
+                      <a:endParaRPr lang="en-US"/>
+                    </a:p>
+                  </a:txBody>
+                  <a:tcPr/>
+                </a:tc>
+                <a:tc hMerge="1">
+                  <a:txBody>
+                    <a:bodyPr/>
+                    <a:lstStyle/>
+                    <a:p>
+                      <a:pPr algn="ctr"/>
+                      <a:endParaRPr lang="en-US" dirty="0"/>
+                    </a:p>
+                  </a:txBody>
+                  <a:tcPr/>
+                </a:tc>
+                <a:tc hMerge="1">
+                  <a:txBody>
+                    <a:bodyPr/>
+                    <a:lstStyle/>
+                    <a:p>
+                      <a:endParaRPr lang="en-US"/>
+                    </a:p>
+                  </a:txBody>
+                  <a:tcPr/>
+                </a:tc>
+                <a:tc hMerge="1">
+                  <a:txBody>
+                    <a:bodyPr/>
+                    <a:lstStyle/>
+                    <a:p>
+                      <a:pPr algn="ctr"/>
+                      <a:endParaRPr lang="en-US" sz="2400" dirty="0"/>
+                    </a:p>
+                  </a:txBody>
+                  <a:tcPr/>
+                </a:tc>
+                <a:tc hMerge="1">
+                  <a:txBody>
+                    <a:bodyPr/>
+                    <a:lstStyle/>
+                    <a:p>
+                      <a:endParaRPr lang="en-US"/>
+                    </a:p>
+                  </a:txBody>
+                  <a:tcPr/>
+                </a:tc>
+                <a:extLst>
+                  <a:ext uri="{0D108BD9-81ED-4DB2-BD59-A6C34878D82A}">
+                    <a16:rowId xmlns:a16="http://schemas.microsoft.com/office/drawing/2014/main" val="1409194240"/>
+                  </a:ext>
+                </a:extLst>
+              </a:tr>
+              <a:tr h="520277">
+                <a:tc>
+                  <a:txBody>
+                    <a:bodyPr/>
+                    <a:lstStyle/>
+                    <a:p>
+                      <a:pPr algn="ctr"/>
+                      <a:r>
+                        <a:rPr lang="en-US" sz="1799" b="0" i="0" u="none" strike="noStrike" kern="1200" baseline="0" dirty="0">
+                          <a:solidFill>
+                            <a:schemeClr val="tx1"/>
+                          </a:solidFill>
+                          <a:latin typeface="+mn-lt"/>
+                          <a:ea typeface="+mn-ea"/>
+                          <a:cs typeface="+mn-cs"/>
+                        </a:rPr>
+                        <a:t>K</a:t>
+                      </a:r>
+                      <a:endParaRPr lang="en-US" dirty="0"/>
+                    </a:p>
+                  </a:txBody>
+                  <a:tcPr/>
+                </a:tc>
+                <a:tc gridSpan="2">
+                  <a:txBody>
+                    <a:bodyPr/>
+                    <a:lstStyle/>
+                    <a:p>
+                      <a:pPr algn="ctr"/>
+                      <a:r>
+                        <a:rPr lang="en-US" sz="1799" b="0" i="0" u="none" strike="noStrike" kern="1200" baseline="0" dirty="0">
+                          <a:solidFill>
+                            <a:schemeClr val="tx1"/>
+                          </a:solidFill>
+                          <a:latin typeface="+mn-lt"/>
+                          <a:ea typeface="+mn-ea"/>
+                          <a:cs typeface="+mn-cs"/>
+                        </a:rPr>
+                        <a:t>Simple WP</a:t>
+                      </a:r>
+                      <a:endParaRPr lang="en-US" dirty="0"/>
+                    </a:p>
+                  </a:txBody>
+                  <a:tcPr/>
+                </a:tc>
+                <a:tc hMerge="1">
+                  <a:txBody>
+                    <a:bodyPr/>
+                    <a:lstStyle/>
+                    <a:p>
+                      <a:endParaRPr lang="en-US"/>
+                    </a:p>
+                  </a:txBody>
+                  <a:tcPr/>
+                </a:tc>
+                <a:tc gridSpan="2">
+                  <a:txBody>
+                    <a:bodyPr/>
+                    <a:lstStyle/>
+                    <a:p>
+                      <a:pPr algn="ctr"/>
+                      <a:r>
+                        <a:rPr lang="en-US" dirty="0"/>
+                        <a:t>Hubness – aware</a:t>
+                      </a:r>
+                    </a:p>
+                  </a:txBody>
+                  <a:tcPr/>
+                </a:tc>
+                <a:tc hMerge="1">
+                  <a:txBody>
+                    <a:bodyPr/>
+                    <a:lstStyle/>
+                    <a:p>
+                      <a:endParaRPr lang="en-US"/>
+                    </a:p>
+                  </a:txBody>
+                  <a:tcPr/>
+                </a:tc>
+                <a:tc gridSpan="2">
+                  <a:txBody>
+                    <a:bodyPr/>
+                    <a:lstStyle/>
+                    <a:p>
+                      <a:pPr algn="ctr"/>
+                      <a:r>
+                        <a:rPr lang="en-US" sz="1799" b="0" i="0" u="none" strike="noStrike" kern="1200" baseline="0" dirty="0">
+                          <a:solidFill>
+                            <a:schemeClr val="tx1"/>
+                          </a:solidFill>
+                          <a:latin typeface="+mn-lt"/>
+                          <a:ea typeface="+mn-ea"/>
+                          <a:cs typeface="+mn-cs"/>
+                        </a:rPr>
+                        <a:t>Using Jaccard Similarity </a:t>
+                      </a:r>
+                      <a:endParaRPr lang="en-US" dirty="0"/>
+                    </a:p>
+                  </a:txBody>
+                  <a:tcPr/>
+                </a:tc>
+                <a:tc hMerge="1">
+                  <a:txBody>
+                    <a:bodyPr/>
+                    <a:lstStyle/>
+                    <a:p>
+                      <a:endParaRPr lang="en-US"/>
+                    </a:p>
+                  </a:txBody>
+                  <a:tcPr/>
+                </a:tc>
+                <a:tc gridSpan="2">
+                  <a:txBody>
+                    <a:bodyPr/>
+                    <a:lstStyle/>
+                    <a:p>
+                      <a:pPr marL="0" marR="0" lvl="0" indent="0" algn="ctr" defTabSz="457063" rtl="0" eaLnBrk="1" fontAlgn="auto" latinLnBrk="0" hangingPunct="1">
+                        <a:lnSpc>
+                          <a:spcPct val="100000"/>
+                        </a:lnSpc>
+                        <a:spcBef>
+                          <a:spcPts val="0"/>
+                        </a:spcBef>
+                        <a:spcAft>
+                          <a:spcPts val="0"/>
+                        </a:spcAft>
+                        <a:buClrTx/>
+                        <a:buSzTx/>
+                        <a:buFontTx/>
+                        <a:buNone/>
+                        <a:tabLst/>
+                        <a:defRPr/>
+                      </a:pPr>
+                      <a:r>
+                        <a:rPr lang="en-US" sz="1799" b="0" i="0" u="none" strike="noStrike" kern="1200" baseline="0" dirty="0">
+                          <a:solidFill>
+                            <a:schemeClr val="tx1"/>
+                          </a:solidFill>
+                          <a:latin typeface="+mn-lt"/>
+                          <a:ea typeface="+mn-ea"/>
+                          <a:cs typeface="+mn-cs"/>
+                        </a:rPr>
+                        <a:t>Jaccard Similarity/ recalculating </a:t>
+                      </a:r>
+                      <a:endParaRPr lang="en-US" dirty="0"/>
+                    </a:p>
+                    <a:p>
+                      <a:pPr algn="ctr"/>
+                      <a:endParaRPr lang="en-US" dirty="0"/>
+                    </a:p>
+                  </a:txBody>
+                  <a:tcPr/>
+                </a:tc>
+                <a:tc hMerge="1">
+                  <a:txBody>
+                    <a:bodyPr/>
+                    <a:lstStyle/>
+                    <a:p>
+                      <a:endParaRPr lang="en-US"/>
+                    </a:p>
+                  </a:txBody>
+                  <a:tcPr/>
+                </a:tc>
+                <a:extLst>
+                  <a:ext uri="{0D108BD9-81ED-4DB2-BD59-A6C34878D82A}">
+                    <a16:rowId xmlns:a16="http://schemas.microsoft.com/office/drawing/2014/main" val="1732074981"/>
+                  </a:ext>
+                </a:extLst>
+              </a:tr>
+              <a:tr h="520277">
+                <a:tc>
+                  <a:txBody>
+                    <a:bodyPr/>
+                    <a:lstStyle/>
+                    <a:p>
+                      <a:pPr algn="ctr"/>
+                      <a:r>
+                        <a:rPr lang="en-US" dirty="0"/>
+                        <a:t>1</a:t>
+                      </a:r>
+                    </a:p>
+                  </a:txBody>
+                  <a:tcPr/>
+                </a:tc>
+                <a:tc>
+                  <a:txBody>
+                    <a:bodyPr/>
+                    <a:lstStyle/>
+                    <a:p>
+                      <a:pPr algn="ctr"/>
+                      <a:r>
+                        <a:rPr lang="en-US" dirty="0"/>
+                        <a:t>0.49468</a:t>
+                      </a:r>
+                    </a:p>
+                  </a:txBody>
+                  <a:tcPr/>
+                </a:tc>
+                <a:tc>
+                  <a:txBody>
+                    <a:bodyPr/>
+                    <a:lstStyle/>
+                    <a:p>
+                      <a:pPr algn="ctr"/>
+                      <a:r>
+                        <a:rPr lang="en-US" dirty="0"/>
+                        <a:t>0.00526</a:t>
+                      </a:r>
+                    </a:p>
+                  </a:txBody>
+                  <a:tcPr/>
+                </a:tc>
+                <a:tc>
+                  <a:txBody>
+                    <a:bodyPr/>
+                    <a:lstStyle/>
+                    <a:p>
+                      <a:pPr algn="ctr"/>
+                      <a:r>
+                        <a:rPr lang="en-US" dirty="0"/>
+                        <a:t>0.4946</a:t>
+                      </a:r>
+                    </a:p>
+                  </a:txBody>
+                  <a:tcPr/>
+                </a:tc>
+                <a:tc>
+                  <a:txBody>
+                    <a:bodyPr/>
+                    <a:lstStyle/>
+                    <a:p>
+                      <a:pPr algn="ctr"/>
+                      <a:r>
+                        <a:rPr lang="en-US" dirty="0"/>
+                        <a:t>0.00526</a:t>
+                      </a:r>
+                    </a:p>
+                  </a:txBody>
+                  <a:tcPr/>
+                </a:tc>
+                <a:tc>
+                  <a:txBody>
+                    <a:bodyPr/>
+                    <a:lstStyle/>
+                    <a:p>
+                      <a:pPr algn="ctr"/>
+                      <a:endParaRPr lang="en-US" dirty="0"/>
+                    </a:p>
+                  </a:txBody>
+                  <a:tcPr/>
+                </a:tc>
+                <a:tc>
+                  <a:txBody>
+                    <a:bodyPr/>
+                    <a:lstStyle/>
+                    <a:p>
+                      <a:pPr algn="ctr"/>
+                      <a:endParaRPr lang="en-US" dirty="0"/>
+                    </a:p>
+                  </a:txBody>
+                  <a:tcPr/>
+                </a:tc>
+                <a:tc>
+                  <a:txBody>
+                    <a:bodyPr/>
+                    <a:lstStyle/>
+                    <a:p>
+                      <a:pPr algn="ctr"/>
+                      <a:endParaRPr lang="en-US" dirty="0"/>
+                    </a:p>
+                  </a:txBody>
+                  <a:tcPr/>
+                </a:tc>
+                <a:tc>
+                  <a:txBody>
+                    <a:bodyPr/>
+                    <a:lstStyle/>
+                    <a:p>
+                      <a:pPr algn="ctr"/>
+                      <a:endParaRPr lang="en-US" dirty="0"/>
+                    </a:p>
+                  </a:txBody>
+                  <a:tcPr/>
+                </a:tc>
+                <a:extLst>
+                  <a:ext uri="{0D108BD9-81ED-4DB2-BD59-A6C34878D82A}">
+                    <a16:rowId xmlns:a16="http://schemas.microsoft.com/office/drawing/2014/main" val="2158644233"/>
+                  </a:ext>
+                </a:extLst>
+              </a:tr>
+              <a:tr h="520277">
+                <a:tc>
+                  <a:txBody>
+                    <a:bodyPr/>
+                    <a:lstStyle/>
+                    <a:p>
+                      <a:pPr algn="ctr"/>
+                      <a:r>
+                        <a:rPr lang="en-US" sz="1799" b="0" i="0" u="none" strike="noStrike" kern="1200" baseline="0" dirty="0">
+                          <a:solidFill>
+                            <a:schemeClr val="tx1"/>
+                          </a:solidFill>
+                          <a:latin typeface="+mn-lt"/>
+                          <a:ea typeface="+mn-ea"/>
+                          <a:cs typeface="+mn-cs"/>
+                        </a:rPr>
+                        <a:t>2</a:t>
+                      </a:r>
+                      <a:endParaRPr lang="en-US" dirty="0"/>
+                    </a:p>
+                  </a:txBody>
+                  <a:tcPr/>
+                </a:tc>
+                <a:tc>
+                  <a:txBody>
+                    <a:bodyPr/>
+                    <a:lstStyle/>
+                    <a:p>
+                      <a:pPr algn="ctr"/>
+                      <a:r>
+                        <a:rPr lang="en-US" dirty="0"/>
+                        <a:t>0.48404</a:t>
+                      </a:r>
+                    </a:p>
+                  </a:txBody>
+                  <a:tcPr/>
+                </a:tc>
+                <a:tc>
+                  <a:txBody>
+                    <a:bodyPr/>
+                    <a:lstStyle/>
+                    <a:p>
+                      <a:pPr algn="ctr"/>
+                      <a:r>
+                        <a:rPr lang="en-US" dirty="0"/>
+                        <a:t>0.00526</a:t>
+                      </a:r>
+                    </a:p>
+                  </a:txBody>
+                  <a:tcPr/>
+                </a:tc>
+                <a:tc>
+                  <a:txBody>
+                    <a:bodyPr/>
+                    <a:lstStyle/>
+                    <a:p>
+                      <a:pPr algn="ctr"/>
+                      <a:r>
+                        <a:rPr lang="en-US" dirty="0"/>
+                        <a:t>0.4840</a:t>
+                      </a:r>
+                    </a:p>
+                  </a:txBody>
+                  <a:tcPr/>
+                </a:tc>
+                <a:tc>
+                  <a:txBody>
+                    <a:bodyPr/>
+                    <a:lstStyle/>
+                    <a:p>
+                      <a:pPr algn="ctr"/>
+                      <a:r>
+                        <a:rPr lang="en-US" dirty="0"/>
+                        <a:t>0.00526</a:t>
+                      </a:r>
+                    </a:p>
+                  </a:txBody>
+                  <a:tcPr/>
+                </a:tc>
+                <a:tc>
+                  <a:txBody>
+                    <a:bodyPr/>
+                    <a:lstStyle/>
+                    <a:p>
+                      <a:pPr algn="ctr"/>
+                      <a:endParaRPr lang="en-US" dirty="0"/>
+                    </a:p>
+                  </a:txBody>
+                  <a:tcPr/>
+                </a:tc>
+                <a:tc>
+                  <a:txBody>
+                    <a:bodyPr/>
+                    <a:lstStyle/>
+                    <a:p>
+                      <a:pPr algn="ctr"/>
+                      <a:endParaRPr lang="en-US" dirty="0"/>
+                    </a:p>
+                  </a:txBody>
+                  <a:tcPr/>
+                </a:tc>
+                <a:tc>
+                  <a:txBody>
+                    <a:bodyPr/>
+                    <a:lstStyle/>
+                    <a:p>
+                      <a:pPr algn="ctr"/>
+                      <a:endParaRPr lang="en-US" dirty="0"/>
+                    </a:p>
+                  </a:txBody>
+                  <a:tcPr/>
+                </a:tc>
+                <a:tc>
+                  <a:txBody>
+                    <a:bodyPr/>
+                    <a:lstStyle/>
+                    <a:p>
+                      <a:pPr algn="ctr"/>
+                      <a:endParaRPr lang="en-US" dirty="0"/>
+                    </a:p>
+                  </a:txBody>
+                  <a:tcPr/>
+                </a:tc>
+                <a:extLst>
+                  <a:ext uri="{0D108BD9-81ED-4DB2-BD59-A6C34878D82A}">
+                    <a16:rowId xmlns:a16="http://schemas.microsoft.com/office/drawing/2014/main" val="1315729617"/>
+                  </a:ext>
+                </a:extLst>
+              </a:tr>
+              <a:tr h="520277">
+                <a:tc>
+                  <a:txBody>
+                    <a:bodyPr/>
+                    <a:lstStyle/>
+                    <a:p>
+                      <a:pPr algn="ctr"/>
+                      <a:r>
+                        <a:rPr lang="en-US" sz="1799" b="0" i="0" u="none" strike="noStrike" kern="1200" baseline="0" dirty="0">
+                          <a:solidFill>
+                            <a:schemeClr val="tx1"/>
+                          </a:solidFill>
+                          <a:latin typeface="+mn-lt"/>
+                          <a:ea typeface="+mn-ea"/>
+                          <a:cs typeface="+mn-cs"/>
+                        </a:rPr>
+                        <a:t>3</a:t>
+                      </a:r>
+                      <a:endParaRPr lang="en-US" dirty="0"/>
+                    </a:p>
+                  </a:txBody>
+                  <a:tcPr/>
+                </a:tc>
+                <a:tc>
+                  <a:txBody>
+                    <a:bodyPr/>
+                    <a:lstStyle/>
+                    <a:p>
+                      <a:pPr algn="ctr"/>
+                      <a:r>
+                        <a:rPr lang="en-US" dirty="0"/>
+                        <a:t>0.47872</a:t>
+                      </a:r>
+                    </a:p>
+                  </a:txBody>
+                  <a:tcPr/>
+                </a:tc>
+                <a:tc>
+                  <a:txBody>
+                    <a:bodyPr/>
+                    <a:lstStyle/>
+                    <a:p>
+                      <a:pPr algn="ctr"/>
+                      <a:r>
+                        <a:rPr lang="en-US" dirty="0"/>
+                        <a:t>0.00526</a:t>
+                      </a:r>
+                    </a:p>
+                  </a:txBody>
+                  <a:tcPr/>
+                </a:tc>
+                <a:tc>
+                  <a:txBody>
+                    <a:bodyPr/>
+                    <a:lstStyle/>
+                    <a:p>
+                      <a:pPr algn="ctr"/>
+                      <a:r>
+                        <a:rPr lang="en-US" dirty="0"/>
+                        <a:t>0.47872</a:t>
+                      </a:r>
+                    </a:p>
+                  </a:txBody>
+                  <a:tcPr/>
+                </a:tc>
+                <a:tc>
+                  <a:txBody>
+                    <a:bodyPr/>
+                    <a:lstStyle/>
+                    <a:p>
+                      <a:pPr algn="ctr"/>
+                      <a:r>
+                        <a:rPr lang="en-US" dirty="0"/>
+                        <a:t>0.00526</a:t>
+                      </a:r>
+                    </a:p>
+                  </a:txBody>
+                  <a:tcPr/>
+                </a:tc>
+                <a:tc>
+                  <a:txBody>
+                    <a:bodyPr/>
+                    <a:lstStyle/>
+                    <a:p>
+                      <a:pPr algn="ctr"/>
+                      <a:endParaRPr lang="en-US" dirty="0"/>
+                    </a:p>
+                  </a:txBody>
+                  <a:tcPr/>
+                </a:tc>
+                <a:tc>
+                  <a:txBody>
+                    <a:bodyPr/>
+                    <a:lstStyle/>
+                    <a:p>
+                      <a:pPr algn="ctr"/>
+                      <a:endParaRPr lang="en-US" dirty="0"/>
+                    </a:p>
+                  </a:txBody>
+                  <a:tcPr/>
+                </a:tc>
+                <a:tc>
+                  <a:txBody>
+                    <a:bodyPr/>
+                    <a:lstStyle/>
+                    <a:p>
+                      <a:pPr algn="ctr"/>
+                      <a:endParaRPr lang="en-US" dirty="0"/>
+                    </a:p>
+                  </a:txBody>
+                  <a:tcPr/>
+                </a:tc>
+                <a:tc>
+                  <a:txBody>
+                    <a:bodyPr/>
+                    <a:lstStyle/>
+                    <a:p>
+                      <a:pPr marL="0" marR="0" lvl="0" indent="0" algn="ctr" defTabSz="457063" rtl="0" eaLnBrk="1" fontAlgn="auto" latinLnBrk="0" hangingPunct="1">
+                        <a:lnSpc>
+                          <a:spcPct val="100000"/>
+                        </a:lnSpc>
+                        <a:spcBef>
+                          <a:spcPts val="0"/>
+                        </a:spcBef>
+                        <a:spcAft>
+                          <a:spcPts val="0"/>
+                        </a:spcAft>
+                        <a:buClrTx/>
+                        <a:buSzTx/>
+                        <a:buFontTx/>
+                        <a:buNone/>
+                        <a:tabLst/>
+                        <a:defRPr/>
+                      </a:pPr>
+                      <a:endParaRPr lang="en-US" dirty="0"/>
+                    </a:p>
+                  </a:txBody>
+                  <a:tcPr/>
+                </a:tc>
+                <a:extLst>
+                  <a:ext uri="{0D108BD9-81ED-4DB2-BD59-A6C34878D82A}">
+                    <a16:rowId xmlns:a16="http://schemas.microsoft.com/office/drawing/2014/main" val="3807245811"/>
+                  </a:ext>
+                </a:extLst>
+              </a:tr>
+              <a:tr h="520277">
+                <a:tc>
+                  <a:txBody>
+                    <a:bodyPr/>
+                    <a:lstStyle/>
+                    <a:p>
+                      <a:pPr algn="ctr"/>
+                      <a:r>
+                        <a:rPr lang="en-US" sz="1799" b="0" i="0" u="none" strike="noStrike" kern="1200" baseline="0" dirty="0">
+                          <a:solidFill>
+                            <a:schemeClr val="tx1"/>
+                          </a:solidFill>
+                          <a:latin typeface="+mn-lt"/>
+                          <a:ea typeface="+mn-ea"/>
+                          <a:cs typeface="+mn-cs"/>
+                        </a:rPr>
+                        <a:t>4</a:t>
+                      </a:r>
+                      <a:endParaRPr lang="en-US" dirty="0"/>
+                    </a:p>
+                  </a:txBody>
+                  <a:tcPr/>
+                </a:tc>
+                <a:tc>
+                  <a:txBody>
+                    <a:bodyPr/>
+                    <a:lstStyle/>
+                    <a:p>
+                      <a:pPr algn="ctr"/>
+                      <a:r>
+                        <a:rPr lang="en-US" dirty="0"/>
+                        <a:t>0.47340</a:t>
+                      </a:r>
+                    </a:p>
+                  </a:txBody>
+                  <a:tcPr/>
+                </a:tc>
+                <a:tc>
+                  <a:txBody>
+                    <a:bodyPr/>
+                    <a:lstStyle/>
+                    <a:p>
+                      <a:pPr algn="ctr"/>
+                      <a:r>
+                        <a:rPr lang="en-US" dirty="0"/>
+                        <a:t>0.00526</a:t>
+                      </a:r>
+                    </a:p>
+                  </a:txBody>
+                  <a:tcPr/>
+                </a:tc>
+                <a:tc>
+                  <a:txBody>
+                    <a:bodyPr/>
+                    <a:lstStyle/>
+                    <a:p>
+                      <a:pPr algn="ctr"/>
+                      <a:r>
+                        <a:rPr lang="en-US" dirty="0"/>
+                        <a:t>0.47340</a:t>
+                      </a:r>
+                    </a:p>
+                  </a:txBody>
+                  <a:tcPr/>
+                </a:tc>
+                <a:tc>
+                  <a:txBody>
+                    <a:bodyPr/>
+                    <a:lstStyle/>
+                    <a:p>
+                      <a:pPr algn="ctr"/>
+                      <a:r>
+                        <a:rPr lang="en-US" dirty="0"/>
+                        <a:t>0.00526</a:t>
+                      </a:r>
+                    </a:p>
+                  </a:txBody>
+                  <a:tcPr/>
+                </a:tc>
+                <a:tc>
+                  <a:txBody>
+                    <a:bodyPr/>
+                    <a:lstStyle/>
+                    <a:p>
+                      <a:pPr algn="ctr"/>
+                      <a:endParaRPr lang="en-US" dirty="0"/>
+                    </a:p>
+                  </a:txBody>
+                  <a:tcPr/>
+                </a:tc>
+                <a:tc>
+                  <a:txBody>
+                    <a:bodyPr/>
+                    <a:lstStyle/>
+                    <a:p>
+                      <a:pPr algn="ctr"/>
+                      <a:endParaRPr lang="en-US" dirty="0"/>
+                    </a:p>
+                  </a:txBody>
+                  <a:tcPr/>
+                </a:tc>
+                <a:tc>
+                  <a:txBody>
+                    <a:bodyPr/>
+                    <a:lstStyle/>
+                    <a:p>
+                      <a:pPr marL="0" marR="0" lvl="0" indent="0" algn="ctr" defTabSz="457063" rtl="0" eaLnBrk="1" fontAlgn="auto" latinLnBrk="0" hangingPunct="1">
+                        <a:lnSpc>
+                          <a:spcPct val="100000"/>
+                        </a:lnSpc>
+                        <a:spcBef>
+                          <a:spcPts val="0"/>
+                        </a:spcBef>
+                        <a:spcAft>
+                          <a:spcPts val="0"/>
+                        </a:spcAft>
+                        <a:buClrTx/>
+                        <a:buSzTx/>
+                        <a:buFontTx/>
+                        <a:buNone/>
+                        <a:tabLst/>
+                        <a:defRPr/>
+                      </a:pPr>
+                      <a:endParaRPr lang="en-US" dirty="0"/>
+                    </a:p>
+                  </a:txBody>
+                  <a:tcPr/>
+                </a:tc>
+                <a:tc>
+                  <a:txBody>
+                    <a:bodyPr/>
+                    <a:lstStyle/>
+                    <a:p>
+                      <a:pPr marL="0" marR="0" lvl="0" indent="0" algn="ctr" defTabSz="457063" rtl="0" eaLnBrk="1" fontAlgn="auto" latinLnBrk="0" hangingPunct="1">
+                        <a:lnSpc>
+                          <a:spcPct val="100000"/>
+                        </a:lnSpc>
+                        <a:spcBef>
+                          <a:spcPts val="0"/>
+                        </a:spcBef>
+                        <a:spcAft>
+                          <a:spcPts val="0"/>
+                        </a:spcAft>
+                        <a:buClrTx/>
+                        <a:buSzTx/>
+                        <a:buFontTx/>
+                        <a:buNone/>
+                        <a:tabLst/>
+                        <a:defRPr/>
+                      </a:pPr>
+                      <a:endParaRPr lang="en-US" dirty="0"/>
+                    </a:p>
+                  </a:txBody>
+                  <a:tcPr/>
+                </a:tc>
+                <a:extLst>
+                  <a:ext uri="{0D108BD9-81ED-4DB2-BD59-A6C34878D82A}">
+                    <a16:rowId xmlns:a16="http://schemas.microsoft.com/office/drawing/2014/main" val="3861277465"/>
+                  </a:ext>
+                </a:extLst>
+              </a:tr>
+              <a:tr h="520277">
+                <a:tc>
+                  <a:txBody>
+                    <a:bodyPr/>
+                    <a:lstStyle/>
+                    <a:p>
+                      <a:pPr algn="ctr"/>
+                      <a:r>
+                        <a:rPr lang="en-US" dirty="0"/>
+                        <a:t>5</a:t>
+                      </a:r>
+                    </a:p>
+                  </a:txBody>
+                  <a:tcPr/>
+                </a:tc>
+                <a:tc>
+                  <a:txBody>
+                    <a:bodyPr/>
+                    <a:lstStyle/>
+                    <a:p>
+                      <a:pPr algn="ctr"/>
+                      <a:r>
+                        <a:rPr lang="en-US" dirty="0"/>
+                        <a:t>0.46808</a:t>
+                      </a:r>
+                    </a:p>
+                  </a:txBody>
+                  <a:tcPr/>
+                </a:tc>
+                <a:tc>
+                  <a:txBody>
+                    <a:bodyPr/>
+                    <a:lstStyle/>
+                    <a:p>
+                      <a:pPr algn="ctr"/>
+                      <a:r>
+                        <a:rPr lang="en-US" dirty="0"/>
+                        <a:t>0.00526</a:t>
+                      </a:r>
+                    </a:p>
+                  </a:txBody>
+                  <a:tcPr/>
+                </a:tc>
+                <a:tc>
+                  <a:txBody>
+                    <a:bodyPr/>
+                    <a:lstStyle/>
+                    <a:p>
+                      <a:pPr algn="ctr"/>
+                      <a:r>
+                        <a:rPr lang="en-US" dirty="0"/>
+                        <a:t>0.46808</a:t>
+                      </a:r>
+                    </a:p>
+                  </a:txBody>
+                  <a:tcPr/>
+                </a:tc>
+                <a:tc>
+                  <a:txBody>
+                    <a:bodyPr/>
+                    <a:lstStyle/>
+                    <a:p>
+                      <a:pPr algn="ctr"/>
+                      <a:r>
+                        <a:rPr lang="en-US" dirty="0"/>
+                        <a:t>0.00526</a:t>
+                      </a:r>
+                    </a:p>
+                  </a:txBody>
+                  <a:tcPr/>
+                </a:tc>
+                <a:tc>
+                  <a:txBody>
+                    <a:bodyPr/>
+                    <a:lstStyle/>
+                    <a:p>
+                      <a:pPr algn="ctr"/>
+                      <a:endParaRPr lang="en-US" dirty="0"/>
+                    </a:p>
+                  </a:txBody>
+                  <a:tcPr/>
+                </a:tc>
+                <a:tc>
+                  <a:txBody>
+                    <a:bodyPr/>
+                    <a:lstStyle/>
+                    <a:p>
+                      <a:pPr algn="ctr"/>
+                      <a:endParaRPr lang="en-US" dirty="0"/>
+                    </a:p>
+                  </a:txBody>
+                  <a:tcPr/>
+                </a:tc>
+                <a:tc>
+                  <a:txBody>
+                    <a:bodyPr/>
+                    <a:lstStyle/>
+                    <a:p>
+                      <a:pPr marL="0" marR="0" lvl="0" indent="0" algn="ctr" defTabSz="457063" rtl="0" eaLnBrk="1" fontAlgn="auto" latinLnBrk="0" hangingPunct="1">
+                        <a:lnSpc>
+                          <a:spcPct val="100000"/>
+                        </a:lnSpc>
+                        <a:spcBef>
+                          <a:spcPts val="0"/>
+                        </a:spcBef>
+                        <a:spcAft>
+                          <a:spcPts val="0"/>
+                        </a:spcAft>
+                        <a:buClrTx/>
+                        <a:buSzTx/>
+                        <a:buFontTx/>
+                        <a:buNone/>
+                        <a:tabLst/>
+                        <a:defRPr/>
+                      </a:pPr>
+                      <a:endParaRPr lang="en-US" dirty="0"/>
+                    </a:p>
+                  </a:txBody>
+                  <a:tcPr/>
+                </a:tc>
+                <a:tc>
+                  <a:txBody>
+                    <a:bodyPr/>
+                    <a:lstStyle/>
+                    <a:p>
+                      <a:pPr marL="0" marR="0" lvl="0" indent="0" algn="ctr" defTabSz="457063" rtl="0" eaLnBrk="1" fontAlgn="auto" latinLnBrk="0" hangingPunct="1">
+                        <a:lnSpc>
+                          <a:spcPct val="100000"/>
+                        </a:lnSpc>
+                        <a:spcBef>
+                          <a:spcPts val="0"/>
+                        </a:spcBef>
+                        <a:spcAft>
+                          <a:spcPts val="0"/>
+                        </a:spcAft>
+                        <a:buClrTx/>
+                        <a:buSzTx/>
+                        <a:buFontTx/>
+                        <a:buNone/>
+                        <a:tabLst/>
+                        <a:defRPr/>
+                      </a:pPr>
+                      <a:endParaRPr lang="en-US" dirty="0"/>
+                    </a:p>
+                  </a:txBody>
+                  <a:tcPr/>
+                </a:tc>
+                <a:extLst>
+                  <a:ext uri="{0D108BD9-81ED-4DB2-BD59-A6C34878D82A}">
+                    <a16:rowId xmlns:a16="http://schemas.microsoft.com/office/drawing/2014/main" val="1731143259"/>
+                  </a:ext>
+                </a:extLst>
+              </a:tr>
+            </a:tbl>
+          </a:graphicData>
+        </a:graphic>
+      </p:graphicFrame>
+    </p:spTree>
+    <p:extLst>
+      <p:ext uri="{BB962C8B-B14F-4D97-AF65-F5344CB8AC3E}">
+        <p14:creationId xmlns:p14="http://schemas.microsoft.com/office/powerpoint/2010/main" val="1535402115"/>
+      </p:ext>
+    </p:extLst>
+  </p:cSld>
+  <p:clrMapOvr>
+    <a:masterClrMapping/>
+  </p:clrMapOvr>
+  <mc:AlternateContent xmlns:mc="http://schemas.openxmlformats.org/markup-compatibility/2006" xmlns:p14="http://schemas.microsoft.com/office/powerpoint/2010/main">
+    <mc:Choice Requires="p14">
+      <p:transition spd="med" p14:dur="700">
+        <p:fade/>
+      </p:transition>
+    </mc:Choice>
+    <mc:Fallback xmlns="">
+      <p:transition spd="med">
+        <p:fade/>
+      </p:transition>
+    </mc:Fallback>
+  </mc:AlternateContent>
+</p:sld>
+</file>
+
+<file path=ppt/slides/slide27.xml><?xml version="1.0" encoding="utf-8"?>
+<p:sld xmlns:a="http://schemas.openxmlformats.org/drawingml/2006/main" xmlns:r="http://schemas.openxmlformats.org/officeDocument/2006/relationships" xmlns:p="http://schemas.openxmlformats.org/presentationml/2006/main">
+  <p:cSld>
     <p:bg>
       <p:bgPr>
         <a:solidFill>
@@ -30378,7 +31857,7 @@
 </p:sld>
 </file>
 
-<file path=ppt/slides/slide27.xml><?xml version="1.0" encoding="utf-8"?>
+<file path=ppt/slides/slide28.xml><?xml version="1.0" encoding="utf-8"?>
 <p:sld xmlns:a="http://schemas.openxmlformats.org/drawingml/2006/main" xmlns:r="http://schemas.openxmlformats.org/officeDocument/2006/relationships" xmlns:p="http://schemas.openxmlformats.org/presentationml/2006/main">
   <p:cSld>
     <p:spTree>
@@ -30464,7 +31943,7 @@
 </p:sld>
 </file>
 
-<file path=ppt/slides/slide28.xml><?xml version="1.0" encoding="utf-8"?>
+<file path=ppt/slides/slide29.xml><?xml version="1.0" encoding="utf-8"?>
 <p:sld xmlns:a="http://schemas.openxmlformats.org/drawingml/2006/main" xmlns:r="http://schemas.openxmlformats.org/officeDocument/2006/relationships" xmlns:p="http://schemas.openxmlformats.org/presentationml/2006/main">
   <p:cSld>
     <p:spTree>

--- a/Drug-Target Interaction Prediction.pptx
+++ b/Drug-Target Interaction Prediction.pptx
@@ -261,7 +261,7 @@
                   <a:schemeClr val="tx2"/>
                 </a:solidFill>
               </a:rPr>
-              <a:t>1/20/2019</a:t>
+              <a:t>1/22/2019</a:t>
             </a:fld>
             <a:endParaRPr>
               <a:solidFill>
@@ -451,7 +451,7 @@
             <a:fld id="{F95CF31C-F757-429C-A789-86504F04C3BE}" type="datetimeFigureOut">
               <a:rPr lang="en-US"/>
               <a:pPr/>
-              <a:t>1/20/2019</a:t>
+              <a:t>1/22/2019</a:t>
             </a:fld>
             <a:endParaRPr/>
           </a:p>
@@ -1468,7 +1468,7 @@
             <a:fld id="{B61BEF0D-F0BB-DE4B-95CE-6DB70DBA9567}" type="datetimeFigureOut">
               <a:rPr lang="en-US" smtClean="0"/>
               <a:pPr/>
-              <a:t>1/20/2019</a:t>
+              <a:t>1/22/2019</a:t>
             </a:fld>
             <a:endParaRPr lang="en-US" dirty="0"/>
           </a:p>
@@ -1738,7 +1738,7 @@
             <a:fld id="{2DD204D1-F9BD-4643-8480-6EA41EB484F1}" type="datetimeFigureOut">
               <a:rPr lang="en-US" smtClean="0"/>
               <a:pPr/>
-              <a:t>1/20/2019</a:t>
+              <a:t>1/22/2019</a:t>
             </a:fld>
             <a:endParaRPr lang="en-US"/>
           </a:p>
@@ -2054,7 +2054,7 @@
             <a:fld id="{2DD204D1-F9BD-4643-8480-6EA41EB484F1}" type="datetimeFigureOut">
               <a:rPr lang="en-US" smtClean="0"/>
               <a:pPr/>
-              <a:t>1/20/2019</a:t>
+              <a:t>1/22/2019</a:t>
             </a:fld>
             <a:endParaRPr lang="en-US"/>
           </a:p>
@@ -2389,7 +2389,7 @@
             <a:fld id="{2DD204D1-F9BD-4643-8480-6EA41EB484F1}" type="datetimeFigureOut">
               <a:rPr lang="en-US" smtClean="0"/>
               <a:pPr/>
-              <a:t>1/20/2019</a:t>
+              <a:t>1/22/2019</a:t>
             </a:fld>
             <a:endParaRPr lang="en-US"/>
           </a:p>
@@ -2705,7 +2705,7 @@
             <a:fld id="{2DD204D1-F9BD-4643-8480-6EA41EB484F1}" type="datetimeFigureOut">
               <a:rPr lang="en-US" smtClean="0"/>
               <a:pPr/>
-              <a:t>1/20/2019</a:t>
+              <a:t>1/22/2019</a:t>
             </a:fld>
             <a:endParaRPr lang="en-US"/>
           </a:p>
@@ -3100,7 +3100,7 @@
             <a:fld id="{2DD204D1-F9BD-4643-8480-6EA41EB484F1}" type="datetimeFigureOut">
               <a:rPr lang="en-US" smtClean="0"/>
               <a:pPr/>
-              <a:t>1/20/2019</a:t>
+              <a:t>1/22/2019</a:t>
             </a:fld>
             <a:endParaRPr lang="en-US"/>
           </a:p>
@@ -3271,7 +3271,7 @@
           <a:p>
             <a:fld id="{7AECB6C2-1084-4AED-A74A-DF028B0094EA}" type="datetimeFigureOut">
               <a:rPr lang="en-US" smtClean="0"/>
-              <a:t>1/20/2019</a:t>
+              <a:t>1/22/2019</a:t>
             </a:fld>
             <a:endParaRPr lang="en-US"/>
           </a:p>
@@ -3463,7 +3463,7 @@
           <a:p>
             <a:fld id="{7AECB6C2-1084-4AED-A74A-DF028B0094EA}" type="datetimeFigureOut">
               <a:rPr lang="en-US" smtClean="0"/>
-              <a:t>1/20/2019</a:t>
+              <a:t>1/22/2019</a:t>
             </a:fld>
             <a:endParaRPr lang="en-US"/>
           </a:p>
@@ -3645,7 +3645,7 @@
           <a:p>
             <a:fld id="{8B5A30F4-0B4E-4E4B-BC36-C30CD13F4E17}" type="datetimeFigureOut">
               <a:rPr lang="en-US" smtClean="0"/>
-              <a:t>1/20/2019</a:t>
+              <a:t>1/22/2019</a:t>
             </a:fld>
             <a:endParaRPr lang="en-US" dirty="0"/>
           </a:p>
@@ -3905,7 +3905,7 @@
             <a:fld id="{B61BEF0D-F0BB-DE4B-95CE-6DB70DBA9567}" type="datetimeFigureOut">
               <a:rPr lang="en-US" smtClean="0"/>
               <a:pPr/>
-              <a:t>1/20/2019</a:t>
+              <a:t>1/22/2019</a:t>
             </a:fld>
             <a:endParaRPr lang="en-US" dirty="0"/>
           </a:p>
@@ -4150,7 +4150,7 @@
           <a:p>
             <a:fld id="{2DD204D1-F9BD-4643-8480-6EA41EB484F1}" type="datetimeFigureOut">
               <a:rPr lang="en-US" smtClean="0"/>
-              <a:t>1/20/2019</a:t>
+              <a:t>1/22/2019</a:t>
             </a:fld>
             <a:endParaRPr lang="en-US"/>
           </a:p>
@@ -4536,7 +4536,7 @@
           <a:p>
             <a:fld id="{2DD204D1-F9BD-4643-8480-6EA41EB484F1}" type="datetimeFigureOut">
               <a:rPr lang="en-US" smtClean="0"/>
-              <a:t>1/20/2019</a:t>
+              <a:t>1/22/2019</a:t>
             </a:fld>
             <a:endParaRPr lang="en-US"/>
           </a:p>
@@ -4671,7 +4671,7 @@
           <a:p>
             <a:fld id="{2DD204D1-F9BD-4643-8480-6EA41EB484F1}" type="datetimeFigureOut">
               <a:rPr lang="en-US" smtClean="0"/>
-              <a:t>1/20/2019</a:t>
+              <a:t>1/22/2019</a:t>
             </a:fld>
             <a:endParaRPr lang="en-US"/>
           </a:p>
@@ -4778,7 +4778,7 @@
           <a:p>
             <a:fld id="{2DD204D1-F9BD-4643-8480-6EA41EB484F1}" type="datetimeFigureOut">
               <a:rPr lang="en-US" smtClean="0"/>
-              <a:t>1/20/2019</a:t>
+              <a:t>1/22/2019</a:t>
             </a:fld>
             <a:endParaRPr lang="en-US"/>
           </a:p>
@@ -5050,7 +5050,7 @@
           <a:p>
             <a:fld id="{126BF754-515F-40B9-8D24-D54D5825B3D0}" type="datetimeFigureOut">
               <a:rPr lang="en-US" smtClean="0"/>
-              <a:t>1/20/2019</a:t>
+              <a:t>1/22/2019</a:t>
             </a:fld>
             <a:endParaRPr lang="en-US"/>
           </a:p>
@@ -5372,7 +5372,7 @@
           <a:p>
             <a:fld id="{126BF754-515F-40B9-8D24-D54D5825B3D0}" type="datetimeFigureOut">
               <a:rPr lang="en-US" smtClean="0"/>
-              <a:t>1/20/2019</a:t>
+              <a:t>1/22/2019</a:t>
             </a:fld>
             <a:endParaRPr lang="en-US"/>
           </a:p>
@@ -6087,7 +6087,7 @@
             <a:fld id="{2DD204D1-F9BD-4643-8480-6EA41EB484F1}" type="datetimeFigureOut">
               <a:rPr lang="en-US" smtClean="0"/>
               <a:pPr/>
-              <a:t>1/20/2019</a:t>
+              <a:t>1/22/2019</a:t>
             </a:fld>
             <a:endParaRPr lang="en-US"/>
           </a:p>
@@ -7382,8 +7382,8 @@
           </a:p>
         </p:txBody>
       </p:sp>
-      <mc:AlternateContent xmlns:mc="http://schemas.openxmlformats.org/markup-compatibility/2006">
-        <mc:Choice xmlns:a14="http://schemas.microsoft.com/office/drawing/2010/main" Requires="a14">
+      <mc:AlternateContent xmlns:mc="http://schemas.openxmlformats.org/markup-compatibility/2006" xmlns:a14="http://schemas.microsoft.com/office/drawing/2010/main">
+        <mc:Choice Requires="a14">
           <p:sp>
             <p:nvSpPr>
               <p:cNvPr id="9" name="Content Placeholder 8">
@@ -8642,17 +8642,7 @@
                                     <a:latin typeface="Cambria Math" panose="02040503050406030204" pitchFamily="18" charset="0"/>
                                     <a:cs typeface="Calibri" panose="020F0502020204030204" pitchFamily="34" charset="0"/>
                                   </a:rPr>
-                                  <m:t>𝑆</m:t>
-                                </m:r>
-                                <m:r>
-                                  <a:rPr lang="en-US" i="1">
-                                    <a:solidFill>
-                                      <a:schemeClr val="tx1"/>
-                                    </a:solidFill>
-                                    <a:latin typeface="Cambria Math" panose="02040503050406030204" pitchFamily="18" charset="0"/>
-                                    <a:cs typeface="Calibri" panose="020F0502020204030204" pitchFamily="34" charset="0"/>
-                                  </a:rPr>
-                                  <m:t>𝑇</m:t>
+                                  <m:t>𝑆𝑇</m:t>
                                 </m:r>
                               </m:e>
                               <m:sub>
@@ -8886,17 +8876,7 @@
                                     <a:latin typeface="Cambria Math" panose="02040503050406030204" pitchFamily="18" charset="0"/>
                                     <a:cs typeface="Calibri" panose="020F0502020204030204" pitchFamily="34" charset="0"/>
                                   </a:rPr>
-                                  <m:t>𝑆</m:t>
-                                </m:r>
-                                <m:r>
-                                  <a:rPr lang="en-US" i="1">
-                                    <a:solidFill>
-                                      <a:schemeClr val="tx1"/>
-                                    </a:solidFill>
-                                    <a:latin typeface="Cambria Math" panose="02040503050406030204" pitchFamily="18" charset="0"/>
-                                    <a:cs typeface="Calibri" panose="020F0502020204030204" pitchFamily="34" charset="0"/>
-                                  </a:rPr>
-                                  <m:t>𝑇</m:t>
+                                  <m:t>𝑆𝑇</m:t>
                                 </m:r>
                               </m:e>
                               <m:sub>
@@ -9148,17 +9128,7 @@
                                     <a:latin typeface="Cambria Math" panose="02040503050406030204" pitchFamily="18" charset="0"/>
                                     <a:cs typeface="Calibri" panose="020F0502020204030204" pitchFamily="34" charset="0"/>
                                   </a:rPr>
-                                  <m:t>𝑆</m:t>
-                                </m:r>
-                                <m:r>
-                                  <a:rPr lang="en-US" i="1">
-                                    <a:solidFill>
-                                      <a:schemeClr val="tx1"/>
-                                    </a:solidFill>
-                                    <a:latin typeface="Cambria Math" panose="02040503050406030204" pitchFamily="18" charset="0"/>
-                                    <a:cs typeface="Calibri" panose="020F0502020204030204" pitchFamily="34" charset="0"/>
-                                  </a:rPr>
-                                  <m:t>𝑇</m:t>
+                                  <m:t>𝑆𝑇</m:t>
                                 </m:r>
                               </m:e>
                               <m:sub>
@@ -9368,17 +9338,7 @@
                             <a:latin typeface="Cambria Math" panose="02040503050406030204" pitchFamily="18" charset="0"/>
                             <a:cs typeface="Calibri" panose="020F0502020204030204" pitchFamily="34" charset="0"/>
                           </a:rPr>
-                          <m:t>′</m:t>
-                        </m:r>
-                        <m:r>
-                          <a:rPr lang="en-US" i="1">
-                            <a:solidFill>
-                              <a:schemeClr val="tx1"/>
-                            </a:solidFill>
-                            <a:latin typeface="Cambria Math" panose="02040503050406030204" pitchFamily="18" charset="0"/>
-                            <a:cs typeface="Calibri" panose="020F0502020204030204" pitchFamily="34" charset="0"/>
-                          </a:rPr>
-                          <m:t>′</m:t>
+                          <m:t>′′</m:t>
                         </m:r>
                       </m:e>
                       <m:sub>
@@ -9749,7 +9709,7 @@
             </p:txBody>
           </p:sp>
         </mc:Choice>
-        <mc:Fallback>
+        <mc:Fallback xmlns="">
           <p:sp>
             <p:nvSpPr>
               <p:cNvPr id="9" name="Content Placeholder 8">
@@ -10137,8 +10097,8 @@
           </a:p>
         </p:txBody>
       </p:sp>
-      <mc:AlternateContent xmlns:mc="http://schemas.openxmlformats.org/markup-compatibility/2006">
-        <mc:Choice xmlns:a14="http://schemas.microsoft.com/office/drawing/2010/main" Requires="a14">
+      <mc:AlternateContent xmlns:mc="http://schemas.openxmlformats.org/markup-compatibility/2006" xmlns:a14="http://schemas.microsoft.com/office/drawing/2010/main">
+        <mc:Choice Requires="a14">
           <p:sp>
             <p:nvSpPr>
               <p:cNvPr id="9" name="Content Placeholder 8">
@@ -10967,7 +10927,7 @@
             </p:txBody>
           </p:sp>
         </mc:Choice>
-        <mc:Fallback>
+        <mc:Fallback xmlns="">
           <p:sp>
             <p:nvSpPr>
               <p:cNvPr id="9" name="Content Placeholder 8">
@@ -11355,8 +11315,8 @@
           </a:p>
         </p:txBody>
       </p:sp>
-      <mc:AlternateContent xmlns:mc="http://schemas.openxmlformats.org/markup-compatibility/2006">
-        <mc:Choice xmlns:a14="http://schemas.microsoft.com/office/drawing/2010/main" Requires="a14">
+      <mc:AlternateContent xmlns:mc="http://schemas.openxmlformats.org/markup-compatibility/2006" xmlns:a14="http://schemas.microsoft.com/office/drawing/2010/main">
+        <mc:Choice Requires="a14">
           <p:sp>
             <p:nvSpPr>
               <p:cNvPr id="9" name="Content Placeholder 8">
@@ -12739,17 +12699,7 @@
                             <a:latin typeface="Cambria Math" panose="02040503050406030204" pitchFamily="18" charset="0"/>
                             <a:cs typeface="Calibri" panose="020F0502020204030204" pitchFamily="34" charset="0"/>
                           </a:rPr>
-                          <m:t>′</m:t>
-                        </m:r>
-                        <m:r>
-                          <a:rPr lang="en-US" i="1">
-                            <a:solidFill>
-                              <a:schemeClr val="tx1"/>
-                            </a:solidFill>
-                            <a:latin typeface="Cambria Math" panose="02040503050406030204" pitchFamily="18" charset="0"/>
-                            <a:cs typeface="Calibri" panose="020F0502020204030204" pitchFamily="34" charset="0"/>
-                          </a:rPr>
-                          <m:t>′</m:t>
+                          <m:t>′′</m:t>
                         </m:r>
                       </m:e>
                       <m:sub>
@@ -13175,17 +13125,7 @@
                                     <a:latin typeface="Cambria Math" panose="02040503050406030204" pitchFamily="18" charset="0"/>
                                     <a:cs typeface="Calibri" panose="020F0502020204030204" pitchFamily="34" charset="0"/>
                                   </a:rPr>
-                                  <m:t>𝑆</m:t>
-                                </m:r>
-                                <m:r>
-                                  <a:rPr lang="en-US" i="1">
-                                    <a:solidFill>
-                                      <a:schemeClr val="tx1"/>
-                                    </a:solidFill>
-                                    <a:latin typeface="Cambria Math" panose="02040503050406030204" pitchFamily="18" charset="0"/>
-                                    <a:cs typeface="Calibri" panose="020F0502020204030204" pitchFamily="34" charset="0"/>
-                                  </a:rPr>
-                                  <m:t>𝑇</m:t>
+                                  <m:t>𝑆𝑇</m:t>
                                 </m:r>
                               </m:e>
                               <m:sub>
@@ -13709,7 +13649,7 @@
             </p:txBody>
           </p:sp>
         </mc:Choice>
-        <mc:Fallback>
+        <mc:Fallback xmlns="">
           <p:sp>
             <p:nvSpPr>
               <p:cNvPr id="9" name="Content Placeholder 8">
@@ -14097,8 +14037,8 @@
           </a:p>
         </p:txBody>
       </p:sp>
-      <mc:AlternateContent xmlns:mc="http://schemas.openxmlformats.org/markup-compatibility/2006">
-        <mc:Choice xmlns:a14="http://schemas.microsoft.com/office/drawing/2010/main" Requires="a14">
+      <mc:AlternateContent xmlns:mc="http://schemas.openxmlformats.org/markup-compatibility/2006" xmlns:a14="http://schemas.microsoft.com/office/drawing/2010/main">
+        <mc:Choice Requires="a14">
           <p:sp>
             <p:nvSpPr>
               <p:cNvPr id="9" name="Content Placeholder 8">
@@ -14540,17 +14480,7 @@
                             <a:latin typeface="Cambria Math" panose="02040503050406030204" pitchFamily="18" charset="0"/>
                             <a:cs typeface="Calibri" panose="020F0502020204030204" pitchFamily="34" charset="0"/>
                           </a:rPr>
-                          <m:t>′</m:t>
-                        </m:r>
-                        <m:r>
-                          <a:rPr lang="en-US" i="1">
-                            <a:solidFill>
-                              <a:schemeClr val="tx1"/>
-                            </a:solidFill>
-                            <a:latin typeface="Cambria Math" panose="02040503050406030204" pitchFamily="18" charset="0"/>
-                            <a:cs typeface="Calibri" panose="020F0502020204030204" pitchFamily="34" charset="0"/>
-                          </a:rPr>
-                          <m:t>′</m:t>
+                          <m:t>′′</m:t>
                         </m:r>
                       </m:e>
                       <m:sub>
@@ -14733,27 +14663,7 @@
                             <a:latin typeface="Cambria Math" panose="02040503050406030204" pitchFamily="18" charset="0"/>
                             <a:cs typeface="Calibri" panose="020F0502020204030204" pitchFamily="34" charset="0"/>
                           </a:rPr>
-                          <m:t>2</m:t>
-                        </m:r>
-                        <m:r>
-                          <a:rPr lang="en-US" i="1">
-                            <a:solidFill>
-                              <a:schemeClr val="tx1"/>
-                            </a:solidFill>
-                            <a:latin typeface="Cambria Math" panose="02040503050406030204" pitchFamily="18" charset="0"/>
-                            <a:cs typeface="Calibri" panose="020F0502020204030204" pitchFamily="34" charset="0"/>
-                          </a:rPr>
-                          <m:t>,</m:t>
-                        </m:r>
-                        <m:r>
-                          <a:rPr lang="en-US" i="1">
-                            <a:solidFill>
-                              <a:schemeClr val="tx1"/>
-                            </a:solidFill>
-                            <a:latin typeface="Cambria Math" panose="02040503050406030204" pitchFamily="18" charset="0"/>
-                            <a:cs typeface="Calibri" panose="020F0502020204030204" pitchFamily="34" charset="0"/>
-                          </a:rPr>
-                          <m:t>1</m:t>
+                          <m:t>2,1</m:t>
                         </m:r>
                       </m:sub>
                     </m:sSub>
@@ -14857,7 +14767,7 @@
             </p:txBody>
           </p:sp>
         </mc:Choice>
-        <mc:Fallback>
+        <mc:Fallback xmlns="">
           <p:sp>
             <p:nvSpPr>
               <p:cNvPr id="9" name="Content Placeholder 8">
@@ -16626,8 +16536,8 @@
           </a:p>
         </p:txBody>
       </p:sp>
-      <mc:AlternateContent xmlns:mc="http://schemas.openxmlformats.org/markup-compatibility/2006">
-        <mc:Choice xmlns:a14="http://schemas.microsoft.com/office/drawing/2010/main" Requires="a14">
+      <mc:AlternateContent xmlns:mc="http://schemas.openxmlformats.org/markup-compatibility/2006" xmlns:a14="http://schemas.microsoft.com/office/drawing/2010/main">
+        <mc:Choice Requires="a14">
           <p:sp>
             <p:nvSpPr>
               <p:cNvPr id="9" name="Content Placeholder 8">
@@ -17501,18 +17411,7 @@
                         <a:ea typeface="Cambria Math" panose="02040503050406030204" pitchFamily="18" charset="0"/>
                         <a:cs typeface="Calibri" panose="020F0502020204030204" pitchFamily="34" charset="0"/>
                       </a:rPr>
-                      <m:t>∪</m:t>
-                    </m:r>
-                    <m:r>
-                      <a:rPr lang="en-US" i="1">
-                        <a:solidFill>
-                          <a:schemeClr val="tx1"/>
-                        </a:solidFill>
-                        <a:latin typeface="Cambria Math" panose="02040503050406030204" pitchFamily="18" charset="0"/>
-                        <a:ea typeface="Cambria Math" panose="02040503050406030204" pitchFamily="18" charset="0"/>
-                        <a:cs typeface="Calibri" panose="020F0502020204030204" pitchFamily="34" charset="0"/>
-                      </a:rPr>
-                      <m:t> </m:t>
+                      <m:t>∪ </m:t>
                     </m:r>
                     <m:sSub>
                       <m:sSubPr>
@@ -17593,7 +17492,7 @@
             </p:txBody>
           </p:sp>
         </mc:Choice>
-        <mc:Fallback>
+        <mc:Fallback xmlns="">
           <p:sp>
             <p:nvSpPr>
               <p:cNvPr id="9" name="Content Placeholder 8">
@@ -17981,8 +17880,8 @@
           </a:p>
         </p:txBody>
       </p:sp>
-      <mc:AlternateContent xmlns:mc="http://schemas.openxmlformats.org/markup-compatibility/2006">
-        <mc:Choice xmlns:a14="http://schemas.microsoft.com/office/drawing/2010/main" Requires="a14">
+      <mc:AlternateContent xmlns:mc="http://schemas.openxmlformats.org/markup-compatibility/2006" xmlns:a14="http://schemas.microsoft.com/office/drawing/2010/main">
+        <mc:Choice Requires="a14">
           <p:sp>
             <p:nvSpPr>
               <p:cNvPr id="9" name="Content Placeholder 8">
@@ -18849,18 +18748,7 @@
                         <a:ea typeface="Cambria Math" panose="02040503050406030204" pitchFamily="18" charset="0"/>
                         <a:cs typeface="Calibri" panose="020F0502020204030204" pitchFamily="34" charset="0"/>
                       </a:rPr>
-                      <m:t>∪</m:t>
-                    </m:r>
-                    <m:r>
-                      <a:rPr lang="en-US" i="1">
-                        <a:solidFill>
-                          <a:schemeClr val="tx1"/>
-                        </a:solidFill>
-                        <a:latin typeface="Cambria Math" panose="02040503050406030204" pitchFamily="18" charset="0"/>
-                        <a:ea typeface="Cambria Math" panose="02040503050406030204" pitchFamily="18" charset="0"/>
-                        <a:cs typeface="Calibri" panose="020F0502020204030204" pitchFamily="34" charset="0"/>
-                      </a:rPr>
-                      <m:t> </m:t>
+                      <m:t>∪ </m:t>
                     </m:r>
                     <m:sSub>
                       <m:sSubPr>
@@ -18941,7 +18829,7 @@
             </p:txBody>
           </p:sp>
         </mc:Choice>
-        <mc:Fallback>
+        <mc:Fallback xmlns="">
           <p:sp>
             <p:nvSpPr>
               <p:cNvPr id="9" name="Content Placeholder 8">
@@ -19329,8 +19217,8 @@
           </a:p>
         </p:txBody>
       </p:sp>
-      <mc:AlternateContent xmlns:mc="http://schemas.openxmlformats.org/markup-compatibility/2006">
-        <mc:Choice xmlns:a14="http://schemas.microsoft.com/office/drawing/2010/main" Requires="a14">
+      <mc:AlternateContent xmlns:mc="http://schemas.openxmlformats.org/markup-compatibility/2006" xmlns:a14="http://schemas.microsoft.com/office/drawing/2010/main">
+        <mc:Choice Requires="a14">
           <p:sp>
             <p:nvSpPr>
               <p:cNvPr id="9" name="Content Placeholder 8">
@@ -19619,17 +19507,7 @@
                               <a:latin typeface="Cambria Math" panose="02040503050406030204" pitchFamily="18" charset="0"/>
                               <a:cs typeface="Calibri" panose="020F0502020204030204" pitchFamily="34" charset="0"/>
                             </a:rPr>
-                            <m:t>1</m:t>
-                          </m:r>
-                          <m:r>
-                            <a:rPr lang="en-US" i="1">
-                              <a:solidFill>
-                                <a:schemeClr val="tx1"/>
-                              </a:solidFill>
-                              <a:latin typeface="Cambria Math" panose="02040503050406030204" pitchFamily="18" charset="0"/>
-                              <a:cs typeface="Calibri" panose="020F0502020204030204" pitchFamily="34" charset="0"/>
-                            </a:rPr>
-                            <m:t>,</m:t>
+                            <m:t>1,</m:t>
                           </m:r>
                           <m:r>
                             <a:rPr lang="en-US" b="0" i="1" smtClean="0">
@@ -19760,7 +19638,7 @@
             </p:txBody>
           </p:sp>
         </mc:Choice>
-        <mc:Fallback>
+        <mc:Fallback xmlns="">
           <p:sp>
             <p:nvSpPr>
               <p:cNvPr id="9" name="Content Placeholder 8">
@@ -20453,8 +20331,8 @@
           </a:p>
         </p:txBody>
       </p:sp>
-      <mc:AlternateContent xmlns:mc="http://schemas.openxmlformats.org/markup-compatibility/2006">
-        <mc:Choice xmlns:a14="http://schemas.microsoft.com/office/drawing/2010/main" Requires="a14">
+      <mc:AlternateContent xmlns:mc="http://schemas.openxmlformats.org/markup-compatibility/2006" xmlns:a14="http://schemas.microsoft.com/office/drawing/2010/main">
+        <mc:Choice Requires="a14">
           <p:sp>
             <p:nvSpPr>
               <p:cNvPr id="9" name="Content Placeholder 8">
@@ -20989,17 +20867,7 @@
                             <a:latin typeface="Cambria Math" panose="02040503050406030204" pitchFamily="18" charset="0"/>
                             <a:cs typeface="Calibri" panose="020F0502020204030204" pitchFamily="34" charset="0"/>
                           </a:rPr>
-                          <m:t>𝑆</m:t>
-                        </m:r>
-                        <m:r>
-                          <a:rPr lang="en-US" i="1">
-                            <a:solidFill>
-                              <a:schemeClr val="tx1"/>
-                            </a:solidFill>
-                            <a:latin typeface="Cambria Math" panose="02040503050406030204" pitchFamily="18" charset="0"/>
-                            <a:cs typeface="Calibri" panose="020F0502020204030204" pitchFamily="34" charset="0"/>
-                          </a:rPr>
-                          <m:t>𝑇</m:t>
+                          <m:t>𝑆𝑇</m:t>
                         </m:r>
                       </m:e>
                       <m:sub/>
@@ -21175,7 +21043,7 @@
             </p:txBody>
           </p:sp>
         </mc:Choice>
-        <mc:Fallback>
+        <mc:Fallback xmlns="">
           <p:sp>
             <p:nvSpPr>
               <p:cNvPr id="9" name="Content Placeholder 8">
@@ -22187,8 +22055,8 @@
           </a:p>
         </p:txBody>
       </p:sp>
-      <mc:AlternateContent xmlns:mc="http://schemas.openxmlformats.org/markup-compatibility/2006">
-        <mc:Choice xmlns:a14="http://schemas.microsoft.com/office/drawing/2010/main" Requires="a14">
+      <mc:AlternateContent xmlns:mc="http://schemas.openxmlformats.org/markup-compatibility/2006" xmlns:a14="http://schemas.microsoft.com/office/drawing/2010/main">
+        <mc:Choice Requires="a14">
           <p:sp>
             <p:nvSpPr>
               <p:cNvPr id="9" name="Content Placeholder 8">
@@ -22352,17 +22220,7 @@
                             <a:latin typeface="Cambria Math" panose="02040503050406030204" pitchFamily="18" charset="0"/>
                             <a:cs typeface="Calibri" panose="020F0502020204030204" pitchFamily="34" charset="0"/>
                           </a:rPr>
-                          <m:t>𝑆</m:t>
-                        </m:r>
-                        <m:r>
-                          <a:rPr lang="en-US" i="1">
-                            <a:solidFill>
-                              <a:schemeClr val="tx1"/>
-                            </a:solidFill>
-                            <a:latin typeface="Cambria Math" panose="02040503050406030204" pitchFamily="18" charset="0"/>
-                            <a:cs typeface="Calibri" panose="020F0502020204030204" pitchFamily="34" charset="0"/>
-                          </a:rPr>
-                          <m:t>𝐷</m:t>
+                          <m:t>𝑆𝐷</m:t>
                         </m:r>
                       </m:e>
                       <m:sub/>
@@ -23037,18 +22895,7 @@
                             <a:ea typeface="Cambria Math" panose="02040503050406030204" pitchFamily="18" charset="0"/>
                             <a:cs typeface="Calibri" panose="020F0502020204030204" pitchFamily="34" charset="0"/>
                           </a:rPr>
-                          <m:t>∪</m:t>
-                        </m:r>
-                        <m:r>
-                          <a:rPr lang="en-US" i="1">
-                            <a:solidFill>
-                              <a:schemeClr val="tx1"/>
-                            </a:solidFill>
-                            <a:latin typeface="Cambria Math" panose="02040503050406030204" pitchFamily="18" charset="0"/>
-                            <a:ea typeface="Cambria Math" panose="02040503050406030204" pitchFamily="18" charset="0"/>
-                            <a:cs typeface="Calibri" panose="020F0502020204030204" pitchFamily="34" charset="0"/>
-                          </a:rPr>
-                          <m:t> </m:t>
+                          <m:t>∪ </m:t>
                         </m:r>
                         <m:sSub>
                           <m:sSubPr>
@@ -23493,7 +23340,7 @@
             </p:txBody>
           </p:sp>
         </mc:Choice>
-        <mc:Fallback>
+        <mc:Fallback xmlns="">
           <p:sp>
             <p:nvSpPr>
               <p:cNvPr id="9" name="Content Placeholder 8">
@@ -23873,8 +23720,8 @@
           </a:p>
         </p:txBody>
       </p:sp>
-      <mc:AlternateContent xmlns:mc="http://schemas.openxmlformats.org/markup-compatibility/2006">
-        <mc:Choice xmlns:a14="http://schemas.microsoft.com/office/drawing/2010/main" Requires="a14">
+      <mc:AlternateContent xmlns:mc="http://schemas.openxmlformats.org/markup-compatibility/2006" xmlns:a14="http://schemas.microsoft.com/office/drawing/2010/main">
+        <mc:Choice Requires="a14">
           <p:sp>
             <p:nvSpPr>
               <p:cNvPr id="9" name="Content Placeholder 8">
@@ -24743,18 +24590,7 @@
                             <a:ea typeface="Cambria Math" panose="02040503050406030204" pitchFamily="18" charset="0"/>
                             <a:cs typeface="Calibri" panose="020F0502020204030204" pitchFamily="34" charset="0"/>
                           </a:rPr>
-                          <m:t>∪</m:t>
-                        </m:r>
-                        <m:r>
-                          <a:rPr lang="en-US" i="1">
-                            <a:solidFill>
-                              <a:schemeClr val="tx1"/>
-                            </a:solidFill>
-                            <a:latin typeface="Cambria Math" panose="02040503050406030204" pitchFamily="18" charset="0"/>
-                            <a:ea typeface="Cambria Math" panose="02040503050406030204" pitchFamily="18" charset="0"/>
-                            <a:cs typeface="Calibri" panose="020F0502020204030204" pitchFamily="34" charset="0"/>
-                          </a:rPr>
-                          <m:t> </m:t>
+                          <m:t>∪ </m:t>
                         </m:r>
                         <m:sSub>
                           <m:sSubPr>
@@ -25229,7 +25065,7 @@
             </p:txBody>
           </p:sp>
         </mc:Choice>
-        <mc:Fallback>
+        <mc:Fallback xmlns="">
           <p:sp>
             <p:nvSpPr>
               <p:cNvPr id="9" name="Content Placeholder 8">
@@ -30382,7 +30218,7 @@
           <p:nvPr>
             <p:extLst>
               <p:ext uri="{D42A27DB-BD31-4B8C-83A1-F6EECF244321}">
-                <p14:modId xmlns:p14="http://schemas.microsoft.com/office/powerpoint/2010/main" val="1566306023"/>
+                <p14:modId xmlns:p14="http://schemas.microsoft.com/office/powerpoint/2010/main" val="1672054194"/>
               </p:ext>
             </p:extLst>
           </p:nvPr>
@@ -30817,7 +30653,10 @@
                     <a:lstStyle/>
                     <a:p>
                       <a:pPr algn="ctr"/>
-                      <a:endParaRPr lang="en-US" dirty="0"/>
+                      <a:r>
+                        <a:rPr lang="en-US" dirty="0"/>
+                        <a:t>0.5</a:t>
+                      </a:r>
                     </a:p>
                   </a:txBody>
                   <a:tcPr/>
@@ -30828,7 +30667,10 @@
                     <a:lstStyle/>
                     <a:p>
                       <a:pPr algn="ctr"/>
-                      <a:endParaRPr lang="en-US" dirty="0"/>
+                      <a:r>
+                        <a:rPr lang="en-US" dirty="0"/>
+                        <a:t>0.50526</a:t>
+                      </a:r>
                     </a:p>
                   </a:txBody>
                   <a:tcPr/>
@@ -30839,7 +30681,10 @@
                     <a:lstStyle/>
                     <a:p>
                       <a:pPr algn="ctr"/>
-                      <a:endParaRPr lang="en-US" dirty="0"/>
+                      <a:r>
+                        <a:rPr lang="en-US" dirty="0"/>
+                        <a:t>0.5</a:t>
+                      </a:r>
                     </a:p>
                   </a:txBody>
                   <a:tcPr/>
@@ -30850,7 +30695,10 @@
                     <a:lstStyle/>
                     <a:p>
                       <a:pPr algn="ctr"/>
-                      <a:endParaRPr lang="en-US" dirty="0"/>
+                      <a:r>
+                        <a:rPr lang="en-US" dirty="0"/>
+                        <a:t>0.5052</a:t>
+                      </a:r>
                     </a:p>
                   </a:txBody>
                   <a:tcPr/>
@@ -30946,7 +30794,10 @@
                     <a:lstStyle/>
                     <a:p>
                       <a:pPr algn="ctr"/>
-                      <a:endParaRPr lang="en-US" dirty="0"/>
+                      <a:r>
+                        <a:rPr lang="en-US" dirty="0"/>
+                        <a:t>0.5</a:t>
+                      </a:r>
                     </a:p>
                   </a:txBody>
                   <a:tcPr/>
@@ -30957,7 +30808,10 @@
                     <a:lstStyle/>
                     <a:p>
                       <a:pPr algn="ctr"/>
-                      <a:endParaRPr lang="en-US" dirty="0"/>
+                      <a:r>
+                        <a:rPr lang="en-US" dirty="0"/>
+                        <a:t>0.50526</a:t>
+                      </a:r>
                     </a:p>
                   </a:txBody>
                   <a:tcPr/>
@@ -35560,8 +35414,8 @@
           </a:p>
         </p:txBody>
       </p:sp>
-      <mc:AlternateContent xmlns:mc="http://schemas.openxmlformats.org/markup-compatibility/2006">
-        <mc:Choice xmlns:a14="http://schemas.microsoft.com/office/drawing/2010/main" Requires="a14">
+      <mc:AlternateContent xmlns:mc="http://schemas.openxmlformats.org/markup-compatibility/2006" xmlns:a14="http://schemas.microsoft.com/office/drawing/2010/main">
+        <mc:Choice Requires="a14">
           <p:sp>
             <p:nvSpPr>
               <p:cNvPr id="9" name="Content Placeholder 8">
@@ -36841,7 +36695,7 @@
             </p:txBody>
           </p:sp>
         </mc:Choice>
-        <mc:Fallback>
+        <mc:Fallback xmlns="">
           <p:sp>
             <p:nvSpPr>
               <p:cNvPr id="9" name="Content Placeholder 8">
@@ -37229,8 +37083,8 @@
           </a:p>
         </p:txBody>
       </p:sp>
-      <mc:AlternateContent xmlns:mc="http://schemas.openxmlformats.org/markup-compatibility/2006">
-        <mc:Choice xmlns:a14="http://schemas.microsoft.com/office/drawing/2010/main" Requires="a14">
+      <mc:AlternateContent xmlns:mc="http://schemas.openxmlformats.org/markup-compatibility/2006" xmlns:a14="http://schemas.microsoft.com/office/drawing/2010/main">
+        <mc:Choice Requires="a14">
           <p:sp>
             <p:nvSpPr>
               <p:cNvPr id="9" name="Content Placeholder 8">
@@ -37957,7 +37811,7 @@
             </p:txBody>
           </p:sp>
         </mc:Choice>
-        <mc:Fallback>
+        <mc:Fallback xmlns="">
           <p:sp>
             <p:nvSpPr>
               <p:cNvPr id="9" name="Content Placeholder 8">
@@ -39571,6 +39425,15 @@
 </file>
 
 <file path=customXml/item1.xml><?xml version="1.0" encoding="utf-8"?>
+<?mso-contentType ?>
+<FormTemplates xmlns="http://schemas.microsoft.com/sharepoint/v3/contenttype/forms">
+  <Display>DocumentLibraryForm</Display>
+  <Edit>AssetEditForm</Edit>
+  <New>DocumentLibraryForm</New>
+</FormTemplates>
+</file>
+
+<file path=customXml/item2.xml><?xml version="1.0" encoding="utf-8"?>
 <p:properties xmlns:p="http://schemas.microsoft.com/office/2006/metadata/properties" xmlns:xsi="http://www.w3.org/2001/XMLSchema-instance" xmlns:pc="http://schemas.microsoft.com/office/infopath/2007/PartnerControls">
   <documentManagement>
     <LocPublishedLinkedAssetsLookup xmlns="4873beb7-5857-4685-be1f-d57550cc96cc" xsi:nil="true"/>
@@ -39704,15 +39567,6 @@
     <LocMarketGroupTiers2 xmlns="4873beb7-5857-4685-be1f-d57550cc96cc" xsi:nil="true"/>
   </documentManagement>
 </p:properties>
-</file>
-
-<file path=customXml/item2.xml><?xml version="1.0" encoding="utf-8"?>
-<?mso-contentType ?>
-<FormTemplates xmlns="http://schemas.microsoft.com/sharepoint/v3/contenttype/forms">
-  <Display>DocumentLibraryForm</Display>
-  <Edit>AssetEditForm</Edit>
-  <New>DocumentLibraryForm</New>
-</FormTemplates>
 </file>
 
 <file path=customXml/item3.xml><?xml version="1.0" encoding="utf-8"?>
@@ -40756,6 +40610,14 @@
 </file>
 
 <file path=customXml/itemProps1.xml><?xml version="1.0" encoding="utf-8"?>
+<ds:datastoreItem xmlns:ds="http://schemas.openxmlformats.org/officeDocument/2006/customXml" ds:itemID="{E1B558C7-619B-49BE-9097-7FCBDADD4ECE}">
+  <ds:schemaRefs>
+    <ds:schemaRef ds:uri="http://schemas.microsoft.com/sharepoint/v3/contenttype/forms"/>
+  </ds:schemaRefs>
+</ds:datastoreItem>
+</file>
+
+<file path=customXml/itemProps2.xml><?xml version="1.0" encoding="utf-8"?>
 <ds:datastoreItem xmlns:ds="http://schemas.openxmlformats.org/officeDocument/2006/customXml" ds:itemID="{F301D382-32B0-43EE-932C-28906AF37617}">
   <ds:schemaRefs>
     <ds:schemaRef ds:uri="http://schemas.microsoft.com/office/2006/metadata/properties"/>
@@ -40767,14 +40629,6 @@
     <ds:schemaRef ds:uri="4873beb7-5857-4685-be1f-d57550cc96cc"/>
     <ds:schemaRef ds:uri="http://www.w3.org/XML/1998/namespace"/>
     <ds:schemaRef ds:uri="http://purl.org/dc/dcmitype/"/>
-  </ds:schemaRefs>
-</ds:datastoreItem>
-</file>
-
-<file path=customXml/itemProps2.xml><?xml version="1.0" encoding="utf-8"?>
-<ds:datastoreItem xmlns:ds="http://schemas.openxmlformats.org/officeDocument/2006/customXml" ds:itemID="{E1B558C7-619B-49BE-9097-7FCBDADD4ECE}">
-  <ds:schemaRefs>
-    <ds:schemaRef ds:uri="http://schemas.microsoft.com/sharepoint/v3/contenttype/forms"/>
   </ds:schemaRefs>
 </ds:datastoreItem>
 </file>

--- a/Drug-Target Interaction Prediction.pptx
+++ b/Drug-Target Interaction Prediction.pptx
@@ -27222,14 +27222,14 @@
           <p:nvPr>
             <p:extLst>
               <p:ext uri="{D42A27DB-BD31-4B8C-83A1-F6EECF244321}">
-                <p14:modId xmlns:p14="http://schemas.microsoft.com/office/powerpoint/2010/main" val="3783073064"/>
+                <p14:modId xmlns:p14="http://schemas.microsoft.com/office/powerpoint/2010/main" val="660925190"/>
               </p:ext>
             </p:extLst>
           </p:nvPr>
         </p:nvGraphicFramePr>
         <p:xfrm>
           <a:off x="1598612" y="1600200"/>
-          <a:ext cx="9372600" cy="4338364"/>
+          <a:ext cx="9372600" cy="4858641"/>
         </p:xfrm>
         <a:graphic>
           <a:graphicData uri="http://schemas.openxmlformats.org/drawingml/2006/table">
@@ -27603,7 +27603,7 @@
                       <a:pPr algn="ctr"/>
                       <a:r>
                         <a:rPr lang="en-US" dirty="0"/>
-                        <a:t>0.84159</a:t>
+                        <a:t>0.81189</a:t>
                       </a:r>
                     </a:p>
                   </a:txBody>
@@ -27617,7 +27617,7 @@
                       <a:pPr algn="ctr"/>
                       <a:r>
                         <a:rPr lang="en-US" dirty="0"/>
-                        <a:t>0.51517</a:t>
+                        <a:t>0.52848</a:t>
                       </a:r>
                     </a:p>
                   </a:txBody>
@@ -27631,7 +27631,7 @@
                       <a:pPr algn="ctr"/>
                       <a:r>
                         <a:rPr lang="en-US" dirty="0"/>
-                        <a:t>0.84159</a:t>
+                        <a:t>0.8118</a:t>
                       </a:r>
                     </a:p>
                   </a:txBody>
@@ -27645,7 +27645,7 @@
                       <a:pPr algn="ctr"/>
                       <a:r>
                         <a:rPr lang="en-US" dirty="0"/>
-                        <a:t>0.51517</a:t>
+                        <a:t>0.5284</a:t>
                       </a:r>
                     </a:p>
                   </a:txBody>
@@ -27657,10 +27657,7 @@
                     <a:lstStyle/>
                     <a:p>
                       <a:pPr algn="ctr"/>
-                      <a:r>
-                        <a:rPr lang="en-US" dirty="0"/>
-                        <a:t>0.9074</a:t>
-                      </a:r>
+                      <a:endParaRPr lang="en-US" dirty="0"/>
                     </a:p>
                   </a:txBody>
                   <a:tcPr/>
@@ -27671,10 +27668,7 @@
                     <a:lstStyle/>
                     <a:p>
                       <a:pPr algn="ctr"/>
-                      <a:r>
-                        <a:rPr lang="en-US" dirty="0"/>
-                        <a:t>0.84523</a:t>
-                      </a:r>
+                      <a:endParaRPr lang="en-US" dirty="0"/>
                     </a:p>
                   </a:txBody>
                   <a:tcPr/>
@@ -27685,10 +27679,7 @@
                     <a:lstStyle/>
                     <a:p>
                       <a:pPr algn="ctr"/>
-                      <a:r>
-                        <a:rPr lang="en-US" dirty="0"/>
-                        <a:t>0.5887</a:t>
-                      </a:r>
+                      <a:endParaRPr lang="en-US" dirty="0"/>
                     </a:p>
                   </a:txBody>
                   <a:tcPr/>
@@ -27699,10 +27690,7 @@
                     <a:lstStyle/>
                     <a:p>
                       <a:pPr algn="ctr"/>
-                      <a:r>
-                        <a:rPr lang="en-US" dirty="0"/>
-                        <a:t>0.37381</a:t>
-                      </a:r>
+                      <a:endParaRPr lang="en-US" dirty="0"/>
                     </a:p>
                   </a:txBody>
                   <a:tcPr/>
@@ -27744,7 +27732,7 @@
                       <a:pPr algn="ctr"/>
                       <a:r>
                         <a:rPr lang="en-US" dirty="0"/>
-                        <a:t>0.8958</a:t>
+                        <a:t>0.875</a:t>
                       </a:r>
                     </a:p>
                   </a:txBody>
@@ -27758,7 +27746,7 @@
                       <a:pPr algn="ctr"/>
                       <a:r>
                         <a:rPr lang="en-US" dirty="0"/>
-                        <a:t>0.71723</a:t>
+                        <a:t>0.57</a:t>
                       </a:r>
                     </a:p>
                   </a:txBody>
@@ -27772,7 +27760,7 @@
                       <a:pPr algn="ctr"/>
                       <a:r>
                         <a:rPr lang="en-US" dirty="0"/>
-                        <a:t>0.89284</a:t>
+                        <a:t>0.8822</a:t>
                       </a:r>
                     </a:p>
                   </a:txBody>
@@ -27786,7 +27774,7 @@
                       <a:pPr algn="ctr"/>
                       <a:r>
                         <a:rPr lang="en-US" dirty="0"/>
-                        <a:t>0.70593</a:t>
+                        <a:t>0.6439</a:t>
                       </a:r>
                     </a:p>
                   </a:txBody>
@@ -27798,10 +27786,7 @@
                     <a:lstStyle/>
                     <a:p>
                       <a:pPr algn="ctr"/>
-                      <a:r>
-                        <a:rPr lang="en-US" dirty="0"/>
-                        <a:t>0.95285</a:t>
-                      </a:r>
+                      <a:endParaRPr lang="en-US" dirty="0"/>
                     </a:p>
                   </a:txBody>
                   <a:tcPr/>
@@ -27812,10 +27797,7 @@
                     <a:lstStyle/>
                     <a:p>
                       <a:pPr algn="ctr"/>
-                      <a:r>
-                        <a:rPr lang="en-US" dirty="0"/>
-                        <a:t>0.915</a:t>
-                      </a:r>
+                      <a:endParaRPr lang="en-US" dirty="0"/>
                     </a:p>
                   </a:txBody>
                   <a:tcPr/>
@@ -27826,10 +27808,7 @@
                     <a:lstStyle/>
                     <a:p>
                       <a:pPr algn="ctr"/>
-                      <a:r>
-                        <a:rPr lang="en-US" dirty="0"/>
-                        <a:t>0.62539</a:t>
-                      </a:r>
+                      <a:endParaRPr lang="en-US" dirty="0"/>
                     </a:p>
                   </a:txBody>
                   <a:tcPr/>
@@ -27840,10 +27819,7 @@
                     <a:lstStyle/>
                     <a:p>
                       <a:pPr algn="ctr"/>
-                      <a:r>
-                        <a:rPr lang="en-US" dirty="0"/>
-                        <a:t>0.26056</a:t>
-                      </a:r>
+                      <a:endParaRPr lang="en-US" dirty="0"/>
                     </a:p>
                   </a:txBody>
                   <a:tcPr/>
@@ -27885,7 +27861,7 @@
                       <a:pPr algn="ctr"/>
                       <a:r>
                         <a:rPr lang="en-US" dirty="0"/>
-                        <a:t>0.8958</a:t>
+                        <a:t> 0.9031</a:t>
                       </a:r>
                     </a:p>
                   </a:txBody>
@@ -27899,7 +27875,7 @@
                       <a:pPr algn="ctr"/>
                       <a:r>
                         <a:rPr lang="en-US" dirty="0"/>
-                        <a:t>0.65672</a:t>
+                        <a:t>0.61388</a:t>
                       </a:r>
                     </a:p>
                   </a:txBody>
@@ -27913,7 +27889,7 @@
                       <a:pPr algn="ctr"/>
                       <a:r>
                         <a:rPr lang="en-US" dirty="0"/>
-                        <a:t>0.88124</a:t>
+                        <a:t>0.9120</a:t>
                       </a:r>
                     </a:p>
                   </a:txBody>
@@ -27927,7 +27903,7 @@
                       <a:pPr algn="ctr"/>
                       <a:r>
                         <a:rPr lang="en-US" dirty="0"/>
-                        <a:t>0.48684</a:t>
+                        <a:t>0.7109</a:t>
                       </a:r>
                     </a:p>
                   </a:txBody>
@@ -27939,10 +27915,7 @@
                     <a:lstStyle/>
                     <a:p>
                       <a:pPr algn="ctr"/>
-                      <a:r>
-                        <a:rPr lang="en-US" dirty="0"/>
-                        <a:t>0.9955</a:t>
-                      </a:r>
+                      <a:endParaRPr lang="en-US" dirty="0"/>
                     </a:p>
                   </a:txBody>
                   <a:tcPr/>
@@ -27953,10 +27926,7 @@
                     <a:lstStyle/>
                     <a:p>
                       <a:pPr algn="ctr"/>
-                      <a:r>
-                        <a:rPr lang="en-US" dirty="0"/>
-                        <a:t>0.8909</a:t>
-                      </a:r>
+                      <a:endParaRPr lang="en-US" dirty="0"/>
                     </a:p>
                   </a:txBody>
                   <a:tcPr/>
@@ -27967,10 +27937,7 @@
                     <a:lstStyle/>
                     <a:p>
                       <a:pPr algn="ctr"/>
-                      <a:r>
-                        <a:rPr lang="en-US" dirty="0"/>
-                        <a:t>0.71145</a:t>
-                      </a:r>
+                      <a:endParaRPr lang="en-US" dirty="0"/>
                     </a:p>
                   </a:txBody>
                   <a:tcPr/>
@@ -27981,10 +27948,7 @@
                     <a:lstStyle/>
                     <a:p>
                       <a:pPr algn="ctr"/>
-                      <a:r>
-                        <a:rPr lang="en-US" dirty="0"/>
-                        <a:t>0.38557</a:t>
-                      </a:r>
+                      <a:endParaRPr lang="en-US" dirty="0"/>
                     </a:p>
                   </a:txBody>
                   <a:tcPr/>
@@ -28026,7 +27990,7 @@
                       <a:pPr algn="ctr"/>
                       <a:r>
                         <a:rPr lang="en-US" dirty="0"/>
-                        <a:t>0.89242</a:t>
+                        <a:t>0.91468</a:t>
                       </a:r>
                     </a:p>
                   </a:txBody>
@@ -28040,7 +28004,7 @@
                       <a:pPr algn="ctr"/>
                       <a:r>
                         <a:rPr lang="en-US" dirty="0"/>
-                        <a:t>0.66938</a:t>
+                        <a:t>0.6241</a:t>
                       </a:r>
                     </a:p>
                   </a:txBody>
@@ -28054,7 +28018,7 @@
                       <a:pPr algn="ctr"/>
                       <a:r>
                         <a:rPr lang="en-US" dirty="0"/>
-                        <a:t>0.86606</a:t>
+                        <a:t>0.9249</a:t>
                       </a:r>
                     </a:p>
                   </a:txBody>
@@ -28068,7 +28032,7 @@
                       <a:pPr algn="ctr"/>
                       <a:r>
                         <a:rPr lang="en-US" dirty="0"/>
-                        <a:t>0.47067</a:t>
+                        <a:t>0.7304</a:t>
                       </a:r>
                     </a:p>
                   </a:txBody>
@@ -28080,10 +28044,7 @@
                     <a:lstStyle/>
                     <a:p>
                       <a:pPr algn="ctr"/>
-                      <a:r>
-                        <a:rPr lang="en-US" dirty="0"/>
-                        <a:t>0.99810</a:t>
-                      </a:r>
+                      <a:endParaRPr lang="en-US" dirty="0"/>
                     </a:p>
                   </a:txBody>
                   <a:tcPr/>
@@ -28094,10 +28055,7 @@
                     <a:lstStyle/>
                     <a:p>
                       <a:pPr algn="ctr"/>
-                      <a:r>
-                        <a:rPr lang="en-US" dirty="0"/>
-                        <a:t>0.94367</a:t>
-                      </a:r>
+                      <a:endParaRPr lang="en-US" dirty="0"/>
                     </a:p>
                   </a:txBody>
                   <a:tcPr/>
@@ -28108,10 +28066,7 @@
                     <a:lstStyle/>
                     <a:p>
                       <a:pPr algn="ctr"/>
-                      <a:r>
-                        <a:rPr lang="en-US" dirty="0"/>
-                        <a:t>0.6802</a:t>
-                      </a:r>
+                      <a:endParaRPr lang="en-US" dirty="0"/>
                     </a:p>
                   </a:txBody>
                   <a:tcPr/>
@@ -28122,10 +28077,7 @@
                     <a:lstStyle/>
                     <a:p>
                       <a:pPr algn="ctr"/>
-                      <a:r>
-                        <a:rPr lang="en-US" dirty="0"/>
-                        <a:t>0.3338</a:t>
-                      </a:r>
+                      <a:endParaRPr lang="en-US" dirty="0"/>
                     </a:p>
                   </a:txBody>
                   <a:tcPr/>
@@ -28159,7 +28111,7 @@
                       <a:pPr algn="ctr"/>
                       <a:r>
                         <a:rPr lang="en-US" dirty="0"/>
-                        <a:t>0.87892</a:t>
+                        <a:t> 0.9213</a:t>
                       </a:r>
                     </a:p>
                   </a:txBody>
@@ -28173,7 +28125,7 @@
                       <a:pPr algn="ctr"/>
                       <a:r>
                         <a:rPr lang="en-US" dirty="0"/>
-                        <a:t>0.39681</a:t>
+                        <a:t>0.627</a:t>
                       </a:r>
                     </a:p>
                   </a:txBody>
@@ -28187,7 +28139,7 @@
                       <a:pPr algn="ctr"/>
                       <a:r>
                         <a:rPr lang="en-US" dirty="0"/>
-                        <a:t>0.85467</a:t>
+                        <a:t>0.93113</a:t>
                       </a:r>
                     </a:p>
                   </a:txBody>
@@ -28201,7 +28153,72 @@
                       <a:pPr algn="ctr"/>
                       <a:r>
                         <a:rPr lang="en-US" dirty="0"/>
-                        <a:t>0.44456</a:t>
+                        <a:t>0.7289</a:t>
+                      </a:r>
+                    </a:p>
+                  </a:txBody>
+                  <a:tcPr/>
+                </a:tc>
+                <a:tc>
+                  <a:txBody>
+                    <a:bodyPr/>
+                    <a:lstStyle/>
+                    <a:p>
+                      <a:pPr algn="ctr"/>
+                      <a:endParaRPr lang="en-US" dirty="0"/>
+                    </a:p>
+                  </a:txBody>
+                  <a:tcPr/>
+                </a:tc>
+                <a:tc>
+                  <a:txBody>
+                    <a:bodyPr/>
+                    <a:lstStyle/>
+                    <a:p>
+                      <a:pPr algn="ctr"/>
+                      <a:endParaRPr lang="en-US" dirty="0"/>
+                    </a:p>
+                  </a:txBody>
+                  <a:tcPr/>
+                </a:tc>
+                <a:tc>
+                  <a:txBody>
+                    <a:bodyPr/>
+                    <a:lstStyle/>
+                    <a:p>
+                      <a:pPr algn="ctr"/>
+                      <a:endParaRPr lang="en-US" dirty="0"/>
+                    </a:p>
+                  </a:txBody>
+                  <a:tcPr/>
+                </a:tc>
+                <a:tc>
+                  <a:txBody>
+                    <a:bodyPr/>
+                    <a:lstStyle/>
+                    <a:p>
+                      <a:pPr algn="ctr"/>
+                      <a:endParaRPr lang="en-US" dirty="0"/>
+                    </a:p>
+                  </a:txBody>
+                  <a:tcPr/>
+                </a:tc>
+                <a:extLst>
+                  <a:ext uri="{0D108BD9-81ED-4DB2-BD59-A6C34878D82A}">
+                    <a16:rowId xmlns:a16="http://schemas.microsoft.com/office/drawing/2014/main" val="1731143259"/>
+                  </a:ext>
+                </a:extLst>
+              </a:tr>
+              <a:tr h="520277">
+                <a:tc>
+                  <a:txBody>
+                    <a:bodyPr/>
+                    <a:lstStyle/>
+                    <a:p>
+                      <a:pPr algn="ctr"/>
+                      <a:r>
+                        <a:rPr lang="en-US" dirty="0"/>
+                        <a:t>6</a:t>
                       </a:r>
                     </a:p>
                   </a:txBody>
@@ -28215,7 +28232,7 @@
                       <a:pPr algn="ctr"/>
                       <a:r>
                         <a:rPr lang="en-US" dirty="0"/>
-                        <a:t>0.99683</a:t>
+                        <a:t>0.9238</a:t>
                       </a:r>
                     </a:p>
                   </a:txBody>
@@ -28229,7 +28246,7 @@
                       <a:pPr algn="ctr"/>
                       <a:r>
                         <a:rPr lang="en-US" dirty="0"/>
-                        <a:t>0.9296</a:t>
+                        <a:t>0.622</a:t>
                       </a:r>
                     </a:p>
                   </a:txBody>
@@ -28243,7 +28260,7 @@
                       <a:pPr algn="ctr"/>
                       <a:r>
                         <a:rPr lang="en-US" dirty="0"/>
-                        <a:t>0.64986</a:t>
+                        <a:t>0.9320</a:t>
                       </a:r>
                     </a:p>
                   </a:txBody>
@@ -28257,15 +28274,59 @@
                       <a:pPr algn="ctr"/>
                       <a:r>
                         <a:rPr lang="en-US" dirty="0"/>
-                        <a:t>0.32351</a:t>
+                        <a:t>0.703</a:t>
                       </a:r>
+                    </a:p>
+                  </a:txBody>
+                  <a:tcPr/>
+                </a:tc>
+                <a:tc>
+                  <a:txBody>
+                    <a:bodyPr/>
+                    <a:lstStyle/>
+                    <a:p>
+                      <a:pPr algn="ctr"/>
+                      <a:endParaRPr lang="en-US" dirty="0"/>
+                    </a:p>
+                  </a:txBody>
+                  <a:tcPr/>
+                </a:tc>
+                <a:tc>
+                  <a:txBody>
+                    <a:bodyPr/>
+                    <a:lstStyle/>
+                    <a:p>
+                      <a:pPr algn="ctr"/>
+                      <a:endParaRPr lang="en-US" dirty="0"/>
+                    </a:p>
+                  </a:txBody>
+                  <a:tcPr/>
+                </a:tc>
+                <a:tc>
+                  <a:txBody>
+                    <a:bodyPr/>
+                    <a:lstStyle/>
+                    <a:p>
+                      <a:pPr algn="ctr"/>
+                      <a:endParaRPr lang="en-US" dirty="0"/>
+                    </a:p>
+                  </a:txBody>
+                  <a:tcPr/>
+                </a:tc>
+                <a:tc>
+                  <a:txBody>
+                    <a:bodyPr/>
+                    <a:lstStyle/>
+                    <a:p>
+                      <a:pPr algn="ctr"/>
+                      <a:endParaRPr lang="en-US" dirty="0"/>
                     </a:p>
                   </a:txBody>
                   <a:tcPr/>
                 </a:tc>
                 <a:extLst>
                   <a:ext uri="{0D108BD9-81ED-4DB2-BD59-A6C34878D82A}">
-                    <a16:rowId xmlns:a16="http://schemas.microsoft.com/office/drawing/2014/main" val="1731143259"/>
+                    <a16:rowId xmlns:a16="http://schemas.microsoft.com/office/drawing/2014/main" val="3198236972"/>
                   </a:ext>
                 </a:extLst>
               </a:tr>
@@ -28680,7 +28741,7 @@
           <p:nvPr>
             <p:extLst>
               <p:ext uri="{D42A27DB-BD31-4B8C-83A1-F6EECF244321}">
-                <p14:modId xmlns:p14="http://schemas.microsoft.com/office/powerpoint/2010/main" val="977580403"/>
+                <p14:modId xmlns:p14="http://schemas.microsoft.com/office/powerpoint/2010/main" val="2610894620"/>
               </p:ext>
             </p:extLst>
           </p:nvPr>
@@ -29059,10 +29120,7 @@
                     <a:lstStyle/>
                     <a:p>
                       <a:pPr algn="ctr"/>
-                      <a:r>
-                        <a:rPr lang="en-US" dirty="0"/>
-                        <a:t>0.46</a:t>
-                      </a:r>
+                      <a:endParaRPr lang="en-US" dirty="0"/>
                     </a:p>
                   </a:txBody>
                   <a:tcPr/>
@@ -29073,10 +29131,7 @@
                     <a:lstStyle/>
                     <a:p>
                       <a:pPr algn="ctr"/>
-                      <a:r>
-                        <a:rPr lang="en-US" dirty="0"/>
-                        <a:t>0.01923</a:t>
-                      </a:r>
+                      <a:endParaRPr lang="en-US" dirty="0"/>
                     </a:p>
                   </a:txBody>
                   <a:tcPr/>
@@ -29087,10 +29142,7 @@
                     <a:lstStyle/>
                     <a:p>
                       <a:pPr algn="ctr"/>
-                      <a:r>
-                        <a:rPr lang="en-US" dirty="0"/>
-                        <a:t>0.46</a:t>
-                      </a:r>
+                      <a:endParaRPr lang="en-US" dirty="0"/>
                     </a:p>
                   </a:txBody>
                   <a:tcPr/>
@@ -29101,10 +29153,7 @@
                     <a:lstStyle/>
                     <a:p>
                       <a:pPr algn="ctr"/>
-                      <a:r>
-                        <a:rPr lang="en-US" dirty="0"/>
-                        <a:t>0.01923</a:t>
-                      </a:r>
+                      <a:endParaRPr lang="en-US" dirty="0"/>
                     </a:p>
                   </a:txBody>
                   <a:tcPr/>
@@ -29115,10 +29164,7 @@
                     <a:lstStyle/>
                     <a:p>
                       <a:pPr algn="ctr"/>
-                      <a:r>
-                        <a:rPr lang="en-US" dirty="0"/>
-                        <a:t>1</a:t>
-                      </a:r>
+                      <a:endParaRPr lang="en-US" dirty="0"/>
                     </a:p>
                   </a:txBody>
                   <a:tcPr/>
@@ -29129,10 +29175,7 @@
                     <a:lstStyle/>
                     <a:p>
                       <a:pPr algn="ctr"/>
-                      <a:r>
-                        <a:rPr lang="en-US" dirty="0"/>
-                        <a:t>1</a:t>
-                      </a:r>
+                      <a:endParaRPr lang="en-US" dirty="0"/>
                     </a:p>
                   </a:txBody>
                   <a:tcPr/>
@@ -29143,10 +29186,7 @@
                     <a:lstStyle/>
                     <a:p>
                       <a:pPr algn="ctr"/>
-                      <a:r>
-                        <a:rPr lang="en-US" dirty="0"/>
-                        <a:t> 0.5</a:t>
-                      </a:r>
+                      <a:endParaRPr lang="en-US" dirty="0"/>
                     </a:p>
                   </a:txBody>
                   <a:tcPr/>
@@ -29157,10 +29197,7 @@
                     <a:lstStyle/>
                     <a:p>
                       <a:pPr algn="ctr"/>
-                      <a:r>
-                        <a:rPr lang="en-US" dirty="0"/>
-                        <a:t>0.51923</a:t>
-                      </a:r>
+                      <a:endParaRPr lang="en-US" dirty="0"/>
                     </a:p>
                   </a:txBody>
                   <a:tcPr/>
@@ -29200,10 +29237,7 @@
                     <a:lstStyle/>
                     <a:p>
                       <a:pPr algn="ctr"/>
-                      <a:r>
-                        <a:rPr lang="en-US" dirty="0"/>
-                        <a:t>0.42</a:t>
-                      </a:r>
+                      <a:endParaRPr lang="en-US" dirty="0"/>
                     </a:p>
                   </a:txBody>
                   <a:tcPr/>
@@ -29214,10 +29248,7 @@
                     <a:lstStyle/>
                     <a:p>
                       <a:pPr algn="ctr"/>
-                      <a:r>
-                        <a:rPr lang="en-US" dirty="0"/>
-                        <a:t>0.01923</a:t>
-                      </a:r>
+                      <a:endParaRPr lang="en-US" dirty="0"/>
                     </a:p>
                   </a:txBody>
                   <a:tcPr/>
@@ -29228,10 +29259,7 @@
                     <a:lstStyle/>
                     <a:p>
                       <a:pPr algn="ctr"/>
-                      <a:r>
-                        <a:rPr lang="en-US" dirty="0"/>
-                        <a:t>0.42</a:t>
-                      </a:r>
+                      <a:endParaRPr lang="en-US" dirty="0"/>
                     </a:p>
                   </a:txBody>
                   <a:tcPr/>
@@ -29242,10 +29270,7 @@
                     <a:lstStyle/>
                     <a:p>
                       <a:pPr algn="ctr"/>
-                      <a:r>
-                        <a:rPr lang="en-US" dirty="0"/>
-                        <a:t>0.01923</a:t>
-                      </a:r>
+                      <a:endParaRPr lang="en-US" dirty="0"/>
                     </a:p>
                   </a:txBody>
                   <a:tcPr/>
@@ -29256,10 +29281,7 @@
                     <a:lstStyle/>
                     <a:p>
                       <a:pPr algn="ctr"/>
-                      <a:r>
-                        <a:rPr lang="en-US" dirty="0"/>
-                        <a:t>1</a:t>
-                      </a:r>
+                      <a:endParaRPr lang="en-US" dirty="0"/>
                     </a:p>
                   </a:txBody>
                   <a:tcPr/>
@@ -29270,10 +29292,7 @@
                     <a:lstStyle/>
                     <a:p>
                       <a:pPr algn="ctr"/>
-                      <a:r>
-                        <a:rPr lang="en-US" dirty="0"/>
-                        <a:t>1</a:t>
-                      </a:r>
+                      <a:endParaRPr lang="en-US" dirty="0"/>
                     </a:p>
                   </a:txBody>
                   <a:tcPr/>
@@ -29284,10 +29303,7 @@
                     <a:lstStyle/>
                     <a:p>
                       <a:pPr algn="ctr"/>
-                      <a:r>
-                        <a:rPr lang="en-US" dirty="0"/>
-                        <a:t>0.5</a:t>
-                      </a:r>
+                      <a:endParaRPr lang="en-US" dirty="0"/>
                     </a:p>
                   </a:txBody>
                   <a:tcPr/>
@@ -29298,10 +29314,7 @@
                     <a:lstStyle/>
                     <a:p>
                       <a:pPr algn="ctr"/>
-                      <a:r>
-                        <a:rPr lang="en-US" dirty="0"/>
-                        <a:t>0.51923</a:t>
-                      </a:r>
+                      <a:endParaRPr lang="en-US" dirty="0"/>
                     </a:p>
                   </a:txBody>
                   <a:tcPr/>
@@ -29341,10 +29354,7 @@
                     <a:lstStyle/>
                     <a:p>
                       <a:pPr algn="ctr"/>
-                      <a:r>
-                        <a:rPr lang="en-US" dirty="0"/>
-                        <a:t>0.4</a:t>
-                      </a:r>
+                      <a:endParaRPr lang="en-US" dirty="0"/>
                     </a:p>
                   </a:txBody>
                   <a:tcPr/>
@@ -29355,10 +29365,7 @@
                     <a:lstStyle/>
                     <a:p>
                       <a:pPr algn="ctr"/>
-                      <a:r>
-                        <a:rPr lang="en-US" dirty="0"/>
-                        <a:t>0.0192</a:t>
-                      </a:r>
+                      <a:endParaRPr lang="en-US" dirty="0"/>
                     </a:p>
                   </a:txBody>
                   <a:tcPr/>
@@ -29369,10 +29376,7 @@
                     <a:lstStyle/>
                     <a:p>
                       <a:pPr algn="ctr"/>
-                      <a:r>
-                        <a:rPr lang="en-US" dirty="0"/>
-                        <a:t>0.4</a:t>
-                      </a:r>
+                      <a:endParaRPr lang="en-US" dirty="0"/>
                     </a:p>
                   </a:txBody>
                   <a:tcPr/>
@@ -29383,10 +29387,7 @@
                     <a:lstStyle/>
                     <a:p>
                       <a:pPr algn="ctr"/>
-                      <a:r>
-                        <a:rPr lang="en-US" dirty="0"/>
-                        <a:t>0.01923</a:t>
-                      </a:r>
+                      <a:endParaRPr lang="en-US" dirty="0"/>
                     </a:p>
                   </a:txBody>
                   <a:tcPr/>
@@ -29397,10 +29398,7 @@
                     <a:lstStyle/>
                     <a:p>
                       <a:pPr algn="ctr"/>
-                      <a:r>
-                        <a:rPr lang="en-US" dirty="0"/>
-                        <a:t>1</a:t>
-                      </a:r>
+                      <a:endParaRPr lang="en-US" dirty="0"/>
                     </a:p>
                   </a:txBody>
                   <a:tcPr/>
@@ -29411,10 +29409,7 @@
                     <a:lstStyle/>
                     <a:p>
                       <a:pPr algn="ctr"/>
-                      <a:r>
-                        <a:rPr lang="en-US" dirty="0"/>
-                        <a:t>1</a:t>
-                      </a:r>
+                      <a:endParaRPr lang="en-US" dirty="0"/>
                     </a:p>
                   </a:txBody>
                   <a:tcPr/>
@@ -29425,10 +29420,7 @@
                     <a:lstStyle/>
                     <a:p>
                       <a:pPr algn="ctr"/>
-                      <a:r>
-                        <a:rPr lang="en-US" dirty="0"/>
-                        <a:t>0.5</a:t>
-                      </a:r>
+                      <a:endParaRPr lang="en-US" dirty="0"/>
                     </a:p>
                   </a:txBody>
                   <a:tcPr/>
@@ -29455,10 +29447,7 @@
                         <a:tabLst/>
                         <a:defRPr/>
                       </a:pPr>
-                      <a:r>
-                        <a:rPr lang="en-US" dirty="0"/>
-                        <a:t>0.51923</a:t>
-                      </a:r>
+                      <a:endParaRPr lang="en-US" dirty="0"/>
                     </a:p>
                   </a:txBody>
                   <a:tcPr/>
@@ -29498,10 +29487,7 @@
                     <a:lstStyle/>
                     <a:p>
                       <a:pPr algn="ctr"/>
-                      <a:r>
-                        <a:rPr lang="en-US" dirty="0"/>
-                        <a:t>0.36</a:t>
-                      </a:r>
+                      <a:endParaRPr lang="en-US" dirty="0"/>
                     </a:p>
                   </a:txBody>
                   <a:tcPr/>
@@ -29512,10 +29498,7 @@
                     <a:lstStyle/>
                     <a:p>
                       <a:pPr algn="ctr"/>
-                      <a:r>
-                        <a:rPr lang="en-US" dirty="0"/>
-                        <a:t>0.01923</a:t>
-                      </a:r>
+                      <a:endParaRPr lang="en-US" dirty="0"/>
                     </a:p>
                   </a:txBody>
                   <a:tcPr/>
@@ -29526,10 +29509,7 @@
                     <a:lstStyle/>
                     <a:p>
                       <a:pPr algn="ctr"/>
-                      <a:r>
-                        <a:rPr lang="en-US" dirty="0"/>
-                        <a:t>0.36</a:t>
-                      </a:r>
+                      <a:endParaRPr lang="en-US" dirty="0"/>
                     </a:p>
                   </a:txBody>
                   <a:tcPr/>
@@ -29540,10 +29520,7 @@
                     <a:lstStyle/>
                     <a:p>
                       <a:pPr algn="ctr"/>
-                      <a:r>
-                        <a:rPr lang="en-US" dirty="0"/>
-                        <a:t>0.01923</a:t>
-                      </a:r>
+                      <a:endParaRPr lang="en-US" dirty="0"/>
                     </a:p>
                   </a:txBody>
                   <a:tcPr/>
@@ -29554,10 +29531,7 @@
                     <a:lstStyle/>
                     <a:p>
                       <a:pPr algn="ctr"/>
-                      <a:r>
-                        <a:rPr lang="en-US" dirty="0"/>
-                        <a:t>1</a:t>
-                      </a:r>
+                      <a:endParaRPr lang="en-US" dirty="0"/>
                     </a:p>
                   </a:txBody>
                   <a:tcPr/>
@@ -29568,10 +29542,7 @@
                     <a:lstStyle/>
                     <a:p>
                       <a:pPr algn="ctr"/>
-                      <a:r>
-                        <a:rPr lang="en-US" dirty="0"/>
-                        <a:t>1</a:t>
-                      </a:r>
+                      <a:endParaRPr lang="en-US" dirty="0"/>
                     </a:p>
                   </a:txBody>
                   <a:tcPr/>
@@ -29598,10 +29569,7 @@
                         <a:tabLst/>
                         <a:defRPr/>
                       </a:pPr>
-                      <a:r>
-                        <a:rPr lang="en-US" dirty="0"/>
-                        <a:t>0.5</a:t>
-                      </a:r>
+                      <a:endParaRPr lang="en-US" dirty="0"/>
                     </a:p>
                   </a:txBody>
                   <a:tcPr/>
@@ -29628,10 +29596,7 @@
                         <a:tabLst/>
                         <a:defRPr/>
                       </a:pPr>
-                      <a:r>
-                        <a:rPr lang="en-US" dirty="0"/>
-                        <a:t>0.51923</a:t>
-                      </a:r>
+                      <a:endParaRPr lang="en-US" dirty="0"/>
                     </a:p>
                   </a:txBody>
                   <a:tcPr/>
@@ -29663,10 +29628,7 @@
                     <a:lstStyle/>
                     <a:p>
                       <a:pPr algn="ctr"/>
-                      <a:r>
-                        <a:rPr lang="en-US" dirty="0"/>
-                        <a:t>0.36</a:t>
-                      </a:r>
+                      <a:endParaRPr lang="en-US" dirty="0"/>
                     </a:p>
                   </a:txBody>
                   <a:tcPr/>
@@ -29677,10 +29639,7 @@
                     <a:lstStyle/>
                     <a:p>
                       <a:pPr algn="ctr"/>
-                      <a:r>
-                        <a:rPr lang="en-US" dirty="0"/>
-                        <a:t>0.01923</a:t>
-                      </a:r>
+                      <a:endParaRPr lang="en-US" dirty="0"/>
                     </a:p>
                   </a:txBody>
                   <a:tcPr/>
@@ -29691,10 +29650,7 @@
                     <a:lstStyle/>
                     <a:p>
                       <a:pPr algn="ctr"/>
-                      <a:r>
-                        <a:rPr lang="en-US" dirty="0"/>
-                        <a:t>0.36</a:t>
-                      </a:r>
+                      <a:endParaRPr lang="en-US" dirty="0"/>
                     </a:p>
                   </a:txBody>
                   <a:tcPr/>
@@ -29705,10 +29661,7 @@
                     <a:lstStyle/>
                     <a:p>
                       <a:pPr algn="ctr"/>
-                      <a:r>
-                        <a:rPr lang="en-US" dirty="0"/>
-                        <a:t>0.01923</a:t>
-                      </a:r>
+                      <a:endParaRPr lang="en-US" dirty="0"/>
                     </a:p>
                   </a:txBody>
                   <a:tcPr/>
@@ -29719,10 +29672,7 @@
                     <a:lstStyle/>
                     <a:p>
                       <a:pPr algn="ctr"/>
-                      <a:r>
-                        <a:rPr lang="en-US" dirty="0"/>
-                        <a:t>1</a:t>
-                      </a:r>
+                      <a:endParaRPr lang="en-US" dirty="0"/>
                     </a:p>
                   </a:txBody>
                   <a:tcPr/>
@@ -29733,10 +29683,7 @@
                     <a:lstStyle/>
                     <a:p>
                       <a:pPr algn="ctr"/>
-                      <a:r>
-                        <a:rPr lang="en-US" dirty="0"/>
-                        <a:t>1</a:t>
-                      </a:r>
+                      <a:endParaRPr lang="en-US" dirty="0"/>
                     </a:p>
                   </a:txBody>
                   <a:tcPr/>
@@ -29763,10 +29710,7 @@
                         <a:tabLst/>
                         <a:defRPr/>
                       </a:pPr>
-                      <a:r>
-                        <a:rPr lang="en-US" dirty="0"/>
-                        <a:t>0.5</a:t>
-                      </a:r>
+                      <a:endParaRPr lang="en-US" dirty="0"/>
                     </a:p>
                   </a:txBody>
                   <a:tcPr/>
@@ -29793,10 +29737,7 @@
                         <a:tabLst/>
                         <a:defRPr/>
                       </a:pPr>
-                      <a:r>
-                        <a:rPr lang="en-US" dirty="0"/>
-                        <a:t>0.51923</a:t>
-                      </a:r>
+                      <a:endParaRPr lang="en-US" dirty="0"/>
                     </a:p>
                   </a:txBody>
                   <a:tcPr/>
@@ -30218,7 +30159,7 @@
           <p:nvPr>
             <p:extLst>
               <p:ext uri="{D42A27DB-BD31-4B8C-83A1-F6EECF244321}">
-                <p14:modId xmlns:p14="http://schemas.microsoft.com/office/powerpoint/2010/main" val="1672054194"/>
+                <p14:modId xmlns:p14="http://schemas.microsoft.com/office/powerpoint/2010/main" val="1452180193"/>
               </p:ext>
             </p:extLst>
           </p:nvPr>
@@ -30597,10 +30538,7 @@
                     <a:lstStyle/>
                     <a:p>
                       <a:pPr algn="ctr"/>
-                      <a:r>
-                        <a:rPr lang="en-US" dirty="0"/>
-                        <a:t>0.49468</a:t>
-                      </a:r>
+                      <a:endParaRPr lang="en-US" dirty="0"/>
                     </a:p>
                   </a:txBody>
                   <a:tcPr/>
@@ -30611,10 +30549,7 @@
                     <a:lstStyle/>
                     <a:p>
                       <a:pPr algn="ctr"/>
-                      <a:r>
-                        <a:rPr lang="en-US" dirty="0"/>
-                        <a:t>0.00526</a:t>
-                      </a:r>
+                      <a:endParaRPr lang="en-US" dirty="0"/>
                     </a:p>
                   </a:txBody>
                   <a:tcPr/>
@@ -30625,10 +30560,7 @@
                     <a:lstStyle/>
                     <a:p>
                       <a:pPr algn="ctr"/>
-                      <a:r>
-                        <a:rPr lang="en-US" dirty="0"/>
-                        <a:t>0.4946</a:t>
-                      </a:r>
+                      <a:endParaRPr lang="en-US" dirty="0"/>
                     </a:p>
                   </a:txBody>
                   <a:tcPr/>
@@ -30639,10 +30571,7 @@
                     <a:lstStyle/>
                     <a:p>
                       <a:pPr algn="ctr"/>
-                      <a:r>
-                        <a:rPr lang="en-US" dirty="0"/>
-                        <a:t>0.00526</a:t>
-                      </a:r>
+                      <a:endParaRPr lang="en-US" dirty="0"/>
                     </a:p>
                   </a:txBody>
                   <a:tcPr/>
@@ -30653,10 +30582,7 @@
                     <a:lstStyle/>
                     <a:p>
                       <a:pPr algn="ctr"/>
-                      <a:r>
-                        <a:rPr lang="en-US" dirty="0"/>
-                        <a:t>0.5</a:t>
-                      </a:r>
+                      <a:endParaRPr lang="en-US" dirty="0"/>
                     </a:p>
                   </a:txBody>
                   <a:tcPr/>
@@ -30667,10 +30593,7 @@
                     <a:lstStyle/>
                     <a:p>
                       <a:pPr algn="ctr"/>
-                      <a:r>
-                        <a:rPr lang="en-US" dirty="0"/>
-                        <a:t>0.50526</a:t>
-                      </a:r>
+                      <a:endParaRPr lang="en-US" dirty="0"/>
                     </a:p>
                   </a:txBody>
                   <a:tcPr/>
@@ -30681,10 +30604,7 @@
                     <a:lstStyle/>
                     <a:p>
                       <a:pPr algn="ctr"/>
-                      <a:r>
-                        <a:rPr lang="en-US" dirty="0"/>
-                        <a:t>0.5</a:t>
-                      </a:r>
+                      <a:endParaRPr lang="en-US" dirty="0"/>
                     </a:p>
                   </a:txBody>
                   <a:tcPr/>
@@ -30695,10 +30615,7 @@
                     <a:lstStyle/>
                     <a:p>
                       <a:pPr algn="ctr"/>
-                      <a:r>
-                        <a:rPr lang="en-US" dirty="0"/>
-                        <a:t>0.5052</a:t>
-                      </a:r>
+                      <a:endParaRPr lang="en-US" dirty="0"/>
                     </a:p>
                   </a:txBody>
                   <a:tcPr/>
@@ -30738,10 +30655,7 @@
                     <a:lstStyle/>
                     <a:p>
                       <a:pPr algn="ctr"/>
-                      <a:r>
-                        <a:rPr lang="en-US" dirty="0"/>
-                        <a:t>0.48404</a:t>
-                      </a:r>
+                      <a:endParaRPr lang="en-US" dirty="0"/>
                     </a:p>
                   </a:txBody>
                   <a:tcPr/>
@@ -30752,10 +30666,7 @@
                     <a:lstStyle/>
                     <a:p>
                       <a:pPr algn="ctr"/>
-                      <a:r>
-                        <a:rPr lang="en-US" dirty="0"/>
-                        <a:t>0.00526</a:t>
-                      </a:r>
+                      <a:endParaRPr lang="en-US" dirty="0"/>
                     </a:p>
                   </a:txBody>
                   <a:tcPr/>
@@ -30766,10 +30677,7 @@
                     <a:lstStyle/>
                     <a:p>
                       <a:pPr algn="ctr"/>
-                      <a:r>
-                        <a:rPr lang="en-US" dirty="0"/>
-                        <a:t>0.4840</a:t>
-                      </a:r>
+                      <a:endParaRPr lang="en-US" dirty="0"/>
                     </a:p>
                   </a:txBody>
                   <a:tcPr/>
@@ -30780,10 +30688,7 @@
                     <a:lstStyle/>
                     <a:p>
                       <a:pPr algn="ctr"/>
-                      <a:r>
-                        <a:rPr lang="en-US" dirty="0"/>
-                        <a:t>0.00526</a:t>
-                      </a:r>
+                      <a:endParaRPr lang="en-US" dirty="0"/>
                     </a:p>
                   </a:txBody>
                   <a:tcPr/>
@@ -30794,10 +30699,7 @@
                     <a:lstStyle/>
                     <a:p>
                       <a:pPr algn="ctr"/>
-                      <a:r>
-                        <a:rPr lang="en-US" dirty="0"/>
-                        <a:t>0.5</a:t>
-                      </a:r>
+                      <a:endParaRPr lang="en-US" dirty="0"/>
                     </a:p>
                   </a:txBody>
                   <a:tcPr/>
@@ -30808,10 +30710,7 @@
                     <a:lstStyle/>
                     <a:p>
                       <a:pPr algn="ctr"/>
-                      <a:r>
-                        <a:rPr lang="en-US" dirty="0"/>
-                        <a:t>0.50526</a:t>
-                      </a:r>
+                      <a:endParaRPr lang="en-US" dirty="0"/>
                     </a:p>
                   </a:txBody>
                   <a:tcPr/>
@@ -30873,10 +30772,7 @@
                     <a:lstStyle/>
                     <a:p>
                       <a:pPr algn="ctr"/>
-                      <a:r>
-                        <a:rPr lang="en-US" dirty="0"/>
-                        <a:t>0.47872</a:t>
-                      </a:r>
+                      <a:endParaRPr lang="en-US" dirty="0"/>
                     </a:p>
                   </a:txBody>
                   <a:tcPr/>
@@ -30887,10 +30783,7 @@
                     <a:lstStyle/>
                     <a:p>
                       <a:pPr algn="ctr"/>
-                      <a:r>
-                        <a:rPr lang="en-US" dirty="0"/>
-                        <a:t>0.00526</a:t>
-                      </a:r>
+                      <a:endParaRPr lang="en-US" dirty="0"/>
                     </a:p>
                   </a:txBody>
                   <a:tcPr/>
@@ -30901,10 +30794,7 @@
                     <a:lstStyle/>
                     <a:p>
                       <a:pPr algn="ctr"/>
-                      <a:r>
-                        <a:rPr lang="en-US" dirty="0"/>
-                        <a:t>0.47872</a:t>
-                      </a:r>
+                      <a:endParaRPr lang="en-US" dirty="0"/>
                     </a:p>
                   </a:txBody>
                   <a:tcPr/>
@@ -30915,10 +30805,7 @@
                     <a:lstStyle/>
                     <a:p>
                       <a:pPr algn="ctr"/>
-                      <a:r>
-                        <a:rPr lang="en-US" dirty="0"/>
-                        <a:t>0.00526</a:t>
-                      </a:r>
+                      <a:endParaRPr lang="en-US" dirty="0"/>
                     </a:p>
                   </a:txBody>
                   <a:tcPr/>
@@ -31018,10 +30905,7 @@
                     <a:lstStyle/>
                     <a:p>
                       <a:pPr algn="ctr"/>
-                      <a:r>
-                        <a:rPr lang="en-US" dirty="0"/>
-                        <a:t>0.47340</a:t>
-                      </a:r>
+                      <a:endParaRPr lang="en-US" dirty="0"/>
                     </a:p>
                   </a:txBody>
                   <a:tcPr/>
@@ -31032,10 +30916,7 @@
                     <a:lstStyle/>
                     <a:p>
                       <a:pPr algn="ctr"/>
-                      <a:r>
-                        <a:rPr lang="en-US" dirty="0"/>
-                        <a:t>0.00526</a:t>
-                      </a:r>
+                      <a:endParaRPr lang="en-US" dirty="0"/>
                     </a:p>
                   </a:txBody>
                   <a:tcPr/>
@@ -31046,10 +30927,7 @@
                     <a:lstStyle/>
                     <a:p>
                       <a:pPr algn="ctr"/>
-                      <a:r>
-                        <a:rPr lang="en-US" dirty="0"/>
-                        <a:t>0.47340</a:t>
-                      </a:r>
+                      <a:endParaRPr lang="en-US" dirty="0"/>
                     </a:p>
                   </a:txBody>
                   <a:tcPr/>
@@ -31060,10 +30938,7 @@
                     <a:lstStyle/>
                     <a:p>
                       <a:pPr algn="ctr"/>
-                      <a:r>
-                        <a:rPr lang="en-US" dirty="0"/>
-                        <a:t>0.00526</a:t>
-                      </a:r>
+                      <a:endParaRPr lang="en-US" dirty="0"/>
                     </a:p>
                   </a:txBody>
                   <a:tcPr/>
@@ -31171,10 +31046,7 @@
                     <a:lstStyle/>
                     <a:p>
                       <a:pPr algn="ctr"/>
-                      <a:r>
-                        <a:rPr lang="en-US" dirty="0"/>
-                        <a:t>0.46808</a:t>
-                      </a:r>
+                      <a:endParaRPr lang="en-US" dirty="0"/>
                     </a:p>
                   </a:txBody>
                   <a:tcPr/>
@@ -31185,10 +31057,7 @@
                     <a:lstStyle/>
                     <a:p>
                       <a:pPr algn="ctr"/>
-                      <a:r>
-                        <a:rPr lang="en-US" dirty="0"/>
-                        <a:t>0.00526</a:t>
-                      </a:r>
+                      <a:endParaRPr lang="en-US" dirty="0"/>
                     </a:p>
                   </a:txBody>
                   <a:tcPr/>
@@ -31199,10 +31068,7 @@
                     <a:lstStyle/>
                     <a:p>
                       <a:pPr algn="ctr"/>
-                      <a:r>
-                        <a:rPr lang="en-US" dirty="0"/>
-                        <a:t>0.46808</a:t>
-                      </a:r>
+                      <a:endParaRPr lang="en-US" dirty="0"/>
                     </a:p>
                   </a:txBody>
                   <a:tcPr/>
@@ -31213,10 +31079,7 @@
                     <a:lstStyle/>
                     <a:p>
                       <a:pPr algn="ctr"/>
-                      <a:r>
-                        <a:rPr lang="en-US" dirty="0"/>
-                        <a:t>0.00526</a:t>
-                      </a:r>
+                      <a:endParaRPr lang="en-US" dirty="0"/>
                     </a:p>
                   </a:txBody>
                   <a:tcPr/>
@@ -39425,15 +39288,6 @@
 </file>
 
 <file path=customXml/item1.xml><?xml version="1.0" encoding="utf-8"?>
-<?mso-contentType ?>
-<FormTemplates xmlns="http://schemas.microsoft.com/sharepoint/v3/contenttype/forms">
-  <Display>DocumentLibraryForm</Display>
-  <Edit>AssetEditForm</Edit>
-  <New>DocumentLibraryForm</New>
-</FormTemplates>
-</file>
-
-<file path=customXml/item2.xml><?xml version="1.0" encoding="utf-8"?>
 <p:properties xmlns:p="http://schemas.microsoft.com/office/2006/metadata/properties" xmlns:xsi="http://www.w3.org/2001/XMLSchema-instance" xmlns:pc="http://schemas.microsoft.com/office/infopath/2007/PartnerControls">
   <documentManagement>
     <LocPublishedLinkedAssetsLookup xmlns="4873beb7-5857-4685-be1f-d57550cc96cc" xsi:nil="true"/>
@@ -39567,6 +39421,15 @@
     <LocMarketGroupTiers2 xmlns="4873beb7-5857-4685-be1f-d57550cc96cc" xsi:nil="true"/>
   </documentManagement>
 </p:properties>
+</file>
+
+<file path=customXml/item2.xml><?xml version="1.0" encoding="utf-8"?>
+<?mso-contentType ?>
+<FormTemplates xmlns="http://schemas.microsoft.com/sharepoint/v3/contenttype/forms">
+  <Display>DocumentLibraryForm</Display>
+  <Edit>AssetEditForm</Edit>
+  <New>DocumentLibraryForm</New>
+</FormTemplates>
 </file>
 
 <file path=customXml/item3.xml><?xml version="1.0" encoding="utf-8"?>
@@ -40610,14 +40473,6 @@
 </file>
 
 <file path=customXml/itemProps1.xml><?xml version="1.0" encoding="utf-8"?>
-<ds:datastoreItem xmlns:ds="http://schemas.openxmlformats.org/officeDocument/2006/customXml" ds:itemID="{E1B558C7-619B-49BE-9097-7FCBDADD4ECE}">
-  <ds:schemaRefs>
-    <ds:schemaRef ds:uri="http://schemas.microsoft.com/sharepoint/v3/contenttype/forms"/>
-  </ds:schemaRefs>
-</ds:datastoreItem>
-</file>
-
-<file path=customXml/itemProps2.xml><?xml version="1.0" encoding="utf-8"?>
 <ds:datastoreItem xmlns:ds="http://schemas.openxmlformats.org/officeDocument/2006/customXml" ds:itemID="{F301D382-32B0-43EE-932C-28906AF37617}">
   <ds:schemaRefs>
     <ds:schemaRef ds:uri="http://schemas.microsoft.com/office/2006/metadata/properties"/>
@@ -40629,6 +40484,14 @@
     <ds:schemaRef ds:uri="4873beb7-5857-4685-be1f-d57550cc96cc"/>
     <ds:schemaRef ds:uri="http://www.w3.org/XML/1998/namespace"/>
     <ds:schemaRef ds:uri="http://purl.org/dc/dcmitype/"/>
+  </ds:schemaRefs>
+</ds:datastoreItem>
+</file>
+
+<file path=customXml/itemProps2.xml><?xml version="1.0" encoding="utf-8"?>
+<ds:datastoreItem xmlns:ds="http://schemas.openxmlformats.org/officeDocument/2006/customXml" ds:itemID="{E1B558C7-619B-49BE-9097-7FCBDADD4ECE}">
+  <ds:schemaRefs>
+    <ds:schemaRef ds:uri="http://schemas.microsoft.com/sharepoint/v3/contenttype/forms"/>
   </ds:schemaRefs>
 </ds:datastoreItem>
 </file>

--- a/Drug-Target Interaction Prediction.pptx
+++ b/Drug-Target Interaction Prediction.pptx
@@ -28741,14 +28741,14 @@
           <p:nvPr>
             <p:extLst>
               <p:ext uri="{D42A27DB-BD31-4B8C-83A1-F6EECF244321}">
-                <p14:modId xmlns:p14="http://schemas.microsoft.com/office/powerpoint/2010/main" val="2610894620"/>
+                <p14:modId xmlns:p14="http://schemas.microsoft.com/office/powerpoint/2010/main" val="4097141932"/>
               </p:ext>
             </p:extLst>
           </p:nvPr>
         </p:nvGraphicFramePr>
         <p:xfrm>
           <a:off x="1598612" y="1600200"/>
-          <a:ext cx="9372600" cy="4338364"/>
+          <a:ext cx="9372600" cy="4858641"/>
         </p:xfrm>
         <a:graphic>
           <a:graphicData uri="http://schemas.openxmlformats.org/drawingml/2006/table">
@@ -29120,7 +29120,10 @@
                     <a:lstStyle/>
                     <a:p>
                       <a:pPr algn="ctr"/>
-                      <a:endParaRPr lang="en-US" dirty="0"/>
+                      <a:r>
+                        <a:rPr lang="en-US" dirty="0"/>
+                        <a:t>0.8427</a:t>
+                      </a:r>
                     </a:p>
                   </a:txBody>
                   <a:tcPr/>
@@ -29131,7 +29134,10 @@
                     <a:lstStyle/>
                     <a:p>
                       <a:pPr algn="ctr"/>
-                      <a:endParaRPr lang="en-US" dirty="0"/>
+                      <a:r>
+                        <a:rPr lang="en-US" dirty="0"/>
+                        <a:t>0.4850</a:t>
+                      </a:r>
                     </a:p>
                   </a:txBody>
                   <a:tcPr/>
@@ -29142,7 +29148,10 @@
                     <a:lstStyle/>
                     <a:p>
                       <a:pPr algn="ctr"/>
-                      <a:endParaRPr lang="en-US" dirty="0"/>
+                      <a:r>
+                        <a:rPr lang="en-US" dirty="0"/>
+                        <a:t>0.84277</a:t>
+                      </a:r>
                     </a:p>
                   </a:txBody>
                   <a:tcPr/>
@@ -29153,7 +29162,10 @@
                     <a:lstStyle/>
                     <a:p>
                       <a:pPr algn="ctr"/>
-                      <a:endParaRPr lang="en-US" dirty="0"/>
+                      <a:r>
+                        <a:rPr lang="en-US" dirty="0"/>
+                        <a:t>0.4850</a:t>
+                      </a:r>
                     </a:p>
                   </a:txBody>
                   <a:tcPr/>
@@ -29237,7 +29249,10 @@
                     <a:lstStyle/>
                     <a:p>
                       <a:pPr algn="ctr"/>
-                      <a:endParaRPr lang="en-US" dirty="0"/>
+                      <a:r>
+                        <a:rPr lang="en-US" dirty="0"/>
+                        <a:t>0.8870</a:t>
+                      </a:r>
                     </a:p>
                   </a:txBody>
                   <a:tcPr/>
@@ -29248,7 +29263,10 @@
                     <a:lstStyle/>
                     <a:p>
                       <a:pPr algn="ctr"/>
-                      <a:endParaRPr lang="en-US" dirty="0"/>
+                      <a:r>
+                        <a:rPr lang="en-US" dirty="0"/>
+                        <a:t>0.5539</a:t>
+                      </a:r>
                     </a:p>
                   </a:txBody>
                   <a:tcPr/>
@@ -29259,7 +29277,10 @@
                     <a:lstStyle/>
                     <a:p>
                       <a:pPr algn="ctr"/>
-                      <a:endParaRPr lang="en-US" dirty="0"/>
+                      <a:r>
+                        <a:rPr lang="en-US" dirty="0"/>
+                        <a:t>0.9017</a:t>
+                      </a:r>
                     </a:p>
                   </a:txBody>
                   <a:tcPr/>
@@ -29270,7 +29291,10 @@
                     <a:lstStyle/>
                     <a:p>
                       <a:pPr algn="ctr"/>
-                      <a:endParaRPr lang="en-US" dirty="0"/>
+                      <a:r>
+                        <a:rPr lang="en-US" dirty="0"/>
+                        <a:t> 0.71136</a:t>
+                      </a:r>
                     </a:p>
                   </a:txBody>
                   <a:tcPr/>
@@ -29354,7 +29378,10 @@
                     <a:lstStyle/>
                     <a:p>
                       <a:pPr algn="ctr"/>
-                      <a:endParaRPr lang="en-US" dirty="0"/>
+                      <a:r>
+                        <a:rPr lang="en-US" dirty="0"/>
+                        <a:t>0.8873</a:t>
+                      </a:r>
                     </a:p>
                   </a:txBody>
                   <a:tcPr/>
@@ -29365,7 +29392,10 @@
                     <a:lstStyle/>
                     <a:p>
                       <a:pPr algn="ctr"/>
-                      <a:endParaRPr lang="en-US" dirty="0"/>
+                      <a:r>
+                        <a:rPr lang="en-US" dirty="0"/>
+                        <a:t>0.5853</a:t>
+                      </a:r>
                     </a:p>
                   </a:txBody>
                   <a:tcPr/>
@@ -29376,7 +29406,10 @@
                     <a:lstStyle/>
                     <a:p>
                       <a:pPr algn="ctr"/>
-                      <a:endParaRPr lang="en-US" dirty="0"/>
+                      <a:r>
+                        <a:rPr lang="en-US" dirty="0"/>
+                        <a:t>0.899</a:t>
+                      </a:r>
                     </a:p>
                   </a:txBody>
                   <a:tcPr/>
@@ -29387,7 +29420,10 @@
                     <a:lstStyle/>
                     <a:p>
                       <a:pPr algn="ctr"/>
-                      <a:endParaRPr lang="en-US" dirty="0"/>
+                      <a:r>
+                        <a:rPr lang="en-US" dirty="0"/>
+                        <a:t>0.75633</a:t>
+                      </a:r>
                     </a:p>
                   </a:txBody>
                   <a:tcPr/>
@@ -29487,7 +29523,10 @@
                     <a:lstStyle/>
                     <a:p>
                       <a:pPr algn="ctr"/>
-                      <a:endParaRPr lang="en-US" dirty="0"/>
+                      <a:r>
+                        <a:rPr lang="en-US" dirty="0"/>
+                        <a:t>0.89133</a:t>
+                      </a:r>
                     </a:p>
                   </a:txBody>
                   <a:tcPr/>
@@ -29498,7 +29537,10 @@
                     <a:lstStyle/>
                     <a:p>
                       <a:pPr algn="ctr"/>
-                      <a:endParaRPr lang="en-US" dirty="0"/>
+                      <a:r>
+                        <a:rPr lang="en-US" dirty="0"/>
+                        <a:t>0.59299</a:t>
+                      </a:r>
                     </a:p>
                   </a:txBody>
                   <a:tcPr/>
@@ -29509,7 +29551,10 @@
                     <a:lstStyle/>
                     <a:p>
                       <a:pPr algn="ctr"/>
-                      <a:endParaRPr lang="en-US" dirty="0"/>
+                      <a:r>
+                        <a:rPr lang="en-US" dirty="0"/>
+                        <a:t>0.90386</a:t>
+                      </a:r>
                     </a:p>
                   </a:txBody>
                   <a:tcPr/>
@@ -29520,7 +29565,10 @@
                     <a:lstStyle/>
                     <a:p>
                       <a:pPr algn="ctr"/>
-                      <a:endParaRPr lang="en-US" dirty="0"/>
+                      <a:r>
+                        <a:rPr lang="en-US" dirty="0"/>
+                        <a:t>0.72924</a:t>
+                      </a:r>
                     </a:p>
                   </a:txBody>
                   <a:tcPr/>
@@ -29628,7 +29676,10 @@
                     <a:lstStyle/>
                     <a:p>
                       <a:pPr algn="ctr"/>
-                      <a:endParaRPr lang="en-US" dirty="0"/>
+                      <a:r>
+                        <a:rPr lang="en-US" dirty="0"/>
+                        <a:t>0.8867</a:t>
+                      </a:r>
                     </a:p>
                   </a:txBody>
                   <a:tcPr/>
@@ -29639,7 +29690,10 @@
                     <a:lstStyle/>
                     <a:p>
                       <a:pPr algn="ctr"/>
-                      <a:endParaRPr lang="en-US" dirty="0"/>
+                      <a:r>
+                        <a:rPr lang="en-US" dirty="0"/>
+                        <a:t>0.604</a:t>
+                      </a:r>
                     </a:p>
                   </a:txBody>
                   <a:tcPr/>
@@ -29650,7 +29704,10 @@
                     <a:lstStyle/>
                     <a:p>
                       <a:pPr algn="ctr"/>
-                      <a:endParaRPr lang="en-US" dirty="0"/>
+                      <a:r>
+                        <a:rPr lang="en-US" dirty="0"/>
+                        <a:t>0.9013</a:t>
+                      </a:r>
                     </a:p>
                   </a:txBody>
                   <a:tcPr/>
@@ -29661,7 +29718,10 @@
                     <a:lstStyle/>
                     <a:p>
                       <a:pPr algn="ctr"/>
-                      <a:endParaRPr lang="en-US" dirty="0"/>
+                      <a:r>
+                        <a:rPr lang="en-US" dirty="0"/>
+                        <a:t>0.72679</a:t>
+                      </a:r>
                     </a:p>
                   </a:txBody>
                   <a:tcPr/>
@@ -29745,6 +29805,159 @@
                 <a:extLst>
                   <a:ext uri="{0D108BD9-81ED-4DB2-BD59-A6C34878D82A}">
                     <a16:rowId xmlns:a16="http://schemas.microsoft.com/office/drawing/2014/main" val="1731143259"/>
+                  </a:ext>
+                </a:extLst>
+              </a:tr>
+              <a:tr h="520277">
+                <a:tc>
+                  <a:txBody>
+                    <a:bodyPr/>
+                    <a:lstStyle/>
+                    <a:p>
+                      <a:pPr algn="ctr"/>
+                      <a:r>
+                        <a:rPr lang="en-US" dirty="0"/>
+                        <a:t>6</a:t>
+                      </a:r>
+                    </a:p>
+                  </a:txBody>
+                  <a:tcPr/>
+                </a:tc>
+                <a:tc>
+                  <a:txBody>
+                    <a:bodyPr/>
+                    <a:lstStyle/>
+                    <a:p>
+                      <a:pPr algn="ctr"/>
+                      <a:r>
+                        <a:rPr lang="en-US" dirty="0"/>
+                        <a:t>0.88843</a:t>
+                      </a:r>
+                    </a:p>
+                  </a:txBody>
+                  <a:tcPr/>
+                </a:tc>
+                <a:tc>
+                  <a:txBody>
+                    <a:bodyPr/>
+                    <a:lstStyle/>
+                    <a:p>
+                      <a:pPr algn="ctr"/>
+                      <a:r>
+                        <a:rPr lang="en-US" dirty="0"/>
+                        <a:t>0.5876</a:t>
+                      </a:r>
+                    </a:p>
+                  </a:txBody>
+                  <a:tcPr/>
+                </a:tc>
+                <a:tc>
+                  <a:txBody>
+                    <a:bodyPr/>
+                    <a:lstStyle/>
+                    <a:p>
+                      <a:pPr algn="ctr"/>
+                      <a:r>
+                        <a:rPr lang="en-US" dirty="0"/>
+                        <a:t>0.90591</a:t>
+                      </a:r>
+                    </a:p>
+                  </a:txBody>
+                  <a:tcPr/>
+                </a:tc>
+                <a:tc>
+                  <a:txBody>
+                    <a:bodyPr/>
+                    <a:lstStyle/>
+                    <a:p>
+                      <a:pPr algn="ctr"/>
+                      <a:r>
+                        <a:rPr lang="en-US" dirty="0"/>
+                        <a:t>0.70949</a:t>
+                      </a:r>
+                    </a:p>
+                  </a:txBody>
+                  <a:tcPr/>
+                </a:tc>
+                <a:tc>
+                  <a:txBody>
+                    <a:bodyPr/>
+                    <a:lstStyle/>
+                    <a:p>
+                      <a:pPr algn="ctr"/>
+                      <a:endParaRPr lang="en-US" dirty="0"/>
+                    </a:p>
+                  </a:txBody>
+                  <a:tcPr/>
+                </a:tc>
+                <a:tc>
+                  <a:txBody>
+                    <a:bodyPr/>
+                    <a:lstStyle/>
+                    <a:p>
+                      <a:pPr algn="ctr"/>
+                      <a:endParaRPr lang="en-US" dirty="0"/>
+                    </a:p>
+                  </a:txBody>
+                  <a:tcPr/>
+                </a:tc>
+                <a:tc>
+                  <a:txBody>
+                    <a:bodyPr/>
+                    <a:lstStyle/>
+                    <a:p>
+                      <a:pPr marL="0" marR="0" lvl="0" indent="0" algn="ctr" defTabSz="457063" rtl="0" eaLnBrk="1" fontAlgn="auto" latinLnBrk="0" hangingPunct="1">
+                        <a:lnSpc>
+                          <a:spcPct val="100000"/>
+                        </a:lnSpc>
+                        <a:spcBef>
+                          <a:spcPts val="0"/>
+                        </a:spcBef>
+                        <a:spcAft>
+                          <a:spcPts val="0"/>
+                        </a:spcAft>
+                        <a:buClrTx/>
+                        <a:buSzTx/>
+                        <a:buFontTx/>
+                        <a:buNone/>
+                        <a:tabLst/>
+                        <a:defRPr/>
+                      </a:pPr>
+                      <a:endParaRPr lang="en-US" dirty="0"/>
+                    </a:p>
+                  </a:txBody>
+                  <a:tcPr/>
+                </a:tc>
+                <a:tc>
+                  <a:txBody>
+                    <a:bodyPr/>
+                    <a:lstStyle/>
+                    <a:p>
+                      <a:pPr marL="0" marR="0" lvl="0" indent="0" algn="ctr" defTabSz="457063" rtl="0" eaLnBrk="1" fontAlgn="auto" latinLnBrk="0" hangingPunct="1">
+                        <a:lnSpc>
+                          <a:spcPct val="100000"/>
+                        </a:lnSpc>
+                        <a:spcBef>
+                          <a:spcPts val="0"/>
+                        </a:spcBef>
+                        <a:spcAft>
+                          <a:spcPts val="0"/>
+                        </a:spcAft>
+                        <a:buClrTx/>
+                        <a:buSzTx/>
+                        <a:buFontTx/>
+                        <a:buNone/>
+                        <a:tabLst/>
+                        <a:defRPr/>
+                      </a:pPr>
+                      <a:endParaRPr lang="en-US" dirty="0"/>
+                    </a:p>
+                  </a:txBody>
+                  <a:tcPr/>
+                </a:tc>
+                <a:extLst>
+                  <a:ext uri="{0D108BD9-81ED-4DB2-BD59-A6C34878D82A}">
+                    <a16:rowId xmlns:a16="http://schemas.microsoft.com/office/drawing/2014/main" val="1467149037"/>
                   </a:ext>
                 </a:extLst>
               </a:tr>
@@ -39288,6 +39501,15 @@
 </file>
 
 <file path=customXml/item1.xml><?xml version="1.0" encoding="utf-8"?>
+<?mso-contentType ?>
+<FormTemplates xmlns="http://schemas.microsoft.com/sharepoint/v3/contenttype/forms">
+  <Display>DocumentLibraryForm</Display>
+  <Edit>AssetEditForm</Edit>
+  <New>DocumentLibraryForm</New>
+</FormTemplates>
+</file>
+
+<file path=customXml/item2.xml><?xml version="1.0" encoding="utf-8"?>
 <p:properties xmlns:p="http://schemas.microsoft.com/office/2006/metadata/properties" xmlns:xsi="http://www.w3.org/2001/XMLSchema-instance" xmlns:pc="http://schemas.microsoft.com/office/infopath/2007/PartnerControls">
   <documentManagement>
     <LocPublishedLinkedAssetsLookup xmlns="4873beb7-5857-4685-be1f-d57550cc96cc" xsi:nil="true"/>
@@ -39421,15 +39643,6 @@
     <LocMarketGroupTiers2 xmlns="4873beb7-5857-4685-be1f-d57550cc96cc" xsi:nil="true"/>
   </documentManagement>
 </p:properties>
-</file>
-
-<file path=customXml/item2.xml><?xml version="1.0" encoding="utf-8"?>
-<?mso-contentType ?>
-<FormTemplates xmlns="http://schemas.microsoft.com/sharepoint/v3/contenttype/forms">
-  <Display>DocumentLibraryForm</Display>
-  <Edit>AssetEditForm</Edit>
-  <New>DocumentLibraryForm</New>
-</FormTemplates>
 </file>
 
 <file path=customXml/item3.xml><?xml version="1.0" encoding="utf-8"?>
@@ -40473,6 +40686,14 @@
 </file>
 
 <file path=customXml/itemProps1.xml><?xml version="1.0" encoding="utf-8"?>
+<ds:datastoreItem xmlns:ds="http://schemas.openxmlformats.org/officeDocument/2006/customXml" ds:itemID="{E1B558C7-619B-49BE-9097-7FCBDADD4ECE}">
+  <ds:schemaRefs>
+    <ds:schemaRef ds:uri="http://schemas.microsoft.com/sharepoint/v3/contenttype/forms"/>
+  </ds:schemaRefs>
+</ds:datastoreItem>
+</file>
+
+<file path=customXml/itemProps2.xml><?xml version="1.0" encoding="utf-8"?>
 <ds:datastoreItem xmlns:ds="http://schemas.openxmlformats.org/officeDocument/2006/customXml" ds:itemID="{F301D382-32B0-43EE-932C-28906AF37617}">
   <ds:schemaRefs>
     <ds:schemaRef ds:uri="http://schemas.microsoft.com/office/2006/metadata/properties"/>
@@ -40484,14 +40705,6 @@
     <ds:schemaRef ds:uri="4873beb7-5857-4685-be1f-d57550cc96cc"/>
     <ds:schemaRef ds:uri="http://www.w3.org/XML/1998/namespace"/>
     <ds:schemaRef ds:uri="http://purl.org/dc/dcmitype/"/>
-  </ds:schemaRefs>
-</ds:datastoreItem>
-</file>
-
-<file path=customXml/itemProps2.xml><?xml version="1.0" encoding="utf-8"?>
-<ds:datastoreItem xmlns:ds="http://schemas.openxmlformats.org/officeDocument/2006/customXml" ds:itemID="{E1B558C7-619B-49BE-9097-7FCBDADD4ECE}">
-  <ds:schemaRefs>
-    <ds:schemaRef ds:uri="http://schemas.microsoft.com/sharepoint/v3/contenttype/forms"/>
   </ds:schemaRefs>
 </ds:datastoreItem>
 </file>

--- a/Drug-Target Interaction Prediction.pptx
+++ b/Drug-Target Interaction Prediction.pptx
@@ -30372,14 +30372,14 @@
           <p:nvPr>
             <p:extLst>
               <p:ext uri="{D42A27DB-BD31-4B8C-83A1-F6EECF244321}">
-                <p14:modId xmlns:p14="http://schemas.microsoft.com/office/powerpoint/2010/main" val="1452180193"/>
+                <p14:modId xmlns:p14="http://schemas.microsoft.com/office/powerpoint/2010/main" val="606909978"/>
               </p:ext>
             </p:extLst>
           </p:nvPr>
         </p:nvGraphicFramePr>
         <p:xfrm>
           <a:off x="1598612" y="1600200"/>
-          <a:ext cx="9372600" cy="4338364"/>
+          <a:ext cx="9372600" cy="4858641"/>
         </p:xfrm>
         <a:graphic>
           <a:graphicData uri="http://schemas.openxmlformats.org/drawingml/2006/table">
@@ -30751,7 +30751,10 @@
                     <a:lstStyle/>
                     <a:p>
                       <a:pPr algn="ctr"/>
-                      <a:endParaRPr lang="en-US" dirty="0"/>
+                      <a:r>
+                        <a:rPr lang="en-US" dirty="0"/>
+                        <a:t>0.8816</a:t>
+                      </a:r>
                     </a:p>
                   </a:txBody>
                   <a:tcPr/>
@@ -30762,7 +30765,10 @@
                     <a:lstStyle/>
                     <a:p>
                       <a:pPr algn="ctr"/>
-                      <a:endParaRPr lang="en-US" dirty="0"/>
+                      <a:r>
+                        <a:rPr lang="en-US" dirty="0"/>
+                        <a:t>0.57462</a:t>
+                      </a:r>
                     </a:p>
                   </a:txBody>
                   <a:tcPr/>
@@ -30773,7 +30779,10 @@
                     <a:lstStyle/>
                     <a:p>
                       <a:pPr algn="ctr"/>
-                      <a:endParaRPr lang="en-US" dirty="0"/>
+                      <a:r>
+                        <a:rPr lang="en-US" dirty="0"/>
+                        <a:t>0.8816</a:t>
+                      </a:r>
                     </a:p>
                   </a:txBody>
                   <a:tcPr/>
@@ -30784,7 +30793,10 @@
                     <a:lstStyle/>
                     <a:p>
                       <a:pPr algn="ctr"/>
-                      <a:endParaRPr lang="en-US" dirty="0"/>
+                      <a:r>
+                        <a:rPr lang="en-US" dirty="0"/>
+                        <a:t>0.57462</a:t>
+                      </a:r>
                     </a:p>
                   </a:txBody>
                   <a:tcPr/>
@@ -30868,7 +30880,10 @@
                     <a:lstStyle/>
                     <a:p>
                       <a:pPr algn="ctr"/>
-                      <a:endParaRPr lang="en-US" dirty="0"/>
+                      <a:r>
+                        <a:rPr lang="en-US" dirty="0"/>
+                        <a:t>0.92277</a:t>
+                      </a:r>
                     </a:p>
                   </a:txBody>
                   <a:tcPr/>
@@ -30879,7 +30894,10 @@
                     <a:lstStyle/>
                     <a:p>
                       <a:pPr algn="ctr"/>
-                      <a:endParaRPr lang="en-US" dirty="0"/>
+                      <a:r>
+                        <a:rPr lang="en-US" dirty="0"/>
+                        <a:t>0.62661</a:t>
+                      </a:r>
                     </a:p>
                   </a:txBody>
                   <a:tcPr/>
@@ -30890,7 +30908,10 @@
                     <a:lstStyle/>
                     <a:p>
                       <a:pPr algn="ctr"/>
-                      <a:endParaRPr lang="en-US" dirty="0"/>
+                      <a:r>
+                        <a:rPr lang="en-US" dirty="0"/>
+                        <a:t>0.92693</a:t>
+                      </a:r>
                     </a:p>
                   </a:txBody>
                   <a:tcPr/>
@@ -30901,7 +30922,10 @@
                     <a:lstStyle/>
                     <a:p>
                       <a:pPr algn="ctr"/>
-                      <a:endParaRPr lang="en-US" dirty="0"/>
+                      <a:r>
+                        <a:rPr lang="en-US" dirty="0"/>
+                        <a:t>0.7149</a:t>
+                      </a:r>
                     </a:p>
                   </a:txBody>
                   <a:tcPr/>
@@ -30985,7 +31009,10 @@
                     <a:lstStyle/>
                     <a:p>
                       <a:pPr algn="ctr"/>
-                      <a:endParaRPr lang="en-US" dirty="0"/>
+                      <a:r>
+                        <a:rPr lang="en-US" dirty="0"/>
+                        <a:t>0.9335</a:t>
+                      </a:r>
                     </a:p>
                   </a:txBody>
                   <a:tcPr/>
@@ -30996,7 +31023,10 @@
                     <a:lstStyle/>
                     <a:p>
                       <a:pPr algn="ctr"/>
-                      <a:endParaRPr lang="en-US" dirty="0"/>
+                      <a:r>
+                        <a:rPr lang="en-US" dirty="0"/>
+                        <a:t>0.64723</a:t>
+                      </a:r>
                     </a:p>
                   </a:txBody>
                   <a:tcPr/>
@@ -31007,7 +31037,10 @@
                     <a:lstStyle/>
                     <a:p>
                       <a:pPr algn="ctr"/>
-                      <a:endParaRPr lang="en-US" dirty="0"/>
+                      <a:r>
+                        <a:rPr lang="en-US" dirty="0"/>
+                        <a:t>0.9383</a:t>
+                      </a:r>
                     </a:p>
                   </a:txBody>
                   <a:tcPr/>
@@ -31018,7 +31051,10 @@
                     <a:lstStyle/>
                     <a:p>
                       <a:pPr algn="ctr"/>
-                      <a:endParaRPr lang="en-US" dirty="0"/>
+                      <a:r>
+                        <a:rPr lang="en-US" dirty="0"/>
+                        <a:t>0.76607</a:t>
+                      </a:r>
                     </a:p>
                   </a:txBody>
                   <a:tcPr/>
@@ -31118,7 +31154,10 @@
                     <a:lstStyle/>
                     <a:p>
                       <a:pPr algn="ctr"/>
-                      <a:endParaRPr lang="en-US" dirty="0"/>
+                      <a:r>
+                        <a:rPr lang="en-US" dirty="0"/>
+                        <a:t>0.9408</a:t>
+                      </a:r>
                     </a:p>
                   </a:txBody>
                   <a:tcPr/>
@@ -31129,7 +31168,10 @@
                     <a:lstStyle/>
                     <a:p>
                       <a:pPr algn="ctr"/>
-                      <a:endParaRPr lang="en-US" dirty="0"/>
+                      <a:r>
+                        <a:rPr lang="en-US" dirty="0"/>
+                        <a:t>0.6433</a:t>
+                      </a:r>
                     </a:p>
                   </a:txBody>
                   <a:tcPr/>
@@ -31140,7 +31182,10 @@
                     <a:lstStyle/>
                     <a:p>
                       <a:pPr algn="ctr"/>
-                      <a:endParaRPr lang="en-US" dirty="0"/>
+                      <a:r>
+                        <a:rPr lang="en-US" dirty="0"/>
+                        <a:t>0.9470</a:t>
+                      </a:r>
                     </a:p>
                   </a:txBody>
                   <a:tcPr/>
@@ -31151,7 +31196,10 @@
                     <a:lstStyle/>
                     <a:p>
                       <a:pPr algn="ctr"/>
-                      <a:endParaRPr lang="en-US" dirty="0"/>
+                      <a:r>
+                        <a:rPr lang="en-US" dirty="0"/>
+                        <a:t>0.7764</a:t>
+                      </a:r>
                     </a:p>
                   </a:txBody>
                   <a:tcPr/>
@@ -31259,7 +31307,52 @@
                     <a:lstStyle/>
                     <a:p>
                       <a:pPr algn="ctr"/>
-                      <a:endParaRPr lang="en-US" dirty="0"/>
+                      <a:r>
+                        <a:rPr lang="en-US" dirty="0"/>
+                        <a:t>0.94355</a:t>
+                      </a:r>
+                    </a:p>
+                  </a:txBody>
+                  <a:tcPr/>
+                </a:tc>
+                <a:tc>
+                  <a:txBody>
+                    <a:bodyPr/>
+                    <a:lstStyle/>
+                    <a:p>
+                      <a:pPr algn="ctr"/>
+                      <a:r>
+                        <a:rPr lang="en-US" dirty="0"/>
+                        <a:t>0.6446</a:t>
+                      </a:r>
+                    </a:p>
+                  </a:txBody>
+                  <a:tcPr/>
+                </a:tc>
+                <a:tc>
+                  <a:txBody>
+                    <a:bodyPr/>
+                    <a:lstStyle/>
+                    <a:p>
+                      <a:pPr algn="ctr"/>
+                      <a:r>
+                        <a:rPr lang="en-US" dirty="0"/>
+                        <a:t>0.94934</a:t>
+                      </a:r>
+                    </a:p>
+                  </a:txBody>
+                  <a:tcPr/>
+                </a:tc>
+                <a:tc>
+                  <a:txBody>
+                    <a:bodyPr/>
+                    <a:lstStyle/>
+                    <a:p>
+                      <a:pPr algn="ctr"/>
+                      <a:r>
+                        <a:rPr lang="en-US" dirty="0"/>
+                        <a:t>0.7717</a:t>
+                      </a:r>
                     </a:p>
                   </a:txBody>
                   <a:tcPr/>
@@ -31291,7 +31384,128 @@
                     <a:bodyPr/>
                     <a:lstStyle/>
                     <a:p>
+                      <a:pPr marL="0" marR="0" lvl="0" indent="0" algn="ctr" defTabSz="457063" rtl="0" eaLnBrk="1" fontAlgn="auto" latinLnBrk="0" hangingPunct="1">
+                        <a:lnSpc>
+                          <a:spcPct val="100000"/>
+                        </a:lnSpc>
+                        <a:spcBef>
+                          <a:spcPts val="0"/>
+                        </a:spcBef>
+                        <a:spcAft>
+                          <a:spcPts val="0"/>
+                        </a:spcAft>
+                        <a:buClrTx/>
+                        <a:buSzTx/>
+                        <a:buFontTx/>
+                        <a:buNone/>
+                        <a:tabLst/>
+                        <a:defRPr/>
+                      </a:pPr>
+                      <a:endParaRPr lang="en-US" dirty="0"/>
+                    </a:p>
+                  </a:txBody>
+                  <a:tcPr/>
+                </a:tc>
+                <a:tc>
+                  <a:txBody>
+                    <a:bodyPr/>
+                    <a:lstStyle/>
+                    <a:p>
+                      <a:pPr marL="0" marR="0" lvl="0" indent="0" algn="ctr" defTabSz="457063" rtl="0" eaLnBrk="1" fontAlgn="auto" latinLnBrk="0" hangingPunct="1">
+                        <a:lnSpc>
+                          <a:spcPct val="100000"/>
+                        </a:lnSpc>
+                        <a:spcBef>
+                          <a:spcPts val="0"/>
+                        </a:spcBef>
+                        <a:spcAft>
+                          <a:spcPts val="0"/>
+                        </a:spcAft>
+                        <a:buClrTx/>
+                        <a:buSzTx/>
+                        <a:buFontTx/>
+                        <a:buNone/>
+                        <a:tabLst/>
+                        <a:defRPr/>
+                      </a:pPr>
+                      <a:endParaRPr lang="en-US" dirty="0"/>
+                    </a:p>
+                  </a:txBody>
+                  <a:tcPr/>
+                </a:tc>
+                <a:extLst>
+                  <a:ext uri="{0D108BD9-81ED-4DB2-BD59-A6C34878D82A}">
+                    <a16:rowId xmlns:a16="http://schemas.microsoft.com/office/drawing/2014/main" val="1731143259"/>
+                  </a:ext>
+                </a:extLst>
+              </a:tr>
+              <a:tr h="520277">
+                <a:tc>
+                  <a:txBody>
+                    <a:bodyPr/>
+                    <a:lstStyle/>
+                    <a:p>
                       <a:pPr algn="ctr"/>
+                      <a:r>
+                        <a:rPr lang="en-US" dirty="0"/>
+                        <a:t>6</a:t>
+                      </a:r>
+                    </a:p>
+                  </a:txBody>
+                  <a:tcPr/>
+                </a:tc>
+                <a:tc>
+                  <a:txBody>
+                    <a:bodyPr/>
+                    <a:lstStyle/>
+                    <a:p>
+                      <a:pPr algn="ctr"/>
+                      <a:r>
+                        <a:rPr lang="en-US" dirty="0"/>
+                        <a:t>0.94370</a:t>
+                      </a:r>
+                    </a:p>
+                  </a:txBody>
+                  <a:tcPr/>
+                </a:tc>
+                <a:tc>
+                  <a:txBody>
+                    <a:bodyPr/>
+                    <a:lstStyle/>
+                    <a:p>
+                      <a:pPr algn="ctr"/>
+                      <a:r>
+                        <a:rPr lang="en-US" dirty="0"/>
+                        <a:t>0.64310</a:t>
+                      </a:r>
+                    </a:p>
+                  </a:txBody>
+                  <a:tcPr/>
+                </a:tc>
+                <a:tc>
+                  <a:txBody>
+                    <a:bodyPr/>
+                    <a:lstStyle/>
+                    <a:p>
+                      <a:pPr algn="ctr"/>
+                      <a:r>
+                        <a:rPr lang="en-US" dirty="0"/>
+                        <a:t>0.94760</a:t>
+                      </a:r>
+                    </a:p>
+                  </a:txBody>
+                  <a:tcPr/>
+                </a:tc>
+                <a:tc>
+                  <a:txBody>
+                    <a:bodyPr/>
+                    <a:lstStyle/>
+                    <a:p>
+                      <a:pPr algn="ctr"/>
+                      <a:r>
+                        <a:rPr lang="en-US"/>
+                        <a:t>0.74539</a:t>
+                      </a:r>
                       <a:endParaRPr lang="en-US" dirty="0"/>
                     </a:p>
                   </a:txBody>
@@ -31375,7 +31589,7 @@
                 </a:tc>
                 <a:extLst>
                   <a:ext uri="{0D108BD9-81ED-4DB2-BD59-A6C34878D82A}">
-                    <a16:rowId xmlns:a16="http://schemas.microsoft.com/office/drawing/2014/main" val="1731143259"/>
+                    <a16:rowId xmlns:a16="http://schemas.microsoft.com/office/drawing/2014/main" val="3564928130"/>
                   </a:ext>
                 </a:extLst>
               </a:tr>
@@ -39501,15 +39715,6 @@
 </file>
 
 <file path=customXml/item1.xml><?xml version="1.0" encoding="utf-8"?>
-<?mso-contentType ?>
-<FormTemplates xmlns="http://schemas.microsoft.com/sharepoint/v3/contenttype/forms">
-  <Display>DocumentLibraryForm</Display>
-  <Edit>AssetEditForm</Edit>
-  <New>DocumentLibraryForm</New>
-</FormTemplates>
-</file>
-
-<file path=customXml/item2.xml><?xml version="1.0" encoding="utf-8"?>
 <p:properties xmlns:p="http://schemas.microsoft.com/office/2006/metadata/properties" xmlns:xsi="http://www.w3.org/2001/XMLSchema-instance" xmlns:pc="http://schemas.microsoft.com/office/infopath/2007/PartnerControls">
   <documentManagement>
     <LocPublishedLinkedAssetsLookup xmlns="4873beb7-5857-4685-be1f-d57550cc96cc" xsi:nil="true"/>
@@ -39643,6 +39848,15 @@
     <LocMarketGroupTiers2 xmlns="4873beb7-5857-4685-be1f-d57550cc96cc" xsi:nil="true"/>
   </documentManagement>
 </p:properties>
+</file>
+
+<file path=customXml/item2.xml><?xml version="1.0" encoding="utf-8"?>
+<?mso-contentType ?>
+<FormTemplates xmlns="http://schemas.microsoft.com/sharepoint/v3/contenttype/forms">
+  <Display>DocumentLibraryForm</Display>
+  <Edit>AssetEditForm</Edit>
+  <New>DocumentLibraryForm</New>
+</FormTemplates>
 </file>
 
 <file path=customXml/item3.xml><?xml version="1.0" encoding="utf-8"?>
@@ -40686,14 +40900,6 @@
 </file>
 
 <file path=customXml/itemProps1.xml><?xml version="1.0" encoding="utf-8"?>
-<ds:datastoreItem xmlns:ds="http://schemas.openxmlformats.org/officeDocument/2006/customXml" ds:itemID="{E1B558C7-619B-49BE-9097-7FCBDADD4ECE}">
-  <ds:schemaRefs>
-    <ds:schemaRef ds:uri="http://schemas.microsoft.com/sharepoint/v3/contenttype/forms"/>
-  </ds:schemaRefs>
-</ds:datastoreItem>
-</file>
-
-<file path=customXml/itemProps2.xml><?xml version="1.0" encoding="utf-8"?>
 <ds:datastoreItem xmlns:ds="http://schemas.openxmlformats.org/officeDocument/2006/customXml" ds:itemID="{F301D382-32B0-43EE-932C-28906AF37617}">
   <ds:schemaRefs>
     <ds:schemaRef ds:uri="http://schemas.microsoft.com/office/2006/metadata/properties"/>
@@ -40705,6 +40911,14 @@
     <ds:schemaRef ds:uri="4873beb7-5857-4685-be1f-d57550cc96cc"/>
     <ds:schemaRef ds:uri="http://www.w3.org/XML/1998/namespace"/>
     <ds:schemaRef ds:uri="http://purl.org/dc/dcmitype/"/>
+  </ds:schemaRefs>
+</ds:datastoreItem>
+</file>
+
+<file path=customXml/itemProps2.xml><?xml version="1.0" encoding="utf-8"?>
+<ds:datastoreItem xmlns:ds="http://schemas.openxmlformats.org/officeDocument/2006/customXml" ds:itemID="{E1B558C7-619B-49BE-9097-7FCBDADD4ECE}">
+  <ds:schemaRefs>
+    <ds:schemaRef ds:uri="http://schemas.microsoft.com/sharepoint/v3/contenttype/forms"/>
   </ds:schemaRefs>
 </ds:datastoreItem>
 </file>

--- a/Drug-Target Interaction Prediction.pptx
+++ b/Drug-Target Interaction Prediction.pptx
@@ -5,10 +5,10 @@
     <p:sldMasterId id="2147483887" r:id="rId4"/>
   </p:sldMasterIdLst>
   <p:notesMasterIdLst>
-    <p:notesMasterId r:id="rId34"/>
+    <p:notesMasterId r:id="rId36"/>
   </p:notesMasterIdLst>
   <p:handoutMasterIdLst>
-    <p:handoutMasterId r:id="rId35"/>
+    <p:handoutMasterId r:id="rId37"/>
   </p:handoutMasterIdLst>
   <p:sldIdLst>
     <p:sldId id="264" r:id="rId5"/>
@@ -34,12 +34,14 @@
     <p:sldId id="314" r:id="rId25"/>
     <p:sldId id="315" r:id="rId26"/>
     <p:sldId id="316" r:id="rId27"/>
-    <p:sldId id="317" r:id="rId28"/>
-    <p:sldId id="318" r:id="rId29"/>
-    <p:sldId id="319" r:id="rId30"/>
-    <p:sldId id="294" r:id="rId31"/>
-    <p:sldId id="289" r:id="rId32"/>
-    <p:sldId id="292" r:id="rId33"/>
+    <p:sldId id="320" r:id="rId28"/>
+    <p:sldId id="321" r:id="rId29"/>
+    <p:sldId id="317" r:id="rId30"/>
+    <p:sldId id="318" r:id="rId31"/>
+    <p:sldId id="319" r:id="rId32"/>
+    <p:sldId id="294" r:id="rId33"/>
+    <p:sldId id="289" r:id="rId34"/>
+    <p:sldId id="292" r:id="rId35"/>
   </p:sldIdLst>
   <p:sldSz cx="12188825" cy="6858000"/>
   <p:notesSz cx="6858000" cy="9144000"/>
@@ -26875,6 +26877,961 @@
           <a:lstStyle/>
           <a:p>
             <a:r>
+              <a:rPr lang="en-US" altLang="zh-CN" sz="3600" dirty="0">
+                <a:latin typeface="Calibri" panose="020F0502020204030204" pitchFamily="34" charset="0"/>
+                <a:cs typeface="Calibri" panose="020F0502020204030204" pitchFamily="34" charset="0"/>
+              </a:rPr>
+              <a:t>ROC curve and PR curve</a:t>
+            </a:r>
+            <a:endParaRPr lang="en-US" dirty="0">
+              <a:latin typeface="Calibri" panose="020F0502020204030204" pitchFamily="34" charset="0"/>
+              <a:cs typeface="Calibri" panose="020F0502020204030204" pitchFamily="34" charset="0"/>
+            </a:endParaRPr>
+          </a:p>
+        </p:txBody>
+      </p:sp>
+      <p:sp>
+        <p:nvSpPr>
+          <p:cNvPr id="9" name="Content Placeholder 8">
+            <a:extLst>
+              <a:ext uri="{FF2B5EF4-FFF2-40B4-BE49-F238E27FC236}">
+                <a16:creationId xmlns:a16="http://schemas.microsoft.com/office/drawing/2014/main" id="{BFD27979-805A-4B4B-946D-AB44BEAC7A32}"/>
+              </a:ext>
+            </a:extLst>
+          </p:cNvPr>
+          <p:cNvSpPr>
+            <a:spLocks noGrp="1"/>
+          </p:cNvSpPr>
+          <p:nvPr>
+            <p:ph idx="1"/>
+          </p:nvPr>
+        </p:nvSpPr>
+        <p:spPr>
+          <a:xfrm>
+            <a:off x="760413" y="1600200"/>
+            <a:ext cx="6553199" cy="4724400"/>
+          </a:xfrm>
+        </p:spPr>
+        <p:txBody>
+          <a:bodyPr>
+            <a:normAutofit/>
+          </a:bodyPr>
+          <a:lstStyle/>
+          <a:p>
+            <a:pPr marL="0" indent="0">
+              <a:buNone/>
+            </a:pPr>
+            <a:r>
+              <a:rPr lang="en-US">
+                <a:solidFill>
+                  <a:schemeClr val="tx1"/>
+                </a:solidFill>
+                <a:latin typeface="Calibri" panose="020F0502020204030204" pitchFamily="34" charset="0"/>
+                <a:cs typeface="Calibri" panose="020F0502020204030204" pitchFamily="34" charset="0"/>
+              </a:rPr>
+              <a:t>Confusion Matrix</a:t>
+            </a:r>
+            <a:endParaRPr lang="en-US" dirty="0">
+              <a:solidFill>
+                <a:schemeClr val="tx1"/>
+              </a:solidFill>
+              <a:latin typeface="Calibri" panose="020F0502020204030204" pitchFamily="34" charset="0"/>
+              <a:cs typeface="Calibri" panose="020F0502020204030204" pitchFamily="34" charset="0"/>
+            </a:endParaRPr>
+          </a:p>
+        </p:txBody>
+      </p:sp>
+      <p:sp>
+        <p:nvSpPr>
+          <p:cNvPr id="6" name="Content Placeholder 2">
+            <a:extLst>
+              <a:ext uri="{FF2B5EF4-FFF2-40B4-BE49-F238E27FC236}">
+                <a16:creationId xmlns:a16="http://schemas.microsoft.com/office/drawing/2014/main" id="{109EE1EC-0CF3-44EA-8406-9B48EE9C5C3D}"/>
+              </a:ext>
+            </a:extLst>
+          </p:cNvPr>
+          <p:cNvSpPr txBox="1">
+            <a:spLocks/>
+          </p:cNvSpPr>
+          <p:nvPr/>
+        </p:nvSpPr>
+        <p:spPr>
+          <a:xfrm>
+            <a:off x="637470" y="1676399"/>
+            <a:ext cx="9227254" cy="4343400"/>
+          </a:xfrm>
+          <a:prstGeom prst="rect">
+            <a:avLst/>
+          </a:prstGeom>
+        </p:spPr>
+        <p:txBody>
+          <a:bodyPr vert="horz" lIns="91440" tIns="45720" rIns="91440" bIns="45720" rtlCol="0">
+            <a:normAutofit/>
+          </a:bodyPr>
+          <a:lstStyle>
+            <a:lvl1pPr marL="342797" indent="-342797" algn="l" defTabSz="457063" rtl="0" eaLnBrk="1" latinLnBrk="0" hangingPunct="1">
+              <a:spcBef>
+                <a:spcPts val="1000"/>
+              </a:spcBef>
+              <a:spcAft>
+                <a:spcPts val="0"/>
+              </a:spcAft>
+              <a:buClr>
+                <a:schemeClr val="accent1"/>
+              </a:buClr>
+              <a:buSzPct val="80000"/>
+              <a:buFont typeface="Wingdings 3" charset="2"/>
+              <a:buChar char=""/>
+              <a:defRPr sz="1799" kern="1200">
+                <a:solidFill>
+                  <a:schemeClr val="tx1">
+                    <a:lumMod val="75000"/>
+                    <a:lumOff val="25000"/>
+                  </a:schemeClr>
+                </a:solidFill>
+                <a:latin typeface="+mn-lt"/>
+                <a:ea typeface="+mn-ea"/>
+                <a:cs typeface="+mn-cs"/>
+              </a:defRPr>
+            </a:lvl1pPr>
+            <a:lvl2pPr marL="742727" indent="-285664" algn="l" defTabSz="457063" rtl="0" eaLnBrk="1" latinLnBrk="0" hangingPunct="1">
+              <a:spcBef>
+                <a:spcPts val="1000"/>
+              </a:spcBef>
+              <a:spcAft>
+                <a:spcPts val="0"/>
+              </a:spcAft>
+              <a:buClr>
+                <a:schemeClr val="accent1"/>
+              </a:buClr>
+              <a:buSzPct val="80000"/>
+              <a:buFont typeface="Wingdings 3" charset="2"/>
+              <a:buChar char=""/>
+              <a:defRPr sz="1600" kern="1200">
+                <a:solidFill>
+                  <a:schemeClr val="tx1">
+                    <a:lumMod val="75000"/>
+                    <a:lumOff val="25000"/>
+                  </a:schemeClr>
+                </a:solidFill>
+                <a:latin typeface="+mn-lt"/>
+                <a:ea typeface="+mn-ea"/>
+                <a:cs typeface="+mn-cs"/>
+              </a:defRPr>
+            </a:lvl2pPr>
+            <a:lvl3pPr marL="1142657" indent="-228531" algn="l" defTabSz="457063" rtl="0" eaLnBrk="1" latinLnBrk="0" hangingPunct="1">
+              <a:spcBef>
+                <a:spcPts val="1000"/>
+              </a:spcBef>
+              <a:spcAft>
+                <a:spcPts val="0"/>
+              </a:spcAft>
+              <a:buClr>
+                <a:schemeClr val="accent1"/>
+              </a:buClr>
+              <a:buSzPct val="80000"/>
+              <a:buFont typeface="Wingdings 3" charset="2"/>
+              <a:buChar char=""/>
+              <a:defRPr sz="1400" kern="1200">
+                <a:solidFill>
+                  <a:schemeClr val="tx1">
+                    <a:lumMod val="75000"/>
+                    <a:lumOff val="25000"/>
+                  </a:schemeClr>
+                </a:solidFill>
+                <a:latin typeface="+mn-lt"/>
+                <a:ea typeface="+mn-ea"/>
+                <a:cs typeface="+mn-cs"/>
+              </a:defRPr>
+            </a:lvl3pPr>
+            <a:lvl4pPr marL="1599720" indent="-228531" algn="l" defTabSz="457063" rtl="0" eaLnBrk="1" latinLnBrk="0" hangingPunct="1">
+              <a:spcBef>
+                <a:spcPts val="1000"/>
+              </a:spcBef>
+              <a:spcAft>
+                <a:spcPts val="0"/>
+              </a:spcAft>
+              <a:buClr>
+                <a:schemeClr val="accent1"/>
+              </a:buClr>
+              <a:buSzPct val="80000"/>
+              <a:buFont typeface="Wingdings 3" charset="2"/>
+              <a:buChar char=""/>
+              <a:defRPr sz="1200" kern="1200">
+                <a:solidFill>
+                  <a:schemeClr val="tx1">
+                    <a:lumMod val="75000"/>
+                    <a:lumOff val="25000"/>
+                  </a:schemeClr>
+                </a:solidFill>
+                <a:latin typeface="+mn-lt"/>
+                <a:ea typeface="+mn-ea"/>
+                <a:cs typeface="+mn-cs"/>
+              </a:defRPr>
+            </a:lvl4pPr>
+            <a:lvl5pPr marL="2056783" indent="-228531" algn="l" defTabSz="457063" rtl="0" eaLnBrk="1" latinLnBrk="0" hangingPunct="1">
+              <a:spcBef>
+                <a:spcPts val="1000"/>
+              </a:spcBef>
+              <a:spcAft>
+                <a:spcPts val="0"/>
+              </a:spcAft>
+              <a:buClr>
+                <a:schemeClr val="accent1"/>
+              </a:buClr>
+              <a:buSzPct val="80000"/>
+              <a:buFont typeface="Wingdings 3" charset="2"/>
+              <a:buChar char=""/>
+              <a:defRPr sz="1200" kern="1200">
+                <a:solidFill>
+                  <a:schemeClr val="tx1">
+                    <a:lumMod val="75000"/>
+                    <a:lumOff val="25000"/>
+                  </a:schemeClr>
+                </a:solidFill>
+                <a:latin typeface="+mn-lt"/>
+                <a:ea typeface="+mn-ea"/>
+                <a:cs typeface="+mn-cs"/>
+              </a:defRPr>
+            </a:lvl5pPr>
+            <a:lvl6pPr marL="2513846" indent="-228531" algn="l" defTabSz="457063" rtl="0" eaLnBrk="1" latinLnBrk="0" hangingPunct="1">
+              <a:spcBef>
+                <a:spcPts val="1000"/>
+              </a:spcBef>
+              <a:spcAft>
+                <a:spcPts val="0"/>
+              </a:spcAft>
+              <a:buClr>
+                <a:schemeClr val="accent1"/>
+              </a:buClr>
+              <a:buSzPct val="80000"/>
+              <a:buFont typeface="Wingdings 3" charset="2"/>
+              <a:buChar char=""/>
+              <a:defRPr sz="1200" kern="1200">
+                <a:solidFill>
+                  <a:schemeClr val="tx1">
+                    <a:lumMod val="75000"/>
+                    <a:lumOff val="25000"/>
+                  </a:schemeClr>
+                </a:solidFill>
+                <a:latin typeface="+mn-lt"/>
+                <a:ea typeface="+mn-ea"/>
+                <a:cs typeface="+mn-cs"/>
+              </a:defRPr>
+            </a:lvl6pPr>
+            <a:lvl7pPr marL="2970908" indent="-228531" algn="l" defTabSz="457063" rtl="0" eaLnBrk="1" latinLnBrk="0" hangingPunct="1">
+              <a:spcBef>
+                <a:spcPts val="1000"/>
+              </a:spcBef>
+              <a:spcAft>
+                <a:spcPts val="0"/>
+              </a:spcAft>
+              <a:buClr>
+                <a:schemeClr val="accent1"/>
+              </a:buClr>
+              <a:buSzPct val="80000"/>
+              <a:buFont typeface="Wingdings 3" charset="2"/>
+              <a:buChar char=""/>
+              <a:defRPr sz="1200" kern="1200">
+                <a:solidFill>
+                  <a:schemeClr val="tx1">
+                    <a:lumMod val="75000"/>
+                    <a:lumOff val="25000"/>
+                  </a:schemeClr>
+                </a:solidFill>
+                <a:latin typeface="+mn-lt"/>
+                <a:ea typeface="+mn-ea"/>
+                <a:cs typeface="+mn-cs"/>
+              </a:defRPr>
+            </a:lvl7pPr>
+            <a:lvl8pPr marL="3427971" indent="-228531" algn="l" defTabSz="457063" rtl="0" eaLnBrk="1" latinLnBrk="0" hangingPunct="1">
+              <a:spcBef>
+                <a:spcPts val="1000"/>
+              </a:spcBef>
+              <a:spcAft>
+                <a:spcPts val="0"/>
+              </a:spcAft>
+              <a:buClr>
+                <a:schemeClr val="accent1"/>
+              </a:buClr>
+              <a:buSzPct val="80000"/>
+              <a:buFont typeface="Wingdings 3" charset="2"/>
+              <a:buChar char=""/>
+              <a:defRPr sz="1200" kern="1200">
+                <a:solidFill>
+                  <a:schemeClr val="tx1">
+                    <a:lumMod val="75000"/>
+                    <a:lumOff val="25000"/>
+                  </a:schemeClr>
+                </a:solidFill>
+                <a:latin typeface="+mn-lt"/>
+                <a:ea typeface="+mn-ea"/>
+                <a:cs typeface="+mn-cs"/>
+              </a:defRPr>
+            </a:lvl8pPr>
+            <a:lvl9pPr marL="3885034" indent="-228531" algn="l" defTabSz="457063" rtl="0" eaLnBrk="1" latinLnBrk="0" hangingPunct="1">
+              <a:spcBef>
+                <a:spcPts val="1000"/>
+              </a:spcBef>
+              <a:spcAft>
+                <a:spcPts val="0"/>
+              </a:spcAft>
+              <a:buClr>
+                <a:schemeClr val="accent1"/>
+              </a:buClr>
+              <a:buSzPct val="80000"/>
+              <a:buFont typeface="Wingdings 3" charset="2"/>
+              <a:buChar char=""/>
+              <a:defRPr sz="1200" kern="1200">
+                <a:solidFill>
+                  <a:schemeClr val="tx1">
+                    <a:lumMod val="75000"/>
+                    <a:lumOff val="25000"/>
+                  </a:schemeClr>
+                </a:solidFill>
+                <a:latin typeface="+mn-lt"/>
+                <a:ea typeface="+mn-ea"/>
+                <a:cs typeface="+mn-cs"/>
+              </a:defRPr>
+            </a:lvl9pPr>
+          </a:lstStyle>
+          <a:p>
+            <a:pPr marL="457063" lvl="1" indent="0">
+              <a:buFont typeface="Wingdings 3" charset="2"/>
+              <a:buNone/>
+            </a:pPr>
+            <a:endParaRPr lang="en-US" dirty="0"/>
+          </a:p>
+        </p:txBody>
+      </p:sp>
+      <p:pic>
+        <p:nvPicPr>
+          <p:cNvPr id="8" name="图片 7" descr="æ··æ·ç©éµ">
+            <a:extLst>
+              <a:ext uri="{FF2B5EF4-FFF2-40B4-BE49-F238E27FC236}">
+                <a16:creationId xmlns:a16="http://schemas.microsoft.com/office/drawing/2014/main" id="{3FE636F5-DD59-4D68-B488-95FB3776164C}"/>
+              </a:ext>
+            </a:extLst>
+          </p:cNvPr>
+          <p:cNvPicPr/>
+          <p:nvPr/>
+        </p:nvPicPr>
+        <p:blipFill rotWithShape="1">
+          <a:blip r:embed="rId2" cstate="print">
+            <a:extLst>
+              <a:ext uri="{28A0092B-C50C-407E-A947-70E740481C1C}">
+                <a14:useLocalDpi xmlns:a14="http://schemas.microsoft.com/office/drawing/2010/main" val="0"/>
+              </a:ext>
+            </a:extLst>
+          </a:blip>
+          <a:srcRect b="13462"/>
+          <a:stretch/>
+        </p:blipFill>
+        <p:spPr bwMode="auto">
+          <a:xfrm>
+            <a:off x="637470" y="2209800"/>
+            <a:ext cx="8504942" cy="3429000"/>
+          </a:xfrm>
+          <a:prstGeom prst="rect">
+            <a:avLst/>
+          </a:prstGeom>
+          <a:noFill/>
+          <a:ln>
+            <a:noFill/>
+          </a:ln>
+        </p:spPr>
+      </p:pic>
+    </p:spTree>
+    <p:extLst>
+      <p:ext uri="{BB962C8B-B14F-4D97-AF65-F5344CB8AC3E}">
+        <p14:creationId xmlns:p14="http://schemas.microsoft.com/office/powerpoint/2010/main" val="1803902446"/>
+      </p:ext>
+    </p:extLst>
+  </p:cSld>
+  <p:clrMapOvr>
+    <a:masterClrMapping/>
+  </p:clrMapOvr>
+  <mc:AlternateContent xmlns:mc="http://schemas.openxmlformats.org/markup-compatibility/2006" xmlns:p14="http://schemas.microsoft.com/office/powerpoint/2010/main">
+    <mc:Choice Requires="p14">
+      <p:transition spd="med" p14:dur="700">
+        <p:fade/>
+      </p:transition>
+    </mc:Choice>
+    <mc:Fallback xmlns="">
+      <p:transition spd="med">
+        <p:fade/>
+      </p:transition>
+    </mc:Fallback>
+  </mc:AlternateContent>
+</p:sld>
+</file>
+
+<file path=ppt/slides/slide25.xml><?xml version="1.0" encoding="utf-8"?>
+<p:sld xmlns:a="http://schemas.openxmlformats.org/drawingml/2006/main" xmlns:r="http://schemas.openxmlformats.org/officeDocument/2006/relationships" xmlns:p="http://schemas.openxmlformats.org/presentationml/2006/main">
+  <p:cSld>
+    <p:spTree>
+      <p:nvGrpSpPr>
+        <p:cNvPr id="1" name=""/>
+        <p:cNvGrpSpPr/>
+        <p:nvPr/>
+      </p:nvGrpSpPr>
+      <p:grpSpPr>
+        <a:xfrm>
+          <a:off x="0" y="0"/>
+          <a:ext cx="0" cy="0"/>
+          <a:chOff x="0" y="0"/>
+          <a:chExt cx="0" cy="0"/>
+        </a:xfrm>
+      </p:grpSpPr>
+      <p:sp>
+        <p:nvSpPr>
+          <p:cNvPr id="2" name="Title 1"/>
+          <p:cNvSpPr>
+            <a:spLocks noGrp="1"/>
+          </p:cNvSpPr>
+          <p:nvPr>
+            <p:ph type="title"/>
+          </p:nvPr>
+        </p:nvSpPr>
+        <p:spPr/>
+        <p:txBody>
+          <a:bodyPr anchor="t">
+            <a:normAutofit/>
+          </a:bodyPr>
+          <a:lstStyle/>
+          <a:p>
+            <a:r>
+              <a:rPr lang="en-US" altLang="zh-CN" sz="3600" dirty="0">
+                <a:latin typeface="Calibri" panose="020F0502020204030204" pitchFamily="34" charset="0"/>
+                <a:cs typeface="Calibri" panose="020F0502020204030204" pitchFamily="34" charset="0"/>
+              </a:rPr>
+              <a:t>ROC curve and PR curve (Cont.) </a:t>
+            </a:r>
+            <a:endParaRPr lang="en-US" dirty="0">
+              <a:latin typeface="Calibri" panose="020F0502020204030204" pitchFamily="34" charset="0"/>
+              <a:cs typeface="Calibri" panose="020F0502020204030204" pitchFamily="34" charset="0"/>
+            </a:endParaRPr>
+          </a:p>
+        </p:txBody>
+      </p:sp>
+      <p:sp>
+        <p:nvSpPr>
+          <p:cNvPr id="9" name="Content Placeholder 8">
+            <a:extLst>
+              <a:ext uri="{FF2B5EF4-FFF2-40B4-BE49-F238E27FC236}">
+                <a16:creationId xmlns:a16="http://schemas.microsoft.com/office/drawing/2014/main" id="{BFD27979-805A-4B4B-946D-AB44BEAC7A32}"/>
+              </a:ext>
+            </a:extLst>
+          </p:cNvPr>
+          <p:cNvSpPr>
+            <a:spLocks noGrp="1"/>
+          </p:cNvSpPr>
+          <p:nvPr>
+            <p:ph idx="1"/>
+          </p:nvPr>
+        </p:nvSpPr>
+        <p:spPr>
+          <a:xfrm>
+            <a:off x="760413" y="1600200"/>
+            <a:ext cx="6553199" cy="4724400"/>
+          </a:xfrm>
+        </p:spPr>
+        <p:txBody>
+          <a:bodyPr>
+            <a:normAutofit/>
+          </a:bodyPr>
+          <a:lstStyle/>
+          <a:p>
+            <a:pPr marL="0" indent="0">
+              <a:buNone/>
+            </a:pPr>
+            <a:r>
+              <a:rPr lang="en-US" dirty="0">
+                <a:solidFill>
+                  <a:schemeClr val="tx1"/>
+                </a:solidFill>
+                <a:latin typeface="Calibri" panose="020F0502020204030204" pitchFamily="34" charset="0"/>
+                <a:cs typeface="Calibri" panose="020F0502020204030204" pitchFamily="34" charset="0"/>
+              </a:rPr>
+              <a:t>ROC curve: Y, true positive rate. X, </a:t>
+            </a:r>
+            <a:r>
+              <a:rPr lang="en-US" altLang="zh-CN" dirty="0"/>
+              <a:t>false positive rate.</a:t>
+            </a:r>
+          </a:p>
+          <a:p>
+            <a:pPr marL="0" indent="0">
+              <a:buNone/>
+            </a:pPr>
+            <a:r>
+              <a:rPr lang="en-US" dirty="0">
+                <a:solidFill>
+                  <a:schemeClr val="tx1"/>
+                </a:solidFill>
+                <a:latin typeface="Calibri" panose="020F0502020204030204" pitchFamily="34" charset="0"/>
+                <a:cs typeface="Calibri" panose="020F0502020204030204" pitchFamily="34" charset="0"/>
+              </a:rPr>
+              <a:t>Convex to the upper left will be better.</a:t>
+            </a:r>
+          </a:p>
+          <a:p>
+            <a:pPr marL="0" indent="0">
+              <a:buNone/>
+            </a:pPr>
+            <a:endParaRPr lang="en-US" dirty="0">
+              <a:solidFill>
+                <a:schemeClr val="tx1"/>
+              </a:solidFill>
+              <a:latin typeface="Calibri" panose="020F0502020204030204" pitchFamily="34" charset="0"/>
+              <a:cs typeface="Calibri" panose="020F0502020204030204" pitchFamily="34" charset="0"/>
+            </a:endParaRPr>
+          </a:p>
+          <a:p>
+            <a:pPr marL="0" indent="0">
+              <a:buNone/>
+            </a:pPr>
+            <a:r>
+              <a:rPr lang="en-US" dirty="0">
+                <a:solidFill>
+                  <a:schemeClr val="tx1"/>
+                </a:solidFill>
+                <a:latin typeface="Calibri" panose="020F0502020204030204" pitchFamily="34" charset="0"/>
+                <a:cs typeface="Calibri" panose="020F0502020204030204" pitchFamily="34" charset="0"/>
+              </a:rPr>
+              <a:t>PR curve: Y, precision. X, recall.</a:t>
+            </a:r>
+          </a:p>
+          <a:p>
+            <a:pPr marL="0" indent="0">
+              <a:buNone/>
+            </a:pPr>
+            <a:r>
+              <a:rPr lang="en-US" altLang="zh-CN" dirty="0">
+                <a:solidFill>
+                  <a:schemeClr val="tx1"/>
+                </a:solidFill>
+                <a:latin typeface="Calibri" panose="020F0502020204030204" pitchFamily="34" charset="0"/>
+                <a:cs typeface="Calibri" panose="020F0502020204030204" pitchFamily="34" charset="0"/>
+              </a:rPr>
+              <a:t>Convex to the upper right will be better.</a:t>
+            </a:r>
+          </a:p>
+          <a:p>
+            <a:pPr marL="0" indent="0">
+              <a:buNone/>
+            </a:pPr>
+            <a:endParaRPr lang="en-US" dirty="0">
+              <a:solidFill>
+                <a:schemeClr val="tx1"/>
+              </a:solidFill>
+              <a:latin typeface="Calibri" panose="020F0502020204030204" pitchFamily="34" charset="0"/>
+              <a:cs typeface="Calibri" panose="020F0502020204030204" pitchFamily="34" charset="0"/>
+            </a:endParaRPr>
+          </a:p>
+          <a:p>
+            <a:pPr marL="0" indent="0">
+              <a:buNone/>
+            </a:pPr>
+            <a:r>
+              <a:rPr lang="en-US" dirty="0">
+                <a:solidFill>
+                  <a:schemeClr val="tx1"/>
+                </a:solidFill>
+                <a:latin typeface="Calibri" panose="020F0502020204030204" pitchFamily="34" charset="0"/>
+                <a:cs typeface="Calibri" panose="020F0502020204030204" pitchFamily="34" charset="0"/>
+              </a:rPr>
+              <a:t>How to get each point: let each predicted score be the threshold, then we calculate X and Y value.</a:t>
+            </a:r>
+          </a:p>
+          <a:p>
+            <a:pPr marL="0" indent="0">
+              <a:buNone/>
+            </a:pPr>
+            <a:endParaRPr lang="en-US" dirty="0">
+              <a:solidFill>
+                <a:schemeClr val="tx1"/>
+              </a:solidFill>
+              <a:latin typeface="Calibri" panose="020F0502020204030204" pitchFamily="34" charset="0"/>
+              <a:cs typeface="Calibri" panose="020F0502020204030204" pitchFamily="34" charset="0"/>
+            </a:endParaRPr>
+          </a:p>
+          <a:p>
+            <a:pPr marL="0" indent="0">
+              <a:buNone/>
+            </a:pPr>
+            <a:r>
+              <a:rPr lang="en-US" altLang="zh-CN" dirty="0"/>
+              <a:t> AUC (area under the curve)</a:t>
+            </a:r>
+          </a:p>
+          <a:p>
+            <a:pPr marL="0" indent="0">
+              <a:buNone/>
+            </a:pPr>
+            <a:r>
+              <a:rPr lang="en-US" altLang="zh-CN" dirty="0">
+                <a:solidFill>
+                  <a:schemeClr val="tx1"/>
+                </a:solidFill>
+                <a:latin typeface="Calibri" panose="020F0502020204030204" pitchFamily="34" charset="0"/>
+                <a:cs typeface="Calibri" panose="020F0502020204030204" pitchFamily="34" charset="0"/>
+              </a:rPr>
+              <a:t>The curve can be ROC or PR.</a:t>
+            </a:r>
+          </a:p>
+          <a:p>
+            <a:pPr marL="0" indent="0">
+              <a:buNone/>
+            </a:pPr>
+            <a:r>
+              <a:rPr lang="en-US" altLang="zh-CN" dirty="0">
+                <a:solidFill>
+                  <a:schemeClr val="tx1"/>
+                </a:solidFill>
+                <a:latin typeface="Calibri" panose="020F0502020204030204" pitchFamily="34" charset="0"/>
+                <a:cs typeface="Calibri" panose="020F0502020204030204" pitchFamily="34" charset="0"/>
+              </a:rPr>
+              <a:t>The value close to 1 will be better.</a:t>
+            </a:r>
+          </a:p>
+          <a:p>
+            <a:pPr marL="0" indent="0">
+              <a:buNone/>
+            </a:pPr>
+            <a:endParaRPr lang="en-US" dirty="0">
+              <a:solidFill>
+                <a:schemeClr val="tx1"/>
+              </a:solidFill>
+              <a:latin typeface="Calibri" panose="020F0502020204030204" pitchFamily="34" charset="0"/>
+              <a:cs typeface="Calibri" panose="020F0502020204030204" pitchFamily="34" charset="0"/>
+            </a:endParaRPr>
+          </a:p>
+        </p:txBody>
+      </p:sp>
+      <p:sp>
+        <p:nvSpPr>
+          <p:cNvPr id="6" name="Content Placeholder 2">
+            <a:extLst>
+              <a:ext uri="{FF2B5EF4-FFF2-40B4-BE49-F238E27FC236}">
+                <a16:creationId xmlns:a16="http://schemas.microsoft.com/office/drawing/2014/main" id="{109EE1EC-0CF3-44EA-8406-9B48EE9C5C3D}"/>
+              </a:ext>
+            </a:extLst>
+          </p:cNvPr>
+          <p:cNvSpPr txBox="1">
+            <a:spLocks/>
+          </p:cNvSpPr>
+          <p:nvPr/>
+        </p:nvSpPr>
+        <p:spPr>
+          <a:xfrm>
+            <a:off x="637470" y="1676399"/>
+            <a:ext cx="9227254" cy="4343400"/>
+          </a:xfrm>
+          <a:prstGeom prst="rect">
+            <a:avLst/>
+          </a:prstGeom>
+        </p:spPr>
+        <p:txBody>
+          <a:bodyPr vert="horz" lIns="91440" tIns="45720" rIns="91440" bIns="45720" rtlCol="0">
+            <a:normAutofit/>
+          </a:bodyPr>
+          <a:lstStyle>
+            <a:lvl1pPr marL="342797" indent="-342797" algn="l" defTabSz="457063" rtl="0" eaLnBrk="1" latinLnBrk="0" hangingPunct="1">
+              <a:spcBef>
+                <a:spcPts val="1000"/>
+              </a:spcBef>
+              <a:spcAft>
+                <a:spcPts val="0"/>
+              </a:spcAft>
+              <a:buClr>
+                <a:schemeClr val="accent1"/>
+              </a:buClr>
+              <a:buSzPct val="80000"/>
+              <a:buFont typeface="Wingdings 3" charset="2"/>
+              <a:buChar char=""/>
+              <a:defRPr sz="1799" kern="1200">
+                <a:solidFill>
+                  <a:schemeClr val="tx1">
+                    <a:lumMod val="75000"/>
+                    <a:lumOff val="25000"/>
+                  </a:schemeClr>
+                </a:solidFill>
+                <a:latin typeface="+mn-lt"/>
+                <a:ea typeface="+mn-ea"/>
+                <a:cs typeface="+mn-cs"/>
+              </a:defRPr>
+            </a:lvl1pPr>
+            <a:lvl2pPr marL="742727" indent="-285664" algn="l" defTabSz="457063" rtl="0" eaLnBrk="1" latinLnBrk="0" hangingPunct="1">
+              <a:spcBef>
+                <a:spcPts val="1000"/>
+              </a:spcBef>
+              <a:spcAft>
+                <a:spcPts val="0"/>
+              </a:spcAft>
+              <a:buClr>
+                <a:schemeClr val="accent1"/>
+              </a:buClr>
+              <a:buSzPct val="80000"/>
+              <a:buFont typeface="Wingdings 3" charset="2"/>
+              <a:buChar char=""/>
+              <a:defRPr sz="1600" kern="1200">
+                <a:solidFill>
+                  <a:schemeClr val="tx1">
+                    <a:lumMod val="75000"/>
+                    <a:lumOff val="25000"/>
+                  </a:schemeClr>
+                </a:solidFill>
+                <a:latin typeface="+mn-lt"/>
+                <a:ea typeface="+mn-ea"/>
+                <a:cs typeface="+mn-cs"/>
+              </a:defRPr>
+            </a:lvl2pPr>
+            <a:lvl3pPr marL="1142657" indent="-228531" algn="l" defTabSz="457063" rtl="0" eaLnBrk="1" latinLnBrk="0" hangingPunct="1">
+              <a:spcBef>
+                <a:spcPts val="1000"/>
+              </a:spcBef>
+              <a:spcAft>
+                <a:spcPts val="0"/>
+              </a:spcAft>
+              <a:buClr>
+                <a:schemeClr val="accent1"/>
+              </a:buClr>
+              <a:buSzPct val="80000"/>
+              <a:buFont typeface="Wingdings 3" charset="2"/>
+              <a:buChar char=""/>
+              <a:defRPr sz="1400" kern="1200">
+                <a:solidFill>
+                  <a:schemeClr val="tx1">
+                    <a:lumMod val="75000"/>
+                    <a:lumOff val="25000"/>
+                  </a:schemeClr>
+                </a:solidFill>
+                <a:latin typeface="+mn-lt"/>
+                <a:ea typeface="+mn-ea"/>
+                <a:cs typeface="+mn-cs"/>
+              </a:defRPr>
+            </a:lvl3pPr>
+            <a:lvl4pPr marL="1599720" indent="-228531" algn="l" defTabSz="457063" rtl="0" eaLnBrk="1" latinLnBrk="0" hangingPunct="1">
+              <a:spcBef>
+                <a:spcPts val="1000"/>
+              </a:spcBef>
+              <a:spcAft>
+                <a:spcPts val="0"/>
+              </a:spcAft>
+              <a:buClr>
+                <a:schemeClr val="accent1"/>
+              </a:buClr>
+              <a:buSzPct val="80000"/>
+              <a:buFont typeface="Wingdings 3" charset="2"/>
+              <a:buChar char=""/>
+              <a:defRPr sz="1200" kern="1200">
+                <a:solidFill>
+                  <a:schemeClr val="tx1">
+                    <a:lumMod val="75000"/>
+                    <a:lumOff val="25000"/>
+                  </a:schemeClr>
+                </a:solidFill>
+                <a:latin typeface="+mn-lt"/>
+                <a:ea typeface="+mn-ea"/>
+                <a:cs typeface="+mn-cs"/>
+              </a:defRPr>
+            </a:lvl4pPr>
+            <a:lvl5pPr marL="2056783" indent="-228531" algn="l" defTabSz="457063" rtl="0" eaLnBrk="1" latinLnBrk="0" hangingPunct="1">
+              <a:spcBef>
+                <a:spcPts val="1000"/>
+              </a:spcBef>
+              <a:spcAft>
+                <a:spcPts val="0"/>
+              </a:spcAft>
+              <a:buClr>
+                <a:schemeClr val="accent1"/>
+              </a:buClr>
+              <a:buSzPct val="80000"/>
+              <a:buFont typeface="Wingdings 3" charset="2"/>
+              <a:buChar char=""/>
+              <a:defRPr sz="1200" kern="1200">
+                <a:solidFill>
+                  <a:schemeClr val="tx1">
+                    <a:lumMod val="75000"/>
+                    <a:lumOff val="25000"/>
+                  </a:schemeClr>
+                </a:solidFill>
+                <a:latin typeface="+mn-lt"/>
+                <a:ea typeface="+mn-ea"/>
+                <a:cs typeface="+mn-cs"/>
+              </a:defRPr>
+            </a:lvl5pPr>
+            <a:lvl6pPr marL="2513846" indent="-228531" algn="l" defTabSz="457063" rtl="0" eaLnBrk="1" latinLnBrk="0" hangingPunct="1">
+              <a:spcBef>
+                <a:spcPts val="1000"/>
+              </a:spcBef>
+              <a:spcAft>
+                <a:spcPts val="0"/>
+              </a:spcAft>
+              <a:buClr>
+                <a:schemeClr val="accent1"/>
+              </a:buClr>
+              <a:buSzPct val="80000"/>
+              <a:buFont typeface="Wingdings 3" charset="2"/>
+              <a:buChar char=""/>
+              <a:defRPr sz="1200" kern="1200">
+                <a:solidFill>
+                  <a:schemeClr val="tx1">
+                    <a:lumMod val="75000"/>
+                    <a:lumOff val="25000"/>
+                  </a:schemeClr>
+                </a:solidFill>
+                <a:latin typeface="+mn-lt"/>
+                <a:ea typeface="+mn-ea"/>
+                <a:cs typeface="+mn-cs"/>
+              </a:defRPr>
+            </a:lvl6pPr>
+            <a:lvl7pPr marL="2970908" indent="-228531" algn="l" defTabSz="457063" rtl="0" eaLnBrk="1" latinLnBrk="0" hangingPunct="1">
+              <a:spcBef>
+                <a:spcPts val="1000"/>
+              </a:spcBef>
+              <a:spcAft>
+                <a:spcPts val="0"/>
+              </a:spcAft>
+              <a:buClr>
+                <a:schemeClr val="accent1"/>
+              </a:buClr>
+              <a:buSzPct val="80000"/>
+              <a:buFont typeface="Wingdings 3" charset="2"/>
+              <a:buChar char=""/>
+              <a:defRPr sz="1200" kern="1200">
+                <a:solidFill>
+                  <a:schemeClr val="tx1">
+                    <a:lumMod val="75000"/>
+                    <a:lumOff val="25000"/>
+                  </a:schemeClr>
+                </a:solidFill>
+                <a:latin typeface="+mn-lt"/>
+                <a:ea typeface="+mn-ea"/>
+                <a:cs typeface="+mn-cs"/>
+              </a:defRPr>
+            </a:lvl7pPr>
+            <a:lvl8pPr marL="3427971" indent="-228531" algn="l" defTabSz="457063" rtl="0" eaLnBrk="1" latinLnBrk="0" hangingPunct="1">
+              <a:spcBef>
+                <a:spcPts val="1000"/>
+              </a:spcBef>
+              <a:spcAft>
+                <a:spcPts val="0"/>
+              </a:spcAft>
+              <a:buClr>
+                <a:schemeClr val="accent1"/>
+              </a:buClr>
+              <a:buSzPct val="80000"/>
+              <a:buFont typeface="Wingdings 3" charset="2"/>
+              <a:buChar char=""/>
+              <a:defRPr sz="1200" kern="1200">
+                <a:solidFill>
+                  <a:schemeClr val="tx1">
+                    <a:lumMod val="75000"/>
+                    <a:lumOff val="25000"/>
+                  </a:schemeClr>
+                </a:solidFill>
+                <a:latin typeface="+mn-lt"/>
+                <a:ea typeface="+mn-ea"/>
+                <a:cs typeface="+mn-cs"/>
+              </a:defRPr>
+            </a:lvl8pPr>
+            <a:lvl9pPr marL="3885034" indent="-228531" algn="l" defTabSz="457063" rtl="0" eaLnBrk="1" latinLnBrk="0" hangingPunct="1">
+              <a:spcBef>
+                <a:spcPts val="1000"/>
+              </a:spcBef>
+              <a:spcAft>
+                <a:spcPts val="0"/>
+              </a:spcAft>
+              <a:buClr>
+                <a:schemeClr val="accent1"/>
+              </a:buClr>
+              <a:buSzPct val="80000"/>
+              <a:buFont typeface="Wingdings 3" charset="2"/>
+              <a:buChar char=""/>
+              <a:defRPr sz="1200" kern="1200">
+                <a:solidFill>
+                  <a:schemeClr val="tx1">
+                    <a:lumMod val="75000"/>
+                    <a:lumOff val="25000"/>
+                  </a:schemeClr>
+                </a:solidFill>
+                <a:latin typeface="+mn-lt"/>
+                <a:ea typeface="+mn-ea"/>
+                <a:cs typeface="+mn-cs"/>
+              </a:defRPr>
+            </a:lvl9pPr>
+          </a:lstStyle>
+          <a:p>
+            <a:pPr marL="457063" lvl="1" indent="0">
+              <a:buFont typeface="Wingdings 3" charset="2"/>
+              <a:buNone/>
+            </a:pPr>
+            <a:endParaRPr lang="en-US" dirty="0"/>
+          </a:p>
+        </p:txBody>
+      </p:sp>
+    </p:spTree>
+    <p:extLst>
+      <p:ext uri="{BB962C8B-B14F-4D97-AF65-F5344CB8AC3E}">
+        <p14:creationId xmlns:p14="http://schemas.microsoft.com/office/powerpoint/2010/main" val="2810685299"/>
+      </p:ext>
+    </p:extLst>
+  </p:cSld>
+  <p:clrMapOvr>
+    <a:masterClrMapping/>
+  </p:clrMapOvr>
+  <mc:AlternateContent xmlns:mc="http://schemas.openxmlformats.org/markup-compatibility/2006" xmlns:p14="http://schemas.microsoft.com/office/powerpoint/2010/main">
+    <mc:Choice Requires="p14">
+      <p:transition spd="med" p14:dur="700">
+        <p:fade/>
+      </p:transition>
+    </mc:Choice>
+    <mc:Fallback xmlns="">
+      <p:transition spd="med">
+        <p:fade/>
+      </p:transition>
+    </mc:Fallback>
+  </mc:AlternateContent>
+</p:sld>
+</file>
+
+<file path=ppt/slides/slide26.xml><?xml version="1.0" encoding="utf-8"?>
+<p:sld xmlns:a="http://schemas.openxmlformats.org/drawingml/2006/main" xmlns:r="http://schemas.openxmlformats.org/officeDocument/2006/relationships" xmlns:p="http://schemas.openxmlformats.org/presentationml/2006/main">
+  <p:cSld>
+    <p:spTree>
+      <p:nvGrpSpPr>
+        <p:cNvPr id="1" name=""/>
+        <p:cNvGrpSpPr/>
+        <p:nvPr/>
+      </p:nvGrpSpPr>
+      <p:grpSpPr>
+        <a:xfrm>
+          <a:off x="0" y="0"/>
+          <a:ext cx="0" cy="0"/>
+          <a:chOff x="0" y="0"/>
+          <a:chExt cx="0" cy="0"/>
+        </a:xfrm>
+      </p:grpSpPr>
+      <p:sp>
+        <p:nvSpPr>
+          <p:cNvPr id="2" name="Title 1"/>
+          <p:cNvSpPr>
+            <a:spLocks noGrp="1"/>
+          </p:cNvSpPr>
+          <p:nvPr>
+            <p:ph type="title"/>
+          </p:nvPr>
+        </p:nvSpPr>
+        <p:spPr/>
+        <p:txBody>
+          <a:bodyPr anchor="t">
+            <a:normAutofit/>
+          </a:bodyPr>
+          <a:lstStyle/>
+          <a:p>
+            <a:r>
               <a:rPr lang="en-US" sz="3600" dirty="0">
                 <a:latin typeface="Calibri" panose="020F0502020204030204" pitchFamily="34" charset="0"/>
                 <a:cs typeface="Calibri" panose="020F0502020204030204" pitchFamily="34" charset="0"/>
@@ -28359,7 +29316,7 @@
 </p:sld>
 </file>
 
-<file path=ppt/slides/slide25.xml><?xml version="1.0" encoding="utf-8"?>
+<file path=ppt/slides/slide27.xml><?xml version="1.0" encoding="utf-8"?>
 <p:sld xmlns:a="http://schemas.openxmlformats.org/drawingml/2006/main" xmlns:r="http://schemas.openxmlformats.org/officeDocument/2006/relationships" xmlns:p="http://schemas.openxmlformats.org/presentationml/2006/main">
   <p:cSld>
     <p:spTree>
@@ -29990,7 +30947,7 @@
 </p:sld>
 </file>
 
-<file path=ppt/slides/slide26.xml><?xml version="1.0" encoding="utf-8"?>
+<file path=ppt/slides/slide28.xml><?xml version="1.0" encoding="utf-8"?>
 <p:sld xmlns:a="http://schemas.openxmlformats.org/drawingml/2006/main" xmlns:r="http://schemas.openxmlformats.org/officeDocument/2006/relationships" xmlns:p="http://schemas.openxmlformats.org/presentationml/2006/main">
   <p:cSld>
     <p:spTree>
@@ -31622,7 +32579,7 @@
 </p:sld>
 </file>
 
-<file path=ppt/slides/slide27.xml><?xml version="1.0" encoding="utf-8"?>
+<file path=ppt/slides/slide29.xml><?xml version="1.0" encoding="utf-8"?>
 <p:sld xmlns:a="http://schemas.openxmlformats.org/drawingml/2006/main" xmlns:r="http://schemas.openxmlformats.org/officeDocument/2006/relationships" xmlns:p="http://schemas.openxmlformats.org/presentationml/2006/main">
   <p:cSld>
     <p:bg>
@@ -32001,188 +32958,6 @@
 </p:sld>
 </file>
 
-<file path=ppt/slides/slide28.xml><?xml version="1.0" encoding="utf-8"?>
-<p:sld xmlns:a="http://schemas.openxmlformats.org/drawingml/2006/main" xmlns:r="http://schemas.openxmlformats.org/officeDocument/2006/relationships" xmlns:p="http://schemas.openxmlformats.org/presentationml/2006/main">
-  <p:cSld>
-    <p:spTree>
-      <p:nvGrpSpPr>
-        <p:cNvPr id="1" name=""/>
-        <p:cNvGrpSpPr/>
-        <p:nvPr/>
-      </p:nvGrpSpPr>
-      <p:grpSpPr>
-        <a:xfrm>
-          <a:off x="0" y="0"/>
-          <a:ext cx="0" cy="0"/>
-          <a:chOff x="0" y="0"/>
-          <a:chExt cx="0" cy="0"/>
-        </a:xfrm>
-      </p:grpSpPr>
-      <p:sp>
-        <p:nvSpPr>
-          <p:cNvPr id="5" name="Rectangle 4">
-            <a:extLst>
-              <a:ext uri="{FF2B5EF4-FFF2-40B4-BE49-F238E27FC236}">
-                <a16:creationId xmlns:a16="http://schemas.microsoft.com/office/drawing/2014/main" id="{86F37EA8-E346-44D3-9BCA-9003A76D1BAA}"/>
-              </a:ext>
-            </a:extLst>
-          </p:cNvPr>
-          <p:cNvSpPr/>
-          <p:nvPr/>
-        </p:nvSpPr>
-        <p:spPr>
-          <a:xfrm>
-            <a:off x="2208212" y="2644170"/>
-            <a:ext cx="7558498" cy="1569660"/>
-          </a:xfrm>
-          <a:prstGeom prst="rect">
-            <a:avLst/>
-          </a:prstGeom>
-        </p:spPr>
-        <p:txBody>
-          <a:bodyPr wrap="square">
-            <a:spAutoFit/>
-          </a:bodyPr>
-          <a:lstStyle/>
-          <a:p>
-            <a:r>
-              <a:rPr lang="en-US" sz="9600" dirty="0">
-                <a:solidFill>
-                  <a:schemeClr val="accent1"/>
-                </a:solidFill>
-                <a:latin typeface="Blackadder ITC" panose="04020505051007020D02" pitchFamily="82" charset="0"/>
-              </a:rPr>
-              <a:t>Questions ?</a:t>
-            </a:r>
-            <a:endParaRPr lang="en-US" sz="9600" dirty="0">
-              <a:solidFill>
-                <a:schemeClr val="accent1"/>
-              </a:solidFill>
-            </a:endParaRPr>
-          </a:p>
-        </p:txBody>
-      </p:sp>
-    </p:spTree>
-    <p:extLst>
-      <p:ext uri="{BB962C8B-B14F-4D97-AF65-F5344CB8AC3E}">
-        <p14:creationId xmlns:p14="http://schemas.microsoft.com/office/powerpoint/2010/main" val="1748486661"/>
-      </p:ext>
-    </p:extLst>
-  </p:cSld>
-  <p:clrMapOvr>
-    <a:masterClrMapping/>
-  </p:clrMapOvr>
-  <mc:AlternateContent xmlns:mc="http://schemas.openxmlformats.org/markup-compatibility/2006" xmlns:p14="http://schemas.microsoft.com/office/powerpoint/2010/main">
-    <mc:Choice Requires="p14">
-      <p:transition spd="med" p14:dur="700">
-        <p:fade/>
-      </p:transition>
-    </mc:Choice>
-    <mc:Fallback xmlns="">
-      <p:transition spd="med">
-        <p:fade/>
-      </p:transition>
-    </mc:Fallback>
-  </mc:AlternateContent>
-</p:sld>
-</file>
-
-<file path=ppt/slides/slide29.xml><?xml version="1.0" encoding="utf-8"?>
-<p:sld xmlns:a="http://schemas.openxmlformats.org/drawingml/2006/main" xmlns:r="http://schemas.openxmlformats.org/officeDocument/2006/relationships" xmlns:p="http://schemas.openxmlformats.org/presentationml/2006/main">
-  <p:cSld>
-    <p:spTree>
-      <p:nvGrpSpPr>
-        <p:cNvPr id="1" name=""/>
-        <p:cNvGrpSpPr/>
-        <p:nvPr/>
-      </p:nvGrpSpPr>
-      <p:grpSpPr>
-        <a:xfrm>
-          <a:off x="0" y="0"/>
-          <a:ext cx="0" cy="0"/>
-          <a:chOff x="0" y="0"/>
-          <a:chExt cx="0" cy="0"/>
-        </a:xfrm>
-      </p:grpSpPr>
-      <p:sp>
-        <p:nvSpPr>
-          <p:cNvPr id="5" name="Rectangle 4">
-            <a:extLst>
-              <a:ext uri="{FF2B5EF4-FFF2-40B4-BE49-F238E27FC236}">
-                <a16:creationId xmlns:a16="http://schemas.microsoft.com/office/drawing/2014/main" id="{86F37EA8-E346-44D3-9BCA-9003A76D1BAA}"/>
-              </a:ext>
-            </a:extLst>
-          </p:cNvPr>
-          <p:cNvSpPr/>
-          <p:nvPr/>
-        </p:nvSpPr>
-        <p:spPr>
-          <a:xfrm>
-            <a:off x="2208212" y="2644170"/>
-            <a:ext cx="7558498" cy="1569660"/>
-          </a:xfrm>
-          <a:prstGeom prst="rect">
-            <a:avLst/>
-          </a:prstGeom>
-        </p:spPr>
-        <p:txBody>
-          <a:bodyPr wrap="square">
-            <a:spAutoFit/>
-          </a:bodyPr>
-          <a:lstStyle/>
-          <a:p>
-            <a:r>
-              <a:rPr lang="en-US" sz="9600" dirty="0">
-                <a:solidFill>
-                  <a:schemeClr val="accent1"/>
-                </a:solidFill>
-                <a:latin typeface="Blackadder ITC" panose="04020505051007020D02" pitchFamily="82" charset="0"/>
-              </a:rPr>
-              <a:t>Thank You </a:t>
-            </a:r>
-            <a:r>
-              <a:rPr lang="en-US" sz="9600" dirty="0">
-                <a:solidFill>
-                  <a:schemeClr val="accent1"/>
-                </a:solidFill>
-                <a:latin typeface="Blackadder ITC" panose="04020505051007020D02" pitchFamily="82" charset="0"/>
-                <a:sym typeface="Wingdings" panose="05000000000000000000" pitchFamily="2" charset="2"/>
-              </a:rPr>
-              <a:t></a:t>
-            </a:r>
-            <a:endParaRPr lang="en-US" sz="9600" dirty="0">
-              <a:solidFill>
-                <a:schemeClr val="accent1"/>
-              </a:solidFill>
-            </a:endParaRPr>
-          </a:p>
-        </p:txBody>
-      </p:sp>
-    </p:spTree>
-    <p:extLst>
-      <p:ext uri="{BB962C8B-B14F-4D97-AF65-F5344CB8AC3E}">
-        <p14:creationId xmlns:p14="http://schemas.microsoft.com/office/powerpoint/2010/main" val="3239199777"/>
-      </p:ext>
-    </p:extLst>
-  </p:cSld>
-  <p:clrMapOvr>
-    <a:masterClrMapping/>
-  </p:clrMapOvr>
-  <mc:AlternateContent xmlns:mc="http://schemas.openxmlformats.org/markup-compatibility/2006" xmlns:p14="http://schemas.microsoft.com/office/powerpoint/2010/main">
-    <mc:Choice Requires="p14">
-      <p:transition spd="med" p14:dur="700">
-        <p:fade/>
-      </p:transition>
-    </mc:Choice>
-    <mc:Fallback xmlns="">
-      <p:transition spd="med">
-        <p:fade/>
-      </p:transition>
-    </mc:Fallback>
-  </mc:AlternateContent>
-</p:sld>
-</file>
-
 <file path=ppt/slides/slide3.xml><?xml version="1.0" encoding="utf-8"?>
 <p:sld xmlns:a="http://schemas.openxmlformats.org/drawingml/2006/main" xmlns:r="http://schemas.openxmlformats.org/officeDocument/2006/relationships" xmlns:p="http://schemas.openxmlformats.org/presentationml/2006/main">
   <p:cSld>
@@ -32569,6 +33344,188 @@
     <p:extLst>
       <p:ext uri="{BB962C8B-B14F-4D97-AF65-F5344CB8AC3E}">
         <p14:creationId xmlns:p14="http://schemas.microsoft.com/office/powerpoint/2010/main" val="1454269555"/>
+      </p:ext>
+    </p:extLst>
+  </p:cSld>
+  <p:clrMapOvr>
+    <a:masterClrMapping/>
+  </p:clrMapOvr>
+  <mc:AlternateContent xmlns:mc="http://schemas.openxmlformats.org/markup-compatibility/2006" xmlns:p14="http://schemas.microsoft.com/office/powerpoint/2010/main">
+    <mc:Choice Requires="p14">
+      <p:transition spd="med" p14:dur="700">
+        <p:fade/>
+      </p:transition>
+    </mc:Choice>
+    <mc:Fallback xmlns="">
+      <p:transition spd="med">
+        <p:fade/>
+      </p:transition>
+    </mc:Fallback>
+  </mc:AlternateContent>
+</p:sld>
+</file>
+
+<file path=ppt/slides/slide30.xml><?xml version="1.0" encoding="utf-8"?>
+<p:sld xmlns:a="http://schemas.openxmlformats.org/drawingml/2006/main" xmlns:r="http://schemas.openxmlformats.org/officeDocument/2006/relationships" xmlns:p="http://schemas.openxmlformats.org/presentationml/2006/main">
+  <p:cSld>
+    <p:spTree>
+      <p:nvGrpSpPr>
+        <p:cNvPr id="1" name=""/>
+        <p:cNvGrpSpPr/>
+        <p:nvPr/>
+      </p:nvGrpSpPr>
+      <p:grpSpPr>
+        <a:xfrm>
+          <a:off x="0" y="0"/>
+          <a:ext cx="0" cy="0"/>
+          <a:chOff x="0" y="0"/>
+          <a:chExt cx="0" cy="0"/>
+        </a:xfrm>
+      </p:grpSpPr>
+      <p:sp>
+        <p:nvSpPr>
+          <p:cNvPr id="5" name="Rectangle 4">
+            <a:extLst>
+              <a:ext uri="{FF2B5EF4-FFF2-40B4-BE49-F238E27FC236}">
+                <a16:creationId xmlns:a16="http://schemas.microsoft.com/office/drawing/2014/main" id="{86F37EA8-E346-44D3-9BCA-9003A76D1BAA}"/>
+              </a:ext>
+            </a:extLst>
+          </p:cNvPr>
+          <p:cNvSpPr/>
+          <p:nvPr/>
+        </p:nvSpPr>
+        <p:spPr>
+          <a:xfrm>
+            <a:off x="2208212" y="2644170"/>
+            <a:ext cx="7558498" cy="1569660"/>
+          </a:xfrm>
+          <a:prstGeom prst="rect">
+            <a:avLst/>
+          </a:prstGeom>
+        </p:spPr>
+        <p:txBody>
+          <a:bodyPr wrap="square">
+            <a:spAutoFit/>
+          </a:bodyPr>
+          <a:lstStyle/>
+          <a:p>
+            <a:r>
+              <a:rPr lang="en-US" sz="9600" dirty="0">
+                <a:solidFill>
+                  <a:schemeClr val="accent1"/>
+                </a:solidFill>
+                <a:latin typeface="Blackadder ITC" panose="04020505051007020D02" pitchFamily="82" charset="0"/>
+              </a:rPr>
+              <a:t>Questions ?</a:t>
+            </a:r>
+            <a:endParaRPr lang="en-US" sz="9600" dirty="0">
+              <a:solidFill>
+                <a:schemeClr val="accent1"/>
+              </a:solidFill>
+            </a:endParaRPr>
+          </a:p>
+        </p:txBody>
+      </p:sp>
+    </p:spTree>
+    <p:extLst>
+      <p:ext uri="{BB962C8B-B14F-4D97-AF65-F5344CB8AC3E}">
+        <p14:creationId xmlns:p14="http://schemas.microsoft.com/office/powerpoint/2010/main" val="1748486661"/>
+      </p:ext>
+    </p:extLst>
+  </p:cSld>
+  <p:clrMapOvr>
+    <a:masterClrMapping/>
+  </p:clrMapOvr>
+  <mc:AlternateContent xmlns:mc="http://schemas.openxmlformats.org/markup-compatibility/2006" xmlns:p14="http://schemas.microsoft.com/office/powerpoint/2010/main">
+    <mc:Choice Requires="p14">
+      <p:transition spd="med" p14:dur="700">
+        <p:fade/>
+      </p:transition>
+    </mc:Choice>
+    <mc:Fallback xmlns="">
+      <p:transition spd="med">
+        <p:fade/>
+      </p:transition>
+    </mc:Fallback>
+  </mc:AlternateContent>
+</p:sld>
+</file>
+
+<file path=ppt/slides/slide31.xml><?xml version="1.0" encoding="utf-8"?>
+<p:sld xmlns:a="http://schemas.openxmlformats.org/drawingml/2006/main" xmlns:r="http://schemas.openxmlformats.org/officeDocument/2006/relationships" xmlns:p="http://schemas.openxmlformats.org/presentationml/2006/main">
+  <p:cSld>
+    <p:spTree>
+      <p:nvGrpSpPr>
+        <p:cNvPr id="1" name=""/>
+        <p:cNvGrpSpPr/>
+        <p:nvPr/>
+      </p:nvGrpSpPr>
+      <p:grpSpPr>
+        <a:xfrm>
+          <a:off x="0" y="0"/>
+          <a:ext cx="0" cy="0"/>
+          <a:chOff x="0" y="0"/>
+          <a:chExt cx="0" cy="0"/>
+        </a:xfrm>
+      </p:grpSpPr>
+      <p:sp>
+        <p:nvSpPr>
+          <p:cNvPr id="5" name="Rectangle 4">
+            <a:extLst>
+              <a:ext uri="{FF2B5EF4-FFF2-40B4-BE49-F238E27FC236}">
+                <a16:creationId xmlns:a16="http://schemas.microsoft.com/office/drawing/2014/main" id="{86F37EA8-E346-44D3-9BCA-9003A76D1BAA}"/>
+              </a:ext>
+            </a:extLst>
+          </p:cNvPr>
+          <p:cNvSpPr/>
+          <p:nvPr/>
+        </p:nvSpPr>
+        <p:spPr>
+          <a:xfrm>
+            <a:off x="2208212" y="2644170"/>
+            <a:ext cx="7558498" cy="1569660"/>
+          </a:xfrm>
+          <a:prstGeom prst="rect">
+            <a:avLst/>
+          </a:prstGeom>
+        </p:spPr>
+        <p:txBody>
+          <a:bodyPr wrap="square">
+            <a:spAutoFit/>
+          </a:bodyPr>
+          <a:lstStyle/>
+          <a:p>
+            <a:r>
+              <a:rPr lang="en-US" sz="9600" dirty="0">
+                <a:solidFill>
+                  <a:schemeClr val="accent1"/>
+                </a:solidFill>
+                <a:latin typeface="Blackadder ITC" panose="04020505051007020D02" pitchFamily="82" charset="0"/>
+              </a:rPr>
+              <a:t>Thank You </a:t>
+            </a:r>
+            <a:r>
+              <a:rPr lang="en-US" sz="9600" dirty="0">
+                <a:solidFill>
+                  <a:schemeClr val="accent1"/>
+                </a:solidFill>
+                <a:latin typeface="Blackadder ITC" panose="04020505051007020D02" pitchFamily="82" charset="0"/>
+                <a:sym typeface="Wingdings" panose="05000000000000000000" pitchFamily="2" charset="2"/>
+              </a:rPr>
+              <a:t></a:t>
+            </a:r>
+            <a:endParaRPr lang="en-US" sz="9600" dirty="0">
+              <a:solidFill>
+                <a:schemeClr val="accent1"/>
+              </a:solidFill>
+            </a:endParaRPr>
+          </a:p>
+        </p:txBody>
+      </p:sp>
+    </p:spTree>
+    <p:extLst>
+      <p:ext uri="{BB962C8B-B14F-4D97-AF65-F5344CB8AC3E}">
+        <p14:creationId xmlns:p14="http://schemas.microsoft.com/office/powerpoint/2010/main" val="3239199777"/>
       </p:ext>
     </p:extLst>
   </p:cSld>
@@ -39715,6 +40672,15 @@
 </file>
 
 <file path=customXml/item1.xml><?xml version="1.0" encoding="utf-8"?>
+<?mso-contentType ?>
+<FormTemplates xmlns="http://schemas.microsoft.com/sharepoint/v3/contenttype/forms">
+  <Display>DocumentLibraryForm</Display>
+  <Edit>AssetEditForm</Edit>
+  <New>DocumentLibraryForm</New>
+</FormTemplates>
+</file>
+
+<file path=customXml/item2.xml><?xml version="1.0" encoding="utf-8"?>
 <p:properties xmlns:p="http://schemas.microsoft.com/office/2006/metadata/properties" xmlns:xsi="http://www.w3.org/2001/XMLSchema-instance" xmlns:pc="http://schemas.microsoft.com/office/infopath/2007/PartnerControls">
   <documentManagement>
     <LocPublishedLinkedAssetsLookup xmlns="4873beb7-5857-4685-be1f-d57550cc96cc" xsi:nil="true"/>
@@ -39848,15 +40814,6 @@
     <LocMarketGroupTiers2 xmlns="4873beb7-5857-4685-be1f-d57550cc96cc" xsi:nil="true"/>
   </documentManagement>
 </p:properties>
-</file>
-
-<file path=customXml/item2.xml><?xml version="1.0" encoding="utf-8"?>
-<?mso-contentType ?>
-<FormTemplates xmlns="http://schemas.microsoft.com/sharepoint/v3/contenttype/forms">
-  <Display>DocumentLibraryForm</Display>
-  <Edit>AssetEditForm</Edit>
-  <New>DocumentLibraryForm</New>
-</FormTemplates>
 </file>
 
 <file path=customXml/item3.xml><?xml version="1.0" encoding="utf-8"?>
@@ -40900,6 +41857,14 @@
 </file>
 
 <file path=customXml/itemProps1.xml><?xml version="1.0" encoding="utf-8"?>
+<ds:datastoreItem xmlns:ds="http://schemas.openxmlformats.org/officeDocument/2006/customXml" ds:itemID="{E1B558C7-619B-49BE-9097-7FCBDADD4ECE}">
+  <ds:schemaRefs>
+    <ds:schemaRef ds:uri="http://schemas.microsoft.com/sharepoint/v3/contenttype/forms"/>
+  </ds:schemaRefs>
+</ds:datastoreItem>
+</file>
+
+<file path=customXml/itemProps2.xml><?xml version="1.0" encoding="utf-8"?>
 <ds:datastoreItem xmlns:ds="http://schemas.openxmlformats.org/officeDocument/2006/customXml" ds:itemID="{F301D382-32B0-43EE-932C-28906AF37617}">
   <ds:schemaRefs>
     <ds:schemaRef ds:uri="http://schemas.microsoft.com/office/2006/metadata/properties"/>
@@ -40911,14 +41876,6 @@
     <ds:schemaRef ds:uri="4873beb7-5857-4685-be1f-d57550cc96cc"/>
     <ds:schemaRef ds:uri="http://www.w3.org/XML/1998/namespace"/>
     <ds:schemaRef ds:uri="http://purl.org/dc/dcmitype/"/>
-  </ds:schemaRefs>
-</ds:datastoreItem>
-</file>
-
-<file path=customXml/itemProps2.xml><?xml version="1.0" encoding="utf-8"?>
-<ds:datastoreItem xmlns:ds="http://schemas.openxmlformats.org/officeDocument/2006/customXml" ds:itemID="{E1B558C7-619B-49BE-9097-7FCBDADD4ECE}">
-  <ds:schemaRefs>
-    <ds:schemaRef ds:uri="http://schemas.microsoft.com/sharepoint/v3/contenttype/forms"/>
   </ds:schemaRefs>
 </ds:datastoreItem>
 </file>

--- a/Drug-Target Interaction Prediction.pptx
+++ b/Drug-Target Interaction Prediction.pptx
@@ -5,10 +5,10 @@
     <p:sldMasterId id="2147483887" r:id="rId4"/>
   </p:sldMasterIdLst>
   <p:notesMasterIdLst>
-    <p:notesMasterId r:id="rId34"/>
+    <p:notesMasterId r:id="rId35"/>
   </p:notesMasterIdLst>
   <p:handoutMasterIdLst>
-    <p:handoutMasterId r:id="rId35"/>
+    <p:handoutMasterId r:id="rId36"/>
   </p:handoutMasterIdLst>
   <p:sldIdLst>
     <p:sldId id="264" r:id="rId5"/>
@@ -37,9 +37,10 @@
     <p:sldId id="317" r:id="rId28"/>
     <p:sldId id="318" r:id="rId29"/>
     <p:sldId id="319" r:id="rId30"/>
-    <p:sldId id="294" r:id="rId31"/>
-    <p:sldId id="289" r:id="rId32"/>
-    <p:sldId id="292" r:id="rId33"/>
+    <p:sldId id="320" r:id="rId31"/>
+    <p:sldId id="294" r:id="rId32"/>
+    <p:sldId id="289" r:id="rId33"/>
+    <p:sldId id="292" r:id="rId34"/>
   </p:sldIdLst>
   <p:sldSz cx="12188825" cy="6858000"/>
   <p:notesSz cx="6858000" cy="9144000"/>
@@ -31625,6 +31626,1670 @@
 <file path=ppt/slides/slide27.xml><?xml version="1.0" encoding="utf-8"?>
 <p:sld xmlns:a="http://schemas.openxmlformats.org/drawingml/2006/main" xmlns:r="http://schemas.openxmlformats.org/officeDocument/2006/relationships" xmlns:p="http://schemas.openxmlformats.org/presentationml/2006/main">
   <p:cSld>
+    <p:spTree>
+      <p:nvGrpSpPr>
+        <p:cNvPr id="1" name=""/>
+        <p:cNvGrpSpPr/>
+        <p:nvPr/>
+      </p:nvGrpSpPr>
+      <p:grpSpPr>
+        <a:xfrm>
+          <a:off x="0" y="0"/>
+          <a:ext cx="0" cy="0"/>
+          <a:chOff x="0" y="0"/>
+          <a:chExt cx="0" cy="0"/>
+        </a:xfrm>
+      </p:grpSpPr>
+      <p:sp>
+        <p:nvSpPr>
+          <p:cNvPr id="2" name="Title 1"/>
+          <p:cNvSpPr>
+            <a:spLocks noGrp="1"/>
+          </p:cNvSpPr>
+          <p:nvPr>
+            <p:ph type="title"/>
+          </p:nvPr>
+        </p:nvSpPr>
+        <p:spPr/>
+        <p:txBody>
+          <a:bodyPr anchor="t">
+            <a:normAutofit/>
+          </a:bodyPr>
+          <a:lstStyle/>
+          <a:p>
+            <a:r>
+              <a:rPr lang="en-US" sz="3600" dirty="0">
+                <a:latin typeface="Calibri" panose="020F0502020204030204" pitchFamily="34" charset="0"/>
+                <a:cs typeface="Calibri" panose="020F0502020204030204" pitchFamily="34" charset="0"/>
+              </a:rPr>
+              <a:t>Experiment Results (Cont.) </a:t>
+            </a:r>
+            <a:endParaRPr lang="en-US" dirty="0">
+              <a:latin typeface="Calibri" panose="020F0502020204030204" pitchFamily="34" charset="0"/>
+              <a:cs typeface="Calibri" panose="020F0502020204030204" pitchFamily="34" charset="0"/>
+            </a:endParaRPr>
+          </a:p>
+        </p:txBody>
+      </p:sp>
+      <p:sp>
+        <p:nvSpPr>
+          <p:cNvPr id="9" name="Content Placeholder 8">
+            <a:extLst>
+              <a:ext uri="{FF2B5EF4-FFF2-40B4-BE49-F238E27FC236}">
+                <a16:creationId xmlns:a16="http://schemas.microsoft.com/office/drawing/2014/main" id="{BFD27979-805A-4B4B-946D-AB44BEAC7A32}"/>
+              </a:ext>
+            </a:extLst>
+          </p:cNvPr>
+          <p:cNvSpPr>
+            <a:spLocks noGrp="1"/>
+          </p:cNvSpPr>
+          <p:nvPr>
+            <p:ph idx="1"/>
+          </p:nvPr>
+        </p:nvSpPr>
+        <p:spPr>
+          <a:xfrm>
+            <a:off x="760413" y="1600200"/>
+            <a:ext cx="6553199" cy="4724400"/>
+          </a:xfrm>
+        </p:spPr>
+        <p:txBody>
+          <a:bodyPr>
+            <a:normAutofit/>
+          </a:bodyPr>
+          <a:lstStyle/>
+          <a:p>
+            <a:pPr marL="0" indent="0">
+              <a:buNone/>
+            </a:pPr>
+            <a:r>
+              <a:rPr lang="en-US" b="1" dirty="0">
+                <a:solidFill>
+                  <a:schemeClr val="tx1"/>
+                </a:solidFill>
+                <a:latin typeface="Calibri" panose="020F0502020204030204" pitchFamily="34" charset="0"/>
+                <a:cs typeface="Calibri" panose="020F0502020204030204" pitchFamily="34" charset="0"/>
+              </a:rPr>
+              <a:t>               </a:t>
+            </a:r>
+          </a:p>
+          <a:p>
+            <a:pPr marL="0" indent="0">
+              <a:buNone/>
+            </a:pPr>
+            <a:endParaRPr lang="en-US" dirty="0">
+              <a:solidFill>
+                <a:schemeClr val="tx1"/>
+              </a:solidFill>
+              <a:latin typeface="Calibri" panose="020F0502020204030204" pitchFamily="34" charset="0"/>
+              <a:cs typeface="Calibri" panose="020F0502020204030204" pitchFamily="34" charset="0"/>
+            </a:endParaRPr>
+          </a:p>
+        </p:txBody>
+      </p:sp>
+      <p:sp>
+        <p:nvSpPr>
+          <p:cNvPr id="6" name="Content Placeholder 2">
+            <a:extLst>
+              <a:ext uri="{FF2B5EF4-FFF2-40B4-BE49-F238E27FC236}">
+                <a16:creationId xmlns:a16="http://schemas.microsoft.com/office/drawing/2014/main" id="{109EE1EC-0CF3-44EA-8406-9B48EE9C5C3D}"/>
+              </a:ext>
+            </a:extLst>
+          </p:cNvPr>
+          <p:cNvSpPr txBox="1">
+            <a:spLocks/>
+          </p:cNvSpPr>
+          <p:nvPr/>
+        </p:nvSpPr>
+        <p:spPr>
+          <a:xfrm>
+            <a:off x="677158" y="1676400"/>
+            <a:ext cx="9227254" cy="4343400"/>
+          </a:xfrm>
+          <a:prstGeom prst="rect">
+            <a:avLst/>
+          </a:prstGeom>
+        </p:spPr>
+        <p:txBody>
+          <a:bodyPr vert="horz" lIns="91440" tIns="45720" rIns="91440" bIns="45720" rtlCol="0">
+            <a:normAutofit/>
+          </a:bodyPr>
+          <a:lstStyle>
+            <a:lvl1pPr marL="342797" indent="-342797" algn="l" defTabSz="457063" rtl="0" eaLnBrk="1" latinLnBrk="0" hangingPunct="1">
+              <a:spcBef>
+                <a:spcPts val="1000"/>
+              </a:spcBef>
+              <a:spcAft>
+                <a:spcPts val="0"/>
+              </a:spcAft>
+              <a:buClr>
+                <a:schemeClr val="accent1"/>
+              </a:buClr>
+              <a:buSzPct val="80000"/>
+              <a:buFont typeface="Wingdings 3" charset="2"/>
+              <a:buChar char=""/>
+              <a:defRPr sz="1799" kern="1200">
+                <a:solidFill>
+                  <a:schemeClr val="tx1">
+                    <a:lumMod val="75000"/>
+                    <a:lumOff val="25000"/>
+                  </a:schemeClr>
+                </a:solidFill>
+                <a:latin typeface="+mn-lt"/>
+                <a:ea typeface="+mn-ea"/>
+                <a:cs typeface="+mn-cs"/>
+              </a:defRPr>
+            </a:lvl1pPr>
+            <a:lvl2pPr marL="742727" indent="-285664" algn="l" defTabSz="457063" rtl="0" eaLnBrk="1" latinLnBrk="0" hangingPunct="1">
+              <a:spcBef>
+                <a:spcPts val="1000"/>
+              </a:spcBef>
+              <a:spcAft>
+                <a:spcPts val="0"/>
+              </a:spcAft>
+              <a:buClr>
+                <a:schemeClr val="accent1"/>
+              </a:buClr>
+              <a:buSzPct val="80000"/>
+              <a:buFont typeface="Wingdings 3" charset="2"/>
+              <a:buChar char=""/>
+              <a:defRPr sz="1600" kern="1200">
+                <a:solidFill>
+                  <a:schemeClr val="tx1">
+                    <a:lumMod val="75000"/>
+                    <a:lumOff val="25000"/>
+                  </a:schemeClr>
+                </a:solidFill>
+                <a:latin typeface="+mn-lt"/>
+                <a:ea typeface="+mn-ea"/>
+                <a:cs typeface="+mn-cs"/>
+              </a:defRPr>
+            </a:lvl2pPr>
+            <a:lvl3pPr marL="1142657" indent="-228531" algn="l" defTabSz="457063" rtl="0" eaLnBrk="1" latinLnBrk="0" hangingPunct="1">
+              <a:spcBef>
+                <a:spcPts val="1000"/>
+              </a:spcBef>
+              <a:spcAft>
+                <a:spcPts val="0"/>
+              </a:spcAft>
+              <a:buClr>
+                <a:schemeClr val="accent1"/>
+              </a:buClr>
+              <a:buSzPct val="80000"/>
+              <a:buFont typeface="Wingdings 3" charset="2"/>
+              <a:buChar char=""/>
+              <a:defRPr sz="1400" kern="1200">
+                <a:solidFill>
+                  <a:schemeClr val="tx1">
+                    <a:lumMod val="75000"/>
+                    <a:lumOff val="25000"/>
+                  </a:schemeClr>
+                </a:solidFill>
+                <a:latin typeface="+mn-lt"/>
+                <a:ea typeface="+mn-ea"/>
+                <a:cs typeface="+mn-cs"/>
+              </a:defRPr>
+            </a:lvl3pPr>
+            <a:lvl4pPr marL="1599720" indent="-228531" algn="l" defTabSz="457063" rtl="0" eaLnBrk="1" latinLnBrk="0" hangingPunct="1">
+              <a:spcBef>
+                <a:spcPts val="1000"/>
+              </a:spcBef>
+              <a:spcAft>
+                <a:spcPts val="0"/>
+              </a:spcAft>
+              <a:buClr>
+                <a:schemeClr val="accent1"/>
+              </a:buClr>
+              <a:buSzPct val="80000"/>
+              <a:buFont typeface="Wingdings 3" charset="2"/>
+              <a:buChar char=""/>
+              <a:defRPr sz="1200" kern="1200">
+                <a:solidFill>
+                  <a:schemeClr val="tx1">
+                    <a:lumMod val="75000"/>
+                    <a:lumOff val="25000"/>
+                  </a:schemeClr>
+                </a:solidFill>
+                <a:latin typeface="+mn-lt"/>
+                <a:ea typeface="+mn-ea"/>
+                <a:cs typeface="+mn-cs"/>
+              </a:defRPr>
+            </a:lvl4pPr>
+            <a:lvl5pPr marL="2056783" indent="-228531" algn="l" defTabSz="457063" rtl="0" eaLnBrk="1" latinLnBrk="0" hangingPunct="1">
+              <a:spcBef>
+                <a:spcPts val="1000"/>
+              </a:spcBef>
+              <a:spcAft>
+                <a:spcPts val="0"/>
+              </a:spcAft>
+              <a:buClr>
+                <a:schemeClr val="accent1"/>
+              </a:buClr>
+              <a:buSzPct val="80000"/>
+              <a:buFont typeface="Wingdings 3" charset="2"/>
+              <a:buChar char=""/>
+              <a:defRPr sz="1200" kern="1200">
+                <a:solidFill>
+                  <a:schemeClr val="tx1">
+                    <a:lumMod val="75000"/>
+                    <a:lumOff val="25000"/>
+                  </a:schemeClr>
+                </a:solidFill>
+                <a:latin typeface="+mn-lt"/>
+                <a:ea typeface="+mn-ea"/>
+                <a:cs typeface="+mn-cs"/>
+              </a:defRPr>
+            </a:lvl5pPr>
+            <a:lvl6pPr marL="2513846" indent="-228531" algn="l" defTabSz="457063" rtl="0" eaLnBrk="1" latinLnBrk="0" hangingPunct="1">
+              <a:spcBef>
+                <a:spcPts val="1000"/>
+              </a:spcBef>
+              <a:spcAft>
+                <a:spcPts val="0"/>
+              </a:spcAft>
+              <a:buClr>
+                <a:schemeClr val="accent1"/>
+              </a:buClr>
+              <a:buSzPct val="80000"/>
+              <a:buFont typeface="Wingdings 3" charset="2"/>
+              <a:buChar char=""/>
+              <a:defRPr sz="1200" kern="1200">
+                <a:solidFill>
+                  <a:schemeClr val="tx1">
+                    <a:lumMod val="75000"/>
+                    <a:lumOff val="25000"/>
+                  </a:schemeClr>
+                </a:solidFill>
+                <a:latin typeface="+mn-lt"/>
+                <a:ea typeface="+mn-ea"/>
+                <a:cs typeface="+mn-cs"/>
+              </a:defRPr>
+            </a:lvl6pPr>
+            <a:lvl7pPr marL="2970908" indent="-228531" algn="l" defTabSz="457063" rtl="0" eaLnBrk="1" latinLnBrk="0" hangingPunct="1">
+              <a:spcBef>
+                <a:spcPts val="1000"/>
+              </a:spcBef>
+              <a:spcAft>
+                <a:spcPts val="0"/>
+              </a:spcAft>
+              <a:buClr>
+                <a:schemeClr val="accent1"/>
+              </a:buClr>
+              <a:buSzPct val="80000"/>
+              <a:buFont typeface="Wingdings 3" charset="2"/>
+              <a:buChar char=""/>
+              <a:defRPr sz="1200" kern="1200">
+                <a:solidFill>
+                  <a:schemeClr val="tx1">
+                    <a:lumMod val="75000"/>
+                    <a:lumOff val="25000"/>
+                  </a:schemeClr>
+                </a:solidFill>
+                <a:latin typeface="+mn-lt"/>
+                <a:ea typeface="+mn-ea"/>
+                <a:cs typeface="+mn-cs"/>
+              </a:defRPr>
+            </a:lvl7pPr>
+            <a:lvl8pPr marL="3427971" indent="-228531" algn="l" defTabSz="457063" rtl="0" eaLnBrk="1" latinLnBrk="0" hangingPunct="1">
+              <a:spcBef>
+                <a:spcPts val="1000"/>
+              </a:spcBef>
+              <a:spcAft>
+                <a:spcPts val="0"/>
+              </a:spcAft>
+              <a:buClr>
+                <a:schemeClr val="accent1"/>
+              </a:buClr>
+              <a:buSzPct val="80000"/>
+              <a:buFont typeface="Wingdings 3" charset="2"/>
+              <a:buChar char=""/>
+              <a:defRPr sz="1200" kern="1200">
+                <a:solidFill>
+                  <a:schemeClr val="tx1">
+                    <a:lumMod val="75000"/>
+                    <a:lumOff val="25000"/>
+                  </a:schemeClr>
+                </a:solidFill>
+                <a:latin typeface="+mn-lt"/>
+                <a:ea typeface="+mn-ea"/>
+                <a:cs typeface="+mn-cs"/>
+              </a:defRPr>
+            </a:lvl8pPr>
+            <a:lvl9pPr marL="3885034" indent="-228531" algn="l" defTabSz="457063" rtl="0" eaLnBrk="1" latinLnBrk="0" hangingPunct="1">
+              <a:spcBef>
+                <a:spcPts val="1000"/>
+              </a:spcBef>
+              <a:spcAft>
+                <a:spcPts val="0"/>
+              </a:spcAft>
+              <a:buClr>
+                <a:schemeClr val="accent1"/>
+              </a:buClr>
+              <a:buSzPct val="80000"/>
+              <a:buFont typeface="Wingdings 3" charset="2"/>
+              <a:buChar char=""/>
+              <a:defRPr sz="1200" kern="1200">
+                <a:solidFill>
+                  <a:schemeClr val="tx1">
+                    <a:lumMod val="75000"/>
+                    <a:lumOff val="25000"/>
+                  </a:schemeClr>
+                </a:solidFill>
+                <a:latin typeface="+mn-lt"/>
+                <a:ea typeface="+mn-ea"/>
+                <a:cs typeface="+mn-cs"/>
+              </a:defRPr>
+            </a:lvl9pPr>
+          </a:lstStyle>
+          <a:p>
+            <a:pPr marL="457063" lvl="1" indent="0">
+              <a:buFont typeface="Wingdings 3" charset="2"/>
+              <a:buNone/>
+            </a:pPr>
+            <a:endParaRPr lang="en-US" dirty="0"/>
+          </a:p>
+        </p:txBody>
+      </p:sp>
+      <p:graphicFrame>
+        <p:nvGraphicFramePr>
+          <p:cNvPr id="5" name="Table 4">
+            <a:extLst>
+              <a:ext uri="{FF2B5EF4-FFF2-40B4-BE49-F238E27FC236}">
+                <a16:creationId xmlns:a16="http://schemas.microsoft.com/office/drawing/2014/main" id="{C98F83E0-B955-42B2-B093-FA3A3627C0AC}"/>
+              </a:ext>
+            </a:extLst>
+          </p:cNvPr>
+          <p:cNvGraphicFramePr>
+            <a:graphicFrameLocks noGrp="1"/>
+          </p:cNvGraphicFramePr>
+          <p:nvPr>
+            <p:extLst>
+              <p:ext uri="{D42A27DB-BD31-4B8C-83A1-F6EECF244321}">
+                <p14:modId xmlns:p14="http://schemas.microsoft.com/office/powerpoint/2010/main" val="1149286151"/>
+              </p:ext>
+            </p:extLst>
+          </p:nvPr>
+        </p:nvGraphicFramePr>
+        <p:xfrm>
+          <a:off x="1598612" y="1600200"/>
+          <a:ext cx="9372600" cy="4858641"/>
+        </p:xfrm>
+        <a:graphic>
+          <a:graphicData uri="http://schemas.openxmlformats.org/drawingml/2006/table">
+            <a:tbl>
+              <a:tblPr firstRow="1" bandRow="1">
+                <a:tableStyleId>{E8B1032C-EA38-4F05-BA0D-38AFFFC7BED3}</a:tableStyleId>
+              </a:tblPr>
+              <a:tblGrid>
+                <a:gridCol w="552065">
+                  <a:extLst>
+                    <a:ext uri="{9D8B030D-6E8A-4147-A177-3AD203B41FA5}">
+                      <a16:colId xmlns:a16="http://schemas.microsoft.com/office/drawing/2014/main" val="2975467101"/>
+                    </a:ext>
+                  </a:extLst>
+                </a:gridCol>
+                <a:gridCol w="1019368">
+                  <a:extLst>
+                    <a:ext uri="{9D8B030D-6E8A-4147-A177-3AD203B41FA5}">
+                      <a16:colId xmlns:a16="http://schemas.microsoft.com/office/drawing/2014/main" val="1256914312"/>
+                    </a:ext>
+                  </a:extLst>
+                </a:gridCol>
+                <a:gridCol w="1019368">
+                  <a:extLst>
+                    <a:ext uri="{9D8B030D-6E8A-4147-A177-3AD203B41FA5}">
+                      <a16:colId xmlns:a16="http://schemas.microsoft.com/office/drawing/2014/main" val="333415022"/>
+                    </a:ext>
+                  </a:extLst>
+                </a:gridCol>
+                <a:gridCol w="1066800">
+                  <a:extLst>
+                    <a:ext uri="{9D8B030D-6E8A-4147-A177-3AD203B41FA5}">
+                      <a16:colId xmlns:a16="http://schemas.microsoft.com/office/drawing/2014/main" val="2642142898"/>
+                    </a:ext>
+                  </a:extLst>
+                </a:gridCol>
+                <a:gridCol w="1066800">
+                  <a:extLst>
+                    <a:ext uri="{9D8B030D-6E8A-4147-A177-3AD203B41FA5}">
+                      <a16:colId xmlns:a16="http://schemas.microsoft.com/office/drawing/2014/main" val="1311354813"/>
+                    </a:ext>
+                  </a:extLst>
+                </a:gridCol>
+                <a:gridCol w="1066799">
+                  <a:extLst>
+                    <a:ext uri="{9D8B030D-6E8A-4147-A177-3AD203B41FA5}">
+                      <a16:colId xmlns:a16="http://schemas.microsoft.com/office/drawing/2014/main" val="267025949"/>
+                    </a:ext>
+                  </a:extLst>
+                </a:gridCol>
+                <a:gridCol w="1143000">
+                  <a:extLst>
+                    <a:ext uri="{9D8B030D-6E8A-4147-A177-3AD203B41FA5}">
+                      <a16:colId xmlns:a16="http://schemas.microsoft.com/office/drawing/2014/main" val="531061255"/>
+                    </a:ext>
+                  </a:extLst>
+                </a:gridCol>
+                <a:gridCol w="1143000">
+                  <a:extLst>
+                    <a:ext uri="{9D8B030D-6E8A-4147-A177-3AD203B41FA5}">
+                      <a16:colId xmlns:a16="http://schemas.microsoft.com/office/drawing/2014/main" val="819021370"/>
+                    </a:ext>
+                  </a:extLst>
+                </a:gridCol>
+                <a:gridCol w="1295400">
+                  <a:extLst>
+                    <a:ext uri="{9D8B030D-6E8A-4147-A177-3AD203B41FA5}">
+                      <a16:colId xmlns:a16="http://schemas.microsoft.com/office/drawing/2014/main" val="1891545078"/>
+                    </a:ext>
+                  </a:extLst>
+                </a:gridCol>
+              </a:tblGrid>
+              <a:tr h="520277">
+                <a:tc gridSpan="9">
+                  <a:txBody>
+                    <a:bodyPr/>
+                    <a:lstStyle/>
+                    <a:p>
+                      <a:pPr marL="0" marR="0" lvl="0" indent="0" algn="ctr" defTabSz="457063" rtl="0" eaLnBrk="1" fontAlgn="auto" latinLnBrk="0" hangingPunct="1">
+                        <a:lnSpc>
+                          <a:spcPct val="100000"/>
+                        </a:lnSpc>
+                        <a:spcBef>
+                          <a:spcPts val="0"/>
+                        </a:spcBef>
+                        <a:spcAft>
+                          <a:spcPts val="0"/>
+                        </a:spcAft>
+                        <a:buClrTx/>
+                        <a:buSzTx/>
+                        <a:buFontTx/>
+                        <a:buNone/>
+                        <a:tabLst/>
+                        <a:defRPr/>
+                      </a:pPr>
+                      <a:r>
+                        <a:rPr lang="en-US" sz="2400" dirty="0"/>
+                        <a:t>Ion Channels</a:t>
+                      </a:r>
+                    </a:p>
+                    <a:p>
+                      <a:pPr marL="0" marR="0" lvl="0" indent="0" algn="ctr" defTabSz="457063" rtl="0" eaLnBrk="1" fontAlgn="auto" latinLnBrk="0" hangingPunct="1">
+                        <a:lnSpc>
+                          <a:spcPct val="100000"/>
+                        </a:lnSpc>
+                        <a:spcBef>
+                          <a:spcPts val="0"/>
+                        </a:spcBef>
+                        <a:spcAft>
+                          <a:spcPts val="0"/>
+                        </a:spcAft>
+                        <a:buClrTx/>
+                        <a:buSzTx/>
+                        <a:buFontTx/>
+                        <a:buNone/>
+                        <a:tabLst/>
+                        <a:defRPr/>
+                      </a:pPr>
+                      <a:endParaRPr lang="en-US" sz="2400" dirty="0"/>
+                    </a:p>
+                  </a:txBody>
+                  <a:tcPr/>
+                </a:tc>
+                <a:tc hMerge="1">
+                  <a:txBody>
+                    <a:bodyPr/>
+                    <a:lstStyle/>
+                    <a:p>
+                      <a:pPr algn="ctr"/>
+                      <a:endParaRPr lang="en-US" dirty="0"/>
+                    </a:p>
+                  </a:txBody>
+                  <a:tcPr/>
+                </a:tc>
+                <a:tc hMerge="1">
+                  <a:txBody>
+                    <a:bodyPr/>
+                    <a:lstStyle/>
+                    <a:p>
+                      <a:endParaRPr lang="en-US"/>
+                    </a:p>
+                  </a:txBody>
+                  <a:tcPr/>
+                </a:tc>
+                <a:tc hMerge="1">
+                  <a:txBody>
+                    <a:bodyPr/>
+                    <a:lstStyle/>
+                    <a:p>
+                      <a:pPr algn="ctr"/>
+                      <a:endParaRPr lang="en-US" dirty="0"/>
+                    </a:p>
+                  </a:txBody>
+                  <a:tcPr/>
+                </a:tc>
+                <a:tc hMerge="1">
+                  <a:txBody>
+                    <a:bodyPr/>
+                    <a:lstStyle/>
+                    <a:p>
+                      <a:endParaRPr lang="en-US"/>
+                    </a:p>
+                  </a:txBody>
+                  <a:tcPr/>
+                </a:tc>
+                <a:tc hMerge="1">
+                  <a:txBody>
+                    <a:bodyPr/>
+                    <a:lstStyle/>
+                    <a:p>
+                      <a:pPr algn="ctr"/>
+                      <a:endParaRPr lang="en-US" dirty="0"/>
+                    </a:p>
+                  </a:txBody>
+                  <a:tcPr/>
+                </a:tc>
+                <a:tc hMerge="1">
+                  <a:txBody>
+                    <a:bodyPr/>
+                    <a:lstStyle/>
+                    <a:p>
+                      <a:endParaRPr lang="en-US"/>
+                    </a:p>
+                  </a:txBody>
+                  <a:tcPr/>
+                </a:tc>
+                <a:tc hMerge="1">
+                  <a:txBody>
+                    <a:bodyPr/>
+                    <a:lstStyle/>
+                    <a:p>
+                      <a:pPr algn="ctr"/>
+                      <a:endParaRPr lang="en-US" sz="2400" dirty="0"/>
+                    </a:p>
+                  </a:txBody>
+                  <a:tcPr/>
+                </a:tc>
+                <a:tc hMerge="1">
+                  <a:txBody>
+                    <a:bodyPr/>
+                    <a:lstStyle/>
+                    <a:p>
+                      <a:endParaRPr lang="en-US"/>
+                    </a:p>
+                  </a:txBody>
+                  <a:tcPr/>
+                </a:tc>
+                <a:extLst>
+                  <a:ext uri="{0D108BD9-81ED-4DB2-BD59-A6C34878D82A}">
+                    <a16:rowId xmlns:a16="http://schemas.microsoft.com/office/drawing/2014/main" val="1409194240"/>
+                  </a:ext>
+                </a:extLst>
+              </a:tr>
+              <a:tr h="520277">
+                <a:tc>
+                  <a:txBody>
+                    <a:bodyPr/>
+                    <a:lstStyle/>
+                    <a:p>
+                      <a:pPr algn="ctr"/>
+                      <a:r>
+                        <a:rPr lang="en-US" sz="1799" b="0" i="0" u="none" strike="noStrike" kern="1200" baseline="0" dirty="0">
+                          <a:solidFill>
+                            <a:schemeClr val="tx1"/>
+                          </a:solidFill>
+                          <a:latin typeface="+mn-lt"/>
+                          <a:ea typeface="+mn-ea"/>
+                          <a:cs typeface="+mn-cs"/>
+                        </a:rPr>
+                        <a:t>K</a:t>
+                      </a:r>
+                      <a:endParaRPr lang="en-US" dirty="0"/>
+                    </a:p>
+                  </a:txBody>
+                  <a:tcPr/>
+                </a:tc>
+                <a:tc gridSpan="2">
+                  <a:txBody>
+                    <a:bodyPr/>
+                    <a:lstStyle/>
+                    <a:p>
+                      <a:pPr algn="ctr"/>
+                      <a:r>
+                        <a:rPr lang="en-US" sz="1799" b="0" i="0" u="none" strike="noStrike" kern="1200" baseline="0" dirty="0">
+                          <a:solidFill>
+                            <a:schemeClr val="tx1"/>
+                          </a:solidFill>
+                          <a:latin typeface="+mn-lt"/>
+                          <a:ea typeface="+mn-ea"/>
+                          <a:cs typeface="+mn-cs"/>
+                        </a:rPr>
+                        <a:t>Simple WP</a:t>
+                      </a:r>
+                      <a:endParaRPr lang="en-US" dirty="0"/>
+                    </a:p>
+                  </a:txBody>
+                  <a:tcPr/>
+                </a:tc>
+                <a:tc hMerge="1">
+                  <a:txBody>
+                    <a:bodyPr/>
+                    <a:lstStyle/>
+                    <a:p>
+                      <a:endParaRPr lang="en-US"/>
+                    </a:p>
+                  </a:txBody>
+                  <a:tcPr/>
+                </a:tc>
+                <a:tc gridSpan="2">
+                  <a:txBody>
+                    <a:bodyPr/>
+                    <a:lstStyle/>
+                    <a:p>
+                      <a:pPr algn="ctr"/>
+                      <a:r>
+                        <a:rPr lang="en-US" dirty="0"/>
+                        <a:t>Hubness – aware</a:t>
+                      </a:r>
+                    </a:p>
+                  </a:txBody>
+                  <a:tcPr/>
+                </a:tc>
+                <a:tc hMerge="1">
+                  <a:txBody>
+                    <a:bodyPr/>
+                    <a:lstStyle/>
+                    <a:p>
+                      <a:endParaRPr lang="en-US"/>
+                    </a:p>
+                  </a:txBody>
+                  <a:tcPr/>
+                </a:tc>
+                <a:tc gridSpan="2">
+                  <a:txBody>
+                    <a:bodyPr/>
+                    <a:lstStyle/>
+                    <a:p>
+                      <a:pPr algn="ctr"/>
+                      <a:r>
+                        <a:rPr lang="en-US" sz="1799" b="0" i="0" u="none" strike="noStrike" kern="1200" baseline="0" dirty="0">
+                          <a:solidFill>
+                            <a:schemeClr val="tx1"/>
+                          </a:solidFill>
+                          <a:latin typeface="+mn-lt"/>
+                          <a:ea typeface="+mn-ea"/>
+                          <a:cs typeface="+mn-cs"/>
+                        </a:rPr>
+                        <a:t>Using Jaccard Similarity </a:t>
+                      </a:r>
+                      <a:endParaRPr lang="en-US" dirty="0"/>
+                    </a:p>
+                  </a:txBody>
+                  <a:tcPr/>
+                </a:tc>
+                <a:tc hMerge="1">
+                  <a:txBody>
+                    <a:bodyPr/>
+                    <a:lstStyle/>
+                    <a:p>
+                      <a:endParaRPr lang="en-US"/>
+                    </a:p>
+                  </a:txBody>
+                  <a:tcPr/>
+                </a:tc>
+                <a:tc gridSpan="2">
+                  <a:txBody>
+                    <a:bodyPr/>
+                    <a:lstStyle/>
+                    <a:p>
+                      <a:pPr marL="0" marR="0" lvl="0" indent="0" algn="ctr" defTabSz="457063" rtl="0" eaLnBrk="1" fontAlgn="auto" latinLnBrk="0" hangingPunct="1">
+                        <a:lnSpc>
+                          <a:spcPct val="100000"/>
+                        </a:lnSpc>
+                        <a:spcBef>
+                          <a:spcPts val="0"/>
+                        </a:spcBef>
+                        <a:spcAft>
+                          <a:spcPts val="0"/>
+                        </a:spcAft>
+                        <a:buClrTx/>
+                        <a:buSzTx/>
+                        <a:buFontTx/>
+                        <a:buNone/>
+                        <a:tabLst/>
+                        <a:defRPr/>
+                      </a:pPr>
+                      <a:r>
+                        <a:rPr lang="en-US" sz="1799" b="0" i="0" u="none" strike="noStrike" kern="1200" baseline="0" dirty="0">
+                          <a:solidFill>
+                            <a:schemeClr val="tx1"/>
+                          </a:solidFill>
+                          <a:latin typeface="+mn-lt"/>
+                          <a:ea typeface="+mn-ea"/>
+                          <a:cs typeface="+mn-cs"/>
+                        </a:rPr>
+                        <a:t>Jaccard Similarity/ recalculating </a:t>
+                      </a:r>
+                      <a:endParaRPr lang="en-US" dirty="0"/>
+                    </a:p>
+                    <a:p>
+                      <a:pPr algn="ctr"/>
+                      <a:endParaRPr lang="en-US" dirty="0"/>
+                    </a:p>
+                  </a:txBody>
+                  <a:tcPr/>
+                </a:tc>
+                <a:tc hMerge="1">
+                  <a:txBody>
+                    <a:bodyPr/>
+                    <a:lstStyle/>
+                    <a:p>
+                      <a:endParaRPr lang="en-US"/>
+                    </a:p>
+                  </a:txBody>
+                  <a:tcPr/>
+                </a:tc>
+                <a:extLst>
+                  <a:ext uri="{0D108BD9-81ED-4DB2-BD59-A6C34878D82A}">
+                    <a16:rowId xmlns:a16="http://schemas.microsoft.com/office/drawing/2014/main" val="1732074981"/>
+                  </a:ext>
+                </a:extLst>
+              </a:tr>
+              <a:tr h="520277">
+                <a:tc>
+                  <a:txBody>
+                    <a:bodyPr/>
+                    <a:lstStyle/>
+                    <a:p>
+                      <a:pPr algn="ctr"/>
+                      <a:r>
+                        <a:rPr lang="en-US" dirty="0"/>
+                        <a:t>1</a:t>
+                      </a:r>
+                    </a:p>
+                  </a:txBody>
+                  <a:tcPr/>
+                </a:tc>
+                <a:tc>
+                  <a:txBody>
+                    <a:bodyPr/>
+                    <a:lstStyle/>
+                    <a:p>
+                      <a:pPr algn="ctr"/>
+                      <a:r>
+                        <a:rPr lang="en-US" dirty="0"/>
+                        <a:t>0.91691</a:t>
+                      </a:r>
+                    </a:p>
+                  </a:txBody>
+                  <a:tcPr/>
+                </a:tc>
+                <a:tc>
+                  <a:txBody>
+                    <a:bodyPr/>
+                    <a:lstStyle/>
+                    <a:p>
+                      <a:pPr algn="ctr"/>
+                      <a:r>
+                        <a:rPr lang="en-US" dirty="0"/>
+                        <a:t>0.69194</a:t>
+                      </a:r>
+                    </a:p>
+                  </a:txBody>
+                  <a:tcPr/>
+                </a:tc>
+                <a:tc>
+                  <a:txBody>
+                    <a:bodyPr/>
+                    <a:lstStyle/>
+                    <a:p>
+                      <a:pPr algn="ctr"/>
+                      <a:r>
+                        <a:rPr lang="en-US" dirty="0"/>
+                        <a:t>0.91691</a:t>
+                      </a:r>
+                    </a:p>
+                  </a:txBody>
+                  <a:tcPr/>
+                </a:tc>
+                <a:tc>
+                  <a:txBody>
+                    <a:bodyPr/>
+                    <a:lstStyle/>
+                    <a:p>
+                      <a:pPr algn="ctr"/>
+                      <a:r>
+                        <a:rPr lang="en-US" dirty="0"/>
+                        <a:t>0.69194</a:t>
+                      </a:r>
+                    </a:p>
+                  </a:txBody>
+                  <a:tcPr/>
+                </a:tc>
+                <a:tc>
+                  <a:txBody>
+                    <a:bodyPr/>
+                    <a:lstStyle/>
+                    <a:p>
+                      <a:pPr algn="ctr"/>
+                      <a:endParaRPr lang="en-US" dirty="0"/>
+                    </a:p>
+                  </a:txBody>
+                  <a:tcPr/>
+                </a:tc>
+                <a:tc>
+                  <a:txBody>
+                    <a:bodyPr/>
+                    <a:lstStyle/>
+                    <a:p>
+                      <a:pPr algn="ctr"/>
+                      <a:endParaRPr lang="en-US" dirty="0"/>
+                    </a:p>
+                  </a:txBody>
+                  <a:tcPr/>
+                </a:tc>
+                <a:tc>
+                  <a:txBody>
+                    <a:bodyPr/>
+                    <a:lstStyle/>
+                    <a:p>
+                      <a:pPr algn="ctr"/>
+                      <a:endParaRPr lang="en-US" dirty="0"/>
+                    </a:p>
+                  </a:txBody>
+                  <a:tcPr/>
+                </a:tc>
+                <a:tc>
+                  <a:txBody>
+                    <a:bodyPr/>
+                    <a:lstStyle/>
+                    <a:p>
+                      <a:pPr algn="ctr"/>
+                      <a:endParaRPr lang="en-US" dirty="0"/>
+                    </a:p>
+                  </a:txBody>
+                  <a:tcPr/>
+                </a:tc>
+                <a:extLst>
+                  <a:ext uri="{0D108BD9-81ED-4DB2-BD59-A6C34878D82A}">
+                    <a16:rowId xmlns:a16="http://schemas.microsoft.com/office/drawing/2014/main" val="2158644233"/>
+                  </a:ext>
+                </a:extLst>
+              </a:tr>
+              <a:tr h="520277">
+                <a:tc>
+                  <a:txBody>
+                    <a:bodyPr/>
+                    <a:lstStyle/>
+                    <a:p>
+                      <a:pPr algn="ctr"/>
+                      <a:r>
+                        <a:rPr lang="en-US" sz="1799" b="0" i="0" u="none" strike="noStrike" kern="1200" baseline="0" dirty="0">
+                          <a:solidFill>
+                            <a:schemeClr val="tx1"/>
+                          </a:solidFill>
+                          <a:latin typeface="+mn-lt"/>
+                          <a:ea typeface="+mn-ea"/>
+                          <a:cs typeface="+mn-cs"/>
+                        </a:rPr>
+                        <a:t>2</a:t>
+                      </a:r>
+                      <a:endParaRPr lang="en-US" dirty="0"/>
+                    </a:p>
+                  </a:txBody>
+                  <a:tcPr/>
+                </a:tc>
+                <a:tc>
+                  <a:txBody>
+                    <a:bodyPr/>
+                    <a:lstStyle/>
+                    <a:p>
+                      <a:pPr algn="ctr"/>
+                      <a:r>
+                        <a:rPr lang="en-US" dirty="0"/>
+                        <a:t>0.9532</a:t>
+                      </a:r>
+                    </a:p>
+                  </a:txBody>
+                  <a:tcPr/>
+                </a:tc>
+                <a:tc>
+                  <a:txBody>
+                    <a:bodyPr/>
+                    <a:lstStyle/>
+                    <a:p>
+                      <a:pPr algn="ctr"/>
+                      <a:r>
+                        <a:rPr lang="en-US" dirty="0"/>
+                        <a:t>0.7794</a:t>
+                      </a:r>
+                    </a:p>
+                  </a:txBody>
+                  <a:tcPr/>
+                </a:tc>
+                <a:tc>
+                  <a:txBody>
+                    <a:bodyPr/>
+                    <a:lstStyle/>
+                    <a:p>
+                      <a:pPr algn="ctr"/>
+                      <a:r>
+                        <a:rPr lang="en-US" dirty="0"/>
+                        <a:t>0.9565</a:t>
+                      </a:r>
+                    </a:p>
+                  </a:txBody>
+                  <a:tcPr/>
+                </a:tc>
+                <a:tc>
+                  <a:txBody>
+                    <a:bodyPr/>
+                    <a:lstStyle/>
+                    <a:p>
+                      <a:pPr algn="ctr"/>
+                      <a:r>
+                        <a:rPr lang="en-US" dirty="0"/>
+                        <a:t>0.8344</a:t>
+                      </a:r>
+                    </a:p>
+                  </a:txBody>
+                  <a:tcPr/>
+                </a:tc>
+                <a:tc>
+                  <a:txBody>
+                    <a:bodyPr/>
+                    <a:lstStyle/>
+                    <a:p>
+                      <a:pPr algn="ctr"/>
+                      <a:endParaRPr lang="en-US" dirty="0"/>
+                    </a:p>
+                  </a:txBody>
+                  <a:tcPr/>
+                </a:tc>
+                <a:tc>
+                  <a:txBody>
+                    <a:bodyPr/>
+                    <a:lstStyle/>
+                    <a:p>
+                      <a:pPr algn="ctr"/>
+                      <a:endParaRPr lang="en-US" dirty="0"/>
+                    </a:p>
+                  </a:txBody>
+                  <a:tcPr/>
+                </a:tc>
+                <a:tc>
+                  <a:txBody>
+                    <a:bodyPr/>
+                    <a:lstStyle/>
+                    <a:p>
+                      <a:pPr algn="ctr"/>
+                      <a:endParaRPr lang="en-US" dirty="0"/>
+                    </a:p>
+                  </a:txBody>
+                  <a:tcPr/>
+                </a:tc>
+                <a:tc>
+                  <a:txBody>
+                    <a:bodyPr/>
+                    <a:lstStyle/>
+                    <a:p>
+                      <a:pPr algn="ctr"/>
+                      <a:endParaRPr lang="en-US" dirty="0"/>
+                    </a:p>
+                  </a:txBody>
+                  <a:tcPr/>
+                </a:tc>
+                <a:extLst>
+                  <a:ext uri="{0D108BD9-81ED-4DB2-BD59-A6C34878D82A}">
+                    <a16:rowId xmlns:a16="http://schemas.microsoft.com/office/drawing/2014/main" val="1315729617"/>
+                  </a:ext>
+                </a:extLst>
+              </a:tr>
+              <a:tr h="520277">
+                <a:tc>
+                  <a:txBody>
+                    <a:bodyPr/>
+                    <a:lstStyle/>
+                    <a:p>
+                      <a:pPr algn="ctr"/>
+                      <a:r>
+                        <a:rPr lang="en-US" sz="1799" b="0" i="0" u="none" strike="noStrike" kern="1200" baseline="0" dirty="0">
+                          <a:solidFill>
+                            <a:schemeClr val="tx1"/>
+                          </a:solidFill>
+                          <a:latin typeface="+mn-lt"/>
+                          <a:ea typeface="+mn-ea"/>
+                          <a:cs typeface="+mn-cs"/>
+                        </a:rPr>
+                        <a:t>3</a:t>
+                      </a:r>
+                      <a:endParaRPr lang="en-US" dirty="0"/>
+                    </a:p>
+                  </a:txBody>
+                  <a:tcPr/>
+                </a:tc>
+                <a:tc>
+                  <a:txBody>
+                    <a:bodyPr/>
+                    <a:lstStyle/>
+                    <a:p>
+                      <a:pPr algn="ctr"/>
+                      <a:r>
+                        <a:rPr lang="en-US" dirty="0"/>
+                        <a:t>0.9666</a:t>
+                      </a:r>
+                    </a:p>
+                  </a:txBody>
+                  <a:tcPr/>
+                </a:tc>
+                <a:tc>
+                  <a:txBody>
+                    <a:bodyPr/>
+                    <a:lstStyle/>
+                    <a:p>
+                      <a:pPr algn="ctr"/>
+                      <a:r>
+                        <a:rPr lang="en-US" dirty="0"/>
+                        <a:t>0.81676</a:t>
+                      </a:r>
+                    </a:p>
+                  </a:txBody>
+                  <a:tcPr/>
+                </a:tc>
+                <a:tc>
+                  <a:txBody>
+                    <a:bodyPr/>
+                    <a:lstStyle/>
+                    <a:p>
+                      <a:pPr algn="ctr"/>
+                      <a:r>
+                        <a:rPr lang="en-US" dirty="0"/>
+                        <a:t>0.97033</a:t>
+                      </a:r>
+                    </a:p>
+                  </a:txBody>
+                  <a:tcPr/>
+                </a:tc>
+                <a:tc>
+                  <a:txBody>
+                    <a:bodyPr/>
+                    <a:lstStyle/>
+                    <a:p>
+                      <a:pPr algn="ctr"/>
+                      <a:r>
+                        <a:rPr lang="en-US" dirty="0"/>
+                        <a:t>0.87600</a:t>
+                      </a:r>
+                    </a:p>
+                  </a:txBody>
+                  <a:tcPr/>
+                </a:tc>
+                <a:tc>
+                  <a:txBody>
+                    <a:bodyPr/>
+                    <a:lstStyle/>
+                    <a:p>
+                      <a:pPr algn="ctr"/>
+                      <a:endParaRPr lang="en-US" dirty="0"/>
+                    </a:p>
+                  </a:txBody>
+                  <a:tcPr/>
+                </a:tc>
+                <a:tc>
+                  <a:txBody>
+                    <a:bodyPr/>
+                    <a:lstStyle/>
+                    <a:p>
+                      <a:pPr algn="ctr"/>
+                      <a:endParaRPr lang="en-US" dirty="0"/>
+                    </a:p>
+                  </a:txBody>
+                  <a:tcPr/>
+                </a:tc>
+                <a:tc>
+                  <a:txBody>
+                    <a:bodyPr/>
+                    <a:lstStyle/>
+                    <a:p>
+                      <a:pPr algn="ctr"/>
+                      <a:endParaRPr lang="en-US" dirty="0"/>
+                    </a:p>
+                  </a:txBody>
+                  <a:tcPr/>
+                </a:tc>
+                <a:tc>
+                  <a:txBody>
+                    <a:bodyPr/>
+                    <a:lstStyle/>
+                    <a:p>
+                      <a:pPr marL="0" marR="0" lvl="0" indent="0" algn="ctr" defTabSz="457063" rtl="0" eaLnBrk="1" fontAlgn="auto" latinLnBrk="0" hangingPunct="1">
+                        <a:lnSpc>
+                          <a:spcPct val="100000"/>
+                        </a:lnSpc>
+                        <a:spcBef>
+                          <a:spcPts val="0"/>
+                        </a:spcBef>
+                        <a:spcAft>
+                          <a:spcPts val="0"/>
+                        </a:spcAft>
+                        <a:buClrTx/>
+                        <a:buSzTx/>
+                        <a:buFontTx/>
+                        <a:buNone/>
+                        <a:tabLst/>
+                        <a:defRPr/>
+                      </a:pPr>
+                      <a:endParaRPr lang="en-US" dirty="0"/>
+                    </a:p>
+                  </a:txBody>
+                  <a:tcPr/>
+                </a:tc>
+                <a:extLst>
+                  <a:ext uri="{0D108BD9-81ED-4DB2-BD59-A6C34878D82A}">
+                    <a16:rowId xmlns:a16="http://schemas.microsoft.com/office/drawing/2014/main" val="3807245811"/>
+                  </a:ext>
+                </a:extLst>
+              </a:tr>
+              <a:tr h="520277">
+                <a:tc>
+                  <a:txBody>
+                    <a:bodyPr/>
+                    <a:lstStyle/>
+                    <a:p>
+                      <a:pPr algn="ctr"/>
+                      <a:r>
+                        <a:rPr lang="en-US" sz="1799" b="0" i="0" u="none" strike="noStrike" kern="1200" baseline="0" dirty="0">
+                          <a:solidFill>
+                            <a:schemeClr val="tx1"/>
+                          </a:solidFill>
+                          <a:latin typeface="+mn-lt"/>
+                          <a:ea typeface="+mn-ea"/>
+                          <a:cs typeface="+mn-cs"/>
+                        </a:rPr>
+                        <a:t>4</a:t>
+                      </a:r>
+                      <a:endParaRPr lang="en-US" dirty="0"/>
+                    </a:p>
+                  </a:txBody>
+                  <a:tcPr/>
+                </a:tc>
+                <a:tc>
+                  <a:txBody>
+                    <a:bodyPr/>
+                    <a:lstStyle/>
+                    <a:p>
+                      <a:pPr algn="ctr"/>
+                      <a:r>
+                        <a:rPr lang="en-US" dirty="0"/>
+                        <a:t>0.9710</a:t>
+                      </a:r>
+                    </a:p>
+                  </a:txBody>
+                  <a:tcPr/>
+                </a:tc>
+                <a:tc>
+                  <a:txBody>
+                    <a:bodyPr/>
+                    <a:lstStyle/>
+                    <a:p>
+                      <a:pPr algn="ctr"/>
+                      <a:r>
+                        <a:rPr lang="en-US" dirty="0"/>
+                        <a:t>0.82947</a:t>
+                      </a:r>
+                    </a:p>
+                  </a:txBody>
+                  <a:tcPr/>
+                </a:tc>
+                <a:tc>
+                  <a:txBody>
+                    <a:bodyPr/>
+                    <a:lstStyle/>
+                    <a:p>
+                      <a:pPr algn="ctr"/>
+                      <a:r>
+                        <a:rPr lang="en-US" dirty="0"/>
+                        <a:t>0.974</a:t>
+                      </a:r>
+                    </a:p>
+                  </a:txBody>
+                  <a:tcPr/>
+                </a:tc>
+                <a:tc>
+                  <a:txBody>
+                    <a:bodyPr/>
+                    <a:lstStyle/>
+                    <a:p>
+                      <a:pPr algn="ctr"/>
+                      <a:r>
+                        <a:rPr lang="en-US" dirty="0"/>
+                        <a:t>0.8797</a:t>
+                      </a:r>
+                    </a:p>
+                  </a:txBody>
+                  <a:tcPr/>
+                </a:tc>
+                <a:tc>
+                  <a:txBody>
+                    <a:bodyPr/>
+                    <a:lstStyle/>
+                    <a:p>
+                      <a:pPr algn="ctr"/>
+                      <a:endParaRPr lang="en-US" dirty="0"/>
+                    </a:p>
+                  </a:txBody>
+                  <a:tcPr/>
+                </a:tc>
+                <a:tc>
+                  <a:txBody>
+                    <a:bodyPr/>
+                    <a:lstStyle/>
+                    <a:p>
+                      <a:pPr algn="ctr"/>
+                      <a:endParaRPr lang="en-US" dirty="0"/>
+                    </a:p>
+                  </a:txBody>
+                  <a:tcPr/>
+                </a:tc>
+                <a:tc>
+                  <a:txBody>
+                    <a:bodyPr/>
+                    <a:lstStyle/>
+                    <a:p>
+                      <a:pPr marL="0" marR="0" lvl="0" indent="0" algn="ctr" defTabSz="457063" rtl="0" eaLnBrk="1" fontAlgn="auto" latinLnBrk="0" hangingPunct="1">
+                        <a:lnSpc>
+                          <a:spcPct val="100000"/>
+                        </a:lnSpc>
+                        <a:spcBef>
+                          <a:spcPts val="0"/>
+                        </a:spcBef>
+                        <a:spcAft>
+                          <a:spcPts val="0"/>
+                        </a:spcAft>
+                        <a:buClrTx/>
+                        <a:buSzTx/>
+                        <a:buFontTx/>
+                        <a:buNone/>
+                        <a:tabLst/>
+                        <a:defRPr/>
+                      </a:pPr>
+                      <a:endParaRPr lang="en-US" dirty="0"/>
+                    </a:p>
+                  </a:txBody>
+                  <a:tcPr/>
+                </a:tc>
+                <a:tc>
+                  <a:txBody>
+                    <a:bodyPr/>
+                    <a:lstStyle/>
+                    <a:p>
+                      <a:pPr marL="0" marR="0" lvl="0" indent="0" algn="ctr" defTabSz="457063" rtl="0" eaLnBrk="1" fontAlgn="auto" latinLnBrk="0" hangingPunct="1">
+                        <a:lnSpc>
+                          <a:spcPct val="100000"/>
+                        </a:lnSpc>
+                        <a:spcBef>
+                          <a:spcPts val="0"/>
+                        </a:spcBef>
+                        <a:spcAft>
+                          <a:spcPts val="0"/>
+                        </a:spcAft>
+                        <a:buClrTx/>
+                        <a:buSzTx/>
+                        <a:buFontTx/>
+                        <a:buNone/>
+                        <a:tabLst/>
+                        <a:defRPr/>
+                      </a:pPr>
+                      <a:endParaRPr lang="en-US" dirty="0"/>
+                    </a:p>
+                  </a:txBody>
+                  <a:tcPr/>
+                </a:tc>
+                <a:extLst>
+                  <a:ext uri="{0D108BD9-81ED-4DB2-BD59-A6C34878D82A}">
+                    <a16:rowId xmlns:a16="http://schemas.microsoft.com/office/drawing/2014/main" val="3861277465"/>
+                  </a:ext>
+                </a:extLst>
+              </a:tr>
+              <a:tr h="520277">
+                <a:tc>
+                  <a:txBody>
+                    <a:bodyPr/>
+                    <a:lstStyle/>
+                    <a:p>
+                      <a:pPr algn="ctr"/>
+                      <a:r>
+                        <a:rPr lang="en-US" dirty="0"/>
+                        <a:t>5</a:t>
+                      </a:r>
+                    </a:p>
+                  </a:txBody>
+                  <a:tcPr/>
+                </a:tc>
+                <a:tc>
+                  <a:txBody>
+                    <a:bodyPr/>
+                    <a:lstStyle/>
+                    <a:p>
+                      <a:pPr algn="ctr"/>
+                      <a:r>
+                        <a:rPr lang="en-US" dirty="0"/>
+                        <a:t>0.9736</a:t>
+                      </a:r>
+                    </a:p>
+                  </a:txBody>
+                  <a:tcPr/>
+                </a:tc>
+                <a:tc>
+                  <a:txBody>
+                    <a:bodyPr/>
+                    <a:lstStyle/>
+                    <a:p>
+                      <a:pPr algn="ctr"/>
+                      <a:r>
+                        <a:rPr lang="en-US" dirty="0"/>
+                        <a:t>0.83734</a:t>
+                      </a:r>
+                    </a:p>
+                  </a:txBody>
+                  <a:tcPr/>
+                </a:tc>
+                <a:tc>
+                  <a:txBody>
+                    <a:bodyPr/>
+                    <a:lstStyle/>
+                    <a:p>
+                      <a:pPr algn="ctr"/>
+                      <a:r>
+                        <a:rPr lang="en-US" dirty="0"/>
+                        <a:t>0.9762</a:t>
+                      </a:r>
+                    </a:p>
+                  </a:txBody>
+                  <a:tcPr/>
+                </a:tc>
+                <a:tc>
+                  <a:txBody>
+                    <a:bodyPr/>
+                    <a:lstStyle/>
+                    <a:p>
+                      <a:pPr algn="ctr"/>
+                      <a:r>
+                        <a:rPr lang="en-US" dirty="0"/>
+                        <a:t>0.8772</a:t>
+                      </a:r>
+                    </a:p>
+                  </a:txBody>
+                  <a:tcPr/>
+                </a:tc>
+                <a:tc>
+                  <a:txBody>
+                    <a:bodyPr/>
+                    <a:lstStyle/>
+                    <a:p>
+                      <a:pPr algn="ctr"/>
+                      <a:endParaRPr lang="en-US" dirty="0"/>
+                    </a:p>
+                  </a:txBody>
+                  <a:tcPr/>
+                </a:tc>
+                <a:tc>
+                  <a:txBody>
+                    <a:bodyPr/>
+                    <a:lstStyle/>
+                    <a:p>
+                      <a:pPr algn="ctr"/>
+                      <a:endParaRPr lang="en-US" dirty="0"/>
+                    </a:p>
+                  </a:txBody>
+                  <a:tcPr/>
+                </a:tc>
+                <a:tc>
+                  <a:txBody>
+                    <a:bodyPr/>
+                    <a:lstStyle/>
+                    <a:p>
+                      <a:pPr marL="0" marR="0" lvl="0" indent="0" algn="ctr" defTabSz="457063" rtl="0" eaLnBrk="1" fontAlgn="auto" latinLnBrk="0" hangingPunct="1">
+                        <a:lnSpc>
+                          <a:spcPct val="100000"/>
+                        </a:lnSpc>
+                        <a:spcBef>
+                          <a:spcPts val="0"/>
+                        </a:spcBef>
+                        <a:spcAft>
+                          <a:spcPts val="0"/>
+                        </a:spcAft>
+                        <a:buClrTx/>
+                        <a:buSzTx/>
+                        <a:buFontTx/>
+                        <a:buNone/>
+                        <a:tabLst/>
+                        <a:defRPr/>
+                      </a:pPr>
+                      <a:endParaRPr lang="en-US" dirty="0"/>
+                    </a:p>
+                  </a:txBody>
+                  <a:tcPr/>
+                </a:tc>
+                <a:tc>
+                  <a:txBody>
+                    <a:bodyPr/>
+                    <a:lstStyle/>
+                    <a:p>
+                      <a:pPr marL="0" marR="0" lvl="0" indent="0" algn="ctr" defTabSz="457063" rtl="0" eaLnBrk="1" fontAlgn="auto" latinLnBrk="0" hangingPunct="1">
+                        <a:lnSpc>
+                          <a:spcPct val="100000"/>
+                        </a:lnSpc>
+                        <a:spcBef>
+                          <a:spcPts val="0"/>
+                        </a:spcBef>
+                        <a:spcAft>
+                          <a:spcPts val="0"/>
+                        </a:spcAft>
+                        <a:buClrTx/>
+                        <a:buSzTx/>
+                        <a:buFontTx/>
+                        <a:buNone/>
+                        <a:tabLst/>
+                        <a:defRPr/>
+                      </a:pPr>
+                      <a:endParaRPr lang="en-US" dirty="0"/>
+                    </a:p>
+                  </a:txBody>
+                  <a:tcPr/>
+                </a:tc>
+                <a:extLst>
+                  <a:ext uri="{0D108BD9-81ED-4DB2-BD59-A6C34878D82A}">
+                    <a16:rowId xmlns:a16="http://schemas.microsoft.com/office/drawing/2014/main" val="1731143259"/>
+                  </a:ext>
+                </a:extLst>
+              </a:tr>
+              <a:tr h="520277">
+                <a:tc>
+                  <a:txBody>
+                    <a:bodyPr/>
+                    <a:lstStyle/>
+                    <a:p>
+                      <a:pPr algn="ctr"/>
+                      <a:r>
+                        <a:rPr lang="en-US" dirty="0"/>
+                        <a:t>6</a:t>
+                      </a:r>
+                    </a:p>
+                  </a:txBody>
+                  <a:tcPr/>
+                </a:tc>
+                <a:tc>
+                  <a:txBody>
+                    <a:bodyPr/>
+                    <a:lstStyle/>
+                    <a:p>
+                      <a:pPr algn="ctr"/>
+                      <a:r>
+                        <a:rPr lang="en-US" dirty="0"/>
+                        <a:t>0.97379</a:t>
+                      </a:r>
+                    </a:p>
+                  </a:txBody>
+                  <a:tcPr/>
+                </a:tc>
+                <a:tc>
+                  <a:txBody>
+                    <a:bodyPr/>
+                    <a:lstStyle/>
+                    <a:p>
+                      <a:pPr algn="ctr"/>
+                      <a:r>
+                        <a:rPr lang="en-US" dirty="0"/>
+                        <a:t>0.8356</a:t>
+                      </a:r>
+                    </a:p>
+                  </a:txBody>
+                  <a:tcPr/>
+                </a:tc>
+                <a:tc>
+                  <a:txBody>
+                    <a:bodyPr/>
+                    <a:lstStyle/>
+                    <a:p>
+                      <a:pPr algn="ctr"/>
+                      <a:r>
+                        <a:rPr lang="en-US" dirty="0"/>
+                        <a:t>0.9759</a:t>
+                      </a:r>
+                    </a:p>
+                  </a:txBody>
+                  <a:tcPr/>
+                </a:tc>
+                <a:tc>
+                  <a:txBody>
+                    <a:bodyPr/>
+                    <a:lstStyle/>
+                    <a:p>
+                      <a:pPr algn="ctr"/>
+                      <a:r>
+                        <a:rPr lang="en-US"/>
+                        <a:t>0.8801</a:t>
+                      </a:r>
+                      <a:endParaRPr lang="en-US" dirty="0"/>
+                    </a:p>
+                  </a:txBody>
+                  <a:tcPr/>
+                </a:tc>
+                <a:tc>
+                  <a:txBody>
+                    <a:bodyPr/>
+                    <a:lstStyle/>
+                    <a:p>
+                      <a:pPr algn="ctr"/>
+                      <a:endParaRPr lang="en-US" dirty="0"/>
+                    </a:p>
+                  </a:txBody>
+                  <a:tcPr/>
+                </a:tc>
+                <a:tc>
+                  <a:txBody>
+                    <a:bodyPr/>
+                    <a:lstStyle/>
+                    <a:p>
+                      <a:pPr algn="ctr"/>
+                      <a:endParaRPr lang="en-US" dirty="0"/>
+                    </a:p>
+                  </a:txBody>
+                  <a:tcPr/>
+                </a:tc>
+                <a:tc>
+                  <a:txBody>
+                    <a:bodyPr/>
+                    <a:lstStyle/>
+                    <a:p>
+                      <a:pPr marL="0" marR="0" lvl="0" indent="0" algn="ctr" defTabSz="457063" rtl="0" eaLnBrk="1" fontAlgn="auto" latinLnBrk="0" hangingPunct="1">
+                        <a:lnSpc>
+                          <a:spcPct val="100000"/>
+                        </a:lnSpc>
+                        <a:spcBef>
+                          <a:spcPts val="0"/>
+                        </a:spcBef>
+                        <a:spcAft>
+                          <a:spcPts val="0"/>
+                        </a:spcAft>
+                        <a:buClrTx/>
+                        <a:buSzTx/>
+                        <a:buFontTx/>
+                        <a:buNone/>
+                        <a:tabLst/>
+                        <a:defRPr/>
+                      </a:pPr>
+                      <a:endParaRPr lang="en-US" dirty="0"/>
+                    </a:p>
+                  </a:txBody>
+                  <a:tcPr/>
+                </a:tc>
+                <a:tc>
+                  <a:txBody>
+                    <a:bodyPr/>
+                    <a:lstStyle/>
+                    <a:p>
+                      <a:pPr marL="0" marR="0" lvl="0" indent="0" algn="ctr" defTabSz="457063" rtl="0" eaLnBrk="1" fontAlgn="auto" latinLnBrk="0" hangingPunct="1">
+                        <a:lnSpc>
+                          <a:spcPct val="100000"/>
+                        </a:lnSpc>
+                        <a:spcBef>
+                          <a:spcPts val="0"/>
+                        </a:spcBef>
+                        <a:spcAft>
+                          <a:spcPts val="0"/>
+                        </a:spcAft>
+                        <a:buClrTx/>
+                        <a:buSzTx/>
+                        <a:buFontTx/>
+                        <a:buNone/>
+                        <a:tabLst/>
+                        <a:defRPr/>
+                      </a:pPr>
+                      <a:endParaRPr lang="en-US" dirty="0"/>
+                    </a:p>
+                  </a:txBody>
+                  <a:tcPr/>
+                </a:tc>
+                <a:extLst>
+                  <a:ext uri="{0D108BD9-81ED-4DB2-BD59-A6C34878D82A}">
+                    <a16:rowId xmlns:a16="http://schemas.microsoft.com/office/drawing/2014/main" val="3564928130"/>
+                  </a:ext>
+                </a:extLst>
+              </a:tr>
+            </a:tbl>
+          </a:graphicData>
+        </a:graphic>
+      </p:graphicFrame>
+    </p:spTree>
+    <p:extLst>
+      <p:ext uri="{BB962C8B-B14F-4D97-AF65-F5344CB8AC3E}">
+        <p14:creationId xmlns:p14="http://schemas.microsoft.com/office/powerpoint/2010/main" val="2134323559"/>
+      </p:ext>
+    </p:extLst>
+  </p:cSld>
+  <p:clrMapOvr>
+    <a:masterClrMapping/>
+  </p:clrMapOvr>
+  <mc:AlternateContent xmlns:mc="http://schemas.openxmlformats.org/markup-compatibility/2006" xmlns:p14="http://schemas.microsoft.com/office/powerpoint/2010/main">
+    <mc:Choice Requires="p14">
+      <p:transition spd="med" p14:dur="700">
+        <p:fade/>
+      </p:transition>
+    </mc:Choice>
+    <mc:Fallback xmlns="">
+      <p:transition spd="med">
+        <p:fade/>
+      </p:transition>
+    </mc:Fallback>
+  </mc:AlternateContent>
+</p:sld>
+</file>
+
+<file path=ppt/slides/slide28.xml><?xml version="1.0" encoding="utf-8"?>
+<p:sld xmlns:a="http://schemas.openxmlformats.org/drawingml/2006/main" xmlns:r="http://schemas.openxmlformats.org/officeDocument/2006/relationships" xmlns:p="http://schemas.openxmlformats.org/presentationml/2006/main">
+  <p:cSld>
     <p:bg>
       <p:bgPr>
         <a:solidFill>
@@ -32001,7 +33666,7 @@
 </p:sld>
 </file>
 
-<file path=ppt/slides/slide28.xml><?xml version="1.0" encoding="utf-8"?>
+<file path=ppt/slides/slide29.xml><?xml version="1.0" encoding="utf-8"?>
 <p:sld xmlns:a="http://schemas.openxmlformats.org/drawingml/2006/main" xmlns:r="http://schemas.openxmlformats.org/officeDocument/2006/relationships" xmlns:p="http://schemas.openxmlformats.org/presentationml/2006/main">
   <p:cSld>
     <p:spTree>
@@ -32066,102 +33731,6 @@
     <p:extLst>
       <p:ext uri="{BB962C8B-B14F-4D97-AF65-F5344CB8AC3E}">
         <p14:creationId xmlns:p14="http://schemas.microsoft.com/office/powerpoint/2010/main" val="1748486661"/>
-      </p:ext>
-    </p:extLst>
-  </p:cSld>
-  <p:clrMapOvr>
-    <a:masterClrMapping/>
-  </p:clrMapOvr>
-  <mc:AlternateContent xmlns:mc="http://schemas.openxmlformats.org/markup-compatibility/2006" xmlns:p14="http://schemas.microsoft.com/office/powerpoint/2010/main">
-    <mc:Choice Requires="p14">
-      <p:transition spd="med" p14:dur="700">
-        <p:fade/>
-      </p:transition>
-    </mc:Choice>
-    <mc:Fallback xmlns="">
-      <p:transition spd="med">
-        <p:fade/>
-      </p:transition>
-    </mc:Fallback>
-  </mc:AlternateContent>
-</p:sld>
-</file>
-
-<file path=ppt/slides/slide29.xml><?xml version="1.0" encoding="utf-8"?>
-<p:sld xmlns:a="http://schemas.openxmlformats.org/drawingml/2006/main" xmlns:r="http://schemas.openxmlformats.org/officeDocument/2006/relationships" xmlns:p="http://schemas.openxmlformats.org/presentationml/2006/main">
-  <p:cSld>
-    <p:spTree>
-      <p:nvGrpSpPr>
-        <p:cNvPr id="1" name=""/>
-        <p:cNvGrpSpPr/>
-        <p:nvPr/>
-      </p:nvGrpSpPr>
-      <p:grpSpPr>
-        <a:xfrm>
-          <a:off x="0" y="0"/>
-          <a:ext cx="0" cy="0"/>
-          <a:chOff x="0" y="0"/>
-          <a:chExt cx="0" cy="0"/>
-        </a:xfrm>
-      </p:grpSpPr>
-      <p:sp>
-        <p:nvSpPr>
-          <p:cNvPr id="5" name="Rectangle 4">
-            <a:extLst>
-              <a:ext uri="{FF2B5EF4-FFF2-40B4-BE49-F238E27FC236}">
-                <a16:creationId xmlns:a16="http://schemas.microsoft.com/office/drawing/2014/main" id="{86F37EA8-E346-44D3-9BCA-9003A76D1BAA}"/>
-              </a:ext>
-            </a:extLst>
-          </p:cNvPr>
-          <p:cNvSpPr/>
-          <p:nvPr/>
-        </p:nvSpPr>
-        <p:spPr>
-          <a:xfrm>
-            <a:off x="2208212" y="2644170"/>
-            <a:ext cx="7558498" cy="1569660"/>
-          </a:xfrm>
-          <a:prstGeom prst="rect">
-            <a:avLst/>
-          </a:prstGeom>
-        </p:spPr>
-        <p:txBody>
-          <a:bodyPr wrap="square">
-            <a:spAutoFit/>
-          </a:bodyPr>
-          <a:lstStyle/>
-          <a:p>
-            <a:r>
-              <a:rPr lang="en-US" sz="9600" dirty="0">
-                <a:solidFill>
-                  <a:schemeClr val="accent1"/>
-                </a:solidFill>
-                <a:latin typeface="Blackadder ITC" panose="04020505051007020D02" pitchFamily="82" charset="0"/>
-              </a:rPr>
-              <a:t>Thank You </a:t>
-            </a:r>
-            <a:r>
-              <a:rPr lang="en-US" sz="9600" dirty="0">
-                <a:solidFill>
-                  <a:schemeClr val="accent1"/>
-                </a:solidFill>
-                <a:latin typeface="Blackadder ITC" panose="04020505051007020D02" pitchFamily="82" charset="0"/>
-                <a:sym typeface="Wingdings" panose="05000000000000000000" pitchFamily="2" charset="2"/>
-              </a:rPr>
-              <a:t></a:t>
-            </a:r>
-            <a:endParaRPr lang="en-US" sz="9600" dirty="0">
-              <a:solidFill>
-                <a:schemeClr val="accent1"/>
-              </a:solidFill>
-            </a:endParaRPr>
-          </a:p>
-        </p:txBody>
-      </p:sp>
-    </p:spTree>
-    <p:extLst>
-      <p:ext uri="{BB962C8B-B14F-4D97-AF65-F5344CB8AC3E}">
-        <p14:creationId xmlns:p14="http://schemas.microsoft.com/office/powerpoint/2010/main" val="3239199777"/>
       </p:ext>
     </p:extLst>
   </p:cSld>
@@ -32569,6 +34138,102 @@
     <p:extLst>
       <p:ext uri="{BB962C8B-B14F-4D97-AF65-F5344CB8AC3E}">
         <p14:creationId xmlns:p14="http://schemas.microsoft.com/office/powerpoint/2010/main" val="1454269555"/>
+      </p:ext>
+    </p:extLst>
+  </p:cSld>
+  <p:clrMapOvr>
+    <a:masterClrMapping/>
+  </p:clrMapOvr>
+  <mc:AlternateContent xmlns:mc="http://schemas.openxmlformats.org/markup-compatibility/2006" xmlns:p14="http://schemas.microsoft.com/office/powerpoint/2010/main">
+    <mc:Choice Requires="p14">
+      <p:transition spd="med" p14:dur="700">
+        <p:fade/>
+      </p:transition>
+    </mc:Choice>
+    <mc:Fallback xmlns="">
+      <p:transition spd="med">
+        <p:fade/>
+      </p:transition>
+    </mc:Fallback>
+  </mc:AlternateContent>
+</p:sld>
+</file>
+
+<file path=ppt/slides/slide30.xml><?xml version="1.0" encoding="utf-8"?>
+<p:sld xmlns:a="http://schemas.openxmlformats.org/drawingml/2006/main" xmlns:r="http://schemas.openxmlformats.org/officeDocument/2006/relationships" xmlns:p="http://schemas.openxmlformats.org/presentationml/2006/main">
+  <p:cSld>
+    <p:spTree>
+      <p:nvGrpSpPr>
+        <p:cNvPr id="1" name=""/>
+        <p:cNvGrpSpPr/>
+        <p:nvPr/>
+      </p:nvGrpSpPr>
+      <p:grpSpPr>
+        <a:xfrm>
+          <a:off x="0" y="0"/>
+          <a:ext cx="0" cy="0"/>
+          <a:chOff x="0" y="0"/>
+          <a:chExt cx="0" cy="0"/>
+        </a:xfrm>
+      </p:grpSpPr>
+      <p:sp>
+        <p:nvSpPr>
+          <p:cNvPr id="5" name="Rectangle 4">
+            <a:extLst>
+              <a:ext uri="{FF2B5EF4-FFF2-40B4-BE49-F238E27FC236}">
+                <a16:creationId xmlns:a16="http://schemas.microsoft.com/office/drawing/2014/main" id="{86F37EA8-E346-44D3-9BCA-9003A76D1BAA}"/>
+              </a:ext>
+            </a:extLst>
+          </p:cNvPr>
+          <p:cNvSpPr/>
+          <p:nvPr/>
+        </p:nvSpPr>
+        <p:spPr>
+          <a:xfrm>
+            <a:off x="2208212" y="2644170"/>
+            <a:ext cx="7558498" cy="1569660"/>
+          </a:xfrm>
+          <a:prstGeom prst="rect">
+            <a:avLst/>
+          </a:prstGeom>
+        </p:spPr>
+        <p:txBody>
+          <a:bodyPr wrap="square">
+            <a:spAutoFit/>
+          </a:bodyPr>
+          <a:lstStyle/>
+          <a:p>
+            <a:r>
+              <a:rPr lang="en-US" sz="9600" dirty="0">
+                <a:solidFill>
+                  <a:schemeClr val="accent1"/>
+                </a:solidFill>
+                <a:latin typeface="Blackadder ITC" panose="04020505051007020D02" pitchFamily="82" charset="0"/>
+              </a:rPr>
+              <a:t>Thank You </a:t>
+            </a:r>
+            <a:r>
+              <a:rPr lang="en-US" sz="9600" dirty="0">
+                <a:solidFill>
+                  <a:schemeClr val="accent1"/>
+                </a:solidFill>
+                <a:latin typeface="Blackadder ITC" panose="04020505051007020D02" pitchFamily="82" charset="0"/>
+                <a:sym typeface="Wingdings" panose="05000000000000000000" pitchFamily="2" charset="2"/>
+              </a:rPr>
+              <a:t></a:t>
+            </a:r>
+            <a:endParaRPr lang="en-US" sz="9600" dirty="0">
+              <a:solidFill>
+                <a:schemeClr val="accent1"/>
+              </a:solidFill>
+            </a:endParaRPr>
+          </a:p>
+        </p:txBody>
+      </p:sp>
+    </p:spTree>
+    <p:extLst>
+      <p:ext uri="{BB962C8B-B14F-4D97-AF65-F5344CB8AC3E}">
+        <p14:creationId xmlns:p14="http://schemas.microsoft.com/office/powerpoint/2010/main" val="3239199777"/>
       </p:ext>
     </p:extLst>
   </p:cSld>
@@ -39715,6 +41380,15 @@
 </file>
 
 <file path=customXml/item1.xml><?xml version="1.0" encoding="utf-8"?>
+<?mso-contentType ?>
+<FormTemplates xmlns="http://schemas.microsoft.com/sharepoint/v3/contenttype/forms">
+  <Display>DocumentLibraryForm</Display>
+  <Edit>AssetEditForm</Edit>
+  <New>DocumentLibraryForm</New>
+</FormTemplates>
+</file>
+
+<file path=customXml/item2.xml><?xml version="1.0" encoding="utf-8"?>
 <p:properties xmlns:p="http://schemas.microsoft.com/office/2006/metadata/properties" xmlns:xsi="http://www.w3.org/2001/XMLSchema-instance" xmlns:pc="http://schemas.microsoft.com/office/infopath/2007/PartnerControls">
   <documentManagement>
     <LocPublishedLinkedAssetsLookup xmlns="4873beb7-5857-4685-be1f-d57550cc96cc" xsi:nil="true"/>
@@ -39848,15 +41522,6 @@
     <LocMarketGroupTiers2 xmlns="4873beb7-5857-4685-be1f-d57550cc96cc" xsi:nil="true"/>
   </documentManagement>
 </p:properties>
-</file>
-
-<file path=customXml/item2.xml><?xml version="1.0" encoding="utf-8"?>
-<?mso-contentType ?>
-<FormTemplates xmlns="http://schemas.microsoft.com/sharepoint/v3/contenttype/forms">
-  <Display>DocumentLibraryForm</Display>
-  <Edit>AssetEditForm</Edit>
-  <New>DocumentLibraryForm</New>
-</FormTemplates>
 </file>
 
 <file path=customXml/item3.xml><?xml version="1.0" encoding="utf-8"?>
@@ -40900,6 +42565,14 @@
 </file>
 
 <file path=customXml/itemProps1.xml><?xml version="1.0" encoding="utf-8"?>
+<ds:datastoreItem xmlns:ds="http://schemas.openxmlformats.org/officeDocument/2006/customXml" ds:itemID="{E1B558C7-619B-49BE-9097-7FCBDADD4ECE}">
+  <ds:schemaRefs>
+    <ds:schemaRef ds:uri="http://schemas.microsoft.com/sharepoint/v3/contenttype/forms"/>
+  </ds:schemaRefs>
+</ds:datastoreItem>
+</file>
+
+<file path=customXml/itemProps2.xml><?xml version="1.0" encoding="utf-8"?>
 <ds:datastoreItem xmlns:ds="http://schemas.openxmlformats.org/officeDocument/2006/customXml" ds:itemID="{F301D382-32B0-43EE-932C-28906AF37617}">
   <ds:schemaRefs>
     <ds:schemaRef ds:uri="http://schemas.microsoft.com/office/2006/metadata/properties"/>
@@ -40911,14 +42584,6 @@
     <ds:schemaRef ds:uri="4873beb7-5857-4685-be1f-d57550cc96cc"/>
     <ds:schemaRef ds:uri="http://www.w3.org/XML/1998/namespace"/>
     <ds:schemaRef ds:uri="http://purl.org/dc/dcmitype/"/>
-  </ds:schemaRefs>
-</ds:datastoreItem>
-</file>
-
-<file path=customXml/itemProps2.xml><?xml version="1.0" encoding="utf-8"?>
-<ds:datastoreItem xmlns:ds="http://schemas.openxmlformats.org/officeDocument/2006/customXml" ds:itemID="{E1B558C7-619B-49BE-9097-7FCBDADD4ECE}">
-  <ds:schemaRefs>
-    <ds:schemaRef ds:uri="http://schemas.microsoft.com/sharepoint/v3/contenttype/forms"/>
   </ds:schemaRefs>
 </ds:datastoreItem>
 </file>

--- a/Drug-Target Interaction Prediction.pptx
+++ b/Drug-Target Interaction Prediction.pptx
@@ -5,10 +5,10 @@
     <p:sldMasterId id="2147483887" r:id="rId4"/>
   </p:sldMasterIdLst>
   <p:notesMasterIdLst>
-    <p:notesMasterId r:id="rId35"/>
+    <p:notesMasterId r:id="rId36"/>
   </p:notesMasterIdLst>
   <p:handoutMasterIdLst>
-    <p:handoutMasterId r:id="rId36"/>
+    <p:handoutMasterId r:id="rId37"/>
   </p:handoutMasterIdLst>
   <p:sldIdLst>
     <p:sldId id="264" r:id="rId5"/>
@@ -38,9 +38,10 @@
     <p:sldId id="318" r:id="rId29"/>
     <p:sldId id="319" r:id="rId30"/>
     <p:sldId id="320" r:id="rId31"/>
-    <p:sldId id="294" r:id="rId32"/>
-    <p:sldId id="289" r:id="rId33"/>
-    <p:sldId id="292" r:id="rId34"/>
+    <p:sldId id="321" r:id="rId32"/>
+    <p:sldId id="294" r:id="rId33"/>
+    <p:sldId id="289" r:id="rId34"/>
+    <p:sldId id="292" r:id="rId35"/>
   </p:sldIdLst>
   <p:sldSz cx="12188825" cy="6858000"/>
   <p:notesSz cx="6858000" cy="9144000"/>
@@ -33290,6 +33291,1634 @@
 <file path=ppt/slides/slide28.xml><?xml version="1.0" encoding="utf-8"?>
 <p:sld xmlns:a="http://schemas.openxmlformats.org/drawingml/2006/main" xmlns:r="http://schemas.openxmlformats.org/officeDocument/2006/relationships" xmlns:p="http://schemas.openxmlformats.org/presentationml/2006/main">
   <p:cSld>
+    <p:spTree>
+      <p:nvGrpSpPr>
+        <p:cNvPr id="1" name=""/>
+        <p:cNvGrpSpPr/>
+        <p:nvPr/>
+      </p:nvGrpSpPr>
+      <p:grpSpPr>
+        <a:xfrm>
+          <a:off x="0" y="0"/>
+          <a:ext cx="0" cy="0"/>
+          <a:chOff x="0" y="0"/>
+          <a:chExt cx="0" cy="0"/>
+        </a:xfrm>
+      </p:grpSpPr>
+      <p:sp>
+        <p:nvSpPr>
+          <p:cNvPr id="2" name="Title 1"/>
+          <p:cNvSpPr>
+            <a:spLocks noGrp="1"/>
+          </p:cNvSpPr>
+          <p:nvPr>
+            <p:ph type="title"/>
+          </p:nvPr>
+        </p:nvSpPr>
+        <p:spPr/>
+        <p:txBody>
+          <a:bodyPr anchor="t">
+            <a:normAutofit/>
+          </a:bodyPr>
+          <a:lstStyle/>
+          <a:p>
+            <a:r>
+              <a:rPr lang="en-US" sz="3600" dirty="0">
+                <a:latin typeface="Calibri" panose="020F0502020204030204" pitchFamily="34" charset="0"/>
+                <a:cs typeface="Calibri" panose="020F0502020204030204" pitchFamily="34" charset="0"/>
+              </a:rPr>
+              <a:t>Experiment Results (Cont.) </a:t>
+            </a:r>
+            <a:endParaRPr lang="en-US" dirty="0">
+              <a:latin typeface="Calibri" panose="020F0502020204030204" pitchFamily="34" charset="0"/>
+              <a:cs typeface="Calibri" panose="020F0502020204030204" pitchFamily="34" charset="0"/>
+            </a:endParaRPr>
+          </a:p>
+        </p:txBody>
+      </p:sp>
+      <p:sp>
+        <p:nvSpPr>
+          <p:cNvPr id="9" name="Content Placeholder 8">
+            <a:extLst>
+              <a:ext uri="{FF2B5EF4-FFF2-40B4-BE49-F238E27FC236}">
+                <a16:creationId xmlns:a16="http://schemas.microsoft.com/office/drawing/2014/main" id="{BFD27979-805A-4B4B-946D-AB44BEAC7A32}"/>
+              </a:ext>
+            </a:extLst>
+          </p:cNvPr>
+          <p:cNvSpPr>
+            <a:spLocks noGrp="1"/>
+          </p:cNvSpPr>
+          <p:nvPr>
+            <p:ph idx="1"/>
+          </p:nvPr>
+        </p:nvSpPr>
+        <p:spPr>
+          <a:xfrm>
+            <a:off x="760413" y="1600200"/>
+            <a:ext cx="6553199" cy="4724400"/>
+          </a:xfrm>
+        </p:spPr>
+        <p:txBody>
+          <a:bodyPr>
+            <a:normAutofit/>
+          </a:bodyPr>
+          <a:lstStyle/>
+          <a:p>
+            <a:pPr marL="0" indent="0">
+              <a:buNone/>
+            </a:pPr>
+            <a:r>
+              <a:rPr lang="en-US" b="1" dirty="0">
+                <a:solidFill>
+                  <a:schemeClr val="tx1"/>
+                </a:solidFill>
+                <a:latin typeface="Calibri" panose="020F0502020204030204" pitchFamily="34" charset="0"/>
+                <a:cs typeface="Calibri" panose="020F0502020204030204" pitchFamily="34" charset="0"/>
+              </a:rPr>
+              <a:t>               </a:t>
+            </a:r>
+          </a:p>
+          <a:p>
+            <a:pPr marL="0" indent="0">
+              <a:buNone/>
+            </a:pPr>
+            <a:endParaRPr lang="en-US" dirty="0">
+              <a:solidFill>
+                <a:schemeClr val="tx1"/>
+              </a:solidFill>
+              <a:latin typeface="Calibri" panose="020F0502020204030204" pitchFamily="34" charset="0"/>
+              <a:cs typeface="Calibri" panose="020F0502020204030204" pitchFamily="34" charset="0"/>
+            </a:endParaRPr>
+          </a:p>
+        </p:txBody>
+      </p:sp>
+      <p:sp>
+        <p:nvSpPr>
+          <p:cNvPr id="6" name="Content Placeholder 2">
+            <a:extLst>
+              <a:ext uri="{FF2B5EF4-FFF2-40B4-BE49-F238E27FC236}">
+                <a16:creationId xmlns:a16="http://schemas.microsoft.com/office/drawing/2014/main" id="{109EE1EC-0CF3-44EA-8406-9B48EE9C5C3D}"/>
+              </a:ext>
+            </a:extLst>
+          </p:cNvPr>
+          <p:cNvSpPr txBox="1">
+            <a:spLocks/>
+          </p:cNvSpPr>
+          <p:nvPr/>
+        </p:nvSpPr>
+        <p:spPr>
+          <a:xfrm>
+            <a:off x="677158" y="1676400"/>
+            <a:ext cx="9227254" cy="4343400"/>
+          </a:xfrm>
+          <a:prstGeom prst="rect">
+            <a:avLst/>
+          </a:prstGeom>
+        </p:spPr>
+        <p:txBody>
+          <a:bodyPr vert="horz" lIns="91440" tIns="45720" rIns="91440" bIns="45720" rtlCol="0">
+            <a:normAutofit/>
+          </a:bodyPr>
+          <a:lstStyle>
+            <a:lvl1pPr marL="342797" indent="-342797" algn="l" defTabSz="457063" rtl="0" eaLnBrk="1" latinLnBrk="0" hangingPunct="1">
+              <a:spcBef>
+                <a:spcPts val="1000"/>
+              </a:spcBef>
+              <a:spcAft>
+                <a:spcPts val="0"/>
+              </a:spcAft>
+              <a:buClr>
+                <a:schemeClr val="accent1"/>
+              </a:buClr>
+              <a:buSzPct val="80000"/>
+              <a:buFont typeface="Wingdings 3" charset="2"/>
+              <a:buChar char=""/>
+              <a:defRPr sz="1799" kern="1200">
+                <a:solidFill>
+                  <a:schemeClr val="tx1">
+                    <a:lumMod val="75000"/>
+                    <a:lumOff val="25000"/>
+                  </a:schemeClr>
+                </a:solidFill>
+                <a:latin typeface="+mn-lt"/>
+                <a:ea typeface="+mn-ea"/>
+                <a:cs typeface="+mn-cs"/>
+              </a:defRPr>
+            </a:lvl1pPr>
+            <a:lvl2pPr marL="742727" indent="-285664" algn="l" defTabSz="457063" rtl="0" eaLnBrk="1" latinLnBrk="0" hangingPunct="1">
+              <a:spcBef>
+                <a:spcPts val="1000"/>
+              </a:spcBef>
+              <a:spcAft>
+                <a:spcPts val="0"/>
+              </a:spcAft>
+              <a:buClr>
+                <a:schemeClr val="accent1"/>
+              </a:buClr>
+              <a:buSzPct val="80000"/>
+              <a:buFont typeface="Wingdings 3" charset="2"/>
+              <a:buChar char=""/>
+              <a:defRPr sz="1600" kern="1200">
+                <a:solidFill>
+                  <a:schemeClr val="tx1">
+                    <a:lumMod val="75000"/>
+                    <a:lumOff val="25000"/>
+                  </a:schemeClr>
+                </a:solidFill>
+                <a:latin typeface="+mn-lt"/>
+                <a:ea typeface="+mn-ea"/>
+                <a:cs typeface="+mn-cs"/>
+              </a:defRPr>
+            </a:lvl2pPr>
+            <a:lvl3pPr marL="1142657" indent="-228531" algn="l" defTabSz="457063" rtl="0" eaLnBrk="1" latinLnBrk="0" hangingPunct="1">
+              <a:spcBef>
+                <a:spcPts val="1000"/>
+              </a:spcBef>
+              <a:spcAft>
+                <a:spcPts val="0"/>
+              </a:spcAft>
+              <a:buClr>
+                <a:schemeClr val="accent1"/>
+              </a:buClr>
+              <a:buSzPct val="80000"/>
+              <a:buFont typeface="Wingdings 3" charset="2"/>
+              <a:buChar char=""/>
+              <a:defRPr sz="1400" kern="1200">
+                <a:solidFill>
+                  <a:schemeClr val="tx1">
+                    <a:lumMod val="75000"/>
+                    <a:lumOff val="25000"/>
+                  </a:schemeClr>
+                </a:solidFill>
+                <a:latin typeface="+mn-lt"/>
+                <a:ea typeface="+mn-ea"/>
+                <a:cs typeface="+mn-cs"/>
+              </a:defRPr>
+            </a:lvl3pPr>
+            <a:lvl4pPr marL="1599720" indent="-228531" algn="l" defTabSz="457063" rtl="0" eaLnBrk="1" latinLnBrk="0" hangingPunct="1">
+              <a:spcBef>
+                <a:spcPts val="1000"/>
+              </a:spcBef>
+              <a:spcAft>
+                <a:spcPts val="0"/>
+              </a:spcAft>
+              <a:buClr>
+                <a:schemeClr val="accent1"/>
+              </a:buClr>
+              <a:buSzPct val="80000"/>
+              <a:buFont typeface="Wingdings 3" charset="2"/>
+              <a:buChar char=""/>
+              <a:defRPr sz="1200" kern="1200">
+                <a:solidFill>
+                  <a:schemeClr val="tx1">
+                    <a:lumMod val="75000"/>
+                    <a:lumOff val="25000"/>
+                  </a:schemeClr>
+                </a:solidFill>
+                <a:latin typeface="+mn-lt"/>
+                <a:ea typeface="+mn-ea"/>
+                <a:cs typeface="+mn-cs"/>
+              </a:defRPr>
+            </a:lvl4pPr>
+            <a:lvl5pPr marL="2056783" indent="-228531" algn="l" defTabSz="457063" rtl="0" eaLnBrk="1" latinLnBrk="0" hangingPunct="1">
+              <a:spcBef>
+                <a:spcPts val="1000"/>
+              </a:spcBef>
+              <a:spcAft>
+                <a:spcPts val="0"/>
+              </a:spcAft>
+              <a:buClr>
+                <a:schemeClr val="accent1"/>
+              </a:buClr>
+              <a:buSzPct val="80000"/>
+              <a:buFont typeface="Wingdings 3" charset="2"/>
+              <a:buChar char=""/>
+              <a:defRPr sz="1200" kern="1200">
+                <a:solidFill>
+                  <a:schemeClr val="tx1">
+                    <a:lumMod val="75000"/>
+                    <a:lumOff val="25000"/>
+                  </a:schemeClr>
+                </a:solidFill>
+                <a:latin typeface="+mn-lt"/>
+                <a:ea typeface="+mn-ea"/>
+                <a:cs typeface="+mn-cs"/>
+              </a:defRPr>
+            </a:lvl5pPr>
+            <a:lvl6pPr marL="2513846" indent="-228531" algn="l" defTabSz="457063" rtl="0" eaLnBrk="1" latinLnBrk="0" hangingPunct="1">
+              <a:spcBef>
+                <a:spcPts val="1000"/>
+              </a:spcBef>
+              <a:spcAft>
+                <a:spcPts val="0"/>
+              </a:spcAft>
+              <a:buClr>
+                <a:schemeClr val="accent1"/>
+              </a:buClr>
+              <a:buSzPct val="80000"/>
+              <a:buFont typeface="Wingdings 3" charset="2"/>
+              <a:buChar char=""/>
+              <a:defRPr sz="1200" kern="1200">
+                <a:solidFill>
+                  <a:schemeClr val="tx1">
+                    <a:lumMod val="75000"/>
+                    <a:lumOff val="25000"/>
+                  </a:schemeClr>
+                </a:solidFill>
+                <a:latin typeface="+mn-lt"/>
+                <a:ea typeface="+mn-ea"/>
+                <a:cs typeface="+mn-cs"/>
+              </a:defRPr>
+            </a:lvl6pPr>
+            <a:lvl7pPr marL="2970908" indent="-228531" algn="l" defTabSz="457063" rtl="0" eaLnBrk="1" latinLnBrk="0" hangingPunct="1">
+              <a:spcBef>
+                <a:spcPts val="1000"/>
+              </a:spcBef>
+              <a:spcAft>
+                <a:spcPts val="0"/>
+              </a:spcAft>
+              <a:buClr>
+                <a:schemeClr val="accent1"/>
+              </a:buClr>
+              <a:buSzPct val="80000"/>
+              <a:buFont typeface="Wingdings 3" charset="2"/>
+              <a:buChar char=""/>
+              <a:defRPr sz="1200" kern="1200">
+                <a:solidFill>
+                  <a:schemeClr val="tx1">
+                    <a:lumMod val="75000"/>
+                    <a:lumOff val="25000"/>
+                  </a:schemeClr>
+                </a:solidFill>
+                <a:latin typeface="+mn-lt"/>
+                <a:ea typeface="+mn-ea"/>
+                <a:cs typeface="+mn-cs"/>
+              </a:defRPr>
+            </a:lvl7pPr>
+            <a:lvl8pPr marL="3427971" indent="-228531" algn="l" defTabSz="457063" rtl="0" eaLnBrk="1" latinLnBrk="0" hangingPunct="1">
+              <a:spcBef>
+                <a:spcPts val="1000"/>
+              </a:spcBef>
+              <a:spcAft>
+                <a:spcPts val="0"/>
+              </a:spcAft>
+              <a:buClr>
+                <a:schemeClr val="accent1"/>
+              </a:buClr>
+              <a:buSzPct val="80000"/>
+              <a:buFont typeface="Wingdings 3" charset="2"/>
+              <a:buChar char=""/>
+              <a:defRPr sz="1200" kern="1200">
+                <a:solidFill>
+                  <a:schemeClr val="tx1">
+                    <a:lumMod val="75000"/>
+                    <a:lumOff val="25000"/>
+                  </a:schemeClr>
+                </a:solidFill>
+                <a:latin typeface="+mn-lt"/>
+                <a:ea typeface="+mn-ea"/>
+                <a:cs typeface="+mn-cs"/>
+              </a:defRPr>
+            </a:lvl8pPr>
+            <a:lvl9pPr marL="3885034" indent="-228531" algn="l" defTabSz="457063" rtl="0" eaLnBrk="1" latinLnBrk="0" hangingPunct="1">
+              <a:spcBef>
+                <a:spcPts val="1000"/>
+              </a:spcBef>
+              <a:spcAft>
+                <a:spcPts val="0"/>
+              </a:spcAft>
+              <a:buClr>
+                <a:schemeClr val="accent1"/>
+              </a:buClr>
+              <a:buSzPct val="80000"/>
+              <a:buFont typeface="Wingdings 3" charset="2"/>
+              <a:buChar char=""/>
+              <a:defRPr sz="1200" kern="1200">
+                <a:solidFill>
+                  <a:schemeClr val="tx1">
+                    <a:lumMod val="75000"/>
+                    <a:lumOff val="25000"/>
+                  </a:schemeClr>
+                </a:solidFill>
+                <a:latin typeface="+mn-lt"/>
+                <a:ea typeface="+mn-ea"/>
+                <a:cs typeface="+mn-cs"/>
+              </a:defRPr>
+            </a:lvl9pPr>
+          </a:lstStyle>
+          <a:p>
+            <a:pPr marL="457063" lvl="1" indent="0">
+              <a:buFont typeface="Wingdings 3" charset="2"/>
+              <a:buNone/>
+            </a:pPr>
+            <a:endParaRPr lang="en-US" dirty="0"/>
+          </a:p>
+        </p:txBody>
+      </p:sp>
+      <p:graphicFrame>
+        <p:nvGraphicFramePr>
+          <p:cNvPr id="5" name="Table 4">
+            <a:extLst>
+              <a:ext uri="{FF2B5EF4-FFF2-40B4-BE49-F238E27FC236}">
+                <a16:creationId xmlns:a16="http://schemas.microsoft.com/office/drawing/2014/main" id="{C98F83E0-B955-42B2-B093-FA3A3627C0AC}"/>
+              </a:ext>
+            </a:extLst>
+          </p:cNvPr>
+          <p:cNvGraphicFramePr>
+            <a:graphicFrameLocks noGrp="1"/>
+          </p:cNvGraphicFramePr>
+          <p:nvPr>
+            <p:extLst>
+              <p:ext uri="{D42A27DB-BD31-4B8C-83A1-F6EECF244321}">
+                <p14:modId xmlns:p14="http://schemas.microsoft.com/office/powerpoint/2010/main" val="1905676121"/>
+              </p:ext>
+            </p:extLst>
+          </p:nvPr>
+        </p:nvGraphicFramePr>
+        <p:xfrm>
+          <a:off x="1598612" y="1600200"/>
+          <a:ext cx="9372600" cy="4858641"/>
+        </p:xfrm>
+        <a:graphic>
+          <a:graphicData uri="http://schemas.openxmlformats.org/drawingml/2006/table">
+            <a:tbl>
+              <a:tblPr firstRow="1" bandRow="1">
+                <a:tableStyleId>{E8B1032C-EA38-4F05-BA0D-38AFFFC7BED3}</a:tableStyleId>
+              </a:tblPr>
+              <a:tblGrid>
+                <a:gridCol w="552065">
+                  <a:extLst>
+                    <a:ext uri="{9D8B030D-6E8A-4147-A177-3AD203B41FA5}">
+                      <a16:colId xmlns:a16="http://schemas.microsoft.com/office/drawing/2014/main" val="2975467101"/>
+                    </a:ext>
+                  </a:extLst>
+                </a:gridCol>
+                <a:gridCol w="1019368">
+                  <a:extLst>
+                    <a:ext uri="{9D8B030D-6E8A-4147-A177-3AD203B41FA5}">
+                      <a16:colId xmlns:a16="http://schemas.microsoft.com/office/drawing/2014/main" val="1256914312"/>
+                    </a:ext>
+                  </a:extLst>
+                </a:gridCol>
+                <a:gridCol w="1019368">
+                  <a:extLst>
+                    <a:ext uri="{9D8B030D-6E8A-4147-A177-3AD203B41FA5}">
+                      <a16:colId xmlns:a16="http://schemas.microsoft.com/office/drawing/2014/main" val="333415022"/>
+                    </a:ext>
+                  </a:extLst>
+                </a:gridCol>
+                <a:gridCol w="1066800">
+                  <a:extLst>
+                    <a:ext uri="{9D8B030D-6E8A-4147-A177-3AD203B41FA5}">
+                      <a16:colId xmlns:a16="http://schemas.microsoft.com/office/drawing/2014/main" val="2642142898"/>
+                    </a:ext>
+                  </a:extLst>
+                </a:gridCol>
+                <a:gridCol w="1066800">
+                  <a:extLst>
+                    <a:ext uri="{9D8B030D-6E8A-4147-A177-3AD203B41FA5}">
+                      <a16:colId xmlns:a16="http://schemas.microsoft.com/office/drawing/2014/main" val="1311354813"/>
+                    </a:ext>
+                  </a:extLst>
+                </a:gridCol>
+                <a:gridCol w="1066799">
+                  <a:extLst>
+                    <a:ext uri="{9D8B030D-6E8A-4147-A177-3AD203B41FA5}">
+                      <a16:colId xmlns:a16="http://schemas.microsoft.com/office/drawing/2014/main" val="267025949"/>
+                    </a:ext>
+                  </a:extLst>
+                </a:gridCol>
+                <a:gridCol w="1143000">
+                  <a:extLst>
+                    <a:ext uri="{9D8B030D-6E8A-4147-A177-3AD203B41FA5}">
+                      <a16:colId xmlns:a16="http://schemas.microsoft.com/office/drawing/2014/main" val="531061255"/>
+                    </a:ext>
+                  </a:extLst>
+                </a:gridCol>
+                <a:gridCol w="1143000">
+                  <a:extLst>
+                    <a:ext uri="{9D8B030D-6E8A-4147-A177-3AD203B41FA5}">
+                      <a16:colId xmlns:a16="http://schemas.microsoft.com/office/drawing/2014/main" val="819021370"/>
+                    </a:ext>
+                  </a:extLst>
+                </a:gridCol>
+                <a:gridCol w="1295400">
+                  <a:extLst>
+                    <a:ext uri="{9D8B030D-6E8A-4147-A177-3AD203B41FA5}">
+                      <a16:colId xmlns:a16="http://schemas.microsoft.com/office/drawing/2014/main" val="1891545078"/>
+                    </a:ext>
+                  </a:extLst>
+                </a:gridCol>
+              </a:tblGrid>
+              <a:tr h="520277">
+                <a:tc gridSpan="9">
+                  <a:txBody>
+                    <a:bodyPr/>
+                    <a:lstStyle/>
+                    <a:p>
+                      <a:pPr marL="0" marR="0" lvl="0" indent="0" algn="ctr" defTabSz="457063" rtl="0" eaLnBrk="1" fontAlgn="auto" latinLnBrk="0" hangingPunct="1">
+                        <a:lnSpc>
+                          <a:spcPct val="100000"/>
+                        </a:lnSpc>
+                        <a:spcBef>
+                          <a:spcPts val="0"/>
+                        </a:spcBef>
+                        <a:spcAft>
+                          <a:spcPts val="0"/>
+                        </a:spcAft>
+                        <a:buClrTx/>
+                        <a:buSzTx/>
+                        <a:buFontTx/>
+                        <a:buNone/>
+                        <a:tabLst/>
+                        <a:defRPr/>
+                      </a:pPr>
+                      <a:r>
+                        <a:rPr lang="en-US" sz="2400" dirty="0"/>
+                        <a:t>Enzyme</a:t>
+                      </a:r>
+                    </a:p>
+                    <a:p>
+                      <a:pPr marL="0" marR="0" lvl="0" indent="0" algn="ctr" defTabSz="457063" rtl="0" eaLnBrk="1" fontAlgn="auto" latinLnBrk="0" hangingPunct="1">
+                        <a:lnSpc>
+                          <a:spcPct val="100000"/>
+                        </a:lnSpc>
+                        <a:spcBef>
+                          <a:spcPts val="0"/>
+                        </a:spcBef>
+                        <a:spcAft>
+                          <a:spcPts val="0"/>
+                        </a:spcAft>
+                        <a:buClrTx/>
+                        <a:buSzTx/>
+                        <a:buFontTx/>
+                        <a:buNone/>
+                        <a:tabLst/>
+                        <a:defRPr/>
+                      </a:pPr>
+                      <a:endParaRPr lang="en-US" sz="2400" dirty="0"/>
+                    </a:p>
+                  </a:txBody>
+                  <a:tcPr/>
+                </a:tc>
+                <a:tc hMerge="1">
+                  <a:txBody>
+                    <a:bodyPr/>
+                    <a:lstStyle/>
+                    <a:p>
+                      <a:pPr algn="ctr"/>
+                      <a:endParaRPr lang="en-US" dirty="0"/>
+                    </a:p>
+                  </a:txBody>
+                  <a:tcPr/>
+                </a:tc>
+                <a:tc hMerge="1">
+                  <a:txBody>
+                    <a:bodyPr/>
+                    <a:lstStyle/>
+                    <a:p>
+                      <a:endParaRPr lang="en-US"/>
+                    </a:p>
+                  </a:txBody>
+                  <a:tcPr/>
+                </a:tc>
+                <a:tc hMerge="1">
+                  <a:txBody>
+                    <a:bodyPr/>
+                    <a:lstStyle/>
+                    <a:p>
+                      <a:pPr algn="ctr"/>
+                      <a:endParaRPr lang="en-US" dirty="0"/>
+                    </a:p>
+                  </a:txBody>
+                  <a:tcPr/>
+                </a:tc>
+                <a:tc hMerge="1">
+                  <a:txBody>
+                    <a:bodyPr/>
+                    <a:lstStyle/>
+                    <a:p>
+                      <a:endParaRPr lang="en-US"/>
+                    </a:p>
+                  </a:txBody>
+                  <a:tcPr/>
+                </a:tc>
+                <a:tc hMerge="1">
+                  <a:txBody>
+                    <a:bodyPr/>
+                    <a:lstStyle/>
+                    <a:p>
+                      <a:pPr algn="ctr"/>
+                      <a:endParaRPr lang="en-US" dirty="0"/>
+                    </a:p>
+                  </a:txBody>
+                  <a:tcPr/>
+                </a:tc>
+                <a:tc hMerge="1">
+                  <a:txBody>
+                    <a:bodyPr/>
+                    <a:lstStyle/>
+                    <a:p>
+                      <a:endParaRPr lang="en-US"/>
+                    </a:p>
+                  </a:txBody>
+                  <a:tcPr/>
+                </a:tc>
+                <a:tc hMerge="1">
+                  <a:txBody>
+                    <a:bodyPr/>
+                    <a:lstStyle/>
+                    <a:p>
+                      <a:pPr algn="ctr"/>
+                      <a:endParaRPr lang="en-US" sz="2400" dirty="0"/>
+                    </a:p>
+                  </a:txBody>
+                  <a:tcPr/>
+                </a:tc>
+                <a:tc hMerge="1">
+                  <a:txBody>
+                    <a:bodyPr/>
+                    <a:lstStyle/>
+                    <a:p>
+                      <a:endParaRPr lang="en-US"/>
+                    </a:p>
+                  </a:txBody>
+                  <a:tcPr/>
+                </a:tc>
+                <a:extLst>
+                  <a:ext uri="{0D108BD9-81ED-4DB2-BD59-A6C34878D82A}">
+                    <a16:rowId xmlns:a16="http://schemas.microsoft.com/office/drawing/2014/main" val="1409194240"/>
+                  </a:ext>
+                </a:extLst>
+              </a:tr>
+              <a:tr h="520277">
+                <a:tc>
+                  <a:txBody>
+                    <a:bodyPr/>
+                    <a:lstStyle/>
+                    <a:p>
+                      <a:pPr algn="ctr"/>
+                      <a:r>
+                        <a:rPr lang="en-US" sz="1799" b="0" i="0" u="none" strike="noStrike" kern="1200" baseline="0" dirty="0">
+                          <a:solidFill>
+                            <a:schemeClr val="tx1"/>
+                          </a:solidFill>
+                          <a:latin typeface="+mn-lt"/>
+                          <a:ea typeface="+mn-ea"/>
+                          <a:cs typeface="+mn-cs"/>
+                        </a:rPr>
+                        <a:t>K</a:t>
+                      </a:r>
+                      <a:endParaRPr lang="en-US" dirty="0"/>
+                    </a:p>
+                  </a:txBody>
+                  <a:tcPr/>
+                </a:tc>
+                <a:tc gridSpan="2">
+                  <a:txBody>
+                    <a:bodyPr/>
+                    <a:lstStyle/>
+                    <a:p>
+                      <a:pPr algn="ctr"/>
+                      <a:r>
+                        <a:rPr lang="en-US" sz="1799" b="0" i="0" u="none" strike="noStrike" kern="1200" baseline="0" dirty="0">
+                          <a:solidFill>
+                            <a:schemeClr val="tx1"/>
+                          </a:solidFill>
+                          <a:latin typeface="+mn-lt"/>
+                          <a:ea typeface="+mn-ea"/>
+                          <a:cs typeface="+mn-cs"/>
+                        </a:rPr>
+                        <a:t>Simple WP</a:t>
+                      </a:r>
+                      <a:endParaRPr lang="en-US" dirty="0"/>
+                    </a:p>
+                  </a:txBody>
+                  <a:tcPr/>
+                </a:tc>
+                <a:tc hMerge="1">
+                  <a:txBody>
+                    <a:bodyPr/>
+                    <a:lstStyle/>
+                    <a:p>
+                      <a:endParaRPr lang="en-US"/>
+                    </a:p>
+                  </a:txBody>
+                  <a:tcPr/>
+                </a:tc>
+                <a:tc gridSpan="2">
+                  <a:txBody>
+                    <a:bodyPr/>
+                    <a:lstStyle/>
+                    <a:p>
+                      <a:pPr algn="ctr"/>
+                      <a:r>
+                        <a:rPr lang="en-US" dirty="0"/>
+                        <a:t>Hubness – aware</a:t>
+                      </a:r>
+                    </a:p>
+                  </a:txBody>
+                  <a:tcPr/>
+                </a:tc>
+                <a:tc hMerge="1">
+                  <a:txBody>
+                    <a:bodyPr/>
+                    <a:lstStyle/>
+                    <a:p>
+                      <a:endParaRPr lang="en-US"/>
+                    </a:p>
+                  </a:txBody>
+                  <a:tcPr/>
+                </a:tc>
+                <a:tc gridSpan="2">
+                  <a:txBody>
+                    <a:bodyPr/>
+                    <a:lstStyle/>
+                    <a:p>
+                      <a:pPr algn="ctr"/>
+                      <a:r>
+                        <a:rPr lang="en-US" sz="1799" b="0" i="0" u="none" strike="noStrike" kern="1200" baseline="0" dirty="0">
+                          <a:solidFill>
+                            <a:schemeClr val="tx1"/>
+                          </a:solidFill>
+                          <a:latin typeface="+mn-lt"/>
+                          <a:ea typeface="+mn-ea"/>
+                          <a:cs typeface="+mn-cs"/>
+                        </a:rPr>
+                        <a:t>Using Jaccard Similarity </a:t>
+                      </a:r>
+                      <a:endParaRPr lang="en-US" dirty="0"/>
+                    </a:p>
+                  </a:txBody>
+                  <a:tcPr/>
+                </a:tc>
+                <a:tc hMerge="1">
+                  <a:txBody>
+                    <a:bodyPr/>
+                    <a:lstStyle/>
+                    <a:p>
+                      <a:endParaRPr lang="en-US"/>
+                    </a:p>
+                  </a:txBody>
+                  <a:tcPr/>
+                </a:tc>
+                <a:tc gridSpan="2">
+                  <a:txBody>
+                    <a:bodyPr/>
+                    <a:lstStyle/>
+                    <a:p>
+                      <a:pPr marL="0" marR="0" lvl="0" indent="0" algn="ctr" defTabSz="457063" rtl="0" eaLnBrk="1" fontAlgn="auto" latinLnBrk="0" hangingPunct="1">
+                        <a:lnSpc>
+                          <a:spcPct val="100000"/>
+                        </a:lnSpc>
+                        <a:spcBef>
+                          <a:spcPts val="0"/>
+                        </a:spcBef>
+                        <a:spcAft>
+                          <a:spcPts val="0"/>
+                        </a:spcAft>
+                        <a:buClrTx/>
+                        <a:buSzTx/>
+                        <a:buFontTx/>
+                        <a:buNone/>
+                        <a:tabLst/>
+                        <a:defRPr/>
+                      </a:pPr>
+                      <a:r>
+                        <a:rPr lang="en-US" sz="1799" b="0" i="0" u="none" strike="noStrike" kern="1200" baseline="0" dirty="0">
+                          <a:solidFill>
+                            <a:schemeClr val="tx1"/>
+                          </a:solidFill>
+                          <a:latin typeface="+mn-lt"/>
+                          <a:ea typeface="+mn-ea"/>
+                          <a:cs typeface="+mn-cs"/>
+                        </a:rPr>
+                        <a:t>Jaccard Similarity/ recalculating </a:t>
+                      </a:r>
+                      <a:endParaRPr lang="en-US" dirty="0"/>
+                    </a:p>
+                    <a:p>
+                      <a:pPr algn="ctr"/>
+                      <a:endParaRPr lang="en-US" dirty="0"/>
+                    </a:p>
+                  </a:txBody>
+                  <a:tcPr/>
+                </a:tc>
+                <a:tc hMerge="1">
+                  <a:txBody>
+                    <a:bodyPr/>
+                    <a:lstStyle/>
+                    <a:p>
+                      <a:endParaRPr lang="en-US"/>
+                    </a:p>
+                  </a:txBody>
+                  <a:tcPr/>
+                </a:tc>
+                <a:extLst>
+                  <a:ext uri="{0D108BD9-81ED-4DB2-BD59-A6C34878D82A}">
+                    <a16:rowId xmlns:a16="http://schemas.microsoft.com/office/drawing/2014/main" val="1732074981"/>
+                  </a:ext>
+                </a:extLst>
+              </a:tr>
+              <a:tr h="520277">
+                <a:tc>
+                  <a:txBody>
+                    <a:bodyPr/>
+                    <a:lstStyle/>
+                    <a:p>
+                      <a:pPr algn="ctr"/>
+                      <a:r>
+                        <a:rPr lang="en-US" dirty="0"/>
+                        <a:t>1</a:t>
+                      </a:r>
+                    </a:p>
+                  </a:txBody>
+                  <a:tcPr/>
+                </a:tc>
+                <a:tc>
+                  <a:txBody>
+                    <a:bodyPr/>
+                    <a:lstStyle/>
+                    <a:p>
+                      <a:pPr algn="ctr"/>
+                      <a:r>
+                        <a:rPr lang="en-US" dirty="0"/>
+                        <a:t>0.92960</a:t>
+                      </a:r>
+                    </a:p>
+                  </a:txBody>
+                  <a:tcPr/>
+                </a:tc>
+                <a:tc>
+                  <a:txBody>
+                    <a:bodyPr/>
+                    <a:lstStyle/>
+                    <a:p>
+                      <a:pPr algn="ctr"/>
+                      <a:r>
+                        <a:rPr lang="en-US" dirty="0"/>
+                        <a:t>0.7261</a:t>
+                      </a:r>
+                    </a:p>
+                  </a:txBody>
+                  <a:tcPr/>
+                </a:tc>
+                <a:tc>
+                  <a:txBody>
+                    <a:bodyPr/>
+                    <a:lstStyle/>
+                    <a:p>
+                      <a:pPr algn="ctr"/>
+                      <a:endParaRPr lang="en-US" dirty="0"/>
+                    </a:p>
+                  </a:txBody>
+                  <a:tcPr/>
+                </a:tc>
+                <a:tc>
+                  <a:txBody>
+                    <a:bodyPr/>
+                    <a:lstStyle/>
+                    <a:p>
+                      <a:pPr algn="ctr"/>
+                      <a:endParaRPr lang="en-US" dirty="0"/>
+                    </a:p>
+                  </a:txBody>
+                  <a:tcPr/>
+                </a:tc>
+                <a:tc>
+                  <a:txBody>
+                    <a:bodyPr/>
+                    <a:lstStyle/>
+                    <a:p>
+                      <a:pPr algn="ctr"/>
+                      <a:endParaRPr lang="en-US" dirty="0"/>
+                    </a:p>
+                  </a:txBody>
+                  <a:tcPr/>
+                </a:tc>
+                <a:tc>
+                  <a:txBody>
+                    <a:bodyPr/>
+                    <a:lstStyle/>
+                    <a:p>
+                      <a:pPr algn="ctr"/>
+                      <a:endParaRPr lang="en-US" dirty="0"/>
+                    </a:p>
+                  </a:txBody>
+                  <a:tcPr/>
+                </a:tc>
+                <a:tc>
+                  <a:txBody>
+                    <a:bodyPr/>
+                    <a:lstStyle/>
+                    <a:p>
+                      <a:pPr algn="ctr"/>
+                      <a:endParaRPr lang="en-US" dirty="0"/>
+                    </a:p>
+                  </a:txBody>
+                  <a:tcPr/>
+                </a:tc>
+                <a:tc>
+                  <a:txBody>
+                    <a:bodyPr/>
+                    <a:lstStyle/>
+                    <a:p>
+                      <a:pPr algn="ctr"/>
+                      <a:endParaRPr lang="en-US" dirty="0"/>
+                    </a:p>
+                  </a:txBody>
+                  <a:tcPr/>
+                </a:tc>
+                <a:extLst>
+                  <a:ext uri="{0D108BD9-81ED-4DB2-BD59-A6C34878D82A}">
+                    <a16:rowId xmlns:a16="http://schemas.microsoft.com/office/drawing/2014/main" val="2158644233"/>
+                  </a:ext>
+                </a:extLst>
+              </a:tr>
+              <a:tr h="520277">
+                <a:tc>
+                  <a:txBody>
+                    <a:bodyPr/>
+                    <a:lstStyle/>
+                    <a:p>
+                      <a:pPr algn="ctr"/>
+                      <a:r>
+                        <a:rPr lang="en-US" sz="1799" b="0" i="0" u="none" strike="noStrike" kern="1200" baseline="0" dirty="0">
+                          <a:solidFill>
+                            <a:schemeClr val="tx1"/>
+                          </a:solidFill>
+                          <a:latin typeface="+mn-lt"/>
+                          <a:ea typeface="+mn-ea"/>
+                          <a:cs typeface="+mn-cs"/>
+                        </a:rPr>
+                        <a:t>2</a:t>
+                      </a:r>
+                      <a:endParaRPr lang="en-US" dirty="0"/>
+                    </a:p>
+                  </a:txBody>
+                  <a:tcPr/>
+                </a:tc>
+                <a:tc>
+                  <a:txBody>
+                    <a:bodyPr/>
+                    <a:lstStyle/>
+                    <a:p>
+                      <a:pPr algn="ctr"/>
+                      <a:r>
+                        <a:rPr lang="en-US" dirty="0"/>
+                        <a:t>0.9452</a:t>
+                      </a:r>
+                    </a:p>
+                  </a:txBody>
+                  <a:tcPr/>
+                </a:tc>
+                <a:tc>
+                  <a:txBody>
+                    <a:bodyPr/>
+                    <a:lstStyle/>
+                    <a:p>
+                      <a:pPr algn="ctr"/>
+                      <a:r>
+                        <a:rPr lang="en-US" dirty="0"/>
+                        <a:t>0.8223</a:t>
+                      </a:r>
+                    </a:p>
+                  </a:txBody>
+                  <a:tcPr/>
+                </a:tc>
+                <a:tc>
+                  <a:txBody>
+                    <a:bodyPr/>
+                    <a:lstStyle/>
+                    <a:p>
+                      <a:pPr algn="ctr"/>
+                      <a:endParaRPr lang="en-US" dirty="0"/>
+                    </a:p>
+                  </a:txBody>
+                  <a:tcPr/>
+                </a:tc>
+                <a:tc>
+                  <a:txBody>
+                    <a:bodyPr/>
+                    <a:lstStyle/>
+                    <a:p>
+                      <a:pPr algn="ctr"/>
+                      <a:endParaRPr lang="en-US" dirty="0"/>
+                    </a:p>
+                  </a:txBody>
+                  <a:tcPr/>
+                </a:tc>
+                <a:tc>
+                  <a:txBody>
+                    <a:bodyPr/>
+                    <a:lstStyle/>
+                    <a:p>
+                      <a:pPr algn="ctr"/>
+                      <a:endParaRPr lang="en-US" dirty="0"/>
+                    </a:p>
+                  </a:txBody>
+                  <a:tcPr/>
+                </a:tc>
+                <a:tc>
+                  <a:txBody>
+                    <a:bodyPr/>
+                    <a:lstStyle/>
+                    <a:p>
+                      <a:pPr algn="ctr"/>
+                      <a:endParaRPr lang="en-US" dirty="0"/>
+                    </a:p>
+                  </a:txBody>
+                  <a:tcPr/>
+                </a:tc>
+                <a:tc>
+                  <a:txBody>
+                    <a:bodyPr/>
+                    <a:lstStyle/>
+                    <a:p>
+                      <a:pPr algn="ctr"/>
+                      <a:endParaRPr lang="en-US" dirty="0"/>
+                    </a:p>
+                  </a:txBody>
+                  <a:tcPr/>
+                </a:tc>
+                <a:tc>
+                  <a:txBody>
+                    <a:bodyPr/>
+                    <a:lstStyle/>
+                    <a:p>
+                      <a:pPr algn="ctr"/>
+                      <a:endParaRPr lang="en-US" dirty="0"/>
+                    </a:p>
+                  </a:txBody>
+                  <a:tcPr/>
+                </a:tc>
+                <a:extLst>
+                  <a:ext uri="{0D108BD9-81ED-4DB2-BD59-A6C34878D82A}">
+                    <a16:rowId xmlns:a16="http://schemas.microsoft.com/office/drawing/2014/main" val="1315729617"/>
+                  </a:ext>
+                </a:extLst>
+              </a:tr>
+              <a:tr h="520277">
+                <a:tc>
+                  <a:txBody>
+                    <a:bodyPr/>
+                    <a:lstStyle/>
+                    <a:p>
+                      <a:pPr algn="ctr"/>
+                      <a:r>
+                        <a:rPr lang="en-US" sz="1799" b="0" i="0" u="none" strike="noStrike" kern="1200" baseline="0" dirty="0">
+                          <a:solidFill>
+                            <a:schemeClr val="tx1"/>
+                          </a:solidFill>
+                          <a:latin typeface="+mn-lt"/>
+                          <a:ea typeface="+mn-ea"/>
+                          <a:cs typeface="+mn-cs"/>
+                        </a:rPr>
+                        <a:t>3</a:t>
+                      </a:r>
+                      <a:endParaRPr lang="en-US" dirty="0"/>
+                    </a:p>
+                  </a:txBody>
+                  <a:tcPr/>
+                </a:tc>
+                <a:tc>
+                  <a:txBody>
+                    <a:bodyPr/>
+                    <a:lstStyle/>
+                    <a:p>
+                      <a:pPr algn="ctr"/>
+                      <a:r>
+                        <a:rPr lang="en-US" dirty="0"/>
+                        <a:t>0.9496</a:t>
+                      </a:r>
+                    </a:p>
+                  </a:txBody>
+                  <a:tcPr/>
+                </a:tc>
+                <a:tc>
+                  <a:txBody>
+                    <a:bodyPr/>
+                    <a:lstStyle/>
+                    <a:p>
+                      <a:pPr algn="ctr"/>
+                      <a:r>
+                        <a:rPr lang="en-US" dirty="0"/>
+                        <a:t>0.8523</a:t>
+                      </a:r>
+                    </a:p>
+                  </a:txBody>
+                  <a:tcPr/>
+                </a:tc>
+                <a:tc>
+                  <a:txBody>
+                    <a:bodyPr/>
+                    <a:lstStyle/>
+                    <a:p>
+                      <a:pPr algn="ctr"/>
+                      <a:endParaRPr lang="en-US" dirty="0"/>
+                    </a:p>
+                  </a:txBody>
+                  <a:tcPr/>
+                </a:tc>
+                <a:tc>
+                  <a:txBody>
+                    <a:bodyPr/>
+                    <a:lstStyle/>
+                    <a:p>
+                      <a:pPr algn="ctr"/>
+                      <a:endParaRPr lang="en-US" dirty="0"/>
+                    </a:p>
+                  </a:txBody>
+                  <a:tcPr/>
+                </a:tc>
+                <a:tc>
+                  <a:txBody>
+                    <a:bodyPr/>
+                    <a:lstStyle/>
+                    <a:p>
+                      <a:pPr algn="ctr"/>
+                      <a:endParaRPr lang="en-US" dirty="0"/>
+                    </a:p>
+                  </a:txBody>
+                  <a:tcPr/>
+                </a:tc>
+                <a:tc>
+                  <a:txBody>
+                    <a:bodyPr/>
+                    <a:lstStyle/>
+                    <a:p>
+                      <a:pPr algn="ctr"/>
+                      <a:endParaRPr lang="en-US" dirty="0"/>
+                    </a:p>
+                  </a:txBody>
+                  <a:tcPr/>
+                </a:tc>
+                <a:tc>
+                  <a:txBody>
+                    <a:bodyPr/>
+                    <a:lstStyle/>
+                    <a:p>
+                      <a:pPr algn="ctr"/>
+                      <a:endParaRPr lang="en-US" dirty="0"/>
+                    </a:p>
+                  </a:txBody>
+                  <a:tcPr/>
+                </a:tc>
+                <a:tc>
+                  <a:txBody>
+                    <a:bodyPr/>
+                    <a:lstStyle/>
+                    <a:p>
+                      <a:pPr marL="0" marR="0" lvl="0" indent="0" algn="ctr" defTabSz="457063" rtl="0" eaLnBrk="1" fontAlgn="auto" latinLnBrk="0" hangingPunct="1">
+                        <a:lnSpc>
+                          <a:spcPct val="100000"/>
+                        </a:lnSpc>
+                        <a:spcBef>
+                          <a:spcPts val="0"/>
+                        </a:spcBef>
+                        <a:spcAft>
+                          <a:spcPts val="0"/>
+                        </a:spcAft>
+                        <a:buClrTx/>
+                        <a:buSzTx/>
+                        <a:buFontTx/>
+                        <a:buNone/>
+                        <a:tabLst/>
+                        <a:defRPr/>
+                      </a:pPr>
+                      <a:endParaRPr lang="en-US" dirty="0"/>
+                    </a:p>
+                  </a:txBody>
+                  <a:tcPr/>
+                </a:tc>
+                <a:extLst>
+                  <a:ext uri="{0D108BD9-81ED-4DB2-BD59-A6C34878D82A}">
+                    <a16:rowId xmlns:a16="http://schemas.microsoft.com/office/drawing/2014/main" val="3807245811"/>
+                  </a:ext>
+                </a:extLst>
+              </a:tr>
+              <a:tr h="520277">
+                <a:tc>
+                  <a:txBody>
+                    <a:bodyPr/>
+                    <a:lstStyle/>
+                    <a:p>
+                      <a:pPr algn="ctr"/>
+                      <a:r>
+                        <a:rPr lang="en-US" sz="1799" b="0" i="0" u="none" strike="noStrike" kern="1200" baseline="0" dirty="0">
+                          <a:solidFill>
+                            <a:schemeClr val="tx1"/>
+                          </a:solidFill>
+                          <a:latin typeface="+mn-lt"/>
+                          <a:ea typeface="+mn-ea"/>
+                          <a:cs typeface="+mn-cs"/>
+                        </a:rPr>
+                        <a:t>4</a:t>
+                      </a:r>
+                      <a:endParaRPr lang="en-US" dirty="0"/>
+                    </a:p>
+                  </a:txBody>
+                  <a:tcPr/>
+                </a:tc>
+                <a:tc>
+                  <a:txBody>
+                    <a:bodyPr/>
+                    <a:lstStyle/>
+                    <a:p>
+                      <a:pPr algn="ctr"/>
+                      <a:r>
+                        <a:rPr lang="en-US" dirty="0"/>
+                        <a:t>0.95332</a:t>
+                      </a:r>
+                    </a:p>
+                  </a:txBody>
+                  <a:tcPr/>
+                </a:tc>
+                <a:tc>
+                  <a:txBody>
+                    <a:bodyPr/>
+                    <a:lstStyle/>
+                    <a:p>
+                      <a:pPr algn="ctr"/>
+                      <a:r>
+                        <a:rPr lang="en-US" dirty="0"/>
+                        <a:t>0.8653</a:t>
+                      </a:r>
+                    </a:p>
+                  </a:txBody>
+                  <a:tcPr/>
+                </a:tc>
+                <a:tc>
+                  <a:txBody>
+                    <a:bodyPr/>
+                    <a:lstStyle/>
+                    <a:p>
+                      <a:pPr algn="ctr"/>
+                      <a:endParaRPr lang="en-US" dirty="0"/>
+                    </a:p>
+                  </a:txBody>
+                  <a:tcPr/>
+                </a:tc>
+                <a:tc>
+                  <a:txBody>
+                    <a:bodyPr/>
+                    <a:lstStyle/>
+                    <a:p>
+                      <a:pPr algn="ctr"/>
+                      <a:endParaRPr lang="en-US" dirty="0"/>
+                    </a:p>
+                  </a:txBody>
+                  <a:tcPr/>
+                </a:tc>
+                <a:tc>
+                  <a:txBody>
+                    <a:bodyPr/>
+                    <a:lstStyle/>
+                    <a:p>
+                      <a:pPr algn="ctr"/>
+                      <a:endParaRPr lang="en-US" dirty="0"/>
+                    </a:p>
+                  </a:txBody>
+                  <a:tcPr/>
+                </a:tc>
+                <a:tc>
+                  <a:txBody>
+                    <a:bodyPr/>
+                    <a:lstStyle/>
+                    <a:p>
+                      <a:pPr algn="ctr"/>
+                      <a:endParaRPr lang="en-US" dirty="0"/>
+                    </a:p>
+                  </a:txBody>
+                  <a:tcPr/>
+                </a:tc>
+                <a:tc>
+                  <a:txBody>
+                    <a:bodyPr/>
+                    <a:lstStyle/>
+                    <a:p>
+                      <a:pPr marL="0" marR="0" lvl="0" indent="0" algn="ctr" defTabSz="457063" rtl="0" eaLnBrk="1" fontAlgn="auto" latinLnBrk="0" hangingPunct="1">
+                        <a:lnSpc>
+                          <a:spcPct val="100000"/>
+                        </a:lnSpc>
+                        <a:spcBef>
+                          <a:spcPts val="0"/>
+                        </a:spcBef>
+                        <a:spcAft>
+                          <a:spcPts val="0"/>
+                        </a:spcAft>
+                        <a:buClrTx/>
+                        <a:buSzTx/>
+                        <a:buFontTx/>
+                        <a:buNone/>
+                        <a:tabLst/>
+                        <a:defRPr/>
+                      </a:pPr>
+                      <a:endParaRPr lang="en-US" dirty="0"/>
+                    </a:p>
+                  </a:txBody>
+                  <a:tcPr/>
+                </a:tc>
+                <a:tc>
+                  <a:txBody>
+                    <a:bodyPr/>
+                    <a:lstStyle/>
+                    <a:p>
+                      <a:pPr marL="0" marR="0" lvl="0" indent="0" algn="ctr" defTabSz="457063" rtl="0" eaLnBrk="1" fontAlgn="auto" latinLnBrk="0" hangingPunct="1">
+                        <a:lnSpc>
+                          <a:spcPct val="100000"/>
+                        </a:lnSpc>
+                        <a:spcBef>
+                          <a:spcPts val="0"/>
+                        </a:spcBef>
+                        <a:spcAft>
+                          <a:spcPts val="0"/>
+                        </a:spcAft>
+                        <a:buClrTx/>
+                        <a:buSzTx/>
+                        <a:buFontTx/>
+                        <a:buNone/>
+                        <a:tabLst/>
+                        <a:defRPr/>
+                      </a:pPr>
+                      <a:endParaRPr lang="en-US" dirty="0"/>
+                    </a:p>
+                  </a:txBody>
+                  <a:tcPr/>
+                </a:tc>
+                <a:extLst>
+                  <a:ext uri="{0D108BD9-81ED-4DB2-BD59-A6C34878D82A}">
+                    <a16:rowId xmlns:a16="http://schemas.microsoft.com/office/drawing/2014/main" val="3861277465"/>
+                  </a:ext>
+                </a:extLst>
+              </a:tr>
+              <a:tr h="520277">
+                <a:tc>
+                  <a:txBody>
+                    <a:bodyPr/>
+                    <a:lstStyle/>
+                    <a:p>
+                      <a:pPr algn="ctr"/>
+                      <a:r>
+                        <a:rPr lang="en-US" dirty="0"/>
+                        <a:t>5</a:t>
+                      </a:r>
+                    </a:p>
+                  </a:txBody>
+                  <a:tcPr/>
+                </a:tc>
+                <a:tc>
+                  <a:txBody>
+                    <a:bodyPr/>
+                    <a:lstStyle/>
+                    <a:p>
+                      <a:pPr algn="ctr"/>
+                      <a:r>
+                        <a:rPr lang="en-US" dirty="0"/>
+                        <a:t>0.95483</a:t>
+                      </a:r>
+                    </a:p>
+                  </a:txBody>
+                  <a:tcPr/>
+                </a:tc>
+                <a:tc>
+                  <a:txBody>
+                    <a:bodyPr/>
+                    <a:lstStyle/>
+                    <a:p>
+                      <a:pPr algn="ctr"/>
+                      <a:r>
+                        <a:rPr lang="en-US" dirty="0"/>
+                        <a:t>0.86888</a:t>
+                      </a:r>
+                    </a:p>
+                  </a:txBody>
+                  <a:tcPr/>
+                </a:tc>
+                <a:tc>
+                  <a:txBody>
+                    <a:bodyPr/>
+                    <a:lstStyle/>
+                    <a:p>
+                      <a:pPr algn="ctr"/>
+                      <a:endParaRPr lang="en-US" dirty="0"/>
+                    </a:p>
+                  </a:txBody>
+                  <a:tcPr/>
+                </a:tc>
+                <a:tc>
+                  <a:txBody>
+                    <a:bodyPr/>
+                    <a:lstStyle/>
+                    <a:p>
+                      <a:pPr algn="ctr"/>
+                      <a:endParaRPr lang="en-US" dirty="0"/>
+                    </a:p>
+                  </a:txBody>
+                  <a:tcPr/>
+                </a:tc>
+                <a:tc>
+                  <a:txBody>
+                    <a:bodyPr/>
+                    <a:lstStyle/>
+                    <a:p>
+                      <a:pPr algn="ctr"/>
+                      <a:endParaRPr lang="en-US" dirty="0"/>
+                    </a:p>
+                  </a:txBody>
+                  <a:tcPr/>
+                </a:tc>
+                <a:tc>
+                  <a:txBody>
+                    <a:bodyPr/>
+                    <a:lstStyle/>
+                    <a:p>
+                      <a:pPr algn="ctr"/>
+                      <a:endParaRPr lang="en-US" dirty="0"/>
+                    </a:p>
+                  </a:txBody>
+                  <a:tcPr/>
+                </a:tc>
+                <a:tc>
+                  <a:txBody>
+                    <a:bodyPr/>
+                    <a:lstStyle/>
+                    <a:p>
+                      <a:pPr marL="0" marR="0" lvl="0" indent="0" algn="ctr" defTabSz="457063" rtl="0" eaLnBrk="1" fontAlgn="auto" latinLnBrk="0" hangingPunct="1">
+                        <a:lnSpc>
+                          <a:spcPct val="100000"/>
+                        </a:lnSpc>
+                        <a:spcBef>
+                          <a:spcPts val="0"/>
+                        </a:spcBef>
+                        <a:spcAft>
+                          <a:spcPts val="0"/>
+                        </a:spcAft>
+                        <a:buClrTx/>
+                        <a:buSzTx/>
+                        <a:buFontTx/>
+                        <a:buNone/>
+                        <a:tabLst/>
+                        <a:defRPr/>
+                      </a:pPr>
+                      <a:endParaRPr lang="en-US" dirty="0"/>
+                    </a:p>
+                  </a:txBody>
+                  <a:tcPr/>
+                </a:tc>
+                <a:tc>
+                  <a:txBody>
+                    <a:bodyPr/>
+                    <a:lstStyle/>
+                    <a:p>
+                      <a:pPr marL="0" marR="0" lvl="0" indent="0" algn="ctr" defTabSz="457063" rtl="0" eaLnBrk="1" fontAlgn="auto" latinLnBrk="0" hangingPunct="1">
+                        <a:lnSpc>
+                          <a:spcPct val="100000"/>
+                        </a:lnSpc>
+                        <a:spcBef>
+                          <a:spcPts val="0"/>
+                        </a:spcBef>
+                        <a:spcAft>
+                          <a:spcPts val="0"/>
+                        </a:spcAft>
+                        <a:buClrTx/>
+                        <a:buSzTx/>
+                        <a:buFontTx/>
+                        <a:buNone/>
+                        <a:tabLst/>
+                        <a:defRPr/>
+                      </a:pPr>
+                      <a:endParaRPr lang="en-US" dirty="0"/>
+                    </a:p>
+                  </a:txBody>
+                  <a:tcPr/>
+                </a:tc>
+                <a:extLst>
+                  <a:ext uri="{0D108BD9-81ED-4DB2-BD59-A6C34878D82A}">
+                    <a16:rowId xmlns:a16="http://schemas.microsoft.com/office/drawing/2014/main" val="1731143259"/>
+                  </a:ext>
+                </a:extLst>
+              </a:tr>
+              <a:tr h="520277">
+                <a:tc>
+                  <a:txBody>
+                    <a:bodyPr/>
+                    <a:lstStyle/>
+                    <a:p>
+                      <a:pPr algn="ctr"/>
+                      <a:r>
+                        <a:rPr lang="en-US" dirty="0"/>
+                        <a:t>6</a:t>
+                      </a:r>
+                    </a:p>
+                  </a:txBody>
+                  <a:tcPr/>
+                </a:tc>
+                <a:tc>
+                  <a:txBody>
+                    <a:bodyPr/>
+                    <a:lstStyle/>
+                    <a:p>
+                      <a:pPr algn="ctr"/>
+                      <a:r>
+                        <a:rPr lang="en-US" dirty="0"/>
+                        <a:t>0.9570</a:t>
+                      </a:r>
+                    </a:p>
+                  </a:txBody>
+                  <a:tcPr/>
+                </a:tc>
+                <a:tc>
+                  <a:txBody>
+                    <a:bodyPr/>
+                    <a:lstStyle/>
+                    <a:p>
+                      <a:pPr algn="ctr"/>
+                      <a:r>
+                        <a:rPr lang="en-US"/>
+                        <a:t>0.8697</a:t>
+                      </a:r>
+                      <a:endParaRPr lang="en-US" dirty="0"/>
+                    </a:p>
+                  </a:txBody>
+                  <a:tcPr/>
+                </a:tc>
+                <a:tc>
+                  <a:txBody>
+                    <a:bodyPr/>
+                    <a:lstStyle/>
+                    <a:p>
+                      <a:pPr algn="ctr"/>
+                      <a:endParaRPr lang="en-US" dirty="0"/>
+                    </a:p>
+                  </a:txBody>
+                  <a:tcPr/>
+                </a:tc>
+                <a:tc>
+                  <a:txBody>
+                    <a:bodyPr/>
+                    <a:lstStyle/>
+                    <a:p>
+                      <a:pPr algn="ctr"/>
+                      <a:endParaRPr lang="en-US" dirty="0"/>
+                    </a:p>
+                  </a:txBody>
+                  <a:tcPr/>
+                </a:tc>
+                <a:tc>
+                  <a:txBody>
+                    <a:bodyPr/>
+                    <a:lstStyle/>
+                    <a:p>
+                      <a:pPr algn="ctr"/>
+                      <a:endParaRPr lang="en-US" dirty="0"/>
+                    </a:p>
+                  </a:txBody>
+                  <a:tcPr/>
+                </a:tc>
+                <a:tc>
+                  <a:txBody>
+                    <a:bodyPr/>
+                    <a:lstStyle/>
+                    <a:p>
+                      <a:pPr algn="ctr"/>
+                      <a:endParaRPr lang="en-US" dirty="0"/>
+                    </a:p>
+                  </a:txBody>
+                  <a:tcPr/>
+                </a:tc>
+                <a:tc>
+                  <a:txBody>
+                    <a:bodyPr/>
+                    <a:lstStyle/>
+                    <a:p>
+                      <a:pPr marL="0" marR="0" lvl="0" indent="0" algn="ctr" defTabSz="457063" rtl="0" eaLnBrk="1" fontAlgn="auto" latinLnBrk="0" hangingPunct="1">
+                        <a:lnSpc>
+                          <a:spcPct val="100000"/>
+                        </a:lnSpc>
+                        <a:spcBef>
+                          <a:spcPts val="0"/>
+                        </a:spcBef>
+                        <a:spcAft>
+                          <a:spcPts val="0"/>
+                        </a:spcAft>
+                        <a:buClrTx/>
+                        <a:buSzTx/>
+                        <a:buFontTx/>
+                        <a:buNone/>
+                        <a:tabLst/>
+                        <a:defRPr/>
+                      </a:pPr>
+                      <a:endParaRPr lang="en-US" dirty="0"/>
+                    </a:p>
+                  </a:txBody>
+                  <a:tcPr/>
+                </a:tc>
+                <a:tc>
+                  <a:txBody>
+                    <a:bodyPr/>
+                    <a:lstStyle/>
+                    <a:p>
+                      <a:pPr marL="0" marR="0" lvl="0" indent="0" algn="ctr" defTabSz="457063" rtl="0" eaLnBrk="1" fontAlgn="auto" latinLnBrk="0" hangingPunct="1">
+                        <a:lnSpc>
+                          <a:spcPct val="100000"/>
+                        </a:lnSpc>
+                        <a:spcBef>
+                          <a:spcPts val="0"/>
+                        </a:spcBef>
+                        <a:spcAft>
+                          <a:spcPts val="0"/>
+                        </a:spcAft>
+                        <a:buClrTx/>
+                        <a:buSzTx/>
+                        <a:buFontTx/>
+                        <a:buNone/>
+                        <a:tabLst/>
+                        <a:defRPr/>
+                      </a:pPr>
+                      <a:endParaRPr lang="en-US" dirty="0"/>
+                    </a:p>
+                  </a:txBody>
+                  <a:tcPr/>
+                </a:tc>
+                <a:extLst>
+                  <a:ext uri="{0D108BD9-81ED-4DB2-BD59-A6C34878D82A}">
+                    <a16:rowId xmlns:a16="http://schemas.microsoft.com/office/drawing/2014/main" val="3564928130"/>
+                  </a:ext>
+                </a:extLst>
+              </a:tr>
+            </a:tbl>
+          </a:graphicData>
+        </a:graphic>
+      </p:graphicFrame>
+    </p:spTree>
+    <p:extLst>
+      <p:ext uri="{BB962C8B-B14F-4D97-AF65-F5344CB8AC3E}">
+        <p14:creationId xmlns:p14="http://schemas.microsoft.com/office/powerpoint/2010/main" val="673501280"/>
+      </p:ext>
+    </p:extLst>
+  </p:cSld>
+  <p:clrMapOvr>
+    <a:masterClrMapping/>
+  </p:clrMapOvr>
+  <mc:AlternateContent xmlns:mc="http://schemas.openxmlformats.org/markup-compatibility/2006" xmlns:p14="http://schemas.microsoft.com/office/powerpoint/2010/main">
+    <mc:Choice Requires="p14">
+      <p:transition spd="med" p14:dur="700">
+        <p:fade/>
+      </p:transition>
+    </mc:Choice>
+    <mc:Fallback xmlns="">
+      <p:transition spd="med">
+        <p:fade/>
+      </p:transition>
+    </mc:Fallback>
+  </mc:AlternateContent>
+</p:sld>
+</file>
+
+<file path=ppt/slides/slide29.xml><?xml version="1.0" encoding="utf-8"?>
+<p:sld xmlns:a="http://schemas.openxmlformats.org/drawingml/2006/main" xmlns:r="http://schemas.openxmlformats.org/officeDocument/2006/relationships" xmlns:p="http://schemas.openxmlformats.org/presentationml/2006/main">
+  <p:cSld>
     <p:bg>
       <p:bgPr>
         <a:solidFill>
@@ -33645,92 +35274,6 @@
     <p:extLst>
       <p:ext uri="{BB962C8B-B14F-4D97-AF65-F5344CB8AC3E}">
         <p14:creationId xmlns:p14="http://schemas.microsoft.com/office/powerpoint/2010/main" val="3193752896"/>
-      </p:ext>
-    </p:extLst>
-  </p:cSld>
-  <p:clrMapOvr>
-    <a:masterClrMapping/>
-  </p:clrMapOvr>
-  <mc:AlternateContent xmlns:mc="http://schemas.openxmlformats.org/markup-compatibility/2006" xmlns:p14="http://schemas.microsoft.com/office/powerpoint/2010/main">
-    <mc:Choice Requires="p14">
-      <p:transition spd="med" p14:dur="700">
-        <p:fade/>
-      </p:transition>
-    </mc:Choice>
-    <mc:Fallback xmlns="">
-      <p:transition spd="med">
-        <p:fade/>
-      </p:transition>
-    </mc:Fallback>
-  </mc:AlternateContent>
-</p:sld>
-</file>
-
-<file path=ppt/slides/slide29.xml><?xml version="1.0" encoding="utf-8"?>
-<p:sld xmlns:a="http://schemas.openxmlformats.org/drawingml/2006/main" xmlns:r="http://schemas.openxmlformats.org/officeDocument/2006/relationships" xmlns:p="http://schemas.openxmlformats.org/presentationml/2006/main">
-  <p:cSld>
-    <p:spTree>
-      <p:nvGrpSpPr>
-        <p:cNvPr id="1" name=""/>
-        <p:cNvGrpSpPr/>
-        <p:nvPr/>
-      </p:nvGrpSpPr>
-      <p:grpSpPr>
-        <a:xfrm>
-          <a:off x="0" y="0"/>
-          <a:ext cx="0" cy="0"/>
-          <a:chOff x="0" y="0"/>
-          <a:chExt cx="0" cy="0"/>
-        </a:xfrm>
-      </p:grpSpPr>
-      <p:sp>
-        <p:nvSpPr>
-          <p:cNvPr id="5" name="Rectangle 4">
-            <a:extLst>
-              <a:ext uri="{FF2B5EF4-FFF2-40B4-BE49-F238E27FC236}">
-                <a16:creationId xmlns:a16="http://schemas.microsoft.com/office/drawing/2014/main" id="{86F37EA8-E346-44D3-9BCA-9003A76D1BAA}"/>
-              </a:ext>
-            </a:extLst>
-          </p:cNvPr>
-          <p:cNvSpPr/>
-          <p:nvPr/>
-        </p:nvSpPr>
-        <p:spPr>
-          <a:xfrm>
-            <a:off x="2208212" y="2644170"/>
-            <a:ext cx="7558498" cy="1569660"/>
-          </a:xfrm>
-          <a:prstGeom prst="rect">
-            <a:avLst/>
-          </a:prstGeom>
-        </p:spPr>
-        <p:txBody>
-          <a:bodyPr wrap="square">
-            <a:spAutoFit/>
-          </a:bodyPr>
-          <a:lstStyle/>
-          <a:p>
-            <a:r>
-              <a:rPr lang="en-US" sz="9600" dirty="0">
-                <a:solidFill>
-                  <a:schemeClr val="accent1"/>
-                </a:solidFill>
-                <a:latin typeface="Blackadder ITC" panose="04020505051007020D02" pitchFamily="82" charset="0"/>
-              </a:rPr>
-              <a:t>Questions ?</a:t>
-            </a:r>
-            <a:endParaRPr lang="en-US" sz="9600" dirty="0">
-              <a:solidFill>
-                <a:schemeClr val="accent1"/>
-              </a:solidFill>
-            </a:endParaRPr>
-          </a:p>
-        </p:txBody>
-      </p:sp>
-    </p:spTree>
-    <p:extLst>
-      <p:ext uri="{BB962C8B-B14F-4D97-AF65-F5344CB8AC3E}">
-        <p14:creationId xmlns:p14="http://schemas.microsoft.com/office/powerpoint/2010/main" val="1748486661"/>
       </p:ext>
     </p:extLst>
   </p:cSld>
@@ -34160,6 +35703,92 @@
 </file>
 
 <file path=ppt/slides/slide30.xml><?xml version="1.0" encoding="utf-8"?>
+<p:sld xmlns:a="http://schemas.openxmlformats.org/drawingml/2006/main" xmlns:r="http://schemas.openxmlformats.org/officeDocument/2006/relationships" xmlns:p="http://schemas.openxmlformats.org/presentationml/2006/main">
+  <p:cSld>
+    <p:spTree>
+      <p:nvGrpSpPr>
+        <p:cNvPr id="1" name=""/>
+        <p:cNvGrpSpPr/>
+        <p:nvPr/>
+      </p:nvGrpSpPr>
+      <p:grpSpPr>
+        <a:xfrm>
+          <a:off x="0" y="0"/>
+          <a:ext cx="0" cy="0"/>
+          <a:chOff x="0" y="0"/>
+          <a:chExt cx="0" cy="0"/>
+        </a:xfrm>
+      </p:grpSpPr>
+      <p:sp>
+        <p:nvSpPr>
+          <p:cNvPr id="5" name="Rectangle 4">
+            <a:extLst>
+              <a:ext uri="{FF2B5EF4-FFF2-40B4-BE49-F238E27FC236}">
+                <a16:creationId xmlns:a16="http://schemas.microsoft.com/office/drawing/2014/main" id="{86F37EA8-E346-44D3-9BCA-9003A76D1BAA}"/>
+              </a:ext>
+            </a:extLst>
+          </p:cNvPr>
+          <p:cNvSpPr/>
+          <p:nvPr/>
+        </p:nvSpPr>
+        <p:spPr>
+          <a:xfrm>
+            <a:off x="2208212" y="2644170"/>
+            <a:ext cx="7558498" cy="1569660"/>
+          </a:xfrm>
+          <a:prstGeom prst="rect">
+            <a:avLst/>
+          </a:prstGeom>
+        </p:spPr>
+        <p:txBody>
+          <a:bodyPr wrap="square">
+            <a:spAutoFit/>
+          </a:bodyPr>
+          <a:lstStyle/>
+          <a:p>
+            <a:r>
+              <a:rPr lang="en-US" sz="9600" dirty="0">
+                <a:solidFill>
+                  <a:schemeClr val="accent1"/>
+                </a:solidFill>
+                <a:latin typeface="Blackadder ITC" panose="04020505051007020D02" pitchFamily="82" charset="0"/>
+              </a:rPr>
+              <a:t>Questions ?</a:t>
+            </a:r>
+            <a:endParaRPr lang="en-US" sz="9600" dirty="0">
+              <a:solidFill>
+                <a:schemeClr val="accent1"/>
+              </a:solidFill>
+            </a:endParaRPr>
+          </a:p>
+        </p:txBody>
+      </p:sp>
+    </p:spTree>
+    <p:extLst>
+      <p:ext uri="{BB962C8B-B14F-4D97-AF65-F5344CB8AC3E}">
+        <p14:creationId xmlns:p14="http://schemas.microsoft.com/office/powerpoint/2010/main" val="1748486661"/>
+      </p:ext>
+    </p:extLst>
+  </p:cSld>
+  <p:clrMapOvr>
+    <a:masterClrMapping/>
+  </p:clrMapOvr>
+  <mc:AlternateContent xmlns:mc="http://schemas.openxmlformats.org/markup-compatibility/2006" xmlns:p14="http://schemas.microsoft.com/office/powerpoint/2010/main">
+    <mc:Choice Requires="p14">
+      <p:transition spd="med" p14:dur="700">
+        <p:fade/>
+      </p:transition>
+    </mc:Choice>
+    <mc:Fallback xmlns="">
+      <p:transition spd="med">
+        <p:fade/>
+      </p:transition>
+    </mc:Fallback>
+  </mc:AlternateContent>
+</p:sld>
+</file>
+
+<file path=ppt/slides/slide31.xml><?xml version="1.0" encoding="utf-8"?>
 <p:sld xmlns:a="http://schemas.openxmlformats.org/drawingml/2006/main" xmlns:r="http://schemas.openxmlformats.org/officeDocument/2006/relationships" xmlns:p="http://schemas.openxmlformats.org/presentationml/2006/main">
   <p:cSld>
     <p:spTree>
@@ -41380,151 +43009,6 @@
 </file>
 
 <file path=customXml/item1.xml><?xml version="1.0" encoding="utf-8"?>
-<?mso-contentType ?>
-<FormTemplates xmlns="http://schemas.microsoft.com/sharepoint/v3/contenttype/forms">
-  <Display>DocumentLibraryForm</Display>
-  <Edit>AssetEditForm</Edit>
-  <New>DocumentLibraryForm</New>
-</FormTemplates>
-</file>
-
-<file path=customXml/item2.xml><?xml version="1.0" encoding="utf-8"?>
-<p:properties xmlns:p="http://schemas.microsoft.com/office/2006/metadata/properties" xmlns:xsi="http://www.w3.org/2001/XMLSchema-instance" xmlns:pc="http://schemas.microsoft.com/office/infopath/2007/PartnerControls">
-  <documentManagement>
-    <LocPublishedLinkedAssetsLookup xmlns="4873beb7-5857-4685-be1f-d57550cc96cc" xsi:nil="true"/>
-    <ApprovalStatus xmlns="4873beb7-5857-4685-be1f-d57550cc96cc">InProgress</ApprovalStatus>
-    <MarketSpecific xmlns="4873beb7-5857-4685-be1f-d57550cc96cc">false</MarketSpecific>
-    <LocComments xmlns="4873beb7-5857-4685-be1f-d57550cc96cc" xsi:nil="true"/>
-    <LocLastLocAttemptVersionTypeLookup xmlns="4873beb7-5857-4685-be1f-d57550cc96cc" xsi:nil="true"/>
-    <DirectSourceMarket xmlns="4873beb7-5857-4685-be1f-d57550cc96cc" xsi:nil="true"/>
-    <ThumbnailAssetId xmlns="4873beb7-5857-4685-be1f-d57550cc96cc" xsi:nil="true"/>
-    <PrimaryImageGen xmlns="4873beb7-5857-4685-be1f-d57550cc96cc">false</PrimaryImageGen>
-    <LocNewPublishedVersionLookup xmlns="4873beb7-5857-4685-be1f-d57550cc96cc" xsi:nil="true"/>
-    <LegacyData xmlns="4873beb7-5857-4685-be1f-d57550cc96cc" xsi:nil="true"/>
-    <LocRecommendedHandoff xmlns="4873beb7-5857-4685-be1f-d57550cc96cc" xsi:nil="true"/>
-    <BusinessGroup xmlns="4873beb7-5857-4685-be1f-d57550cc96cc" xsi:nil="true"/>
-    <BlockPublish xmlns="4873beb7-5857-4685-be1f-d57550cc96cc">false</BlockPublish>
-    <TPFriendlyName xmlns="4873beb7-5857-4685-be1f-d57550cc96cc" xsi:nil="true"/>
-    <LocOverallPublishStatusLookup xmlns="4873beb7-5857-4685-be1f-d57550cc96cc" xsi:nil="true"/>
-    <NumericId xmlns="4873beb7-5857-4685-be1f-d57550cc96cc" xsi:nil="true"/>
-    <APEditor xmlns="4873beb7-5857-4685-be1f-d57550cc96cc">
-      <UserInfo>
-        <DisplayName/>
-        <AccountId xsi:nil="true"/>
-        <AccountType/>
-      </UserInfo>
-    </APEditor>
-    <SourceTitle xmlns="4873beb7-5857-4685-be1f-d57550cc96cc" xsi:nil="true"/>
-    <OpenTemplate xmlns="4873beb7-5857-4685-be1f-d57550cc96cc">true</OpenTemplate>
-    <LocOverallLocStatusLookup xmlns="4873beb7-5857-4685-be1f-d57550cc96cc" xsi:nil="true"/>
-    <UALocComments xmlns="4873beb7-5857-4685-be1f-d57550cc96cc" xsi:nil="true"/>
-    <ParentAssetId xmlns="4873beb7-5857-4685-be1f-d57550cc96cc" xsi:nil="true"/>
-    <IntlLangReviewDate xmlns="4873beb7-5857-4685-be1f-d57550cc96cc" xsi:nil="true"/>
-    <FeatureTagsTaxHTField0 xmlns="4873beb7-5857-4685-be1f-d57550cc96cc">
-      <Terms xmlns="http://schemas.microsoft.com/office/infopath/2007/PartnerControls"/>
-    </FeatureTagsTaxHTField0>
-    <PublishStatusLookup xmlns="4873beb7-5857-4685-be1f-d57550cc96cc">
-      <Value>1345039</Value>
-    </PublishStatusLookup>
-    <Providers xmlns="4873beb7-5857-4685-be1f-d57550cc96cc" xsi:nil="true"/>
-    <MachineTranslated xmlns="4873beb7-5857-4685-be1f-d57550cc96cc">false</MachineTranslated>
-    <OriginalSourceMarket xmlns="4873beb7-5857-4685-be1f-d57550cc96cc" xsi:nil="true"/>
-    <APDescription xmlns="4873beb7-5857-4685-be1f-d57550cc96cc">The bookstacks present on most slides  make this a good choice for students, teachers, reading enthusiasts, and others in education. This presentation template contains multiple slide layouts in widescreen format (16x9) and includes a sample table and chart that you can easily  modify.</APDescription>
-    <ClipArtFilename xmlns="4873beb7-5857-4685-be1f-d57550cc96cc" xsi:nil="true"/>
-    <ContentItem xmlns="4873beb7-5857-4685-be1f-d57550cc96cc" xsi:nil="true"/>
-    <TPInstallLocation xmlns="4873beb7-5857-4685-be1f-d57550cc96cc" xsi:nil="true"/>
-    <PublishTargets xmlns="4873beb7-5857-4685-be1f-d57550cc96cc">OfficeOnlineVNext</PublishTargets>
-    <TimesCloned xmlns="4873beb7-5857-4685-be1f-d57550cc96cc" xsi:nil="true"/>
-    <AssetStart xmlns="4873beb7-5857-4685-be1f-d57550cc96cc">2011-11-26T00:00:00+00:00</AssetStart>
-    <Provider xmlns="4873beb7-5857-4685-be1f-d57550cc96cc" xsi:nil="true"/>
-    <AcquiredFrom xmlns="4873beb7-5857-4685-be1f-d57550cc96cc">Internal MS</AcquiredFrom>
-    <FriendlyTitle xmlns="4873beb7-5857-4685-be1f-d57550cc96cc" xsi:nil="true"/>
-    <LastHandOff xmlns="4873beb7-5857-4685-be1f-d57550cc96cc" xsi:nil="true"/>
-    <TPClientViewer xmlns="4873beb7-5857-4685-be1f-d57550cc96cc" xsi:nil="true"/>
-    <TemplateStatus xmlns="4873beb7-5857-4685-be1f-d57550cc96cc">Complete</TemplateStatus>
-    <Downloads xmlns="4873beb7-5857-4685-be1f-d57550cc96cc">0</Downloads>
-    <OOCacheId xmlns="4873beb7-5857-4685-be1f-d57550cc96cc" xsi:nil="true"/>
-    <IsDeleted xmlns="4873beb7-5857-4685-be1f-d57550cc96cc">false</IsDeleted>
-    <LocPublishedDependentAssetsLookup xmlns="4873beb7-5857-4685-be1f-d57550cc96cc" xsi:nil="true"/>
-    <AssetExpire xmlns="4873beb7-5857-4685-be1f-d57550cc96cc">2029-05-12T07:00:00+00:00</AssetExpire>
-    <DSATActionTaken xmlns="4873beb7-5857-4685-be1f-d57550cc96cc" xsi:nil="true"/>
-    <CSXSubmissionMarket xmlns="4873beb7-5857-4685-be1f-d57550cc96cc" xsi:nil="true"/>
-    <TPExecutable xmlns="4873beb7-5857-4685-be1f-d57550cc96cc" xsi:nil="true"/>
-    <EditorialTags xmlns="4873beb7-5857-4685-be1f-d57550cc96cc" xsi:nil="true"/>
-    <SubmitterId xmlns="4873beb7-5857-4685-be1f-d57550cc96cc" xsi:nil="true"/>
-    <ApprovalLog xmlns="4873beb7-5857-4685-be1f-d57550cc96cc" xsi:nil="true"/>
-    <AssetType xmlns="4873beb7-5857-4685-be1f-d57550cc96cc">TP</AssetType>
-    <BugNumber xmlns="4873beb7-5857-4685-be1f-d57550cc96cc" xsi:nil="true"/>
-    <CSXSubmissionDate xmlns="4873beb7-5857-4685-be1f-d57550cc96cc" xsi:nil="true"/>
-    <CSXUpdate xmlns="4873beb7-5857-4685-be1f-d57550cc96cc">false</CSXUpdate>
-    <Milestone xmlns="4873beb7-5857-4685-be1f-d57550cc96cc" xsi:nil="true"/>
-    <RecommendationsModifier xmlns="4873beb7-5857-4685-be1f-d57550cc96cc" xsi:nil="true"/>
-    <OriginAsset xmlns="4873beb7-5857-4685-be1f-d57550cc96cc" xsi:nil="true"/>
-    <TPComponent xmlns="4873beb7-5857-4685-be1f-d57550cc96cc" xsi:nil="true"/>
-    <AssetId xmlns="4873beb7-5857-4685-be1f-d57550cc96cc">TP102787939</AssetId>
-    <IntlLocPriority xmlns="4873beb7-5857-4685-be1f-d57550cc96cc" xsi:nil="true"/>
-    <PolicheckWords xmlns="4873beb7-5857-4685-be1f-d57550cc96cc" xsi:nil="true"/>
-    <TPLaunchHelpLink xmlns="4873beb7-5857-4685-be1f-d57550cc96cc" xsi:nil="true"/>
-    <TPApplication xmlns="4873beb7-5857-4685-be1f-d57550cc96cc" xsi:nil="true"/>
-    <CrawlForDependencies xmlns="4873beb7-5857-4685-be1f-d57550cc96cc">false</CrawlForDependencies>
-    <HandoffToMSDN xmlns="4873beb7-5857-4685-be1f-d57550cc96cc" xsi:nil="true"/>
-    <PlannedPubDate xmlns="4873beb7-5857-4685-be1f-d57550cc96cc" xsi:nil="true"/>
-    <IntlLangReviewer xmlns="4873beb7-5857-4685-be1f-d57550cc96cc" xsi:nil="true"/>
-    <TrustLevel xmlns="4873beb7-5857-4685-be1f-d57550cc96cc">1 Microsoft Managed Content</TrustLevel>
-    <LocLastLocAttemptVersionLookup xmlns="4873beb7-5857-4685-be1f-d57550cc96cc">694216</LocLastLocAttemptVersionLookup>
-    <LocProcessedForHandoffsLookup xmlns="4873beb7-5857-4685-be1f-d57550cc96cc" xsi:nil="true"/>
-    <IsSearchable xmlns="4873beb7-5857-4685-be1f-d57550cc96cc">true</IsSearchable>
-    <TemplateTemplateType xmlns="4873beb7-5857-4685-be1f-d57550cc96cc">PowerPoint Presentation Template</TemplateTemplateType>
-    <CampaignTagsTaxHTField0 xmlns="4873beb7-5857-4685-be1f-d57550cc96cc">
-      <Terms xmlns="http://schemas.microsoft.com/office/infopath/2007/PartnerControls"/>
-    </CampaignTagsTaxHTField0>
-    <TPNamespace xmlns="4873beb7-5857-4685-be1f-d57550cc96cc" xsi:nil="true"/>
-    <LocOverallPreviewStatusLookup xmlns="4873beb7-5857-4685-be1f-d57550cc96cc" xsi:nil="true"/>
-    <TaxCatchAll xmlns="4873beb7-5857-4685-be1f-d57550cc96cc"/>
-    <Markets xmlns="4873beb7-5857-4685-be1f-d57550cc96cc"/>
-    <UAProjectedTotalWords xmlns="4873beb7-5857-4685-be1f-d57550cc96cc" xsi:nil="true"/>
-    <IntlLangReview xmlns="4873beb7-5857-4685-be1f-d57550cc96cc" xsi:nil="true"/>
-    <OutputCachingOn xmlns="4873beb7-5857-4685-be1f-d57550cc96cc">false</OutputCachingOn>
-    <AverageRating xmlns="4873beb7-5857-4685-be1f-d57550cc96cc" xsi:nil="true"/>
-    <APAuthor xmlns="4873beb7-5857-4685-be1f-d57550cc96cc">
-      <UserInfo>
-        <DisplayName>REDMOND\kristaa</DisplayName>
-        <AccountId>136</AccountId>
-        <AccountType/>
-      </UserInfo>
-    </APAuthor>
-    <LocManualTestRequired xmlns="4873beb7-5857-4685-be1f-d57550cc96cc">false</LocManualTestRequired>
-    <TPCommandLine xmlns="4873beb7-5857-4685-be1f-d57550cc96cc" xsi:nil="true"/>
-    <TPAppVersion xmlns="4873beb7-5857-4685-be1f-d57550cc96cc" xsi:nil="true"/>
-    <EditorialStatus xmlns="4873beb7-5857-4685-be1f-d57550cc96cc">Complete</EditorialStatus>
-    <LastModifiedDateTime xmlns="4873beb7-5857-4685-be1f-d57550cc96cc" xsi:nil="true"/>
-    <ScenarioTagsTaxHTField0 xmlns="4873beb7-5857-4685-be1f-d57550cc96cc">
-      <Terms xmlns="http://schemas.microsoft.com/office/infopath/2007/PartnerControls"/>
-    </ScenarioTagsTaxHTField0>
-    <LocProcessedForMarketsLookup xmlns="4873beb7-5857-4685-be1f-d57550cc96cc" xsi:nil="true"/>
-    <TPLaunchHelpLinkType xmlns="4873beb7-5857-4685-be1f-d57550cc96cc">Template</TPLaunchHelpLinkType>
-    <OriginalRelease xmlns="4873beb7-5857-4685-be1f-d57550cc96cc">15</OriginalRelease>
-    <LocalizationTagsTaxHTField0 xmlns="4873beb7-5857-4685-be1f-d57550cc96cc">
-      <Terms xmlns="http://schemas.microsoft.com/office/infopath/2007/PartnerControls"/>
-    </LocalizationTagsTaxHTField0>
-    <UACurrentWords xmlns="4873beb7-5857-4685-be1f-d57550cc96cc" xsi:nil="true"/>
-    <ArtSampleDocs xmlns="4873beb7-5857-4685-be1f-d57550cc96cc" xsi:nil="true"/>
-    <UALocRecommendation xmlns="4873beb7-5857-4685-be1f-d57550cc96cc">Localize</UALocRecommendation>
-    <Manager xmlns="4873beb7-5857-4685-be1f-d57550cc96cc" xsi:nil="true"/>
-    <LocOverallHandbackStatusLookup xmlns="4873beb7-5857-4685-be1f-d57550cc96cc" xsi:nil="true"/>
-    <ShowIn xmlns="4873beb7-5857-4685-be1f-d57550cc96cc">Show everywhere</ShowIn>
-    <UANotes xmlns="4873beb7-5857-4685-be1f-d57550cc96cc" xsi:nil="true"/>
-    <InternalTagsTaxHTField0 xmlns="4873beb7-5857-4685-be1f-d57550cc96cc">
-      <Terms xmlns="http://schemas.microsoft.com/office/infopath/2007/PartnerControls"/>
-    </InternalTagsTaxHTField0>
-    <CSXHash xmlns="4873beb7-5857-4685-be1f-d57550cc96cc" xsi:nil="true"/>
-    <VoteCount xmlns="4873beb7-5857-4685-be1f-d57550cc96cc" xsi:nil="true"/>
-    <LocMarketGroupTiers2 xmlns="4873beb7-5857-4685-be1f-d57550cc96cc" xsi:nil="true"/>
-  </documentManagement>
-</p:properties>
-</file>
-
-<file path=customXml/item3.xml><?xml version="1.0" encoding="utf-8"?>
 <ct:contentTypeSchema xmlns:ct="http://schemas.microsoft.com/office/2006/metadata/contentType" xmlns:ma="http://schemas.microsoft.com/office/2006/metadata/properties/metaAttributes" ct:_="" ma:_="" ma:contentTypeName="TemplateFile" ma:contentTypeID="0x0101006EDDDB5EE6D98C44930B742096920B300400F5B6D36B3EF94B4E9A635CDF2A18F5B8" ma:contentTypeVersion="72" ma:contentTypeDescription="Create a new document." ma:contentTypeScope="" ma:versionID="a23e56308344d904b51738559c3d67c9">
   <xsd:schema xmlns:xsd="http://www.w3.org/2001/XMLSchema" xmlns:xs="http://www.w3.org/2001/XMLSchema" xmlns:p="http://schemas.microsoft.com/office/2006/metadata/properties" xmlns:ns2="4873beb7-5857-4685-be1f-d57550cc96cc" targetNamespace="http://schemas.microsoft.com/office/2006/metadata/properties" ma:root="true" ma:fieldsID="cd0908cc4600e77bf5da051303e00c8d" ns2:_="">
     <xsd:import namespace="4873beb7-5857-4685-be1f-d57550cc96cc"/>
@@ -42564,10 +44048,165 @@
 </ct:contentTypeSchema>
 </file>
 
+<file path=customXml/item2.xml><?xml version="1.0" encoding="utf-8"?>
+<p:properties xmlns:p="http://schemas.microsoft.com/office/2006/metadata/properties" xmlns:xsi="http://www.w3.org/2001/XMLSchema-instance" xmlns:pc="http://schemas.microsoft.com/office/infopath/2007/PartnerControls">
+  <documentManagement>
+    <LocPublishedLinkedAssetsLookup xmlns="4873beb7-5857-4685-be1f-d57550cc96cc" xsi:nil="true"/>
+    <ApprovalStatus xmlns="4873beb7-5857-4685-be1f-d57550cc96cc">InProgress</ApprovalStatus>
+    <MarketSpecific xmlns="4873beb7-5857-4685-be1f-d57550cc96cc">false</MarketSpecific>
+    <LocComments xmlns="4873beb7-5857-4685-be1f-d57550cc96cc" xsi:nil="true"/>
+    <LocLastLocAttemptVersionTypeLookup xmlns="4873beb7-5857-4685-be1f-d57550cc96cc" xsi:nil="true"/>
+    <DirectSourceMarket xmlns="4873beb7-5857-4685-be1f-d57550cc96cc" xsi:nil="true"/>
+    <ThumbnailAssetId xmlns="4873beb7-5857-4685-be1f-d57550cc96cc" xsi:nil="true"/>
+    <PrimaryImageGen xmlns="4873beb7-5857-4685-be1f-d57550cc96cc">false</PrimaryImageGen>
+    <LocNewPublishedVersionLookup xmlns="4873beb7-5857-4685-be1f-d57550cc96cc" xsi:nil="true"/>
+    <LegacyData xmlns="4873beb7-5857-4685-be1f-d57550cc96cc" xsi:nil="true"/>
+    <LocRecommendedHandoff xmlns="4873beb7-5857-4685-be1f-d57550cc96cc" xsi:nil="true"/>
+    <BusinessGroup xmlns="4873beb7-5857-4685-be1f-d57550cc96cc" xsi:nil="true"/>
+    <BlockPublish xmlns="4873beb7-5857-4685-be1f-d57550cc96cc">false</BlockPublish>
+    <TPFriendlyName xmlns="4873beb7-5857-4685-be1f-d57550cc96cc" xsi:nil="true"/>
+    <LocOverallPublishStatusLookup xmlns="4873beb7-5857-4685-be1f-d57550cc96cc" xsi:nil="true"/>
+    <NumericId xmlns="4873beb7-5857-4685-be1f-d57550cc96cc" xsi:nil="true"/>
+    <APEditor xmlns="4873beb7-5857-4685-be1f-d57550cc96cc">
+      <UserInfo>
+        <DisplayName/>
+        <AccountId xsi:nil="true"/>
+        <AccountType/>
+      </UserInfo>
+    </APEditor>
+    <SourceTitle xmlns="4873beb7-5857-4685-be1f-d57550cc96cc" xsi:nil="true"/>
+    <OpenTemplate xmlns="4873beb7-5857-4685-be1f-d57550cc96cc">true</OpenTemplate>
+    <LocOverallLocStatusLookup xmlns="4873beb7-5857-4685-be1f-d57550cc96cc" xsi:nil="true"/>
+    <UALocComments xmlns="4873beb7-5857-4685-be1f-d57550cc96cc" xsi:nil="true"/>
+    <ParentAssetId xmlns="4873beb7-5857-4685-be1f-d57550cc96cc" xsi:nil="true"/>
+    <IntlLangReviewDate xmlns="4873beb7-5857-4685-be1f-d57550cc96cc" xsi:nil="true"/>
+    <FeatureTagsTaxHTField0 xmlns="4873beb7-5857-4685-be1f-d57550cc96cc">
+      <Terms xmlns="http://schemas.microsoft.com/office/infopath/2007/PartnerControls"/>
+    </FeatureTagsTaxHTField0>
+    <PublishStatusLookup xmlns="4873beb7-5857-4685-be1f-d57550cc96cc">
+      <Value>1345039</Value>
+    </PublishStatusLookup>
+    <Providers xmlns="4873beb7-5857-4685-be1f-d57550cc96cc" xsi:nil="true"/>
+    <MachineTranslated xmlns="4873beb7-5857-4685-be1f-d57550cc96cc">false</MachineTranslated>
+    <OriginalSourceMarket xmlns="4873beb7-5857-4685-be1f-d57550cc96cc" xsi:nil="true"/>
+    <APDescription xmlns="4873beb7-5857-4685-be1f-d57550cc96cc">The bookstacks present on most slides  make this a good choice for students, teachers, reading enthusiasts, and others in education. This presentation template contains multiple slide layouts in widescreen format (16x9) and includes a sample table and chart that you can easily  modify.</APDescription>
+    <ClipArtFilename xmlns="4873beb7-5857-4685-be1f-d57550cc96cc" xsi:nil="true"/>
+    <ContentItem xmlns="4873beb7-5857-4685-be1f-d57550cc96cc" xsi:nil="true"/>
+    <TPInstallLocation xmlns="4873beb7-5857-4685-be1f-d57550cc96cc" xsi:nil="true"/>
+    <PublishTargets xmlns="4873beb7-5857-4685-be1f-d57550cc96cc">OfficeOnlineVNext</PublishTargets>
+    <TimesCloned xmlns="4873beb7-5857-4685-be1f-d57550cc96cc" xsi:nil="true"/>
+    <AssetStart xmlns="4873beb7-5857-4685-be1f-d57550cc96cc">2011-11-26T00:00:00+00:00</AssetStart>
+    <Provider xmlns="4873beb7-5857-4685-be1f-d57550cc96cc" xsi:nil="true"/>
+    <AcquiredFrom xmlns="4873beb7-5857-4685-be1f-d57550cc96cc">Internal MS</AcquiredFrom>
+    <FriendlyTitle xmlns="4873beb7-5857-4685-be1f-d57550cc96cc" xsi:nil="true"/>
+    <LastHandOff xmlns="4873beb7-5857-4685-be1f-d57550cc96cc" xsi:nil="true"/>
+    <TPClientViewer xmlns="4873beb7-5857-4685-be1f-d57550cc96cc" xsi:nil="true"/>
+    <TemplateStatus xmlns="4873beb7-5857-4685-be1f-d57550cc96cc">Complete</TemplateStatus>
+    <Downloads xmlns="4873beb7-5857-4685-be1f-d57550cc96cc">0</Downloads>
+    <OOCacheId xmlns="4873beb7-5857-4685-be1f-d57550cc96cc" xsi:nil="true"/>
+    <IsDeleted xmlns="4873beb7-5857-4685-be1f-d57550cc96cc">false</IsDeleted>
+    <LocPublishedDependentAssetsLookup xmlns="4873beb7-5857-4685-be1f-d57550cc96cc" xsi:nil="true"/>
+    <AssetExpire xmlns="4873beb7-5857-4685-be1f-d57550cc96cc">2029-05-12T07:00:00+00:00</AssetExpire>
+    <DSATActionTaken xmlns="4873beb7-5857-4685-be1f-d57550cc96cc" xsi:nil="true"/>
+    <CSXSubmissionMarket xmlns="4873beb7-5857-4685-be1f-d57550cc96cc" xsi:nil="true"/>
+    <TPExecutable xmlns="4873beb7-5857-4685-be1f-d57550cc96cc" xsi:nil="true"/>
+    <EditorialTags xmlns="4873beb7-5857-4685-be1f-d57550cc96cc" xsi:nil="true"/>
+    <SubmitterId xmlns="4873beb7-5857-4685-be1f-d57550cc96cc" xsi:nil="true"/>
+    <ApprovalLog xmlns="4873beb7-5857-4685-be1f-d57550cc96cc" xsi:nil="true"/>
+    <AssetType xmlns="4873beb7-5857-4685-be1f-d57550cc96cc">TP</AssetType>
+    <BugNumber xmlns="4873beb7-5857-4685-be1f-d57550cc96cc" xsi:nil="true"/>
+    <CSXSubmissionDate xmlns="4873beb7-5857-4685-be1f-d57550cc96cc" xsi:nil="true"/>
+    <CSXUpdate xmlns="4873beb7-5857-4685-be1f-d57550cc96cc">false</CSXUpdate>
+    <Milestone xmlns="4873beb7-5857-4685-be1f-d57550cc96cc" xsi:nil="true"/>
+    <RecommendationsModifier xmlns="4873beb7-5857-4685-be1f-d57550cc96cc" xsi:nil="true"/>
+    <OriginAsset xmlns="4873beb7-5857-4685-be1f-d57550cc96cc" xsi:nil="true"/>
+    <TPComponent xmlns="4873beb7-5857-4685-be1f-d57550cc96cc" xsi:nil="true"/>
+    <AssetId xmlns="4873beb7-5857-4685-be1f-d57550cc96cc">TP102787939</AssetId>
+    <IntlLocPriority xmlns="4873beb7-5857-4685-be1f-d57550cc96cc" xsi:nil="true"/>
+    <PolicheckWords xmlns="4873beb7-5857-4685-be1f-d57550cc96cc" xsi:nil="true"/>
+    <TPLaunchHelpLink xmlns="4873beb7-5857-4685-be1f-d57550cc96cc" xsi:nil="true"/>
+    <TPApplication xmlns="4873beb7-5857-4685-be1f-d57550cc96cc" xsi:nil="true"/>
+    <CrawlForDependencies xmlns="4873beb7-5857-4685-be1f-d57550cc96cc">false</CrawlForDependencies>
+    <HandoffToMSDN xmlns="4873beb7-5857-4685-be1f-d57550cc96cc" xsi:nil="true"/>
+    <PlannedPubDate xmlns="4873beb7-5857-4685-be1f-d57550cc96cc" xsi:nil="true"/>
+    <IntlLangReviewer xmlns="4873beb7-5857-4685-be1f-d57550cc96cc" xsi:nil="true"/>
+    <TrustLevel xmlns="4873beb7-5857-4685-be1f-d57550cc96cc">1 Microsoft Managed Content</TrustLevel>
+    <LocLastLocAttemptVersionLookup xmlns="4873beb7-5857-4685-be1f-d57550cc96cc">694216</LocLastLocAttemptVersionLookup>
+    <LocProcessedForHandoffsLookup xmlns="4873beb7-5857-4685-be1f-d57550cc96cc" xsi:nil="true"/>
+    <IsSearchable xmlns="4873beb7-5857-4685-be1f-d57550cc96cc">true</IsSearchable>
+    <TemplateTemplateType xmlns="4873beb7-5857-4685-be1f-d57550cc96cc">PowerPoint Presentation Template</TemplateTemplateType>
+    <CampaignTagsTaxHTField0 xmlns="4873beb7-5857-4685-be1f-d57550cc96cc">
+      <Terms xmlns="http://schemas.microsoft.com/office/infopath/2007/PartnerControls"/>
+    </CampaignTagsTaxHTField0>
+    <TPNamespace xmlns="4873beb7-5857-4685-be1f-d57550cc96cc" xsi:nil="true"/>
+    <LocOverallPreviewStatusLookup xmlns="4873beb7-5857-4685-be1f-d57550cc96cc" xsi:nil="true"/>
+    <TaxCatchAll xmlns="4873beb7-5857-4685-be1f-d57550cc96cc"/>
+    <Markets xmlns="4873beb7-5857-4685-be1f-d57550cc96cc"/>
+    <UAProjectedTotalWords xmlns="4873beb7-5857-4685-be1f-d57550cc96cc" xsi:nil="true"/>
+    <IntlLangReview xmlns="4873beb7-5857-4685-be1f-d57550cc96cc" xsi:nil="true"/>
+    <OutputCachingOn xmlns="4873beb7-5857-4685-be1f-d57550cc96cc">false</OutputCachingOn>
+    <AverageRating xmlns="4873beb7-5857-4685-be1f-d57550cc96cc" xsi:nil="true"/>
+    <APAuthor xmlns="4873beb7-5857-4685-be1f-d57550cc96cc">
+      <UserInfo>
+        <DisplayName>REDMOND\kristaa</DisplayName>
+        <AccountId>136</AccountId>
+        <AccountType/>
+      </UserInfo>
+    </APAuthor>
+    <LocManualTestRequired xmlns="4873beb7-5857-4685-be1f-d57550cc96cc">false</LocManualTestRequired>
+    <TPCommandLine xmlns="4873beb7-5857-4685-be1f-d57550cc96cc" xsi:nil="true"/>
+    <TPAppVersion xmlns="4873beb7-5857-4685-be1f-d57550cc96cc" xsi:nil="true"/>
+    <EditorialStatus xmlns="4873beb7-5857-4685-be1f-d57550cc96cc">Complete</EditorialStatus>
+    <LastModifiedDateTime xmlns="4873beb7-5857-4685-be1f-d57550cc96cc" xsi:nil="true"/>
+    <ScenarioTagsTaxHTField0 xmlns="4873beb7-5857-4685-be1f-d57550cc96cc">
+      <Terms xmlns="http://schemas.microsoft.com/office/infopath/2007/PartnerControls"/>
+    </ScenarioTagsTaxHTField0>
+    <LocProcessedForMarketsLookup xmlns="4873beb7-5857-4685-be1f-d57550cc96cc" xsi:nil="true"/>
+    <TPLaunchHelpLinkType xmlns="4873beb7-5857-4685-be1f-d57550cc96cc">Template</TPLaunchHelpLinkType>
+    <OriginalRelease xmlns="4873beb7-5857-4685-be1f-d57550cc96cc">15</OriginalRelease>
+    <LocalizationTagsTaxHTField0 xmlns="4873beb7-5857-4685-be1f-d57550cc96cc">
+      <Terms xmlns="http://schemas.microsoft.com/office/infopath/2007/PartnerControls"/>
+    </LocalizationTagsTaxHTField0>
+    <UACurrentWords xmlns="4873beb7-5857-4685-be1f-d57550cc96cc" xsi:nil="true"/>
+    <ArtSampleDocs xmlns="4873beb7-5857-4685-be1f-d57550cc96cc" xsi:nil="true"/>
+    <UALocRecommendation xmlns="4873beb7-5857-4685-be1f-d57550cc96cc">Localize</UALocRecommendation>
+    <Manager xmlns="4873beb7-5857-4685-be1f-d57550cc96cc" xsi:nil="true"/>
+    <LocOverallHandbackStatusLookup xmlns="4873beb7-5857-4685-be1f-d57550cc96cc" xsi:nil="true"/>
+    <ShowIn xmlns="4873beb7-5857-4685-be1f-d57550cc96cc">Show everywhere</ShowIn>
+    <UANotes xmlns="4873beb7-5857-4685-be1f-d57550cc96cc" xsi:nil="true"/>
+    <InternalTagsTaxHTField0 xmlns="4873beb7-5857-4685-be1f-d57550cc96cc">
+      <Terms xmlns="http://schemas.microsoft.com/office/infopath/2007/PartnerControls"/>
+    </InternalTagsTaxHTField0>
+    <CSXHash xmlns="4873beb7-5857-4685-be1f-d57550cc96cc" xsi:nil="true"/>
+    <VoteCount xmlns="4873beb7-5857-4685-be1f-d57550cc96cc" xsi:nil="true"/>
+    <LocMarketGroupTiers2 xmlns="4873beb7-5857-4685-be1f-d57550cc96cc" xsi:nil="true"/>
+  </documentManagement>
+</p:properties>
+</file>
+
+<file path=customXml/item3.xml><?xml version="1.0" encoding="utf-8"?>
+<?mso-contentType ?>
+<FormTemplates xmlns="http://schemas.microsoft.com/sharepoint/v3/contenttype/forms">
+  <Display>DocumentLibraryForm</Display>
+  <Edit>AssetEditForm</Edit>
+  <New>DocumentLibraryForm</New>
+</FormTemplates>
+</file>
+
 <file path=customXml/itemProps1.xml><?xml version="1.0" encoding="utf-8"?>
-<ds:datastoreItem xmlns:ds="http://schemas.openxmlformats.org/officeDocument/2006/customXml" ds:itemID="{E1B558C7-619B-49BE-9097-7FCBDADD4ECE}">
+<ds:datastoreItem xmlns:ds="http://schemas.openxmlformats.org/officeDocument/2006/customXml" ds:itemID="{BBB5C329-08A6-4E5E-AEF1-A97828C87411}">
   <ds:schemaRefs>
-    <ds:schemaRef ds:uri="http://schemas.microsoft.com/sharepoint/v3/contenttype/forms"/>
+    <ds:schemaRef ds:uri="http://schemas.microsoft.com/office/2006/metadata/contentType"/>
+    <ds:schemaRef ds:uri="http://schemas.microsoft.com/office/2006/metadata/properties/metaAttributes"/>
+    <ds:schemaRef ds:uri="http://www.w3.org/2001/XMLSchema"/>
+    <ds:schemaRef ds:uri="http://schemas.microsoft.com/office/2006/metadata/properties"/>
+    <ds:schemaRef ds:uri="4873beb7-5857-4685-be1f-d57550cc96cc"/>
+    <ds:schemaRef ds:uri="http://schemas.microsoft.com/office/2006/documentManagement/types"/>
+    <ds:schemaRef ds:uri="http://schemas.microsoft.com/office/infopath/2007/PartnerControls"/>
+    <ds:schemaRef ds:uri="http://schemas.openxmlformats.org/package/2006/metadata/core-properties"/>
+    <ds:schemaRef ds:uri="http://purl.org/dc/elements/1.1/"/>
+    <ds:schemaRef ds:uri="http://purl.org/dc/terms/"/>
+    <ds:schemaRef ds:uri="http://schemas.microsoft.com/internal/obd"/>
   </ds:schemaRefs>
 </ds:datastoreItem>
 </file>
@@ -42589,19 +44228,9 @@
 </file>
 
 <file path=customXml/itemProps3.xml><?xml version="1.0" encoding="utf-8"?>
-<ds:datastoreItem xmlns:ds="http://schemas.openxmlformats.org/officeDocument/2006/customXml" ds:itemID="{BBB5C329-08A6-4E5E-AEF1-A97828C87411}">
+<ds:datastoreItem xmlns:ds="http://schemas.openxmlformats.org/officeDocument/2006/customXml" ds:itemID="{E1B558C7-619B-49BE-9097-7FCBDADD4ECE}">
   <ds:schemaRefs>
-    <ds:schemaRef ds:uri="http://schemas.microsoft.com/office/2006/metadata/contentType"/>
-    <ds:schemaRef ds:uri="http://schemas.microsoft.com/office/2006/metadata/properties/metaAttributes"/>
-    <ds:schemaRef ds:uri="http://www.w3.org/2001/XMLSchema"/>
-    <ds:schemaRef ds:uri="http://schemas.microsoft.com/office/2006/metadata/properties"/>
-    <ds:schemaRef ds:uri="4873beb7-5857-4685-be1f-d57550cc96cc"/>
-    <ds:schemaRef ds:uri="http://schemas.microsoft.com/office/2006/documentManagement/types"/>
-    <ds:schemaRef ds:uri="http://schemas.microsoft.com/office/infopath/2007/PartnerControls"/>
-    <ds:schemaRef ds:uri="http://schemas.openxmlformats.org/package/2006/metadata/core-properties"/>
-    <ds:schemaRef ds:uri="http://purl.org/dc/elements/1.1/"/>
-    <ds:schemaRef ds:uri="http://purl.org/dc/terms/"/>
-    <ds:schemaRef ds:uri="http://schemas.microsoft.com/internal/obd"/>
+    <ds:schemaRef ds:uri="http://schemas.microsoft.com/sharepoint/v3/contenttype/forms"/>
   </ds:schemaRefs>
 </ds:datastoreItem>
 </file>